--- a/documents/worldMap発表資料改良.pptx
+++ b/documents/worldMap発表資料改良.pptx
@@ -5,10 +5,10 @@
     <p:sldMasterId id="2147483723" r:id="rId1"/>
   </p:sldMasterIdLst>
   <p:notesMasterIdLst>
-    <p:notesMasterId r:id="rId31"/>
+    <p:notesMasterId r:id="rId32"/>
   </p:notesMasterIdLst>
   <p:handoutMasterIdLst>
-    <p:handoutMasterId r:id="rId32"/>
+    <p:handoutMasterId r:id="rId33"/>
   </p:handoutMasterIdLst>
   <p:sldIdLst>
     <p:sldId id="296" r:id="rId2"/>
@@ -35,11 +35,12 @@
     <p:sldId id="350" r:id="rId23"/>
     <p:sldId id="349" r:id="rId24"/>
     <p:sldId id="342" r:id="rId25"/>
-    <p:sldId id="304" r:id="rId26"/>
-    <p:sldId id="309" r:id="rId27"/>
-    <p:sldId id="315" r:id="rId28"/>
-    <p:sldId id="335" r:id="rId29"/>
-    <p:sldId id="345" r:id="rId30"/>
+    <p:sldId id="353" r:id="rId26"/>
+    <p:sldId id="304" r:id="rId27"/>
+    <p:sldId id="309" r:id="rId28"/>
+    <p:sldId id="315" r:id="rId29"/>
+    <p:sldId id="335" r:id="rId30"/>
+    <p:sldId id="345" r:id="rId31"/>
   </p:sldIdLst>
   <p:sldSz cx="12192000" cy="6858000"/>
   <p:notesSz cx="6858000" cy="9144000"/>
@@ -2998,6 +2999,122 @@
     <p:extLst>
       <p:ext uri="{BB962C8B-B14F-4D97-AF65-F5344CB8AC3E}">
         <p14:creationId xmlns:p14="http://schemas.microsoft.com/office/powerpoint/2010/main" val="1225537021"/>
+      </p:ext>
+    </p:extLst>
+  </p:cSld>
+  <p:clrMapOvr>
+    <a:masterClrMapping/>
+  </p:clrMapOvr>
+</p:notes>
+</file>
+
+<file path=ppt/notesSlides/notesSlide23.xml><?xml version="1.0" encoding="utf-8"?>
+<p:notes xmlns:a="http://schemas.openxmlformats.org/drawingml/2006/main" xmlns:r="http://schemas.openxmlformats.org/officeDocument/2006/relationships" xmlns:p="http://schemas.openxmlformats.org/presentationml/2006/main">
+  <p:cSld>
+    <p:spTree>
+      <p:nvGrpSpPr>
+        <p:cNvPr id="1" name=""/>
+        <p:cNvGrpSpPr/>
+        <p:nvPr/>
+      </p:nvGrpSpPr>
+      <p:grpSpPr>
+        <a:xfrm>
+          <a:off x="0" y="0"/>
+          <a:ext cx="0" cy="0"/>
+          <a:chOff x="0" y="0"/>
+          <a:chExt cx="0" cy="0"/>
+        </a:xfrm>
+      </p:grpSpPr>
+      <p:sp>
+        <p:nvSpPr>
+          <p:cNvPr id="2" name="スライド イメージ プレースホルダー 1"/>
+          <p:cNvSpPr>
+            <a:spLocks noGrp="1" noRot="1" noChangeAspect="1"/>
+          </p:cNvSpPr>
+          <p:nvPr>
+            <p:ph type="sldImg"/>
+          </p:nvPr>
+        </p:nvSpPr>
+        <p:spPr/>
+      </p:sp>
+      <p:sp>
+        <p:nvSpPr>
+          <p:cNvPr id="3" name="ノート プレースホルダー 2"/>
+          <p:cNvSpPr>
+            <a:spLocks noGrp="1"/>
+          </p:cNvSpPr>
+          <p:nvPr>
+            <p:ph type="body" idx="1"/>
+          </p:nvPr>
+        </p:nvSpPr>
+        <p:spPr/>
+        <p:txBody>
+          <a:bodyPr rtlCol="0"/>
+          <a:lstStyle/>
+          <a:p>
+            <a:pPr rtl="0"/>
+            <a:endParaRPr lang="en-US" dirty="0"/>
+          </a:p>
+        </p:txBody>
+      </p:sp>
+      <p:sp>
+        <p:nvSpPr>
+          <p:cNvPr id="4" name="スライド番号プレースホルダー 3"/>
+          <p:cNvSpPr>
+            <a:spLocks noGrp="1"/>
+          </p:cNvSpPr>
+          <p:nvPr>
+            <p:ph type="sldNum" sz="quarter" idx="10"/>
+          </p:nvPr>
+        </p:nvSpPr>
+        <p:spPr/>
+        <p:txBody>
+          <a:bodyPr rtlCol="0"/>
+          <a:lstStyle/>
+          <a:p>
+            <a:pPr rtl="0"/>
+            <a:fld id="{DB303FA8-A3F3-7640-B13D-36C73B3E5587}" type="slidenum">
+              <a:rPr lang="en-US" smtClean="0"/>
+              <a:t>25</a:t>
+            </a:fld>
+            <a:endParaRPr lang="en-US" dirty="0"/>
+          </a:p>
+        </p:txBody>
+      </p:sp>
+      <p:sp>
+        <p:nvSpPr>
+          <p:cNvPr id="5" name="日付プレースホルダー 4">
+            <a:extLst>
+              <a:ext uri="{FF2B5EF4-FFF2-40B4-BE49-F238E27FC236}">
+                <a16:creationId xmlns:a16="http://schemas.microsoft.com/office/drawing/2014/main" id="{6ECC05B7-0442-4806-BC60-0B08F2803A9B}"/>
+              </a:ext>
+            </a:extLst>
+          </p:cNvPr>
+          <p:cNvSpPr>
+            <a:spLocks noGrp="1"/>
+          </p:cNvSpPr>
+          <p:nvPr>
+            <p:ph type="dt" idx="1"/>
+          </p:nvPr>
+        </p:nvSpPr>
+        <p:spPr/>
+        <p:txBody>
+          <a:bodyPr/>
+          <a:lstStyle/>
+          <a:p>
+            <a:pPr rtl="0"/>
+            <a:fld id="{3F53CC94-2004-4B32-B217-F28A8D0859A7}" type="datetime1">
+              <a:rPr lang="ja-JP" altLang="en-US" noProof="0" smtClean="0"/>
+              <a:t>2021/6/28</a:t>
+            </a:fld>
+            <a:endParaRPr lang="en-US" noProof="0" dirty="0"/>
+          </a:p>
+        </p:txBody>
+      </p:sp>
+    </p:spTree>
+    <p:extLst>
+      <p:ext uri="{BB962C8B-B14F-4D97-AF65-F5344CB8AC3E}">
+        <p14:creationId xmlns:p14="http://schemas.microsoft.com/office/powerpoint/2010/main" val="3179186697"/>
       </p:ext>
     </p:extLst>
   </p:cSld>
@@ -13388,7 +13505,7 @@
                 <a:latin typeface="HGP教科書体" panose="02020600000000000000" pitchFamily="18" charset="-128"/>
                 <a:ea typeface="HGP教科書体" panose="02020600000000000000" pitchFamily="18" charset="-128"/>
               </a:rPr>
-              <a:t>一番言いたいこと</a:t>
+              <a:t>研修成果</a:t>
             </a:r>
             <a:endParaRPr kumimoji="1" lang="en-US" altLang="ja-JP" sz="2000" dirty="0">
               <a:solidFill>
@@ -14302,21 +14419,14 @@
               <a:defRPr/>
             </a:pPr>
             <a:r>
-              <a:rPr kumimoji="1" lang="ja-JP" altLang="en-US" sz="2000" b="0" i="0" u="none" strike="noStrike" kern="1200" cap="none" spc="0" normalizeH="0" baseline="0" noProof="0" dirty="0">
-                <a:ln>
-                  <a:noFill/>
-                </a:ln>
+              <a:rPr kumimoji="1" lang="ja-JP" altLang="en-US" sz="2000" dirty="0">
                 <a:solidFill>
                   <a:srgbClr val="231B23"/>
                 </a:solidFill>
-                <a:effectLst/>
-                <a:uLnTx/>
-                <a:uFillTx/>
                 <a:latin typeface="HGP教科書体" panose="02020600000000000000" pitchFamily="18" charset="-128"/>
                 <a:ea typeface="HGP教科書体" panose="02020600000000000000" pitchFamily="18" charset="-128"/>
-                <a:cs typeface="+mn-cs"/>
-              </a:rPr>
-              <a:t>いちばん言いたいこと</a:t>
+              </a:rPr>
+              <a:t>研修成果</a:t>
             </a:r>
             <a:endParaRPr kumimoji="1" lang="en-US" altLang="ja-JP" sz="2000" b="0" i="0" u="none" strike="noStrike" kern="1200" cap="none" spc="0" normalizeH="0" baseline="0" noProof="0" dirty="0">
               <a:ln>
@@ -16003,21 +16113,14 @@
               <a:defRPr/>
             </a:pPr>
             <a:r>
-              <a:rPr kumimoji="1" lang="ja-JP" altLang="en-US" sz="2000" b="0" i="0" u="none" strike="noStrike" kern="1200" cap="none" spc="0" normalizeH="0" baseline="0" noProof="0" dirty="0">
-                <a:ln>
-                  <a:noFill/>
-                </a:ln>
+              <a:rPr kumimoji="1" lang="ja-JP" altLang="en-US" sz="2000" dirty="0">
                 <a:solidFill>
                   <a:srgbClr val="231B23"/>
                 </a:solidFill>
-                <a:effectLst/>
-                <a:uLnTx/>
-                <a:uFillTx/>
                 <a:latin typeface="HGP教科書体" panose="02020600000000000000" pitchFamily="18" charset="-128"/>
                 <a:ea typeface="HGP教科書体" panose="02020600000000000000" pitchFamily="18" charset="-128"/>
-                <a:cs typeface="+mn-cs"/>
-              </a:rPr>
-              <a:t>一番言いたいこと</a:t>
+              </a:rPr>
+              <a:t>研修成果</a:t>
             </a:r>
             <a:endParaRPr kumimoji="1" lang="en-US" altLang="ja-JP" sz="2000" b="0" i="0" u="none" strike="noStrike" kern="1200" cap="none" spc="0" normalizeH="0" baseline="0" noProof="0" dirty="0">
               <a:ln>
@@ -17088,8 +17191,8 @@
         </p:nvSpPr>
         <p:spPr>
           <a:xfrm>
-            <a:off x="2430054" y="5253247"/>
-            <a:ext cx="6142446" cy="1345510"/>
+            <a:off x="2430054" y="5253246"/>
+            <a:ext cx="6142446" cy="1380310"/>
           </a:xfrm>
           <a:prstGeom prst="wedgeRoundRectCallout">
             <a:avLst>
@@ -17195,7 +17298,7 @@
                 <a:ea typeface="+mn-ea"/>
                 <a:cs typeface="+mn-cs"/>
               </a:rPr>
-              <a:t>検索機能の実現は彼あってこそ！本当にありがとうございました。。</a:t>
+              <a:t>検索機能の実現は彼あってこそ！本当にありがとうございました！</a:t>
             </a:r>
             <a:endParaRPr kumimoji="1" lang="en-US" altLang="ja-JP" sz="1800" b="0" i="0" u="none" strike="noStrike" kern="1200" cap="none" spc="0" normalizeH="0" baseline="0" noProof="0" dirty="0">
               <a:ln>
@@ -17281,21 +17384,14 @@
               <a:defRPr/>
             </a:pPr>
             <a:r>
-              <a:rPr kumimoji="1" lang="ja-JP" altLang="en-US" sz="2000" b="0" i="0" u="none" strike="noStrike" kern="1200" cap="none" spc="0" normalizeH="0" baseline="0" noProof="0" dirty="0">
-                <a:ln>
-                  <a:noFill/>
-                </a:ln>
+              <a:rPr kumimoji="1" lang="ja-JP" altLang="en-US" sz="2000" dirty="0">
                 <a:solidFill>
                   <a:srgbClr val="231B23"/>
                 </a:solidFill>
-                <a:effectLst/>
-                <a:uLnTx/>
-                <a:uFillTx/>
                 <a:latin typeface="HGP教科書体" panose="02020600000000000000" pitchFamily="18" charset="-128"/>
                 <a:ea typeface="HGP教科書体" panose="02020600000000000000" pitchFamily="18" charset="-128"/>
-                <a:cs typeface="+mn-cs"/>
-              </a:rPr>
-              <a:t>一番言いたいこと</a:t>
+              </a:rPr>
+              <a:t>研修成果</a:t>
             </a:r>
             <a:endParaRPr kumimoji="1" lang="en-US" altLang="ja-JP" sz="2000" b="0" i="0" u="none" strike="noStrike" kern="1200" cap="none" spc="0" normalizeH="0" baseline="0" noProof="0" dirty="0">
               <a:ln>
@@ -17702,8 +17798,8 @@
         </p:nvSpPr>
         <p:spPr>
           <a:xfrm>
-            <a:off x="277158" y="1408471"/>
-            <a:ext cx="11415528" cy="1150363"/>
+            <a:off x="358600" y="1408471"/>
+            <a:ext cx="11445164" cy="1150363"/>
           </a:xfrm>
           <a:prstGeom prst="rect">
             <a:avLst/>
@@ -18388,8 +18484,8 @@
         </p:nvSpPr>
         <p:spPr>
           <a:xfrm>
-            <a:off x="388236" y="2642632"/>
-            <a:ext cx="11415528" cy="2474726"/>
+            <a:off x="358600" y="2642632"/>
+            <a:ext cx="11445164" cy="2474726"/>
           </a:xfrm>
           <a:prstGeom prst="rect">
             <a:avLst/>
@@ -18455,7 +18551,7 @@
                 <a:ea typeface="HGP教科書体" panose="02020600000000000000" pitchFamily="18" charset="-128"/>
                 <a:cs typeface="+mn-cs"/>
               </a:rPr>
-              <a:t>いちばん言いたいこと</a:t>
+              <a:t>研修成果</a:t>
             </a:r>
             <a:endParaRPr kumimoji="1" lang="en-US" altLang="ja-JP" sz="2000" b="0" i="0" u="none" strike="noStrike" kern="1200" cap="none" spc="0" normalizeH="0" baseline="0" noProof="0" dirty="0">
               <a:ln>
@@ -19412,7 +19508,7 @@
                 <a:ea typeface="HGP教科書体" panose="02020600000000000000" pitchFamily="18" charset="-128"/>
                 <a:cs typeface="+mn-cs"/>
               </a:rPr>
-              <a:t>一番言いたいこと</a:t>
+              <a:t>研修成果</a:t>
             </a:r>
             <a:endParaRPr kumimoji="1" lang="en-US" altLang="ja-JP" sz="2000" b="0" i="0" u="none" strike="noStrike" kern="1200" cap="none" spc="0" normalizeH="0" baseline="0" noProof="0" dirty="0">
               <a:ln>
@@ -19771,7 +19867,7 @@
 </file>
 
 <file path=ppt/slides/slide24.xml><?xml version="1.0" encoding="utf-8"?>
-<p:sld xmlns:a="http://schemas.openxmlformats.org/drawingml/2006/main" xmlns:r="http://schemas.openxmlformats.org/officeDocument/2006/relationships" xmlns:p="http://schemas.openxmlformats.org/presentationml/2006/main">
+<p:sld xmlns:a="http://schemas.openxmlformats.org/drawingml/2006/main" xmlns:r="http://schemas.openxmlformats.org/officeDocument/2006/relationships" xmlns:p="http://schemas.openxmlformats.org/presentationml/2006/main" show="0">
   <p:cSld>
     <p:spTree>
       <p:nvGrpSpPr>
@@ -19816,7 +19912,7 @@
             <a:pPr rtl="0"/>
             <a:r>
               <a:rPr lang="ja-JP" altLang="en-US" sz="3200" b="0" dirty="0"/>
-              <a:t>オチ</a:t>
+              <a:t>さいごに</a:t>
             </a:r>
             <a:endParaRPr lang="ja" sz="3200" b="0" dirty="0"/>
           </a:p>
@@ -19858,6 +19954,181 @@
           </a:prstGeom>
         </p:spPr>
       </p:pic>
+      <p:sp>
+        <p:nvSpPr>
+          <p:cNvPr id="2" name="テキスト ボックス 1">
+            <a:extLst>
+              <a:ext uri="{FF2B5EF4-FFF2-40B4-BE49-F238E27FC236}">
+                <a16:creationId xmlns:a16="http://schemas.microsoft.com/office/drawing/2014/main" id="{2A1941D4-FFA3-47CB-8F19-F6519D6B5CE5}"/>
+              </a:ext>
+            </a:extLst>
+          </p:cNvPr>
+          <p:cNvSpPr txBox="1"/>
+          <p:nvPr/>
+        </p:nvSpPr>
+        <p:spPr>
+          <a:xfrm>
+            <a:off x="1564150" y="3477942"/>
+            <a:ext cx="9244838" cy="923330"/>
+          </a:xfrm>
+          <a:prstGeom prst="rect">
+            <a:avLst/>
+          </a:prstGeom>
+          <a:noFill/>
+        </p:spPr>
+        <p:txBody>
+          <a:bodyPr wrap="none" rtlCol="0">
+            <a:spAutoFit/>
+          </a:bodyPr>
+          <a:lstStyle/>
+          <a:p>
+            <a:r>
+              <a:rPr kumimoji="1" lang="ja-JP" altLang="en-US" sz="5400" b="1" dirty="0"/>
+              <a:t>世界地図の成果、一途やなぁ～</a:t>
+            </a:r>
+          </a:p>
+        </p:txBody>
+      </p:sp>
+      <p:sp>
+        <p:nvSpPr>
+          <p:cNvPr id="6" name="テキスト ボックス 5">
+            <a:extLst>
+              <a:ext uri="{FF2B5EF4-FFF2-40B4-BE49-F238E27FC236}">
+                <a16:creationId xmlns:a16="http://schemas.microsoft.com/office/drawing/2014/main" id="{FA9C4466-811F-40C3-B3FB-43FCF276FE36}"/>
+              </a:ext>
+            </a:extLst>
+          </p:cNvPr>
+          <p:cNvSpPr txBox="1"/>
+          <p:nvPr/>
+        </p:nvSpPr>
+        <p:spPr>
+          <a:xfrm>
+            <a:off x="2988624" y="2891404"/>
+            <a:ext cx="5577168" cy="584775"/>
+          </a:xfrm>
+          <a:prstGeom prst="rect">
+            <a:avLst/>
+          </a:prstGeom>
+          <a:noFill/>
+        </p:spPr>
+        <p:txBody>
+          <a:bodyPr wrap="none" rtlCol="0">
+            <a:spAutoFit/>
+          </a:bodyPr>
+          <a:lstStyle/>
+          <a:p>
+            <a:r>
+              <a:rPr kumimoji="1" lang="ja-JP" altLang="en-US" sz="3200" b="1" dirty="0"/>
+              <a:t>せかいちず </a:t>
+            </a:r>
+            <a:r>
+              <a:rPr kumimoji="1" lang="ja-JP" altLang="en-US" sz="2000" dirty="0"/>
+              <a:t>の</a:t>
+            </a:r>
+            <a:r>
+              <a:rPr kumimoji="1" lang="ja-JP" altLang="en-US" sz="3200" dirty="0"/>
+              <a:t> </a:t>
+            </a:r>
+            <a:r>
+              <a:rPr kumimoji="1" lang="ja-JP" altLang="en-US" sz="3200" b="1" dirty="0"/>
+              <a:t>せ</a:t>
+            </a:r>
+            <a:r>
+              <a:rPr kumimoji="1" lang="ja-JP" altLang="en-US" sz="2000" dirty="0"/>
+              <a:t>い</a:t>
+            </a:r>
+            <a:r>
+              <a:rPr kumimoji="1" lang="ja-JP" altLang="en-US" sz="3200" b="1" dirty="0"/>
+              <a:t>か</a:t>
+            </a:r>
+            <a:r>
+              <a:rPr kumimoji="1" lang="ja-JP" altLang="en-US" sz="2000" dirty="0"/>
+              <a:t>、</a:t>
+            </a:r>
+            <a:r>
+              <a:rPr kumimoji="1" lang="ja-JP" altLang="en-US" sz="3200" dirty="0"/>
+              <a:t> </a:t>
+            </a:r>
+            <a:r>
+              <a:rPr kumimoji="1" lang="ja-JP" altLang="en-US" sz="3200" b="1" dirty="0"/>
+              <a:t>いちず</a:t>
+            </a:r>
+            <a:r>
+              <a:rPr kumimoji="1" lang="ja-JP" altLang="en-US" sz="2000" dirty="0"/>
+              <a:t>やなぁ～</a:t>
+            </a:r>
+            <a:endParaRPr kumimoji="1" lang="ja-JP" altLang="en-US" sz="3200" dirty="0"/>
+          </a:p>
+        </p:txBody>
+      </p:sp>
+      <p:sp>
+        <p:nvSpPr>
+          <p:cNvPr id="12" name="テキスト ボックス 11">
+            <a:extLst>
+              <a:ext uri="{FF2B5EF4-FFF2-40B4-BE49-F238E27FC236}">
+                <a16:creationId xmlns:a16="http://schemas.microsoft.com/office/drawing/2014/main" id="{C6648EAA-B9EE-4F65-A6EE-918DF7D6F8F6}"/>
+              </a:ext>
+            </a:extLst>
+          </p:cNvPr>
+          <p:cNvSpPr txBox="1"/>
+          <p:nvPr/>
+        </p:nvSpPr>
+        <p:spPr>
+          <a:xfrm>
+            <a:off x="2139539" y="4264525"/>
+            <a:ext cx="1938976" cy="400110"/>
+          </a:xfrm>
+          <a:prstGeom prst="rect">
+            <a:avLst/>
+          </a:prstGeom>
+          <a:noFill/>
+        </p:spPr>
+        <p:txBody>
+          <a:bodyPr wrap="square" rtlCol="0">
+            <a:spAutoFit/>
+          </a:bodyPr>
+          <a:lstStyle/>
+          <a:p>
+            <a:r>
+              <a:rPr kumimoji="1" lang="ja-JP" altLang="en-US" sz="2000" dirty="0">
+                <a:solidFill>
+                  <a:schemeClr val="bg1">
+                    <a:lumMod val="50000"/>
+                  </a:schemeClr>
+                </a:solidFill>
+              </a:rPr>
+              <a:t>（</a:t>
+            </a:r>
+            <a:r>
+              <a:rPr kumimoji="1" lang="en-US" altLang="ja-JP" sz="2000" dirty="0">
+                <a:solidFill>
+                  <a:schemeClr val="bg1">
+                    <a:lumMod val="50000"/>
+                  </a:schemeClr>
+                </a:solidFill>
+              </a:rPr>
+              <a:t>worldMap</a:t>
+            </a:r>
+            <a:r>
+              <a:rPr kumimoji="1" lang="ja-JP" altLang="en-US" sz="2000" dirty="0">
+                <a:solidFill>
+                  <a:schemeClr val="bg1">
+                    <a:lumMod val="50000"/>
+                  </a:schemeClr>
+                </a:solidFill>
+              </a:rPr>
+              <a:t>）</a:t>
+            </a:r>
+            <a:endParaRPr kumimoji="1" lang="en-US" altLang="ja-JP" sz="2000" dirty="0">
+              <a:solidFill>
+                <a:schemeClr val="bg1">
+                  <a:lumMod val="50000"/>
+                </a:schemeClr>
+              </a:solidFill>
+            </a:endParaRPr>
+          </a:p>
+        </p:txBody>
+      </p:sp>
     </p:spTree>
     <p:extLst>
       <p:ext uri="{BB962C8B-B14F-4D97-AF65-F5344CB8AC3E}">
@@ -19868,13 +20139,13 @@
   <p:clrMapOvr>
     <a:masterClrMapping/>
   </p:clrMapOvr>
-  <mc:AlternateContent xmlns:mc="http://schemas.openxmlformats.org/markup-compatibility/2006" xmlns:p14="http://schemas.microsoft.com/office/powerpoint/2010/main">
-    <mc:Choice Requires="p14">
+  <mc:AlternateContent xmlns:mc="http://schemas.openxmlformats.org/markup-compatibility/2006">
+    <mc:Choice xmlns:p14="http://schemas.microsoft.com/office/powerpoint/2010/main" Requires="p14">
       <p:transition spd="med" p14:dur="700">
         <p:fade/>
       </p:transition>
     </mc:Choice>
-    <mc:Fallback xmlns="">
+    <mc:Fallback>
       <p:transition spd="med">
         <p:fade/>
       </p:transition>
@@ -19884,6 +20155,171 @@
 </file>
 
 <file path=ppt/slides/slide25.xml><?xml version="1.0" encoding="utf-8"?>
+<p:sld xmlns:a="http://schemas.openxmlformats.org/drawingml/2006/main" xmlns:r="http://schemas.openxmlformats.org/officeDocument/2006/relationships" xmlns:p="http://schemas.openxmlformats.org/presentationml/2006/main" show="0">
+  <p:cSld>
+    <p:spTree>
+      <p:nvGrpSpPr>
+        <p:cNvPr id="1" name=""/>
+        <p:cNvGrpSpPr/>
+        <p:nvPr/>
+      </p:nvGrpSpPr>
+      <p:grpSpPr>
+        <a:xfrm>
+          <a:off x="0" y="0"/>
+          <a:ext cx="0" cy="0"/>
+          <a:chOff x="0" y="0"/>
+          <a:chExt cx="0" cy="0"/>
+        </a:xfrm>
+      </p:grpSpPr>
+      <p:sp>
+        <p:nvSpPr>
+          <p:cNvPr id="26" name="タイトル 1">
+            <a:extLst>
+              <a:ext uri="{FF2B5EF4-FFF2-40B4-BE49-F238E27FC236}">
+                <a16:creationId xmlns:a16="http://schemas.microsoft.com/office/drawing/2014/main" id="{29D3365D-FB6D-46ED-B877-CD86DFF19C67}"/>
+              </a:ext>
+            </a:extLst>
+          </p:cNvPr>
+          <p:cNvSpPr>
+            <a:spLocks noGrp="1"/>
+          </p:cNvSpPr>
+          <p:nvPr>
+            <p:ph type="title"/>
+          </p:nvPr>
+        </p:nvSpPr>
+        <p:spPr>
+          <a:xfrm>
+            <a:off x="1378975" y="483440"/>
+            <a:ext cx="10164876" cy="583800"/>
+          </a:xfrm>
+        </p:spPr>
+        <p:txBody>
+          <a:bodyPr rtlCol="0"/>
+          <a:lstStyle/>
+          <a:p>
+            <a:pPr rtl="0"/>
+            <a:r>
+              <a:rPr lang="ja-JP" altLang="en-US" sz="3200" b="0" dirty="0"/>
+              <a:t>さいごに</a:t>
+            </a:r>
+            <a:endParaRPr lang="ja" sz="3200" b="0" dirty="0"/>
+          </a:p>
+        </p:txBody>
+      </p:sp>
+      <p:pic>
+        <p:nvPicPr>
+          <p:cNvPr id="27" name="グラフィックス 26" descr="地球: 南北アメリカ 単色塗りつぶし">
+            <a:extLst>
+              <a:ext uri="{FF2B5EF4-FFF2-40B4-BE49-F238E27FC236}">
+                <a16:creationId xmlns:a16="http://schemas.microsoft.com/office/drawing/2014/main" id="{4E684FB7-09AF-488F-A500-952652F32C3B}"/>
+              </a:ext>
+            </a:extLst>
+          </p:cNvPr>
+          <p:cNvPicPr>
+            <a:picLocks noChangeAspect="1"/>
+          </p:cNvPicPr>
+          <p:nvPr/>
+        </p:nvPicPr>
+        <p:blipFill>
+          <a:blip r:embed="rId3">
+            <a:extLst>
+              <a:ext uri="{96DAC541-7B7A-43D3-8B79-37D633B846F1}">
+                <asvg:svgBlip xmlns:asvg="http://schemas.microsoft.com/office/drawing/2016/SVG/main" r:embed="rId4"/>
+              </a:ext>
+            </a:extLst>
+          </a:blip>
+          <a:stretch>
+            <a:fillRect/>
+          </a:stretch>
+        </p:blipFill>
+        <p:spPr>
+          <a:xfrm>
+            <a:off x="599052" y="385379"/>
+            <a:ext cx="779922" cy="779922"/>
+          </a:xfrm>
+          <a:prstGeom prst="rect">
+            <a:avLst/>
+          </a:prstGeom>
+        </p:spPr>
+      </p:pic>
+      <p:sp>
+        <p:nvSpPr>
+          <p:cNvPr id="3" name="テキスト ボックス 2">
+            <a:extLst>
+              <a:ext uri="{FF2B5EF4-FFF2-40B4-BE49-F238E27FC236}">
+                <a16:creationId xmlns:a16="http://schemas.microsoft.com/office/drawing/2014/main" id="{2F8DD984-BE12-450C-A751-E59A413E8E89}"/>
+              </a:ext>
+            </a:extLst>
+          </p:cNvPr>
+          <p:cNvSpPr txBox="1"/>
+          <p:nvPr/>
+        </p:nvSpPr>
+        <p:spPr>
+          <a:xfrm>
+            <a:off x="1870323" y="3585382"/>
+            <a:ext cx="8451353" cy="523220"/>
+          </a:xfrm>
+          <a:prstGeom prst="rect">
+            <a:avLst/>
+          </a:prstGeom>
+          <a:noFill/>
+        </p:spPr>
+        <p:txBody>
+          <a:bodyPr wrap="none" rtlCol="0">
+            <a:spAutoFit/>
+          </a:bodyPr>
+          <a:lstStyle/>
+          <a:p>
+            <a:r>
+              <a:rPr kumimoji="1" lang="ja-JP" altLang="en-US" sz="2800" dirty="0">
+                <a:latin typeface="HGS明朝B" panose="02020800000000000000" pitchFamily="18" charset="-128"/>
+                <a:ea typeface="HGS明朝B" panose="02020800000000000000" pitchFamily="18" charset="-128"/>
+              </a:rPr>
+              <a:t>「画像切り替え？　</a:t>
+            </a:r>
+            <a:r>
+              <a:rPr kumimoji="1" lang="en-US" altLang="ja-JP" sz="2800" dirty="0">
+                <a:latin typeface="HGS明朝B" panose="02020800000000000000" pitchFamily="18" charset="-128"/>
+                <a:ea typeface="HGS明朝B" panose="02020800000000000000" pitchFamily="18" charset="-128"/>
+              </a:rPr>
+              <a:t>Ajax</a:t>
+            </a:r>
+            <a:r>
+              <a:rPr kumimoji="1" lang="ja-JP" altLang="en-US" sz="2800" dirty="0">
+                <a:latin typeface="HGS明朝B" panose="02020800000000000000" pitchFamily="18" charset="-128"/>
+                <a:ea typeface="HGS明朝B" panose="02020800000000000000" pitchFamily="18" charset="-128"/>
+              </a:rPr>
+              <a:t>使わないなら楽勝じゃん」</a:t>
+            </a:r>
+          </a:p>
+        </p:txBody>
+      </p:sp>
+    </p:spTree>
+    <p:extLst>
+      <p:ext uri="{BB962C8B-B14F-4D97-AF65-F5344CB8AC3E}">
+        <p14:creationId xmlns:p14="http://schemas.microsoft.com/office/powerpoint/2010/main" val="996520300"/>
+      </p:ext>
+    </p:extLst>
+  </p:cSld>
+  <p:clrMapOvr>
+    <a:masterClrMapping/>
+  </p:clrMapOvr>
+  <mc:AlternateContent xmlns:mc="http://schemas.openxmlformats.org/markup-compatibility/2006">
+    <mc:Choice xmlns:p14="http://schemas.microsoft.com/office/powerpoint/2010/main" Requires="p14">
+      <p:transition spd="med" p14:dur="700">
+        <p:fade/>
+      </p:transition>
+    </mc:Choice>
+    <mc:Fallback>
+      <p:transition spd="med">
+        <p:fade/>
+      </p:transition>
+    </mc:Fallback>
+  </mc:AlternateContent>
+</p:sld>
+</file>
+
+<file path=ppt/slides/slide26.xml><?xml version="1.0" encoding="utf-8"?>
 <p:sld xmlns:a="http://schemas.openxmlformats.org/drawingml/2006/main" xmlns:r="http://schemas.openxmlformats.org/officeDocument/2006/relationships" xmlns:p="http://schemas.openxmlformats.org/presentationml/2006/main">
   <p:cSld>
     <p:spTree>
@@ -20206,7 +20642,7 @@
 </p:sld>
 </file>
 
-<file path=ppt/slides/slide26.xml><?xml version="1.0" encoding="utf-8"?>
+<file path=ppt/slides/slide27.xml><?xml version="1.0" encoding="utf-8"?>
 <p:sld xmlns:a="http://schemas.openxmlformats.org/drawingml/2006/main" xmlns:r="http://schemas.openxmlformats.org/officeDocument/2006/relationships" xmlns:p="http://schemas.openxmlformats.org/presentationml/2006/main" show="0">
   <p:cSld>
     <p:spTree>
@@ -21402,96 +21838,6 @@
           </a:p>
         </p:txBody>
       </p:sp>
-      <p:sp>
-        <p:nvSpPr>
-          <p:cNvPr id="21" name="正方形/長方形 20">
-            <a:extLst>
-              <a:ext uri="{FF2B5EF4-FFF2-40B4-BE49-F238E27FC236}">
-                <a16:creationId xmlns:a16="http://schemas.microsoft.com/office/drawing/2014/main" id="{1EC7F207-B632-48E0-9451-6CE1F14B36BF}"/>
-              </a:ext>
-            </a:extLst>
-          </p:cNvPr>
-          <p:cNvSpPr/>
-          <p:nvPr/>
-        </p:nvSpPr>
-        <p:spPr>
-          <a:xfrm>
-            <a:off x="2904140" y="2955108"/>
-            <a:ext cx="6380407" cy="1586406"/>
-          </a:xfrm>
-          <a:prstGeom prst="rect">
-            <a:avLst/>
-          </a:prstGeom>
-          <a:solidFill>
-            <a:schemeClr val="accent2">
-              <a:lumMod val="20000"/>
-              <a:lumOff val="80000"/>
-            </a:schemeClr>
-          </a:solidFill>
-          <a:ln>
-            <a:solidFill>
-              <a:schemeClr val="tx1">
-                <a:lumMod val="25000"/>
-                <a:lumOff val="75000"/>
-              </a:schemeClr>
-            </a:solidFill>
-          </a:ln>
-        </p:spPr>
-        <p:style>
-          <a:lnRef idx="1">
-            <a:schemeClr val="accent4"/>
-          </a:lnRef>
-          <a:fillRef idx="3">
-            <a:schemeClr val="accent4"/>
-          </a:fillRef>
-          <a:effectRef idx="2">
-            <a:schemeClr val="accent4"/>
-          </a:effectRef>
-          <a:fontRef idx="minor">
-            <a:schemeClr val="lt1"/>
-          </a:fontRef>
-        </p:style>
-        <p:txBody>
-          <a:bodyPr rtlCol="0" anchor="ctr" anchorCtr="0"/>
-          <a:lstStyle/>
-          <a:p>
-            <a:pPr algn="ctr"/>
-            <a:r>
-              <a:rPr kumimoji="1" lang="ja-JP" altLang="en-US" sz="2400" b="1" dirty="0">
-                <a:solidFill>
-                  <a:schemeClr val="tx1"/>
-                </a:solidFill>
-                <a:latin typeface="Abadi" panose="020B0604020202020204" pitchFamily="34" charset="0"/>
-              </a:rPr>
-              <a:t>杉森「</a:t>
-            </a:r>
-            <a:r>
-              <a:rPr kumimoji="1" lang="en-US" altLang="ja-JP" sz="2400" b="1" dirty="0">
-                <a:solidFill>
-                  <a:schemeClr val="tx1"/>
-                </a:solidFill>
-                <a:latin typeface="Abadi" panose="020B0604020202020204" pitchFamily="34" charset="0"/>
-              </a:rPr>
-              <a:t>Ajax</a:t>
-            </a:r>
-            <a:r>
-              <a:rPr kumimoji="1" lang="ja-JP" altLang="en-US" sz="2400" b="1" dirty="0">
-                <a:solidFill>
-                  <a:schemeClr val="tx1"/>
-                </a:solidFill>
-                <a:latin typeface="Abadi" panose="020B0604020202020204" pitchFamily="34" charset="0"/>
-              </a:rPr>
-              <a:t>使わないなら楽勝じゃん！」</a:t>
-            </a:r>
-            <a:endParaRPr kumimoji="1" lang="en-US" altLang="ja-JP" sz="2400" b="1" dirty="0">
-              <a:solidFill>
-                <a:schemeClr val="tx1"/>
-              </a:solidFill>
-              <a:latin typeface="Abadi" panose="020B0604020202020204" pitchFamily="34" charset="0"/>
-            </a:endParaRPr>
-          </a:p>
-        </p:txBody>
-      </p:sp>
     </p:spTree>
     <p:extLst>
       <p:ext uri="{BB962C8B-B14F-4D97-AF65-F5344CB8AC3E}">
@@ -21505,7 +21851,7 @@
 </p:sld>
 </file>
 
-<file path=ppt/slides/slide27.xml><?xml version="1.0" encoding="utf-8"?>
+<file path=ppt/slides/slide28.xml><?xml version="1.0" encoding="utf-8"?>
 <p:sld xmlns:a="http://schemas.openxmlformats.org/drawingml/2006/main" xmlns:r="http://schemas.openxmlformats.org/officeDocument/2006/relationships" xmlns:p="http://schemas.openxmlformats.org/presentationml/2006/main" show="0">
   <p:cSld>
     <p:spTree>
@@ -21900,234 +22246,6 @@
 </p:sld>
 </file>
 
-<file path=ppt/slides/slide28.xml><?xml version="1.0" encoding="utf-8"?>
-<p:sld xmlns:a="http://schemas.openxmlformats.org/drawingml/2006/main" xmlns:r="http://schemas.openxmlformats.org/officeDocument/2006/relationships" xmlns:p="http://schemas.openxmlformats.org/presentationml/2006/main" show="0">
-  <p:cSld>
-    <p:spTree>
-      <p:nvGrpSpPr>
-        <p:cNvPr id="1" name=""/>
-        <p:cNvGrpSpPr/>
-        <p:nvPr/>
-      </p:nvGrpSpPr>
-      <p:grpSpPr>
-        <a:xfrm>
-          <a:off x="0" y="0"/>
-          <a:ext cx="0" cy="0"/>
-          <a:chOff x="0" y="0"/>
-          <a:chExt cx="0" cy="0"/>
-        </a:xfrm>
-      </p:grpSpPr>
-      <p:sp>
-        <p:nvSpPr>
-          <p:cNvPr id="2" name="日付プレースホルダー 1">
-            <a:extLst>
-              <a:ext uri="{FF2B5EF4-FFF2-40B4-BE49-F238E27FC236}">
-                <a16:creationId xmlns:a16="http://schemas.microsoft.com/office/drawing/2014/main" id="{3F35A2AA-D257-4703-B38F-63A2987199FA}"/>
-              </a:ext>
-            </a:extLst>
-          </p:cNvPr>
-          <p:cNvSpPr>
-            <a:spLocks noGrp="1"/>
-          </p:cNvSpPr>
-          <p:nvPr>
-            <p:ph type="dt" sz="half" idx="10"/>
-          </p:nvPr>
-        </p:nvSpPr>
-        <p:spPr/>
-        <p:txBody>
-          <a:bodyPr/>
-          <a:lstStyle/>
-          <a:p>
-            <a:fld id="{A2C8279F-4F17-4988-81F9-6030F363FD13}" type="datetime1">
-              <a:rPr lang="ja-JP" altLang="en-US" smtClean="0"/>
-              <a:t>2021/6/28</a:t>
-            </a:fld>
-            <a:endParaRPr lang="en-US" dirty="0"/>
-          </a:p>
-        </p:txBody>
-      </p:sp>
-      <p:sp>
-        <p:nvSpPr>
-          <p:cNvPr id="3" name="タイトル 2">
-            <a:extLst>
-              <a:ext uri="{FF2B5EF4-FFF2-40B4-BE49-F238E27FC236}">
-                <a16:creationId xmlns:a16="http://schemas.microsoft.com/office/drawing/2014/main" id="{F31681CE-1577-499A-A6FF-63FB6C4A5151}"/>
-              </a:ext>
-            </a:extLst>
-          </p:cNvPr>
-          <p:cNvSpPr>
-            <a:spLocks noGrp="1"/>
-          </p:cNvSpPr>
-          <p:nvPr>
-            <p:ph type="title"/>
-          </p:nvPr>
-        </p:nvSpPr>
-        <p:spPr/>
-        <p:txBody>
-          <a:bodyPr/>
-          <a:lstStyle/>
-          <a:p>
-            <a:endParaRPr kumimoji="1" lang="ja-JP" altLang="en-US"/>
-          </a:p>
-        </p:txBody>
-      </p:sp>
-      <p:sp>
-        <p:nvSpPr>
-          <p:cNvPr id="4" name="コンテンツ プレースホルダー 3">
-            <a:extLst>
-              <a:ext uri="{FF2B5EF4-FFF2-40B4-BE49-F238E27FC236}">
-                <a16:creationId xmlns:a16="http://schemas.microsoft.com/office/drawing/2014/main" id="{D82C6B04-394C-4AFD-9579-A639D735AB46}"/>
-              </a:ext>
-            </a:extLst>
-          </p:cNvPr>
-          <p:cNvSpPr>
-            <a:spLocks noGrp="1"/>
-          </p:cNvSpPr>
-          <p:nvPr>
-            <p:ph sz="quarter" idx="13"/>
-          </p:nvPr>
-        </p:nvSpPr>
-        <p:spPr/>
-        <p:txBody>
-          <a:bodyPr/>
-          <a:lstStyle/>
-          <a:p>
-            <a:pPr marL="0" indent="0">
-              <a:lnSpc>
-                <a:spcPct val="100000"/>
-              </a:lnSpc>
-              <a:buNone/>
-            </a:pPr>
-            <a:r>
-              <a:rPr lang="ja-JP" altLang="en-US" dirty="0"/>
-              <a:t>なんでノートをアップしようと思うのか、なぜそれによって質が上がると思ったのか　記述</a:t>
-            </a:r>
-            <a:endParaRPr lang="en-US" altLang="ja-JP" dirty="0"/>
-          </a:p>
-          <a:p>
-            <a:pPr marL="0" indent="0">
-              <a:lnSpc>
-                <a:spcPct val="100000"/>
-              </a:lnSpc>
-              <a:buNone/>
-            </a:pPr>
-            <a:r>
-              <a:rPr lang="ja-JP" altLang="en-US" dirty="0"/>
-              <a:t>原因と結果　原因が弱い</a:t>
-            </a:r>
-            <a:endParaRPr lang="en-US" altLang="ja-JP" dirty="0"/>
-          </a:p>
-          <a:p>
-            <a:pPr marL="0" indent="0">
-              <a:lnSpc>
-                <a:spcPct val="100000"/>
-              </a:lnSpc>
-              <a:buNone/>
-            </a:pPr>
-            <a:r>
-              <a:rPr lang="ja-JP" altLang="en-US" dirty="0"/>
-              <a:t>他チームを蹴落とす内容を挟んでもいい「質問アプリなんて～」</a:t>
-            </a:r>
-            <a:endParaRPr lang="en-US" altLang="ja-JP" dirty="0"/>
-          </a:p>
-          <a:p>
-            <a:pPr marL="0" indent="0">
-              <a:lnSpc>
-                <a:spcPct val="100000"/>
-              </a:lnSpc>
-              <a:buNone/>
-            </a:pPr>
-            <a:r>
-              <a:rPr lang="ja-JP" altLang="en-US" dirty="0"/>
-              <a:t>質問だけならスラックでもええやん</a:t>
-            </a:r>
-            <a:endParaRPr lang="en-US" altLang="ja-JP" dirty="0"/>
-          </a:p>
-          <a:p>
-            <a:pPr marL="0" indent="0">
-              <a:lnSpc>
-                <a:spcPct val="100000"/>
-              </a:lnSpc>
-              <a:buNone/>
-            </a:pPr>
-            <a:endParaRPr lang="en-US" altLang="ja-JP" dirty="0"/>
-          </a:p>
-          <a:p>
-            <a:pPr marL="0" indent="0">
-              <a:lnSpc>
-                <a:spcPct val="100000"/>
-              </a:lnSpc>
-              <a:buNone/>
-            </a:pPr>
-            <a:r>
-              <a:rPr lang="ja-JP" altLang="en-US" dirty="0"/>
-              <a:t>ノートにした理由</a:t>
-            </a:r>
-            <a:endParaRPr lang="en-US" altLang="ja-JP" dirty="0"/>
-          </a:p>
-          <a:p>
-            <a:pPr marL="0" indent="0">
-              <a:lnSpc>
-                <a:spcPct val="100000"/>
-              </a:lnSpc>
-              <a:buNone/>
-            </a:pPr>
-            <a:r>
-              <a:rPr lang="ja-JP" altLang="en-US" dirty="0"/>
-              <a:t>・相互コミュニケーションがないのでハードル低い　質問する前のステップとして活用</a:t>
-            </a:r>
-            <a:endParaRPr lang="en-US" altLang="ja-JP" dirty="0"/>
-          </a:p>
-          <a:p>
-            <a:pPr marL="0" indent="0">
-              <a:lnSpc>
-                <a:spcPct val="100000"/>
-              </a:lnSpc>
-              <a:buNone/>
-            </a:pPr>
-            <a:r>
-              <a:rPr lang="ja-JP" altLang="en-US" dirty="0"/>
-              <a:t>・自分じゃ気づかなかったけど言われてみれば！の発見にも役立つ</a:t>
-            </a:r>
-            <a:endParaRPr lang="en-US" altLang="ja-JP" dirty="0"/>
-          </a:p>
-          <a:p>
-            <a:pPr marL="0" indent="0">
-              <a:lnSpc>
-                <a:spcPct val="100000"/>
-              </a:lnSpc>
-              <a:buNone/>
-            </a:pPr>
-            <a:r>
-              <a:rPr lang="ja-JP" altLang="en-US" dirty="0"/>
-              <a:t>・</a:t>
-            </a:r>
-            <a:endParaRPr lang="en-US" altLang="ja-JP" dirty="0"/>
-          </a:p>
-          <a:p>
-            <a:pPr marL="0" indent="0">
-              <a:lnSpc>
-                <a:spcPct val="100000"/>
-              </a:lnSpc>
-              <a:buNone/>
-            </a:pPr>
-            <a:endParaRPr lang="en-US" altLang="ja-JP" dirty="0"/>
-          </a:p>
-        </p:txBody>
-      </p:sp>
-    </p:spTree>
-    <p:extLst>
-      <p:ext uri="{BB962C8B-B14F-4D97-AF65-F5344CB8AC3E}">
-        <p14:creationId xmlns:p14="http://schemas.microsoft.com/office/powerpoint/2010/main" val="532303304"/>
-      </p:ext>
-    </p:extLst>
-  </p:cSld>
-  <p:clrMapOvr>
-    <a:masterClrMapping/>
-  </p:clrMapOvr>
-</p:sld>
-</file>
-
 <file path=ppt/slides/slide29.xml><?xml version="1.0" encoding="utf-8"?>
 <p:sld xmlns:a="http://schemas.openxmlformats.org/drawingml/2006/main" xmlns:r="http://schemas.openxmlformats.org/officeDocument/2006/relationships" xmlns:p="http://schemas.openxmlformats.org/presentationml/2006/main" show="0">
   <p:cSld>
@@ -22227,246 +22345,118 @@
               <a:buNone/>
             </a:pPr>
             <a:r>
-              <a:rPr lang="en-US" altLang="ja-JP" b="0" i="0" dirty="0">
-                <a:solidFill>
-                  <a:srgbClr val="1D1C1D"/>
-                </a:solidFill>
-                <a:effectLst/>
-                <a:latin typeface="NotoSansJP"/>
-              </a:rPr>
-              <a:t>a4</a:t>
-            </a:r>
-            <a:br>
               <a:rPr lang="ja-JP" altLang="en-US" dirty="0"/>
-            </a:br>
-            <a:r>
-              <a:rPr lang="ja-JP" altLang="en-US" b="0" i="0" dirty="0">
-                <a:solidFill>
-                  <a:srgbClr val="1D1C1D"/>
-                </a:solidFill>
-                <a:effectLst/>
-                <a:latin typeface="NotoSansJP"/>
-              </a:rPr>
-              <a:t>システムについて</a:t>
-            </a:r>
-            <a:br>
+              <a:t>なんでノートをアップしようと思うのか、なぜそれによって質が上がると思ったのか　記述</a:t>
+            </a:r>
+            <a:endParaRPr lang="en-US" altLang="ja-JP" dirty="0"/>
+          </a:p>
+          <a:p>
+            <a:pPr marL="0" indent="0">
+              <a:lnSpc>
+                <a:spcPct val="100000"/>
+              </a:lnSpc>
+              <a:buNone/>
+            </a:pPr>
+            <a:r>
               <a:rPr lang="ja-JP" altLang="en-US" dirty="0"/>
-            </a:br>
-            <a:r>
-              <a:rPr lang="ja-JP" altLang="en-US" b="0" i="0" dirty="0">
-                <a:solidFill>
-                  <a:srgbClr val="1D1C1D"/>
-                </a:solidFill>
-                <a:effectLst/>
-                <a:latin typeface="NotoSansJP"/>
-              </a:rPr>
-              <a:t>コンセプト保留デモンストレーション</a:t>
-            </a:r>
-            <a:br>
+              <a:t>原因と結果　原因が弱い</a:t>
+            </a:r>
+            <a:endParaRPr lang="en-US" altLang="ja-JP" dirty="0"/>
+          </a:p>
+          <a:p>
+            <a:pPr marL="0" indent="0">
+              <a:lnSpc>
+                <a:spcPct val="100000"/>
+              </a:lnSpc>
+              <a:buNone/>
+            </a:pPr>
+            <a:r>
               <a:rPr lang="ja-JP" altLang="en-US" dirty="0"/>
-            </a:br>
-            <a:r>
-              <a:rPr lang="ja-JP" altLang="en-US" b="0" i="0" dirty="0">
-                <a:solidFill>
-                  <a:srgbClr val="1D1C1D"/>
-                </a:solidFill>
-                <a:effectLst/>
-                <a:latin typeface="NotoSansJP"/>
-              </a:rPr>
-              <a:t>もちろん、ユーザーの登録や、パスワード忘れの機能も常備してます。</a:t>
-            </a:r>
-            <a:br>
+              <a:t>他チームを蹴落とす内容を挟んでもいい「質問アプリなんて～」</a:t>
+            </a:r>
+            <a:endParaRPr lang="en-US" altLang="ja-JP" dirty="0"/>
+          </a:p>
+          <a:p>
+            <a:pPr marL="0" indent="0">
+              <a:lnSpc>
+                <a:spcPct val="100000"/>
+              </a:lnSpc>
+              <a:buNone/>
+            </a:pPr>
+            <a:r>
               <a:rPr lang="ja-JP" altLang="en-US" dirty="0"/>
-            </a:br>
-            <a:r>
-              <a:rPr lang="ja-JP" altLang="en-US" b="0" i="0" dirty="0">
-                <a:solidFill>
-                  <a:srgbClr val="1D1C1D"/>
-                </a:solidFill>
-                <a:effectLst/>
-                <a:latin typeface="NotoSansJP"/>
-              </a:rPr>
-              <a:t>画像の反映に時間がかかるのであれば、そこは話で少しつなごう</a:t>
-            </a:r>
-            <a:br>
+              <a:t>質問だけならスラックでもええやん</a:t>
+            </a:r>
+            <a:endParaRPr lang="en-US" altLang="ja-JP" dirty="0"/>
+          </a:p>
+          <a:p>
+            <a:pPr marL="0" indent="0">
+              <a:lnSpc>
+                <a:spcPct val="100000"/>
+              </a:lnSpc>
+              <a:buNone/>
+            </a:pPr>
+            <a:endParaRPr lang="en-US" altLang="ja-JP" dirty="0"/>
+          </a:p>
+          <a:p>
+            <a:pPr marL="0" indent="0">
+              <a:lnSpc>
+                <a:spcPct val="100000"/>
+              </a:lnSpc>
+              <a:buNone/>
+            </a:pPr>
+            <a:r>
               <a:rPr lang="ja-JP" altLang="en-US" dirty="0"/>
-            </a:br>
-            <a:r>
-              <a:rPr lang="ja-JP" altLang="en-US" b="0" i="0" dirty="0">
-                <a:solidFill>
-                  <a:srgbClr val="1D1C1D"/>
-                </a:solidFill>
-                <a:effectLst/>
-                <a:latin typeface="NotoSansJP"/>
-              </a:rPr>
-              <a:t>高いものがいいものとは限らないので、視野を広げてみてもらうため</a:t>
-            </a:r>
-            <a:br>
+              <a:t>ノートにした理由</a:t>
+            </a:r>
+            <a:endParaRPr lang="en-US" altLang="ja-JP" dirty="0"/>
+          </a:p>
+          <a:p>
+            <a:pPr marL="0" indent="0">
+              <a:lnSpc>
+                <a:spcPct val="100000"/>
+              </a:lnSpc>
+              <a:buNone/>
+            </a:pPr>
+            <a:r>
               <a:rPr lang="ja-JP" altLang="en-US" dirty="0"/>
-            </a:br>
-            <a:r>
-              <a:rPr lang="ja-JP" altLang="en-US" b="0" i="0" dirty="0">
-                <a:solidFill>
-                  <a:srgbClr val="1D1C1D"/>
-                </a:solidFill>
-                <a:effectLst/>
-                <a:latin typeface="NotoSansJP"/>
-              </a:rPr>
-              <a:t>難しい機能なのに、難しさがあまり伝わらない</a:t>
-            </a:r>
-            <a:br>
+              <a:t>・相互コミュニケーションがないのでハードル低い　質問する前のステップとして活用</a:t>
+            </a:r>
+            <a:endParaRPr lang="en-US" altLang="ja-JP" dirty="0"/>
+          </a:p>
+          <a:p>
+            <a:pPr marL="0" indent="0">
+              <a:lnSpc>
+                <a:spcPct val="100000"/>
+              </a:lnSpc>
+              <a:buNone/>
+            </a:pPr>
+            <a:r>
               <a:rPr lang="ja-JP" altLang="en-US" dirty="0"/>
-            </a:br>
-            <a:r>
-              <a:rPr lang="en-US" altLang="ja-JP" b="0" i="0" dirty="0">
-                <a:solidFill>
-                  <a:srgbClr val="1D1C1D"/>
-                </a:solidFill>
-                <a:effectLst/>
-                <a:latin typeface="NotoSansJP"/>
-              </a:rPr>
-              <a:t>ajax</a:t>
-            </a:r>
-            <a:r>
-              <a:rPr lang="ja-JP" altLang="en-US" b="0" i="0" dirty="0">
-                <a:solidFill>
-                  <a:srgbClr val="1D1C1D"/>
-                </a:solidFill>
-                <a:effectLst/>
-                <a:latin typeface="NotoSansJP"/>
-              </a:rPr>
-              <a:t>筆頭に習っていない知識があるという部分を強調システムについて</a:t>
-            </a:r>
-            <a:br>
+              <a:t>・自分じゃ気づかなかったけど言われてみれば！の発見にも役立つ</a:t>
+            </a:r>
+            <a:endParaRPr lang="en-US" altLang="ja-JP" dirty="0"/>
+          </a:p>
+          <a:p>
+            <a:pPr marL="0" indent="0">
+              <a:lnSpc>
+                <a:spcPct val="100000"/>
+              </a:lnSpc>
+              <a:buNone/>
+            </a:pPr>
+            <a:r>
               <a:rPr lang="ja-JP" altLang="en-US" dirty="0"/>
-            </a:br>
-            <a:r>
-              <a:rPr lang="ja-JP" altLang="en-US" b="0" i="0" dirty="0">
-                <a:solidFill>
-                  <a:srgbClr val="1D1C1D"/>
-                </a:solidFill>
-                <a:effectLst/>
-                <a:latin typeface="NotoSansJP"/>
-              </a:rPr>
-              <a:t>一般の人は、ノートを共有する意味を知らない。</a:t>
-            </a:r>
-            <a:br>
-              <a:rPr lang="ja-JP" altLang="en-US" dirty="0"/>
-            </a:br>
-            <a:r>
-              <a:rPr lang="ja-JP" altLang="en-US" b="0" i="0" dirty="0">
-                <a:solidFill>
-                  <a:srgbClr val="1D1C1D"/>
-                </a:solidFill>
-                <a:effectLst/>
-                <a:latin typeface="NotoSansJP"/>
-              </a:rPr>
-              <a:t>そういう学びがあったのか</a:t>
-            </a:r>
-            <a:br>
-              <a:rPr lang="ja-JP" altLang="en-US" dirty="0"/>
-            </a:br>
-            <a:r>
-              <a:rPr lang="ja-JP" altLang="en-US" b="0" i="0" dirty="0">
-                <a:solidFill>
-                  <a:srgbClr val="1D1C1D"/>
-                </a:solidFill>
-                <a:effectLst/>
-                <a:latin typeface="NotoSansJP"/>
-              </a:rPr>
-              <a:t>ノートは自分が見れればいいの精神が強い</a:t>
-            </a:r>
-            <a:br>
-              <a:rPr lang="ja-JP" altLang="en-US" dirty="0"/>
-            </a:br>
-            <a:r>
-              <a:rPr lang="ja-JP" altLang="en-US" b="0" i="0" dirty="0">
-                <a:solidFill>
-                  <a:srgbClr val="1D1C1D"/>
-                </a:solidFill>
-                <a:effectLst/>
-                <a:latin typeface="NotoSansJP"/>
-              </a:rPr>
-              <a:t>（頭のいい人ほどそう考える）チームの振り返り</a:t>
-            </a:r>
-            <a:br>
-              <a:rPr lang="ja-JP" altLang="en-US" dirty="0"/>
-            </a:br>
-            <a:r>
-              <a:rPr lang="ja-JP" altLang="en-US" b="0" i="0" dirty="0">
-                <a:solidFill>
-                  <a:srgbClr val="1D1C1D"/>
-                </a:solidFill>
-                <a:effectLst/>
-                <a:latin typeface="NotoSansJP"/>
-              </a:rPr>
-              <a:t>何故スムーズな意見交換ができたのか</a:t>
-            </a:r>
-            <a:br>
-              <a:rPr lang="ja-JP" altLang="en-US" dirty="0"/>
-            </a:br>
-            <a:r>
-              <a:rPr lang="ja-JP" altLang="en-US" b="0" i="0" dirty="0">
-                <a:solidFill>
-                  <a:srgbClr val="1D1C1D"/>
-                </a:solidFill>
-                <a:effectLst/>
-                <a:latin typeface="NotoSansJP"/>
-              </a:rPr>
-              <a:t>誰が何に気をつけていたのか的確な分業はどのようにして生まれたのか？</a:t>
-            </a:r>
-            <a:br>
-              <a:rPr lang="ja-JP" altLang="en-US" dirty="0"/>
-            </a:br>
-            <a:r>
-              <a:rPr lang="ja-JP" altLang="en-US" b="0" i="0" dirty="0">
-                <a:solidFill>
-                  <a:srgbClr val="1D1C1D"/>
-                </a:solidFill>
-                <a:effectLst/>
-                <a:latin typeface="NotoSansJP"/>
-              </a:rPr>
-              <a:t>失敗から学びがあり、そうしたのか個人</a:t>
-            </a:r>
-            <a:br>
-              <a:rPr lang="ja-JP" altLang="en-US" dirty="0"/>
-            </a:br>
-            <a:r>
-              <a:rPr lang="ja-JP" altLang="en-US" b="0" i="0" dirty="0">
-                <a:solidFill>
-                  <a:srgbClr val="1D1C1D"/>
-                </a:solidFill>
-                <a:effectLst/>
-                <a:latin typeface="NotoSansJP"/>
-              </a:rPr>
-              <a:t>蔭山さん</a:t>
-            </a:r>
-            <a:br>
-              <a:rPr lang="ja-JP" altLang="en-US" dirty="0"/>
-            </a:br>
-            <a:r>
-              <a:rPr lang="ja-JP" altLang="en-US" b="0" i="0" dirty="0">
-                <a:solidFill>
-                  <a:srgbClr val="1D1C1D"/>
-                </a:solidFill>
-                <a:effectLst/>
-                <a:latin typeface="NotoSansJP"/>
-              </a:rPr>
-              <a:t>プログラミングにチャレンジできなかったことで何を学び、</a:t>
-            </a:r>
-            <a:br>
-              <a:rPr lang="ja-JP" altLang="en-US" dirty="0"/>
-            </a:br>
-            <a:r>
-              <a:rPr lang="ja-JP" altLang="en-US" b="0" i="0" dirty="0">
-                <a:solidFill>
-                  <a:srgbClr val="1D1C1D"/>
-                </a:solidFill>
-                <a:effectLst/>
-                <a:latin typeface="NotoSansJP"/>
-              </a:rPr>
-              <a:t>何を今後しなくてはならないか。最終的にプラス思考にもっていく。</a:t>
-            </a:r>
+              <a:t>・</a:t>
+            </a:r>
+            <a:endParaRPr lang="en-US" altLang="ja-JP" dirty="0"/>
+          </a:p>
+          <a:p>
+            <a:pPr marL="0" indent="0">
+              <a:lnSpc>
+                <a:spcPct val="100000"/>
+              </a:lnSpc>
+              <a:buNone/>
+            </a:pPr>
             <a:endParaRPr lang="en-US" altLang="ja-JP" dirty="0"/>
           </a:p>
         </p:txBody>
@@ -22474,7 +22464,7 @@
     </p:spTree>
     <p:extLst>
       <p:ext uri="{BB962C8B-B14F-4D97-AF65-F5344CB8AC3E}">
-        <p14:creationId xmlns:p14="http://schemas.microsoft.com/office/powerpoint/2010/main" val="1739246407"/>
+        <p14:creationId xmlns:p14="http://schemas.microsoft.com/office/powerpoint/2010/main" val="532303304"/>
       </p:ext>
     </p:extLst>
   </p:cSld>
@@ -22898,6 +22888,362 @@
       <p:bldP spid="29" grpId="0" animBg="1"/>
     </p:bldLst>
   </p:timing>
+</p:sld>
+</file>
+
+<file path=ppt/slides/slide30.xml><?xml version="1.0" encoding="utf-8"?>
+<p:sld xmlns:a="http://schemas.openxmlformats.org/drawingml/2006/main" xmlns:r="http://schemas.openxmlformats.org/officeDocument/2006/relationships" xmlns:p="http://schemas.openxmlformats.org/presentationml/2006/main" show="0">
+  <p:cSld>
+    <p:spTree>
+      <p:nvGrpSpPr>
+        <p:cNvPr id="1" name=""/>
+        <p:cNvGrpSpPr/>
+        <p:nvPr/>
+      </p:nvGrpSpPr>
+      <p:grpSpPr>
+        <a:xfrm>
+          <a:off x="0" y="0"/>
+          <a:ext cx="0" cy="0"/>
+          <a:chOff x="0" y="0"/>
+          <a:chExt cx="0" cy="0"/>
+        </a:xfrm>
+      </p:grpSpPr>
+      <p:sp>
+        <p:nvSpPr>
+          <p:cNvPr id="2" name="日付プレースホルダー 1">
+            <a:extLst>
+              <a:ext uri="{FF2B5EF4-FFF2-40B4-BE49-F238E27FC236}">
+                <a16:creationId xmlns:a16="http://schemas.microsoft.com/office/drawing/2014/main" id="{3F35A2AA-D257-4703-B38F-63A2987199FA}"/>
+              </a:ext>
+            </a:extLst>
+          </p:cNvPr>
+          <p:cNvSpPr>
+            <a:spLocks noGrp="1"/>
+          </p:cNvSpPr>
+          <p:nvPr>
+            <p:ph type="dt" sz="half" idx="10"/>
+          </p:nvPr>
+        </p:nvSpPr>
+        <p:spPr/>
+        <p:txBody>
+          <a:bodyPr/>
+          <a:lstStyle/>
+          <a:p>
+            <a:fld id="{A2C8279F-4F17-4988-81F9-6030F363FD13}" type="datetime1">
+              <a:rPr lang="ja-JP" altLang="en-US" smtClean="0"/>
+              <a:t>2021/6/28</a:t>
+            </a:fld>
+            <a:endParaRPr lang="en-US" dirty="0"/>
+          </a:p>
+        </p:txBody>
+      </p:sp>
+      <p:sp>
+        <p:nvSpPr>
+          <p:cNvPr id="3" name="タイトル 2">
+            <a:extLst>
+              <a:ext uri="{FF2B5EF4-FFF2-40B4-BE49-F238E27FC236}">
+                <a16:creationId xmlns:a16="http://schemas.microsoft.com/office/drawing/2014/main" id="{F31681CE-1577-499A-A6FF-63FB6C4A5151}"/>
+              </a:ext>
+            </a:extLst>
+          </p:cNvPr>
+          <p:cNvSpPr>
+            <a:spLocks noGrp="1"/>
+          </p:cNvSpPr>
+          <p:nvPr>
+            <p:ph type="title"/>
+          </p:nvPr>
+        </p:nvSpPr>
+        <p:spPr/>
+        <p:txBody>
+          <a:bodyPr/>
+          <a:lstStyle/>
+          <a:p>
+            <a:endParaRPr kumimoji="1" lang="ja-JP" altLang="en-US"/>
+          </a:p>
+        </p:txBody>
+      </p:sp>
+      <p:sp>
+        <p:nvSpPr>
+          <p:cNvPr id="4" name="コンテンツ プレースホルダー 3">
+            <a:extLst>
+              <a:ext uri="{FF2B5EF4-FFF2-40B4-BE49-F238E27FC236}">
+                <a16:creationId xmlns:a16="http://schemas.microsoft.com/office/drawing/2014/main" id="{D82C6B04-394C-4AFD-9579-A639D735AB46}"/>
+              </a:ext>
+            </a:extLst>
+          </p:cNvPr>
+          <p:cNvSpPr>
+            <a:spLocks noGrp="1"/>
+          </p:cNvSpPr>
+          <p:nvPr>
+            <p:ph sz="quarter" idx="13"/>
+          </p:nvPr>
+        </p:nvSpPr>
+        <p:spPr/>
+        <p:txBody>
+          <a:bodyPr/>
+          <a:lstStyle/>
+          <a:p>
+            <a:pPr marL="0" indent="0">
+              <a:lnSpc>
+                <a:spcPct val="100000"/>
+              </a:lnSpc>
+              <a:buNone/>
+            </a:pPr>
+            <a:r>
+              <a:rPr lang="en-US" altLang="ja-JP" b="0" i="0" dirty="0">
+                <a:solidFill>
+                  <a:srgbClr val="1D1C1D"/>
+                </a:solidFill>
+                <a:effectLst/>
+                <a:latin typeface="NotoSansJP"/>
+              </a:rPr>
+              <a:t>a4</a:t>
+            </a:r>
+            <a:br>
+              <a:rPr lang="ja-JP" altLang="en-US" dirty="0"/>
+            </a:br>
+            <a:r>
+              <a:rPr lang="ja-JP" altLang="en-US" b="0" i="0" dirty="0">
+                <a:solidFill>
+                  <a:srgbClr val="1D1C1D"/>
+                </a:solidFill>
+                <a:effectLst/>
+                <a:latin typeface="NotoSansJP"/>
+              </a:rPr>
+              <a:t>システムについて</a:t>
+            </a:r>
+            <a:br>
+              <a:rPr lang="ja-JP" altLang="en-US" dirty="0"/>
+            </a:br>
+            <a:r>
+              <a:rPr lang="ja-JP" altLang="en-US" b="0" i="0" dirty="0">
+                <a:solidFill>
+                  <a:srgbClr val="1D1C1D"/>
+                </a:solidFill>
+                <a:effectLst/>
+                <a:latin typeface="NotoSansJP"/>
+              </a:rPr>
+              <a:t>コンセプト保留デモンストレーション</a:t>
+            </a:r>
+            <a:br>
+              <a:rPr lang="ja-JP" altLang="en-US" dirty="0"/>
+            </a:br>
+            <a:r>
+              <a:rPr lang="ja-JP" altLang="en-US" b="0" i="0" dirty="0">
+                <a:solidFill>
+                  <a:srgbClr val="1D1C1D"/>
+                </a:solidFill>
+                <a:effectLst/>
+                <a:latin typeface="NotoSansJP"/>
+              </a:rPr>
+              <a:t>もちろん、ユーザーの登録や、パスワード忘れの機能も常備してます。</a:t>
+            </a:r>
+            <a:br>
+              <a:rPr lang="ja-JP" altLang="en-US" dirty="0"/>
+            </a:br>
+            <a:r>
+              <a:rPr lang="ja-JP" altLang="en-US" b="0" i="0" dirty="0">
+                <a:solidFill>
+                  <a:srgbClr val="1D1C1D"/>
+                </a:solidFill>
+                <a:effectLst/>
+                <a:latin typeface="NotoSansJP"/>
+              </a:rPr>
+              <a:t>画像の反映に時間がかかるのであれば、そこは話で少しつなごう</a:t>
+            </a:r>
+            <a:br>
+              <a:rPr lang="ja-JP" altLang="en-US" dirty="0"/>
+            </a:br>
+            <a:r>
+              <a:rPr lang="ja-JP" altLang="en-US" b="0" i="0" dirty="0">
+                <a:solidFill>
+                  <a:srgbClr val="1D1C1D"/>
+                </a:solidFill>
+                <a:effectLst/>
+                <a:latin typeface="NotoSansJP"/>
+              </a:rPr>
+              <a:t>高いものがいいものとは限らないので、視野を広げてみてもらうため</a:t>
+            </a:r>
+            <a:br>
+              <a:rPr lang="ja-JP" altLang="en-US" dirty="0"/>
+            </a:br>
+            <a:r>
+              <a:rPr lang="ja-JP" altLang="en-US" b="0" i="0" dirty="0">
+                <a:solidFill>
+                  <a:srgbClr val="1D1C1D"/>
+                </a:solidFill>
+                <a:effectLst/>
+                <a:latin typeface="NotoSansJP"/>
+              </a:rPr>
+              <a:t>難しい機能なのに、難しさがあまり伝わらない</a:t>
+            </a:r>
+            <a:br>
+              <a:rPr lang="ja-JP" altLang="en-US" dirty="0"/>
+            </a:br>
+            <a:r>
+              <a:rPr lang="en-US" altLang="ja-JP" b="0" i="0" dirty="0">
+                <a:solidFill>
+                  <a:srgbClr val="1D1C1D"/>
+                </a:solidFill>
+                <a:effectLst/>
+                <a:latin typeface="NotoSansJP"/>
+              </a:rPr>
+              <a:t>ajax</a:t>
+            </a:r>
+            <a:r>
+              <a:rPr lang="ja-JP" altLang="en-US" b="0" i="0" dirty="0">
+                <a:solidFill>
+                  <a:srgbClr val="1D1C1D"/>
+                </a:solidFill>
+                <a:effectLst/>
+                <a:latin typeface="NotoSansJP"/>
+              </a:rPr>
+              <a:t>筆頭に習っていない知識があるという部分を強調システムについて</a:t>
+            </a:r>
+            <a:br>
+              <a:rPr lang="ja-JP" altLang="en-US" dirty="0"/>
+            </a:br>
+            <a:r>
+              <a:rPr lang="ja-JP" altLang="en-US" b="0" i="0" dirty="0">
+                <a:solidFill>
+                  <a:srgbClr val="1D1C1D"/>
+                </a:solidFill>
+                <a:effectLst/>
+                <a:latin typeface="NotoSansJP"/>
+              </a:rPr>
+              <a:t>一般の人は、ノートを共有する意味を知らない。</a:t>
+            </a:r>
+            <a:br>
+              <a:rPr lang="ja-JP" altLang="en-US" dirty="0"/>
+            </a:br>
+            <a:r>
+              <a:rPr lang="ja-JP" altLang="en-US" b="0" i="0" dirty="0">
+                <a:solidFill>
+                  <a:srgbClr val="1D1C1D"/>
+                </a:solidFill>
+                <a:effectLst/>
+                <a:latin typeface="NotoSansJP"/>
+              </a:rPr>
+              <a:t>そういう学びがあったのか</a:t>
+            </a:r>
+            <a:br>
+              <a:rPr lang="ja-JP" altLang="en-US" dirty="0"/>
+            </a:br>
+            <a:r>
+              <a:rPr lang="ja-JP" altLang="en-US" b="0" i="0" dirty="0">
+                <a:solidFill>
+                  <a:srgbClr val="1D1C1D"/>
+                </a:solidFill>
+                <a:effectLst/>
+                <a:latin typeface="NotoSansJP"/>
+              </a:rPr>
+              <a:t>ノートは自分が見れればいいの精神が強い</a:t>
+            </a:r>
+            <a:br>
+              <a:rPr lang="ja-JP" altLang="en-US" dirty="0"/>
+            </a:br>
+            <a:r>
+              <a:rPr lang="ja-JP" altLang="en-US" b="0" i="0" dirty="0">
+                <a:solidFill>
+                  <a:srgbClr val="1D1C1D"/>
+                </a:solidFill>
+                <a:effectLst/>
+                <a:latin typeface="NotoSansJP"/>
+              </a:rPr>
+              <a:t>（頭のいい人ほどそう考える）チームの振り返り</a:t>
+            </a:r>
+            <a:br>
+              <a:rPr lang="ja-JP" altLang="en-US" dirty="0"/>
+            </a:br>
+            <a:r>
+              <a:rPr lang="ja-JP" altLang="en-US" b="0" i="0" dirty="0">
+                <a:solidFill>
+                  <a:srgbClr val="1D1C1D"/>
+                </a:solidFill>
+                <a:effectLst/>
+                <a:latin typeface="NotoSansJP"/>
+              </a:rPr>
+              <a:t>何故スムーズな意見交換ができたのか</a:t>
+            </a:r>
+            <a:br>
+              <a:rPr lang="ja-JP" altLang="en-US" dirty="0"/>
+            </a:br>
+            <a:r>
+              <a:rPr lang="ja-JP" altLang="en-US" b="0" i="0" dirty="0">
+                <a:solidFill>
+                  <a:srgbClr val="1D1C1D"/>
+                </a:solidFill>
+                <a:effectLst/>
+                <a:latin typeface="NotoSansJP"/>
+              </a:rPr>
+              <a:t>誰が何に気をつけていたのか的確な分業はどのようにして生まれたのか？</a:t>
+            </a:r>
+            <a:br>
+              <a:rPr lang="ja-JP" altLang="en-US" dirty="0"/>
+            </a:br>
+            <a:r>
+              <a:rPr lang="ja-JP" altLang="en-US" b="0" i="0" dirty="0">
+                <a:solidFill>
+                  <a:srgbClr val="1D1C1D"/>
+                </a:solidFill>
+                <a:effectLst/>
+                <a:latin typeface="NotoSansJP"/>
+              </a:rPr>
+              <a:t>失敗から学びがあり、そうしたのか個人</a:t>
+            </a:r>
+            <a:br>
+              <a:rPr lang="ja-JP" altLang="en-US" dirty="0"/>
+            </a:br>
+            <a:r>
+              <a:rPr lang="ja-JP" altLang="en-US" b="0" i="0" dirty="0">
+                <a:solidFill>
+                  <a:srgbClr val="1D1C1D"/>
+                </a:solidFill>
+                <a:effectLst/>
+                <a:latin typeface="NotoSansJP"/>
+              </a:rPr>
+              <a:t>蔭山さん</a:t>
+            </a:r>
+            <a:br>
+              <a:rPr lang="ja-JP" altLang="en-US" dirty="0"/>
+            </a:br>
+            <a:r>
+              <a:rPr lang="ja-JP" altLang="en-US" b="0" i="0" dirty="0">
+                <a:solidFill>
+                  <a:srgbClr val="1D1C1D"/>
+                </a:solidFill>
+                <a:effectLst/>
+                <a:latin typeface="NotoSansJP"/>
+              </a:rPr>
+              <a:t>プログラミングにチャレンジできなかったことで何を学び、</a:t>
+            </a:r>
+            <a:br>
+              <a:rPr lang="ja-JP" altLang="en-US" dirty="0"/>
+            </a:br>
+            <a:r>
+              <a:rPr lang="ja-JP" altLang="en-US" b="0" i="0" dirty="0">
+                <a:solidFill>
+                  <a:srgbClr val="1D1C1D"/>
+                </a:solidFill>
+                <a:effectLst/>
+                <a:latin typeface="NotoSansJP"/>
+              </a:rPr>
+              <a:t>何を今後しなくてはならないか。最終的にプラス思考にもっていく。</a:t>
+            </a:r>
+            <a:endParaRPr lang="en-US" altLang="ja-JP" dirty="0"/>
+          </a:p>
+        </p:txBody>
+      </p:sp>
+    </p:spTree>
+    <p:extLst>
+      <p:ext uri="{BB962C8B-B14F-4D97-AF65-F5344CB8AC3E}">
+        <p14:creationId xmlns:p14="http://schemas.microsoft.com/office/powerpoint/2010/main" val="1739246407"/>
+      </p:ext>
+    </p:extLst>
+  </p:cSld>
+  <p:clrMapOvr>
+    <a:masterClrMapping/>
+  </p:clrMapOvr>
 </p:sld>
 </file>
 

--- a/documents/worldMap発表資料改良.pptx
+++ b/documents/worldMap発表資料改良.pptx
@@ -5,10 +5,10 @@
     <p:sldMasterId id="2147483723" r:id="rId1"/>
   </p:sldMasterIdLst>
   <p:notesMasterIdLst>
-    <p:notesMasterId r:id="rId34"/>
+    <p:notesMasterId r:id="rId35"/>
   </p:notesMasterIdLst>
   <p:handoutMasterIdLst>
-    <p:handoutMasterId r:id="rId35"/>
+    <p:handoutMasterId r:id="rId36"/>
   </p:handoutMasterIdLst>
   <p:sldIdLst>
     <p:sldId id="296" r:id="rId2"/>
@@ -21,28 +21,29 @@
     <p:sldId id="352" r:id="rId9"/>
     <p:sldId id="320" r:id="rId10"/>
     <p:sldId id="346" r:id="rId11"/>
-    <p:sldId id="341" r:id="rId12"/>
-    <p:sldId id="328" r:id="rId13"/>
-    <p:sldId id="323" r:id="rId14"/>
-    <p:sldId id="324" r:id="rId15"/>
-    <p:sldId id="316" r:id="rId16"/>
-    <p:sldId id="331" r:id="rId17"/>
-    <p:sldId id="325" r:id="rId18"/>
-    <p:sldId id="314" r:id="rId19"/>
-    <p:sldId id="343" r:id="rId20"/>
-    <p:sldId id="348" r:id="rId21"/>
-    <p:sldId id="351" r:id="rId22"/>
-    <p:sldId id="350" r:id="rId23"/>
-    <p:sldId id="349" r:id="rId24"/>
-    <p:sldId id="342" r:id="rId25"/>
-    <p:sldId id="353" r:id="rId26"/>
-    <p:sldId id="304" r:id="rId27"/>
-    <p:sldId id="355" r:id="rId28"/>
-    <p:sldId id="309" r:id="rId29"/>
-    <p:sldId id="315" r:id="rId30"/>
-    <p:sldId id="335" r:id="rId31"/>
-    <p:sldId id="345" r:id="rId32"/>
-    <p:sldId id="354" r:id="rId33"/>
+    <p:sldId id="356" r:id="rId12"/>
+    <p:sldId id="341" r:id="rId13"/>
+    <p:sldId id="328" r:id="rId14"/>
+    <p:sldId id="323" r:id="rId15"/>
+    <p:sldId id="324" r:id="rId16"/>
+    <p:sldId id="316" r:id="rId17"/>
+    <p:sldId id="331" r:id="rId18"/>
+    <p:sldId id="325" r:id="rId19"/>
+    <p:sldId id="314" r:id="rId20"/>
+    <p:sldId id="343" r:id="rId21"/>
+    <p:sldId id="348" r:id="rId22"/>
+    <p:sldId id="351" r:id="rId23"/>
+    <p:sldId id="350" r:id="rId24"/>
+    <p:sldId id="349" r:id="rId25"/>
+    <p:sldId id="342" r:id="rId26"/>
+    <p:sldId id="353" r:id="rId27"/>
+    <p:sldId id="304" r:id="rId28"/>
+    <p:sldId id="355" r:id="rId29"/>
+    <p:sldId id="309" r:id="rId30"/>
+    <p:sldId id="315" r:id="rId31"/>
+    <p:sldId id="335" r:id="rId32"/>
+    <p:sldId id="345" r:id="rId33"/>
+    <p:sldId id="354" r:id="rId34"/>
   </p:sldIdLst>
   <p:sldSz cx="12192000" cy="6858000"/>
   <p:notesSz cx="6858000" cy="9144000"/>
@@ -254,7 +255,7 @@
                 <a:latin typeface="Meiryo UI" panose="020B0604030504040204" pitchFamily="50" charset="-128"/>
                 <a:ea typeface="Meiryo UI" panose="020B0604030504040204" pitchFamily="50" charset="-128"/>
               </a:rPr>
-              <a:t>2021/6/28</a:t>
+              <a:t>2021/6/29</a:t>
             </a:fld>
             <a:endParaRPr lang="en-US" dirty="0">
               <a:latin typeface="Meiryo UI" panose="020B0604030504040204" pitchFamily="50" charset="-128"/>
@@ -452,7 +453,7 @@
           <a:p>
             <a:fld id="{A7641951-58F2-44FC-BBAF-10D86FB4EB72}" type="datetime1">
               <a:rPr lang="ja-JP" altLang="en-US" smtClean="0"/>
-              <a:t>2021/6/28</a:t>
+              <a:t>2021/6/29</a:t>
             </a:fld>
             <a:endParaRPr lang="en-US" dirty="0"/>
           </a:p>
@@ -825,7 +826,7 @@
             <a:pPr rtl="0"/>
             <a:fld id="{062F3D76-4417-460B-BC28-F69ECA2AC9F5}" type="datetime1">
               <a:rPr lang="ja-JP" altLang="en-US" noProof="0" smtClean="0"/>
-              <a:t>2021/6/28</a:t>
+              <a:t>2021/6/29</a:t>
             </a:fld>
             <a:endParaRPr lang="en-US" noProof="0" dirty="0"/>
           </a:p>
@@ -909,7 +910,7 @@
           <a:p>
             <a:fld id="{220455E2-DE6C-4977-BCFA-7D9AF3B70D3F}" type="datetime1">
               <a:rPr lang="ja-JP" altLang="en-US" smtClean="0"/>
-              <a:t>2021/6/28</a:t>
+              <a:t>2021/6/29</a:t>
             </a:fld>
             <a:endParaRPr lang="en-US" dirty="0"/>
           </a:p>
@@ -993,47 +994,16 @@
         </p:nvSpPr>
         <p:spPr/>
         <p:txBody>
-          <a:bodyPr rtlCol="0"/>
+          <a:bodyPr/>
           <a:lstStyle/>
           <a:p>
-            <a:pPr rtl="0"/>
-            <a:endParaRPr lang="en-US" dirty="0"/>
+            <a:endParaRPr kumimoji="1" lang="ja-JP" altLang="en-US" dirty="0"/>
           </a:p>
         </p:txBody>
       </p:sp>
       <p:sp>
         <p:nvSpPr>
-          <p:cNvPr id="4" name="スライド番号プレースホルダー 3"/>
-          <p:cNvSpPr>
-            <a:spLocks noGrp="1"/>
-          </p:cNvSpPr>
-          <p:nvPr>
-            <p:ph type="sldNum" sz="quarter" idx="10"/>
-          </p:nvPr>
-        </p:nvSpPr>
-        <p:spPr/>
-        <p:txBody>
-          <a:bodyPr rtlCol="0"/>
-          <a:lstStyle/>
-          <a:p>
-            <a:pPr rtl="0"/>
-            <a:fld id="{DB303FA8-A3F3-7640-B13D-36C73B3E5587}" type="slidenum">
-              <a:rPr lang="en-US" smtClean="0"/>
-              <a:t>12</a:t>
-            </a:fld>
-            <a:endParaRPr lang="en-US" dirty="0"/>
-          </a:p>
-        </p:txBody>
-      </p:sp>
-      <p:sp>
-        <p:nvSpPr>
-          <p:cNvPr id="5" name="日付プレースホルダー 4">
-            <a:extLst>
-              <a:ext uri="{FF2B5EF4-FFF2-40B4-BE49-F238E27FC236}">
-                <a16:creationId xmlns:a16="http://schemas.microsoft.com/office/drawing/2014/main" id="{6ECC05B7-0442-4806-BC60-0B08F2803A9B}"/>
-              </a:ext>
-            </a:extLst>
-          </p:cNvPr>
+          <p:cNvPr id="4" name="日付プレースホルダー 3"/>
           <p:cNvSpPr>
             <a:spLocks noGrp="1"/>
           </p:cNvSpPr>
@@ -1046,19 +1016,42 @@
           <a:bodyPr/>
           <a:lstStyle/>
           <a:p>
-            <a:pPr rtl="0"/>
-            <a:fld id="{8703A6E2-E052-462A-8736-4777B1517D18}" type="datetime1">
-              <a:rPr lang="ja-JP" altLang="en-US" noProof="0" smtClean="0"/>
-              <a:t>2021/6/28</a:t>
+            <a:fld id="{220455E2-DE6C-4977-BCFA-7D9AF3B70D3F}" type="datetime1">
+              <a:rPr lang="ja-JP" altLang="en-US" smtClean="0"/>
+              <a:t>2021/6/29</a:t>
             </a:fld>
-            <a:endParaRPr lang="en-US" noProof="0" dirty="0"/>
+            <a:endParaRPr lang="en-US" dirty="0"/>
+          </a:p>
+        </p:txBody>
+      </p:sp>
+      <p:sp>
+        <p:nvSpPr>
+          <p:cNvPr id="5" name="スライド番号プレースホルダー 4"/>
+          <p:cNvSpPr>
+            <a:spLocks noGrp="1"/>
+          </p:cNvSpPr>
+          <p:nvPr>
+            <p:ph type="sldNum" sz="quarter" idx="5"/>
+          </p:nvPr>
+        </p:nvSpPr>
+        <p:spPr/>
+        <p:txBody>
+          <a:bodyPr/>
+          <a:lstStyle/>
+          <a:p>
+            <a:fld id="{DB303FA8-A3F3-7640-B13D-36C73B3E5587}" type="slidenum">
+              <a:rPr lang="en-US" smtClean="0"/>
+              <a:pPr/>
+              <a:t>11</a:t>
+            </a:fld>
+            <a:endParaRPr lang="en-US" dirty="0"/>
           </a:p>
         </p:txBody>
       </p:sp>
     </p:spTree>
     <p:extLst>
       <p:ext uri="{BB962C8B-B14F-4D97-AF65-F5344CB8AC3E}">
-        <p14:creationId xmlns:p14="http://schemas.microsoft.com/office/powerpoint/2010/main" val="2932355217"/>
+        <p14:creationId xmlns:p14="http://schemas.microsoft.com/office/powerpoint/2010/main" val="1735010780"/>
       </p:ext>
     </p:extLst>
   </p:cSld>
@@ -1163,9 +1156,9 @@
           <a:lstStyle/>
           <a:p>
             <a:pPr rtl="0"/>
-            <a:fld id="{62A00A98-BEEB-41DF-85DB-F81F4DF9B709}" type="datetime1">
+            <a:fld id="{8703A6E2-E052-462A-8736-4777B1517D18}" type="datetime1">
               <a:rPr lang="ja-JP" altLang="en-US" noProof="0" smtClean="0"/>
-              <a:t>2021/6/28</a:t>
+              <a:t>2021/6/29</a:t>
             </a:fld>
             <a:endParaRPr lang="en-US" noProof="0" dirty="0"/>
           </a:p>
@@ -1174,7 +1167,7 @@
     </p:spTree>
     <p:extLst>
       <p:ext uri="{BB962C8B-B14F-4D97-AF65-F5344CB8AC3E}">
-        <p14:creationId xmlns:p14="http://schemas.microsoft.com/office/powerpoint/2010/main" val="3370555159"/>
+        <p14:creationId xmlns:p14="http://schemas.microsoft.com/office/powerpoint/2010/main" val="2932355217"/>
       </p:ext>
     </p:extLst>
   </p:cSld>
@@ -1279,9 +1272,9 @@
           <a:lstStyle/>
           <a:p>
             <a:pPr rtl="0"/>
-            <a:fld id="{2E864F8F-5043-43ED-AF57-60D60F7F2A41}" type="datetime1">
+            <a:fld id="{62A00A98-BEEB-41DF-85DB-F81F4DF9B709}" type="datetime1">
               <a:rPr lang="ja-JP" altLang="en-US" noProof="0" smtClean="0"/>
-              <a:t>2021/6/28</a:t>
+              <a:t>2021/6/29</a:t>
             </a:fld>
             <a:endParaRPr lang="en-US" noProof="0" dirty="0"/>
           </a:p>
@@ -1290,7 +1283,7 @@
     </p:spTree>
     <p:extLst>
       <p:ext uri="{BB962C8B-B14F-4D97-AF65-F5344CB8AC3E}">
-        <p14:creationId xmlns:p14="http://schemas.microsoft.com/office/powerpoint/2010/main" val="4168808553"/>
+        <p14:creationId xmlns:p14="http://schemas.microsoft.com/office/powerpoint/2010/main" val="3370555159"/>
       </p:ext>
     </p:extLst>
   </p:cSld>
@@ -1367,7 +1360,7 @@
             <a:pPr rtl="0"/>
             <a:fld id="{DB303FA8-A3F3-7640-B13D-36C73B3E5587}" type="slidenum">
               <a:rPr lang="en-US" smtClean="0"/>
-              <a:t>16</a:t>
+              <a:t>15</a:t>
             </a:fld>
             <a:endParaRPr lang="en-US" dirty="0"/>
           </a:p>
@@ -1395,9 +1388,9 @@
           <a:lstStyle/>
           <a:p>
             <a:pPr rtl="0"/>
-            <a:fld id="{DF175A64-DB18-49A6-BAA5-C6CE016A16F5}" type="datetime1">
+            <a:fld id="{2E864F8F-5043-43ED-AF57-60D60F7F2A41}" type="datetime1">
               <a:rPr lang="ja-JP" altLang="en-US" noProof="0" smtClean="0"/>
-              <a:t>2021/6/28</a:t>
+              <a:t>2021/6/29</a:t>
             </a:fld>
             <a:endParaRPr lang="en-US" noProof="0" dirty="0"/>
           </a:p>
@@ -1406,7 +1399,7 @@
     </p:spTree>
     <p:extLst>
       <p:ext uri="{BB962C8B-B14F-4D97-AF65-F5344CB8AC3E}">
-        <p14:creationId xmlns:p14="http://schemas.microsoft.com/office/powerpoint/2010/main" val="1349334602"/>
+        <p14:creationId xmlns:p14="http://schemas.microsoft.com/office/powerpoint/2010/main" val="4168808553"/>
       </p:ext>
     </p:extLst>
   </p:cSld>
@@ -1511,9 +1504,9 @@
           <a:lstStyle/>
           <a:p>
             <a:pPr rtl="0"/>
-            <a:fld id="{6D048ACD-7903-4146-9952-7847D3698479}" type="datetime1">
+            <a:fld id="{DF175A64-DB18-49A6-BAA5-C6CE016A16F5}" type="datetime1">
               <a:rPr lang="ja-JP" altLang="en-US" noProof="0" smtClean="0"/>
-              <a:t>2021/6/28</a:t>
+              <a:t>2021/6/29</a:t>
             </a:fld>
             <a:endParaRPr lang="en-US" noProof="0" dirty="0"/>
           </a:p>
@@ -1522,7 +1515,7 @@
     </p:spTree>
     <p:extLst>
       <p:ext uri="{BB962C8B-B14F-4D97-AF65-F5344CB8AC3E}">
-        <p14:creationId xmlns:p14="http://schemas.microsoft.com/office/powerpoint/2010/main" val="3121433867"/>
+        <p14:creationId xmlns:p14="http://schemas.microsoft.com/office/powerpoint/2010/main" val="1349334602"/>
       </p:ext>
     </p:extLst>
   </p:cSld>
@@ -1573,16 +1566,47 @@
         </p:nvSpPr>
         <p:spPr/>
         <p:txBody>
-          <a:bodyPr/>
+          <a:bodyPr rtlCol="0"/>
           <a:lstStyle/>
           <a:p>
-            <a:endParaRPr kumimoji="1" lang="ja-JP" altLang="en-US" dirty="0"/>
+            <a:pPr rtl="0"/>
+            <a:endParaRPr lang="en-US" dirty="0"/>
           </a:p>
         </p:txBody>
       </p:sp>
       <p:sp>
         <p:nvSpPr>
-          <p:cNvPr id="4" name="日付プレースホルダー 3"/>
+          <p:cNvPr id="4" name="スライド番号プレースホルダー 3"/>
+          <p:cNvSpPr>
+            <a:spLocks noGrp="1"/>
+          </p:cNvSpPr>
+          <p:nvPr>
+            <p:ph type="sldNum" sz="quarter" idx="10"/>
+          </p:nvPr>
+        </p:nvSpPr>
+        <p:spPr/>
+        <p:txBody>
+          <a:bodyPr rtlCol="0"/>
+          <a:lstStyle/>
+          <a:p>
+            <a:pPr rtl="0"/>
+            <a:fld id="{DB303FA8-A3F3-7640-B13D-36C73B3E5587}" type="slidenum">
+              <a:rPr lang="en-US" smtClean="0"/>
+              <a:t>18</a:t>
+            </a:fld>
+            <a:endParaRPr lang="en-US" dirty="0"/>
+          </a:p>
+        </p:txBody>
+      </p:sp>
+      <p:sp>
+        <p:nvSpPr>
+          <p:cNvPr id="5" name="日付プレースホルダー 4">
+            <a:extLst>
+              <a:ext uri="{FF2B5EF4-FFF2-40B4-BE49-F238E27FC236}">
+                <a16:creationId xmlns:a16="http://schemas.microsoft.com/office/drawing/2014/main" id="{6ECC05B7-0442-4806-BC60-0B08F2803A9B}"/>
+              </a:ext>
+            </a:extLst>
+          </p:cNvPr>
           <p:cNvSpPr>
             <a:spLocks noGrp="1"/>
           </p:cNvSpPr>
@@ -1595,42 +1619,19 @@
           <a:bodyPr/>
           <a:lstStyle/>
           <a:p>
-            <a:fld id="{753522AE-1792-4F16-AD61-355CDB1120DB}" type="datetime1">
-              <a:rPr lang="ja-JP" altLang="en-US" smtClean="0"/>
-              <a:t>2021/6/28</a:t>
+            <a:pPr rtl="0"/>
+            <a:fld id="{6D048ACD-7903-4146-9952-7847D3698479}" type="datetime1">
+              <a:rPr lang="ja-JP" altLang="en-US" noProof="0" smtClean="0"/>
+              <a:t>2021/6/29</a:t>
             </a:fld>
-            <a:endParaRPr lang="en-US" dirty="0"/>
-          </a:p>
-        </p:txBody>
-      </p:sp>
-      <p:sp>
-        <p:nvSpPr>
-          <p:cNvPr id="5" name="スライド番号プレースホルダー 4"/>
-          <p:cNvSpPr>
-            <a:spLocks noGrp="1"/>
-          </p:cNvSpPr>
-          <p:nvPr>
-            <p:ph type="sldNum" sz="quarter" idx="5"/>
-          </p:nvPr>
-        </p:nvSpPr>
-        <p:spPr/>
-        <p:txBody>
-          <a:bodyPr/>
-          <a:lstStyle/>
-          <a:p>
-            <a:fld id="{DB303FA8-A3F3-7640-B13D-36C73B3E5587}" type="slidenum">
-              <a:rPr lang="en-US" smtClean="0"/>
-              <a:pPr/>
-              <a:t>18</a:t>
-            </a:fld>
-            <a:endParaRPr lang="en-US" dirty="0"/>
+            <a:endParaRPr lang="en-US" noProof="0" dirty="0"/>
           </a:p>
         </p:txBody>
       </p:sp>
     </p:spTree>
     <p:extLst>
       <p:ext uri="{BB962C8B-B14F-4D97-AF65-F5344CB8AC3E}">
-        <p14:creationId xmlns:p14="http://schemas.microsoft.com/office/powerpoint/2010/main" val="307823710"/>
+        <p14:creationId xmlns:p14="http://schemas.microsoft.com/office/powerpoint/2010/main" val="3121433867"/>
       </p:ext>
     </p:extLst>
   </p:cSld>
@@ -1703,54 +1704,11 @@
           <a:bodyPr/>
           <a:lstStyle/>
           <a:p>
-            <a:pPr marL="0" marR="0" lvl="0" indent="0" algn="r" defTabSz="914400" rtl="0" eaLnBrk="1" fontAlgn="auto" latinLnBrk="0" hangingPunct="1">
-              <a:lnSpc>
-                <a:spcPct val="100000"/>
-              </a:lnSpc>
-              <a:spcBef>
-                <a:spcPts val="0"/>
-              </a:spcBef>
-              <a:spcAft>
-                <a:spcPts val="0"/>
-              </a:spcAft>
-              <a:buClrTx/>
-              <a:buSzTx/>
-              <a:buFontTx/>
-              <a:buNone/>
-              <a:tabLst/>
-              <a:defRPr/>
-            </a:pPr>
-            <a:fld id="{8E1A19CE-EE20-4DDD-90A2-6A494AAB5382}" type="datetime1">
-              <a:rPr kumimoji="0" lang="ja-JP" altLang="en-US" sz="1200" b="0" i="0" u="none" strike="noStrike" kern="1200" cap="none" spc="0" normalizeH="0" baseline="0" noProof="0" smtClean="0">
-                <a:ln>
-                  <a:noFill/>
-                </a:ln>
-                <a:solidFill>
-                  <a:prstClr val="black"/>
-                </a:solidFill>
-                <a:effectLst/>
-                <a:uLnTx/>
-                <a:uFillTx/>
-                <a:latin typeface="Meiryo UI" panose="020B0604030504040204" pitchFamily="50" charset="-128"/>
-                <a:ea typeface="Meiryo UI" panose="020B0604030504040204" pitchFamily="50" charset="-128"/>
-                <a:cs typeface="+mn-cs"/>
-              </a:rPr>
-              <a:t>2021/6/28</a:t>
+            <a:fld id="{753522AE-1792-4F16-AD61-355CDB1120DB}" type="datetime1">
+              <a:rPr lang="ja-JP" altLang="en-US" smtClean="0"/>
+              <a:t>2021/6/29</a:t>
             </a:fld>
-            <a:endParaRPr kumimoji="0" lang="en-US" sz="1200" b="0" i="0" u="none" strike="noStrike" kern="1200" cap="none" spc="0" normalizeH="0" baseline="0" noProof="0" dirty="0">
-              <a:ln>
-                <a:noFill/>
-              </a:ln>
-              <a:solidFill>
-                <a:prstClr val="black"/>
-              </a:solidFill>
-              <a:effectLst/>
-              <a:uLnTx/>
-              <a:uFillTx/>
-              <a:latin typeface="Meiryo UI" panose="020B0604030504040204" pitchFamily="50" charset="-128"/>
-              <a:ea typeface="Meiryo UI" panose="020B0604030504040204" pitchFamily="50" charset="-128"/>
-              <a:cs typeface="+mn-cs"/>
-            </a:endParaRPr>
+            <a:endParaRPr lang="en-US" dirty="0"/>
           </a:p>
         </p:txBody>
       </p:sp>
@@ -1769,78 +1727,19 @@
           <a:bodyPr/>
           <a:lstStyle/>
           <a:p>
-            <a:pPr marL="0" marR="0" lvl="0" indent="0" algn="r" defTabSz="914400" rtl="0" eaLnBrk="1" fontAlgn="auto" latinLnBrk="0" hangingPunct="1">
-              <a:lnSpc>
-                <a:spcPct val="100000"/>
-              </a:lnSpc>
-              <a:spcBef>
-                <a:spcPts val="0"/>
-              </a:spcBef>
-              <a:spcAft>
-                <a:spcPts val="0"/>
-              </a:spcAft>
-              <a:buClrTx/>
-              <a:buSzTx/>
-              <a:buFontTx/>
-              <a:buNone/>
-              <a:tabLst/>
-              <a:defRPr/>
-            </a:pPr>
             <a:fld id="{DB303FA8-A3F3-7640-B13D-36C73B3E5587}" type="slidenum">
-              <a:rPr kumimoji="0" lang="en-US" sz="1200" b="0" i="0" u="none" strike="noStrike" kern="1200" cap="none" spc="0" normalizeH="0" baseline="0" noProof="0" smtClean="0">
-                <a:ln>
-                  <a:noFill/>
-                </a:ln>
-                <a:solidFill>
-                  <a:prstClr val="black"/>
-                </a:solidFill>
-                <a:effectLst/>
-                <a:uLnTx/>
-                <a:uFillTx/>
-                <a:latin typeface="Meiryo UI" panose="020B0604030504040204" pitchFamily="50" charset="-128"/>
-                <a:ea typeface="Meiryo UI" panose="020B0604030504040204" pitchFamily="50" charset="-128"/>
-                <a:cs typeface="+mn-cs"/>
-              </a:rPr>
-              <a:pPr marL="0" marR="0" lvl="0" indent="0" algn="r" defTabSz="914400" rtl="0" eaLnBrk="1" fontAlgn="auto" latinLnBrk="0" hangingPunct="1">
-                <a:lnSpc>
-                  <a:spcPct val="100000"/>
-                </a:lnSpc>
-                <a:spcBef>
-                  <a:spcPts val="0"/>
-                </a:spcBef>
-                <a:spcAft>
-                  <a:spcPts val="0"/>
-                </a:spcAft>
-                <a:buClrTx/>
-                <a:buSzTx/>
-                <a:buFontTx/>
-                <a:buNone/>
-                <a:tabLst/>
-                <a:defRPr/>
-              </a:pPr>
+              <a:rPr lang="en-US" smtClean="0"/>
+              <a:pPr/>
               <a:t>19</a:t>
             </a:fld>
-            <a:endParaRPr kumimoji="0" lang="en-US" sz="1200" b="0" i="0" u="none" strike="noStrike" kern="1200" cap="none" spc="0" normalizeH="0" baseline="0" noProof="0" dirty="0">
-              <a:ln>
-                <a:noFill/>
-              </a:ln>
-              <a:solidFill>
-                <a:prstClr val="black"/>
-              </a:solidFill>
-              <a:effectLst/>
-              <a:uLnTx/>
-              <a:uFillTx/>
-              <a:latin typeface="Meiryo UI" panose="020B0604030504040204" pitchFamily="50" charset="-128"/>
-              <a:ea typeface="Meiryo UI" panose="020B0604030504040204" pitchFamily="50" charset="-128"/>
-              <a:cs typeface="+mn-cs"/>
-            </a:endParaRPr>
+            <a:endParaRPr lang="en-US" dirty="0"/>
           </a:p>
         </p:txBody>
       </p:sp>
     </p:spTree>
     <p:extLst>
       <p:ext uri="{BB962C8B-B14F-4D97-AF65-F5344CB8AC3E}">
-        <p14:creationId xmlns:p14="http://schemas.microsoft.com/office/powerpoint/2010/main" val="2766790121"/>
+        <p14:creationId xmlns:p14="http://schemas.microsoft.com/office/powerpoint/2010/main" val="307823710"/>
       </p:ext>
     </p:extLst>
   </p:cSld>
@@ -1930,7 +1829,7 @@
               <a:tabLst/>
               <a:defRPr/>
             </a:pPr>
-            <a:fld id="{7CBDBD0D-E37D-4B4C-9A7B-2C1688582109}" type="datetime1">
+            <a:fld id="{8E1A19CE-EE20-4DDD-90A2-6A494AAB5382}" type="datetime1">
               <a:rPr kumimoji="0" lang="ja-JP" altLang="en-US" sz="1200" b="0" i="0" u="none" strike="noStrike" kern="1200" cap="none" spc="0" normalizeH="0" baseline="0" noProof="0" smtClean="0">
                 <a:ln>
                   <a:noFill/>
@@ -1945,7 +1844,7 @@
                 <a:ea typeface="Meiryo UI" panose="020B0604030504040204" pitchFamily="50" charset="-128"/>
                 <a:cs typeface="+mn-cs"/>
               </a:rPr>
-              <a:t>2021/6/28</a:t>
+              <a:t>2021/6/29</a:t>
             </a:fld>
             <a:endParaRPr kumimoji="0" lang="en-US" sz="1200" b="0" i="0" u="none" strike="noStrike" kern="1200" cap="none" spc="0" normalizeH="0" baseline="0" noProof="0" dirty="0">
               <a:ln>
@@ -2050,7 +1949,7 @@
     </p:spTree>
     <p:extLst>
       <p:ext uri="{BB962C8B-B14F-4D97-AF65-F5344CB8AC3E}">
-        <p14:creationId xmlns:p14="http://schemas.microsoft.com/office/powerpoint/2010/main" val="307823710"/>
+        <p14:creationId xmlns:p14="http://schemas.microsoft.com/office/powerpoint/2010/main" val="2766790121"/>
       </p:ext>
     </p:extLst>
   </p:cSld>
@@ -2140,7 +2039,7 @@
               <a:tabLst/>
               <a:defRPr/>
             </a:pPr>
-            <a:fld id="{8E85ECD7-D518-44E8-87C9-C5F8664E9335}" type="datetime1">
+            <a:fld id="{7CBDBD0D-E37D-4B4C-9A7B-2C1688582109}" type="datetime1">
               <a:rPr kumimoji="0" lang="ja-JP" altLang="en-US" sz="1200" b="0" i="0" u="none" strike="noStrike" kern="1200" cap="none" spc="0" normalizeH="0" baseline="0" noProof="0" smtClean="0">
                 <a:ln>
                   <a:noFill/>
@@ -2155,7 +2054,7 @@
                 <a:ea typeface="Meiryo UI" panose="020B0604030504040204" pitchFamily="50" charset="-128"/>
                 <a:cs typeface="+mn-cs"/>
               </a:rPr>
-              <a:t>2021/6/28</a:t>
+              <a:t>2021/6/29</a:t>
             </a:fld>
             <a:endParaRPr kumimoji="0" lang="en-US" sz="1200" b="0" i="0" u="none" strike="noStrike" kern="1200" cap="none" spc="0" normalizeH="0" baseline="0" noProof="0" dirty="0">
               <a:ln>
@@ -2367,7 +2266,7 @@
             <a:pPr rtl="0"/>
             <a:fld id="{20A385A5-9B47-4C76-A394-5F41E6EF582C}" type="datetime1">
               <a:rPr lang="ja-JP" altLang="en-US" noProof="0" smtClean="0"/>
-              <a:t>2021/6/28</a:t>
+              <a:t>2021/6/29</a:t>
             </a:fld>
             <a:endParaRPr lang="en-US" noProof="0" dirty="0"/>
           </a:p>
@@ -2466,7 +2365,7 @@
               <a:tabLst/>
               <a:defRPr/>
             </a:pPr>
-            <a:fld id="{039AB888-B9A2-4119-ADB5-D4DC2D83B085}" type="datetime1">
+            <a:fld id="{8E85ECD7-D518-44E8-87C9-C5F8664E9335}" type="datetime1">
               <a:rPr kumimoji="0" lang="ja-JP" altLang="en-US" sz="1200" b="0" i="0" u="none" strike="noStrike" kern="1200" cap="none" spc="0" normalizeH="0" baseline="0" noProof="0" smtClean="0">
                 <a:ln>
                   <a:noFill/>
@@ -2481,7 +2380,7 @@
                 <a:ea typeface="Meiryo UI" panose="020B0604030504040204" pitchFamily="50" charset="-128"/>
                 <a:cs typeface="+mn-cs"/>
               </a:rPr>
-              <a:t>2021/6/28</a:t>
+              <a:t>2021/6/29</a:t>
             </a:fld>
             <a:endParaRPr kumimoji="0" lang="en-US" sz="1200" b="0" i="0" u="none" strike="noStrike" kern="1200" cap="none" spc="0" normalizeH="0" baseline="0" noProof="0" dirty="0">
               <a:ln>
@@ -2586,7 +2485,7 @@
     </p:spTree>
     <p:extLst>
       <p:ext uri="{BB962C8B-B14F-4D97-AF65-F5344CB8AC3E}">
-        <p14:creationId xmlns:p14="http://schemas.microsoft.com/office/powerpoint/2010/main" val="2766790121"/>
+        <p14:creationId xmlns:p14="http://schemas.microsoft.com/office/powerpoint/2010/main" val="307823710"/>
       </p:ext>
     </p:extLst>
   </p:cSld>
@@ -2676,7 +2575,7 @@
               <a:tabLst/>
               <a:defRPr/>
             </a:pPr>
-            <a:fld id="{2B9F6525-2CC3-4074-AE31-8FD0BADF7B77}" type="datetime1">
+            <a:fld id="{039AB888-B9A2-4119-ADB5-D4DC2D83B085}" type="datetime1">
               <a:rPr kumimoji="0" lang="ja-JP" altLang="en-US" sz="1200" b="0" i="0" u="none" strike="noStrike" kern="1200" cap="none" spc="0" normalizeH="0" baseline="0" noProof="0" smtClean="0">
                 <a:ln>
                   <a:noFill/>
@@ -2691,7 +2590,7 @@
                 <a:ea typeface="Meiryo UI" panose="020B0604030504040204" pitchFamily="50" charset="-128"/>
                 <a:cs typeface="+mn-cs"/>
               </a:rPr>
-              <a:t>2021/6/28</a:t>
+              <a:t>2021/6/29</a:t>
             </a:fld>
             <a:endParaRPr kumimoji="0" lang="en-US" sz="1200" b="0" i="0" u="none" strike="noStrike" kern="1200" cap="none" spc="0" normalizeH="0" baseline="0" noProof="0" dirty="0">
               <a:ln>
@@ -2796,7 +2695,7 @@
     </p:spTree>
     <p:extLst>
       <p:ext uri="{BB962C8B-B14F-4D97-AF65-F5344CB8AC3E}">
-        <p14:creationId xmlns:p14="http://schemas.microsoft.com/office/powerpoint/2010/main" val="307823710"/>
+        <p14:creationId xmlns:p14="http://schemas.microsoft.com/office/powerpoint/2010/main" val="2766790121"/>
       </p:ext>
     </p:extLst>
   </p:cSld>
@@ -2847,47 +2746,16 @@
         </p:nvSpPr>
         <p:spPr/>
         <p:txBody>
-          <a:bodyPr rtlCol="0"/>
+          <a:bodyPr/>
           <a:lstStyle/>
           <a:p>
-            <a:pPr rtl="0"/>
-            <a:endParaRPr lang="en-US" dirty="0"/>
+            <a:endParaRPr kumimoji="1" lang="ja-JP" altLang="en-US" dirty="0"/>
           </a:p>
         </p:txBody>
       </p:sp>
       <p:sp>
         <p:nvSpPr>
-          <p:cNvPr id="4" name="スライド番号プレースホルダー 3"/>
-          <p:cNvSpPr>
-            <a:spLocks noGrp="1"/>
-          </p:cNvSpPr>
-          <p:nvPr>
-            <p:ph type="sldNum" sz="quarter" idx="10"/>
-          </p:nvPr>
-        </p:nvSpPr>
-        <p:spPr/>
-        <p:txBody>
-          <a:bodyPr rtlCol="0"/>
-          <a:lstStyle/>
-          <a:p>
-            <a:pPr rtl="0"/>
-            <a:fld id="{DB303FA8-A3F3-7640-B13D-36C73B3E5587}" type="slidenum">
-              <a:rPr lang="en-US" smtClean="0"/>
-              <a:t>24</a:t>
-            </a:fld>
-            <a:endParaRPr lang="en-US" dirty="0"/>
-          </a:p>
-        </p:txBody>
-      </p:sp>
-      <p:sp>
-        <p:nvSpPr>
-          <p:cNvPr id="5" name="日付プレースホルダー 4">
-            <a:extLst>
-              <a:ext uri="{FF2B5EF4-FFF2-40B4-BE49-F238E27FC236}">
-                <a16:creationId xmlns:a16="http://schemas.microsoft.com/office/drawing/2014/main" id="{6ECC05B7-0442-4806-BC60-0B08F2803A9B}"/>
-              </a:ext>
-            </a:extLst>
-          </p:cNvPr>
+          <p:cNvPr id="4" name="日付プレースホルダー 3"/>
           <p:cNvSpPr>
             <a:spLocks noGrp="1"/>
           </p:cNvSpPr>
@@ -2900,19 +2768,144 @@
           <a:bodyPr/>
           <a:lstStyle/>
           <a:p>
-            <a:pPr rtl="0"/>
-            <a:fld id="{16CC28D4-2B5F-4A2A-AFE6-5EF7703AADFA}" type="datetime1">
-              <a:rPr lang="ja-JP" altLang="en-US" noProof="0" smtClean="0"/>
-              <a:t>2021/6/28</a:t>
+            <a:pPr marL="0" marR="0" lvl="0" indent="0" algn="r" defTabSz="914400" rtl="0" eaLnBrk="1" fontAlgn="auto" latinLnBrk="0" hangingPunct="1">
+              <a:lnSpc>
+                <a:spcPct val="100000"/>
+              </a:lnSpc>
+              <a:spcBef>
+                <a:spcPts val="0"/>
+              </a:spcBef>
+              <a:spcAft>
+                <a:spcPts val="0"/>
+              </a:spcAft>
+              <a:buClrTx/>
+              <a:buSzTx/>
+              <a:buFontTx/>
+              <a:buNone/>
+              <a:tabLst/>
+              <a:defRPr/>
+            </a:pPr>
+            <a:fld id="{2B9F6525-2CC3-4074-AE31-8FD0BADF7B77}" type="datetime1">
+              <a:rPr kumimoji="0" lang="ja-JP" altLang="en-US" sz="1200" b="0" i="0" u="none" strike="noStrike" kern="1200" cap="none" spc="0" normalizeH="0" baseline="0" noProof="0" smtClean="0">
+                <a:ln>
+                  <a:noFill/>
+                </a:ln>
+                <a:solidFill>
+                  <a:prstClr val="black"/>
+                </a:solidFill>
+                <a:effectLst/>
+                <a:uLnTx/>
+                <a:uFillTx/>
+                <a:latin typeface="Meiryo UI" panose="020B0604030504040204" pitchFamily="50" charset="-128"/>
+                <a:ea typeface="Meiryo UI" panose="020B0604030504040204" pitchFamily="50" charset="-128"/>
+                <a:cs typeface="+mn-cs"/>
+              </a:rPr>
+              <a:t>2021/6/29</a:t>
             </a:fld>
-            <a:endParaRPr lang="en-US" noProof="0" dirty="0"/>
+            <a:endParaRPr kumimoji="0" lang="en-US" sz="1200" b="0" i="0" u="none" strike="noStrike" kern="1200" cap="none" spc="0" normalizeH="0" baseline="0" noProof="0" dirty="0">
+              <a:ln>
+                <a:noFill/>
+              </a:ln>
+              <a:solidFill>
+                <a:prstClr val="black"/>
+              </a:solidFill>
+              <a:effectLst/>
+              <a:uLnTx/>
+              <a:uFillTx/>
+              <a:latin typeface="Meiryo UI" panose="020B0604030504040204" pitchFamily="50" charset="-128"/>
+              <a:ea typeface="Meiryo UI" panose="020B0604030504040204" pitchFamily="50" charset="-128"/>
+              <a:cs typeface="+mn-cs"/>
+            </a:endParaRPr>
+          </a:p>
+        </p:txBody>
+      </p:sp>
+      <p:sp>
+        <p:nvSpPr>
+          <p:cNvPr id="5" name="スライド番号プレースホルダー 4"/>
+          <p:cNvSpPr>
+            <a:spLocks noGrp="1"/>
+          </p:cNvSpPr>
+          <p:nvPr>
+            <p:ph type="sldNum" sz="quarter" idx="5"/>
+          </p:nvPr>
+        </p:nvSpPr>
+        <p:spPr/>
+        <p:txBody>
+          <a:bodyPr/>
+          <a:lstStyle/>
+          <a:p>
+            <a:pPr marL="0" marR="0" lvl="0" indent="0" algn="r" defTabSz="914400" rtl="0" eaLnBrk="1" fontAlgn="auto" latinLnBrk="0" hangingPunct="1">
+              <a:lnSpc>
+                <a:spcPct val="100000"/>
+              </a:lnSpc>
+              <a:spcBef>
+                <a:spcPts val="0"/>
+              </a:spcBef>
+              <a:spcAft>
+                <a:spcPts val="0"/>
+              </a:spcAft>
+              <a:buClrTx/>
+              <a:buSzTx/>
+              <a:buFontTx/>
+              <a:buNone/>
+              <a:tabLst/>
+              <a:defRPr/>
+            </a:pPr>
+            <a:fld id="{DB303FA8-A3F3-7640-B13D-36C73B3E5587}" type="slidenum">
+              <a:rPr kumimoji="0" lang="en-US" sz="1200" b="0" i="0" u="none" strike="noStrike" kern="1200" cap="none" spc="0" normalizeH="0" baseline="0" noProof="0" smtClean="0">
+                <a:ln>
+                  <a:noFill/>
+                </a:ln>
+                <a:solidFill>
+                  <a:prstClr val="black"/>
+                </a:solidFill>
+                <a:effectLst/>
+                <a:uLnTx/>
+                <a:uFillTx/>
+                <a:latin typeface="Meiryo UI" panose="020B0604030504040204" pitchFamily="50" charset="-128"/>
+                <a:ea typeface="Meiryo UI" panose="020B0604030504040204" pitchFamily="50" charset="-128"/>
+                <a:cs typeface="+mn-cs"/>
+              </a:rPr>
+              <a:pPr marL="0" marR="0" lvl="0" indent="0" algn="r" defTabSz="914400" rtl="0" eaLnBrk="1" fontAlgn="auto" latinLnBrk="0" hangingPunct="1">
+                <a:lnSpc>
+                  <a:spcPct val="100000"/>
+                </a:lnSpc>
+                <a:spcBef>
+                  <a:spcPts val="0"/>
+                </a:spcBef>
+                <a:spcAft>
+                  <a:spcPts val="0"/>
+                </a:spcAft>
+                <a:buClrTx/>
+                <a:buSzTx/>
+                <a:buFontTx/>
+                <a:buNone/>
+                <a:tabLst/>
+                <a:defRPr/>
+              </a:pPr>
+              <a:t>24</a:t>
+            </a:fld>
+            <a:endParaRPr kumimoji="0" lang="en-US" sz="1200" b="0" i="0" u="none" strike="noStrike" kern="1200" cap="none" spc="0" normalizeH="0" baseline="0" noProof="0" dirty="0">
+              <a:ln>
+                <a:noFill/>
+              </a:ln>
+              <a:solidFill>
+                <a:prstClr val="black"/>
+              </a:solidFill>
+              <a:effectLst/>
+              <a:uLnTx/>
+              <a:uFillTx/>
+              <a:latin typeface="Meiryo UI" panose="020B0604030504040204" pitchFamily="50" charset="-128"/>
+              <a:ea typeface="Meiryo UI" panose="020B0604030504040204" pitchFamily="50" charset="-128"/>
+              <a:cs typeface="+mn-cs"/>
+            </a:endParaRPr>
           </a:p>
         </p:txBody>
       </p:sp>
     </p:spTree>
     <p:extLst>
       <p:ext uri="{BB962C8B-B14F-4D97-AF65-F5344CB8AC3E}">
-        <p14:creationId xmlns:p14="http://schemas.microsoft.com/office/powerpoint/2010/main" val="1225537021"/>
+        <p14:creationId xmlns:p14="http://schemas.microsoft.com/office/powerpoint/2010/main" val="307823710"/>
       </p:ext>
     </p:extLst>
   </p:cSld>
@@ -3017,9 +3010,9 @@
           <a:lstStyle/>
           <a:p>
             <a:pPr rtl="0"/>
-            <a:fld id="{801FD943-2140-4C60-BF05-8AAD3347764A}" type="datetime1">
+            <a:fld id="{16CC28D4-2B5F-4A2A-AFE6-5EF7703AADFA}" type="datetime1">
               <a:rPr lang="ja-JP" altLang="en-US" noProof="0" smtClean="0"/>
-              <a:t>2021/6/28</a:t>
+              <a:t>2021/6/29</a:t>
             </a:fld>
             <a:endParaRPr lang="en-US" noProof="0" dirty="0"/>
           </a:p>
@@ -3028,7 +3021,7 @@
     </p:spTree>
     <p:extLst>
       <p:ext uri="{BB962C8B-B14F-4D97-AF65-F5344CB8AC3E}">
-        <p14:creationId xmlns:p14="http://schemas.microsoft.com/office/powerpoint/2010/main" val="3179186697"/>
+        <p14:creationId xmlns:p14="http://schemas.microsoft.com/office/powerpoint/2010/main" val="1225537021"/>
       </p:ext>
     </p:extLst>
   </p:cSld>
@@ -3105,7 +3098,7 @@
             <a:pPr rtl="0"/>
             <a:fld id="{DB303FA8-A3F3-7640-B13D-36C73B3E5587}" type="slidenum">
               <a:rPr lang="en-US" smtClean="0"/>
-              <a:t>27</a:t>
+              <a:t>26</a:t>
             </a:fld>
             <a:endParaRPr lang="en-US" dirty="0"/>
           </a:p>
@@ -3135,7 +3128,7 @@
             <a:pPr rtl="0"/>
             <a:fld id="{801FD943-2140-4C60-BF05-8AAD3347764A}" type="datetime1">
               <a:rPr lang="ja-JP" altLang="en-US" noProof="0" smtClean="0"/>
-              <a:t>2021/6/28</a:t>
+              <a:t>2021/6/29</a:t>
             </a:fld>
             <a:endParaRPr lang="en-US" noProof="0" dirty="0"/>
           </a:p>
@@ -3144,7 +3137,7 @@
     </p:spTree>
     <p:extLst>
       <p:ext uri="{BB962C8B-B14F-4D97-AF65-F5344CB8AC3E}">
-        <p14:creationId xmlns:p14="http://schemas.microsoft.com/office/powerpoint/2010/main" val="667874475"/>
+        <p14:creationId xmlns:p14="http://schemas.microsoft.com/office/powerpoint/2010/main" val="3179186697"/>
       </p:ext>
     </p:extLst>
   </p:cSld>
@@ -3195,6 +3188,122 @@
         </p:nvSpPr>
         <p:spPr/>
         <p:txBody>
+          <a:bodyPr rtlCol="0"/>
+          <a:lstStyle/>
+          <a:p>
+            <a:pPr rtl="0"/>
+            <a:endParaRPr lang="en-US" dirty="0"/>
+          </a:p>
+        </p:txBody>
+      </p:sp>
+      <p:sp>
+        <p:nvSpPr>
+          <p:cNvPr id="4" name="スライド番号プレースホルダー 3"/>
+          <p:cNvSpPr>
+            <a:spLocks noGrp="1"/>
+          </p:cNvSpPr>
+          <p:nvPr>
+            <p:ph type="sldNum" sz="quarter" idx="10"/>
+          </p:nvPr>
+        </p:nvSpPr>
+        <p:spPr/>
+        <p:txBody>
+          <a:bodyPr rtlCol="0"/>
+          <a:lstStyle/>
+          <a:p>
+            <a:pPr rtl="0"/>
+            <a:fld id="{DB303FA8-A3F3-7640-B13D-36C73B3E5587}" type="slidenum">
+              <a:rPr lang="en-US" smtClean="0"/>
+              <a:t>28</a:t>
+            </a:fld>
+            <a:endParaRPr lang="en-US" dirty="0"/>
+          </a:p>
+        </p:txBody>
+      </p:sp>
+      <p:sp>
+        <p:nvSpPr>
+          <p:cNvPr id="5" name="日付プレースホルダー 4">
+            <a:extLst>
+              <a:ext uri="{FF2B5EF4-FFF2-40B4-BE49-F238E27FC236}">
+                <a16:creationId xmlns:a16="http://schemas.microsoft.com/office/drawing/2014/main" id="{6ECC05B7-0442-4806-BC60-0B08F2803A9B}"/>
+              </a:ext>
+            </a:extLst>
+          </p:cNvPr>
+          <p:cNvSpPr>
+            <a:spLocks noGrp="1"/>
+          </p:cNvSpPr>
+          <p:nvPr>
+            <p:ph type="dt" idx="1"/>
+          </p:nvPr>
+        </p:nvSpPr>
+        <p:spPr/>
+        <p:txBody>
+          <a:bodyPr/>
+          <a:lstStyle/>
+          <a:p>
+            <a:pPr rtl="0"/>
+            <a:fld id="{801FD943-2140-4C60-BF05-8AAD3347764A}" type="datetime1">
+              <a:rPr lang="ja-JP" altLang="en-US" noProof="0" smtClean="0"/>
+              <a:t>2021/6/29</a:t>
+            </a:fld>
+            <a:endParaRPr lang="en-US" noProof="0" dirty="0"/>
+          </a:p>
+        </p:txBody>
+      </p:sp>
+    </p:spTree>
+    <p:extLst>
+      <p:ext uri="{BB962C8B-B14F-4D97-AF65-F5344CB8AC3E}">
+        <p14:creationId xmlns:p14="http://schemas.microsoft.com/office/powerpoint/2010/main" val="667874475"/>
+      </p:ext>
+    </p:extLst>
+  </p:cSld>
+  <p:clrMapOvr>
+    <a:masterClrMapping/>
+  </p:clrMapOvr>
+</p:notes>
+</file>
+
+<file path=ppt/notesSlides/notesSlide26.xml><?xml version="1.0" encoding="utf-8"?>
+<p:notes xmlns:a="http://schemas.openxmlformats.org/drawingml/2006/main" xmlns:r="http://schemas.openxmlformats.org/officeDocument/2006/relationships" xmlns:p="http://schemas.openxmlformats.org/presentationml/2006/main">
+  <p:cSld>
+    <p:spTree>
+      <p:nvGrpSpPr>
+        <p:cNvPr id="1" name=""/>
+        <p:cNvGrpSpPr/>
+        <p:nvPr/>
+      </p:nvGrpSpPr>
+      <p:grpSpPr>
+        <a:xfrm>
+          <a:off x="0" y="0"/>
+          <a:ext cx="0" cy="0"/>
+          <a:chOff x="0" y="0"/>
+          <a:chExt cx="0" cy="0"/>
+        </a:xfrm>
+      </p:grpSpPr>
+      <p:sp>
+        <p:nvSpPr>
+          <p:cNvPr id="2" name="スライド イメージ プレースホルダー 1"/>
+          <p:cNvSpPr>
+            <a:spLocks noGrp="1" noRot="1" noChangeAspect="1"/>
+          </p:cNvSpPr>
+          <p:nvPr>
+            <p:ph type="sldImg"/>
+          </p:nvPr>
+        </p:nvSpPr>
+        <p:spPr/>
+      </p:sp>
+      <p:sp>
+        <p:nvSpPr>
+          <p:cNvPr id="3" name="ノート プレースホルダー 2"/>
+          <p:cNvSpPr>
+            <a:spLocks noGrp="1"/>
+          </p:cNvSpPr>
+          <p:nvPr>
+            <p:ph type="body" idx="1"/>
+          </p:nvPr>
+        </p:nvSpPr>
+        <p:spPr/>
+        <p:txBody>
           <a:bodyPr/>
           <a:lstStyle/>
           <a:p>
@@ -3219,7 +3328,7 @@
           <a:p>
             <a:fld id="{0593987C-B1A6-4DED-ACEA-045A17FFB34F}" type="datetime1">
               <a:rPr lang="ja-JP" altLang="en-US" smtClean="0"/>
-              <a:t>2021/6/28</a:t>
+              <a:t>2021/6/29</a:t>
             </a:fld>
             <a:endParaRPr lang="en-US" dirty="0"/>
           </a:p>
@@ -3243,7 +3352,7 @@
             <a:fld id="{DB303FA8-A3F3-7640-B13D-36C73B3E5587}" type="slidenum">
               <a:rPr lang="en-US" smtClean="0"/>
               <a:pPr/>
-              <a:t>32</a:t>
+              <a:t>33</a:t>
             </a:fld>
             <a:endParaRPr lang="en-US" dirty="0"/>
           </a:p>
@@ -3359,7 +3468,7 @@
             <a:pPr rtl="0"/>
             <a:fld id="{5C7A81DD-0EA3-45E2-A5B8-12C0FA3803A9}" type="datetime1">
               <a:rPr lang="ja-JP" altLang="en-US" noProof="0" smtClean="0"/>
-              <a:t>2021/6/28</a:t>
+              <a:t>2021/6/29</a:t>
             </a:fld>
             <a:endParaRPr lang="en-US" noProof="0" dirty="0"/>
           </a:p>
@@ -3475,7 +3584,7 @@
             <a:pPr rtl="0"/>
             <a:fld id="{75433B3A-4591-4758-BA01-772493DBFD85}" type="datetime1">
               <a:rPr lang="ja-JP" altLang="en-US" noProof="0" smtClean="0"/>
-              <a:t>2021/6/28</a:t>
+              <a:t>2021/6/29</a:t>
             </a:fld>
             <a:endParaRPr lang="en-US" noProof="0" dirty="0"/>
           </a:p>
@@ -3591,7 +3700,7 @@
             <a:pPr rtl="0"/>
             <a:fld id="{E3D7BA25-12A8-4443-A677-FA576EAB8EF7}" type="datetime1">
               <a:rPr lang="ja-JP" altLang="en-US" noProof="0" smtClean="0"/>
-              <a:t>2021/6/28</a:t>
+              <a:t>2021/6/29</a:t>
             </a:fld>
             <a:endParaRPr lang="en-US" noProof="0" dirty="0"/>
           </a:p>
@@ -3707,7 +3816,7 @@
             <a:pPr rtl="0"/>
             <a:fld id="{E5365C8F-0372-4A23-B9C9-EC86A7030D0E}" type="datetime1">
               <a:rPr lang="ja-JP" altLang="en-US" noProof="0" smtClean="0"/>
-              <a:t>2021/6/28</a:t>
+              <a:t>2021/6/29</a:t>
             </a:fld>
             <a:endParaRPr lang="en-US" noProof="0" dirty="0"/>
           </a:p>
@@ -3791,7 +3900,7 @@
           <a:p>
             <a:fld id="{8255408F-EFF3-4D79-A3FC-A139D127CC07}" type="datetime1">
               <a:rPr lang="ja-JP" altLang="en-US" smtClean="0"/>
-              <a:t>2021/6/28</a:t>
+              <a:t>2021/6/29</a:t>
             </a:fld>
             <a:endParaRPr lang="en-US" dirty="0"/>
           </a:p>
@@ -3899,7 +4008,7 @@
           <a:p>
             <a:fld id="{64EBA935-28DA-4043-9F24-A8631307D86D}" type="datetime1">
               <a:rPr lang="ja-JP" altLang="en-US" smtClean="0"/>
-              <a:t>2021/6/28</a:t>
+              <a:t>2021/6/29</a:t>
             </a:fld>
             <a:endParaRPr lang="en-US" dirty="0"/>
           </a:p>
@@ -4007,7 +4116,7 @@
           <a:p>
             <a:fld id="{0593987C-B1A6-4DED-ACEA-045A17FFB34F}" type="datetime1">
               <a:rPr lang="ja-JP" altLang="en-US" smtClean="0"/>
-              <a:t>2021/6/28</a:t>
+              <a:t>2021/6/29</a:t>
             </a:fld>
             <a:endParaRPr lang="en-US" dirty="0"/>
           </a:p>
@@ -4590,7 +4699,7 @@
           <a:p>
             <a:fld id="{296A2B84-E62C-4ACE-B5E2-B61A2C6FD09E}" type="datetime1">
               <a:rPr lang="ja-JP" altLang="en-US" smtClean="0"/>
-              <a:t>2021/6/28</a:t>
+              <a:t>2021/6/29</a:t>
             </a:fld>
             <a:endParaRPr lang="en-US" dirty="0"/>
           </a:p>
@@ -5140,7 +5249,7 @@
           <a:p>
             <a:fld id="{86102BB2-867E-423B-8453-C294E4A19865}" type="datetime1">
               <a:rPr lang="ja-JP" altLang="en-US" smtClean="0"/>
-              <a:t>2021/6/28</a:t>
+              <a:t>2021/6/29</a:t>
             </a:fld>
             <a:endParaRPr lang="en-US" dirty="0"/>
           </a:p>
@@ -5532,7 +5641,7 @@
           <a:p>
             <a:fld id="{EDCE281A-83A0-4519-A8C7-C5F84883B843}" type="datetime1">
               <a:rPr lang="ja-JP" altLang="en-US" smtClean="0"/>
-              <a:t>2021/6/28</a:t>
+              <a:t>2021/6/29</a:t>
             </a:fld>
             <a:endParaRPr lang="en-US" dirty="0"/>
           </a:p>
@@ -6360,7 +6469,7 @@
           <a:p>
             <a:fld id="{2A18B341-FFCE-46FD-A2E1-D667125DA365}" type="datetime1">
               <a:rPr lang="ja-JP" altLang="en-US" smtClean="0"/>
-              <a:t>2021/6/28</a:t>
+              <a:t>2021/6/29</a:t>
             </a:fld>
             <a:endParaRPr lang="en-US" dirty="0"/>
           </a:p>
@@ -6650,7 +6759,7 @@
           <a:p>
             <a:fld id="{3463C42C-9937-4C63-AD3B-B1377E940180}" type="datetime1">
               <a:rPr lang="ja-JP" altLang="en-US" smtClean="0"/>
-              <a:t>2021/6/28</a:t>
+              <a:t>2021/6/29</a:t>
             </a:fld>
             <a:endParaRPr lang="en-US" dirty="0"/>
           </a:p>
@@ -6906,7 +7015,7 @@
           <a:p>
             <a:fld id="{E4EE49A4-E481-45C1-8254-FE828DEFF045}" type="datetime1">
               <a:rPr lang="ja-JP" altLang="en-US" smtClean="0"/>
-              <a:t>2021/6/28</a:t>
+              <a:t>2021/6/29</a:t>
             </a:fld>
             <a:endParaRPr lang="en-US" dirty="0"/>
           </a:p>
@@ -8429,6 +8538,330 @@
           </a:p>
         </p:txBody>
       </p:sp>
+      <p:pic>
+        <p:nvPicPr>
+          <p:cNvPr id="16" name="グラフィックス 15" descr="食事をしている人 単色塗りつぶし">
+            <a:extLst>
+              <a:ext uri="{FF2B5EF4-FFF2-40B4-BE49-F238E27FC236}">
+                <a16:creationId xmlns:a16="http://schemas.microsoft.com/office/drawing/2014/main" id="{8CDC324A-972C-496C-BB88-F44D3BF59990}"/>
+              </a:ext>
+            </a:extLst>
+          </p:cNvPr>
+          <p:cNvPicPr>
+            <a:picLocks noChangeAspect="1"/>
+          </p:cNvPicPr>
+          <p:nvPr/>
+        </p:nvPicPr>
+        <p:blipFill>
+          <a:blip r:embed="rId9">
+            <a:extLst>
+              <a:ext uri="{96DAC541-7B7A-43D3-8B79-37D633B846F1}">
+                <asvg:svgBlip xmlns:asvg="http://schemas.microsoft.com/office/drawing/2016/SVG/main" r:embed="rId10"/>
+              </a:ext>
+            </a:extLst>
+          </a:blip>
+          <a:stretch>
+            <a:fillRect/>
+          </a:stretch>
+        </p:blipFill>
+        <p:spPr>
+          <a:xfrm>
+            <a:off x="1341273" y="2357521"/>
+            <a:ext cx="3493001" cy="3493001"/>
+          </a:xfrm>
+          <a:prstGeom prst="rect">
+            <a:avLst/>
+          </a:prstGeom>
+        </p:spPr>
+      </p:pic>
+      <p:sp>
+        <p:nvSpPr>
+          <p:cNvPr id="19" name="正方形/長方形 18">
+            <a:extLst>
+              <a:ext uri="{FF2B5EF4-FFF2-40B4-BE49-F238E27FC236}">
+                <a16:creationId xmlns:a16="http://schemas.microsoft.com/office/drawing/2014/main" id="{649832A5-4448-4B1A-AB1F-27301644A80F}"/>
+              </a:ext>
+            </a:extLst>
+          </p:cNvPr>
+          <p:cNvSpPr/>
+          <p:nvPr/>
+        </p:nvSpPr>
+        <p:spPr>
+          <a:xfrm>
+            <a:off x="4896217" y="2401469"/>
+            <a:ext cx="6275902" cy="3711805"/>
+          </a:xfrm>
+          <a:prstGeom prst="rect">
+            <a:avLst/>
+          </a:prstGeom>
+          <a:noFill/>
+          <a:ln w="38100">
+            <a:noFill/>
+          </a:ln>
+        </p:spPr>
+        <p:style>
+          <a:lnRef idx="2">
+            <a:schemeClr val="accent1">
+              <a:shade val="50000"/>
+            </a:schemeClr>
+          </a:lnRef>
+          <a:fillRef idx="1">
+            <a:schemeClr val="accent1"/>
+          </a:fillRef>
+          <a:effectRef idx="0">
+            <a:schemeClr val="accent1"/>
+          </a:effectRef>
+          <a:fontRef idx="minor">
+            <a:schemeClr val="lt1"/>
+          </a:fontRef>
+        </p:style>
+        <p:txBody>
+          <a:bodyPr rtlCol="0" anchor="t" anchorCtr="0"/>
+          <a:lstStyle/>
+          <a:p>
+            <a:pPr>
+              <a:lnSpc>
+                <a:spcPct val="150000"/>
+              </a:lnSpc>
+            </a:pPr>
+            <a:r>
+              <a:rPr kumimoji="1" lang="ja-JP" altLang="en-US" sz="2400" b="1" dirty="0">
+                <a:solidFill>
+                  <a:schemeClr val="bg1">
+                    <a:lumMod val="50000"/>
+                  </a:schemeClr>
+                </a:solidFill>
+              </a:rPr>
+              <a:t>相互コミュニケーションが不要！</a:t>
+            </a:r>
+            <a:endParaRPr kumimoji="1" lang="en-US" altLang="ja-JP" sz="2400" b="1" dirty="0">
+              <a:solidFill>
+                <a:schemeClr val="bg1">
+                  <a:lumMod val="50000"/>
+                </a:schemeClr>
+              </a:solidFill>
+            </a:endParaRPr>
+          </a:p>
+          <a:p>
+            <a:pPr>
+              <a:lnSpc>
+                <a:spcPct val="150000"/>
+              </a:lnSpc>
+            </a:pPr>
+            <a:r>
+              <a:rPr kumimoji="1" lang="en-US" altLang="ja-JP" sz="2400" dirty="0">
+                <a:solidFill>
+                  <a:schemeClr val="tx1"/>
+                </a:solidFill>
+              </a:rPr>
+              <a:t>	</a:t>
+            </a:r>
+            <a:r>
+              <a:rPr kumimoji="1" lang="ja-JP" altLang="en-US" sz="2000" dirty="0">
+                <a:solidFill>
+                  <a:schemeClr val="tx1"/>
+                </a:solidFill>
+              </a:rPr>
+              <a:t>→　勝手に公開、勝手に拝見　質問の前段階に</a:t>
+            </a:r>
+            <a:endParaRPr kumimoji="1" lang="en-US" altLang="ja-JP" sz="2000" dirty="0">
+              <a:solidFill>
+                <a:schemeClr val="tx1"/>
+              </a:solidFill>
+            </a:endParaRPr>
+          </a:p>
+          <a:p>
+            <a:pPr>
+              <a:lnSpc>
+                <a:spcPct val="150000"/>
+              </a:lnSpc>
+            </a:pPr>
+            <a:endParaRPr kumimoji="1" lang="en-US" altLang="ja-JP" sz="800" dirty="0">
+              <a:solidFill>
+                <a:schemeClr val="tx1"/>
+              </a:solidFill>
+            </a:endParaRPr>
+          </a:p>
+          <a:p>
+            <a:pPr>
+              <a:lnSpc>
+                <a:spcPct val="150000"/>
+              </a:lnSpc>
+            </a:pPr>
+            <a:r>
+              <a:rPr kumimoji="1" lang="ja-JP" altLang="en-US" sz="2400" b="1" dirty="0">
+                <a:solidFill>
+                  <a:schemeClr val="bg1">
+                    <a:lumMod val="50000"/>
+                  </a:schemeClr>
+                </a:solidFill>
+              </a:rPr>
+              <a:t>単純なノート置き場としての利用！</a:t>
+            </a:r>
+            <a:endParaRPr kumimoji="1" lang="en-US" altLang="ja-JP" sz="2400" b="1" dirty="0">
+              <a:solidFill>
+                <a:schemeClr val="bg1">
+                  <a:lumMod val="50000"/>
+                </a:schemeClr>
+              </a:solidFill>
+            </a:endParaRPr>
+          </a:p>
+          <a:p>
+            <a:pPr>
+              <a:lnSpc>
+                <a:spcPct val="150000"/>
+              </a:lnSpc>
+            </a:pPr>
+            <a:r>
+              <a:rPr kumimoji="1" lang="ja-JP" altLang="en-US" sz="2400" dirty="0">
+                <a:solidFill>
+                  <a:schemeClr val="tx1"/>
+                </a:solidFill>
+              </a:rPr>
+              <a:t>　</a:t>
+            </a:r>
+            <a:r>
+              <a:rPr kumimoji="1" lang="en-US" altLang="ja-JP" sz="2400" dirty="0">
+                <a:solidFill>
+                  <a:schemeClr val="tx1"/>
+                </a:solidFill>
+              </a:rPr>
+              <a:t>	</a:t>
+            </a:r>
+            <a:r>
+              <a:rPr kumimoji="1" lang="ja-JP" altLang="en-US" sz="2000" dirty="0">
+                <a:solidFill>
+                  <a:schemeClr val="tx1"/>
+                </a:solidFill>
+              </a:rPr>
+              <a:t>→　ファイル整理にご活用ください</a:t>
+            </a:r>
+            <a:endParaRPr kumimoji="1" lang="en-US" altLang="ja-JP" sz="2400" dirty="0">
+              <a:solidFill>
+                <a:schemeClr val="tx1"/>
+              </a:solidFill>
+            </a:endParaRPr>
+          </a:p>
+          <a:p>
+            <a:pPr>
+              <a:lnSpc>
+                <a:spcPct val="150000"/>
+              </a:lnSpc>
+            </a:pPr>
+            <a:endParaRPr kumimoji="1" lang="en-US" altLang="ja-JP" sz="800" dirty="0">
+              <a:solidFill>
+                <a:schemeClr val="tx1"/>
+              </a:solidFill>
+            </a:endParaRPr>
+          </a:p>
+          <a:p>
+            <a:pPr>
+              <a:lnSpc>
+                <a:spcPct val="150000"/>
+              </a:lnSpc>
+            </a:pPr>
+            <a:r>
+              <a:rPr kumimoji="1" lang="ja-JP" altLang="en-US" sz="2400" b="1" dirty="0">
+                <a:solidFill>
+                  <a:schemeClr val="bg1">
+                    <a:lumMod val="50000"/>
+                  </a:schemeClr>
+                </a:solidFill>
+              </a:rPr>
+              <a:t>お気に入りされたら嬉しい！</a:t>
+            </a:r>
+            <a:endParaRPr kumimoji="1" lang="en-US" altLang="ja-JP" sz="2400" b="1" dirty="0">
+              <a:solidFill>
+                <a:schemeClr val="bg1">
+                  <a:lumMod val="50000"/>
+                </a:schemeClr>
+              </a:solidFill>
+            </a:endParaRPr>
+          </a:p>
+          <a:p>
+            <a:pPr>
+              <a:lnSpc>
+                <a:spcPct val="150000"/>
+              </a:lnSpc>
+            </a:pPr>
+            <a:r>
+              <a:rPr kumimoji="1" lang="en-US" altLang="ja-JP" sz="2400" dirty="0">
+                <a:solidFill>
+                  <a:schemeClr val="tx1"/>
+                </a:solidFill>
+              </a:rPr>
+              <a:t>	</a:t>
+            </a:r>
+            <a:r>
+              <a:rPr kumimoji="1" lang="ja-JP" altLang="en-US" sz="2000" dirty="0">
+                <a:solidFill>
+                  <a:schemeClr val="tx1"/>
+                </a:solidFill>
+              </a:rPr>
+              <a:t>→　あなたの学びが誰かの助けに</a:t>
+            </a:r>
+            <a:endParaRPr kumimoji="1" lang="en-US" altLang="ja-JP" sz="2400" dirty="0">
+              <a:solidFill>
+                <a:schemeClr val="tx1"/>
+              </a:solidFill>
+            </a:endParaRPr>
+          </a:p>
+          <a:p>
+            <a:pPr>
+              <a:lnSpc>
+                <a:spcPct val="150000"/>
+              </a:lnSpc>
+            </a:pPr>
+            <a:endParaRPr kumimoji="1" lang="en-US" altLang="ja-JP" sz="2400" dirty="0">
+              <a:solidFill>
+                <a:schemeClr val="tx1"/>
+              </a:solidFill>
+            </a:endParaRPr>
+          </a:p>
+          <a:p>
+            <a:pPr>
+              <a:lnSpc>
+                <a:spcPct val="150000"/>
+              </a:lnSpc>
+            </a:pPr>
+            <a:endParaRPr kumimoji="1" lang="en-US" altLang="ja-JP" sz="2400" dirty="0">
+              <a:solidFill>
+                <a:schemeClr val="tx1"/>
+              </a:solidFill>
+            </a:endParaRPr>
+          </a:p>
+        </p:txBody>
+      </p:sp>
+      <p:sp>
+        <p:nvSpPr>
+          <p:cNvPr id="2" name="スライド番号プレースホルダー 1">
+            <a:extLst>
+              <a:ext uri="{FF2B5EF4-FFF2-40B4-BE49-F238E27FC236}">
+                <a16:creationId xmlns:a16="http://schemas.microsoft.com/office/drawing/2014/main" id="{0E75CEF7-337F-45AB-8EA7-9AB8FA57005B}"/>
+              </a:ext>
+            </a:extLst>
+          </p:cNvPr>
+          <p:cNvSpPr>
+            <a:spLocks noGrp="1"/>
+          </p:cNvSpPr>
+          <p:nvPr>
+            <p:ph type="sldNum" sz="quarter" idx="12"/>
+          </p:nvPr>
+        </p:nvSpPr>
+        <p:spPr/>
+        <p:txBody>
+          <a:bodyPr/>
+          <a:lstStyle/>
+          <a:p>
+            <a:fld id="{6F705D35-D126-3B47-A82C-2A13EA9E0A67}" type="slidenum">
+              <a:rPr lang="en-US" smtClean="0"/>
+              <a:pPr/>
+              <a:t>10</a:t>
+            </a:fld>
+            <a:endParaRPr lang="en-US" dirty="0"/>
+          </a:p>
+        </p:txBody>
+      </p:sp>
       <p:sp>
         <p:nvSpPr>
           <p:cNvPr id="17" name="四角形: 対角を切り取る 16">
@@ -8514,330 +8947,6 @@
                 <a:schemeClr val="tx1"/>
               </a:solidFill>
             </a:endParaRPr>
-          </a:p>
-        </p:txBody>
-      </p:sp>
-      <p:pic>
-        <p:nvPicPr>
-          <p:cNvPr id="16" name="グラフィックス 15" descr="食事をしている人 単色塗りつぶし">
-            <a:extLst>
-              <a:ext uri="{FF2B5EF4-FFF2-40B4-BE49-F238E27FC236}">
-                <a16:creationId xmlns:a16="http://schemas.microsoft.com/office/drawing/2014/main" id="{8CDC324A-972C-496C-BB88-F44D3BF59990}"/>
-              </a:ext>
-            </a:extLst>
-          </p:cNvPr>
-          <p:cNvPicPr>
-            <a:picLocks noChangeAspect="1"/>
-          </p:cNvPicPr>
-          <p:nvPr/>
-        </p:nvPicPr>
-        <p:blipFill>
-          <a:blip r:embed="rId9">
-            <a:extLst>
-              <a:ext uri="{96DAC541-7B7A-43D3-8B79-37D633B846F1}">
-                <asvg:svgBlip xmlns:asvg="http://schemas.microsoft.com/office/drawing/2016/SVG/main" r:embed="rId10"/>
-              </a:ext>
-            </a:extLst>
-          </a:blip>
-          <a:stretch>
-            <a:fillRect/>
-          </a:stretch>
-        </p:blipFill>
-        <p:spPr>
-          <a:xfrm>
-            <a:off x="1341273" y="2357521"/>
-            <a:ext cx="3493001" cy="3493001"/>
-          </a:xfrm>
-          <a:prstGeom prst="rect">
-            <a:avLst/>
-          </a:prstGeom>
-        </p:spPr>
-      </p:pic>
-      <p:sp>
-        <p:nvSpPr>
-          <p:cNvPr id="19" name="正方形/長方形 18">
-            <a:extLst>
-              <a:ext uri="{FF2B5EF4-FFF2-40B4-BE49-F238E27FC236}">
-                <a16:creationId xmlns:a16="http://schemas.microsoft.com/office/drawing/2014/main" id="{649832A5-4448-4B1A-AB1F-27301644A80F}"/>
-              </a:ext>
-            </a:extLst>
-          </p:cNvPr>
-          <p:cNvSpPr/>
-          <p:nvPr/>
-        </p:nvSpPr>
-        <p:spPr>
-          <a:xfrm>
-            <a:off x="4896217" y="2401469"/>
-            <a:ext cx="6275902" cy="3711805"/>
-          </a:xfrm>
-          <a:prstGeom prst="rect">
-            <a:avLst/>
-          </a:prstGeom>
-          <a:noFill/>
-          <a:ln w="38100">
-            <a:noFill/>
-          </a:ln>
-        </p:spPr>
-        <p:style>
-          <a:lnRef idx="2">
-            <a:schemeClr val="accent1">
-              <a:shade val="50000"/>
-            </a:schemeClr>
-          </a:lnRef>
-          <a:fillRef idx="1">
-            <a:schemeClr val="accent1"/>
-          </a:fillRef>
-          <a:effectRef idx="0">
-            <a:schemeClr val="accent1"/>
-          </a:effectRef>
-          <a:fontRef idx="minor">
-            <a:schemeClr val="lt1"/>
-          </a:fontRef>
-        </p:style>
-        <p:txBody>
-          <a:bodyPr rtlCol="0" anchor="t" anchorCtr="0"/>
-          <a:lstStyle/>
-          <a:p>
-            <a:pPr>
-              <a:lnSpc>
-                <a:spcPct val="150000"/>
-              </a:lnSpc>
-            </a:pPr>
-            <a:r>
-              <a:rPr kumimoji="1" lang="ja-JP" altLang="en-US" sz="2400" b="1" dirty="0">
-                <a:solidFill>
-                  <a:schemeClr val="bg1">
-                    <a:lumMod val="50000"/>
-                  </a:schemeClr>
-                </a:solidFill>
-              </a:rPr>
-              <a:t>相互コミュニケーションが不要！</a:t>
-            </a:r>
-            <a:endParaRPr kumimoji="1" lang="en-US" altLang="ja-JP" sz="2400" b="1" dirty="0">
-              <a:solidFill>
-                <a:schemeClr val="bg1">
-                  <a:lumMod val="50000"/>
-                </a:schemeClr>
-              </a:solidFill>
-            </a:endParaRPr>
-          </a:p>
-          <a:p>
-            <a:pPr>
-              <a:lnSpc>
-                <a:spcPct val="150000"/>
-              </a:lnSpc>
-            </a:pPr>
-            <a:r>
-              <a:rPr kumimoji="1" lang="en-US" altLang="ja-JP" sz="2400" dirty="0">
-                <a:solidFill>
-                  <a:schemeClr val="tx1"/>
-                </a:solidFill>
-              </a:rPr>
-              <a:t>	</a:t>
-            </a:r>
-            <a:r>
-              <a:rPr kumimoji="1" lang="ja-JP" altLang="en-US" sz="2000" dirty="0">
-                <a:solidFill>
-                  <a:schemeClr val="tx1"/>
-                </a:solidFill>
-              </a:rPr>
-              <a:t>→　勝手に公開、勝手に拝見　質問の前段階に</a:t>
-            </a:r>
-            <a:endParaRPr kumimoji="1" lang="en-US" altLang="ja-JP" sz="2000" dirty="0">
-              <a:solidFill>
-                <a:schemeClr val="tx1"/>
-              </a:solidFill>
-            </a:endParaRPr>
-          </a:p>
-          <a:p>
-            <a:pPr>
-              <a:lnSpc>
-                <a:spcPct val="150000"/>
-              </a:lnSpc>
-            </a:pPr>
-            <a:endParaRPr kumimoji="1" lang="en-US" altLang="ja-JP" sz="800" dirty="0">
-              <a:solidFill>
-                <a:schemeClr val="tx1"/>
-              </a:solidFill>
-            </a:endParaRPr>
-          </a:p>
-          <a:p>
-            <a:pPr>
-              <a:lnSpc>
-                <a:spcPct val="150000"/>
-              </a:lnSpc>
-            </a:pPr>
-            <a:r>
-              <a:rPr kumimoji="1" lang="ja-JP" altLang="en-US" sz="2400" b="1" dirty="0">
-                <a:solidFill>
-                  <a:schemeClr val="bg1">
-                    <a:lumMod val="50000"/>
-                  </a:schemeClr>
-                </a:solidFill>
-              </a:rPr>
-              <a:t>単純なノート置き場としての利用！</a:t>
-            </a:r>
-            <a:endParaRPr kumimoji="1" lang="en-US" altLang="ja-JP" sz="2400" b="1" dirty="0">
-              <a:solidFill>
-                <a:schemeClr val="bg1">
-                  <a:lumMod val="50000"/>
-                </a:schemeClr>
-              </a:solidFill>
-            </a:endParaRPr>
-          </a:p>
-          <a:p>
-            <a:pPr>
-              <a:lnSpc>
-                <a:spcPct val="150000"/>
-              </a:lnSpc>
-            </a:pPr>
-            <a:r>
-              <a:rPr kumimoji="1" lang="ja-JP" altLang="en-US" sz="2400" dirty="0">
-                <a:solidFill>
-                  <a:schemeClr val="tx1"/>
-                </a:solidFill>
-              </a:rPr>
-              <a:t>　</a:t>
-            </a:r>
-            <a:r>
-              <a:rPr kumimoji="1" lang="en-US" altLang="ja-JP" sz="2400" dirty="0">
-                <a:solidFill>
-                  <a:schemeClr val="tx1"/>
-                </a:solidFill>
-              </a:rPr>
-              <a:t>	</a:t>
-            </a:r>
-            <a:r>
-              <a:rPr kumimoji="1" lang="ja-JP" altLang="en-US" sz="2000" dirty="0">
-                <a:solidFill>
-                  <a:schemeClr val="tx1"/>
-                </a:solidFill>
-              </a:rPr>
-              <a:t>→　ファイル整理にご活用ください</a:t>
-            </a:r>
-            <a:endParaRPr kumimoji="1" lang="en-US" altLang="ja-JP" sz="2400" dirty="0">
-              <a:solidFill>
-                <a:schemeClr val="tx1"/>
-              </a:solidFill>
-            </a:endParaRPr>
-          </a:p>
-          <a:p>
-            <a:pPr>
-              <a:lnSpc>
-                <a:spcPct val="150000"/>
-              </a:lnSpc>
-            </a:pPr>
-            <a:endParaRPr kumimoji="1" lang="en-US" altLang="ja-JP" sz="800" dirty="0">
-              <a:solidFill>
-                <a:schemeClr val="tx1"/>
-              </a:solidFill>
-            </a:endParaRPr>
-          </a:p>
-          <a:p>
-            <a:pPr>
-              <a:lnSpc>
-                <a:spcPct val="150000"/>
-              </a:lnSpc>
-            </a:pPr>
-            <a:r>
-              <a:rPr kumimoji="1" lang="ja-JP" altLang="en-US" sz="2400" b="1" dirty="0">
-                <a:solidFill>
-                  <a:schemeClr val="bg1">
-                    <a:lumMod val="50000"/>
-                  </a:schemeClr>
-                </a:solidFill>
-              </a:rPr>
-              <a:t>お気に入りされたら嬉しい！</a:t>
-            </a:r>
-            <a:endParaRPr kumimoji="1" lang="en-US" altLang="ja-JP" sz="2400" b="1" dirty="0">
-              <a:solidFill>
-                <a:schemeClr val="bg1">
-                  <a:lumMod val="50000"/>
-                </a:schemeClr>
-              </a:solidFill>
-            </a:endParaRPr>
-          </a:p>
-          <a:p>
-            <a:pPr>
-              <a:lnSpc>
-                <a:spcPct val="150000"/>
-              </a:lnSpc>
-            </a:pPr>
-            <a:r>
-              <a:rPr kumimoji="1" lang="en-US" altLang="ja-JP" sz="2400" dirty="0">
-                <a:solidFill>
-                  <a:schemeClr val="tx1"/>
-                </a:solidFill>
-              </a:rPr>
-              <a:t>	</a:t>
-            </a:r>
-            <a:r>
-              <a:rPr kumimoji="1" lang="ja-JP" altLang="en-US" sz="2000" dirty="0">
-                <a:solidFill>
-                  <a:schemeClr val="tx1"/>
-                </a:solidFill>
-              </a:rPr>
-              <a:t>→　あなたの学びが誰かの助けに</a:t>
-            </a:r>
-            <a:endParaRPr kumimoji="1" lang="en-US" altLang="ja-JP" sz="2400" dirty="0">
-              <a:solidFill>
-                <a:schemeClr val="tx1"/>
-              </a:solidFill>
-            </a:endParaRPr>
-          </a:p>
-          <a:p>
-            <a:pPr>
-              <a:lnSpc>
-                <a:spcPct val="150000"/>
-              </a:lnSpc>
-            </a:pPr>
-            <a:endParaRPr kumimoji="1" lang="en-US" altLang="ja-JP" sz="2400" dirty="0">
-              <a:solidFill>
-                <a:schemeClr val="tx1"/>
-              </a:solidFill>
-            </a:endParaRPr>
-          </a:p>
-          <a:p>
-            <a:pPr>
-              <a:lnSpc>
-                <a:spcPct val="150000"/>
-              </a:lnSpc>
-            </a:pPr>
-            <a:endParaRPr kumimoji="1" lang="en-US" altLang="ja-JP" sz="2400" dirty="0">
-              <a:solidFill>
-                <a:schemeClr val="tx1"/>
-              </a:solidFill>
-            </a:endParaRPr>
-          </a:p>
-        </p:txBody>
-      </p:sp>
-      <p:sp>
-        <p:nvSpPr>
-          <p:cNvPr id="2" name="スライド番号プレースホルダー 1">
-            <a:extLst>
-              <a:ext uri="{FF2B5EF4-FFF2-40B4-BE49-F238E27FC236}">
-                <a16:creationId xmlns:a16="http://schemas.microsoft.com/office/drawing/2014/main" id="{0E75CEF7-337F-45AB-8EA7-9AB8FA57005B}"/>
-              </a:ext>
-            </a:extLst>
-          </p:cNvPr>
-          <p:cNvSpPr>
-            <a:spLocks noGrp="1"/>
-          </p:cNvSpPr>
-          <p:nvPr>
-            <p:ph type="sldNum" sz="quarter" idx="12"/>
-          </p:nvPr>
-        </p:nvSpPr>
-        <p:spPr/>
-        <p:txBody>
-          <a:bodyPr/>
-          <a:lstStyle/>
-          <a:p>
-            <a:fld id="{6F705D35-D126-3B47-A82C-2A13EA9E0A67}" type="slidenum">
-              <a:rPr lang="en-US" smtClean="0"/>
-              <a:pPr/>
-              <a:t>10</a:t>
-            </a:fld>
-            <a:endParaRPr lang="en-US" dirty="0"/>
           </a:p>
         </p:txBody>
       </p:sp>
@@ -9248,245 +9357,10 @@
       </p:grpSpPr>
       <p:sp>
         <p:nvSpPr>
-          <p:cNvPr id="6" name="コンテンツ プレースホルダー 3">
+          <p:cNvPr id="23" name="正方形/長方形 22">
             <a:extLst>
               <a:ext uri="{FF2B5EF4-FFF2-40B4-BE49-F238E27FC236}">
-                <a16:creationId xmlns:a16="http://schemas.microsoft.com/office/drawing/2014/main" id="{A9F2C10F-B6CF-4074-BBCD-84567EEAA614}"/>
-              </a:ext>
-            </a:extLst>
-          </p:cNvPr>
-          <p:cNvSpPr txBox="1">
-            <a:spLocks/>
-          </p:cNvSpPr>
-          <p:nvPr/>
-        </p:nvSpPr>
-        <p:spPr>
-          <a:xfrm>
-            <a:off x="747198" y="1305035"/>
-            <a:ext cx="10904088" cy="1017638"/>
-          </a:xfrm>
-          <a:prstGeom prst="rect">
-            <a:avLst/>
-          </a:prstGeom>
-        </p:spPr>
-        <p:txBody>
-          <a:bodyPr vert="horz" lIns="91440" tIns="45720" rIns="91440" bIns="45720" rtlCol="0">
-            <a:noAutofit/>
-          </a:bodyPr>
-          <a:lstStyle>
-            <a:lvl1pPr marL="228600" indent="-228600" algn="l" defTabSz="914400" rtl="0" eaLnBrk="1" latinLnBrk="0" hangingPunct="1">
-              <a:lnSpc>
-                <a:spcPct val="150000"/>
-              </a:lnSpc>
-              <a:spcBef>
-                <a:spcPts val="1500"/>
-              </a:spcBef>
-              <a:buClr>
-                <a:schemeClr val="accent2"/>
-              </a:buClr>
-              <a:buFont typeface="Wingdings" panose="05000000000000000000" pitchFamily="2" charset="2"/>
-              <a:buChar char="§"/>
-              <a:defRPr kumimoji="1" sz="1500" kern="1200" spc="150" baseline="0">
-                <a:solidFill>
-                  <a:schemeClr val="tx1"/>
-                </a:solidFill>
-                <a:latin typeface="+mj-lt"/>
-                <a:ea typeface="Meiryo UI" panose="020B0604030504040204" pitchFamily="34" charset="-128"/>
-                <a:cs typeface="+mn-cs"/>
-              </a:defRPr>
-            </a:lvl1pPr>
-            <a:lvl2pPr marL="685800" indent="-228600" algn="l" defTabSz="914400" rtl="0" eaLnBrk="1" latinLnBrk="0" hangingPunct="1">
-              <a:lnSpc>
-                <a:spcPct val="150000"/>
-              </a:lnSpc>
-              <a:spcBef>
-                <a:spcPts val="500"/>
-              </a:spcBef>
-              <a:buClr>
-                <a:schemeClr val="accent2"/>
-              </a:buClr>
-              <a:buFont typeface="Wingdings" panose="05000000000000000000" pitchFamily="2" charset="2"/>
-              <a:buChar char="§"/>
-              <a:defRPr kumimoji="1" sz="1500" kern="1200" spc="150" baseline="0">
-                <a:solidFill>
-                  <a:schemeClr val="tx1"/>
-                </a:solidFill>
-                <a:latin typeface="+mj-lt"/>
-                <a:ea typeface="Meiryo UI" panose="020B0604030504040204" pitchFamily="34" charset="-128"/>
-                <a:cs typeface="+mn-cs"/>
-              </a:defRPr>
-            </a:lvl2pPr>
-            <a:lvl3pPr marL="1143000" indent="-228600" algn="l" defTabSz="914400" rtl="0" eaLnBrk="1" latinLnBrk="0" hangingPunct="1">
-              <a:lnSpc>
-                <a:spcPct val="150000"/>
-              </a:lnSpc>
-              <a:spcBef>
-                <a:spcPts val="500"/>
-              </a:spcBef>
-              <a:buClr>
-                <a:schemeClr val="accent2"/>
-              </a:buClr>
-              <a:buFont typeface="Wingdings" panose="05000000000000000000" pitchFamily="2" charset="2"/>
-              <a:buChar char="§"/>
-              <a:defRPr kumimoji="1" sz="1400" kern="1200" spc="150" baseline="0">
-                <a:solidFill>
-                  <a:schemeClr val="tx1"/>
-                </a:solidFill>
-                <a:latin typeface="+mj-lt"/>
-                <a:ea typeface="Meiryo UI" panose="020B0604030504040204" pitchFamily="34" charset="-128"/>
-                <a:cs typeface="+mn-cs"/>
-              </a:defRPr>
-            </a:lvl3pPr>
-            <a:lvl4pPr marL="1600200" indent="-228600" algn="l" defTabSz="914400" rtl="0" eaLnBrk="1" latinLnBrk="0" hangingPunct="1">
-              <a:lnSpc>
-                <a:spcPct val="150000"/>
-              </a:lnSpc>
-              <a:spcBef>
-                <a:spcPts val="500"/>
-              </a:spcBef>
-              <a:buClr>
-                <a:schemeClr val="accent2"/>
-              </a:buClr>
-              <a:buFont typeface="Wingdings" panose="05000000000000000000" pitchFamily="2" charset="2"/>
-              <a:buChar char="§"/>
-              <a:defRPr kumimoji="1" sz="1400" kern="1200" spc="150" baseline="0">
-                <a:solidFill>
-                  <a:schemeClr val="tx1"/>
-                </a:solidFill>
-                <a:latin typeface="+mj-lt"/>
-                <a:ea typeface="Meiryo UI" panose="020B0604030504040204" pitchFamily="34" charset="-128"/>
-                <a:cs typeface="+mn-cs"/>
-              </a:defRPr>
-            </a:lvl4pPr>
-            <a:lvl5pPr marL="2057400" indent="-228600" algn="l" defTabSz="914400" rtl="0" eaLnBrk="1" latinLnBrk="0" hangingPunct="1">
-              <a:lnSpc>
-                <a:spcPct val="150000"/>
-              </a:lnSpc>
-              <a:spcBef>
-                <a:spcPts val="500"/>
-              </a:spcBef>
-              <a:buClr>
-                <a:schemeClr val="accent2"/>
-              </a:buClr>
-              <a:buFont typeface="Wingdings" panose="05000000000000000000" pitchFamily="2" charset="2"/>
-              <a:buChar char="§"/>
-              <a:defRPr kumimoji="1" sz="1400" kern="1200" spc="150" baseline="0">
-                <a:solidFill>
-                  <a:schemeClr val="tx1"/>
-                </a:solidFill>
-                <a:latin typeface="+mj-lt"/>
-                <a:ea typeface="Meiryo UI" panose="020B0604030504040204" pitchFamily="34" charset="-128"/>
-                <a:cs typeface="+mn-cs"/>
-              </a:defRPr>
-            </a:lvl5pPr>
-            <a:lvl6pPr marL="2514600" indent="-228600" algn="l" defTabSz="914400" rtl="0" eaLnBrk="1" latinLnBrk="0" hangingPunct="1">
-              <a:lnSpc>
-                <a:spcPct val="90000"/>
-              </a:lnSpc>
-              <a:spcBef>
-                <a:spcPts val="500"/>
-              </a:spcBef>
-              <a:buFont typeface="Arial" panose="020B0604020202020204" pitchFamily="34" charset="0"/>
-              <a:buChar char="•"/>
-              <a:defRPr kumimoji="1" sz="1800" kern="1200">
-                <a:solidFill>
-                  <a:schemeClr val="tx1"/>
-                </a:solidFill>
-                <a:latin typeface="+mn-lt"/>
-                <a:ea typeface="+mn-ea"/>
-                <a:cs typeface="+mn-cs"/>
-              </a:defRPr>
-            </a:lvl6pPr>
-            <a:lvl7pPr marL="2971800" indent="-228600" algn="l" defTabSz="914400" rtl="0" eaLnBrk="1" latinLnBrk="0" hangingPunct="1">
-              <a:lnSpc>
-                <a:spcPct val="90000"/>
-              </a:lnSpc>
-              <a:spcBef>
-                <a:spcPts val="500"/>
-              </a:spcBef>
-              <a:buFont typeface="Arial" panose="020B0604020202020204" pitchFamily="34" charset="0"/>
-              <a:buChar char="•"/>
-              <a:defRPr kumimoji="1" sz="1800" kern="1200">
-                <a:solidFill>
-                  <a:schemeClr val="tx1"/>
-                </a:solidFill>
-                <a:latin typeface="+mn-lt"/>
-                <a:ea typeface="+mn-ea"/>
-                <a:cs typeface="+mn-cs"/>
-              </a:defRPr>
-            </a:lvl7pPr>
-            <a:lvl8pPr marL="3429000" indent="-228600" algn="l" defTabSz="914400" rtl="0" eaLnBrk="1" latinLnBrk="0" hangingPunct="1">
-              <a:lnSpc>
-                <a:spcPct val="90000"/>
-              </a:lnSpc>
-              <a:spcBef>
-                <a:spcPts val="500"/>
-              </a:spcBef>
-              <a:buFont typeface="Arial" panose="020B0604020202020204" pitchFamily="34" charset="0"/>
-              <a:buChar char="•"/>
-              <a:defRPr kumimoji="1" sz="1800" kern="1200">
-                <a:solidFill>
-                  <a:schemeClr val="tx1"/>
-                </a:solidFill>
-                <a:latin typeface="+mn-lt"/>
-                <a:ea typeface="+mn-ea"/>
-                <a:cs typeface="+mn-cs"/>
-              </a:defRPr>
-            </a:lvl8pPr>
-            <a:lvl9pPr marL="3886200" indent="-228600" algn="l" defTabSz="914400" rtl="0" eaLnBrk="1" latinLnBrk="0" hangingPunct="1">
-              <a:lnSpc>
-                <a:spcPct val="90000"/>
-              </a:lnSpc>
-              <a:spcBef>
-                <a:spcPts val="500"/>
-              </a:spcBef>
-              <a:buFont typeface="Arial" panose="020B0604020202020204" pitchFamily="34" charset="0"/>
-              <a:buChar char="•"/>
-              <a:defRPr kumimoji="1" sz="1800" kern="1200">
-                <a:solidFill>
-                  <a:schemeClr val="tx1"/>
-                </a:solidFill>
-                <a:latin typeface="+mn-lt"/>
-                <a:ea typeface="+mn-ea"/>
-                <a:cs typeface="+mn-cs"/>
-              </a:defRPr>
-            </a:lvl9pPr>
-          </a:lstStyle>
-          <a:p>
-            <a:pPr marL="0" indent="0" algn="ctr">
-              <a:lnSpc>
-                <a:spcPct val="100000"/>
-              </a:lnSpc>
-              <a:buFont typeface="Wingdings" panose="05000000000000000000" pitchFamily="2" charset="2"/>
-              <a:buNone/>
-            </a:pPr>
-            <a:r>
-              <a:rPr lang="en-US" altLang="ja-JP" sz="6000" dirty="0">
-                <a:latin typeface="Arial Black" panose="020B0A04020102020204" pitchFamily="34" charset="0"/>
-              </a:rPr>
-              <a:t>mynote++</a:t>
-            </a:r>
-          </a:p>
-          <a:p>
-            <a:pPr marL="0" indent="0" algn="ctr">
-              <a:lnSpc>
-                <a:spcPct val="100000"/>
-              </a:lnSpc>
-              <a:buFont typeface="Wingdings" panose="05000000000000000000" pitchFamily="2" charset="2"/>
-              <a:buNone/>
-            </a:pPr>
-            <a:endParaRPr lang="ja-JP" altLang="en-US" sz="6000" dirty="0">
-              <a:latin typeface="Arial Black" panose="020B0A04020102020204" pitchFamily="34" charset="0"/>
-            </a:endParaRPr>
-          </a:p>
-        </p:txBody>
-      </p:sp>
-      <p:sp>
-        <p:nvSpPr>
-          <p:cNvPr id="12" name="正方形/長方形 11">
-            <a:extLst>
-              <a:ext uri="{FF2B5EF4-FFF2-40B4-BE49-F238E27FC236}">
-                <a16:creationId xmlns:a16="http://schemas.microsoft.com/office/drawing/2014/main" id="{AD48C59D-5AAE-4E44-9164-5E5811051218}"/>
+                <a16:creationId xmlns:a16="http://schemas.microsoft.com/office/drawing/2014/main" id="{05E328B2-3B7E-4023-ACD5-C97F8BF72231}"/>
               </a:ext>
             </a:extLst>
           </p:cNvPr>
@@ -9495,8 +9369,8 @@
         </p:nvSpPr>
         <p:spPr>
           <a:xfrm>
-            <a:off x="1093843" y="2469737"/>
-            <a:ext cx="10024100" cy="3904823"/>
+            <a:off x="599052" y="1833486"/>
+            <a:ext cx="10944799" cy="4541073"/>
           </a:xfrm>
           <a:prstGeom prst="rect">
             <a:avLst/>
@@ -9529,26 +9403,11 @@
           </a:fontRef>
         </p:style>
         <p:txBody>
-          <a:bodyPr rtlCol="0" anchor="ctr"/>
+          <a:bodyPr rtlCol="0" anchor="t" anchorCtr="0"/>
           <a:lstStyle/>
           <a:p>
-            <a:r>
-              <a:rPr kumimoji="1" lang="en-US" altLang="ja-JP" sz="4000" dirty="0">
-                <a:solidFill>
-                  <a:schemeClr val="tx1"/>
-                </a:solidFill>
-              </a:rPr>
-              <a:t>			</a:t>
-            </a:r>
-            <a:r>
-              <a:rPr kumimoji="1" lang="ja-JP" altLang="en-US" sz="4000" dirty="0">
-                <a:solidFill>
-                  <a:schemeClr val="tx1"/>
-                </a:solidFill>
-              </a:rPr>
-              <a:t>　ノートのアップロード ・ 公開</a:t>
-            </a:r>
-            <a:endParaRPr kumimoji="1" lang="en-US" altLang="ja-JP" sz="4000" dirty="0">
+            <a:pPr algn="ctr"/>
+            <a:endParaRPr kumimoji="1" lang="en-US" altLang="ja-JP" sz="2800" dirty="0">
               <a:solidFill>
                 <a:schemeClr val="tx1"/>
               </a:solidFill>
@@ -9556,70 +9415,320 @@
           </a:p>
           <a:p>
             <a:r>
-              <a:rPr kumimoji="1" lang="en-US" altLang="ja-JP" sz="4000" dirty="0">
+              <a:rPr kumimoji="1" lang="ja-JP" altLang="en-US" sz="2800" dirty="0">
                 <a:solidFill>
                   <a:schemeClr val="tx1"/>
                 </a:solidFill>
               </a:rPr>
-              <a:t>	</a:t>
-            </a:r>
-          </a:p>
-          <a:p>
-            <a:r>
-              <a:rPr kumimoji="1" lang="en-US" altLang="ja-JP" sz="4000" dirty="0">
-                <a:solidFill>
-                  <a:schemeClr val="tx1"/>
-                </a:solidFill>
-              </a:rPr>
-              <a:t>			</a:t>
-            </a:r>
-            <a:r>
-              <a:rPr kumimoji="1" lang="ja-JP" altLang="en-US" sz="4000" dirty="0">
-                <a:solidFill>
-                  <a:schemeClr val="tx1"/>
-                </a:solidFill>
-              </a:rPr>
-              <a:t>　ノートの検索</a:t>
-            </a:r>
-            <a:endParaRPr kumimoji="1" lang="en-US" altLang="ja-JP" sz="4000" dirty="0">
+              <a:t>　</a:t>
+            </a:r>
+            <a:endParaRPr kumimoji="1" lang="en-US" altLang="ja-JP" sz="2800" dirty="0">
               <a:solidFill>
                 <a:schemeClr val="tx1"/>
               </a:solidFill>
             </a:endParaRPr>
           </a:p>
-          <a:p>
-            <a:endParaRPr kumimoji="1" lang="en-US" altLang="ja-JP" sz="4000" dirty="0">
+        </p:txBody>
+      </p:sp>
+      <p:sp>
+        <p:nvSpPr>
+          <p:cNvPr id="20" name="タイトル 1">
+            <a:extLst>
+              <a:ext uri="{FF2B5EF4-FFF2-40B4-BE49-F238E27FC236}">
+                <a16:creationId xmlns:a16="http://schemas.microsoft.com/office/drawing/2014/main" id="{E98B3A6C-DCC2-4768-B156-C795A3C2D7AB}"/>
+              </a:ext>
+            </a:extLst>
+          </p:cNvPr>
+          <p:cNvSpPr>
+            <a:spLocks noGrp="1"/>
+          </p:cNvSpPr>
+          <p:nvPr>
+            <p:ph type="title"/>
+          </p:nvPr>
+        </p:nvSpPr>
+        <p:spPr>
+          <a:xfrm>
+            <a:off x="1378975" y="483440"/>
+            <a:ext cx="10164876" cy="583800"/>
+          </a:xfrm>
+        </p:spPr>
+        <p:txBody>
+          <a:bodyPr rtlCol="0"/>
+          <a:lstStyle/>
+          <a:p>
+            <a:pPr rtl="0"/>
+            <a:r>
+              <a:rPr lang="ja-JP" altLang="en-US" sz="3200" b="0" dirty="0"/>
+              <a:t>システムについて</a:t>
+            </a:r>
+            <a:endParaRPr lang="ja" sz="3200" b="0" dirty="0"/>
+          </a:p>
+        </p:txBody>
+      </p:sp>
+      <p:pic>
+        <p:nvPicPr>
+          <p:cNvPr id="21" name="グラフィックス 20" descr="地球: 南北アメリカ 単色塗りつぶし">
+            <a:extLst>
+              <a:ext uri="{FF2B5EF4-FFF2-40B4-BE49-F238E27FC236}">
+                <a16:creationId xmlns:a16="http://schemas.microsoft.com/office/drawing/2014/main" id="{1A4F2DA9-499D-4983-8378-8CDACF8C3256}"/>
+              </a:ext>
+            </a:extLst>
+          </p:cNvPr>
+          <p:cNvPicPr>
+            <a:picLocks noChangeAspect="1"/>
+          </p:cNvPicPr>
+          <p:nvPr/>
+        </p:nvPicPr>
+        <p:blipFill>
+          <a:blip r:embed="rId3">
+            <a:extLst>
+              <a:ext uri="{96DAC541-7B7A-43D3-8B79-37D633B846F1}">
+                <asvg:svgBlip xmlns:asvg="http://schemas.microsoft.com/office/drawing/2016/SVG/main" r:embed="rId4"/>
+              </a:ext>
+            </a:extLst>
+          </a:blip>
+          <a:stretch>
+            <a:fillRect/>
+          </a:stretch>
+        </p:blipFill>
+        <p:spPr>
+          <a:xfrm>
+            <a:off x="599052" y="385379"/>
+            <a:ext cx="779922" cy="779922"/>
+          </a:xfrm>
+          <a:prstGeom prst="rect">
+            <a:avLst/>
+          </a:prstGeom>
+        </p:spPr>
+      </p:pic>
+      <p:sp>
+        <p:nvSpPr>
+          <p:cNvPr id="10" name="正方形/長方形 9">
+            <a:extLst>
+              <a:ext uri="{FF2B5EF4-FFF2-40B4-BE49-F238E27FC236}">
+                <a16:creationId xmlns:a16="http://schemas.microsoft.com/office/drawing/2014/main" id="{66D56BA2-7AD5-4D35-A914-061C4C64329C}"/>
+              </a:ext>
+            </a:extLst>
+          </p:cNvPr>
+          <p:cNvSpPr/>
+          <p:nvPr/>
+        </p:nvSpPr>
+        <p:spPr>
+          <a:xfrm>
+            <a:off x="1019881" y="4435503"/>
+            <a:ext cx="3455508" cy="2222179"/>
+          </a:xfrm>
+          <a:prstGeom prst="rect">
+            <a:avLst/>
+          </a:prstGeom>
+          <a:noFill/>
+          <a:ln w="38100">
+            <a:noFill/>
+          </a:ln>
+        </p:spPr>
+        <p:style>
+          <a:lnRef idx="2">
+            <a:schemeClr val="accent1">
+              <a:shade val="50000"/>
+            </a:schemeClr>
+          </a:lnRef>
+          <a:fillRef idx="1">
+            <a:schemeClr val="accent1"/>
+          </a:fillRef>
+          <a:effectRef idx="0">
+            <a:schemeClr val="accent1"/>
+          </a:effectRef>
+          <a:fontRef idx="minor">
+            <a:schemeClr val="lt1"/>
+          </a:fontRef>
+        </p:style>
+        <p:txBody>
+          <a:bodyPr rtlCol="0" anchor="t" anchorCtr="0"/>
+          <a:lstStyle/>
+          <a:p>
+            <a:pPr algn="ctr">
+              <a:lnSpc>
+                <a:spcPct val="150000"/>
+              </a:lnSpc>
+            </a:pPr>
+            <a:r>
+              <a:rPr kumimoji="1" lang="ja-JP" altLang="en-US" sz="2800" b="1" dirty="0">
+                <a:solidFill>
+                  <a:schemeClr val="bg1">
+                    <a:lumMod val="50000"/>
+                  </a:schemeClr>
+                </a:solidFill>
+              </a:rPr>
+              <a:t>ノートが管理できる！</a:t>
+            </a:r>
+            <a:endParaRPr kumimoji="1" lang="en-US" altLang="ja-JP" sz="2800" b="1" dirty="0">
+              <a:solidFill>
+                <a:schemeClr val="bg1">
+                  <a:lumMod val="50000"/>
+                </a:schemeClr>
+              </a:solidFill>
+            </a:endParaRPr>
+          </a:p>
+          <a:p>
+            <a:pPr algn="ctr">
+              <a:lnSpc>
+                <a:spcPct val="150000"/>
+              </a:lnSpc>
+            </a:pPr>
+            <a:r>
+              <a:rPr kumimoji="1" lang="ja-JP" altLang="en-US" sz="2000" dirty="0">
+                <a:solidFill>
+                  <a:schemeClr val="tx1"/>
+                </a:solidFill>
+              </a:rPr>
+              <a:t>アップロード </a:t>
+            </a:r>
+            <a:r>
+              <a:rPr kumimoji="1" lang="en-US" altLang="ja-JP" sz="2000" dirty="0">
+                <a:solidFill>
+                  <a:schemeClr val="tx1"/>
+                </a:solidFill>
+              </a:rPr>
+              <a:t>/ </a:t>
+            </a:r>
+            <a:r>
+              <a:rPr kumimoji="1" lang="ja-JP" altLang="en-US" sz="2000" dirty="0">
+                <a:solidFill>
+                  <a:schemeClr val="tx1"/>
+                </a:solidFill>
+              </a:rPr>
+              <a:t>ダウンロード</a:t>
+            </a:r>
+            <a:r>
+              <a:rPr kumimoji="1" lang="ja-JP" altLang="en-US" sz="2800" dirty="0">
+                <a:solidFill>
+                  <a:schemeClr val="tx1"/>
+                </a:solidFill>
+              </a:rPr>
+              <a:t>　</a:t>
+            </a:r>
+            <a:endParaRPr kumimoji="1" lang="en-US" altLang="ja-JP" sz="2800" dirty="0">
               <a:solidFill>
                 <a:schemeClr val="tx1"/>
               </a:solidFill>
             </a:endParaRPr>
           </a:p>
-          <a:p>
-            <a:r>
-              <a:rPr kumimoji="1" lang="en-US" altLang="ja-JP" sz="4000" dirty="0">
-                <a:solidFill>
-                  <a:schemeClr val="tx1"/>
-                </a:solidFill>
-              </a:rPr>
-              <a:t>			</a:t>
-            </a:r>
-            <a:r>
-              <a:rPr kumimoji="1" lang="ja-JP" altLang="en-US" sz="4000" dirty="0">
-                <a:solidFill>
-                  <a:schemeClr val="tx1"/>
-                </a:solidFill>
-              </a:rPr>
-              <a:t>　ノートのお気に入り登録</a:t>
-            </a:r>
-          </a:p>
         </p:txBody>
       </p:sp>
-      <p:sp>
-        <p:nvSpPr>
-          <p:cNvPr id="17" name="四角形: 対角を切り取る 16">
+      <p:pic>
+        <p:nvPicPr>
+          <p:cNvPr id="5" name="グラフィックス 4" descr="人と循環 単色塗りつぶし">
             <a:extLst>
               <a:ext uri="{FF2B5EF4-FFF2-40B4-BE49-F238E27FC236}">
-                <a16:creationId xmlns:a16="http://schemas.microsoft.com/office/drawing/2014/main" id="{9208632E-4CE2-45B6-89B1-D0115BBD98A8}"/>
+                <a16:creationId xmlns:a16="http://schemas.microsoft.com/office/drawing/2014/main" id="{467634A0-4EE8-48A3-892A-889A72941543}"/>
+              </a:ext>
+            </a:extLst>
+          </p:cNvPr>
+          <p:cNvPicPr>
+            <a:picLocks noChangeAspect="1"/>
+          </p:cNvPicPr>
+          <p:nvPr/>
+        </p:nvPicPr>
+        <p:blipFill>
+          <a:blip r:embed="rId5">
+            <a:extLst>
+              <a:ext uri="{96DAC541-7B7A-43D3-8B79-37D633B846F1}">
+                <asvg:svgBlip xmlns:asvg="http://schemas.microsoft.com/office/drawing/2016/SVG/main" r:embed="rId6"/>
+              </a:ext>
+            </a:extLst>
+          </a:blip>
+          <a:stretch>
+            <a:fillRect/>
+          </a:stretch>
+        </p:blipFill>
+        <p:spPr>
+          <a:xfrm>
+            <a:off x="5530949" y="2238284"/>
+            <a:ext cx="1502819" cy="1502819"/>
+          </a:xfrm>
+          <a:prstGeom prst="rect">
+            <a:avLst/>
+          </a:prstGeom>
+        </p:spPr>
+      </p:pic>
+      <p:pic>
+        <p:nvPicPr>
+          <p:cNvPr id="7" name="グラフィックス 6" descr="棚の本 単色塗りつぶし">
+            <a:extLst>
+              <a:ext uri="{FF2B5EF4-FFF2-40B4-BE49-F238E27FC236}">
+                <a16:creationId xmlns:a16="http://schemas.microsoft.com/office/drawing/2014/main" id="{25CD75AF-EDAD-4D6B-95D2-343471333134}"/>
+              </a:ext>
+            </a:extLst>
+          </p:cNvPr>
+          <p:cNvPicPr>
+            <a:picLocks noChangeAspect="1"/>
+          </p:cNvPicPr>
+          <p:nvPr/>
+        </p:nvPicPr>
+        <p:blipFill>
+          <a:blip r:embed="rId7">
+            <a:extLst>
+              <a:ext uri="{96DAC541-7B7A-43D3-8B79-37D633B846F1}">
+                <asvg:svgBlip xmlns:asvg="http://schemas.microsoft.com/office/drawing/2016/SVG/main" r:embed="rId8"/>
+              </a:ext>
+            </a:extLst>
+          </a:blip>
+          <a:stretch>
+            <a:fillRect/>
+          </a:stretch>
+        </p:blipFill>
+        <p:spPr>
+          <a:xfrm>
+            <a:off x="1996226" y="3101274"/>
+            <a:ext cx="1502819" cy="1502819"/>
+          </a:xfrm>
+          <a:prstGeom prst="rect">
+            <a:avLst/>
+          </a:prstGeom>
+        </p:spPr>
+      </p:pic>
+      <p:pic>
+        <p:nvPicPr>
+          <p:cNvPr id="9" name="グラフィックス 8" descr="食事をしている人 単色塗りつぶし">
+            <a:extLst>
+              <a:ext uri="{FF2B5EF4-FFF2-40B4-BE49-F238E27FC236}">
+                <a16:creationId xmlns:a16="http://schemas.microsoft.com/office/drawing/2014/main" id="{2F523BBC-74A2-4933-A76E-878D13EA3358}"/>
+              </a:ext>
+            </a:extLst>
+          </p:cNvPr>
+          <p:cNvPicPr>
+            <a:picLocks noChangeAspect="1"/>
+          </p:cNvPicPr>
+          <p:nvPr/>
+        </p:nvPicPr>
+        <p:blipFill>
+          <a:blip r:embed="rId9">
+            <a:extLst>
+              <a:ext uri="{96DAC541-7B7A-43D3-8B79-37D633B846F1}">
+                <asvg:svgBlip xmlns:asvg="http://schemas.microsoft.com/office/drawing/2016/SVG/main" r:embed="rId10"/>
+              </a:ext>
+            </a:extLst>
+          </a:blip>
+          <a:stretch>
+            <a:fillRect/>
+          </a:stretch>
+        </p:blipFill>
+        <p:spPr>
+          <a:xfrm>
+            <a:off x="9064687" y="3101274"/>
+            <a:ext cx="1502819" cy="1502819"/>
+          </a:xfrm>
+          <a:prstGeom prst="rect">
+            <a:avLst/>
+          </a:prstGeom>
+        </p:spPr>
+      </p:pic>
+      <p:sp>
+        <p:nvSpPr>
+          <p:cNvPr id="24" name="正方形/長方形 23">
+            <a:extLst>
+              <a:ext uri="{FF2B5EF4-FFF2-40B4-BE49-F238E27FC236}">
+                <a16:creationId xmlns:a16="http://schemas.microsoft.com/office/drawing/2014/main" id="{AB4C6667-43F2-4F1D-AE63-BD5DD0B921B6}"/>
               </a:ext>
             </a:extLst>
           </p:cNvPr>
@@ -9628,8 +9737,966 @@
         </p:nvSpPr>
         <p:spPr>
           <a:xfrm>
-            <a:off x="391006" y="2026348"/>
-            <a:ext cx="2503829" cy="825910"/>
+            <a:off x="4554604" y="3572513"/>
+            <a:ext cx="3455508" cy="2802046"/>
+          </a:xfrm>
+          <a:prstGeom prst="rect">
+            <a:avLst/>
+          </a:prstGeom>
+          <a:noFill/>
+          <a:ln w="38100">
+            <a:noFill/>
+          </a:ln>
+        </p:spPr>
+        <p:style>
+          <a:lnRef idx="2">
+            <a:schemeClr val="accent1">
+              <a:shade val="50000"/>
+            </a:schemeClr>
+          </a:lnRef>
+          <a:fillRef idx="1">
+            <a:schemeClr val="accent1"/>
+          </a:fillRef>
+          <a:effectRef idx="0">
+            <a:schemeClr val="accent1"/>
+          </a:effectRef>
+          <a:fontRef idx="minor">
+            <a:schemeClr val="lt1"/>
+          </a:fontRef>
+        </p:style>
+        <p:txBody>
+          <a:bodyPr rtlCol="0" anchor="t" anchorCtr="0"/>
+          <a:lstStyle/>
+          <a:p>
+            <a:pPr algn="ctr">
+              <a:lnSpc>
+                <a:spcPct val="150000"/>
+              </a:lnSpc>
+            </a:pPr>
+            <a:r>
+              <a:rPr kumimoji="1" lang="ja-JP" altLang="en-US" sz="2800" b="1" dirty="0">
+                <a:solidFill>
+                  <a:schemeClr val="bg1">
+                    <a:lumMod val="50000"/>
+                  </a:schemeClr>
+                </a:solidFill>
+              </a:rPr>
+              <a:t>教え教わりを簡単に！</a:t>
+            </a:r>
+            <a:endParaRPr kumimoji="1" lang="en-US" altLang="ja-JP" sz="2800" b="1" dirty="0">
+              <a:solidFill>
+                <a:schemeClr val="bg1">
+                  <a:lumMod val="50000"/>
+                </a:schemeClr>
+              </a:solidFill>
+            </a:endParaRPr>
+          </a:p>
+          <a:p>
+            <a:pPr algn="ctr">
+              <a:lnSpc>
+                <a:spcPct val="150000"/>
+              </a:lnSpc>
+            </a:pPr>
+            <a:r>
+              <a:rPr kumimoji="1" lang="ja-JP" altLang="en-US" sz="2000" dirty="0">
+                <a:solidFill>
+                  <a:schemeClr val="tx1"/>
+                </a:solidFill>
+              </a:rPr>
+              <a:t>ノートの公開 </a:t>
+            </a:r>
+            <a:r>
+              <a:rPr kumimoji="1" lang="en-US" altLang="ja-JP" sz="2000" dirty="0">
+                <a:solidFill>
+                  <a:schemeClr val="tx1"/>
+                </a:solidFill>
+              </a:rPr>
+              <a:t>/ </a:t>
+            </a:r>
+            <a:r>
+              <a:rPr kumimoji="1" lang="ja-JP" altLang="en-US" sz="2000" dirty="0">
+                <a:solidFill>
+                  <a:schemeClr val="tx1"/>
+                </a:solidFill>
+              </a:rPr>
+              <a:t>検索</a:t>
+            </a:r>
+            <a:endParaRPr kumimoji="1" lang="en-US" altLang="ja-JP" sz="2000" dirty="0">
+              <a:solidFill>
+                <a:schemeClr val="tx1"/>
+              </a:solidFill>
+            </a:endParaRPr>
+          </a:p>
+          <a:p>
+            <a:pPr algn="ctr">
+              <a:lnSpc>
+                <a:spcPct val="150000"/>
+              </a:lnSpc>
+            </a:pPr>
+            <a:r>
+              <a:rPr kumimoji="1" lang="ja-JP" altLang="en-US" sz="2000" dirty="0">
+                <a:solidFill>
+                  <a:schemeClr val="tx1"/>
+                </a:solidFill>
+              </a:rPr>
+              <a:t>参考になればお気に入り</a:t>
+            </a:r>
+            <a:endParaRPr kumimoji="1" lang="en-US" altLang="ja-JP" sz="2000" dirty="0">
+              <a:solidFill>
+                <a:schemeClr val="tx1"/>
+              </a:solidFill>
+            </a:endParaRPr>
+          </a:p>
+          <a:p>
+            <a:pPr algn="ctr">
+              <a:lnSpc>
+                <a:spcPct val="150000"/>
+              </a:lnSpc>
+            </a:pPr>
+            <a:r>
+              <a:rPr kumimoji="1" lang="ja-JP" altLang="en-US" sz="2000" b="1" u="sng" dirty="0">
+                <a:solidFill>
+                  <a:schemeClr val="tx1"/>
+                </a:solidFill>
+              </a:rPr>
+              <a:t>なんといっても匿名！</a:t>
+            </a:r>
+            <a:endParaRPr kumimoji="1" lang="en-US" altLang="ja-JP" sz="2000" b="1" u="sng" dirty="0">
+              <a:solidFill>
+                <a:schemeClr val="tx1"/>
+              </a:solidFill>
+            </a:endParaRPr>
+          </a:p>
+          <a:p>
+            <a:pPr>
+              <a:lnSpc>
+                <a:spcPct val="150000"/>
+              </a:lnSpc>
+            </a:pPr>
+            <a:r>
+              <a:rPr kumimoji="1" lang="ja-JP" altLang="en-US" sz="2800" dirty="0">
+                <a:solidFill>
+                  <a:schemeClr val="tx1"/>
+                </a:solidFill>
+              </a:rPr>
+              <a:t>　</a:t>
+            </a:r>
+            <a:endParaRPr kumimoji="1" lang="en-US" altLang="ja-JP" sz="2800" dirty="0">
+              <a:solidFill>
+                <a:schemeClr val="tx1"/>
+              </a:solidFill>
+            </a:endParaRPr>
+          </a:p>
+        </p:txBody>
+      </p:sp>
+      <p:sp>
+        <p:nvSpPr>
+          <p:cNvPr id="25" name="正方形/長方形 24">
+            <a:extLst>
+              <a:ext uri="{FF2B5EF4-FFF2-40B4-BE49-F238E27FC236}">
+                <a16:creationId xmlns:a16="http://schemas.microsoft.com/office/drawing/2014/main" id="{AB4E6D0A-21BC-42B7-8068-B68FE7CC4DBD}"/>
+              </a:ext>
+            </a:extLst>
+          </p:cNvPr>
+          <p:cNvSpPr/>
+          <p:nvPr/>
+        </p:nvSpPr>
+        <p:spPr>
+          <a:xfrm>
+            <a:off x="8088343" y="4435503"/>
+            <a:ext cx="3455508" cy="1783509"/>
+          </a:xfrm>
+          <a:prstGeom prst="rect">
+            <a:avLst/>
+          </a:prstGeom>
+          <a:noFill/>
+          <a:ln w="38100">
+            <a:noFill/>
+          </a:ln>
+        </p:spPr>
+        <p:style>
+          <a:lnRef idx="2">
+            <a:schemeClr val="accent1">
+              <a:shade val="50000"/>
+            </a:schemeClr>
+          </a:lnRef>
+          <a:fillRef idx="1">
+            <a:schemeClr val="accent1"/>
+          </a:fillRef>
+          <a:effectRef idx="0">
+            <a:schemeClr val="accent1"/>
+          </a:effectRef>
+          <a:fontRef idx="minor">
+            <a:schemeClr val="lt1"/>
+          </a:fontRef>
+        </p:style>
+        <p:txBody>
+          <a:bodyPr rtlCol="0" anchor="t" anchorCtr="0"/>
+          <a:lstStyle/>
+          <a:p>
+            <a:pPr algn="ctr">
+              <a:lnSpc>
+                <a:spcPct val="150000"/>
+              </a:lnSpc>
+            </a:pPr>
+            <a:r>
+              <a:rPr kumimoji="1" lang="ja-JP" altLang="en-US" sz="2800" b="1" dirty="0">
+                <a:solidFill>
+                  <a:schemeClr val="bg1">
+                    <a:lumMod val="50000"/>
+                  </a:schemeClr>
+                </a:solidFill>
+              </a:rPr>
+              <a:t>学びの質</a:t>
+            </a:r>
+            <a:r>
+              <a:rPr kumimoji="1" lang="en-US" altLang="ja-JP" sz="2800" b="1" dirty="0">
+                <a:solidFill>
+                  <a:schemeClr val="bg1">
+                    <a:lumMod val="50000"/>
+                  </a:schemeClr>
+                </a:solidFill>
+              </a:rPr>
+              <a:t>UP</a:t>
+            </a:r>
+            <a:r>
+              <a:rPr kumimoji="1" lang="ja-JP" altLang="en-US" sz="2800" b="1" dirty="0">
+                <a:solidFill>
+                  <a:schemeClr val="bg1">
+                    <a:lumMod val="50000"/>
+                  </a:schemeClr>
+                </a:solidFill>
+              </a:rPr>
+              <a:t>！</a:t>
+            </a:r>
+            <a:endParaRPr kumimoji="1" lang="en-US" altLang="ja-JP" sz="2800" b="1" dirty="0">
+              <a:solidFill>
+                <a:schemeClr val="bg1">
+                  <a:lumMod val="50000"/>
+                </a:schemeClr>
+              </a:solidFill>
+            </a:endParaRPr>
+          </a:p>
+          <a:p>
+            <a:pPr algn="ctr">
+              <a:lnSpc>
+                <a:spcPct val="150000"/>
+              </a:lnSpc>
+            </a:pPr>
+            <a:r>
+              <a:rPr kumimoji="1" lang="ja-JP" altLang="en-US" sz="2000" dirty="0">
+                <a:solidFill>
+                  <a:schemeClr val="tx1"/>
+                </a:solidFill>
+              </a:rPr>
+              <a:t>「見せる」ノート作り</a:t>
+            </a:r>
+            <a:endParaRPr kumimoji="1" lang="en-US" altLang="ja-JP" sz="2000" dirty="0">
+              <a:solidFill>
+                <a:schemeClr val="tx1"/>
+              </a:solidFill>
+            </a:endParaRPr>
+          </a:p>
+          <a:p>
+            <a:pPr algn="ctr">
+              <a:lnSpc>
+                <a:spcPct val="150000"/>
+              </a:lnSpc>
+            </a:pPr>
+            <a:r>
+              <a:rPr kumimoji="1" lang="ja-JP" altLang="en-US" sz="2000" dirty="0">
+                <a:solidFill>
+                  <a:schemeClr val="tx1"/>
+                </a:solidFill>
+              </a:rPr>
+              <a:t>アウトプットとインプットの場</a:t>
+            </a:r>
+            <a:endParaRPr kumimoji="1" lang="en-US" altLang="ja-JP" sz="2000" dirty="0">
+              <a:solidFill>
+                <a:schemeClr val="tx1"/>
+              </a:solidFill>
+            </a:endParaRPr>
+          </a:p>
+          <a:p>
+            <a:pPr>
+              <a:lnSpc>
+                <a:spcPct val="150000"/>
+              </a:lnSpc>
+            </a:pPr>
+            <a:r>
+              <a:rPr kumimoji="1" lang="ja-JP" altLang="en-US" sz="2800" dirty="0">
+                <a:solidFill>
+                  <a:schemeClr val="tx1"/>
+                </a:solidFill>
+              </a:rPr>
+              <a:t>　</a:t>
+            </a:r>
+            <a:endParaRPr kumimoji="1" lang="en-US" altLang="ja-JP" sz="2800" dirty="0">
+              <a:solidFill>
+                <a:schemeClr val="tx1"/>
+              </a:solidFill>
+            </a:endParaRPr>
+          </a:p>
+        </p:txBody>
+      </p:sp>
+      <p:sp>
+        <p:nvSpPr>
+          <p:cNvPr id="12" name="正方形/長方形 11">
+            <a:extLst>
+              <a:ext uri="{FF2B5EF4-FFF2-40B4-BE49-F238E27FC236}">
+                <a16:creationId xmlns:a16="http://schemas.microsoft.com/office/drawing/2014/main" id="{2C61B940-AD62-478A-B49F-9C0900DBA2F1}"/>
+              </a:ext>
+            </a:extLst>
+          </p:cNvPr>
+          <p:cNvSpPr/>
+          <p:nvPr/>
+        </p:nvSpPr>
+        <p:spPr>
+          <a:xfrm>
+            <a:off x="599053" y="1833486"/>
+            <a:ext cx="10969346" cy="4541073"/>
+          </a:xfrm>
+          <a:prstGeom prst="rect">
+            <a:avLst/>
+          </a:prstGeom>
+          <a:solidFill>
+            <a:srgbClr val="FFFFFF"/>
+          </a:solidFill>
+          <a:ln w="38100">
+            <a:solidFill>
+              <a:schemeClr val="bg1">
+                <a:lumMod val="90000"/>
+              </a:schemeClr>
+            </a:solidFill>
+          </a:ln>
+        </p:spPr>
+        <p:style>
+          <a:lnRef idx="2">
+            <a:schemeClr val="accent1">
+              <a:shade val="50000"/>
+            </a:schemeClr>
+          </a:lnRef>
+          <a:fillRef idx="1">
+            <a:schemeClr val="accent1"/>
+          </a:fillRef>
+          <a:effectRef idx="0">
+            <a:schemeClr val="accent1"/>
+          </a:effectRef>
+          <a:fontRef idx="minor">
+            <a:schemeClr val="lt1"/>
+          </a:fontRef>
+        </p:style>
+        <p:txBody>
+          <a:bodyPr rtlCol="0" anchor="t" anchorCtr="0"/>
+          <a:lstStyle/>
+          <a:p>
+            <a:pPr algn="ctr"/>
+            <a:endParaRPr kumimoji="1" lang="en-US" altLang="ja-JP" sz="2800" dirty="0">
+              <a:solidFill>
+                <a:schemeClr val="tx1"/>
+              </a:solidFill>
+            </a:endParaRPr>
+          </a:p>
+          <a:p>
+            <a:r>
+              <a:rPr kumimoji="1" lang="ja-JP" altLang="en-US" sz="2800" dirty="0">
+                <a:solidFill>
+                  <a:schemeClr val="tx1"/>
+                </a:solidFill>
+              </a:rPr>
+              <a:t>　</a:t>
+            </a:r>
+            <a:endParaRPr kumimoji="1" lang="en-US" altLang="ja-JP" sz="2800" dirty="0">
+              <a:solidFill>
+                <a:schemeClr val="tx1"/>
+              </a:solidFill>
+            </a:endParaRPr>
+          </a:p>
+        </p:txBody>
+      </p:sp>
+      <p:pic>
+        <p:nvPicPr>
+          <p:cNvPr id="16" name="グラフィックス 15" descr="食事をしている人 単色塗りつぶし">
+            <a:extLst>
+              <a:ext uri="{FF2B5EF4-FFF2-40B4-BE49-F238E27FC236}">
+                <a16:creationId xmlns:a16="http://schemas.microsoft.com/office/drawing/2014/main" id="{8CDC324A-972C-496C-BB88-F44D3BF59990}"/>
+              </a:ext>
+            </a:extLst>
+          </p:cNvPr>
+          <p:cNvPicPr>
+            <a:picLocks noChangeAspect="1"/>
+          </p:cNvPicPr>
+          <p:nvPr/>
+        </p:nvPicPr>
+        <p:blipFill>
+          <a:blip r:embed="rId9">
+            <a:extLst>
+              <a:ext uri="{96DAC541-7B7A-43D3-8B79-37D633B846F1}">
+                <asvg:svgBlip xmlns:asvg="http://schemas.microsoft.com/office/drawing/2016/SVG/main" r:embed="rId10"/>
+              </a:ext>
+            </a:extLst>
+          </a:blip>
+          <a:stretch>
+            <a:fillRect/>
+          </a:stretch>
+        </p:blipFill>
+        <p:spPr>
+          <a:xfrm>
+            <a:off x="1341273" y="2357521"/>
+            <a:ext cx="3493001" cy="3493001"/>
+          </a:xfrm>
+          <a:prstGeom prst="rect">
+            <a:avLst/>
+          </a:prstGeom>
+        </p:spPr>
+      </p:pic>
+      <p:sp>
+        <p:nvSpPr>
+          <p:cNvPr id="19" name="正方形/長方形 18">
+            <a:extLst>
+              <a:ext uri="{FF2B5EF4-FFF2-40B4-BE49-F238E27FC236}">
+                <a16:creationId xmlns:a16="http://schemas.microsoft.com/office/drawing/2014/main" id="{649832A5-4448-4B1A-AB1F-27301644A80F}"/>
+              </a:ext>
+            </a:extLst>
+          </p:cNvPr>
+          <p:cNvSpPr/>
+          <p:nvPr/>
+        </p:nvSpPr>
+        <p:spPr>
+          <a:xfrm>
+            <a:off x="4896217" y="2401469"/>
+            <a:ext cx="6275902" cy="3711805"/>
+          </a:xfrm>
+          <a:prstGeom prst="rect">
+            <a:avLst/>
+          </a:prstGeom>
+          <a:noFill/>
+          <a:ln w="38100">
+            <a:noFill/>
+          </a:ln>
+        </p:spPr>
+        <p:style>
+          <a:lnRef idx="2">
+            <a:schemeClr val="accent1">
+              <a:shade val="50000"/>
+            </a:schemeClr>
+          </a:lnRef>
+          <a:fillRef idx="1">
+            <a:schemeClr val="accent1"/>
+          </a:fillRef>
+          <a:effectRef idx="0">
+            <a:schemeClr val="accent1"/>
+          </a:effectRef>
+          <a:fontRef idx="minor">
+            <a:schemeClr val="lt1"/>
+          </a:fontRef>
+        </p:style>
+        <p:txBody>
+          <a:bodyPr rtlCol="0" anchor="t" anchorCtr="0"/>
+          <a:lstStyle/>
+          <a:p>
+            <a:pPr>
+              <a:lnSpc>
+                <a:spcPct val="150000"/>
+              </a:lnSpc>
+            </a:pPr>
+            <a:r>
+              <a:rPr kumimoji="1" lang="ja-JP" altLang="en-US" sz="2400" b="1" dirty="0">
+                <a:solidFill>
+                  <a:schemeClr val="bg1">
+                    <a:lumMod val="50000"/>
+                  </a:schemeClr>
+                </a:solidFill>
+              </a:rPr>
+              <a:t>相互コミュニケーションが不要！</a:t>
+            </a:r>
+            <a:endParaRPr kumimoji="1" lang="en-US" altLang="ja-JP" sz="2400" b="1" dirty="0">
+              <a:solidFill>
+                <a:schemeClr val="bg1">
+                  <a:lumMod val="50000"/>
+                </a:schemeClr>
+              </a:solidFill>
+            </a:endParaRPr>
+          </a:p>
+          <a:p>
+            <a:pPr>
+              <a:lnSpc>
+                <a:spcPct val="150000"/>
+              </a:lnSpc>
+            </a:pPr>
+            <a:r>
+              <a:rPr kumimoji="1" lang="en-US" altLang="ja-JP" sz="2400" dirty="0">
+                <a:solidFill>
+                  <a:schemeClr val="tx1"/>
+                </a:solidFill>
+              </a:rPr>
+              <a:t>	</a:t>
+            </a:r>
+            <a:r>
+              <a:rPr kumimoji="1" lang="ja-JP" altLang="en-US" sz="2000" dirty="0">
+                <a:solidFill>
+                  <a:schemeClr val="tx1"/>
+                </a:solidFill>
+              </a:rPr>
+              <a:t>→　勝手に公開、勝手に拝見　質問の前段階に</a:t>
+            </a:r>
+            <a:endParaRPr kumimoji="1" lang="en-US" altLang="ja-JP" sz="2000" dirty="0">
+              <a:solidFill>
+                <a:schemeClr val="tx1"/>
+              </a:solidFill>
+            </a:endParaRPr>
+          </a:p>
+          <a:p>
+            <a:pPr>
+              <a:lnSpc>
+                <a:spcPct val="150000"/>
+              </a:lnSpc>
+            </a:pPr>
+            <a:endParaRPr kumimoji="1" lang="en-US" altLang="ja-JP" sz="800" dirty="0">
+              <a:solidFill>
+                <a:schemeClr val="tx1"/>
+              </a:solidFill>
+            </a:endParaRPr>
+          </a:p>
+          <a:p>
+            <a:pPr>
+              <a:lnSpc>
+                <a:spcPct val="150000"/>
+              </a:lnSpc>
+            </a:pPr>
+            <a:r>
+              <a:rPr kumimoji="1" lang="ja-JP" altLang="en-US" sz="2400" b="1" dirty="0">
+                <a:solidFill>
+                  <a:schemeClr val="bg1">
+                    <a:lumMod val="50000"/>
+                  </a:schemeClr>
+                </a:solidFill>
+              </a:rPr>
+              <a:t>単純なノート置き場としての利用！</a:t>
+            </a:r>
+            <a:endParaRPr kumimoji="1" lang="en-US" altLang="ja-JP" sz="2400" b="1" dirty="0">
+              <a:solidFill>
+                <a:schemeClr val="bg1">
+                  <a:lumMod val="50000"/>
+                </a:schemeClr>
+              </a:solidFill>
+            </a:endParaRPr>
+          </a:p>
+          <a:p>
+            <a:pPr>
+              <a:lnSpc>
+                <a:spcPct val="150000"/>
+              </a:lnSpc>
+            </a:pPr>
+            <a:r>
+              <a:rPr kumimoji="1" lang="ja-JP" altLang="en-US" sz="2400" dirty="0">
+                <a:solidFill>
+                  <a:schemeClr val="tx1"/>
+                </a:solidFill>
+              </a:rPr>
+              <a:t>　</a:t>
+            </a:r>
+            <a:r>
+              <a:rPr kumimoji="1" lang="en-US" altLang="ja-JP" sz="2400" dirty="0">
+                <a:solidFill>
+                  <a:schemeClr val="tx1"/>
+                </a:solidFill>
+              </a:rPr>
+              <a:t>	</a:t>
+            </a:r>
+            <a:r>
+              <a:rPr kumimoji="1" lang="ja-JP" altLang="en-US" sz="2000" dirty="0">
+                <a:solidFill>
+                  <a:schemeClr val="tx1"/>
+                </a:solidFill>
+              </a:rPr>
+              <a:t>→　ファイル整理にご活用ください</a:t>
+            </a:r>
+            <a:endParaRPr kumimoji="1" lang="en-US" altLang="ja-JP" sz="2400" dirty="0">
+              <a:solidFill>
+                <a:schemeClr val="tx1"/>
+              </a:solidFill>
+            </a:endParaRPr>
+          </a:p>
+          <a:p>
+            <a:pPr>
+              <a:lnSpc>
+                <a:spcPct val="150000"/>
+              </a:lnSpc>
+            </a:pPr>
+            <a:endParaRPr kumimoji="1" lang="en-US" altLang="ja-JP" sz="800" dirty="0">
+              <a:solidFill>
+                <a:schemeClr val="tx1"/>
+              </a:solidFill>
+            </a:endParaRPr>
+          </a:p>
+          <a:p>
+            <a:pPr>
+              <a:lnSpc>
+                <a:spcPct val="150000"/>
+              </a:lnSpc>
+            </a:pPr>
+            <a:r>
+              <a:rPr kumimoji="1" lang="ja-JP" altLang="en-US" sz="2400" b="1" dirty="0">
+                <a:solidFill>
+                  <a:schemeClr val="bg1">
+                    <a:lumMod val="50000"/>
+                  </a:schemeClr>
+                </a:solidFill>
+              </a:rPr>
+              <a:t>お気に入りされたら嬉しい！</a:t>
+            </a:r>
+            <a:endParaRPr kumimoji="1" lang="en-US" altLang="ja-JP" sz="2400" b="1" dirty="0">
+              <a:solidFill>
+                <a:schemeClr val="bg1">
+                  <a:lumMod val="50000"/>
+                </a:schemeClr>
+              </a:solidFill>
+            </a:endParaRPr>
+          </a:p>
+          <a:p>
+            <a:pPr>
+              <a:lnSpc>
+                <a:spcPct val="150000"/>
+              </a:lnSpc>
+            </a:pPr>
+            <a:r>
+              <a:rPr kumimoji="1" lang="en-US" altLang="ja-JP" sz="2400" dirty="0">
+                <a:solidFill>
+                  <a:schemeClr val="tx1"/>
+                </a:solidFill>
+              </a:rPr>
+              <a:t>	</a:t>
+            </a:r>
+            <a:r>
+              <a:rPr kumimoji="1" lang="ja-JP" altLang="en-US" sz="2000" dirty="0">
+                <a:solidFill>
+                  <a:schemeClr val="tx1"/>
+                </a:solidFill>
+              </a:rPr>
+              <a:t>→　あなたの学びが誰かの助けに</a:t>
+            </a:r>
+            <a:endParaRPr kumimoji="1" lang="en-US" altLang="ja-JP" sz="2400" dirty="0">
+              <a:solidFill>
+                <a:schemeClr val="tx1"/>
+              </a:solidFill>
+            </a:endParaRPr>
+          </a:p>
+          <a:p>
+            <a:pPr>
+              <a:lnSpc>
+                <a:spcPct val="150000"/>
+              </a:lnSpc>
+            </a:pPr>
+            <a:endParaRPr kumimoji="1" lang="en-US" altLang="ja-JP" sz="2400" dirty="0">
+              <a:solidFill>
+                <a:schemeClr val="tx1"/>
+              </a:solidFill>
+            </a:endParaRPr>
+          </a:p>
+          <a:p>
+            <a:pPr>
+              <a:lnSpc>
+                <a:spcPct val="150000"/>
+              </a:lnSpc>
+            </a:pPr>
+            <a:endParaRPr kumimoji="1" lang="en-US" altLang="ja-JP" sz="2400" dirty="0">
+              <a:solidFill>
+                <a:schemeClr val="tx1"/>
+              </a:solidFill>
+            </a:endParaRPr>
+          </a:p>
+        </p:txBody>
+      </p:sp>
+      <p:sp>
+        <p:nvSpPr>
+          <p:cNvPr id="2" name="スライド番号プレースホルダー 1">
+            <a:extLst>
+              <a:ext uri="{FF2B5EF4-FFF2-40B4-BE49-F238E27FC236}">
+                <a16:creationId xmlns:a16="http://schemas.microsoft.com/office/drawing/2014/main" id="{0E75CEF7-337F-45AB-8EA7-9AB8FA57005B}"/>
+              </a:ext>
+            </a:extLst>
+          </p:cNvPr>
+          <p:cNvSpPr>
+            <a:spLocks noGrp="1"/>
+          </p:cNvSpPr>
+          <p:nvPr>
+            <p:ph type="sldNum" sz="quarter" idx="12"/>
+          </p:nvPr>
+        </p:nvSpPr>
+        <p:spPr/>
+        <p:txBody>
+          <a:bodyPr/>
+          <a:lstStyle/>
+          <a:p>
+            <a:fld id="{6F705D35-D126-3B47-A82C-2A13EA9E0A67}" type="slidenum">
+              <a:rPr lang="en-US" smtClean="0"/>
+              <a:pPr/>
+              <a:t>11</a:t>
+            </a:fld>
+            <a:endParaRPr lang="en-US" dirty="0"/>
+          </a:p>
+        </p:txBody>
+      </p:sp>
+      <p:sp>
+        <p:nvSpPr>
+          <p:cNvPr id="22" name="正方形/長方形 21">
+            <a:extLst>
+              <a:ext uri="{FF2B5EF4-FFF2-40B4-BE49-F238E27FC236}">
+                <a16:creationId xmlns:a16="http://schemas.microsoft.com/office/drawing/2014/main" id="{EAED6845-2D75-40CB-A1A0-42ACF2CEE336}"/>
+              </a:ext>
+            </a:extLst>
+          </p:cNvPr>
+          <p:cNvSpPr/>
+          <p:nvPr/>
+        </p:nvSpPr>
+        <p:spPr>
+          <a:xfrm>
+            <a:off x="599053" y="1833486"/>
+            <a:ext cx="10969346" cy="4541073"/>
+          </a:xfrm>
+          <a:prstGeom prst="rect">
+            <a:avLst/>
+          </a:prstGeom>
+          <a:solidFill>
+            <a:srgbClr val="FFFFFF"/>
+          </a:solidFill>
+          <a:ln w="38100">
+            <a:solidFill>
+              <a:schemeClr val="bg1">
+                <a:lumMod val="90000"/>
+              </a:schemeClr>
+            </a:solidFill>
+          </a:ln>
+        </p:spPr>
+        <p:style>
+          <a:lnRef idx="2">
+            <a:schemeClr val="accent1">
+              <a:shade val="50000"/>
+            </a:schemeClr>
+          </a:lnRef>
+          <a:fillRef idx="1">
+            <a:schemeClr val="accent1"/>
+          </a:fillRef>
+          <a:effectRef idx="0">
+            <a:schemeClr val="accent1"/>
+          </a:effectRef>
+          <a:fontRef idx="minor">
+            <a:schemeClr val="lt1"/>
+          </a:fontRef>
+        </p:style>
+        <p:txBody>
+          <a:bodyPr rtlCol="0" anchor="t" anchorCtr="0"/>
+          <a:lstStyle/>
+          <a:p>
+            <a:pPr algn="ctr"/>
+            <a:endParaRPr kumimoji="1" lang="en-US" altLang="ja-JP" sz="2800" dirty="0">
+              <a:solidFill>
+                <a:schemeClr val="tx1"/>
+              </a:solidFill>
+            </a:endParaRPr>
+          </a:p>
+          <a:p>
+            <a:r>
+              <a:rPr kumimoji="1" lang="ja-JP" altLang="en-US" sz="2800" dirty="0">
+                <a:solidFill>
+                  <a:schemeClr val="tx1"/>
+                </a:solidFill>
+              </a:rPr>
+              <a:t>　</a:t>
+            </a:r>
+            <a:endParaRPr kumimoji="1" lang="en-US" altLang="ja-JP" sz="2800" dirty="0">
+              <a:solidFill>
+                <a:schemeClr val="tx1"/>
+              </a:solidFill>
+            </a:endParaRPr>
+          </a:p>
+        </p:txBody>
+      </p:sp>
+      <p:sp>
+        <p:nvSpPr>
+          <p:cNvPr id="18" name="正方形/長方形 17">
+            <a:extLst>
+              <a:ext uri="{FF2B5EF4-FFF2-40B4-BE49-F238E27FC236}">
+                <a16:creationId xmlns:a16="http://schemas.microsoft.com/office/drawing/2014/main" id="{7CAE5668-63A5-4F1D-BEAC-642212709645}"/>
+              </a:ext>
+            </a:extLst>
+          </p:cNvPr>
+          <p:cNvSpPr/>
+          <p:nvPr/>
+        </p:nvSpPr>
+        <p:spPr>
+          <a:xfrm>
+            <a:off x="599051" y="1833487"/>
+            <a:ext cx="10944799" cy="4541072"/>
+          </a:xfrm>
+          <a:prstGeom prst="rect">
+            <a:avLst/>
+          </a:prstGeom>
+          <a:noFill/>
+          <a:ln w="38100">
+            <a:solidFill>
+              <a:schemeClr val="bg1">
+                <a:lumMod val="90000"/>
+              </a:schemeClr>
+            </a:solidFill>
+          </a:ln>
+        </p:spPr>
+        <p:style>
+          <a:lnRef idx="2">
+            <a:schemeClr val="accent1">
+              <a:shade val="50000"/>
+            </a:schemeClr>
+          </a:lnRef>
+          <a:fillRef idx="1">
+            <a:schemeClr val="accent1"/>
+          </a:fillRef>
+          <a:effectRef idx="0">
+            <a:schemeClr val="accent1"/>
+          </a:effectRef>
+          <a:fontRef idx="minor">
+            <a:schemeClr val="lt1"/>
+          </a:fontRef>
+        </p:style>
+        <p:txBody>
+          <a:bodyPr rtlCol="0" anchor="t" anchorCtr="0"/>
+          <a:lstStyle/>
+          <a:p>
+            <a:pPr algn="ctr">
+              <a:lnSpc>
+                <a:spcPct val="150000"/>
+              </a:lnSpc>
+            </a:pPr>
+            <a:endParaRPr kumimoji="1" lang="en-US" altLang="ja-JP" sz="2800" b="1" dirty="0">
+              <a:solidFill>
+                <a:schemeClr val="bg1">
+                  <a:lumMod val="50000"/>
+                </a:schemeClr>
+              </a:solidFill>
+            </a:endParaRPr>
+          </a:p>
+          <a:p>
+            <a:pPr algn="ctr">
+              <a:lnSpc>
+                <a:spcPct val="150000"/>
+              </a:lnSpc>
+            </a:pPr>
+            <a:r>
+              <a:rPr kumimoji="1" lang="ja-JP" altLang="en-US" sz="6000" b="1" dirty="0">
+                <a:solidFill>
+                  <a:schemeClr val="bg1">
+                    <a:lumMod val="50000"/>
+                  </a:schemeClr>
+                </a:solidFill>
+              </a:rPr>
+              <a:t>学びの質</a:t>
+            </a:r>
+            <a:r>
+              <a:rPr kumimoji="1" lang="en-US" altLang="ja-JP" sz="6000" b="1" dirty="0">
+                <a:solidFill>
+                  <a:schemeClr val="bg1">
+                    <a:lumMod val="50000"/>
+                  </a:schemeClr>
+                </a:solidFill>
+              </a:rPr>
+              <a:t>UP</a:t>
+            </a:r>
+            <a:r>
+              <a:rPr kumimoji="1" lang="ja-JP" altLang="en-US" sz="6000" b="1" dirty="0">
+                <a:solidFill>
+                  <a:schemeClr val="bg1">
+                    <a:lumMod val="50000"/>
+                  </a:schemeClr>
+                </a:solidFill>
+              </a:rPr>
+              <a:t>！</a:t>
+            </a:r>
+            <a:endParaRPr kumimoji="1" lang="en-US" altLang="ja-JP" sz="6000" b="1" dirty="0">
+              <a:solidFill>
+                <a:schemeClr val="bg1">
+                  <a:lumMod val="50000"/>
+                </a:schemeClr>
+              </a:solidFill>
+            </a:endParaRPr>
+          </a:p>
+          <a:p>
+            <a:pPr algn="ctr">
+              <a:lnSpc>
+                <a:spcPct val="150000"/>
+              </a:lnSpc>
+            </a:pPr>
+            <a:r>
+              <a:rPr kumimoji="1" lang="ja-JP" altLang="en-US" sz="2400" dirty="0">
+                <a:solidFill>
+                  <a:schemeClr val="tx1"/>
+                </a:solidFill>
+              </a:rPr>
+              <a:t>気軽なインプットとアウトプットを実現！</a:t>
+            </a:r>
+            <a:endParaRPr kumimoji="1" lang="en-US" altLang="ja-JP" sz="2400" dirty="0">
+              <a:solidFill>
+                <a:schemeClr val="tx1"/>
+              </a:solidFill>
+            </a:endParaRPr>
+          </a:p>
+          <a:p>
+            <a:pPr algn="ctr">
+              <a:lnSpc>
+                <a:spcPct val="150000"/>
+              </a:lnSpc>
+            </a:pPr>
+            <a:r>
+              <a:rPr kumimoji="1" lang="ja-JP" altLang="en-US" sz="2400" dirty="0">
+                <a:solidFill>
+                  <a:schemeClr val="tx1"/>
+                </a:solidFill>
+              </a:rPr>
+              <a:t>誰かに「見せる」ノート作りによって、より質の高い学びへ！</a:t>
+            </a:r>
+            <a:endParaRPr kumimoji="1" lang="en-US" altLang="ja-JP" sz="2400" dirty="0">
+              <a:solidFill>
+                <a:schemeClr val="tx1"/>
+              </a:solidFill>
+            </a:endParaRPr>
+          </a:p>
+          <a:p>
+            <a:pPr algn="ctr">
+              <a:lnSpc>
+                <a:spcPct val="150000"/>
+              </a:lnSpc>
+            </a:pPr>
+            <a:r>
+              <a:rPr kumimoji="1" lang="ja-JP" altLang="en-US" sz="2400" dirty="0">
+                <a:solidFill>
+                  <a:schemeClr val="tx1"/>
+                </a:solidFill>
+              </a:rPr>
+              <a:t>コミュニケーションが苦手な人でも、誰かの助けになれます！</a:t>
+            </a:r>
+            <a:endParaRPr kumimoji="1" lang="en-US" altLang="ja-JP" sz="2400" dirty="0">
+              <a:solidFill>
+                <a:schemeClr val="tx1"/>
+              </a:solidFill>
+            </a:endParaRPr>
+          </a:p>
+        </p:txBody>
+      </p:sp>
+      <p:sp>
+        <p:nvSpPr>
+          <p:cNvPr id="17" name="四角形: 対角を切り取る 16">
+            <a:extLst>
+              <a:ext uri="{FF2B5EF4-FFF2-40B4-BE49-F238E27FC236}">
+                <a16:creationId xmlns:a16="http://schemas.microsoft.com/office/drawing/2014/main" id="{9208632E-4CE2-45B6-89B1-D0115BBD98A8}"/>
+              </a:ext>
+            </a:extLst>
+          </p:cNvPr>
+          <p:cNvSpPr/>
+          <p:nvPr/>
+        </p:nvSpPr>
+        <p:spPr>
+          <a:xfrm>
+            <a:off x="2398427" y="1443525"/>
+            <a:ext cx="7375160" cy="779923"/>
           </a:xfrm>
           <a:prstGeom prst="snip2DiagRect">
             <a:avLst/>
@@ -9668,229 +10735,44 @@
           <a:p>
             <a:pPr algn="ctr"/>
             <a:r>
+              <a:rPr kumimoji="1" lang="en-US" altLang="ja-JP" sz="3200" dirty="0">
+                <a:solidFill>
+                  <a:schemeClr val="tx1"/>
+                </a:solidFill>
+                <a:latin typeface="Arial Black" panose="020B0A04020102020204" pitchFamily="34" charset="0"/>
+              </a:rPr>
+              <a:t>mynote++</a:t>
+            </a:r>
+            <a:r>
               <a:rPr kumimoji="1" lang="ja-JP" altLang="en-US" sz="3200" dirty="0">
                 <a:solidFill>
                   <a:schemeClr val="tx1"/>
                 </a:solidFill>
-              </a:rPr>
-              <a:t>メイン機能</a:t>
-            </a:r>
-          </a:p>
-        </p:txBody>
-      </p:sp>
-      <p:pic>
-        <p:nvPicPr>
-          <p:cNvPr id="18" name="グラフィックス 17" descr="閉じた本 単色塗りつぶし">
-            <a:extLst>
-              <a:ext uri="{FF2B5EF4-FFF2-40B4-BE49-F238E27FC236}">
-                <a16:creationId xmlns:a16="http://schemas.microsoft.com/office/drawing/2014/main" id="{7CA5206C-829C-4BAE-815B-E32EB578F92D}"/>
-              </a:ext>
-            </a:extLst>
-          </p:cNvPr>
-          <p:cNvPicPr>
-            <a:picLocks noChangeAspect="1"/>
-          </p:cNvPicPr>
-          <p:nvPr/>
-        </p:nvPicPr>
-        <p:blipFill>
-          <a:blip r:embed="rId2">
-            <a:extLst>
-              <a:ext uri="{96DAC541-7B7A-43D3-8B79-37D633B846F1}">
-                <asvg:svgBlip xmlns:asvg="http://schemas.microsoft.com/office/drawing/2016/SVG/main" r:embed="rId3"/>
-              </a:ext>
-            </a:extLst>
-          </a:blip>
-          <a:stretch>
-            <a:fillRect/>
-          </a:stretch>
-        </p:blipFill>
-        <p:spPr>
-          <a:xfrm>
-            <a:off x="3415295" y="2774344"/>
-            <a:ext cx="812965" cy="812965"/>
-          </a:xfrm>
-          <a:prstGeom prst="rect">
-            <a:avLst/>
-          </a:prstGeom>
-        </p:spPr>
-      </p:pic>
-      <p:sp>
-        <p:nvSpPr>
-          <p:cNvPr id="23" name="タイトル 1">
-            <a:extLst>
-              <a:ext uri="{FF2B5EF4-FFF2-40B4-BE49-F238E27FC236}">
-                <a16:creationId xmlns:a16="http://schemas.microsoft.com/office/drawing/2014/main" id="{0ACA70C5-26BF-440B-86C3-0ACEECEF9FF3}"/>
-              </a:ext>
-            </a:extLst>
-          </p:cNvPr>
-          <p:cNvSpPr>
-            <a:spLocks noGrp="1"/>
-          </p:cNvSpPr>
-          <p:nvPr>
-            <p:ph type="title"/>
-          </p:nvPr>
-        </p:nvSpPr>
-        <p:spPr>
-          <a:xfrm>
-            <a:off x="1378975" y="483440"/>
-            <a:ext cx="10164876" cy="583800"/>
-          </a:xfrm>
-        </p:spPr>
-        <p:txBody>
-          <a:bodyPr rtlCol="0"/>
-          <a:lstStyle/>
-          <a:p>
-            <a:pPr rtl="0"/>
-            <a:r>
-              <a:rPr lang="ja-JP" altLang="en-US" sz="3200" b="0" dirty="0"/>
-              <a:t>システムについて</a:t>
-            </a:r>
-            <a:endParaRPr lang="ja" sz="3200" b="0" dirty="0"/>
-          </a:p>
-        </p:txBody>
-      </p:sp>
-      <p:pic>
-        <p:nvPicPr>
-          <p:cNvPr id="24" name="グラフィックス 23" descr="地球: 南北アメリカ 単色塗りつぶし">
-            <a:extLst>
-              <a:ext uri="{FF2B5EF4-FFF2-40B4-BE49-F238E27FC236}">
-                <a16:creationId xmlns:a16="http://schemas.microsoft.com/office/drawing/2014/main" id="{17D3D4D2-571F-4684-8F78-93879FB32D9B}"/>
-              </a:ext>
-            </a:extLst>
-          </p:cNvPr>
-          <p:cNvPicPr>
-            <a:picLocks noChangeAspect="1"/>
-          </p:cNvPicPr>
-          <p:nvPr/>
-        </p:nvPicPr>
-        <p:blipFill>
-          <a:blip r:embed="rId4">
-            <a:extLst>
-              <a:ext uri="{96DAC541-7B7A-43D3-8B79-37D633B846F1}">
-                <asvg:svgBlip xmlns:asvg="http://schemas.microsoft.com/office/drawing/2016/SVG/main" r:embed="rId5"/>
-              </a:ext>
-            </a:extLst>
-          </a:blip>
-          <a:stretch>
-            <a:fillRect/>
-          </a:stretch>
-        </p:blipFill>
-        <p:spPr>
-          <a:xfrm>
-            <a:off x="599052" y="385379"/>
-            <a:ext cx="779922" cy="779922"/>
-          </a:xfrm>
-          <a:prstGeom prst="rect">
-            <a:avLst/>
-          </a:prstGeom>
-        </p:spPr>
-      </p:pic>
-      <p:pic>
-        <p:nvPicPr>
-          <p:cNvPr id="25" name="グラフィックス 24" descr="閉じた本 単色塗りつぶし">
-            <a:extLst>
-              <a:ext uri="{FF2B5EF4-FFF2-40B4-BE49-F238E27FC236}">
-                <a16:creationId xmlns:a16="http://schemas.microsoft.com/office/drawing/2014/main" id="{3FC7B9B3-D324-4E43-99B6-3F4AEC4A96F3}"/>
-              </a:ext>
-            </a:extLst>
-          </p:cNvPr>
-          <p:cNvPicPr>
-            <a:picLocks noChangeAspect="1"/>
-          </p:cNvPicPr>
-          <p:nvPr/>
-        </p:nvPicPr>
-        <p:blipFill>
-          <a:blip r:embed="rId2">
-            <a:extLst>
-              <a:ext uri="{96DAC541-7B7A-43D3-8B79-37D633B846F1}">
-                <asvg:svgBlip xmlns:asvg="http://schemas.microsoft.com/office/drawing/2016/SVG/main" r:embed="rId3"/>
-              </a:ext>
-            </a:extLst>
-          </a:blip>
-          <a:stretch>
-            <a:fillRect/>
-          </a:stretch>
-        </p:blipFill>
-        <p:spPr>
-          <a:xfrm>
-            <a:off x="3415295" y="4015665"/>
-            <a:ext cx="812965" cy="812965"/>
-          </a:xfrm>
-          <a:prstGeom prst="rect">
-            <a:avLst/>
-          </a:prstGeom>
-        </p:spPr>
-      </p:pic>
-      <p:pic>
-        <p:nvPicPr>
-          <p:cNvPr id="26" name="グラフィックス 25" descr="閉じた本 単色塗りつぶし">
-            <a:extLst>
-              <a:ext uri="{FF2B5EF4-FFF2-40B4-BE49-F238E27FC236}">
-                <a16:creationId xmlns:a16="http://schemas.microsoft.com/office/drawing/2014/main" id="{63D2BA33-4B95-43C5-82FB-13BB3A9F46F0}"/>
-              </a:ext>
-            </a:extLst>
-          </p:cNvPr>
-          <p:cNvPicPr>
-            <a:picLocks noChangeAspect="1"/>
-          </p:cNvPicPr>
-          <p:nvPr/>
-        </p:nvPicPr>
-        <p:blipFill>
-          <a:blip r:embed="rId2">
-            <a:extLst>
-              <a:ext uri="{96DAC541-7B7A-43D3-8B79-37D633B846F1}">
-                <asvg:svgBlip xmlns:asvg="http://schemas.microsoft.com/office/drawing/2016/SVG/main" r:embed="rId3"/>
-              </a:ext>
-            </a:extLst>
-          </a:blip>
-          <a:stretch>
-            <a:fillRect/>
-          </a:stretch>
-        </p:blipFill>
-        <p:spPr>
-          <a:xfrm>
-            <a:off x="3415295" y="5256986"/>
-            <a:ext cx="812965" cy="812965"/>
-          </a:xfrm>
-          <a:prstGeom prst="rect">
-            <a:avLst/>
-          </a:prstGeom>
-        </p:spPr>
-      </p:pic>
-      <p:sp>
-        <p:nvSpPr>
-          <p:cNvPr id="2" name="スライド番号プレースホルダー 1">
-            <a:extLst>
-              <a:ext uri="{FF2B5EF4-FFF2-40B4-BE49-F238E27FC236}">
-                <a16:creationId xmlns:a16="http://schemas.microsoft.com/office/drawing/2014/main" id="{BB34A391-DFC1-4F1A-ADD6-E39925888BAF}"/>
-              </a:ext>
-            </a:extLst>
-          </p:cNvPr>
-          <p:cNvSpPr>
-            <a:spLocks noGrp="1"/>
-          </p:cNvSpPr>
-          <p:nvPr>
-            <p:ph type="sldNum" sz="quarter" idx="12"/>
-          </p:nvPr>
-        </p:nvSpPr>
-        <p:spPr/>
-        <p:txBody>
-          <a:bodyPr/>
-          <a:lstStyle/>
-          <a:p>
-            <a:fld id="{6F705D35-D126-3B47-A82C-2A13EA9E0A67}" type="slidenum">
-              <a:rPr lang="en-US" smtClean="0"/>
-              <a:pPr/>
-              <a:t>11</a:t>
-            </a:fld>
-            <a:endParaRPr lang="en-US" dirty="0"/>
+                <a:latin typeface="Arial Black" panose="020B0A04020102020204" pitchFamily="34" charset="0"/>
+              </a:rPr>
+              <a:t> </a:t>
+            </a:r>
+            <a:r>
+              <a:rPr kumimoji="1" lang="ja-JP" altLang="en-US" sz="2800" dirty="0">
+                <a:solidFill>
+                  <a:schemeClr val="tx1"/>
+                </a:solidFill>
+                <a:latin typeface="Arial Black" panose="020B0A04020102020204" pitchFamily="34" charset="0"/>
+              </a:rPr>
+              <a:t>を利用するメリットって？</a:t>
+            </a:r>
+            <a:endParaRPr kumimoji="1" lang="ja-JP" altLang="en-US" sz="2800" dirty="0">
+              <a:solidFill>
+                <a:schemeClr val="tx1"/>
+              </a:solidFill>
+            </a:endParaRPr>
           </a:p>
         </p:txBody>
       </p:sp>
     </p:spTree>
     <p:extLst>
       <p:ext uri="{BB962C8B-B14F-4D97-AF65-F5344CB8AC3E}">
-        <p14:creationId xmlns:p14="http://schemas.microsoft.com/office/powerpoint/2010/main" val="537923319"/>
+        <p14:creationId xmlns:p14="http://schemas.microsoft.com/office/powerpoint/2010/main" val="335651259"/>
       </p:ext>
     </p:extLst>
   </p:cSld>
@@ -9921,6 +10803,9 @@
                     <p:cTn id="3" fill="hold">
                       <p:stCondLst>
                         <p:cond delay="indefinite"/>
+                        <p:cond evt="onBegin" delay="0">
+                          <p:tn val="2"/>
+                        </p:cond>
                       </p:stCondLst>
                       <p:childTnLst>
                         <p:par>
@@ -9930,7 +10815,7 @@
                             </p:stCondLst>
                             <p:childTnLst>
                               <p:par>
-                                <p:cTn id="5" presetID="10" presetClass="entr" presetSubtype="0" fill="hold" nodeType="clickEffect">
+                                <p:cTn id="5" presetID="31" presetClass="entr" presetSubtype="0" fill="hold" nodeType="withEffect">
                                   <p:stCondLst>
                                     <p:cond delay="0"/>
                                   </p:stCondLst>
@@ -9943,9 +10828,9 @@
                                           </p:stCondLst>
                                         </p:cTn>
                                         <p:tgtEl>
-                                          <p:spTgt spid="12">
+                                          <p:spTgt spid="18">
                                             <p:txEl>
-                                              <p:pRg st="0" end="0"/>
+                                              <p:pRg st="1" end="1"/>
                                             </p:txEl>
                                           </p:spTgt>
                                         </p:tgtEl>
@@ -9957,13 +10842,94 @@
                                         <p:strVal val="visible"/>
                                       </p:to>
                                     </p:set>
+                                    <p:anim calcmode="lin" valueType="num">
+                                      <p:cBhvr>
+                                        <p:cTn id="7" dur="750" fill="hold"/>
+                                        <p:tgtEl>
+                                          <p:spTgt spid="18">
+                                            <p:txEl>
+                                              <p:pRg st="1" end="1"/>
+                                            </p:txEl>
+                                          </p:spTgt>
+                                        </p:tgtEl>
+                                        <p:attrNameLst>
+                                          <p:attrName>ppt_w</p:attrName>
+                                        </p:attrNameLst>
+                                      </p:cBhvr>
+                                      <p:tavLst>
+                                        <p:tav tm="0">
+                                          <p:val>
+                                            <p:fltVal val="0"/>
+                                          </p:val>
+                                        </p:tav>
+                                        <p:tav tm="100000">
+                                          <p:val>
+                                            <p:strVal val="#ppt_w"/>
+                                          </p:val>
+                                        </p:tav>
+                                      </p:tavLst>
+                                    </p:anim>
+                                    <p:anim calcmode="lin" valueType="num">
+                                      <p:cBhvr>
+                                        <p:cTn id="8" dur="750" fill="hold"/>
+                                        <p:tgtEl>
+                                          <p:spTgt spid="18">
+                                            <p:txEl>
+                                              <p:pRg st="1" end="1"/>
+                                            </p:txEl>
+                                          </p:spTgt>
+                                        </p:tgtEl>
+                                        <p:attrNameLst>
+                                          <p:attrName>ppt_h</p:attrName>
+                                        </p:attrNameLst>
+                                      </p:cBhvr>
+                                      <p:tavLst>
+                                        <p:tav tm="0">
+                                          <p:val>
+                                            <p:fltVal val="0"/>
+                                          </p:val>
+                                        </p:tav>
+                                        <p:tav tm="100000">
+                                          <p:val>
+                                            <p:strVal val="#ppt_h"/>
+                                          </p:val>
+                                        </p:tav>
+                                      </p:tavLst>
+                                    </p:anim>
+                                    <p:anim calcmode="lin" valueType="num">
+                                      <p:cBhvr>
+                                        <p:cTn id="9" dur="750" fill="hold"/>
+                                        <p:tgtEl>
+                                          <p:spTgt spid="18">
+                                            <p:txEl>
+                                              <p:pRg st="1" end="1"/>
+                                            </p:txEl>
+                                          </p:spTgt>
+                                        </p:tgtEl>
+                                        <p:attrNameLst>
+                                          <p:attrName>style.rotation</p:attrName>
+                                        </p:attrNameLst>
+                                      </p:cBhvr>
+                                      <p:tavLst>
+                                        <p:tav tm="0">
+                                          <p:val>
+                                            <p:fltVal val="90"/>
+                                          </p:val>
+                                        </p:tav>
+                                        <p:tav tm="100000">
+                                          <p:val>
+                                            <p:fltVal val="0"/>
+                                          </p:val>
+                                        </p:tav>
+                                      </p:tavLst>
+                                    </p:anim>
                                     <p:animEffect transition="in" filter="fade">
                                       <p:cBhvr>
-                                        <p:cTn id="7" dur="500"/>
+                                        <p:cTn id="10" dur="750"/>
                                         <p:tgtEl>
-                                          <p:spTgt spid="12">
+                                          <p:spTgt spid="18">
                                             <p:txEl>
-                                              <p:pRg st="0" end="0"/>
+                                              <p:pRg st="1" end="1"/>
                                             </p:txEl>
                                           </p:spTgt>
                                         </p:tgtEl>
@@ -9972,39 +10938,21 @@
                                   </p:childTnLst>
                                 </p:cTn>
                               </p:par>
-                            </p:childTnLst>
-                          </p:cTn>
-                        </p:par>
-                      </p:childTnLst>
-                    </p:cTn>
-                  </p:par>
-                  <p:par>
-                    <p:cTn id="8" fill="hold">
-                      <p:stCondLst>
-                        <p:cond delay="indefinite"/>
-                      </p:stCondLst>
-                      <p:childTnLst>
-                        <p:par>
-                          <p:cTn id="9" fill="hold">
-                            <p:stCondLst>
-                              <p:cond delay="0"/>
-                            </p:stCondLst>
-                            <p:childTnLst>
                               <p:par>
-                                <p:cTn id="10" presetID="10" presetClass="entr" presetSubtype="0" fill="hold" nodeType="clickEffect">
+                                <p:cTn id="11" presetID="31" presetClass="entr" presetSubtype="0" fill="hold" nodeType="withEffect">
                                   <p:stCondLst>
                                     <p:cond delay="0"/>
                                   </p:stCondLst>
                                   <p:childTnLst>
                                     <p:set>
                                       <p:cBhvr>
-                                        <p:cTn id="11" dur="1" fill="hold">
+                                        <p:cTn id="12" dur="1" fill="hold">
                                           <p:stCondLst>
                                             <p:cond delay="0"/>
                                           </p:stCondLst>
                                         </p:cTn>
                                         <p:tgtEl>
-                                          <p:spTgt spid="12">
+                                          <p:spTgt spid="18">
                                             <p:txEl>
                                               <p:pRg st="2" end="2"/>
                                             </p:txEl>
@@ -10018,11 +10966,92 @@
                                         <p:strVal val="visible"/>
                                       </p:to>
                                     </p:set>
+                                    <p:anim calcmode="lin" valueType="num">
+                                      <p:cBhvr>
+                                        <p:cTn id="13" dur="750" fill="hold"/>
+                                        <p:tgtEl>
+                                          <p:spTgt spid="18">
+                                            <p:txEl>
+                                              <p:pRg st="2" end="2"/>
+                                            </p:txEl>
+                                          </p:spTgt>
+                                        </p:tgtEl>
+                                        <p:attrNameLst>
+                                          <p:attrName>ppt_w</p:attrName>
+                                        </p:attrNameLst>
+                                      </p:cBhvr>
+                                      <p:tavLst>
+                                        <p:tav tm="0">
+                                          <p:val>
+                                            <p:fltVal val="0"/>
+                                          </p:val>
+                                        </p:tav>
+                                        <p:tav tm="100000">
+                                          <p:val>
+                                            <p:strVal val="#ppt_w"/>
+                                          </p:val>
+                                        </p:tav>
+                                      </p:tavLst>
+                                    </p:anim>
+                                    <p:anim calcmode="lin" valueType="num">
+                                      <p:cBhvr>
+                                        <p:cTn id="14" dur="750" fill="hold"/>
+                                        <p:tgtEl>
+                                          <p:spTgt spid="18">
+                                            <p:txEl>
+                                              <p:pRg st="2" end="2"/>
+                                            </p:txEl>
+                                          </p:spTgt>
+                                        </p:tgtEl>
+                                        <p:attrNameLst>
+                                          <p:attrName>ppt_h</p:attrName>
+                                        </p:attrNameLst>
+                                      </p:cBhvr>
+                                      <p:tavLst>
+                                        <p:tav tm="0">
+                                          <p:val>
+                                            <p:fltVal val="0"/>
+                                          </p:val>
+                                        </p:tav>
+                                        <p:tav tm="100000">
+                                          <p:val>
+                                            <p:strVal val="#ppt_h"/>
+                                          </p:val>
+                                        </p:tav>
+                                      </p:tavLst>
+                                    </p:anim>
+                                    <p:anim calcmode="lin" valueType="num">
+                                      <p:cBhvr>
+                                        <p:cTn id="15" dur="750" fill="hold"/>
+                                        <p:tgtEl>
+                                          <p:spTgt spid="18">
+                                            <p:txEl>
+                                              <p:pRg st="2" end="2"/>
+                                            </p:txEl>
+                                          </p:spTgt>
+                                        </p:tgtEl>
+                                        <p:attrNameLst>
+                                          <p:attrName>style.rotation</p:attrName>
+                                        </p:attrNameLst>
+                                      </p:cBhvr>
+                                      <p:tavLst>
+                                        <p:tav tm="0">
+                                          <p:val>
+                                            <p:fltVal val="90"/>
+                                          </p:val>
+                                        </p:tav>
+                                        <p:tav tm="100000">
+                                          <p:val>
+                                            <p:fltVal val="0"/>
+                                          </p:val>
+                                        </p:tav>
+                                      </p:tavLst>
+                                    </p:anim>
                                     <p:animEffect transition="in" filter="fade">
                                       <p:cBhvr>
-                                        <p:cTn id="12" dur="500"/>
+                                        <p:cTn id="16" dur="750"/>
                                         <p:tgtEl>
-                                          <p:spTgt spid="12">
+                                          <p:spTgt spid="18">
                                             <p:txEl>
                                               <p:pRg st="2" end="2"/>
                                             </p:txEl>
@@ -10033,39 +11062,145 @@
                                   </p:childTnLst>
                                 </p:cTn>
                               </p:par>
-                            </p:childTnLst>
-                          </p:cTn>
-                        </p:par>
-                      </p:childTnLst>
-                    </p:cTn>
-                  </p:par>
-                  <p:par>
-                    <p:cTn id="13" fill="hold">
-                      <p:stCondLst>
-                        <p:cond delay="indefinite"/>
-                      </p:stCondLst>
-                      <p:childTnLst>
-                        <p:par>
-                          <p:cTn id="14" fill="hold">
-                            <p:stCondLst>
-                              <p:cond delay="0"/>
-                            </p:stCondLst>
-                            <p:childTnLst>
                               <p:par>
-                                <p:cTn id="15" presetID="10" presetClass="entr" presetSubtype="0" fill="hold" nodeType="clickEffect">
+                                <p:cTn id="17" presetID="31" presetClass="entr" presetSubtype="0" fill="hold" nodeType="withEffect">
                                   <p:stCondLst>
                                     <p:cond delay="0"/>
                                   </p:stCondLst>
                                   <p:childTnLst>
                                     <p:set>
                                       <p:cBhvr>
-                                        <p:cTn id="16" dur="1" fill="hold">
+                                        <p:cTn id="18" dur="1" fill="hold">
                                           <p:stCondLst>
                                             <p:cond delay="0"/>
                                           </p:stCondLst>
                                         </p:cTn>
                                         <p:tgtEl>
-                                          <p:spTgt spid="12">
+                                          <p:spTgt spid="18">
+                                            <p:txEl>
+                                              <p:pRg st="3" end="3"/>
+                                            </p:txEl>
+                                          </p:spTgt>
+                                        </p:tgtEl>
+                                        <p:attrNameLst>
+                                          <p:attrName>style.visibility</p:attrName>
+                                        </p:attrNameLst>
+                                      </p:cBhvr>
+                                      <p:to>
+                                        <p:strVal val="visible"/>
+                                      </p:to>
+                                    </p:set>
+                                    <p:anim calcmode="lin" valueType="num">
+                                      <p:cBhvr>
+                                        <p:cTn id="19" dur="750" fill="hold"/>
+                                        <p:tgtEl>
+                                          <p:spTgt spid="18">
+                                            <p:txEl>
+                                              <p:pRg st="3" end="3"/>
+                                            </p:txEl>
+                                          </p:spTgt>
+                                        </p:tgtEl>
+                                        <p:attrNameLst>
+                                          <p:attrName>ppt_w</p:attrName>
+                                        </p:attrNameLst>
+                                      </p:cBhvr>
+                                      <p:tavLst>
+                                        <p:tav tm="0">
+                                          <p:val>
+                                            <p:fltVal val="0"/>
+                                          </p:val>
+                                        </p:tav>
+                                        <p:tav tm="100000">
+                                          <p:val>
+                                            <p:strVal val="#ppt_w"/>
+                                          </p:val>
+                                        </p:tav>
+                                      </p:tavLst>
+                                    </p:anim>
+                                    <p:anim calcmode="lin" valueType="num">
+                                      <p:cBhvr>
+                                        <p:cTn id="20" dur="750" fill="hold"/>
+                                        <p:tgtEl>
+                                          <p:spTgt spid="18">
+                                            <p:txEl>
+                                              <p:pRg st="3" end="3"/>
+                                            </p:txEl>
+                                          </p:spTgt>
+                                        </p:tgtEl>
+                                        <p:attrNameLst>
+                                          <p:attrName>ppt_h</p:attrName>
+                                        </p:attrNameLst>
+                                      </p:cBhvr>
+                                      <p:tavLst>
+                                        <p:tav tm="0">
+                                          <p:val>
+                                            <p:fltVal val="0"/>
+                                          </p:val>
+                                        </p:tav>
+                                        <p:tav tm="100000">
+                                          <p:val>
+                                            <p:strVal val="#ppt_h"/>
+                                          </p:val>
+                                        </p:tav>
+                                      </p:tavLst>
+                                    </p:anim>
+                                    <p:anim calcmode="lin" valueType="num">
+                                      <p:cBhvr>
+                                        <p:cTn id="21" dur="750" fill="hold"/>
+                                        <p:tgtEl>
+                                          <p:spTgt spid="18">
+                                            <p:txEl>
+                                              <p:pRg st="3" end="3"/>
+                                            </p:txEl>
+                                          </p:spTgt>
+                                        </p:tgtEl>
+                                        <p:attrNameLst>
+                                          <p:attrName>style.rotation</p:attrName>
+                                        </p:attrNameLst>
+                                      </p:cBhvr>
+                                      <p:tavLst>
+                                        <p:tav tm="0">
+                                          <p:val>
+                                            <p:fltVal val="90"/>
+                                          </p:val>
+                                        </p:tav>
+                                        <p:tav tm="100000">
+                                          <p:val>
+                                            <p:fltVal val="0"/>
+                                          </p:val>
+                                        </p:tav>
+                                      </p:tavLst>
+                                    </p:anim>
+                                    <p:animEffect transition="in" filter="fade">
+                                      <p:cBhvr>
+                                        <p:cTn id="22" dur="750"/>
+                                        <p:tgtEl>
+                                          <p:spTgt spid="18">
+                                            <p:txEl>
+                                              <p:pRg st="3" end="3"/>
+                                            </p:txEl>
+                                          </p:spTgt>
+                                        </p:tgtEl>
+                                      </p:cBhvr>
+                                    </p:animEffect>
+                                  </p:childTnLst>
+                                </p:cTn>
+                              </p:par>
+                              <p:par>
+                                <p:cTn id="23" presetID="31" presetClass="entr" presetSubtype="0" fill="hold" nodeType="withEffect">
+                                  <p:stCondLst>
+                                    <p:cond delay="0"/>
+                                  </p:stCondLst>
+                                  <p:childTnLst>
+                                    <p:set>
+                                      <p:cBhvr>
+                                        <p:cTn id="24" dur="1" fill="hold">
+                                          <p:stCondLst>
+                                            <p:cond delay="0"/>
+                                          </p:stCondLst>
+                                        </p:cTn>
+                                        <p:tgtEl>
+                                          <p:spTgt spid="18">
                                             <p:txEl>
                                               <p:pRg st="4" end="4"/>
                                             </p:txEl>
@@ -10079,11 +11214,92 @@
                                         <p:strVal val="visible"/>
                                       </p:to>
                                     </p:set>
+                                    <p:anim calcmode="lin" valueType="num">
+                                      <p:cBhvr>
+                                        <p:cTn id="25" dur="750" fill="hold"/>
+                                        <p:tgtEl>
+                                          <p:spTgt spid="18">
+                                            <p:txEl>
+                                              <p:pRg st="4" end="4"/>
+                                            </p:txEl>
+                                          </p:spTgt>
+                                        </p:tgtEl>
+                                        <p:attrNameLst>
+                                          <p:attrName>ppt_w</p:attrName>
+                                        </p:attrNameLst>
+                                      </p:cBhvr>
+                                      <p:tavLst>
+                                        <p:tav tm="0">
+                                          <p:val>
+                                            <p:fltVal val="0"/>
+                                          </p:val>
+                                        </p:tav>
+                                        <p:tav tm="100000">
+                                          <p:val>
+                                            <p:strVal val="#ppt_w"/>
+                                          </p:val>
+                                        </p:tav>
+                                      </p:tavLst>
+                                    </p:anim>
+                                    <p:anim calcmode="lin" valueType="num">
+                                      <p:cBhvr>
+                                        <p:cTn id="26" dur="750" fill="hold"/>
+                                        <p:tgtEl>
+                                          <p:spTgt spid="18">
+                                            <p:txEl>
+                                              <p:pRg st="4" end="4"/>
+                                            </p:txEl>
+                                          </p:spTgt>
+                                        </p:tgtEl>
+                                        <p:attrNameLst>
+                                          <p:attrName>ppt_h</p:attrName>
+                                        </p:attrNameLst>
+                                      </p:cBhvr>
+                                      <p:tavLst>
+                                        <p:tav tm="0">
+                                          <p:val>
+                                            <p:fltVal val="0"/>
+                                          </p:val>
+                                        </p:tav>
+                                        <p:tav tm="100000">
+                                          <p:val>
+                                            <p:strVal val="#ppt_h"/>
+                                          </p:val>
+                                        </p:tav>
+                                      </p:tavLst>
+                                    </p:anim>
+                                    <p:anim calcmode="lin" valueType="num">
+                                      <p:cBhvr>
+                                        <p:cTn id="27" dur="750" fill="hold"/>
+                                        <p:tgtEl>
+                                          <p:spTgt spid="18">
+                                            <p:txEl>
+                                              <p:pRg st="4" end="4"/>
+                                            </p:txEl>
+                                          </p:spTgt>
+                                        </p:tgtEl>
+                                        <p:attrNameLst>
+                                          <p:attrName>style.rotation</p:attrName>
+                                        </p:attrNameLst>
+                                      </p:cBhvr>
+                                      <p:tavLst>
+                                        <p:tav tm="0">
+                                          <p:val>
+                                            <p:fltVal val="90"/>
+                                          </p:val>
+                                        </p:tav>
+                                        <p:tav tm="100000">
+                                          <p:val>
+                                            <p:fltVal val="0"/>
+                                          </p:val>
+                                        </p:tav>
+                                      </p:tavLst>
+                                    </p:anim>
                                     <p:animEffect transition="in" filter="fade">
                                       <p:cBhvr>
-                                        <p:cTn id="17" dur="500"/>
+                                        <p:cTn id="28" dur="750"/>
                                         <p:tgtEl>
-                                          <p:spTgt spid="12">
+                                          <p:spTgt spid="18">
                                             <p:txEl>
                                               <p:pRg st="4" end="4"/>
                                             </p:txEl>
@@ -10144,6 +11360,869 @@
       </p:grpSpPr>
       <p:sp>
         <p:nvSpPr>
+          <p:cNvPr id="6" name="コンテンツ プレースホルダー 3">
+            <a:extLst>
+              <a:ext uri="{FF2B5EF4-FFF2-40B4-BE49-F238E27FC236}">
+                <a16:creationId xmlns:a16="http://schemas.microsoft.com/office/drawing/2014/main" id="{A9F2C10F-B6CF-4074-BBCD-84567EEAA614}"/>
+              </a:ext>
+            </a:extLst>
+          </p:cNvPr>
+          <p:cNvSpPr txBox="1">
+            <a:spLocks/>
+          </p:cNvSpPr>
+          <p:nvPr/>
+        </p:nvSpPr>
+        <p:spPr>
+          <a:xfrm>
+            <a:off x="747198" y="1305035"/>
+            <a:ext cx="10904088" cy="1017638"/>
+          </a:xfrm>
+          <a:prstGeom prst="rect">
+            <a:avLst/>
+          </a:prstGeom>
+        </p:spPr>
+        <p:txBody>
+          <a:bodyPr vert="horz" lIns="91440" tIns="45720" rIns="91440" bIns="45720" rtlCol="0">
+            <a:noAutofit/>
+          </a:bodyPr>
+          <a:lstStyle>
+            <a:lvl1pPr marL="228600" indent="-228600" algn="l" defTabSz="914400" rtl="0" eaLnBrk="1" latinLnBrk="0" hangingPunct="1">
+              <a:lnSpc>
+                <a:spcPct val="150000"/>
+              </a:lnSpc>
+              <a:spcBef>
+                <a:spcPts val="1500"/>
+              </a:spcBef>
+              <a:buClr>
+                <a:schemeClr val="accent2"/>
+              </a:buClr>
+              <a:buFont typeface="Wingdings" panose="05000000000000000000" pitchFamily="2" charset="2"/>
+              <a:buChar char="§"/>
+              <a:defRPr kumimoji="1" sz="1500" kern="1200" spc="150" baseline="0">
+                <a:solidFill>
+                  <a:schemeClr val="tx1"/>
+                </a:solidFill>
+                <a:latin typeface="+mj-lt"/>
+                <a:ea typeface="Meiryo UI" panose="020B0604030504040204" pitchFamily="34" charset="-128"/>
+                <a:cs typeface="+mn-cs"/>
+              </a:defRPr>
+            </a:lvl1pPr>
+            <a:lvl2pPr marL="685800" indent="-228600" algn="l" defTabSz="914400" rtl="0" eaLnBrk="1" latinLnBrk="0" hangingPunct="1">
+              <a:lnSpc>
+                <a:spcPct val="150000"/>
+              </a:lnSpc>
+              <a:spcBef>
+                <a:spcPts val="500"/>
+              </a:spcBef>
+              <a:buClr>
+                <a:schemeClr val="accent2"/>
+              </a:buClr>
+              <a:buFont typeface="Wingdings" panose="05000000000000000000" pitchFamily="2" charset="2"/>
+              <a:buChar char="§"/>
+              <a:defRPr kumimoji="1" sz="1500" kern="1200" spc="150" baseline="0">
+                <a:solidFill>
+                  <a:schemeClr val="tx1"/>
+                </a:solidFill>
+                <a:latin typeface="+mj-lt"/>
+                <a:ea typeface="Meiryo UI" panose="020B0604030504040204" pitchFamily="34" charset="-128"/>
+                <a:cs typeface="+mn-cs"/>
+              </a:defRPr>
+            </a:lvl2pPr>
+            <a:lvl3pPr marL="1143000" indent="-228600" algn="l" defTabSz="914400" rtl="0" eaLnBrk="1" latinLnBrk="0" hangingPunct="1">
+              <a:lnSpc>
+                <a:spcPct val="150000"/>
+              </a:lnSpc>
+              <a:spcBef>
+                <a:spcPts val="500"/>
+              </a:spcBef>
+              <a:buClr>
+                <a:schemeClr val="accent2"/>
+              </a:buClr>
+              <a:buFont typeface="Wingdings" panose="05000000000000000000" pitchFamily="2" charset="2"/>
+              <a:buChar char="§"/>
+              <a:defRPr kumimoji="1" sz="1400" kern="1200" spc="150" baseline="0">
+                <a:solidFill>
+                  <a:schemeClr val="tx1"/>
+                </a:solidFill>
+                <a:latin typeface="+mj-lt"/>
+                <a:ea typeface="Meiryo UI" panose="020B0604030504040204" pitchFamily="34" charset="-128"/>
+                <a:cs typeface="+mn-cs"/>
+              </a:defRPr>
+            </a:lvl3pPr>
+            <a:lvl4pPr marL="1600200" indent="-228600" algn="l" defTabSz="914400" rtl="0" eaLnBrk="1" latinLnBrk="0" hangingPunct="1">
+              <a:lnSpc>
+                <a:spcPct val="150000"/>
+              </a:lnSpc>
+              <a:spcBef>
+                <a:spcPts val="500"/>
+              </a:spcBef>
+              <a:buClr>
+                <a:schemeClr val="accent2"/>
+              </a:buClr>
+              <a:buFont typeface="Wingdings" panose="05000000000000000000" pitchFamily="2" charset="2"/>
+              <a:buChar char="§"/>
+              <a:defRPr kumimoji="1" sz="1400" kern="1200" spc="150" baseline="0">
+                <a:solidFill>
+                  <a:schemeClr val="tx1"/>
+                </a:solidFill>
+                <a:latin typeface="+mj-lt"/>
+                <a:ea typeface="Meiryo UI" panose="020B0604030504040204" pitchFamily="34" charset="-128"/>
+                <a:cs typeface="+mn-cs"/>
+              </a:defRPr>
+            </a:lvl4pPr>
+            <a:lvl5pPr marL="2057400" indent="-228600" algn="l" defTabSz="914400" rtl="0" eaLnBrk="1" latinLnBrk="0" hangingPunct="1">
+              <a:lnSpc>
+                <a:spcPct val="150000"/>
+              </a:lnSpc>
+              <a:spcBef>
+                <a:spcPts val="500"/>
+              </a:spcBef>
+              <a:buClr>
+                <a:schemeClr val="accent2"/>
+              </a:buClr>
+              <a:buFont typeface="Wingdings" panose="05000000000000000000" pitchFamily="2" charset="2"/>
+              <a:buChar char="§"/>
+              <a:defRPr kumimoji="1" sz="1400" kern="1200" spc="150" baseline="0">
+                <a:solidFill>
+                  <a:schemeClr val="tx1"/>
+                </a:solidFill>
+                <a:latin typeface="+mj-lt"/>
+                <a:ea typeface="Meiryo UI" panose="020B0604030504040204" pitchFamily="34" charset="-128"/>
+                <a:cs typeface="+mn-cs"/>
+              </a:defRPr>
+            </a:lvl5pPr>
+            <a:lvl6pPr marL="2514600" indent="-228600" algn="l" defTabSz="914400" rtl="0" eaLnBrk="1" latinLnBrk="0" hangingPunct="1">
+              <a:lnSpc>
+                <a:spcPct val="90000"/>
+              </a:lnSpc>
+              <a:spcBef>
+                <a:spcPts val="500"/>
+              </a:spcBef>
+              <a:buFont typeface="Arial" panose="020B0604020202020204" pitchFamily="34" charset="0"/>
+              <a:buChar char="•"/>
+              <a:defRPr kumimoji="1" sz="1800" kern="1200">
+                <a:solidFill>
+                  <a:schemeClr val="tx1"/>
+                </a:solidFill>
+                <a:latin typeface="+mn-lt"/>
+                <a:ea typeface="+mn-ea"/>
+                <a:cs typeface="+mn-cs"/>
+              </a:defRPr>
+            </a:lvl6pPr>
+            <a:lvl7pPr marL="2971800" indent="-228600" algn="l" defTabSz="914400" rtl="0" eaLnBrk="1" latinLnBrk="0" hangingPunct="1">
+              <a:lnSpc>
+                <a:spcPct val="90000"/>
+              </a:lnSpc>
+              <a:spcBef>
+                <a:spcPts val="500"/>
+              </a:spcBef>
+              <a:buFont typeface="Arial" panose="020B0604020202020204" pitchFamily="34" charset="0"/>
+              <a:buChar char="•"/>
+              <a:defRPr kumimoji="1" sz="1800" kern="1200">
+                <a:solidFill>
+                  <a:schemeClr val="tx1"/>
+                </a:solidFill>
+                <a:latin typeface="+mn-lt"/>
+                <a:ea typeface="+mn-ea"/>
+                <a:cs typeface="+mn-cs"/>
+              </a:defRPr>
+            </a:lvl7pPr>
+            <a:lvl8pPr marL="3429000" indent="-228600" algn="l" defTabSz="914400" rtl="0" eaLnBrk="1" latinLnBrk="0" hangingPunct="1">
+              <a:lnSpc>
+                <a:spcPct val="90000"/>
+              </a:lnSpc>
+              <a:spcBef>
+                <a:spcPts val="500"/>
+              </a:spcBef>
+              <a:buFont typeface="Arial" panose="020B0604020202020204" pitchFamily="34" charset="0"/>
+              <a:buChar char="•"/>
+              <a:defRPr kumimoji="1" sz="1800" kern="1200">
+                <a:solidFill>
+                  <a:schemeClr val="tx1"/>
+                </a:solidFill>
+                <a:latin typeface="+mn-lt"/>
+                <a:ea typeface="+mn-ea"/>
+                <a:cs typeface="+mn-cs"/>
+              </a:defRPr>
+            </a:lvl8pPr>
+            <a:lvl9pPr marL="3886200" indent="-228600" algn="l" defTabSz="914400" rtl="0" eaLnBrk="1" latinLnBrk="0" hangingPunct="1">
+              <a:lnSpc>
+                <a:spcPct val="90000"/>
+              </a:lnSpc>
+              <a:spcBef>
+                <a:spcPts val="500"/>
+              </a:spcBef>
+              <a:buFont typeface="Arial" panose="020B0604020202020204" pitchFamily="34" charset="0"/>
+              <a:buChar char="•"/>
+              <a:defRPr kumimoji="1" sz="1800" kern="1200">
+                <a:solidFill>
+                  <a:schemeClr val="tx1"/>
+                </a:solidFill>
+                <a:latin typeface="+mn-lt"/>
+                <a:ea typeface="+mn-ea"/>
+                <a:cs typeface="+mn-cs"/>
+              </a:defRPr>
+            </a:lvl9pPr>
+          </a:lstStyle>
+          <a:p>
+            <a:pPr marL="0" indent="0" algn="ctr">
+              <a:lnSpc>
+                <a:spcPct val="100000"/>
+              </a:lnSpc>
+              <a:buFont typeface="Wingdings" panose="05000000000000000000" pitchFamily="2" charset="2"/>
+              <a:buNone/>
+            </a:pPr>
+            <a:r>
+              <a:rPr lang="en-US" altLang="ja-JP" sz="6000" dirty="0">
+                <a:latin typeface="Arial Black" panose="020B0A04020102020204" pitchFamily="34" charset="0"/>
+              </a:rPr>
+              <a:t>mynote++</a:t>
+            </a:r>
+          </a:p>
+          <a:p>
+            <a:pPr marL="0" indent="0" algn="ctr">
+              <a:lnSpc>
+                <a:spcPct val="100000"/>
+              </a:lnSpc>
+              <a:buFont typeface="Wingdings" panose="05000000000000000000" pitchFamily="2" charset="2"/>
+              <a:buNone/>
+            </a:pPr>
+            <a:endParaRPr lang="ja-JP" altLang="en-US" sz="6000" dirty="0">
+              <a:latin typeface="Arial Black" panose="020B0A04020102020204" pitchFamily="34" charset="0"/>
+            </a:endParaRPr>
+          </a:p>
+        </p:txBody>
+      </p:sp>
+      <p:sp>
+        <p:nvSpPr>
+          <p:cNvPr id="12" name="正方形/長方形 11">
+            <a:extLst>
+              <a:ext uri="{FF2B5EF4-FFF2-40B4-BE49-F238E27FC236}">
+                <a16:creationId xmlns:a16="http://schemas.microsoft.com/office/drawing/2014/main" id="{AD48C59D-5AAE-4E44-9164-5E5811051218}"/>
+              </a:ext>
+            </a:extLst>
+          </p:cNvPr>
+          <p:cNvSpPr/>
+          <p:nvPr/>
+        </p:nvSpPr>
+        <p:spPr>
+          <a:xfrm>
+            <a:off x="1093843" y="2469737"/>
+            <a:ext cx="10024100" cy="3904823"/>
+          </a:xfrm>
+          <a:prstGeom prst="rect">
+            <a:avLst/>
+          </a:prstGeom>
+          <a:solidFill>
+            <a:srgbClr val="FFFFFF"/>
+          </a:solidFill>
+          <a:ln w="38100">
+            <a:solidFill>
+              <a:schemeClr val="bg1">
+                <a:lumMod val="90000"/>
+              </a:schemeClr>
+            </a:solidFill>
+          </a:ln>
+        </p:spPr>
+        <p:style>
+          <a:lnRef idx="2">
+            <a:schemeClr val="accent1">
+              <a:shade val="50000"/>
+            </a:schemeClr>
+          </a:lnRef>
+          <a:fillRef idx="1">
+            <a:schemeClr val="accent1"/>
+          </a:fillRef>
+          <a:effectRef idx="0">
+            <a:schemeClr val="accent1"/>
+          </a:effectRef>
+          <a:fontRef idx="minor">
+            <a:schemeClr val="lt1"/>
+          </a:fontRef>
+        </p:style>
+        <p:txBody>
+          <a:bodyPr rtlCol="0" anchor="ctr"/>
+          <a:lstStyle/>
+          <a:p>
+            <a:r>
+              <a:rPr kumimoji="1" lang="en-US" altLang="ja-JP" sz="4000" dirty="0">
+                <a:solidFill>
+                  <a:schemeClr val="tx1"/>
+                </a:solidFill>
+              </a:rPr>
+              <a:t>			</a:t>
+            </a:r>
+            <a:r>
+              <a:rPr kumimoji="1" lang="ja-JP" altLang="en-US" sz="4000" dirty="0">
+                <a:solidFill>
+                  <a:schemeClr val="tx1"/>
+                </a:solidFill>
+              </a:rPr>
+              <a:t>　ノートのアップロード ・ 公開</a:t>
+            </a:r>
+            <a:endParaRPr kumimoji="1" lang="en-US" altLang="ja-JP" sz="4000" dirty="0">
+              <a:solidFill>
+                <a:schemeClr val="tx1"/>
+              </a:solidFill>
+            </a:endParaRPr>
+          </a:p>
+          <a:p>
+            <a:r>
+              <a:rPr kumimoji="1" lang="en-US" altLang="ja-JP" sz="4000" dirty="0">
+                <a:solidFill>
+                  <a:schemeClr val="tx1"/>
+                </a:solidFill>
+              </a:rPr>
+              <a:t>	</a:t>
+            </a:r>
+          </a:p>
+          <a:p>
+            <a:r>
+              <a:rPr kumimoji="1" lang="en-US" altLang="ja-JP" sz="4000" dirty="0">
+                <a:solidFill>
+                  <a:schemeClr val="tx1"/>
+                </a:solidFill>
+              </a:rPr>
+              <a:t>			</a:t>
+            </a:r>
+            <a:r>
+              <a:rPr kumimoji="1" lang="ja-JP" altLang="en-US" sz="4000" dirty="0">
+                <a:solidFill>
+                  <a:schemeClr val="tx1"/>
+                </a:solidFill>
+              </a:rPr>
+              <a:t>　ノートの検索</a:t>
+            </a:r>
+            <a:endParaRPr kumimoji="1" lang="en-US" altLang="ja-JP" sz="4000" dirty="0">
+              <a:solidFill>
+                <a:schemeClr val="tx1"/>
+              </a:solidFill>
+            </a:endParaRPr>
+          </a:p>
+          <a:p>
+            <a:endParaRPr kumimoji="1" lang="en-US" altLang="ja-JP" sz="4000" dirty="0">
+              <a:solidFill>
+                <a:schemeClr val="tx1"/>
+              </a:solidFill>
+            </a:endParaRPr>
+          </a:p>
+          <a:p>
+            <a:r>
+              <a:rPr kumimoji="1" lang="en-US" altLang="ja-JP" sz="4000" dirty="0">
+                <a:solidFill>
+                  <a:schemeClr val="tx1"/>
+                </a:solidFill>
+              </a:rPr>
+              <a:t>			</a:t>
+            </a:r>
+            <a:r>
+              <a:rPr kumimoji="1" lang="ja-JP" altLang="en-US" sz="4000" dirty="0">
+                <a:solidFill>
+                  <a:schemeClr val="tx1"/>
+                </a:solidFill>
+              </a:rPr>
+              <a:t>　ノートのお気に入り登録</a:t>
+            </a:r>
+          </a:p>
+        </p:txBody>
+      </p:sp>
+      <p:sp>
+        <p:nvSpPr>
+          <p:cNvPr id="17" name="四角形: 対角を切り取る 16">
+            <a:extLst>
+              <a:ext uri="{FF2B5EF4-FFF2-40B4-BE49-F238E27FC236}">
+                <a16:creationId xmlns:a16="http://schemas.microsoft.com/office/drawing/2014/main" id="{9208632E-4CE2-45B6-89B1-D0115BBD98A8}"/>
+              </a:ext>
+            </a:extLst>
+          </p:cNvPr>
+          <p:cNvSpPr/>
+          <p:nvPr/>
+        </p:nvSpPr>
+        <p:spPr>
+          <a:xfrm>
+            <a:off x="391006" y="2026348"/>
+            <a:ext cx="2503829" cy="825910"/>
+          </a:xfrm>
+          <a:prstGeom prst="snip2DiagRect">
+            <a:avLst/>
+          </a:prstGeom>
+          <a:solidFill>
+            <a:schemeClr val="accent4"/>
+          </a:solidFill>
+          <a:ln w="28575">
+            <a:solidFill>
+              <a:schemeClr val="accent4">
+                <a:lumMod val="50000"/>
+              </a:schemeClr>
+            </a:solidFill>
+            <a:prstDash val="dash"/>
+          </a:ln>
+        </p:spPr>
+        <p:style>
+          <a:lnRef idx="2">
+            <a:schemeClr val="accent1">
+              <a:shade val="50000"/>
+            </a:schemeClr>
+          </a:lnRef>
+          <a:fillRef idx="1">
+            <a:schemeClr val="accent1"/>
+          </a:fillRef>
+          <a:effectRef idx="0">
+            <a:schemeClr val="accent1"/>
+          </a:effectRef>
+          <a:fontRef idx="minor">
+            <a:schemeClr val="lt1"/>
+          </a:fontRef>
+        </p:style>
+        <p:txBody>
+          <a:bodyPr rtlCol="0" anchor="ctr"/>
+          <a:lstStyle/>
+          <a:p>
+            <a:pPr algn="ctr"/>
+            <a:r>
+              <a:rPr kumimoji="1" lang="ja-JP" altLang="en-US" sz="3200" dirty="0">
+                <a:solidFill>
+                  <a:schemeClr val="tx1"/>
+                </a:solidFill>
+              </a:rPr>
+              <a:t>メイン機能</a:t>
+            </a:r>
+          </a:p>
+        </p:txBody>
+      </p:sp>
+      <p:pic>
+        <p:nvPicPr>
+          <p:cNvPr id="18" name="グラフィックス 17" descr="閉じた本 単色塗りつぶし">
+            <a:extLst>
+              <a:ext uri="{FF2B5EF4-FFF2-40B4-BE49-F238E27FC236}">
+                <a16:creationId xmlns:a16="http://schemas.microsoft.com/office/drawing/2014/main" id="{7CA5206C-829C-4BAE-815B-E32EB578F92D}"/>
+              </a:ext>
+            </a:extLst>
+          </p:cNvPr>
+          <p:cNvPicPr>
+            <a:picLocks noChangeAspect="1"/>
+          </p:cNvPicPr>
+          <p:nvPr/>
+        </p:nvPicPr>
+        <p:blipFill>
+          <a:blip r:embed="rId2">
+            <a:extLst>
+              <a:ext uri="{96DAC541-7B7A-43D3-8B79-37D633B846F1}">
+                <asvg:svgBlip xmlns:asvg="http://schemas.microsoft.com/office/drawing/2016/SVG/main" r:embed="rId3"/>
+              </a:ext>
+            </a:extLst>
+          </a:blip>
+          <a:stretch>
+            <a:fillRect/>
+          </a:stretch>
+        </p:blipFill>
+        <p:spPr>
+          <a:xfrm>
+            <a:off x="3415295" y="2774344"/>
+            <a:ext cx="812965" cy="812965"/>
+          </a:xfrm>
+          <a:prstGeom prst="rect">
+            <a:avLst/>
+          </a:prstGeom>
+        </p:spPr>
+      </p:pic>
+      <p:sp>
+        <p:nvSpPr>
+          <p:cNvPr id="23" name="タイトル 1">
+            <a:extLst>
+              <a:ext uri="{FF2B5EF4-FFF2-40B4-BE49-F238E27FC236}">
+                <a16:creationId xmlns:a16="http://schemas.microsoft.com/office/drawing/2014/main" id="{0ACA70C5-26BF-440B-86C3-0ACEECEF9FF3}"/>
+              </a:ext>
+            </a:extLst>
+          </p:cNvPr>
+          <p:cNvSpPr>
+            <a:spLocks noGrp="1"/>
+          </p:cNvSpPr>
+          <p:nvPr>
+            <p:ph type="title"/>
+          </p:nvPr>
+        </p:nvSpPr>
+        <p:spPr>
+          <a:xfrm>
+            <a:off x="1378975" y="483440"/>
+            <a:ext cx="10164876" cy="583800"/>
+          </a:xfrm>
+        </p:spPr>
+        <p:txBody>
+          <a:bodyPr rtlCol="0"/>
+          <a:lstStyle/>
+          <a:p>
+            <a:pPr rtl="0"/>
+            <a:r>
+              <a:rPr lang="ja-JP" altLang="en-US" sz="3200" b="0" dirty="0"/>
+              <a:t>システムについて</a:t>
+            </a:r>
+            <a:endParaRPr lang="ja" sz="3200" b="0" dirty="0"/>
+          </a:p>
+        </p:txBody>
+      </p:sp>
+      <p:pic>
+        <p:nvPicPr>
+          <p:cNvPr id="24" name="グラフィックス 23" descr="地球: 南北アメリカ 単色塗りつぶし">
+            <a:extLst>
+              <a:ext uri="{FF2B5EF4-FFF2-40B4-BE49-F238E27FC236}">
+                <a16:creationId xmlns:a16="http://schemas.microsoft.com/office/drawing/2014/main" id="{17D3D4D2-571F-4684-8F78-93879FB32D9B}"/>
+              </a:ext>
+            </a:extLst>
+          </p:cNvPr>
+          <p:cNvPicPr>
+            <a:picLocks noChangeAspect="1"/>
+          </p:cNvPicPr>
+          <p:nvPr/>
+        </p:nvPicPr>
+        <p:blipFill>
+          <a:blip r:embed="rId4">
+            <a:extLst>
+              <a:ext uri="{96DAC541-7B7A-43D3-8B79-37D633B846F1}">
+                <asvg:svgBlip xmlns:asvg="http://schemas.microsoft.com/office/drawing/2016/SVG/main" r:embed="rId5"/>
+              </a:ext>
+            </a:extLst>
+          </a:blip>
+          <a:stretch>
+            <a:fillRect/>
+          </a:stretch>
+        </p:blipFill>
+        <p:spPr>
+          <a:xfrm>
+            <a:off x="599052" y="385379"/>
+            <a:ext cx="779922" cy="779922"/>
+          </a:xfrm>
+          <a:prstGeom prst="rect">
+            <a:avLst/>
+          </a:prstGeom>
+        </p:spPr>
+      </p:pic>
+      <p:pic>
+        <p:nvPicPr>
+          <p:cNvPr id="25" name="グラフィックス 24" descr="閉じた本 単色塗りつぶし">
+            <a:extLst>
+              <a:ext uri="{FF2B5EF4-FFF2-40B4-BE49-F238E27FC236}">
+                <a16:creationId xmlns:a16="http://schemas.microsoft.com/office/drawing/2014/main" id="{3FC7B9B3-D324-4E43-99B6-3F4AEC4A96F3}"/>
+              </a:ext>
+            </a:extLst>
+          </p:cNvPr>
+          <p:cNvPicPr>
+            <a:picLocks noChangeAspect="1"/>
+          </p:cNvPicPr>
+          <p:nvPr/>
+        </p:nvPicPr>
+        <p:blipFill>
+          <a:blip r:embed="rId2">
+            <a:extLst>
+              <a:ext uri="{96DAC541-7B7A-43D3-8B79-37D633B846F1}">
+                <asvg:svgBlip xmlns:asvg="http://schemas.microsoft.com/office/drawing/2016/SVG/main" r:embed="rId3"/>
+              </a:ext>
+            </a:extLst>
+          </a:blip>
+          <a:stretch>
+            <a:fillRect/>
+          </a:stretch>
+        </p:blipFill>
+        <p:spPr>
+          <a:xfrm>
+            <a:off x="3415295" y="4015665"/>
+            <a:ext cx="812965" cy="812965"/>
+          </a:xfrm>
+          <a:prstGeom prst="rect">
+            <a:avLst/>
+          </a:prstGeom>
+        </p:spPr>
+      </p:pic>
+      <p:pic>
+        <p:nvPicPr>
+          <p:cNvPr id="26" name="グラフィックス 25" descr="閉じた本 単色塗りつぶし">
+            <a:extLst>
+              <a:ext uri="{FF2B5EF4-FFF2-40B4-BE49-F238E27FC236}">
+                <a16:creationId xmlns:a16="http://schemas.microsoft.com/office/drawing/2014/main" id="{63D2BA33-4B95-43C5-82FB-13BB3A9F46F0}"/>
+              </a:ext>
+            </a:extLst>
+          </p:cNvPr>
+          <p:cNvPicPr>
+            <a:picLocks noChangeAspect="1"/>
+          </p:cNvPicPr>
+          <p:nvPr/>
+        </p:nvPicPr>
+        <p:blipFill>
+          <a:blip r:embed="rId2">
+            <a:extLst>
+              <a:ext uri="{96DAC541-7B7A-43D3-8B79-37D633B846F1}">
+                <asvg:svgBlip xmlns:asvg="http://schemas.microsoft.com/office/drawing/2016/SVG/main" r:embed="rId3"/>
+              </a:ext>
+            </a:extLst>
+          </a:blip>
+          <a:stretch>
+            <a:fillRect/>
+          </a:stretch>
+        </p:blipFill>
+        <p:spPr>
+          <a:xfrm>
+            <a:off x="3415295" y="5256986"/>
+            <a:ext cx="812965" cy="812965"/>
+          </a:xfrm>
+          <a:prstGeom prst="rect">
+            <a:avLst/>
+          </a:prstGeom>
+        </p:spPr>
+      </p:pic>
+      <p:sp>
+        <p:nvSpPr>
+          <p:cNvPr id="2" name="スライド番号プレースホルダー 1">
+            <a:extLst>
+              <a:ext uri="{FF2B5EF4-FFF2-40B4-BE49-F238E27FC236}">
+                <a16:creationId xmlns:a16="http://schemas.microsoft.com/office/drawing/2014/main" id="{BB34A391-DFC1-4F1A-ADD6-E39925888BAF}"/>
+              </a:ext>
+            </a:extLst>
+          </p:cNvPr>
+          <p:cNvSpPr>
+            <a:spLocks noGrp="1"/>
+          </p:cNvSpPr>
+          <p:nvPr>
+            <p:ph type="sldNum" sz="quarter" idx="12"/>
+          </p:nvPr>
+        </p:nvSpPr>
+        <p:spPr/>
+        <p:txBody>
+          <a:bodyPr/>
+          <a:lstStyle/>
+          <a:p>
+            <a:fld id="{6F705D35-D126-3B47-A82C-2A13EA9E0A67}" type="slidenum">
+              <a:rPr lang="en-US" smtClean="0"/>
+              <a:pPr/>
+              <a:t>12</a:t>
+            </a:fld>
+            <a:endParaRPr lang="en-US" dirty="0"/>
+          </a:p>
+        </p:txBody>
+      </p:sp>
+    </p:spTree>
+    <p:extLst>
+      <p:ext uri="{BB962C8B-B14F-4D97-AF65-F5344CB8AC3E}">
+        <p14:creationId xmlns:p14="http://schemas.microsoft.com/office/powerpoint/2010/main" val="537923319"/>
+      </p:ext>
+    </p:extLst>
+  </p:cSld>
+  <p:clrMapOvr>
+    <a:masterClrMapping/>
+  </p:clrMapOvr>
+  <mc:AlternateContent xmlns:mc="http://schemas.openxmlformats.org/markup-compatibility/2006" xmlns:p14="http://schemas.microsoft.com/office/powerpoint/2010/main">
+    <mc:Choice Requires="p14">
+      <p:transition spd="med" p14:dur="700">
+        <p:fade/>
+      </p:transition>
+    </mc:Choice>
+    <mc:Fallback xmlns="">
+      <p:transition spd="med">
+        <p:fade/>
+      </p:transition>
+    </mc:Fallback>
+  </mc:AlternateContent>
+  <p:timing>
+    <p:tnLst>
+      <p:par>
+        <p:cTn id="1" dur="indefinite" restart="never" nodeType="tmRoot">
+          <p:childTnLst>
+            <p:seq concurrent="1" nextAc="seek">
+              <p:cTn id="2" dur="indefinite" nodeType="mainSeq">
+                <p:childTnLst>
+                  <p:par>
+                    <p:cTn id="3" fill="hold">
+                      <p:stCondLst>
+                        <p:cond delay="indefinite"/>
+                        <p:cond evt="onBegin" delay="0">
+                          <p:tn val="2"/>
+                        </p:cond>
+                      </p:stCondLst>
+                      <p:childTnLst>
+                        <p:par>
+                          <p:cTn id="4" fill="hold">
+                            <p:stCondLst>
+                              <p:cond delay="0"/>
+                            </p:stCondLst>
+                            <p:childTnLst>
+                              <p:par>
+                                <p:cTn id="5" presetID="10" presetClass="entr" presetSubtype="0" fill="hold" nodeType="withEffect">
+                                  <p:stCondLst>
+                                    <p:cond delay="0"/>
+                                  </p:stCondLst>
+                                  <p:childTnLst>
+                                    <p:set>
+                                      <p:cBhvr>
+                                        <p:cTn id="6" dur="1" fill="hold">
+                                          <p:stCondLst>
+                                            <p:cond delay="0"/>
+                                          </p:stCondLst>
+                                        </p:cTn>
+                                        <p:tgtEl>
+                                          <p:spTgt spid="12">
+                                            <p:txEl>
+                                              <p:pRg st="0" end="0"/>
+                                            </p:txEl>
+                                          </p:spTgt>
+                                        </p:tgtEl>
+                                        <p:attrNameLst>
+                                          <p:attrName>style.visibility</p:attrName>
+                                        </p:attrNameLst>
+                                      </p:cBhvr>
+                                      <p:to>
+                                        <p:strVal val="visible"/>
+                                      </p:to>
+                                    </p:set>
+                                    <p:animEffect transition="in" filter="fade">
+                                      <p:cBhvr>
+                                        <p:cTn id="7" dur="500"/>
+                                        <p:tgtEl>
+                                          <p:spTgt spid="12">
+                                            <p:txEl>
+                                              <p:pRg st="0" end="0"/>
+                                            </p:txEl>
+                                          </p:spTgt>
+                                        </p:tgtEl>
+                                      </p:cBhvr>
+                                    </p:animEffect>
+                                  </p:childTnLst>
+                                </p:cTn>
+                              </p:par>
+                              <p:par>
+                                <p:cTn id="8" presetID="10" presetClass="entr" presetSubtype="0" fill="hold" nodeType="withEffect">
+                                  <p:stCondLst>
+                                    <p:cond delay="250"/>
+                                  </p:stCondLst>
+                                  <p:childTnLst>
+                                    <p:set>
+                                      <p:cBhvr>
+                                        <p:cTn id="9" dur="1" fill="hold">
+                                          <p:stCondLst>
+                                            <p:cond delay="0"/>
+                                          </p:stCondLst>
+                                        </p:cTn>
+                                        <p:tgtEl>
+                                          <p:spTgt spid="12">
+                                            <p:txEl>
+                                              <p:pRg st="2" end="2"/>
+                                            </p:txEl>
+                                          </p:spTgt>
+                                        </p:tgtEl>
+                                        <p:attrNameLst>
+                                          <p:attrName>style.visibility</p:attrName>
+                                        </p:attrNameLst>
+                                      </p:cBhvr>
+                                      <p:to>
+                                        <p:strVal val="visible"/>
+                                      </p:to>
+                                    </p:set>
+                                    <p:animEffect transition="in" filter="fade">
+                                      <p:cBhvr>
+                                        <p:cTn id="10" dur="500"/>
+                                        <p:tgtEl>
+                                          <p:spTgt spid="12">
+                                            <p:txEl>
+                                              <p:pRg st="2" end="2"/>
+                                            </p:txEl>
+                                          </p:spTgt>
+                                        </p:tgtEl>
+                                      </p:cBhvr>
+                                    </p:animEffect>
+                                  </p:childTnLst>
+                                </p:cTn>
+                              </p:par>
+                              <p:par>
+                                <p:cTn id="11" presetID="10" presetClass="entr" presetSubtype="0" fill="hold" nodeType="withEffect">
+                                  <p:stCondLst>
+                                    <p:cond delay="500"/>
+                                  </p:stCondLst>
+                                  <p:childTnLst>
+                                    <p:set>
+                                      <p:cBhvr>
+                                        <p:cTn id="12" dur="1" fill="hold">
+                                          <p:stCondLst>
+                                            <p:cond delay="0"/>
+                                          </p:stCondLst>
+                                        </p:cTn>
+                                        <p:tgtEl>
+                                          <p:spTgt spid="12">
+                                            <p:txEl>
+                                              <p:pRg st="4" end="4"/>
+                                            </p:txEl>
+                                          </p:spTgt>
+                                        </p:tgtEl>
+                                        <p:attrNameLst>
+                                          <p:attrName>style.visibility</p:attrName>
+                                        </p:attrNameLst>
+                                      </p:cBhvr>
+                                      <p:to>
+                                        <p:strVal val="visible"/>
+                                      </p:to>
+                                    </p:set>
+                                    <p:animEffect transition="in" filter="fade">
+                                      <p:cBhvr>
+                                        <p:cTn id="13" dur="500"/>
+                                        <p:tgtEl>
+                                          <p:spTgt spid="12">
+                                            <p:txEl>
+                                              <p:pRg st="4" end="4"/>
+                                            </p:txEl>
+                                          </p:spTgt>
+                                        </p:tgtEl>
+                                      </p:cBhvr>
+                                    </p:animEffect>
+                                  </p:childTnLst>
+                                </p:cTn>
+                              </p:par>
+                            </p:childTnLst>
+                          </p:cTn>
+                        </p:par>
+                      </p:childTnLst>
+                    </p:cTn>
+                  </p:par>
+                </p:childTnLst>
+              </p:cTn>
+              <p:prevCondLst>
+                <p:cond evt="onPrev" delay="0">
+                  <p:tgtEl>
+                    <p:sldTgt/>
+                  </p:tgtEl>
+                </p:cond>
+              </p:prevCondLst>
+              <p:nextCondLst>
+                <p:cond evt="onNext" delay="0">
+                  <p:tgtEl>
+                    <p:sldTgt/>
+                  </p:tgtEl>
+                </p:cond>
+              </p:nextCondLst>
+            </p:seq>
+          </p:childTnLst>
+        </p:cTn>
+      </p:par>
+    </p:tnLst>
+  </p:timing>
+</p:sld>
+</file>
+
+<file path=ppt/slides/slide13.xml><?xml version="1.0" encoding="utf-8"?>
+<p:sld xmlns:a="http://schemas.openxmlformats.org/drawingml/2006/main" xmlns:r="http://schemas.openxmlformats.org/officeDocument/2006/relationships" xmlns:p="http://schemas.openxmlformats.org/presentationml/2006/main">
+  <p:cSld>
+    <p:spTree>
+      <p:nvGrpSpPr>
+        <p:cNvPr id="1" name=""/>
+        <p:cNvGrpSpPr/>
+        <p:nvPr/>
+      </p:nvGrpSpPr>
+      <p:grpSpPr>
+        <a:xfrm>
+          <a:off x="0" y="0"/>
+          <a:ext cx="0" cy="0"/>
+          <a:chOff x="0" y="0"/>
+          <a:chExt cx="0" cy="0"/>
+        </a:xfrm>
+      </p:grpSpPr>
+      <p:sp>
+        <p:nvSpPr>
           <p:cNvPr id="3" name="コンテンツ プレースホルダー 2">
             <a:extLst>
               <a:ext uri="{FF2B5EF4-FFF2-40B4-BE49-F238E27FC236}">
@@ -10486,7 +12565,7 @@
             <a:fld id="{6F705D35-D126-3B47-A82C-2A13EA9E0A67}" type="slidenum">
               <a:rPr lang="en-US" smtClean="0"/>
               <a:pPr/>
-              <a:t>12</a:t>
+              <a:t>13</a:t>
             </a:fld>
             <a:endParaRPr lang="en-US" dirty="0"/>
           </a:p>
@@ -10517,7 +12596,7 @@
 </p:sld>
 </file>
 
-<file path=ppt/slides/slide13.xml><?xml version="1.0" encoding="utf-8"?>
+<file path=ppt/slides/slide14.xml><?xml version="1.0" encoding="utf-8"?>
 <p:sld xmlns:a="http://schemas.openxmlformats.org/drawingml/2006/main" xmlns:r="http://schemas.openxmlformats.org/officeDocument/2006/relationships" xmlns:p="http://schemas.openxmlformats.org/presentationml/2006/main">
   <p:cSld>
     <p:spTree>
@@ -10878,7 +12957,7 @@
             <a:fld id="{6F705D35-D126-3B47-A82C-2A13EA9E0A67}" type="slidenum">
               <a:rPr lang="en-US" smtClean="0"/>
               <a:pPr/>
-              <a:t>13</a:t>
+              <a:t>14</a:t>
             </a:fld>
             <a:endParaRPr lang="en-US" dirty="0"/>
           </a:p>
@@ -10909,7 +12988,7 @@
 </p:sld>
 </file>
 
-<file path=ppt/slides/slide14.xml><?xml version="1.0" encoding="utf-8"?>
+<file path=ppt/slides/slide15.xml><?xml version="1.0" encoding="utf-8"?>
 <p:sld xmlns:a="http://schemas.openxmlformats.org/drawingml/2006/main" xmlns:r="http://schemas.openxmlformats.org/officeDocument/2006/relationships" xmlns:p="http://schemas.openxmlformats.org/presentationml/2006/main">
   <p:cSld>
     <p:spTree>
@@ -11270,7 +13349,7 @@
             <a:fld id="{6F705D35-D126-3B47-A82C-2A13EA9E0A67}" type="slidenum">
               <a:rPr lang="en-US" smtClean="0"/>
               <a:pPr/>
-              <a:t>14</a:t>
+              <a:t>15</a:t>
             </a:fld>
             <a:endParaRPr lang="en-US" dirty="0"/>
           </a:p>
@@ -11301,7 +13380,7 @@
 </p:sld>
 </file>
 
-<file path=ppt/slides/slide15.xml><?xml version="1.0" encoding="utf-8"?>
+<file path=ppt/slides/slide16.xml><?xml version="1.0" encoding="utf-8"?>
 <p:sld xmlns:a="http://schemas.openxmlformats.org/drawingml/2006/main" xmlns:r="http://schemas.openxmlformats.org/officeDocument/2006/relationships" xmlns:p="http://schemas.openxmlformats.org/presentationml/2006/main">
   <p:cSld>
     <p:spTree>
@@ -12211,7 +14290,7 @@
             <a:fld id="{6F705D35-D126-3B47-A82C-2A13EA9E0A67}" type="slidenum">
               <a:rPr lang="en-US" smtClean="0"/>
               <a:pPr/>
-              <a:t>15</a:t>
+              <a:t>16</a:t>
             </a:fld>
             <a:endParaRPr lang="en-US" dirty="0"/>
           </a:p>
@@ -12541,7 +14620,7 @@
 </p:sld>
 </file>
 
-<file path=ppt/slides/slide16.xml><?xml version="1.0" encoding="utf-8"?>
+<file path=ppt/slides/slide17.xml><?xml version="1.0" encoding="utf-8"?>
 <p:sld xmlns:a="http://schemas.openxmlformats.org/drawingml/2006/main" xmlns:r="http://schemas.openxmlformats.org/officeDocument/2006/relationships" xmlns:p="http://schemas.openxmlformats.org/presentationml/2006/main">
   <p:cSld>
     <p:spTree>
@@ -12902,7 +14981,7 @@
             <a:fld id="{6F705D35-D126-3B47-A82C-2A13EA9E0A67}" type="slidenum">
               <a:rPr lang="en-US" smtClean="0"/>
               <a:pPr/>
-              <a:t>16</a:t>
+              <a:t>17</a:t>
             </a:fld>
             <a:endParaRPr lang="en-US" dirty="0"/>
           </a:p>
@@ -12933,7 +15012,7 @@
 </p:sld>
 </file>
 
-<file path=ppt/slides/slide17.xml><?xml version="1.0" encoding="utf-8"?>
+<file path=ppt/slides/slide18.xml><?xml version="1.0" encoding="utf-8"?>
 <p:sld xmlns:a="http://schemas.openxmlformats.org/drawingml/2006/main" xmlns:r="http://schemas.openxmlformats.org/officeDocument/2006/relationships" xmlns:p="http://schemas.openxmlformats.org/presentationml/2006/main">
   <p:cSld>
     <p:spTree>
@@ -13234,7 +15313,7 @@
             <a:fld id="{6F705D35-D126-3B47-A82C-2A13EA9E0A67}" type="slidenum">
               <a:rPr lang="en-US" smtClean="0"/>
               <a:pPr/>
-              <a:t>17</a:t>
+              <a:t>18</a:t>
             </a:fld>
             <a:endParaRPr lang="en-US" dirty="0"/>
           </a:p>
@@ -13265,7 +15344,7 @@
 </p:sld>
 </file>
 
-<file path=ppt/slides/slide18.xml><?xml version="1.0" encoding="utf-8"?>
+<file path=ppt/slides/slide19.xml><?xml version="1.0" encoding="utf-8"?>
 <p:sld xmlns:a="http://schemas.openxmlformats.org/drawingml/2006/main" xmlns:r="http://schemas.openxmlformats.org/officeDocument/2006/relationships" xmlns:p="http://schemas.openxmlformats.org/presentationml/2006/main">
   <p:cSld>
     <p:spTree>
@@ -13927,7 +16006,7 @@
             </a:pPr>
             <a:r>
               <a:rPr kumimoji="1" lang="ja-JP" altLang="en-US" sz="2000" dirty="0"/>
-              <a:t>・プログラミング面で、あまりチームの役に立てなかったことが</a:t>
+              <a:t>・ プログラミング面で、あまりチームの役に立てなかったことが</a:t>
             </a:r>
             <a:r>
               <a:rPr kumimoji="1" lang="ja-JP" altLang="en-US" sz="2000" b="1" dirty="0"/>
@@ -13943,7 +16022,7 @@
             </a:pPr>
             <a:r>
               <a:rPr kumimoji="1" lang="ja-JP" altLang="en-US" sz="2000" dirty="0"/>
-              <a:t>・提供するものはあくまでシステム。コミュニケーションだけできても意味がない。</a:t>
+              <a:t>　 提供するものはあくまでシステム。コミュニケーションだけできても意味がない。</a:t>
             </a:r>
             <a:endParaRPr kumimoji="1" lang="en-US" altLang="ja-JP" sz="2000" dirty="0"/>
           </a:p>
@@ -13954,8 +16033,12 @@
               </a:lnSpc>
             </a:pPr>
             <a:r>
+              <a:rPr kumimoji="1" lang="en-US" altLang="ja-JP" sz="2000" dirty="0"/>
+              <a:t>	</a:t>
+            </a:r>
+            <a:r>
               <a:rPr kumimoji="1" lang="ja-JP" altLang="en-US" sz="2000" dirty="0"/>
-              <a:t>　→ 　この</a:t>
+              <a:t>→ この</a:t>
             </a:r>
             <a:r>
               <a:rPr kumimoji="1" lang="en-US" altLang="ja-JP" sz="2000" dirty="0"/>
@@ -13987,7 +16070,7 @@
             </a:r>
             <a:r>
               <a:rPr kumimoji="1" lang="ja-JP" altLang="en-US" sz="2000" dirty="0"/>
-              <a:t>今後はもっと技術・知識の吸収に集中し、</a:t>
+              <a:t>　　今後はもっと技術・知識の吸収に集中し、</a:t>
             </a:r>
             <a:r>
               <a:rPr kumimoji="1" lang="en-US" altLang="ja-JP" sz="2000" dirty="0"/>
@@ -14033,7 +16116,7 @@
             <a:fld id="{6F705D35-D126-3B47-A82C-2A13EA9E0A67}" type="slidenum">
               <a:rPr lang="en-US" smtClean="0"/>
               <a:pPr/>
-              <a:t>18</a:t>
+              <a:t>19</a:t>
             </a:fld>
             <a:endParaRPr lang="en-US" dirty="0"/>
           </a:p>
@@ -14053,13 +16136,20 @@
         </p:nvSpPr>
         <p:spPr>
           <a:xfrm rot="835554">
-            <a:off x="6877907" y="443494"/>
-            <a:ext cx="5278007" cy="1754326"/>
+            <a:off x="5552941" y="797731"/>
+            <a:ext cx="6662557" cy="923330"/>
           </a:xfrm>
           <a:prstGeom prst="rect">
             <a:avLst/>
           </a:prstGeom>
           <a:noFill/>
+          <a:ln w="38100">
+            <a:solidFill>
+              <a:schemeClr val="accent1">
+                <a:lumMod val="75000"/>
+              </a:schemeClr>
+            </a:solidFill>
+          </a:ln>
         </p:spPr>
         <p:txBody>
           <a:bodyPr wrap="square" rtlCol="0">
@@ -14085,6 +16175,69 @@
                 <a:schemeClr val="accent1">
                   <a:lumMod val="75000"/>
                 </a:schemeClr>
+              </a:solidFill>
+            </a:endParaRPr>
+          </a:p>
+        </p:txBody>
+      </p:sp>
+      <p:sp>
+        <p:nvSpPr>
+          <p:cNvPr id="17" name="タイトル 1">
+            <a:extLst>
+              <a:ext uri="{FF2B5EF4-FFF2-40B4-BE49-F238E27FC236}">
+                <a16:creationId xmlns:a16="http://schemas.microsoft.com/office/drawing/2014/main" id="{1033CE35-B249-4904-BBAB-BCCE75A20F0B}"/>
+              </a:ext>
+            </a:extLst>
+          </p:cNvPr>
+          <p:cNvSpPr txBox="1">
+            <a:spLocks/>
+          </p:cNvSpPr>
+          <p:nvPr/>
+        </p:nvSpPr>
+        <p:spPr>
+          <a:xfrm>
+            <a:off x="931440" y="6025307"/>
+            <a:ext cx="477039" cy="583800"/>
+          </a:xfrm>
+          <a:prstGeom prst="rect">
+            <a:avLst/>
+          </a:prstGeom>
+        </p:spPr>
+        <p:txBody>
+          <a:bodyPr vert="horz" lIns="91440" tIns="45720" rIns="91440" bIns="45720" rtlCol="0" anchor="ctr">
+            <a:noAutofit/>
+          </a:bodyPr>
+          <a:lstStyle>
+            <a:lvl1pPr algn="l" defTabSz="914400" rtl="0" eaLnBrk="1" latinLnBrk="0" hangingPunct="1">
+              <a:lnSpc>
+                <a:spcPct val="90000"/>
+              </a:lnSpc>
+              <a:spcBef>
+                <a:spcPct val="0"/>
+              </a:spcBef>
+              <a:buNone/>
+              <a:defRPr kumimoji="1" sz="2400" b="1" i="0" kern="1200" spc="150" baseline="0">
+                <a:solidFill>
+                  <a:schemeClr val="tx1"/>
+                </a:solidFill>
+                <a:latin typeface="+mj-lt"/>
+                <a:ea typeface="Meiryo UI" panose="020B0604030504040204" pitchFamily="34" charset="-128"/>
+                <a:cs typeface="+mj-cs"/>
+              </a:defRPr>
+            </a:lvl1pPr>
+          </a:lstStyle>
+          <a:p>
+            <a:r>
+              <a:rPr lang="en-US" altLang="ja-JP" sz="2000" b="0" dirty="0">
+                <a:solidFill>
+                  <a:srgbClr val="FFFFFF"/>
+                </a:solidFill>
+              </a:rPr>
+              <a:t>M</a:t>
+            </a:r>
+            <a:endParaRPr lang="ja" sz="2000" b="0" dirty="0">
+              <a:solidFill>
+                <a:srgbClr val="FFFFFF"/>
               </a:solidFill>
             </a:endParaRPr>
           </a:p>
@@ -14441,13 +16594,285 @@
       </p:par>
     </p:tnLst>
     <p:bldLst>
-      <p:bldP spid="16" grpId="0"/>
+      <p:bldP spid="16" grpId="0" animBg="1"/>
     </p:bldLst>
   </p:timing>
 </p:sld>
 </file>
 
-<file path=ppt/slides/slide19.xml><?xml version="1.0" encoding="utf-8"?>
+<file path=ppt/slides/slide2.xml><?xml version="1.0" encoding="utf-8"?>
+<p:sld xmlns:a="http://schemas.openxmlformats.org/drawingml/2006/main" xmlns:r="http://schemas.openxmlformats.org/officeDocument/2006/relationships" xmlns:p="http://schemas.openxmlformats.org/presentationml/2006/main">
+  <p:cSld>
+    <p:spTree>
+      <p:nvGrpSpPr>
+        <p:cNvPr id="1" name=""/>
+        <p:cNvGrpSpPr/>
+        <p:nvPr/>
+      </p:nvGrpSpPr>
+      <p:grpSpPr>
+        <a:xfrm>
+          <a:off x="0" y="0"/>
+          <a:ext cx="0" cy="0"/>
+          <a:chOff x="0" y="0"/>
+          <a:chExt cx="0" cy="0"/>
+        </a:xfrm>
+      </p:grpSpPr>
+      <p:sp>
+        <p:nvSpPr>
+          <p:cNvPr id="3" name="コンテンツ プレースホルダー 2">
+            <a:extLst>
+              <a:ext uri="{FF2B5EF4-FFF2-40B4-BE49-F238E27FC236}">
+                <a16:creationId xmlns:a16="http://schemas.microsoft.com/office/drawing/2014/main" id="{7D3A1EDC-CF41-4438-BB57-18569B953129}"/>
+              </a:ext>
+            </a:extLst>
+          </p:cNvPr>
+          <p:cNvSpPr>
+            <a:spLocks noGrp="1"/>
+          </p:cNvSpPr>
+          <p:nvPr>
+            <p:ph idx="4294967295"/>
+          </p:nvPr>
+        </p:nvSpPr>
+        <p:spPr>
+          <a:xfrm>
+            <a:off x="3740512" y="1165301"/>
+            <a:ext cx="5441802" cy="5484881"/>
+          </a:xfrm>
+        </p:spPr>
+        <p:txBody>
+          <a:bodyPr rtlCol="0" anchor="ctr" anchorCtr="0">
+            <a:normAutofit/>
+          </a:bodyPr>
+          <a:lstStyle/>
+          <a:p>
+            <a:pPr marL="0" indent="0">
+              <a:buNone/>
+            </a:pPr>
+            <a:r>
+              <a:rPr lang="ja-JP" altLang="en-US" sz="4000" dirty="0">
+                <a:solidFill>
+                  <a:schemeClr val="accent1">
+                    <a:lumMod val="75000"/>
+                  </a:schemeClr>
+                </a:solidFill>
+              </a:rPr>
+              <a:t>❶</a:t>
+            </a:r>
+            <a:r>
+              <a:rPr lang="ja-JP" altLang="en-US" sz="4000" dirty="0"/>
+              <a:t> チーム紹介</a:t>
+            </a:r>
+            <a:endParaRPr lang="en-US" altLang="ja-JP" sz="4000" dirty="0"/>
+          </a:p>
+          <a:p>
+            <a:pPr marL="0" indent="0">
+              <a:buNone/>
+            </a:pPr>
+            <a:r>
+              <a:rPr lang="ja-JP" altLang="en-US" sz="4000" dirty="0">
+                <a:solidFill>
+                  <a:schemeClr val="accent1">
+                    <a:lumMod val="75000"/>
+                  </a:schemeClr>
+                </a:solidFill>
+              </a:rPr>
+              <a:t>❷</a:t>
+            </a:r>
+            <a:r>
+              <a:rPr lang="ja-JP" altLang="en-US" sz="4000" dirty="0"/>
+              <a:t> システムについて</a:t>
+            </a:r>
+            <a:endParaRPr lang="en-US" altLang="ja-JP" sz="4000" dirty="0"/>
+          </a:p>
+          <a:p>
+            <a:pPr marL="0" indent="0">
+              <a:buNone/>
+            </a:pPr>
+            <a:r>
+              <a:rPr lang="ja-JP" altLang="en-US" sz="4000" dirty="0">
+                <a:solidFill>
+                  <a:schemeClr val="accent1">
+                    <a:lumMod val="75000"/>
+                  </a:schemeClr>
+                </a:solidFill>
+              </a:rPr>
+              <a:t>❸</a:t>
+            </a:r>
+            <a:r>
+              <a:rPr lang="ja-JP" altLang="en-US" sz="4000" dirty="0"/>
+              <a:t> デモンストレーション</a:t>
+            </a:r>
+            <a:endParaRPr lang="en-US" altLang="ja-JP" sz="4000" dirty="0"/>
+          </a:p>
+          <a:p>
+            <a:pPr marL="0" indent="0">
+              <a:buNone/>
+            </a:pPr>
+            <a:r>
+              <a:rPr lang="ja-JP" altLang="en-US" sz="4000" dirty="0">
+                <a:solidFill>
+                  <a:schemeClr val="accent6">
+                    <a:lumMod val="50000"/>
+                  </a:schemeClr>
+                </a:solidFill>
+              </a:rPr>
+              <a:t>❹</a:t>
+            </a:r>
+            <a:r>
+              <a:rPr lang="ja-JP" altLang="en-US" sz="4000" dirty="0"/>
+              <a:t> チームの振り返り</a:t>
+            </a:r>
+            <a:endParaRPr lang="en-US" altLang="ja-JP" sz="4000" dirty="0"/>
+          </a:p>
+          <a:p>
+            <a:pPr marL="0" indent="0">
+              <a:buNone/>
+            </a:pPr>
+            <a:r>
+              <a:rPr lang="ja-JP" altLang="en-US" sz="4000" dirty="0">
+                <a:solidFill>
+                  <a:schemeClr val="accent6">
+                    <a:lumMod val="50000"/>
+                  </a:schemeClr>
+                </a:solidFill>
+              </a:rPr>
+              <a:t>❺</a:t>
+            </a:r>
+            <a:r>
+              <a:rPr lang="ja-JP" altLang="en-US" sz="4000" dirty="0"/>
+              <a:t> 個人振り返り</a:t>
+            </a:r>
+            <a:endParaRPr lang="en-US" altLang="ja-JP" sz="4000" dirty="0"/>
+          </a:p>
+        </p:txBody>
+      </p:sp>
+      <p:sp>
+        <p:nvSpPr>
+          <p:cNvPr id="26" name="タイトル 1">
+            <a:extLst>
+              <a:ext uri="{FF2B5EF4-FFF2-40B4-BE49-F238E27FC236}">
+                <a16:creationId xmlns:a16="http://schemas.microsoft.com/office/drawing/2014/main" id="{29D3365D-FB6D-46ED-B877-CD86DFF19C67}"/>
+              </a:ext>
+            </a:extLst>
+          </p:cNvPr>
+          <p:cNvSpPr>
+            <a:spLocks noGrp="1"/>
+          </p:cNvSpPr>
+          <p:nvPr>
+            <p:ph type="title"/>
+          </p:nvPr>
+        </p:nvSpPr>
+        <p:spPr>
+          <a:xfrm>
+            <a:off x="1378975" y="483440"/>
+            <a:ext cx="10164876" cy="583800"/>
+          </a:xfrm>
+        </p:spPr>
+        <p:txBody>
+          <a:bodyPr rtlCol="0"/>
+          <a:lstStyle/>
+          <a:p>
+            <a:pPr rtl="0"/>
+            <a:r>
+              <a:rPr lang="ja-JP" altLang="en-US" sz="3200" b="0" dirty="0"/>
+              <a:t>発表の流れ</a:t>
+            </a:r>
+            <a:endParaRPr lang="ja" sz="3200" b="0" dirty="0"/>
+          </a:p>
+        </p:txBody>
+      </p:sp>
+      <p:pic>
+        <p:nvPicPr>
+          <p:cNvPr id="27" name="グラフィックス 26" descr="地球: 南北アメリカ 単色塗りつぶし">
+            <a:extLst>
+              <a:ext uri="{FF2B5EF4-FFF2-40B4-BE49-F238E27FC236}">
+                <a16:creationId xmlns:a16="http://schemas.microsoft.com/office/drawing/2014/main" id="{4E684FB7-09AF-488F-A500-952652F32C3B}"/>
+              </a:ext>
+            </a:extLst>
+          </p:cNvPr>
+          <p:cNvPicPr>
+            <a:picLocks noChangeAspect="1"/>
+          </p:cNvPicPr>
+          <p:nvPr/>
+        </p:nvPicPr>
+        <p:blipFill>
+          <a:blip r:embed="rId3">
+            <a:extLst>
+              <a:ext uri="{96DAC541-7B7A-43D3-8B79-37D633B846F1}">
+                <asvg:svgBlip xmlns:asvg="http://schemas.microsoft.com/office/drawing/2016/SVG/main" r:embed="rId4"/>
+              </a:ext>
+            </a:extLst>
+          </a:blip>
+          <a:stretch>
+            <a:fillRect/>
+          </a:stretch>
+        </p:blipFill>
+        <p:spPr>
+          <a:xfrm>
+            <a:off x="599052" y="385379"/>
+            <a:ext cx="779922" cy="779922"/>
+          </a:xfrm>
+          <a:prstGeom prst="rect">
+            <a:avLst/>
+          </a:prstGeom>
+        </p:spPr>
+      </p:pic>
+      <p:sp>
+        <p:nvSpPr>
+          <p:cNvPr id="2" name="スライド番号プレースホルダー 1">
+            <a:extLst>
+              <a:ext uri="{FF2B5EF4-FFF2-40B4-BE49-F238E27FC236}">
+                <a16:creationId xmlns:a16="http://schemas.microsoft.com/office/drawing/2014/main" id="{78496E80-9A84-412C-ADAD-243C13DDA2D1}"/>
+              </a:ext>
+            </a:extLst>
+          </p:cNvPr>
+          <p:cNvSpPr>
+            <a:spLocks noGrp="1"/>
+          </p:cNvSpPr>
+          <p:nvPr>
+            <p:ph type="sldNum" sz="quarter" idx="12"/>
+          </p:nvPr>
+        </p:nvSpPr>
+        <p:spPr/>
+        <p:txBody>
+          <a:bodyPr/>
+          <a:lstStyle/>
+          <a:p>
+            <a:fld id="{6F705D35-D126-3B47-A82C-2A13EA9E0A67}" type="slidenum">
+              <a:rPr lang="en-US" smtClean="0"/>
+              <a:pPr/>
+              <a:t>2</a:t>
+            </a:fld>
+            <a:endParaRPr lang="en-US" dirty="0"/>
+          </a:p>
+        </p:txBody>
+      </p:sp>
+    </p:spTree>
+    <p:extLst>
+      <p:ext uri="{BB962C8B-B14F-4D97-AF65-F5344CB8AC3E}">
+        <p14:creationId xmlns:p14="http://schemas.microsoft.com/office/powerpoint/2010/main" val="2815231480"/>
+      </p:ext>
+    </p:extLst>
+  </p:cSld>
+  <p:clrMapOvr>
+    <a:masterClrMapping/>
+  </p:clrMapOvr>
+  <mc:AlternateContent xmlns:mc="http://schemas.openxmlformats.org/markup-compatibility/2006" xmlns:p14="http://schemas.microsoft.com/office/powerpoint/2010/main">
+    <mc:Choice Requires="p14">
+      <p:transition spd="med" p14:dur="700">
+        <p:fade/>
+      </p:transition>
+    </mc:Choice>
+    <mc:Fallback xmlns="">
+      <p:transition spd="med">
+        <p:fade/>
+      </p:transition>
+    </mc:Fallback>
+  </mc:AlternateContent>
+</p:sld>
+</file>
+
+<file path=ppt/slides/slide20.xml><?xml version="1.0" encoding="utf-8"?>
 <p:sld xmlns:a="http://schemas.openxmlformats.org/drawingml/2006/main" xmlns:r="http://schemas.openxmlformats.org/officeDocument/2006/relationships" xmlns:p="http://schemas.openxmlformats.org/presentationml/2006/main">
   <p:cSld>
     <p:spTree>
@@ -15255,7 +17680,7 @@
         <p:spPr>
           <a:xfrm>
             <a:off x="726922" y="2865422"/>
-            <a:ext cx="10678885" cy="2230867"/>
+            <a:ext cx="10678885" cy="2059153"/>
           </a:xfrm>
           <a:prstGeom prst="rect">
             <a:avLst/>
@@ -15300,7 +17725,7 @@
                 <a:ea typeface="+mn-ea"/>
                 <a:cs typeface="+mn-cs"/>
               </a:rPr>
-              <a:t>・指示出しと決定事項は明確に！</a:t>
+              <a:t>・ 指示出しと決定事項は明確に！</a:t>
             </a:r>
             <a:endParaRPr kumimoji="1" lang="en-US" altLang="ja-JP" sz="2400" b="0" i="0" u="none" strike="noStrike" kern="1200" cap="none" spc="0" normalizeH="0" baseline="0" noProof="0" dirty="0">
               <a:ln>
@@ -15336,7 +17761,7 @@
               <a:defRPr/>
             </a:pPr>
             <a:r>
-              <a:rPr kumimoji="1" lang="en-US" altLang="ja-JP" sz="2400" b="0" i="0" u="none" strike="noStrike" kern="1200" cap="none" spc="0" normalizeH="0" baseline="0" noProof="0" dirty="0">
+              <a:rPr kumimoji="1" lang="en-US" altLang="ja-JP" sz="2000" b="0" i="0" u="none" strike="noStrike" kern="1200" cap="none" spc="0" normalizeH="0" baseline="0" noProof="0" dirty="0">
                 <a:ln>
                   <a:noFill/>
                 </a:ln>
@@ -15351,6 +17776,15 @@
                 <a:cs typeface="+mn-cs"/>
               </a:rPr>
               <a:t>	</a:t>
+            </a:r>
+            <a:r>
+              <a:rPr kumimoji="1" lang="ja-JP" altLang="en-US" sz="2000" dirty="0">
+                <a:solidFill>
+                  <a:srgbClr val="231B23"/>
+                </a:solidFill>
+                <a:latin typeface="Meiryo UI"/>
+              </a:rPr>
+              <a:t>→ </a:t>
             </a:r>
             <a:r>
               <a:rPr kumimoji="1" lang="ja-JP" altLang="en-US" sz="2000" b="0" i="0" u="none" strike="noStrike" kern="1200" cap="none" spc="0" normalizeH="0" baseline="0" noProof="0" dirty="0">
@@ -15417,7 +17851,7 @@
                 <a:ea typeface="+mn-ea"/>
                 <a:cs typeface="+mn-cs"/>
               </a:rPr>
-              <a:t>・誰も無茶しないスケジュール管理</a:t>
+              <a:t>・ 誰も無茶しないスケジュール管理</a:t>
             </a:r>
             <a:endParaRPr kumimoji="1" lang="en-US" altLang="ja-JP" sz="2400" b="0" i="0" u="none" strike="noStrike" kern="1200" cap="none" spc="0" normalizeH="0" baseline="0" noProof="0" dirty="0">
               <a:ln>
@@ -15484,7 +17918,7 @@
                 <a:ea typeface="+mn-ea"/>
                 <a:cs typeface="+mn-cs"/>
               </a:rPr>
-              <a:t>間に合わないと思ったらすぐに手を打つ</a:t>
+              <a:t>→ 間に合わないと思ったらすぐに手を打つ</a:t>
             </a:r>
             <a:endParaRPr kumimoji="1" lang="en-US" altLang="ja-JP" sz="2000" b="0" i="0" u="none" strike="noStrike" kern="1200" cap="none" spc="0" normalizeH="0" baseline="0" noProof="0" dirty="0">
               <a:ln>
@@ -15738,7 +18172,7 @@
             <a:fld id="{6F705D35-D126-3B47-A82C-2A13EA9E0A67}" type="slidenum">
               <a:rPr lang="en-US" smtClean="0"/>
               <a:pPr/>
-              <a:t>19</a:t>
+              <a:t>20</a:t>
             </a:fld>
             <a:endParaRPr lang="en-US" dirty="0"/>
           </a:p>
@@ -15758,13 +18192,20 @@
         </p:nvSpPr>
         <p:spPr>
           <a:xfrm rot="835554">
-            <a:off x="5804377" y="610778"/>
+            <a:off x="5570667" y="1362249"/>
             <a:ext cx="6370132" cy="923330"/>
           </a:xfrm>
           <a:prstGeom prst="rect">
             <a:avLst/>
           </a:prstGeom>
           <a:noFill/>
+          <a:ln w="38100">
+            <a:solidFill>
+              <a:schemeClr val="accent1">
+                <a:lumMod val="75000"/>
+              </a:schemeClr>
+            </a:solidFill>
+          </a:ln>
         </p:spPr>
         <p:txBody>
           <a:bodyPr wrap="square" rtlCol="0">
@@ -15785,6 +18226,69 @@
               </a:rPr>
               <a:t>一生ついていきます</a:t>
             </a:r>
+          </a:p>
+        </p:txBody>
+      </p:sp>
+      <p:sp>
+        <p:nvSpPr>
+          <p:cNvPr id="17" name="タイトル 1">
+            <a:extLst>
+              <a:ext uri="{FF2B5EF4-FFF2-40B4-BE49-F238E27FC236}">
+                <a16:creationId xmlns:a16="http://schemas.microsoft.com/office/drawing/2014/main" id="{381AB51C-2D6E-4524-B5DA-E3B46469DB7B}"/>
+              </a:ext>
+            </a:extLst>
+          </p:cNvPr>
+          <p:cNvSpPr txBox="1">
+            <a:spLocks/>
+          </p:cNvSpPr>
+          <p:nvPr/>
+        </p:nvSpPr>
+        <p:spPr>
+          <a:xfrm>
+            <a:off x="962025" y="6025307"/>
+            <a:ext cx="446454" cy="583800"/>
+          </a:xfrm>
+          <a:prstGeom prst="rect">
+            <a:avLst/>
+          </a:prstGeom>
+        </p:spPr>
+        <p:txBody>
+          <a:bodyPr vert="horz" lIns="91440" tIns="45720" rIns="91440" bIns="45720" rtlCol="0" anchor="ctr">
+            <a:noAutofit/>
+          </a:bodyPr>
+          <a:lstStyle>
+            <a:lvl1pPr algn="l" defTabSz="914400" rtl="0" eaLnBrk="1" latinLnBrk="0" hangingPunct="1">
+              <a:lnSpc>
+                <a:spcPct val="90000"/>
+              </a:lnSpc>
+              <a:spcBef>
+                <a:spcPct val="0"/>
+              </a:spcBef>
+              <a:buNone/>
+              <a:defRPr kumimoji="1" sz="2400" b="1" i="0" kern="1200" spc="150" baseline="0">
+                <a:solidFill>
+                  <a:schemeClr val="tx1"/>
+                </a:solidFill>
+                <a:latin typeface="+mj-lt"/>
+                <a:ea typeface="Meiryo UI" panose="020B0604030504040204" pitchFamily="34" charset="-128"/>
+                <a:cs typeface="+mj-cs"/>
+              </a:defRPr>
+            </a:lvl1pPr>
+          </a:lstStyle>
+          <a:p>
+            <a:r>
+              <a:rPr lang="en-US" altLang="ja" sz="2000" b="0" dirty="0">
+                <a:solidFill>
+                  <a:srgbClr val="FFFFFF"/>
+                </a:solidFill>
+              </a:rPr>
+              <a:t>F</a:t>
+            </a:r>
+            <a:endParaRPr lang="ja" sz="2000" b="0" dirty="0">
+              <a:solidFill>
+                <a:srgbClr val="FFFFFF"/>
+              </a:solidFill>
+            </a:endParaRPr>
           </a:p>
         </p:txBody>
       </p:sp>
@@ -16139,285 +18643,13 @@
       </p:par>
     </p:tnLst>
     <p:bldLst>
-      <p:bldP spid="16" grpId="0"/>
+      <p:bldP spid="16" grpId="0" animBg="1"/>
     </p:bldLst>
   </p:timing>
 </p:sld>
 </file>
 
-<file path=ppt/slides/slide2.xml><?xml version="1.0" encoding="utf-8"?>
-<p:sld xmlns:a="http://schemas.openxmlformats.org/drawingml/2006/main" xmlns:r="http://schemas.openxmlformats.org/officeDocument/2006/relationships" xmlns:p="http://schemas.openxmlformats.org/presentationml/2006/main">
-  <p:cSld>
-    <p:spTree>
-      <p:nvGrpSpPr>
-        <p:cNvPr id="1" name=""/>
-        <p:cNvGrpSpPr/>
-        <p:nvPr/>
-      </p:nvGrpSpPr>
-      <p:grpSpPr>
-        <a:xfrm>
-          <a:off x="0" y="0"/>
-          <a:ext cx="0" cy="0"/>
-          <a:chOff x="0" y="0"/>
-          <a:chExt cx="0" cy="0"/>
-        </a:xfrm>
-      </p:grpSpPr>
-      <p:sp>
-        <p:nvSpPr>
-          <p:cNvPr id="3" name="コンテンツ プレースホルダー 2">
-            <a:extLst>
-              <a:ext uri="{FF2B5EF4-FFF2-40B4-BE49-F238E27FC236}">
-                <a16:creationId xmlns:a16="http://schemas.microsoft.com/office/drawing/2014/main" id="{7D3A1EDC-CF41-4438-BB57-18569B953129}"/>
-              </a:ext>
-            </a:extLst>
-          </p:cNvPr>
-          <p:cNvSpPr>
-            <a:spLocks noGrp="1"/>
-          </p:cNvSpPr>
-          <p:nvPr>
-            <p:ph idx="4294967295"/>
-          </p:nvPr>
-        </p:nvSpPr>
-        <p:spPr>
-          <a:xfrm>
-            <a:off x="3740512" y="1165301"/>
-            <a:ext cx="5441802" cy="5484881"/>
-          </a:xfrm>
-        </p:spPr>
-        <p:txBody>
-          <a:bodyPr rtlCol="0" anchor="ctr" anchorCtr="0">
-            <a:normAutofit/>
-          </a:bodyPr>
-          <a:lstStyle/>
-          <a:p>
-            <a:pPr marL="0" indent="0">
-              <a:buNone/>
-            </a:pPr>
-            <a:r>
-              <a:rPr lang="ja-JP" altLang="en-US" sz="4000" dirty="0">
-                <a:solidFill>
-                  <a:schemeClr val="accent1">
-                    <a:lumMod val="75000"/>
-                  </a:schemeClr>
-                </a:solidFill>
-              </a:rPr>
-              <a:t>❶</a:t>
-            </a:r>
-            <a:r>
-              <a:rPr lang="ja-JP" altLang="en-US" sz="4000" dirty="0"/>
-              <a:t> チーム紹介</a:t>
-            </a:r>
-            <a:endParaRPr lang="en-US" altLang="ja-JP" sz="4000" dirty="0"/>
-          </a:p>
-          <a:p>
-            <a:pPr marL="0" indent="0">
-              <a:buNone/>
-            </a:pPr>
-            <a:r>
-              <a:rPr lang="ja-JP" altLang="en-US" sz="4000" dirty="0">
-                <a:solidFill>
-                  <a:schemeClr val="accent1">
-                    <a:lumMod val="75000"/>
-                  </a:schemeClr>
-                </a:solidFill>
-              </a:rPr>
-              <a:t>❷</a:t>
-            </a:r>
-            <a:r>
-              <a:rPr lang="ja-JP" altLang="en-US" sz="4000" dirty="0"/>
-              <a:t> システムについて</a:t>
-            </a:r>
-            <a:endParaRPr lang="en-US" altLang="ja-JP" sz="4000" dirty="0"/>
-          </a:p>
-          <a:p>
-            <a:pPr marL="0" indent="0">
-              <a:buNone/>
-            </a:pPr>
-            <a:r>
-              <a:rPr lang="ja-JP" altLang="en-US" sz="4000" dirty="0">
-                <a:solidFill>
-                  <a:schemeClr val="accent1">
-                    <a:lumMod val="75000"/>
-                  </a:schemeClr>
-                </a:solidFill>
-              </a:rPr>
-              <a:t>❸</a:t>
-            </a:r>
-            <a:r>
-              <a:rPr lang="ja-JP" altLang="en-US" sz="4000" dirty="0"/>
-              <a:t> デモンストレーション</a:t>
-            </a:r>
-            <a:endParaRPr lang="en-US" altLang="ja-JP" sz="4000" dirty="0"/>
-          </a:p>
-          <a:p>
-            <a:pPr marL="0" indent="0">
-              <a:buNone/>
-            </a:pPr>
-            <a:r>
-              <a:rPr lang="ja-JP" altLang="en-US" sz="4000" dirty="0">
-                <a:solidFill>
-                  <a:schemeClr val="accent6">
-                    <a:lumMod val="50000"/>
-                  </a:schemeClr>
-                </a:solidFill>
-              </a:rPr>
-              <a:t>❹</a:t>
-            </a:r>
-            <a:r>
-              <a:rPr lang="ja-JP" altLang="en-US" sz="4000" dirty="0"/>
-              <a:t> チームの振り返り</a:t>
-            </a:r>
-            <a:endParaRPr lang="en-US" altLang="ja-JP" sz="4000" dirty="0"/>
-          </a:p>
-          <a:p>
-            <a:pPr marL="0" indent="0">
-              <a:buNone/>
-            </a:pPr>
-            <a:r>
-              <a:rPr lang="ja-JP" altLang="en-US" sz="4000" dirty="0">
-                <a:solidFill>
-                  <a:schemeClr val="accent6">
-                    <a:lumMod val="50000"/>
-                  </a:schemeClr>
-                </a:solidFill>
-              </a:rPr>
-              <a:t>❺</a:t>
-            </a:r>
-            <a:r>
-              <a:rPr lang="ja-JP" altLang="en-US" sz="4000" dirty="0"/>
-              <a:t> 個人振り返り</a:t>
-            </a:r>
-            <a:endParaRPr lang="en-US" altLang="ja-JP" sz="4000" dirty="0"/>
-          </a:p>
-        </p:txBody>
-      </p:sp>
-      <p:sp>
-        <p:nvSpPr>
-          <p:cNvPr id="26" name="タイトル 1">
-            <a:extLst>
-              <a:ext uri="{FF2B5EF4-FFF2-40B4-BE49-F238E27FC236}">
-                <a16:creationId xmlns:a16="http://schemas.microsoft.com/office/drawing/2014/main" id="{29D3365D-FB6D-46ED-B877-CD86DFF19C67}"/>
-              </a:ext>
-            </a:extLst>
-          </p:cNvPr>
-          <p:cNvSpPr>
-            <a:spLocks noGrp="1"/>
-          </p:cNvSpPr>
-          <p:nvPr>
-            <p:ph type="title"/>
-          </p:nvPr>
-        </p:nvSpPr>
-        <p:spPr>
-          <a:xfrm>
-            <a:off x="1378975" y="483440"/>
-            <a:ext cx="10164876" cy="583800"/>
-          </a:xfrm>
-        </p:spPr>
-        <p:txBody>
-          <a:bodyPr rtlCol="0"/>
-          <a:lstStyle/>
-          <a:p>
-            <a:pPr rtl="0"/>
-            <a:r>
-              <a:rPr lang="ja-JP" altLang="en-US" sz="3200" b="0" dirty="0"/>
-              <a:t>発表の流れ</a:t>
-            </a:r>
-            <a:endParaRPr lang="ja" sz="3200" b="0" dirty="0"/>
-          </a:p>
-        </p:txBody>
-      </p:sp>
-      <p:pic>
-        <p:nvPicPr>
-          <p:cNvPr id="27" name="グラフィックス 26" descr="地球: 南北アメリカ 単色塗りつぶし">
-            <a:extLst>
-              <a:ext uri="{FF2B5EF4-FFF2-40B4-BE49-F238E27FC236}">
-                <a16:creationId xmlns:a16="http://schemas.microsoft.com/office/drawing/2014/main" id="{4E684FB7-09AF-488F-A500-952652F32C3B}"/>
-              </a:ext>
-            </a:extLst>
-          </p:cNvPr>
-          <p:cNvPicPr>
-            <a:picLocks noChangeAspect="1"/>
-          </p:cNvPicPr>
-          <p:nvPr/>
-        </p:nvPicPr>
-        <p:blipFill>
-          <a:blip r:embed="rId3">
-            <a:extLst>
-              <a:ext uri="{96DAC541-7B7A-43D3-8B79-37D633B846F1}">
-                <asvg:svgBlip xmlns:asvg="http://schemas.microsoft.com/office/drawing/2016/SVG/main" r:embed="rId4"/>
-              </a:ext>
-            </a:extLst>
-          </a:blip>
-          <a:stretch>
-            <a:fillRect/>
-          </a:stretch>
-        </p:blipFill>
-        <p:spPr>
-          <a:xfrm>
-            <a:off x="599052" y="385379"/>
-            <a:ext cx="779922" cy="779922"/>
-          </a:xfrm>
-          <a:prstGeom prst="rect">
-            <a:avLst/>
-          </a:prstGeom>
-        </p:spPr>
-      </p:pic>
-      <p:sp>
-        <p:nvSpPr>
-          <p:cNvPr id="2" name="スライド番号プレースホルダー 1">
-            <a:extLst>
-              <a:ext uri="{FF2B5EF4-FFF2-40B4-BE49-F238E27FC236}">
-                <a16:creationId xmlns:a16="http://schemas.microsoft.com/office/drawing/2014/main" id="{78496E80-9A84-412C-ADAD-243C13DDA2D1}"/>
-              </a:ext>
-            </a:extLst>
-          </p:cNvPr>
-          <p:cNvSpPr>
-            <a:spLocks noGrp="1"/>
-          </p:cNvSpPr>
-          <p:nvPr>
-            <p:ph type="sldNum" sz="quarter" idx="12"/>
-          </p:nvPr>
-        </p:nvSpPr>
-        <p:spPr/>
-        <p:txBody>
-          <a:bodyPr/>
-          <a:lstStyle/>
-          <a:p>
-            <a:fld id="{6F705D35-D126-3B47-A82C-2A13EA9E0A67}" type="slidenum">
-              <a:rPr lang="en-US" smtClean="0"/>
-              <a:pPr/>
-              <a:t>2</a:t>
-            </a:fld>
-            <a:endParaRPr lang="en-US" dirty="0"/>
-          </a:p>
-        </p:txBody>
-      </p:sp>
-    </p:spTree>
-    <p:extLst>
-      <p:ext uri="{BB962C8B-B14F-4D97-AF65-F5344CB8AC3E}">
-        <p14:creationId xmlns:p14="http://schemas.microsoft.com/office/powerpoint/2010/main" val="2815231480"/>
-      </p:ext>
-    </p:extLst>
-  </p:cSld>
-  <p:clrMapOvr>
-    <a:masterClrMapping/>
-  </p:clrMapOvr>
-  <mc:AlternateContent xmlns:mc="http://schemas.openxmlformats.org/markup-compatibility/2006" xmlns:p14="http://schemas.microsoft.com/office/powerpoint/2010/main">
-    <mc:Choice Requires="p14">
-      <p:transition spd="med" p14:dur="700">
-        <p:fade/>
-      </p:transition>
-    </mc:Choice>
-    <mc:Fallback xmlns="">
-      <p:transition spd="med">
-        <p:fade/>
-      </p:transition>
-    </mc:Fallback>
-  </mc:AlternateContent>
-</p:sld>
-</file>
-
-<file path=ppt/slides/slide20.xml><?xml version="1.0" encoding="utf-8"?>
+<file path=ppt/slides/slide21.xml><?xml version="1.0" encoding="utf-8"?>
 <p:sld xmlns:a="http://schemas.openxmlformats.org/drawingml/2006/main" xmlns:r="http://schemas.openxmlformats.org/officeDocument/2006/relationships" xmlns:p="http://schemas.openxmlformats.org/presentationml/2006/main">
   <p:cSld>
     <p:spTree>
@@ -17368,7 +19600,7 @@
         <p:spPr>
           <a:xfrm>
             <a:off x="725833" y="2933743"/>
-            <a:ext cx="10482098" cy="2230867"/>
+            <a:ext cx="10482098" cy="2059153"/>
           </a:xfrm>
           <a:prstGeom prst="rect">
             <a:avLst/>
@@ -17413,7 +19645,7 @@
                 <a:ea typeface="+mn-ea"/>
                 <a:cs typeface="+mn-cs"/>
               </a:rPr>
-              <a:t>・人に教えることは難しく、最も勉強になる</a:t>
+              <a:t>・ 人に教えることは難しく、最も勉強になる</a:t>
             </a:r>
             <a:endParaRPr kumimoji="1" lang="en-US" altLang="ja-JP" sz="2400" b="0" i="0" u="none" strike="noStrike" kern="1200" cap="none" spc="0" normalizeH="0" baseline="0" noProof="0" dirty="0">
               <a:ln>
@@ -17449,7 +19681,7 @@
               <a:defRPr/>
             </a:pPr>
             <a:r>
-              <a:rPr kumimoji="1" lang="ja-JP" altLang="en-US" sz="2400" b="0" i="0" u="none" strike="noStrike" kern="1200" cap="none" spc="0" normalizeH="0" baseline="0" noProof="0" dirty="0">
+              <a:rPr kumimoji="1" lang="en-US" altLang="ja-JP" sz="2000" b="0" i="0" u="none" strike="noStrike" kern="1200" cap="none" spc="0" normalizeH="0" baseline="0" noProof="0" dirty="0">
                 <a:ln>
                   <a:noFill/>
                 </a:ln>
@@ -17463,9 +19695,26 @@
                 <a:ea typeface="+mn-ea"/>
                 <a:cs typeface="+mn-cs"/>
               </a:rPr>
-              <a:t>→いつ聞かれても良い体勢を</a:t>
-            </a:r>
-            <a:endParaRPr kumimoji="1" lang="en-US" altLang="ja-JP" sz="2400" b="0" i="0" u="none" strike="noStrike" kern="1200" cap="none" spc="0" normalizeH="0" baseline="0" noProof="0" dirty="0">
+              <a:t>	</a:t>
+            </a:r>
+            <a:r>
+              <a:rPr kumimoji="1" lang="ja-JP" altLang="en-US" sz="2000" b="0" i="0" u="none" strike="noStrike" kern="1200" cap="none" spc="0" normalizeH="0" baseline="0" noProof="0" dirty="0">
+                <a:ln>
+                  <a:noFill/>
+                </a:ln>
+                <a:solidFill>
+                  <a:srgbClr val="231B23"/>
+                </a:solidFill>
+                <a:effectLst/>
+                <a:uLnTx/>
+                <a:uFillTx/>
+                <a:latin typeface="Meiryo UI"/>
+                <a:ea typeface="+mn-ea"/>
+                <a:cs typeface="+mn-cs"/>
+              </a:rPr>
+              <a:t>→ いつ聞かれても良い体勢を</a:t>
+            </a:r>
+            <a:endParaRPr kumimoji="1" lang="en-US" altLang="ja-JP" sz="2000" b="0" i="0" u="none" strike="noStrike" kern="1200" cap="none" spc="0" normalizeH="0" baseline="0" noProof="0" dirty="0">
               <a:ln>
                 <a:noFill/>
               </a:ln>
@@ -17513,7 +19762,7 @@
                 <a:ea typeface="+mn-ea"/>
                 <a:cs typeface="+mn-cs"/>
               </a:rPr>
-              <a:t>・メンバーのプログラム関連の成長を肌で感じた</a:t>
+              <a:t>・ メンバーのプログラム関連の成長を肌で感じた</a:t>
             </a:r>
             <a:endParaRPr kumimoji="1" lang="en-US" altLang="ja-JP" sz="2400" b="0" i="0" u="none" strike="noStrike" kern="1200" cap="none" spc="0" normalizeH="0" baseline="0" noProof="0" dirty="0">
               <a:ln>
@@ -17549,7 +19798,16 @@
               <a:defRPr/>
             </a:pPr>
             <a:r>
-              <a:rPr kumimoji="1" lang="ja-JP" altLang="en-US" sz="2400" b="0" i="0" u="none" strike="noStrike" kern="1200" cap="none" spc="0" normalizeH="0" baseline="0" noProof="0" dirty="0">
+              <a:rPr kumimoji="1" lang="en-US" altLang="ja-JP" sz="2000" dirty="0">
+                <a:solidFill>
+                  <a:srgbClr val="231B23"/>
+                </a:solidFill>
+                <a:latin typeface="Meiryo UI"/>
+              </a:rPr>
+              <a:t>	</a:t>
+            </a:r>
+            <a:r>
+              <a:rPr kumimoji="1" lang="ja-JP" altLang="en-US" sz="2000" b="0" i="0" u="none" strike="noStrike" kern="1200" cap="none" spc="0" normalizeH="0" baseline="0" noProof="0" dirty="0">
                 <a:ln>
                   <a:noFill/>
                 </a:ln>
@@ -17563,9 +19821,9 @@
                 <a:ea typeface="+mn-ea"/>
                 <a:cs typeface="+mn-cs"/>
               </a:rPr>
-              <a:t>→プログラミング技術だけでは市場価値は高まらないのでは</a:t>
-            </a:r>
-            <a:endParaRPr kumimoji="1" lang="en-US" altLang="ja-JP" sz="2400" b="0" i="0" u="none" strike="noStrike" kern="1200" cap="none" spc="0" normalizeH="0" baseline="0" noProof="0" dirty="0">
+              <a:t>→ プログラミング技術だけでは市場価値は高まらないのでは</a:t>
+            </a:r>
+            <a:endParaRPr kumimoji="1" lang="en-US" altLang="ja-JP" sz="2000" b="0" i="0" u="none" strike="noStrike" kern="1200" cap="none" spc="0" normalizeH="0" baseline="0" noProof="0" dirty="0">
               <a:ln>
                 <a:noFill/>
               </a:ln>
@@ -17606,7 +19864,7 @@
             <a:fld id="{6F705D35-D126-3B47-A82C-2A13EA9E0A67}" type="slidenum">
               <a:rPr lang="en-US" smtClean="0"/>
               <a:pPr/>
-              <a:t>20</a:t>
+              <a:t>21</a:t>
             </a:fld>
             <a:endParaRPr lang="en-US" dirty="0"/>
           </a:p>
@@ -17626,13 +19884,20 @@
         </p:nvSpPr>
         <p:spPr>
           <a:xfrm rot="835554">
-            <a:off x="6587584" y="383484"/>
+            <a:off x="6189582" y="1576454"/>
             <a:ext cx="5779299" cy="1754326"/>
           </a:xfrm>
           <a:prstGeom prst="rect">
             <a:avLst/>
           </a:prstGeom>
           <a:noFill/>
+          <a:ln w="38100">
+            <a:solidFill>
+              <a:schemeClr val="accent1">
+                <a:lumMod val="75000"/>
+              </a:schemeClr>
+            </a:solidFill>
+          </a:ln>
         </p:spPr>
         <p:txBody>
           <a:bodyPr wrap="square" rtlCol="0">
@@ -17677,6 +19942,69 @@
               </a:rPr>
               <a:t>ほとんど仏</a:t>
             </a:r>
+          </a:p>
+        </p:txBody>
+      </p:sp>
+      <p:sp>
+        <p:nvSpPr>
+          <p:cNvPr id="17" name="タイトル 1">
+            <a:extLst>
+              <a:ext uri="{FF2B5EF4-FFF2-40B4-BE49-F238E27FC236}">
+                <a16:creationId xmlns:a16="http://schemas.microsoft.com/office/drawing/2014/main" id="{093AAE71-8D26-43F8-9242-6B836C2C7314}"/>
+              </a:ext>
+            </a:extLst>
+          </p:cNvPr>
+          <p:cNvSpPr txBox="1">
+            <a:spLocks/>
+          </p:cNvSpPr>
+          <p:nvPr/>
+        </p:nvSpPr>
+        <p:spPr>
+          <a:xfrm>
+            <a:off x="958850" y="6025307"/>
+            <a:ext cx="449629" cy="583800"/>
+          </a:xfrm>
+          <a:prstGeom prst="rect">
+            <a:avLst/>
+          </a:prstGeom>
+        </p:spPr>
+        <p:txBody>
+          <a:bodyPr vert="horz" lIns="91440" tIns="45720" rIns="91440" bIns="45720" rtlCol="0" anchor="ctr">
+            <a:noAutofit/>
+          </a:bodyPr>
+          <a:lstStyle>
+            <a:lvl1pPr algn="l" defTabSz="914400" rtl="0" eaLnBrk="1" latinLnBrk="0" hangingPunct="1">
+              <a:lnSpc>
+                <a:spcPct val="90000"/>
+              </a:lnSpc>
+              <a:spcBef>
+                <a:spcPct val="0"/>
+              </a:spcBef>
+              <a:buNone/>
+              <a:defRPr kumimoji="1" sz="2400" b="1" i="0" kern="1200" spc="150" baseline="0">
+                <a:solidFill>
+                  <a:schemeClr val="tx1"/>
+                </a:solidFill>
+                <a:latin typeface="+mj-lt"/>
+                <a:ea typeface="Meiryo UI" panose="020B0604030504040204" pitchFamily="34" charset="-128"/>
+                <a:cs typeface="+mj-cs"/>
+              </a:defRPr>
+            </a:lvl1pPr>
+          </a:lstStyle>
+          <a:p>
+            <a:r>
+              <a:rPr lang="en-US" altLang="ja" sz="2000" b="0" dirty="0">
+                <a:solidFill>
+                  <a:srgbClr val="FFFFFF"/>
+                </a:solidFill>
+              </a:rPr>
+              <a:t>S</a:t>
+            </a:r>
+            <a:endParaRPr lang="ja" sz="2000" b="0" dirty="0">
+              <a:solidFill>
+                <a:srgbClr val="FFFFFF"/>
+              </a:solidFill>
+            </a:endParaRPr>
           </a:p>
         </p:txBody>
       </p:sp>
@@ -18031,13 +20359,13 @@
       </p:par>
     </p:tnLst>
     <p:bldLst>
-      <p:bldP spid="16" grpId="0"/>
+      <p:bldP spid="16" grpId="0" animBg="1"/>
     </p:bldLst>
   </p:timing>
 </p:sld>
 </file>
 
-<file path=ppt/slides/slide21.xml><?xml version="1.0" encoding="utf-8"?>
+<file path=ppt/slides/slide22.xml><?xml version="1.0" encoding="utf-8"?>
 <p:sld xmlns:a="http://schemas.openxmlformats.org/drawingml/2006/main" xmlns:r="http://schemas.openxmlformats.org/officeDocument/2006/relationships" xmlns:p="http://schemas.openxmlformats.org/presentationml/2006/main">
   <p:cSld>
     <p:spTree>
@@ -18455,7 +20783,7 @@
             <a:pPr rtl="0"/>
             <a:r>
               <a:rPr lang="ja-JP" altLang="en-US" sz="3200" b="0" dirty="0"/>
-              <a:t>水井健人 </a:t>
+              <a:t>水井 健人 </a:t>
             </a:r>
             <a:r>
               <a:rPr lang="en-US" altLang="ja-JP" b="0" dirty="0"/>
@@ -18682,7 +21010,7 @@
                 <a:ea typeface="+mn-ea"/>
                 <a:cs typeface="+mn-cs"/>
               </a:rPr>
-              <a:t>・会話してない人がいないように気を付ける！</a:t>
+              <a:t>・ 会話してない人がいないように気を付ける！</a:t>
             </a:r>
             <a:endParaRPr kumimoji="1" lang="en-US" altLang="ja-JP" sz="2400" b="0" i="0" u="none" strike="noStrike" kern="1200" cap="none" spc="0" normalizeH="0" baseline="0" noProof="0" dirty="0">
               <a:ln>
@@ -18732,7 +21060,7 @@
                 <a:ea typeface="+mn-ea"/>
                 <a:cs typeface="+mn-cs"/>
               </a:rPr>
-              <a:t>・</a:t>
+              <a:t>・ </a:t>
             </a:r>
             <a:r>
               <a:rPr kumimoji="1" lang="en-US" altLang="ja-JP" sz="2400" b="0" i="0" u="none" strike="noStrike" kern="1200" cap="none" spc="0" normalizeH="0" baseline="0" noProof="0" dirty="0">
@@ -19078,7 +21406,7 @@
             <a:fld id="{6F705D35-D126-3B47-A82C-2A13EA9E0A67}" type="slidenum">
               <a:rPr lang="en-US" smtClean="0"/>
               <a:pPr/>
-              <a:t>21</a:t>
+              <a:t>22</a:t>
             </a:fld>
             <a:endParaRPr lang="en-US" dirty="0"/>
           </a:p>
@@ -19098,13 +21426,20 @@
         </p:nvSpPr>
         <p:spPr>
           <a:xfrm rot="835554">
-            <a:off x="5665804" y="557171"/>
-            <a:ext cx="6527279" cy="1754326"/>
+            <a:off x="6881743" y="1777433"/>
+            <a:ext cx="4999676" cy="1754326"/>
           </a:xfrm>
           <a:prstGeom prst="rect">
             <a:avLst/>
           </a:prstGeom>
           <a:noFill/>
+          <a:ln w="38100">
+            <a:solidFill>
+              <a:schemeClr val="accent1">
+                <a:lumMod val="75000"/>
+              </a:schemeClr>
+            </a:solidFill>
+          </a:ln>
         </p:spPr>
         <p:txBody>
           <a:bodyPr wrap="square" rtlCol="0">
@@ -19123,12 +21458,9 @@
                 <a:latin typeface="HGS明朝B" panose="02020800000000000000" pitchFamily="18" charset="-128"/>
                 <a:ea typeface="HGS明朝B" panose="02020800000000000000" pitchFamily="18" charset="-128"/>
               </a:rPr>
-              <a:t>チームの影の立役者</a:t>
-            </a:r>
-          </a:p>
-          <a:p>
-            <a:pPr algn="ctr"/>
-            <a:endParaRPr kumimoji="1" lang="ja-JP" altLang="en-US" sz="5400" dirty="0">
+              <a:t>静かなる仕事人</a:t>
+            </a:r>
+            <a:endParaRPr kumimoji="1" lang="en-US" altLang="ja-JP" sz="5400" dirty="0">
               <a:solidFill>
                 <a:schemeClr val="accent1">
                   <a:lumMod val="75000"/>
@@ -19137,6 +21469,21 @@
               <a:latin typeface="HGS明朝B" panose="02020800000000000000" pitchFamily="18" charset="-128"/>
               <a:ea typeface="HGS明朝B" panose="02020800000000000000" pitchFamily="18" charset="-128"/>
             </a:endParaRPr>
+          </a:p>
+          <a:p>
+            <a:pPr algn="ctr"/>
+            <a:r>
+              <a:rPr kumimoji="1" lang="ja-JP" altLang="en-US" sz="5400" dirty="0">
+                <a:solidFill>
+                  <a:schemeClr val="accent1">
+                    <a:lumMod val="75000"/>
+                  </a:schemeClr>
+                </a:solidFill>
+                <a:latin typeface="HGS明朝B" panose="02020800000000000000" pitchFamily="18" charset="-128"/>
+                <a:ea typeface="HGS明朝B" panose="02020800000000000000" pitchFamily="18" charset="-128"/>
+              </a:rPr>
+              <a:t>影の立役者</a:t>
+            </a:r>
           </a:p>
         </p:txBody>
       </p:sp>
@@ -19200,7 +21547,7 @@
                 <a:ea typeface="+mn-ea"/>
                 <a:cs typeface="+mn-cs"/>
               </a:rPr>
-              <a:t>・リーダーが会話を振るのがうまかった。</a:t>
+              <a:t>・ リーダーが会話を振るのがうまかった。</a:t>
             </a:r>
             <a:endParaRPr kumimoji="1" lang="en-US" altLang="ja-JP" sz="2400" b="0" i="0" u="none" strike="noStrike" kern="1200" cap="none" spc="0" normalizeH="0" baseline="0" noProof="0" dirty="0">
               <a:ln>
@@ -19236,6 +21583,15 @@
               <a:defRPr/>
             </a:pPr>
             <a:r>
+              <a:rPr kumimoji="1" lang="en-US" altLang="ja-JP" sz="2000" dirty="0">
+                <a:solidFill>
+                  <a:srgbClr val="231B23"/>
+                </a:solidFill>
+                <a:latin typeface="Meiryo UI"/>
+              </a:rPr>
+              <a:t>	</a:t>
+            </a:r>
+            <a:r>
               <a:rPr kumimoji="1" lang="ja-JP" altLang="en-US" sz="2000" b="0" i="0" u="none" strike="noStrike" kern="1200" cap="none" spc="0" normalizeH="0" baseline="0" noProof="0" dirty="0">
                 <a:ln>
                   <a:noFill/>
@@ -19250,7 +21606,7 @@
                 <a:ea typeface="+mn-ea"/>
                 <a:cs typeface="+mn-cs"/>
               </a:rPr>
-              <a:t>　→その分話が止まった際などのフォローをいれる</a:t>
+              <a:t>→ その分話が止まった際などのフォローをいれる</a:t>
             </a:r>
             <a:endParaRPr kumimoji="1" lang="en-US" altLang="ja-JP" sz="2000" b="0" i="0" u="none" strike="noStrike" kern="1200" cap="none" spc="0" normalizeH="0" baseline="0" noProof="0" dirty="0">
               <a:ln>
@@ -19300,7 +21656,7 @@
                 <a:ea typeface="+mn-ea"/>
                 <a:cs typeface="+mn-cs"/>
               </a:rPr>
-              <a:t>・複数検索機能</a:t>
+              <a:t>・ 複数検索機能</a:t>
             </a:r>
             <a:endParaRPr kumimoji="1" lang="en-US" altLang="ja-JP" sz="2400" b="0" i="0" u="none" strike="noStrike" kern="1200" cap="none" spc="0" normalizeH="0" baseline="0" noProof="0" dirty="0">
               <a:ln>
@@ -19336,7 +21692,16 @@
               <a:defRPr/>
             </a:pPr>
             <a:r>
-              <a:rPr kumimoji="1" lang="ja-JP" altLang="en-US" sz="2400" b="0" i="0" u="none" strike="noStrike" kern="1200" cap="none" spc="0" normalizeH="0" baseline="0" noProof="0" dirty="0">
+              <a:rPr kumimoji="1" lang="en-US" altLang="ja-JP" sz="2000" dirty="0">
+                <a:solidFill>
+                  <a:srgbClr val="231B23"/>
+                </a:solidFill>
+                <a:latin typeface="Meiryo UI"/>
+              </a:rPr>
+              <a:t>	</a:t>
+            </a:r>
+            <a:r>
+              <a:rPr kumimoji="1" lang="ja-JP" altLang="en-US" sz="2000" b="0" i="0" u="none" strike="noStrike" kern="1200" cap="none" spc="0" normalizeH="0" baseline="0" noProof="0" dirty="0">
                 <a:ln>
                   <a:noFill/>
                 </a:ln>
@@ -19350,24 +21715,7 @@
                 <a:ea typeface="+mn-ea"/>
                 <a:cs typeface="+mn-cs"/>
               </a:rPr>
-              <a:t>　</a:t>
-            </a:r>
-            <a:r>
-              <a:rPr kumimoji="1" lang="ja-JP" altLang="en-US" sz="2000" b="0" i="0" u="none" strike="noStrike" kern="1200" cap="none" spc="0" normalizeH="0" baseline="0" noProof="0" dirty="0">
-                <a:ln>
-                  <a:noFill/>
-                </a:ln>
-                <a:solidFill>
-                  <a:srgbClr val="231B23"/>
-                </a:solidFill>
-                <a:effectLst/>
-                <a:uLnTx/>
-                <a:uFillTx/>
-                <a:latin typeface="Meiryo UI"/>
-                <a:ea typeface="+mn-ea"/>
-                <a:cs typeface="+mn-cs"/>
-              </a:rPr>
-              <a:t>→知らなかったことを調べて自分の力に</a:t>
+              <a:t>→ 知らなかったことを調べて自分の力に</a:t>
             </a:r>
             <a:endParaRPr kumimoji="1" lang="en-US" altLang="ja-JP" sz="2000" b="0" i="0" u="none" strike="noStrike" kern="1200" cap="none" spc="0" normalizeH="0" baseline="0" noProof="0" dirty="0">
               <a:ln>
@@ -19382,6 +21730,69 @@
               <a:latin typeface="Meiryo UI"/>
               <a:ea typeface="+mn-ea"/>
               <a:cs typeface="+mn-cs"/>
+            </a:endParaRPr>
+          </a:p>
+        </p:txBody>
+      </p:sp>
+      <p:sp>
+        <p:nvSpPr>
+          <p:cNvPr id="18" name="タイトル 1">
+            <a:extLst>
+              <a:ext uri="{FF2B5EF4-FFF2-40B4-BE49-F238E27FC236}">
+                <a16:creationId xmlns:a16="http://schemas.microsoft.com/office/drawing/2014/main" id="{67196C50-E59D-4F4F-9D38-0FFEF81AF693}"/>
+              </a:ext>
+            </a:extLst>
+          </p:cNvPr>
+          <p:cNvSpPr txBox="1">
+            <a:spLocks/>
+          </p:cNvSpPr>
+          <p:nvPr/>
+        </p:nvSpPr>
+        <p:spPr>
+          <a:xfrm>
+            <a:off x="965200" y="6025307"/>
+            <a:ext cx="443279" cy="583800"/>
+          </a:xfrm>
+          <a:prstGeom prst="rect">
+            <a:avLst/>
+          </a:prstGeom>
+        </p:spPr>
+        <p:txBody>
+          <a:bodyPr vert="horz" lIns="91440" tIns="45720" rIns="91440" bIns="45720" rtlCol="0" anchor="ctr">
+            <a:noAutofit/>
+          </a:bodyPr>
+          <a:lstStyle>
+            <a:lvl1pPr algn="l" defTabSz="914400" rtl="0" eaLnBrk="1" latinLnBrk="0" hangingPunct="1">
+              <a:lnSpc>
+                <a:spcPct val="90000"/>
+              </a:lnSpc>
+              <a:spcBef>
+                <a:spcPct val="0"/>
+              </a:spcBef>
+              <a:buNone/>
+              <a:defRPr kumimoji="1" sz="2400" b="1" i="0" kern="1200" spc="150" baseline="0">
+                <a:solidFill>
+                  <a:schemeClr val="tx1"/>
+                </a:solidFill>
+                <a:latin typeface="+mj-lt"/>
+                <a:ea typeface="Meiryo UI" panose="020B0604030504040204" pitchFamily="34" charset="-128"/>
+                <a:cs typeface="+mj-cs"/>
+              </a:defRPr>
+            </a:lvl1pPr>
+          </a:lstStyle>
+          <a:p>
+            <a:r>
+              <a:rPr lang="en-US" altLang="ja" sz="2000" b="0" dirty="0">
+                <a:solidFill>
+                  <a:srgbClr val="FFFFFF"/>
+                </a:solidFill>
+              </a:rPr>
+              <a:t>K</a:t>
+            </a:r>
+            <a:endParaRPr lang="ja" sz="2000" b="0" dirty="0">
+              <a:solidFill>
+                <a:srgbClr val="FFFFFF"/>
+              </a:solidFill>
             </a:endParaRPr>
           </a:p>
         </p:txBody>
@@ -19737,13 +22148,13 @@
       </p:par>
     </p:tnLst>
     <p:bldLst>
-      <p:bldP spid="16" grpId="0"/>
+      <p:bldP spid="16" grpId="0" animBg="1"/>
     </p:bldLst>
   </p:timing>
 </p:sld>
 </file>
 
-<file path=ppt/slides/slide22.xml><?xml version="1.0" encoding="utf-8"?>
+<file path=ppt/slides/slide23.xml><?xml version="1.0" encoding="utf-8"?>
 <p:sld xmlns:a="http://schemas.openxmlformats.org/drawingml/2006/main" xmlns:r="http://schemas.openxmlformats.org/officeDocument/2006/relationships" xmlns:p="http://schemas.openxmlformats.org/presentationml/2006/main">
   <p:cSld>
     <p:spTree>
@@ -20144,7 +22555,7 @@
             <a:pPr rtl="0"/>
             <a:r>
               <a:rPr lang="ja-JP" altLang="en-US" sz="3200" b="0" dirty="0"/>
-              <a:t>舟見　玲奈 </a:t>
+              <a:t>舟見 玲奈 </a:t>
             </a:r>
             <a:r>
               <a:rPr lang="en-US" altLang="ja-JP" b="0" dirty="0"/>
@@ -20748,7 +23159,7 @@
             <a:fld id="{6F705D35-D126-3B47-A82C-2A13EA9E0A67}" type="slidenum">
               <a:rPr lang="en-US" smtClean="0"/>
               <a:pPr/>
-              <a:t>22</a:t>
+              <a:t>23</a:t>
             </a:fld>
             <a:endParaRPr lang="en-US" dirty="0"/>
           </a:p>
@@ -20768,13 +23179,20 @@
         </p:nvSpPr>
         <p:spPr>
           <a:xfrm rot="835554">
-            <a:off x="6386527" y="480402"/>
+            <a:off x="6386527" y="806187"/>
             <a:ext cx="5779299" cy="1754326"/>
           </a:xfrm>
           <a:prstGeom prst="rect">
             <a:avLst/>
           </a:prstGeom>
           <a:noFill/>
+          <a:ln w="38100">
+            <a:solidFill>
+              <a:schemeClr val="accent1">
+                <a:lumMod val="75000"/>
+              </a:schemeClr>
+            </a:solidFill>
+          </a:ln>
         </p:spPr>
         <p:txBody>
           <a:bodyPr wrap="square" rtlCol="0">
@@ -20795,6 +23213,69 @@
               </a:rPr>
               <a:t>システムデザイン全権保持者</a:t>
             </a:r>
+          </a:p>
+        </p:txBody>
+      </p:sp>
+      <p:sp>
+        <p:nvSpPr>
+          <p:cNvPr id="17" name="タイトル 1">
+            <a:extLst>
+              <a:ext uri="{FF2B5EF4-FFF2-40B4-BE49-F238E27FC236}">
+                <a16:creationId xmlns:a16="http://schemas.microsoft.com/office/drawing/2014/main" id="{F7BA1754-BC86-4017-ACAB-C23906C237B4}"/>
+              </a:ext>
+            </a:extLst>
+          </p:cNvPr>
+          <p:cNvSpPr txBox="1">
+            <a:spLocks/>
+          </p:cNvSpPr>
+          <p:nvPr/>
+        </p:nvSpPr>
+        <p:spPr>
+          <a:xfrm>
+            <a:off x="962025" y="6025307"/>
+            <a:ext cx="446454" cy="583800"/>
+          </a:xfrm>
+          <a:prstGeom prst="rect">
+            <a:avLst/>
+          </a:prstGeom>
+        </p:spPr>
+        <p:txBody>
+          <a:bodyPr vert="horz" lIns="91440" tIns="45720" rIns="91440" bIns="45720" rtlCol="0" anchor="ctr">
+            <a:noAutofit/>
+          </a:bodyPr>
+          <a:lstStyle>
+            <a:lvl1pPr algn="l" defTabSz="914400" rtl="0" eaLnBrk="1" latinLnBrk="0" hangingPunct="1">
+              <a:lnSpc>
+                <a:spcPct val="90000"/>
+              </a:lnSpc>
+              <a:spcBef>
+                <a:spcPct val="0"/>
+              </a:spcBef>
+              <a:buNone/>
+              <a:defRPr kumimoji="1" sz="2400" b="1" i="0" kern="1200" spc="150" baseline="0">
+                <a:solidFill>
+                  <a:schemeClr val="tx1"/>
+                </a:solidFill>
+                <a:latin typeface="+mj-lt"/>
+                <a:ea typeface="Meiryo UI" panose="020B0604030504040204" pitchFamily="34" charset="-128"/>
+                <a:cs typeface="+mj-cs"/>
+              </a:defRPr>
+            </a:lvl1pPr>
+          </a:lstStyle>
+          <a:p>
+            <a:r>
+              <a:rPr lang="en-US" altLang="ja" sz="2000" b="0" dirty="0">
+                <a:solidFill>
+                  <a:srgbClr val="FFFFFF"/>
+                </a:solidFill>
+              </a:rPr>
+              <a:t>K</a:t>
+            </a:r>
+            <a:endParaRPr lang="ja" sz="2000" b="0" dirty="0">
+              <a:solidFill>
+                <a:srgbClr val="FFFFFF"/>
+              </a:solidFill>
+            </a:endParaRPr>
           </a:p>
         </p:txBody>
       </p:sp>
@@ -21149,13 +23630,13 @@
       </p:par>
     </p:tnLst>
     <p:bldLst>
-      <p:bldP spid="16" grpId="0"/>
+      <p:bldP spid="16" grpId="0" animBg="1"/>
     </p:bldLst>
   </p:timing>
 </p:sld>
 </file>
 
-<file path=ppt/slides/slide23.xml><?xml version="1.0" encoding="utf-8"?>
+<file path=ppt/slides/slide24.xml><?xml version="1.0" encoding="utf-8"?>
 <p:sld xmlns:a="http://schemas.openxmlformats.org/drawingml/2006/main" xmlns:r="http://schemas.openxmlformats.org/officeDocument/2006/relationships" xmlns:p="http://schemas.openxmlformats.org/presentationml/2006/main">
   <p:cSld>
     <p:spTree>
@@ -21484,7 +23965,7 @@
             <a:pPr rtl="0"/>
             <a:r>
               <a:rPr lang="ja-JP" altLang="en-US" sz="3200" b="0" dirty="0"/>
-              <a:t>杉森　佑樹 </a:t>
+              <a:t>杉森 佑樹 </a:t>
             </a:r>
             <a:r>
               <a:rPr lang="en-US" altLang="ja-JP" b="0" dirty="0"/>
@@ -21989,7 +24470,7 @@
                 <a:ea typeface="+mn-ea"/>
                 <a:cs typeface="+mn-cs"/>
               </a:rPr>
-              <a:t>・お気に入り機能</a:t>
+              <a:t>・ お気に入り機能</a:t>
             </a:r>
             <a:endParaRPr kumimoji="1" lang="en-US" altLang="ja-JP" sz="2400" b="0" i="0" u="none" strike="noStrike" kern="1200" cap="none" spc="0" normalizeH="0" baseline="0" noProof="0" dirty="0">
               <a:ln>
@@ -22039,7 +24520,7 @@
                 <a:ea typeface="+mn-ea"/>
                 <a:cs typeface="+mn-cs"/>
               </a:rPr>
-              <a:t>・グループの会話の盛り上げ</a:t>
+              <a:t>・ グループの会話の盛り上げ</a:t>
             </a:r>
             <a:endParaRPr kumimoji="1" lang="en-US" altLang="ja-JP" sz="2400" b="0" i="0" u="none" strike="noStrike" kern="1200" cap="none" spc="0" normalizeH="0" baseline="0" noProof="0" dirty="0">
               <a:ln>
@@ -22118,7 +24599,7 @@
                 <a:ea typeface="+mn-ea"/>
                 <a:cs typeface="+mn-cs"/>
               </a:rPr>
-              <a:t>・苦手だった</a:t>
+              <a:t>・ 苦手だった</a:t>
             </a:r>
             <a:r>
               <a:rPr kumimoji="1" lang="en-US" altLang="ja-JP" sz="2400" b="0" i="0" u="none" strike="noStrike" kern="1200" cap="none" spc="0" normalizeH="0" baseline="0" noProof="0" dirty="0">
@@ -22202,7 +24683,7 @@
                 <a:ea typeface="+mn-ea"/>
                 <a:cs typeface="+mn-cs"/>
               </a:rPr>
-              <a:t>・積極的に話に参加する！</a:t>
+              <a:t>・ 積極的に話に参加する！</a:t>
             </a:r>
           </a:p>
         </p:txBody>
@@ -22267,7 +24748,7 @@
             <a:fld id="{6F705D35-D126-3B47-A82C-2A13EA9E0A67}" type="slidenum">
               <a:rPr lang="en-US" smtClean="0"/>
               <a:pPr/>
-              <a:t>23</a:t>
+              <a:t>24</a:t>
             </a:fld>
             <a:endParaRPr lang="en-US" dirty="0"/>
           </a:p>
@@ -22287,13 +24768,20 @@
         </p:nvSpPr>
         <p:spPr>
           <a:xfrm rot="835554">
-            <a:off x="6651509" y="878853"/>
+            <a:off x="6131802" y="1694221"/>
             <a:ext cx="5779299" cy="1754326"/>
           </a:xfrm>
           <a:prstGeom prst="rect">
             <a:avLst/>
           </a:prstGeom>
           <a:noFill/>
+          <a:ln w="38100">
+            <a:solidFill>
+              <a:schemeClr val="accent1">
+                <a:lumMod val="75000"/>
+              </a:schemeClr>
+            </a:solidFill>
+          </a:ln>
         </p:spPr>
         <p:txBody>
           <a:bodyPr wrap="square" rtlCol="0">
@@ -22341,6 +24829,69 @@
               </a:rPr>
               <a:t>成長モンスター！</a:t>
             </a:r>
+          </a:p>
+        </p:txBody>
+      </p:sp>
+      <p:sp>
+        <p:nvSpPr>
+          <p:cNvPr id="17" name="タイトル 1">
+            <a:extLst>
+              <a:ext uri="{FF2B5EF4-FFF2-40B4-BE49-F238E27FC236}">
+                <a16:creationId xmlns:a16="http://schemas.microsoft.com/office/drawing/2014/main" id="{0E215DC5-320C-475C-B116-74748C5555BB}"/>
+              </a:ext>
+            </a:extLst>
+          </p:cNvPr>
+          <p:cNvSpPr txBox="1">
+            <a:spLocks/>
+          </p:cNvSpPr>
+          <p:nvPr/>
+        </p:nvSpPr>
+        <p:spPr>
+          <a:xfrm>
+            <a:off x="977900" y="6025307"/>
+            <a:ext cx="430579" cy="583800"/>
+          </a:xfrm>
+          <a:prstGeom prst="rect">
+            <a:avLst/>
+          </a:prstGeom>
+        </p:spPr>
+        <p:txBody>
+          <a:bodyPr vert="horz" lIns="91440" tIns="45720" rIns="91440" bIns="45720" rtlCol="0" anchor="ctr">
+            <a:noAutofit/>
+          </a:bodyPr>
+          <a:lstStyle>
+            <a:lvl1pPr algn="l" defTabSz="914400" rtl="0" eaLnBrk="1" latinLnBrk="0" hangingPunct="1">
+              <a:lnSpc>
+                <a:spcPct val="90000"/>
+              </a:lnSpc>
+              <a:spcBef>
+                <a:spcPct val="0"/>
+              </a:spcBef>
+              <a:buNone/>
+              <a:defRPr kumimoji="1" sz="2400" b="1" i="0" kern="1200" spc="150" baseline="0">
+                <a:solidFill>
+                  <a:schemeClr val="tx1"/>
+                </a:solidFill>
+                <a:latin typeface="+mj-lt"/>
+                <a:ea typeface="Meiryo UI" panose="020B0604030504040204" pitchFamily="34" charset="-128"/>
+                <a:cs typeface="+mj-cs"/>
+              </a:defRPr>
+            </a:lvl1pPr>
+          </a:lstStyle>
+          <a:p>
+            <a:r>
+              <a:rPr lang="en-US" altLang="ja" sz="2000" b="0" dirty="0">
+                <a:solidFill>
+                  <a:srgbClr val="FFFFFF"/>
+                </a:solidFill>
+              </a:rPr>
+              <a:t>J</a:t>
+            </a:r>
+            <a:endParaRPr lang="ja" sz="2000" b="0" dirty="0">
+              <a:solidFill>
+                <a:srgbClr val="FFFFFF"/>
+              </a:solidFill>
+            </a:endParaRPr>
           </a:p>
         </p:txBody>
       </p:sp>
@@ -22695,13 +25246,13 @@
       </p:par>
     </p:tnLst>
     <p:bldLst>
-      <p:bldP spid="16" grpId="0"/>
+      <p:bldP spid="16" grpId="0" animBg="1"/>
     </p:bldLst>
   </p:timing>
 </p:sld>
 </file>
 
-<file path=ppt/slides/slide24.xml><?xml version="1.0" encoding="utf-8"?>
+<file path=ppt/slides/slide25.xml><?xml version="1.0" encoding="utf-8"?>
 <p:sld xmlns:a="http://schemas.openxmlformats.org/drawingml/2006/main" xmlns:r="http://schemas.openxmlformats.org/officeDocument/2006/relationships" xmlns:p="http://schemas.openxmlformats.org/presentationml/2006/main" show="0">
   <p:cSld>
     <p:spTree>
@@ -23009,7 +25560,7 @@
             <a:fld id="{6F705D35-D126-3B47-A82C-2A13EA9E0A67}" type="slidenum">
               <a:rPr lang="en-US" smtClean="0"/>
               <a:pPr/>
-              <a:t>24</a:t>
+              <a:t>25</a:t>
             </a:fld>
             <a:endParaRPr lang="en-US" dirty="0"/>
           </a:p>
@@ -23123,7 +25674,7 @@
 </p:sld>
 </file>
 
-<file path=ppt/slides/slide25.xml><?xml version="1.0" encoding="utf-8"?>
+<file path=ppt/slides/slide26.xml><?xml version="1.0" encoding="utf-8"?>
 <p:sld xmlns:a="http://schemas.openxmlformats.org/drawingml/2006/main" xmlns:r="http://schemas.openxmlformats.org/officeDocument/2006/relationships" xmlns:p="http://schemas.openxmlformats.org/presentationml/2006/main" show="0">
   <p:cSld>
     <p:spTree>
@@ -23287,7 +25838,7 @@
             <a:fld id="{6F705D35-D126-3B47-A82C-2A13EA9E0A67}" type="slidenum">
               <a:rPr lang="en-US" smtClean="0"/>
               <a:pPr/>
-              <a:t>25</a:t>
+              <a:t>26</a:t>
             </a:fld>
             <a:endParaRPr lang="en-US" dirty="0"/>
           </a:p>
@@ -23404,7 +25955,7 @@
 </p:sld>
 </file>
 
-<file path=ppt/slides/slide26.xml><?xml version="1.0" encoding="utf-8"?>
+<file path=ppt/slides/slide27.xml><?xml version="1.0" encoding="utf-8"?>
 <p:sld xmlns:a="http://schemas.openxmlformats.org/drawingml/2006/main" xmlns:r="http://schemas.openxmlformats.org/officeDocument/2006/relationships" xmlns:p="http://schemas.openxmlformats.org/presentationml/2006/main">
   <p:cSld>
     <p:spTree>
@@ -23792,7 +26343,7 @@
             <a:fld id="{6F705D35-D126-3B47-A82C-2A13EA9E0A67}" type="slidenum">
               <a:rPr lang="en-US" smtClean="0"/>
               <a:pPr/>
-              <a:t>26</a:t>
+              <a:t>27</a:t>
             </a:fld>
             <a:endParaRPr lang="en-US" dirty="0"/>
           </a:p>
@@ -24101,7 +26652,7 @@
 </p:sld>
 </file>
 
-<file path=ppt/slides/slide27.xml><?xml version="1.0" encoding="utf-8"?>
+<file path=ppt/slides/slide28.xml><?xml version="1.0" encoding="utf-8"?>
 <p:sld xmlns:a="http://schemas.openxmlformats.org/drawingml/2006/main" xmlns:r="http://schemas.openxmlformats.org/officeDocument/2006/relationships" xmlns:p="http://schemas.openxmlformats.org/presentationml/2006/main" show="0">
   <p:cSld>
     <p:spTree>
@@ -24379,7 +26930,7 @@
             <a:fld id="{6F705D35-D126-3B47-A82C-2A13EA9E0A67}" type="slidenum">
               <a:rPr lang="en-US" smtClean="0"/>
               <a:pPr/>
-              <a:t>27</a:t>
+              <a:t>28</a:t>
             </a:fld>
             <a:endParaRPr lang="en-US" dirty="0"/>
           </a:p>
@@ -24395,13 +26946,13 @@
   <p:clrMapOvr>
     <a:masterClrMapping/>
   </p:clrMapOvr>
-  <mc:AlternateContent xmlns:mc="http://schemas.openxmlformats.org/markup-compatibility/2006">
-    <mc:Choice xmlns:p14="http://schemas.microsoft.com/office/powerpoint/2010/main" Requires="p14">
+  <mc:AlternateContent xmlns:mc="http://schemas.openxmlformats.org/markup-compatibility/2006" xmlns:p14="http://schemas.microsoft.com/office/powerpoint/2010/main">
+    <mc:Choice Requires="p14">
       <p:transition spd="med" p14:dur="700">
         <p:fade/>
       </p:transition>
     </mc:Choice>
-    <mc:Fallback>
+    <mc:Fallback xmlns="">
       <p:transition spd="med">
         <p:fade/>
       </p:transition>
@@ -24410,7 +26961,7 @@
 </p:sld>
 </file>
 
-<file path=ppt/slides/slide28.xml><?xml version="1.0" encoding="utf-8"?>
+<file path=ppt/slides/slide29.xml><?xml version="1.0" encoding="utf-8"?>
 <p:sld xmlns:a="http://schemas.openxmlformats.org/drawingml/2006/main" xmlns:r="http://schemas.openxmlformats.org/officeDocument/2006/relationships" xmlns:p="http://schemas.openxmlformats.org/presentationml/2006/main" show="0">
   <p:cSld>
     <p:spTree>
@@ -25630,7 +28181,7 @@
             <a:fld id="{6F705D35-D126-3B47-A82C-2A13EA9E0A67}" type="slidenum">
               <a:rPr lang="en-US" smtClean="0"/>
               <a:pPr/>
-              <a:t>28</a:t>
+              <a:t>29</a:t>
             </a:fld>
             <a:endParaRPr lang="en-US" dirty="0"/>
           </a:p>
@@ -25640,431 +28191,6 @@
     <p:extLst>
       <p:ext uri="{BB962C8B-B14F-4D97-AF65-F5344CB8AC3E}">
         <p14:creationId xmlns:p14="http://schemas.microsoft.com/office/powerpoint/2010/main" val="1713641473"/>
-      </p:ext>
-    </p:extLst>
-  </p:cSld>
-  <p:clrMapOvr>
-    <a:masterClrMapping/>
-  </p:clrMapOvr>
-</p:sld>
-</file>
-
-<file path=ppt/slides/slide29.xml><?xml version="1.0" encoding="utf-8"?>
-<p:sld xmlns:a="http://schemas.openxmlformats.org/drawingml/2006/main" xmlns:r="http://schemas.openxmlformats.org/officeDocument/2006/relationships" xmlns:p="http://schemas.openxmlformats.org/presentationml/2006/main" show="0">
-  <p:cSld>
-    <p:spTree>
-      <p:nvGrpSpPr>
-        <p:cNvPr id="1" name=""/>
-        <p:cNvGrpSpPr/>
-        <p:nvPr/>
-      </p:nvGrpSpPr>
-      <p:grpSpPr>
-        <a:xfrm>
-          <a:off x="0" y="0"/>
-          <a:ext cx="0" cy="0"/>
-          <a:chOff x="0" y="0"/>
-          <a:chExt cx="0" cy="0"/>
-        </a:xfrm>
-      </p:grpSpPr>
-      <p:sp>
-        <p:nvSpPr>
-          <p:cNvPr id="6" name="正方形/長方形 5">
-            <a:extLst>
-              <a:ext uri="{FF2B5EF4-FFF2-40B4-BE49-F238E27FC236}">
-                <a16:creationId xmlns:a16="http://schemas.microsoft.com/office/drawing/2014/main" id="{7FADF169-39C0-4D30-8297-874480783BDC}"/>
-              </a:ext>
-            </a:extLst>
-          </p:cNvPr>
-          <p:cNvSpPr/>
-          <p:nvPr/>
-        </p:nvSpPr>
-        <p:spPr>
-          <a:xfrm>
-            <a:off x="1447151" y="2198716"/>
-            <a:ext cx="9297698" cy="2460567"/>
-          </a:xfrm>
-          <a:prstGeom prst="rect">
-            <a:avLst/>
-          </a:prstGeom>
-          <a:solidFill>
-            <a:srgbClr val="231B23"/>
-          </a:solidFill>
-          <a:ln>
-            <a:solidFill>
-              <a:srgbClr val="231B23"/>
-            </a:solidFill>
-          </a:ln>
-        </p:spPr>
-        <p:style>
-          <a:lnRef idx="2">
-            <a:schemeClr val="accent1">
-              <a:shade val="50000"/>
-            </a:schemeClr>
-          </a:lnRef>
-          <a:fillRef idx="1">
-            <a:schemeClr val="accent1"/>
-          </a:fillRef>
-          <a:effectRef idx="0">
-            <a:schemeClr val="accent1"/>
-          </a:effectRef>
-          <a:fontRef idx="minor">
-            <a:schemeClr val="lt1"/>
-          </a:fontRef>
-        </p:style>
-        <p:txBody>
-          <a:bodyPr rtlCol="0" anchor="ctr"/>
-          <a:lstStyle/>
-          <a:p>
-            <a:pPr algn="ctr"/>
-            <a:r>
-              <a:rPr kumimoji="1" lang="ja-JP" altLang="en-US" sz="5400" dirty="0">
-                <a:latin typeface="+mj-lt"/>
-              </a:rPr>
-              <a:t>使うかもしれんので置いとく</a:t>
-            </a:r>
-          </a:p>
-        </p:txBody>
-      </p:sp>
-      <p:pic>
-        <p:nvPicPr>
-          <p:cNvPr id="3" name="グラフィックス 2" descr="ハート付きの笑顔 (塗りつぶし) 単色塗りつぶし">
-            <a:extLst>
-              <a:ext uri="{FF2B5EF4-FFF2-40B4-BE49-F238E27FC236}">
-                <a16:creationId xmlns:a16="http://schemas.microsoft.com/office/drawing/2014/main" id="{BECD7C66-2FBC-4760-83C6-5712687C3B86}"/>
-              </a:ext>
-            </a:extLst>
-          </p:cNvPr>
-          <p:cNvPicPr>
-            <a:picLocks noChangeAspect="1"/>
-          </p:cNvPicPr>
-          <p:nvPr/>
-        </p:nvPicPr>
-        <p:blipFill>
-          <a:blip r:embed="rId2">
-            <a:extLst>
-              <a:ext uri="{96DAC541-7B7A-43D3-8B79-37D633B846F1}">
-                <asvg:svgBlip xmlns:asvg="http://schemas.microsoft.com/office/drawing/2016/SVG/main" r:embed="rId3"/>
-              </a:ext>
-            </a:extLst>
-          </a:blip>
-          <a:stretch>
-            <a:fillRect/>
-          </a:stretch>
-        </p:blipFill>
-        <p:spPr>
-          <a:xfrm>
-            <a:off x="1508324" y="1387805"/>
-            <a:ext cx="735351" cy="735351"/>
-          </a:xfrm>
-          <a:prstGeom prst="rect">
-            <a:avLst/>
-          </a:prstGeom>
-        </p:spPr>
-      </p:pic>
-      <p:pic>
-        <p:nvPicPr>
-          <p:cNvPr id="4" name="グラフィックス 3" descr="困った顔 (塗りつぶし) 単色塗りつぶし">
-            <a:extLst>
-              <a:ext uri="{FF2B5EF4-FFF2-40B4-BE49-F238E27FC236}">
-                <a16:creationId xmlns:a16="http://schemas.microsoft.com/office/drawing/2014/main" id="{0F89CBD0-0C25-46A7-993D-33EDF4737EF2}"/>
-              </a:ext>
-            </a:extLst>
-          </p:cNvPr>
-          <p:cNvPicPr>
-            <a:picLocks noChangeAspect="1"/>
-          </p:cNvPicPr>
-          <p:nvPr/>
-        </p:nvPicPr>
-        <p:blipFill>
-          <a:blip r:embed="rId4">
-            <a:extLst>
-              <a:ext uri="{96DAC541-7B7A-43D3-8B79-37D633B846F1}">
-                <asvg:svgBlip xmlns:asvg="http://schemas.microsoft.com/office/drawing/2016/SVG/main" r:embed="rId5"/>
-              </a:ext>
-            </a:extLst>
-          </a:blip>
-          <a:stretch>
-            <a:fillRect/>
-          </a:stretch>
-        </p:blipFill>
-        <p:spPr>
-          <a:xfrm>
-            <a:off x="3610779" y="1387803"/>
-            <a:ext cx="735351" cy="735351"/>
-          </a:xfrm>
-          <a:prstGeom prst="rect">
-            <a:avLst/>
-          </a:prstGeom>
-        </p:spPr>
-      </p:pic>
-      <p:pic>
-        <p:nvPicPr>
-          <p:cNvPr id="5" name="コンテンツ プレースホルダー 7" descr="ニヤリとした顔 (塗りつぶし) 単色塗りつぶし">
-            <a:extLst>
-              <a:ext uri="{FF2B5EF4-FFF2-40B4-BE49-F238E27FC236}">
-                <a16:creationId xmlns:a16="http://schemas.microsoft.com/office/drawing/2014/main" id="{890A1467-35F2-4F98-ADF2-98E108DFB309}"/>
-              </a:ext>
-            </a:extLst>
-          </p:cNvPr>
-          <p:cNvPicPr>
-            <a:picLocks noChangeAspect="1"/>
-          </p:cNvPicPr>
-          <p:nvPr/>
-        </p:nvPicPr>
-        <p:blipFill>
-          <a:blip r:embed="rId6">
-            <a:extLst>
-              <a:ext uri="{96DAC541-7B7A-43D3-8B79-37D633B846F1}">
-                <asvg:svgBlip xmlns:asvg="http://schemas.microsoft.com/office/drawing/2016/SVG/main" r:embed="rId7"/>
-              </a:ext>
-            </a:extLst>
-          </a:blip>
-          <a:stretch>
-            <a:fillRect/>
-          </a:stretch>
-        </p:blipFill>
-        <p:spPr>
-          <a:xfrm>
-            <a:off x="2191876" y="1387804"/>
-            <a:ext cx="735351" cy="735351"/>
-          </a:xfrm>
-          <a:prstGeom prst="rect">
-            <a:avLst/>
-          </a:prstGeom>
-        </p:spPr>
-      </p:pic>
-      <p:pic>
-        <p:nvPicPr>
-          <p:cNvPr id="7" name="グラフィックス 6" descr="無表情な顔 (塗りつぶし) 単色塗りつぶし">
-            <a:extLst>
-              <a:ext uri="{FF2B5EF4-FFF2-40B4-BE49-F238E27FC236}">
-                <a16:creationId xmlns:a16="http://schemas.microsoft.com/office/drawing/2014/main" id="{CAAEE752-C6E9-4F44-8EA4-7A6728074542}"/>
-              </a:ext>
-            </a:extLst>
-          </p:cNvPr>
-          <p:cNvPicPr>
-            <a:picLocks noChangeAspect="1"/>
-          </p:cNvPicPr>
-          <p:nvPr/>
-        </p:nvPicPr>
-        <p:blipFill>
-          <a:blip r:embed="rId8">
-            <a:extLst>
-              <a:ext uri="{96DAC541-7B7A-43D3-8B79-37D633B846F1}">
-                <asvg:svgBlip xmlns:asvg="http://schemas.microsoft.com/office/drawing/2016/SVG/main" r:embed="rId9"/>
-              </a:ext>
-            </a:extLst>
-          </a:blip>
-          <a:stretch>
-            <a:fillRect/>
-          </a:stretch>
-        </p:blipFill>
-        <p:spPr>
-          <a:xfrm>
-            <a:off x="2875428" y="1387805"/>
-            <a:ext cx="735351" cy="735351"/>
-          </a:xfrm>
-          <a:prstGeom prst="rect">
-            <a:avLst/>
-          </a:prstGeom>
-        </p:spPr>
-      </p:pic>
-      <p:pic>
-        <p:nvPicPr>
-          <p:cNvPr id="8" name="グラフィックス 7" descr="目が回った顔 (塗りつぶしなし) 単色塗りつぶし">
-            <a:extLst>
-              <a:ext uri="{FF2B5EF4-FFF2-40B4-BE49-F238E27FC236}">
-                <a16:creationId xmlns:a16="http://schemas.microsoft.com/office/drawing/2014/main" id="{739CF3B6-1402-48C8-94F1-90A44A64BDB1}"/>
-              </a:ext>
-            </a:extLst>
-          </p:cNvPr>
-          <p:cNvPicPr>
-            <a:picLocks noChangeAspect="1"/>
-          </p:cNvPicPr>
-          <p:nvPr/>
-        </p:nvPicPr>
-        <p:blipFill>
-          <a:blip r:embed="rId10">
-            <a:extLst>
-              <a:ext uri="{96DAC541-7B7A-43D3-8B79-37D633B846F1}">
-                <asvg:svgBlip xmlns:asvg="http://schemas.microsoft.com/office/drawing/2016/SVG/main" r:embed="rId11"/>
-              </a:ext>
-            </a:extLst>
-          </a:blip>
-          <a:stretch>
-            <a:fillRect/>
-          </a:stretch>
-        </p:blipFill>
-        <p:spPr>
-          <a:xfrm>
-            <a:off x="1522473" y="323405"/>
-            <a:ext cx="735351" cy="735351"/>
-          </a:xfrm>
-          <a:prstGeom prst="rect">
-            <a:avLst/>
-          </a:prstGeom>
-        </p:spPr>
-      </p:pic>
-      <p:pic>
-        <p:nvPicPr>
-          <p:cNvPr id="12" name="グラフィックス 11" descr="目が回った顔 (塗りつぶし) 単色塗りつぶし">
-            <a:extLst>
-              <a:ext uri="{FF2B5EF4-FFF2-40B4-BE49-F238E27FC236}">
-                <a16:creationId xmlns:a16="http://schemas.microsoft.com/office/drawing/2014/main" id="{71A36AAF-B3B1-4644-9B05-2BC509C719B9}"/>
-              </a:ext>
-            </a:extLst>
-          </p:cNvPr>
-          <p:cNvPicPr>
-            <a:picLocks noChangeAspect="1"/>
-          </p:cNvPicPr>
-          <p:nvPr/>
-        </p:nvPicPr>
-        <p:blipFill>
-          <a:blip r:embed="rId12">
-            <a:extLst>
-              <a:ext uri="{96DAC541-7B7A-43D3-8B79-37D633B846F1}">
-                <asvg:svgBlip xmlns:asvg="http://schemas.microsoft.com/office/drawing/2016/SVG/main" r:embed="rId13"/>
-              </a:ext>
-            </a:extLst>
-          </a:blip>
-          <a:stretch>
-            <a:fillRect/>
-          </a:stretch>
-        </p:blipFill>
-        <p:spPr>
-          <a:xfrm>
-            <a:off x="4294331" y="1387805"/>
-            <a:ext cx="735351" cy="735351"/>
-          </a:xfrm>
-          <a:prstGeom prst="rect">
-            <a:avLst/>
-          </a:prstGeom>
-        </p:spPr>
-      </p:pic>
-      <p:sp>
-        <p:nvSpPr>
-          <p:cNvPr id="9" name="正方形/長方形 8">
-            <a:extLst>
-              <a:ext uri="{FF2B5EF4-FFF2-40B4-BE49-F238E27FC236}">
-                <a16:creationId xmlns:a16="http://schemas.microsoft.com/office/drawing/2014/main" id="{30A1081F-4C65-48DF-BEC6-412933495622}"/>
-              </a:ext>
-            </a:extLst>
-          </p:cNvPr>
-          <p:cNvSpPr/>
-          <p:nvPr/>
-        </p:nvSpPr>
-        <p:spPr>
-          <a:xfrm>
-            <a:off x="1104127" y="4734843"/>
-            <a:ext cx="6380407" cy="1586406"/>
-          </a:xfrm>
-          <a:prstGeom prst="rect">
-            <a:avLst/>
-          </a:prstGeom>
-          <a:solidFill>
-            <a:schemeClr val="accent2">
-              <a:lumMod val="20000"/>
-              <a:lumOff val="80000"/>
-            </a:schemeClr>
-          </a:solidFill>
-          <a:ln>
-            <a:solidFill>
-              <a:schemeClr val="tx1">
-                <a:lumMod val="25000"/>
-                <a:lumOff val="75000"/>
-              </a:schemeClr>
-            </a:solidFill>
-          </a:ln>
-        </p:spPr>
-        <p:style>
-          <a:lnRef idx="1">
-            <a:schemeClr val="accent4"/>
-          </a:lnRef>
-          <a:fillRef idx="3">
-            <a:schemeClr val="accent4"/>
-          </a:fillRef>
-          <a:effectRef idx="2">
-            <a:schemeClr val="accent4"/>
-          </a:effectRef>
-          <a:fontRef idx="minor">
-            <a:schemeClr val="lt1"/>
-          </a:fontRef>
-        </p:style>
-        <p:txBody>
-          <a:bodyPr rtlCol="0" anchor="ctr" anchorCtr="0"/>
-          <a:lstStyle/>
-          <a:p>
-            <a:pPr algn="ctr"/>
-            <a:r>
-              <a:rPr kumimoji="1" lang="ja-JP" altLang="en-US" sz="2400" b="1" dirty="0">
-                <a:solidFill>
-                  <a:schemeClr val="tx1"/>
-                </a:solidFill>
-                <a:latin typeface="Abadi" panose="020B0604020202020204" pitchFamily="34" charset="0"/>
-              </a:rPr>
-              <a:t>杉森「</a:t>
-            </a:r>
-            <a:r>
-              <a:rPr kumimoji="1" lang="en-US" altLang="ja-JP" sz="2400" b="1" dirty="0">
-                <a:solidFill>
-                  <a:schemeClr val="tx1"/>
-                </a:solidFill>
-                <a:latin typeface="Abadi" panose="020B0604020202020204" pitchFamily="34" charset="0"/>
-              </a:rPr>
-              <a:t>Ajax</a:t>
-            </a:r>
-            <a:r>
-              <a:rPr kumimoji="1" lang="ja-JP" altLang="en-US" sz="2400" b="1" dirty="0">
-                <a:solidFill>
-                  <a:schemeClr val="tx1"/>
-                </a:solidFill>
-                <a:latin typeface="Abadi" panose="020B0604020202020204" pitchFamily="34" charset="0"/>
-              </a:rPr>
-              <a:t>使わないなら楽勝じゃん！」</a:t>
-            </a:r>
-            <a:endParaRPr kumimoji="1" lang="en-US" altLang="ja-JP" sz="2400" b="1" dirty="0">
-              <a:solidFill>
-                <a:schemeClr val="tx1"/>
-              </a:solidFill>
-              <a:latin typeface="Abadi" panose="020B0604020202020204" pitchFamily="34" charset="0"/>
-            </a:endParaRPr>
-          </a:p>
-        </p:txBody>
-      </p:sp>
-      <p:sp>
-        <p:nvSpPr>
-          <p:cNvPr id="2" name="スライド番号プレースホルダー 1">
-            <a:extLst>
-              <a:ext uri="{FF2B5EF4-FFF2-40B4-BE49-F238E27FC236}">
-                <a16:creationId xmlns:a16="http://schemas.microsoft.com/office/drawing/2014/main" id="{AA3C296D-DB7E-474A-B0A0-93EFF008D7DF}"/>
-              </a:ext>
-            </a:extLst>
-          </p:cNvPr>
-          <p:cNvSpPr>
-            <a:spLocks noGrp="1"/>
-          </p:cNvSpPr>
-          <p:nvPr>
-            <p:ph type="sldNum" sz="quarter" idx="12"/>
-          </p:nvPr>
-        </p:nvSpPr>
-        <p:spPr/>
-        <p:txBody>
-          <a:bodyPr/>
-          <a:lstStyle/>
-          <a:p>
-            <a:fld id="{6F705D35-D126-3B47-A82C-2A13EA9E0A67}" type="slidenum">
-              <a:rPr lang="en-US" smtClean="0"/>
-              <a:pPr/>
-              <a:t>29</a:t>
-            </a:fld>
-            <a:endParaRPr lang="en-US" dirty="0"/>
-          </a:p>
-        </p:txBody>
-      </p:sp>
-    </p:spTree>
-    <p:extLst>
-      <p:ext uri="{BB962C8B-B14F-4D97-AF65-F5344CB8AC3E}">
-        <p14:creationId xmlns:p14="http://schemas.microsoft.com/office/powerpoint/2010/main" val="3799249435"/>
       </p:ext>
     </p:extLst>
   </p:cSld>
@@ -26540,179 +28666,375 @@
       </p:grpSpPr>
       <p:sp>
         <p:nvSpPr>
-          <p:cNvPr id="3" name="タイトル 2">
+          <p:cNvPr id="6" name="正方形/長方形 5">
             <a:extLst>
               <a:ext uri="{FF2B5EF4-FFF2-40B4-BE49-F238E27FC236}">
-                <a16:creationId xmlns:a16="http://schemas.microsoft.com/office/drawing/2014/main" id="{F31681CE-1577-499A-A6FF-63FB6C4A5151}"/>
+                <a16:creationId xmlns:a16="http://schemas.microsoft.com/office/drawing/2014/main" id="{7FADF169-39C0-4D30-8297-874480783BDC}"/>
               </a:ext>
             </a:extLst>
           </p:cNvPr>
-          <p:cNvSpPr>
-            <a:spLocks noGrp="1"/>
-          </p:cNvSpPr>
-          <p:nvPr>
-            <p:ph type="title"/>
-          </p:nvPr>
-        </p:nvSpPr>
-        <p:spPr/>
+          <p:cNvSpPr/>
+          <p:nvPr/>
+        </p:nvSpPr>
+        <p:spPr>
+          <a:xfrm>
+            <a:off x="1447151" y="2198716"/>
+            <a:ext cx="9297698" cy="2460567"/>
+          </a:xfrm>
+          <a:prstGeom prst="rect">
+            <a:avLst/>
+          </a:prstGeom>
+          <a:solidFill>
+            <a:srgbClr val="231B23"/>
+          </a:solidFill>
+          <a:ln>
+            <a:solidFill>
+              <a:srgbClr val="231B23"/>
+            </a:solidFill>
+          </a:ln>
+        </p:spPr>
+        <p:style>
+          <a:lnRef idx="2">
+            <a:schemeClr val="accent1">
+              <a:shade val="50000"/>
+            </a:schemeClr>
+          </a:lnRef>
+          <a:fillRef idx="1">
+            <a:schemeClr val="accent1"/>
+          </a:fillRef>
+          <a:effectRef idx="0">
+            <a:schemeClr val="accent1"/>
+          </a:effectRef>
+          <a:fontRef idx="minor">
+            <a:schemeClr val="lt1"/>
+          </a:fontRef>
+        </p:style>
         <p:txBody>
-          <a:bodyPr/>
+          <a:bodyPr rtlCol="0" anchor="ctr"/>
           <a:lstStyle/>
           <a:p>
-            <a:endParaRPr kumimoji="1" lang="ja-JP" altLang="en-US"/>
+            <a:pPr algn="ctr"/>
+            <a:r>
+              <a:rPr kumimoji="1" lang="ja-JP" altLang="en-US" sz="5400" dirty="0">
+                <a:latin typeface="+mj-lt"/>
+              </a:rPr>
+              <a:t>使うかもしれんので置いとく</a:t>
+            </a:r>
           </a:p>
         </p:txBody>
       </p:sp>
-      <p:sp>
-        <p:nvSpPr>
-          <p:cNvPr id="4" name="コンテンツ プレースホルダー 3">
+      <p:pic>
+        <p:nvPicPr>
+          <p:cNvPr id="3" name="グラフィックス 2" descr="ハート付きの笑顔 (塗りつぶし) 単色塗りつぶし">
             <a:extLst>
               <a:ext uri="{FF2B5EF4-FFF2-40B4-BE49-F238E27FC236}">
-                <a16:creationId xmlns:a16="http://schemas.microsoft.com/office/drawing/2014/main" id="{D82C6B04-394C-4AFD-9579-A639D735AB46}"/>
+                <a16:creationId xmlns:a16="http://schemas.microsoft.com/office/drawing/2014/main" id="{BECD7C66-2FBC-4760-83C6-5712687C3B86}"/>
               </a:ext>
             </a:extLst>
           </p:cNvPr>
-          <p:cNvSpPr>
-            <a:spLocks noGrp="1"/>
-          </p:cNvSpPr>
-          <p:nvPr>
-            <p:ph sz="quarter" idx="13"/>
-          </p:nvPr>
-        </p:nvSpPr>
-        <p:spPr/>
+          <p:cNvPicPr>
+            <a:picLocks noChangeAspect="1"/>
+          </p:cNvPicPr>
+          <p:nvPr/>
+        </p:nvPicPr>
+        <p:blipFill>
+          <a:blip r:embed="rId2">
+            <a:extLst>
+              <a:ext uri="{96DAC541-7B7A-43D3-8B79-37D633B846F1}">
+                <asvg:svgBlip xmlns:asvg="http://schemas.microsoft.com/office/drawing/2016/SVG/main" r:embed="rId3"/>
+              </a:ext>
+            </a:extLst>
+          </a:blip>
+          <a:stretch>
+            <a:fillRect/>
+          </a:stretch>
+        </p:blipFill>
+        <p:spPr>
+          <a:xfrm>
+            <a:off x="1508324" y="1387805"/>
+            <a:ext cx="735351" cy="735351"/>
+          </a:xfrm>
+          <a:prstGeom prst="rect">
+            <a:avLst/>
+          </a:prstGeom>
+        </p:spPr>
+      </p:pic>
+      <p:pic>
+        <p:nvPicPr>
+          <p:cNvPr id="4" name="グラフィックス 3" descr="困った顔 (塗りつぶし) 単色塗りつぶし">
+            <a:extLst>
+              <a:ext uri="{FF2B5EF4-FFF2-40B4-BE49-F238E27FC236}">
+                <a16:creationId xmlns:a16="http://schemas.microsoft.com/office/drawing/2014/main" id="{0F89CBD0-0C25-46A7-993D-33EDF4737EF2}"/>
+              </a:ext>
+            </a:extLst>
+          </p:cNvPr>
+          <p:cNvPicPr>
+            <a:picLocks noChangeAspect="1"/>
+          </p:cNvPicPr>
+          <p:nvPr/>
+        </p:nvPicPr>
+        <p:blipFill>
+          <a:blip r:embed="rId4">
+            <a:extLst>
+              <a:ext uri="{96DAC541-7B7A-43D3-8B79-37D633B846F1}">
+                <asvg:svgBlip xmlns:asvg="http://schemas.microsoft.com/office/drawing/2016/SVG/main" r:embed="rId5"/>
+              </a:ext>
+            </a:extLst>
+          </a:blip>
+          <a:stretch>
+            <a:fillRect/>
+          </a:stretch>
+        </p:blipFill>
+        <p:spPr>
+          <a:xfrm>
+            <a:off x="3610779" y="1387803"/>
+            <a:ext cx="735351" cy="735351"/>
+          </a:xfrm>
+          <a:prstGeom prst="rect">
+            <a:avLst/>
+          </a:prstGeom>
+        </p:spPr>
+      </p:pic>
+      <p:pic>
+        <p:nvPicPr>
+          <p:cNvPr id="5" name="コンテンツ プレースホルダー 7" descr="ニヤリとした顔 (塗りつぶし) 単色塗りつぶし">
+            <a:extLst>
+              <a:ext uri="{FF2B5EF4-FFF2-40B4-BE49-F238E27FC236}">
+                <a16:creationId xmlns:a16="http://schemas.microsoft.com/office/drawing/2014/main" id="{890A1467-35F2-4F98-ADF2-98E108DFB309}"/>
+              </a:ext>
+            </a:extLst>
+          </p:cNvPr>
+          <p:cNvPicPr>
+            <a:picLocks noChangeAspect="1"/>
+          </p:cNvPicPr>
+          <p:nvPr/>
+        </p:nvPicPr>
+        <p:blipFill>
+          <a:blip r:embed="rId6">
+            <a:extLst>
+              <a:ext uri="{96DAC541-7B7A-43D3-8B79-37D633B846F1}">
+                <asvg:svgBlip xmlns:asvg="http://schemas.microsoft.com/office/drawing/2016/SVG/main" r:embed="rId7"/>
+              </a:ext>
+            </a:extLst>
+          </a:blip>
+          <a:stretch>
+            <a:fillRect/>
+          </a:stretch>
+        </p:blipFill>
+        <p:spPr>
+          <a:xfrm>
+            <a:off x="2191876" y="1387804"/>
+            <a:ext cx="735351" cy="735351"/>
+          </a:xfrm>
+          <a:prstGeom prst="rect">
+            <a:avLst/>
+          </a:prstGeom>
+        </p:spPr>
+      </p:pic>
+      <p:pic>
+        <p:nvPicPr>
+          <p:cNvPr id="7" name="グラフィックス 6" descr="無表情な顔 (塗りつぶし) 単色塗りつぶし">
+            <a:extLst>
+              <a:ext uri="{FF2B5EF4-FFF2-40B4-BE49-F238E27FC236}">
+                <a16:creationId xmlns:a16="http://schemas.microsoft.com/office/drawing/2014/main" id="{CAAEE752-C6E9-4F44-8EA4-7A6728074542}"/>
+              </a:ext>
+            </a:extLst>
+          </p:cNvPr>
+          <p:cNvPicPr>
+            <a:picLocks noChangeAspect="1"/>
+          </p:cNvPicPr>
+          <p:nvPr/>
+        </p:nvPicPr>
+        <p:blipFill>
+          <a:blip r:embed="rId8">
+            <a:extLst>
+              <a:ext uri="{96DAC541-7B7A-43D3-8B79-37D633B846F1}">
+                <asvg:svgBlip xmlns:asvg="http://schemas.microsoft.com/office/drawing/2016/SVG/main" r:embed="rId9"/>
+              </a:ext>
+            </a:extLst>
+          </a:blip>
+          <a:stretch>
+            <a:fillRect/>
+          </a:stretch>
+        </p:blipFill>
+        <p:spPr>
+          <a:xfrm>
+            <a:off x="2875428" y="1387805"/>
+            <a:ext cx="735351" cy="735351"/>
+          </a:xfrm>
+          <a:prstGeom prst="rect">
+            <a:avLst/>
+          </a:prstGeom>
+        </p:spPr>
+      </p:pic>
+      <p:pic>
+        <p:nvPicPr>
+          <p:cNvPr id="8" name="グラフィックス 7" descr="目が回った顔 (塗りつぶしなし) 単色塗りつぶし">
+            <a:extLst>
+              <a:ext uri="{FF2B5EF4-FFF2-40B4-BE49-F238E27FC236}">
+                <a16:creationId xmlns:a16="http://schemas.microsoft.com/office/drawing/2014/main" id="{739CF3B6-1402-48C8-94F1-90A44A64BDB1}"/>
+              </a:ext>
+            </a:extLst>
+          </p:cNvPr>
+          <p:cNvPicPr>
+            <a:picLocks noChangeAspect="1"/>
+          </p:cNvPicPr>
+          <p:nvPr/>
+        </p:nvPicPr>
+        <p:blipFill>
+          <a:blip r:embed="rId10">
+            <a:extLst>
+              <a:ext uri="{96DAC541-7B7A-43D3-8B79-37D633B846F1}">
+                <asvg:svgBlip xmlns:asvg="http://schemas.microsoft.com/office/drawing/2016/SVG/main" r:embed="rId11"/>
+              </a:ext>
+            </a:extLst>
+          </a:blip>
+          <a:stretch>
+            <a:fillRect/>
+          </a:stretch>
+        </p:blipFill>
+        <p:spPr>
+          <a:xfrm>
+            <a:off x="1522473" y="323405"/>
+            <a:ext cx="735351" cy="735351"/>
+          </a:xfrm>
+          <a:prstGeom prst="rect">
+            <a:avLst/>
+          </a:prstGeom>
+        </p:spPr>
+      </p:pic>
+      <p:pic>
+        <p:nvPicPr>
+          <p:cNvPr id="12" name="グラフィックス 11" descr="目が回った顔 (塗りつぶし) 単色塗りつぶし">
+            <a:extLst>
+              <a:ext uri="{FF2B5EF4-FFF2-40B4-BE49-F238E27FC236}">
+                <a16:creationId xmlns:a16="http://schemas.microsoft.com/office/drawing/2014/main" id="{71A36AAF-B3B1-4644-9B05-2BC509C719B9}"/>
+              </a:ext>
+            </a:extLst>
+          </p:cNvPr>
+          <p:cNvPicPr>
+            <a:picLocks noChangeAspect="1"/>
+          </p:cNvPicPr>
+          <p:nvPr/>
+        </p:nvPicPr>
+        <p:blipFill>
+          <a:blip r:embed="rId12">
+            <a:extLst>
+              <a:ext uri="{96DAC541-7B7A-43D3-8B79-37D633B846F1}">
+                <asvg:svgBlip xmlns:asvg="http://schemas.microsoft.com/office/drawing/2016/SVG/main" r:embed="rId13"/>
+              </a:ext>
+            </a:extLst>
+          </a:blip>
+          <a:stretch>
+            <a:fillRect/>
+          </a:stretch>
+        </p:blipFill>
+        <p:spPr>
+          <a:xfrm>
+            <a:off x="4294331" y="1387805"/>
+            <a:ext cx="735351" cy="735351"/>
+          </a:xfrm>
+          <a:prstGeom prst="rect">
+            <a:avLst/>
+          </a:prstGeom>
+        </p:spPr>
+      </p:pic>
+      <p:sp>
+        <p:nvSpPr>
+          <p:cNvPr id="9" name="正方形/長方形 8">
+            <a:extLst>
+              <a:ext uri="{FF2B5EF4-FFF2-40B4-BE49-F238E27FC236}">
+                <a16:creationId xmlns:a16="http://schemas.microsoft.com/office/drawing/2014/main" id="{30A1081F-4C65-48DF-BEC6-412933495622}"/>
+              </a:ext>
+            </a:extLst>
+          </p:cNvPr>
+          <p:cNvSpPr/>
+          <p:nvPr/>
+        </p:nvSpPr>
+        <p:spPr>
+          <a:xfrm>
+            <a:off x="1104127" y="4734843"/>
+            <a:ext cx="6380407" cy="1586406"/>
+          </a:xfrm>
+          <a:prstGeom prst="rect">
+            <a:avLst/>
+          </a:prstGeom>
+          <a:solidFill>
+            <a:schemeClr val="accent2">
+              <a:lumMod val="20000"/>
+              <a:lumOff val="80000"/>
+            </a:schemeClr>
+          </a:solidFill>
+          <a:ln>
+            <a:solidFill>
+              <a:schemeClr val="tx1">
+                <a:lumMod val="25000"/>
+                <a:lumOff val="75000"/>
+              </a:schemeClr>
+            </a:solidFill>
+          </a:ln>
+        </p:spPr>
+        <p:style>
+          <a:lnRef idx="1">
+            <a:schemeClr val="accent4"/>
+          </a:lnRef>
+          <a:fillRef idx="3">
+            <a:schemeClr val="accent4"/>
+          </a:fillRef>
+          <a:effectRef idx="2">
+            <a:schemeClr val="accent4"/>
+          </a:effectRef>
+          <a:fontRef idx="minor">
+            <a:schemeClr val="lt1"/>
+          </a:fontRef>
+        </p:style>
         <p:txBody>
-          <a:bodyPr/>
+          <a:bodyPr rtlCol="0" anchor="ctr" anchorCtr="0"/>
           <a:lstStyle/>
           <a:p>
-            <a:pPr marL="0" indent="0">
-              <a:lnSpc>
-                <a:spcPct val="100000"/>
-              </a:lnSpc>
-              <a:buNone/>
-            </a:pPr>
-            <a:r>
-              <a:rPr lang="ja-JP" altLang="en-US" dirty="0"/>
-              <a:t>なんでノートをアップしようと思うのか、なぜそれによって質が上がると思ったのか　記述</a:t>
-            </a:r>
-            <a:endParaRPr lang="en-US" altLang="ja-JP" dirty="0"/>
-          </a:p>
-          <a:p>
-            <a:pPr marL="0" indent="0">
-              <a:lnSpc>
-                <a:spcPct val="100000"/>
-              </a:lnSpc>
-              <a:buNone/>
-            </a:pPr>
-            <a:r>
-              <a:rPr lang="ja-JP" altLang="en-US" dirty="0"/>
-              <a:t>原因と結果　原因が弱い</a:t>
-            </a:r>
-            <a:endParaRPr lang="en-US" altLang="ja-JP" dirty="0"/>
-          </a:p>
-          <a:p>
-            <a:pPr marL="0" indent="0">
-              <a:lnSpc>
-                <a:spcPct val="100000"/>
-              </a:lnSpc>
-              <a:buNone/>
-            </a:pPr>
-            <a:r>
-              <a:rPr lang="ja-JP" altLang="en-US" dirty="0"/>
-              <a:t>他チームを蹴落とす内容を挟んでもいい「質問アプリなんて～」</a:t>
-            </a:r>
-            <a:endParaRPr lang="en-US" altLang="ja-JP" dirty="0"/>
-          </a:p>
-          <a:p>
-            <a:pPr marL="0" indent="0">
-              <a:lnSpc>
-                <a:spcPct val="100000"/>
-              </a:lnSpc>
-              <a:buNone/>
-            </a:pPr>
-            <a:r>
-              <a:rPr lang="ja-JP" altLang="en-US" dirty="0"/>
-              <a:t>質問だけならスラックでもええやん</a:t>
-            </a:r>
-            <a:endParaRPr lang="en-US" altLang="ja-JP" dirty="0"/>
-          </a:p>
-          <a:p>
-            <a:pPr marL="0" indent="0">
-              <a:lnSpc>
-                <a:spcPct val="100000"/>
-              </a:lnSpc>
-              <a:buNone/>
-            </a:pPr>
-            <a:endParaRPr lang="en-US" altLang="ja-JP" dirty="0"/>
-          </a:p>
-          <a:p>
-            <a:pPr marL="0" indent="0">
-              <a:lnSpc>
-                <a:spcPct val="100000"/>
-              </a:lnSpc>
-              <a:buNone/>
-            </a:pPr>
-            <a:r>
-              <a:rPr lang="ja-JP" altLang="en-US" dirty="0"/>
-              <a:t>ノートにした理由</a:t>
-            </a:r>
-            <a:endParaRPr lang="en-US" altLang="ja-JP" dirty="0"/>
-          </a:p>
-          <a:p>
-            <a:pPr marL="0" indent="0">
-              <a:lnSpc>
-                <a:spcPct val="100000"/>
-              </a:lnSpc>
-              <a:buNone/>
-            </a:pPr>
-            <a:r>
-              <a:rPr lang="ja-JP" altLang="en-US" dirty="0"/>
-              <a:t>・相互コミュニケーションがないのでハードル低い　質問する前のステップとして活用</a:t>
-            </a:r>
-            <a:endParaRPr lang="en-US" altLang="ja-JP" dirty="0"/>
-          </a:p>
-          <a:p>
-            <a:pPr marL="0" indent="0">
-              <a:lnSpc>
-                <a:spcPct val="100000"/>
-              </a:lnSpc>
-              <a:buNone/>
-            </a:pPr>
-            <a:r>
-              <a:rPr lang="ja-JP" altLang="en-US" dirty="0"/>
-              <a:t>・自分じゃ気づかなかったけど言われてみれば！の発見にも役立つ</a:t>
-            </a:r>
-            <a:endParaRPr lang="en-US" altLang="ja-JP" dirty="0"/>
-          </a:p>
-          <a:p>
-            <a:pPr marL="0" indent="0">
-              <a:lnSpc>
-                <a:spcPct val="100000"/>
-              </a:lnSpc>
-              <a:buNone/>
-            </a:pPr>
-            <a:r>
-              <a:rPr lang="ja-JP" altLang="en-US" dirty="0"/>
-              <a:t>・</a:t>
-            </a:r>
-            <a:endParaRPr lang="en-US" altLang="ja-JP" dirty="0"/>
-          </a:p>
-          <a:p>
-            <a:pPr marL="0" indent="0">
-              <a:lnSpc>
-                <a:spcPct val="100000"/>
-              </a:lnSpc>
-              <a:buNone/>
-            </a:pPr>
-            <a:endParaRPr lang="en-US" altLang="ja-JP" dirty="0"/>
+            <a:pPr algn="ctr"/>
+            <a:r>
+              <a:rPr kumimoji="1" lang="ja-JP" altLang="en-US" sz="2400" b="1" dirty="0">
+                <a:solidFill>
+                  <a:schemeClr val="tx1"/>
+                </a:solidFill>
+                <a:latin typeface="Abadi" panose="020B0604020202020204" pitchFamily="34" charset="0"/>
+              </a:rPr>
+              <a:t>杉森「</a:t>
+            </a:r>
+            <a:r>
+              <a:rPr kumimoji="1" lang="en-US" altLang="ja-JP" sz="2400" b="1" dirty="0">
+                <a:solidFill>
+                  <a:schemeClr val="tx1"/>
+                </a:solidFill>
+                <a:latin typeface="Abadi" panose="020B0604020202020204" pitchFamily="34" charset="0"/>
+              </a:rPr>
+              <a:t>Ajax</a:t>
+            </a:r>
+            <a:r>
+              <a:rPr kumimoji="1" lang="ja-JP" altLang="en-US" sz="2400" b="1" dirty="0">
+                <a:solidFill>
+                  <a:schemeClr val="tx1"/>
+                </a:solidFill>
+                <a:latin typeface="Abadi" panose="020B0604020202020204" pitchFamily="34" charset="0"/>
+              </a:rPr>
+              <a:t>使わないなら楽勝じゃん！」</a:t>
+            </a:r>
+            <a:endParaRPr kumimoji="1" lang="en-US" altLang="ja-JP" sz="2400" b="1" dirty="0">
+              <a:solidFill>
+                <a:schemeClr val="tx1"/>
+              </a:solidFill>
+              <a:latin typeface="Abadi" panose="020B0604020202020204" pitchFamily="34" charset="0"/>
+            </a:endParaRPr>
           </a:p>
         </p:txBody>
       </p:sp>
       <p:sp>
         <p:nvSpPr>
-          <p:cNvPr id="5" name="スライド番号プレースホルダー 4">
+          <p:cNvPr id="2" name="スライド番号プレースホルダー 1">
             <a:extLst>
               <a:ext uri="{FF2B5EF4-FFF2-40B4-BE49-F238E27FC236}">
-                <a16:creationId xmlns:a16="http://schemas.microsoft.com/office/drawing/2014/main" id="{28ED723F-A306-4870-A866-475254944CF5}"/>
+                <a16:creationId xmlns:a16="http://schemas.microsoft.com/office/drawing/2014/main" id="{AA3C296D-DB7E-474A-B0A0-93EFF008D7DF}"/>
               </a:ext>
             </a:extLst>
           </p:cNvPr>
@@ -26740,7 +29062,7 @@
     </p:spTree>
     <p:extLst>
       <p:ext uri="{BB962C8B-B14F-4D97-AF65-F5344CB8AC3E}">
-        <p14:creationId xmlns:p14="http://schemas.microsoft.com/office/powerpoint/2010/main" val="532303304"/>
+        <p14:creationId xmlns:p14="http://schemas.microsoft.com/office/powerpoint/2010/main" val="3799249435"/>
       </p:ext>
     </p:extLst>
   </p:cSld>
@@ -26820,248 +29142,120 @@
               <a:buNone/>
             </a:pPr>
             <a:r>
-              <a:rPr lang="en-US" altLang="ja-JP" b="0" i="0" dirty="0">
-                <a:solidFill>
-                  <a:srgbClr val="1D1C1D"/>
-                </a:solidFill>
-                <a:effectLst/>
-                <a:latin typeface="NotoSansJP"/>
-              </a:rPr>
-              <a:t>a4</a:t>
-            </a:r>
-            <a:br>
               <a:rPr lang="ja-JP" altLang="en-US" dirty="0"/>
-            </a:br>
-            <a:r>
-              <a:rPr lang="ja-JP" altLang="en-US" b="0" i="0" dirty="0">
-                <a:solidFill>
-                  <a:srgbClr val="1D1C1D"/>
-                </a:solidFill>
-                <a:effectLst/>
-                <a:latin typeface="NotoSansJP"/>
-              </a:rPr>
-              <a:t>システムについて</a:t>
-            </a:r>
-            <a:br>
+              <a:t>なんでノートをアップしようと思うのか、なぜそれによって質が上がると思ったのか　記述</a:t>
+            </a:r>
+            <a:endParaRPr lang="en-US" altLang="ja-JP" dirty="0"/>
+          </a:p>
+          <a:p>
+            <a:pPr marL="0" indent="0">
+              <a:lnSpc>
+                <a:spcPct val="100000"/>
+              </a:lnSpc>
+              <a:buNone/>
+            </a:pPr>
+            <a:r>
               <a:rPr lang="ja-JP" altLang="en-US" dirty="0"/>
-            </a:br>
-            <a:r>
-              <a:rPr lang="ja-JP" altLang="en-US" b="0" i="0" dirty="0">
-                <a:solidFill>
-                  <a:srgbClr val="1D1C1D"/>
-                </a:solidFill>
-                <a:effectLst/>
-                <a:latin typeface="NotoSansJP"/>
-              </a:rPr>
-              <a:t>コンセプト保留デモンストレーション</a:t>
-            </a:r>
-            <a:br>
+              <a:t>原因と結果　原因が弱い</a:t>
+            </a:r>
+            <a:endParaRPr lang="en-US" altLang="ja-JP" dirty="0"/>
+          </a:p>
+          <a:p>
+            <a:pPr marL="0" indent="0">
+              <a:lnSpc>
+                <a:spcPct val="100000"/>
+              </a:lnSpc>
+              <a:buNone/>
+            </a:pPr>
+            <a:r>
               <a:rPr lang="ja-JP" altLang="en-US" dirty="0"/>
-            </a:br>
-            <a:r>
-              <a:rPr lang="ja-JP" altLang="en-US" b="0" i="0" dirty="0">
-                <a:solidFill>
-                  <a:srgbClr val="1D1C1D"/>
-                </a:solidFill>
-                <a:effectLst/>
-                <a:latin typeface="NotoSansJP"/>
-              </a:rPr>
-              <a:t>もちろん、ユーザーの登録や、パスワード忘れの機能も常備してます。</a:t>
-            </a:r>
-            <a:br>
+              <a:t>他チームを蹴落とす内容を挟んでもいい「質問アプリなんて～」</a:t>
+            </a:r>
+            <a:endParaRPr lang="en-US" altLang="ja-JP" dirty="0"/>
+          </a:p>
+          <a:p>
+            <a:pPr marL="0" indent="0">
+              <a:lnSpc>
+                <a:spcPct val="100000"/>
+              </a:lnSpc>
+              <a:buNone/>
+            </a:pPr>
+            <a:r>
               <a:rPr lang="ja-JP" altLang="en-US" dirty="0"/>
-            </a:br>
-            <a:r>
-              <a:rPr lang="ja-JP" altLang="en-US" b="0" i="0" dirty="0">
-                <a:solidFill>
-                  <a:srgbClr val="1D1C1D"/>
-                </a:solidFill>
-                <a:effectLst/>
-                <a:latin typeface="NotoSansJP"/>
-              </a:rPr>
-              <a:t>画像の反映に時間がかかるのであれば、そこは話で少しつなごう</a:t>
-            </a:r>
-            <a:br>
+              <a:t>質問だけならスラックでもええやん</a:t>
+            </a:r>
+            <a:endParaRPr lang="en-US" altLang="ja-JP" dirty="0"/>
+          </a:p>
+          <a:p>
+            <a:pPr marL="0" indent="0">
+              <a:lnSpc>
+                <a:spcPct val="100000"/>
+              </a:lnSpc>
+              <a:buNone/>
+            </a:pPr>
+            <a:endParaRPr lang="en-US" altLang="ja-JP" dirty="0"/>
+          </a:p>
+          <a:p>
+            <a:pPr marL="0" indent="0">
+              <a:lnSpc>
+                <a:spcPct val="100000"/>
+              </a:lnSpc>
+              <a:buNone/>
+            </a:pPr>
+            <a:r>
               <a:rPr lang="ja-JP" altLang="en-US" dirty="0"/>
-            </a:br>
-            <a:r>
-              <a:rPr lang="ja-JP" altLang="en-US" b="0" i="0" dirty="0">
-                <a:solidFill>
-                  <a:srgbClr val="1D1C1D"/>
-                </a:solidFill>
-                <a:effectLst/>
-                <a:latin typeface="NotoSansJP"/>
-              </a:rPr>
-              <a:t>高いものがいいものとは限らないので、視野を広げてみてもらうため</a:t>
-            </a:r>
-            <a:br>
+              <a:t>ノートにした理由</a:t>
+            </a:r>
+            <a:endParaRPr lang="en-US" altLang="ja-JP" dirty="0"/>
+          </a:p>
+          <a:p>
+            <a:pPr marL="0" indent="0">
+              <a:lnSpc>
+                <a:spcPct val="100000"/>
+              </a:lnSpc>
+              <a:buNone/>
+            </a:pPr>
+            <a:r>
               <a:rPr lang="ja-JP" altLang="en-US" dirty="0"/>
-            </a:br>
-            <a:r>
-              <a:rPr lang="ja-JP" altLang="en-US" b="0" i="0" dirty="0">
-                <a:solidFill>
-                  <a:srgbClr val="1D1C1D"/>
-                </a:solidFill>
-                <a:effectLst/>
-                <a:latin typeface="NotoSansJP"/>
-              </a:rPr>
-              <a:t>難しい機能なのに、難しさがあまり伝わらない</a:t>
-            </a:r>
-            <a:br>
+              <a:t>・相互コミュニケーションがないのでハードル低い　質問する前のステップとして活用</a:t>
+            </a:r>
+            <a:endParaRPr lang="en-US" altLang="ja-JP" dirty="0"/>
+          </a:p>
+          <a:p>
+            <a:pPr marL="0" indent="0">
+              <a:lnSpc>
+                <a:spcPct val="100000"/>
+              </a:lnSpc>
+              <a:buNone/>
+            </a:pPr>
+            <a:r>
               <a:rPr lang="ja-JP" altLang="en-US" dirty="0"/>
-            </a:br>
-            <a:r>
-              <a:rPr lang="en-US" altLang="ja-JP" b="0" i="0" dirty="0">
-                <a:solidFill>
-                  <a:srgbClr val="1D1C1D"/>
-                </a:solidFill>
-                <a:effectLst/>
-                <a:latin typeface="NotoSansJP"/>
-              </a:rPr>
-              <a:t>ajax</a:t>
-            </a:r>
-            <a:r>
-              <a:rPr lang="ja-JP" altLang="en-US" b="0" i="0" dirty="0">
-                <a:solidFill>
-                  <a:srgbClr val="1D1C1D"/>
-                </a:solidFill>
-                <a:effectLst/>
-                <a:latin typeface="NotoSansJP"/>
-              </a:rPr>
-              <a:t>筆頭に習っていない知識があるという部分を強調システムについて</a:t>
-            </a:r>
-            <a:br>
+              <a:t>・自分じゃ気づかなかったけど言われてみれば！の発見にも役立つ</a:t>
+            </a:r>
+            <a:endParaRPr lang="en-US" altLang="ja-JP" dirty="0"/>
+          </a:p>
+          <a:p>
+            <a:pPr marL="0" indent="0">
+              <a:lnSpc>
+                <a:spcPct val="100000"/>
+              </a:lnSpc>
+              <a:buNone/>
+            </a:pPr>
+            <a:r>
               <a:rPr lang="ja-JP" altLang="en-US" dirty="0"/>
-            </a:br>
-            <a:r>
-              <a:rPr lang="ja-JP" altLang="en-US" b="0" i="0" dirty="0">
-                <a:solidFill>
-                  <a:srgbClr val="1D1C1D"/>
-                </a:solidFill>
-                <a:effectLst/>
-                <a:latin typeface="NotoSansJP"/>
-              </a:rPr>
-              <a:t>一般の人は、ノートを共有する意味を知らない。</a:t>
-            </a:r>
-            <a:br>
-              <a:rPr lang="ja-JP" altLang="en-US" dirty="0"/>
-            </a:br>
-            <a:r>
-              <a:rPr lang="ja-JP" altLang="en-US" b="0" i="0" dirty="0">
-                <a:solidFill>
-                  <a:srgbClr val="1D1C1D"/>
-                </a:solidFill>
-                <a:effectLst/>
-                <a:latin typeface="NotoSansJP"/>
-              </a:rPr>
-              <a:t>そういう学びがあったのか</a:t>
-            </a:r>
-            <a:br>
-              <a:rPr lang="ja-JP" altLang="en-US" dirty="0"/>
-            </a:br>
-            <a:r>
-              <a:rPr lang="ja-JP" altLang="en-US" b="0" i="0" dirty="0">
-                <a:solidFill>
-                  <a:srgbClr val="1D1C1D"/>
-                </a:solidFill>
-                <a:effectLst/>
-                <a:latin typeface="NotoSansJP"/>
-              </a:rPr>
-              <a:t>ノートは自分が見れればいいの精神が強い</a:t>
-            </a:r>
-            <a:br>
-              <a:rPr lang="ja-JP" altLang="en-US" dirty="0"/>
-            </a:br>
-            <a:r>
-              <a:rPr lang="ja-JP" altLang="en-US" b="0" i="0" dirty="0">
-                <a:solidFill>
-                  <a:srgbClr val="1D1C1D"/>
-                </a:solidFill>
-                <a:effectLst/>
-                <a:latin typeface="NotoSansJP"/>
-              </a:rPr>
-              <a:t>（頭のいい人ほどそう考える）チームの振り返り</a:t>
-            </a:r>
-            <a:br>
-              <a:rPr lang="ja-JP" altLang="en-US" dirty="0"/>
-            </a:br>
-            <a:r>
-              <a:rPr lang="ja-JP" altLang="en-US" b="0" i="0" dirty="0">
-                <a:solidFill>
-                  <a:srgbClr val="1D1C1D"/>
-                </a:solidFill>
-                <a:effectLst/>
-                <a:latin typeface="NotoSansJP"/>
-              </a:rPr>
-              <a:t>何故スムーズな意見交換ができたのか</a:t>
-            </a:r>
-            <a:br>
-              <a:rPr lang="ja-JP" altLang="en-US" dirty="0"/>
-            </a:br>
-            <a:r>
-              <a:rPr lang="ja-JP" altLang="en-US" b="0" i="0" dirty="0">
-                <a:solidFill>
-                  <a:srgbClr val="1D1C1D"/>
-                </a:solidFill>
-                <a:effectLst/>
-                <a:latin typeface="NotoSansJP"/>
-              </a:rPr>
-              <a:t>誰が何に気をつけていたのか的確な分業はどのようにして生まれたのか？</a:t>
-            </a:r>
-            <a:br>
-              <a:rPr lang="ja-JP" altLang="en-US" dirty="0"/>
-            </a:br>
-            <a:r>
-              <a:rPr lang="ja-JP" altLang="en-US" b="0" i="0" dirty="0">
-                <a:solidFill>
-                  <a:srgbClr val="1D1C1D"/>
-                </a:solidFill>
-                <a:effectLst/>
-                <a:latin typeface="NotoSansJP"/>
-              </a:rPr>
-              <a:t>失敗から学びがあり、そうしたのか個人</a:t>
-            </a:r>
-            <a:br>
-              <a:rPr lang="ja-JP" altLang="en-US" dirty="0"/>
-            </a:br>
-            <a:r>
-              <a:rPr lang="ja-JP" altLang="en-US" b="0" i="0" dirty="0">
-                <a:solidFill>
-                  <a:srgbClr val="1D1C1D"/>
-                </a:solidFill>
-                <a:effectLst/>
-                <a:latin typeface="NotoSansJP"/>
-              </a:rPr>
-              <a:t>蔭山さん</a:t>
-            </a:r>
-            <a:br>
-              <a:rPr lang="ja-JP" altLang="en-US" dirty="0"/>
-            </a:br>
-            <a:r>
-              <a:rPr lang="ja-JP" altLang="en-US" b="0" i="0" dirty="0">
-                <a:solidFill>
-                  <a:srgbClr val="1D1C1D"/>
-                </a:solidFill>
-                <a:effectLst/>
-                <a:latin typeface="NotoSansJP"/>
-              </a:rPr>
-              <a:t>プログラミングにチャレンジできなかったことで何を学び、</a:t>
-            </a:r>
-            <a:br>
-              <a:rPr lang="ja-JP" altLang="en-US" dirty="0"/>
-            </a:br>
-            <a:r>
-              <a:rPr lang="ja-JP" altLang="en-US" b="0" i="0" dirty="0">
-                <a:solidFill>
-                  <a:srgbClr val="1D1C1D"/>
-                </a:solidFill>
-                <a:effectLst/>
-                <a:latin typeface="NotoSansJP"/>
-              </a:rPr>
-              <a:t>何を今後しなくてはならないか。最終的にプラス思考にもっていく。</a:t>
+              <a:t>・</a:t>
             </a:r>
             <a:endParaRPr lang="en-US" altLang="ja-JP" dirty="0"/>
           </a:p>
+          <a:p>
+            <a:pPr marL="0" indent="0">
+              <a:lnSpc>
+                <a:spcPct val="100000"/>
+              </a:lnSpc>
+              <a:buNone/>
+            </a:pPr>
+            <a:endParaRPr lang="en-US" altLang="ja-JP" dirty="0"/>
+          </a:p>
         </p:txBody>
       </p:sp>
       <p:sp>
@@ -27069,7 +29263,7 @@
           <p:cNvPr id="5" name="スライド番号プレースホルダー 4">
             <a:extLst>
               <a:ext uri="{FF2B5EF4-FFF2-40B4-BE49-F238E27FC236}">
-                <a16:creationId xmlns:a16="http://schemas.microsoft.com/office/drawing/2014/main" id="{BC99C95B-0ED8-489C-8223-DECD6238CE05}"/>
+                <a16:creationId xmlns:a16="http://schemas.microsoft.com/office/drawing/2014/main" id="{28ED723F-A306-4870-A866-475254944CF5}"/>
               </a:ext>
             </a:extLst>
           </p:cNvPr>
@@ -27089,6 +29283,363 @@
               <a:rPr lang="en-US" smtClean="0"/>
               <a:pPr/>
               <a:t>31</a:t>
+            </a:fld>
+            <a:endParaRPr lang="en-US" dirty="0"/>
+          </a:p>
+        </p:txBody>
+      </p:sp>
+    </p:spTree>
+    <p:extLst>
+      <p:ext uri="{BB962C8B-B14F-4D97-AF65-F5344CB8AC3E}">
+        <p14:creationId xmlns:p14="http://schemas.microsoft.com/office/powerpoint/2010/main" val="532303304"/>
+      </p:ext>
+    </p:extLst>
+  </p:cSld>
+  <p:clrMapOvr>
+    <a:masterClrMapping/>
+  </p:clrMapOvr>
+</p:sld>
+</file>
+
+<file path=ppt/slides/slide32.xml><?xml version="1.0" encoding="utf-8"?>
+<p:sld xmlns:a="http://schemas.openxmlformats.org/drawingml/2006/main" xmlns:r="http://schemas.openxmlformats.org/officeDocument/2006/relationships" xmlns:p="http://schemas.openxmlformats.org/presentationml/2006/main" show="0">
+  <p:cSld>
+    <p:spTree>
+      <p:nvGrpSpPr>
+        <p:cNvPr id="1" name=""/>
+        <p:cNvGrpSpPr/>
+        <p:nvPr/>
+      </p:nvGrpSpPr>
+      <p:grpSpPr>
+        <a:xfrm>
+          <a:off x="0" y="0"/>
+          <a:ext cx="0" cy="0"/>
+          <a:chOff x="0" y="0"/>
+          <a:chExt cx="0" cy="0"/>
+        </a:xfrm>
+      </p:grpSpPr>
+      <p:sp>
+        <p:nvSpPr>
+          <p:cNvPr id="3" name="タイトル 2">
+            <a:extLst>
+              <a:ext uri="{FF2B5EF4-FFF2-40B4-BE49-F238E27FC236}">
+                <a16:creationId xmlns:a16="http://schemas.microsoft.com/office/drawing/2014/main" id="{F31681CE-1577-499A-A6FF-63FB6C4A5151}"/>
+              </a:ext>
+            </a:extLst>
+          </p:cNvPr>
+          <p:cNvSpPr>
+            <a:spLocks noGrp="1"/>
+          </p:cNvSpPr>
+          <p:nvPr>
+            <p:ph type="title"/>
+          </p:nvPr>
+        </p:nvSpPr>
+        <p:spPr/>
+        <p:txBody>
+          <a:bodyPr/>
+          <a:lstStyle/>
+          <a:p>
+            <a:endParaRPr kumimoji="1" lang="ja-JP" altLang="en-US"/>
+          </a:p>
+        </p:txBody>
+      </p:sp>
+      <p:sp>
+        <p:nvSpPr>
+          <p:cNvPr id="4" name="コンテンツ プレースホルダー 3">
+            <a:extLst>
+              <a:ext uri="{FF2B5EF4-FFF2-40B4-BE49-F238E27FC236}">
+                <a16:creationId xmlns:a16="http://schemas.microsoft.com/office/drawing/2014/main" id="{D82C6B04-394C-4AFD-9579-A639D735AB46}"/>
+              </a:ext>
+            </a:extLst>
+          </p:cNvPr>
+          <p:cNvSpPr>
+            <a:spLocks noGrp="1"/>
+          </p:cNvSpPr>
+          <p:nvPr>
+            <p:ph sz="quarter" idx="13"/>
+          </p:nvPr>
+        </p:nvSpPr>
+        <p:spPr/>
+        <p:txBody>
+          <a:bodyPr/>
+          <a:lstStyle/>
+          <a:p>
+            <a:pPr marL="0" indent="0">
+              <a:lnSpc>
+                <a:spcPct val="100000"/>
+              </a:lnSpc>
+              <a:buNone/>
+            </a:pPr>
+            <a:r>
+              <a:rPr lang="en-US" altLang="ja-JP" b="0" i="0" dirty="0">
+                <a:solidFill>
+                  <a:srgbClr val="1D1C1D"/>
+                </a:solidFill>
+                <a:effectLst/>
+                <a:latin typeface="NotoSansJP"/>
+              </a:rPr>
+              <a:t>a4</a:t>
+            </a:r>
+            <a:br>
+              <a:rPr lang="ja-JP" altLang="en-US" dirty="0"/>
+            </a:br>
+            <a:r>
+              <a:rPr lang="ja-JP" altLang="en-US" b="0" i="0" dirty="0">
+                <a:solidFill>
+                  <a:srgbClr val="1D1C1D"/>
+                </a:solidFill>
+                <a:effectLst/>
+                <a:latin typeface="NotoSansJP"/>
+              </a:rPr>
+              <a:t>システムについて</a:t>
+            </a:r>
+            <a:br>
+              <a:rPr lang="ja-JP" altLang="en-US" dirty="0"/>
+            </a:br>
+            <a:r>
+              <a:rPr lang="ja-JP" altLang="en-US" b="0" i="0" dirty="0">
+                <a:solidFill>
+                  <a:srgbClr val="1D1C1D"/>
+                </a:solidFill>
+                <a:effectLst/>
+                <a:latin typeface="NotoSansJP"/>
+              </a:rPr>
+              <a:t>コンセプト保留デモンストレーション</a:t>
+            </a:r>
+            <a:br>
+              <a:rPr lang="ja-JP" altLang="en-US" dirty="0"/>
+            </a:br>
+            <a:r>
+              <a:rPr lang="ja-JP" altLang="en-US" b="0" i="0" dirty="0">
+                <a:solidFill>
+                  <a:srgbClr val="1D1C1D"/>
+                </a:solidFill>
+                <a:effectLst/>
+                <a:latin typeface="NotoSansJP"/>
+              </a:rPr>
+              <a:t>もちろん、ユーザーの登録や、パスワード忘れの機能も常備してます。</a:t>
+            </a:r>
+            <a:br>
+              <a:rPr lang="ja-JP" altLang="en-US" dirty="0"/>
+            </a:br>
+            <a:r>
+              <a:rPr lang="ja-JP" altLang="en-US" b="0" i="0" dirty="0">
+                <a:solidFill>
+                  <a:srgbClr val="1D1C1D"/>
+                </a:solidFill>
+                <a:effectLst/>
+                <a:latin typeface="NotoSansJP"/>
+              </a:rPr>
+              <a:t>画像の反映に時間がかかるのであれば、そこは話で少しつなごう</a:t>
+            </a:r>
+            <a:br>
+              <a:rPr lang="ja-JP" altLang="en-US" dirty="0"/>
+            </a:br>
+            <a:r>
+              <a:rPr lang="ja-JP" altLang="en-US" b="0" i="0" dirty="0">
+                <a:solidFill>
+                  <a:srgbClr val="1D1C1D"/>
+                </a:solidFill>
+                <a:effectLst/>
+                <a:latin typeface="NotoSansJP"/>
+              </a:rPr>
+              <a:t>高いものがいいものとは限らないので、視野を広げてみてもらうため</a:t>
+            </a:r>
+            <a:br>
+              <a:rPr lang="ja-JP" altLang="en-US" dirty="0"/>
+            </a:br>
+            <a:r>
+              <a:rPr lang="ja-JP" altLang="en-US" b="0" i="0" dirty="0">
+                <a:solidFill>
+                  <a:srgbClr val="1D1C1D"/>
+                </a:solidFill>
+                <a:effectLst/>
+                <a:latin typeface="NotoSansJP"/>
+              </a:rPr>
+              <a:t>難しい機能なのに、難しさがあまり伝わらない</a:t>
+            </a:r>
+            <a:br>
+              <a:rPr lang="ja-JP" altLang="en-US" dirty="0"/>
+            </a:br>
+            <a:r>
+              <a:rPr lang="en-US" altLang="ja-JP" b="0" i="0" dirty="0">
+                <a:solidFill>
+                  <a:srgbClr val="1D1C1D"/>
+                </a:solidFill>
+                <a:effectLst/>
+                <a:latin typeface="NotoSansJP"/>
+              </a:rPr>
+              <a:t>ajax</a:t>
+            </a:r>
+            <a:r>
+              <a:rPr lang="ja-JP" altLang="en-US" b="0" i="0" dirty="0">
+                <a:solidFill>
+                  <a:srgbClr val="1D1C1D"/>
+                </a:solidFill>
+                <a:effectLst/>
+                <a:latin typeface="NotoSansJP"/>
+              </a:rPr>
+              <a:t>筆頭に習っていない知識があるという部分を強調システムについて</a:t>
+            </a:r>
+            <a:br>
+              <a:rPr lang="ja-JP" altLang="en-US" dirty="0"/>
+            </a:br>
+            <a:r>
+              <a:rPr lang="ja-JP" altLang="en-US" b="0" i="0" dirty="0">
+                <a:solidFill>
+                  <a:srgbClr val="1D1C1D"/>
+                </a:solidFill>
+                <a:effectLst/>
+                <a:latin typeface="NotoSansJP"/>
+              </a:rPr>
+              <a:t>一般の人は、ノートを共有する意味を知らない。</a:t>
+            </a:r>
+            <a:br>
+              <a:rPr lang="ja-JP" altLang="en-US" dirty="0"/>
+            </a:br>
+            <a:r>
+              <a:rPr lang="ja-JP" altLang="en-US" b="0" i="0" dirty="0">
+                <a:solidFill>
+                  <a:srgbClr val="1D1C1D"/>
+                </a:solidFill>
+                <a:effectLst/>
+                <a:latin typeface="NotoSansJP"/>
+              </a:rPr>
+              <a:t>そういう学びがあったのか</a:t>
+            </a:r>
+            <a:br>
+              <a:rPr lang="ja-JP" altLang="en-US" dirty="0"/>
+            </a:br>
+            <a:r>
+              <a:rPr lang="ja-JP" altLang="en-US" b="0" i="0" dirty="0">
+                <a:solidFill>
+                  <a:srgbClr val="1D1C1D"/>
+                </a:solidFill>
+                <a:effectLst/>
+                <a:latin typeface="NotoSansJP"/>
+              </a:rPr>
+              <a:t>ノートは自分が見れればいいの精神が強い</a:t>
+            </a:r>
+            <a:br>
+              <a:rPr lang="ja-JP" altLang="en-US" dirty="0"/>
+            </a:br>
+            <a:r>
+              <a:rPr lang="ja-JP" altLang="en-US" b="0" i="0" dirty="0">
+                <a:solidFill>
+                  <a:srgbClr val="1D1C1D"/>
+                </a:solidFill>
+                <a:effectLst/>
+                <a:latin typeface="NotoSansJP"/>
+              </a:rPr>
+              <a:t>（頭のいい人ほどそう考える）チームの振り返り</a:t>
+            </a:r>
+            <a:br>
+              <a:rPr lang="ja-JP" altLang="en-US" dirty="0"/>
+            </a:br>
+            <a:r>
+              <a:rPr lang="ja-JP" altLang="en-US" b="0" i="0" dirty="0">
+                <a:solidFill>
+                  <a:srgbClr val="1D1C1D"/>
+                </a:solidFill>
+                <a:effectLst/>
+                <a:latin typeface="NotoSansJP"/>
+              </a:rPr>
+              <a:t>何故スムーズな意見交換ができたのか</a:t>
+            </a:r>
+            <a:br>
+              <a:rPr lang="ja-JP" altLang="en-US" dirty="0"/>
+            </a:br>
+            <a:r>
+              <a:rPr lang="ja-JP" altLang="en-US" b="0" i="0" dirty="0">
+                <a:solidFill>
+                  <a:srgbClr val="1D1C1D"/>
+                </a:solidFill>
+                <a:effectLst/>
+                <a:latin typeface="NotoSansJP"/>
+              </a:rPr>
+              <a:t>誰が何に気をつけていたのか的確な分業はどのようにして生まれたのか？</a:t>
+            </a:r>
+            <a:br>
+              <a:rPr lang="ja-JP" altLang="en-US" dirty="0"/>
+            </a:br>
+            <a:r>
+              <a:rPr lang="ja-JP" altLang="en-US" b="0" i="0" dirty="0">
+                <a:solidFill>
+                  <a:srgbClr val="1D1C1D"/>
+                </a:solidFill>
+                <a:effectLst/>
+                <a:latin typeface="NotoSansJP"/>
+              </a:rPr>
+              <a:t>失敗から学びがあり、そうしたのか個人</a:t>
+            </a:r>
+            <a:br>
+              <a:rPr lang="ja-JP" altLang="en-US" dirty="0"/>
+            </a:br>
+            <a:r>
+              <a:rPr lang="ja-JP" altLang="en-US" b="0" i="0" dirty="0">
+                <a:solidFill>
+                  <a:srgbClr val="1D1C1D"/>
+                </a:solidFill>
+                <a:effectLst/>
+                <a:latin typeface="NotoSansJP"/>
+              </a:rPr>
+              <a:t>蔭山さん</a:t>
+            </a:r>
+            <a:br>
+              <a:rPr lang="ja-JP" altLang="en-US" dirty="0"/>
+            </a:br>
+            <a:r>
+              <a:rPr lang="ja-JP" altLang="en-US" b="0" i="0" dirty="0">
+                <a:solidFill>
+                  <a:srgbClr val="1D1C1D"/>
+                </a:solidFill>
+                <a:effectLst/>
+                <a:latin typeface="NotoSansJP"/>
+              </a:rPr>
+              <a:t>プログラミングにチャレンジできなかったことで何を学び、</a:t>
+            </a:r>
+            <a:br>
+              <a:rPr lang="ja-JP" altLang="en-US" dirty="0"/>
+            </a:br>
+            <a:r>
+              <a:rPr lang="ja-JP" altLang="en-US" b="0" i="0" dirty="0">
+                <a:solidFill>
+                  <a:srgbClr val="1D1C1D"/>
+                </a:solidFill>
+                <a:effectLst/>
+                <a:latin typeface="NotoSansJP"/>
+              </a:rPr>
+              <a:t>何を今後しなくてはならないか。最終的にプラス思考にもっていく。</a:t>
+            </a:r>
+            <a:endParaRPr lang="en-US" altLang="ja-JP" dirty="0"/>
+          </a:p>
+        </p:txBody>
+      </p:sp>
+      <p:sp>
+        <p:nvSpPr>
+          <p:cNvPr id="5" name="スライド番号プレースホルダー 4">
+            <a:extLst>
+              <a:ext uri="{FF2B5EF4-FFF2-40B4-BE49-F238E27FC236}">
+                <a16:creationId xmlns:a16="http://schemas.microsoft.com/office/drawing/2014/main" id="{BC99C95B-0ED8-489C-8223-DECD6238CE05}"/>
+              </a:ext>
+            </a:extLst>
+          </p:cNvPr>
+          <p:cNvSpPr>
+            <a:spLocks noGrp="1"/>
+          </p:cNvSpPr>
+          <p:nvPr>
+            <p:ph type="sldNum" sz="quarter" idx="12"/>
+          </p:nvPr>
+        </p:nvSpPr>
+        <p:spPr/>
+        <p:txBody>
+          <a:bodyPr/>
+          <a:lstStyle/>
+          <a:p>
+            <a:fld id="{6F705D35-D126-3B47-A82C-2A13EA9E0A67}" type="slidenum">
+              <a:rPr lang="en-US" smtClean="0"/>
+              <a:pPr/>
+              <a:t>32</a:t>
             </a:fld>
             <a:endParaRPr lang="en-US" dirty="0"/>
           </a:p>
@@ -27107,7 +29658,7 @@
 </p:sld>
 </file>
 
-<file path=ppt/slides/slide32.xml><?xml version="1.0" encoding="utf-8"?>
+<file path=ppt/slides/slide33.xml><?xml version="1.0" encoding="utf-8"?>
 <p:sld xmlns:a="http://schemas.openxmlformats.org/drawingml/2006/main" xmlns:r="http://schemas.openxmlformats.org/officeDocument/2006/relationships" xmlns:p="http://schemas.openxmlformats.org/presentationml/2006/main" show="0">
   <p:cSld>
     <p:spTree>
@@ -27920,7 +30471,7 @@
             <a:fld id="{6F705D35-D126-3B47-A82C-2A13EA9E0A67}" type="slidenum">
               <a:rPr lang="en-US" smtClean="0"/>
               <a:pPr/>
-              <a:t>32</a:t>
+              <a:t>33</a:t>
             </a:fld>
             <a:endParaRPr lang="en-US" dirty="0"/>
           </a:p>
@@ -27936,13 +30487,13 @@
   <p:clrMapOvr>
     <a:masterClrMapping/>
   </p:clrMapOvr>
-  <mc:AlternateContent xmlns:mc="http://schemas.openxmlformats.org/markup-compatibility/2006">
-    <mc:Choice xmlns:p14="http://schemas.microsoft.com/office/powerpoint/2010/main" Requires="p14">
+  <mc:AlternateContent xmlns:mc="http://schemas.openxmlformats.org/markup-compatibility/2006" xmlns:p14="http://schemas.microsoft.com/office/powerpoint/2010/main">
+    <mc:Choice Requires="p14">
       <p:transition spd="med" p14:dur="700">
         <p:fade/>
       </p:transition>
     </mc:Choice>
-    <mc:Fallback>
+    <mc:Fallback xmlns="">
       <p:transition spd="med">
         <p:fade/>
       </p:transition>
@@ -33339,7 +35890,7 @@
               <a:t>それらで作成された</a:t>
             </a:r>
             <a:r>
-              <a:rPr kumimoji="1" lang="ja-JP" altLang="en-US" sz="2400" b="1" u="sng" dirty="0">
+              <a:rPr kumimoji="1" lang="ja-JP" altLang="en-US" sz="2800" b="1" u="sng" dirty="0">
                 <a:solidFill>
                   <a:schemeClr val="tx1"/>
                 </a:solidFill>
@@ -33366,17 +35917,33 @@
                 <a:spcPct val="150000"/>
               </a:lnSpc>
             </a:pPr>
-            <a:r>
-              <a:rPr kumimoji="1" lang="ja-JP" altLang="en-US" sz="2400" dirty="0">
-                <a:solidFill>
-                  <a:schemeClr val="tx1"/>
-                </a:solidFill>
-              </a:rPr>
-              <a:t>さらに共有もできる！検索もできるしお気に入りもできる！</a:t>
-            </a:r>
-            <a:endParaRPr kumimoji="1" lang="en-US" altLang="ja-JP" sz="2400" dirty="0">
+            <a:endParaRPr kumimoji="1" lang="en-US" altLang="ja-JP" sz="900" dirty="0">
               <a:solidFill>
                 <a:schemeClr val="tx1"/>
+              </a:solidFill>
+            </a:endParaRPr>
+          </a:p>
+          <a:p>
+            <a:pPr>
+              <a:lnSpc>
+                <a:spcPct val="150000"/>
+              </a:lnSpc>
+            </a:pPr>
+            <a:r>
+              <a:rPr kumimoji="1" lang="ja-JP" altLang="en-US" dirty="0">
+                <a:solidFill>
+                  <a:schemeClr val="accent4">
+                    <a:lumMod val="50000"/>
+                  </a:schemeClr>
+                </a:solidFill>
+              </a:rPr>
+              <a:t>さらに共有もできる！検索もできるしお気に入りもできる！</a:t>
+            </a:r>
+            <a:endParaRPr kumimoji="1" lang="en-US" altLang="ja-JP" dirty="0">
+              <a:solidFill>
+                <a:schemeClr val="accent4">
+                  <a:lumMod val="50000"/>
+                </a:schemeClr>
               </a:solidFill>
             </a:endParaRPr>
           </a:p>
@@ -33754,8 +36321,8 @@
         </p:nvSpPr>
         <p:spPr>
           <a:xfrm>
-            <a:off x="2059996" y="3961668"/>
-            <a:ext cx="3455508" cy="1879088"/>
+            <a:off x="1828001" y="3964473"/>
+            <a:ext cx="3858692" cy="1879088"/>
           </a:xfrm>
           <a:prstGeom prst="rect">
             <a:avLst/>
@@ -33820,7 +36387,7 @@
                   <a:schemeClr val="tx1"/>
                 </a:solidFill>
               </a:rPr>
-              <a:t>アップロード </a:t>
+              <a:t>ノートのアップロード </a:t>
             </a:r>
             <a:r>
               <a:rPr kumimoji="1" lang="en-US" altLang="ja-JP" sz="2000" dirty="0">

--- a/documents/worldMap発表資料改良.pptx
+++ b/documents/worldMap発表資料改良.pptx
@@ -29,7 +29,7 @@
     <p:sldId id="316" r:id="rId17"/>
     <p:sldId id="331" r:id="rId18"/>
     <p:sldId id="325" r:id="rId19"/>
-    <p:sldId id="314" r:id="rId20"/>
+    <p:sldId id="357" r:id="rId20"/>
     <p:sldId id="343" r:id="rId21"/>
     <p:sldId id="348" r:id="rId22"/>
     <p:sldId id="351" r:id="rId23"/>
@@ -1704,11 +1704,71 @@
           <a:bodyPr/>
           <a:lstStyle/>
           <a:p>
+            <a:pPr marL="0" marR="0" lvl="0" indent="0" algn="r" defTabSz="914400" rtl="0" eaLnBrk="1" fontAlgn="auto" latinLnBrk="0" hangingPunct="1">
+              <a:lnSpc>
+                <a:spcPct val="100000"/>
+              </a:lnSpc>
+              <a:spcBef>
+                <a:spcPts val="0"/>
+              </a:spcBef>
+              <a:spcAft>
+                <a:spcPts val="0"/>
+              </a:spcAft>
+              <a:buClrTx/>
+              <a:buSzTx/>
+              <a:buFontTx/>
+              <a:buNone/>
+              <a:tabLst/>
+              <a:defRPr/>
+            </a:pPr>
             <a:fld id="{753522AE-1792-4F16-AD61-355CDB1120DB}" type="datetime1">
-              <a:rPr lang="ja-JP" altLang="en-US" smtClean="0"/>
+              <a:rPr kumimoji="0" lang="ja-JP" altLang="en-US" sz="1200" b="0" i="0" u="none" strike="noStrike" kern="1200" cap="none" spc="0" normalizeH="0" baseline="0" noProof="0" smtClean="0">
+                <a:ln>
+                  <a:noFill/>
+                </a:ln>
+                <a:solidFill>
+                  <a:prstClr val="black"/>
+                </a:solidFill>
+                <a:effectLst/>
+                <a:uLnTx/>
+                <a:uFillTx/>
+                <a:latin typeface="Meiryo UI" panose="020B0604030504040204" pitchFamily="50" charset="-128"/>
+                <a:ea typeface="Meiryo UI" panose="020B0604030504040204" pitchFamily="50" charset="-128"/>
+                <a:cs typeface="+mn-cs"/>
+              </a:rPr>
+              <a:pPr marL="0" marR="0" lvl="0" indent="0" algn="r" defTabSz="914400" rtl="0" eaLnBrk="1" fontAlgn="auto" latinLnBrk="0" hangingPunct="1">
+                <a:lnSpc>
+                  <a:spcPct val="100000"/>
+                </a:lnSpc>
+                <a:spcBef>
+                  <a:spcPts val="0"/>
+                </a:spcBef>
+                <a:spcAft>
+                  <a:spcPts val="0"/>
+                </a:spcAft>
+                <a:buClrTx/>
+                <a:buSzTx/>
+                <a:buFontTx/>
+                <a:buNone/>
+                <a:tabLst/>
+                <a:defRPr/>
+              </a:pPr>
               <a:t>2021/6/29</a:t>
             </a:fld>
-            <a:endParaRPr lang="en-US" dirty="0"/>
+            <a:endParaRPr kumimoji="0" lang="en-US" sz="1200" b="0" i="0" u="none" strike="noStrike" kern="1200" cap="none" spc="0" normalizeH="0" baseline="0" noProof="0" dirty="0">
+              <a:ln>
+                <a:noFill/>
+              </a:ln>
+              <a:solidFill>
+                <a:prstClr val="black"/>
+              </a:solidFill>
+              <a:effectLst/>
+              <a:uLnTx/>
+              <a:uFillTx/>
+              <a:latin typeface="Meiryo UI" panose="020B0604030504040204" pitchFamily="50" charset="-128"/>
+              <a:ea typeface="Meiryo UI" panose="020B0604030504040204" pitchFamily="50" charset="-128"/>
+              <a:cs typeface="+mn-cs"/>
+            </a:endParaRPr>
           </a:p>
         </p:txBody>
       </p:sp>
@@ -1727,12 +1787,71 @@
           <a:bodyPr/>
           <a:lstStyle/>
           <a:p>
+            <a:pPr marL="0" marR="0" lvl="0" indent="0" algn="r" defTabSz="914400" rtl="0" eaLnBrk="1" fontAlgn="auto" latinLnBrk="0" hangingPunct="1">
+              <a:lnSpc>
+                <a:spcPct val="100000"/>
+              </a:lnSpc>
+              <a:spcBef>
+                <a:spcPts val="0"/>
+              </a:spcBef>
+              <a:spcAft>
+                <a:spcPts val="0"/>
+              </a:spcAft>
+              <a:buClrTx/>
+              <a:buSzTx/>
+              <a:buFontTx/>
+              <a:buNone/>
+              <a:tabLst/>
+              <a:defRPr/>
+            </a:pPr>
             <a:fld id="{DB303FA8-A3F3-7640-B13D-36C73B3E5587}" type="slidenum">
-              <a:rPr lang="en-US" smtClean="0"/>
-              <a:pPr/>
+              <a:rPr kumimoji="0" lang="en-US" sz="1200" b="0" i="0" u="none" strike="noStrike" kern="1200" cap="none" spc="0" normalizeH="0" baseline="0" noProof="0" smtClean="0">
+                <a:ln>
+                  <a:noFill/>
+                </a:ln>
+                <a:solidFill>
+                  <a:prstClr val="black"/>
+                </a:solidFill>
+                <a:effectLst/>
+                <a:uLnTx/>
+                <a:uFillTx/>
+                <a:latin typeface="Meiryo UI" panose="020B0604030504040204" pitchFamily="50" charset="-128"/>
+                <a:ea typeface="Meiryo UI" panose="020B0604030504040204" pitchFamily="50" charset="-128"/>
+                <a:cs typeface="+mn-cs"/>
+              </a:rPr>
+              <a:pPr marL="0" marR="0" lvl="0" indent="0" algn="r" defTabSz="914400" rtl="0" eaLnBrk="1" fontAlgn="auto" latinLnBrk="0" hangingPunct="1">
+                <a:lnSpc>
+                  <a:spcPct val="100000"/>
+                </a:lnSpc>
+                <a:spcBef>
+                  <a:spcPts val="0"/>
+                </a:spcBef>
+                <a:spcAft>
+                  <a:spcPts val="0"/>
+                </a:spcAft>
+                <a:buClrTx/>
+                <a:buSzTx/>
+                <a:buFontTx/>
+                <a:buNone/>
+                <a:tabLst/>
+                <a:defRPr/>
+              </a:pPr>
               <a:t>19</a:t>
             </a:fld>
-            <a:endParaRPr lang="en-US" dirty="0"/>
+            <a:endParaRPr kumimoji="0" lang="en-US" sz="1200" b="0" i="0" u="none" strike="noStrike" kern="1200" cap="none" spc="0" normalizeH="0" baseline="0" noProof="0" dirty="0">
+              <a:ln>
+                <a:noFill/>
+              </a:ln>
+              <a:solidFill>
+                <a:prstClr val="black"/>
+              </a:solidFill>
+              <a:effectLst/>
+              <a:uLnTx/>
+              <a:uFillTx/>
+              <a:latin typeface="Meiryo UI" panose="020B0604030504040204" pitchFamily="50" charset="-128"/>
+              <a:ea typeface="Meiryo UI" panose="020B0604030504040204" pitchFamily="50" charset="-128"/>
+              <a:cs typeface="+mn-cs"/>
+            </a:endParaRPr>
           </a:p>
         </p:txBody>
       </p:sp>
@@ -15410,13 +15529,37 @@
           <a:bodyPr rtlCol="0" anchor="t" anchorCtr="0"/>
           <a:lstStyle/>
           <a:p>
-            <a:r>
-              <a:rPr kumimoji="1" lang="ja-JP" altLang="en-US" sz="2000" dirty="0">
-                <a:solidFill>
-                  <a:schemeClr val="tx1"/>
-                </a:solidFill>
+            <a:pPr marL="0" marR="0" lvl="0" indent="0" algn="l" defTabSz="914400" rtl="0" eaLnBrk="1" fontAlgn="auto" latinLnBrk="0" hangingPunct="1">
+              <a:lnSpc>
+                <a:spcPct val="100000"/>
+              </a:lnSpc>
+              <a:spcBef>
+                <a:spcPts val="0"/>
+              </a:spcBef>
+              <a:spcAft>
+                <a:spcPts val="0"/>
+              </a:spcAft>
+              <a:buClrTx/>
+              <a:buSzTx/>
+              <a:buFontTx/>
+              <a:buNone/>
+              <a:tabLst/>
+              <a:defRPr/>
+            </a:pPr>
+            <a:r>
+              <a:rPr kumimoji="1" lang="ja-JP" altLang="en-US" sz="2000" b="0" i="0" u="none" strike="noStrike" kern="1200" cap="none" spc="0" normalizeH="0" baseline="0" noProof="0" dirty="0">
+                <a:ln>
+                  <a:noFill/>
+                </a:ln>
+                <a:solidFill>
+                  <a:srgbClr val="231B23"/>
+                </a:solidFill>
+                <a:effectLst/>
+                <a:uLnTx/>
+                <a:uFillTx/>
                 <a:latin typeface="HGP教科書体" panose="02020600000000000000" pitchFamily="18" charset="-128"/>
                 <a:ea typeface="HGP教科書体" panose="02020600000000000000" pitchFamily="18" charset="-128"/>
+                <a:cs typeface="+mn-cs"/>
               </a:rPr>
               <a:t>メンバーより</a:t>
             </a:r>
@@ -15437,8 +15580,8 @@
         </p:nvSpPr>
         <p:spPr>
           <a:xfrm>
-            <a:off x="358601" y="1349603"/>
-            <a:ext cx="11409623" cy="1150363"/>
+            <a:off x="358601" y="1349604"/>
+            <a:ext cx="11409623" cy="995664"/>
           </a:xfrm>
           <a:prstGeom prst="rect">
             <a:avLst/>
@@ -15472,22 +15615,53 @@
           <a:bodyPr rtlCol="0" anchor="t" anchorCtr="0"/>
           <a:lstStyle/>
           <a:p>
-            <a:r>
-              <a:rPr kumimoji="1" lang="ja-JP" altLang="en-US" sz="2000" dirty="0">
-                <a:solidFill>
-                  <a:schemeClr val="tx1"/>
-                </a:solidFill>
+            <a:pPr marL="0" marR="0" lvl="0" indent="0" algn="l" defTabSz="914400" rtl="0" eaLnBrk="1" fontAlgn="auto" latinLnBrk="0" hangingPunct="1">
+              <a:lnSpc>
+                <a:spcPct val="100000"/>
+              </a:lnSpc>
+              <a:spcBef>
+                <a:spcPts val="0"/>
+              </a:spcBef>
+              <a:spcAft>
+                <a:spcPts val="0"/>
+              </a:spcAft>
+              <a:buClrTx/>
+              <a:buSzTx/>
+              <a:buFontTx/>
+              <a:buNone/>
+              <a:tabLst/>
+              <a:defRPr/>
+            </a:pPr>
+            <a:r>
+              <a:rPr kumimoji="1" lang="ja-JP" altLang="en-US" sz="2000" b="0" i="0" u="none" strike="noStrike" kern="1200" cap="none" spc="0" normalizeH="0" baseline="0" noProof="0" dirty="0">
+                <a:ln>
+                  <a:noFill/>
+                </a:ln>
+                <a:solidFill>
+                  <a:srgbClr val="231B23"/>
+                </a:solidFill>
+                <a:effectLst/>
+                <a:uLnTx/>
+                <a:uFillTx/>
                 <a:latin typeface="HGP教科書体" panose="02020600000000000000" pitchFamily="18" charset="-128"/>
                 <a:ea typeface="HGP教科書体" panose="02020600000000000000" pitchFamily="18" charset="-128"/>
+                <a:cs typeface="+mn-cs"/>
               </a:rPr>
               <a:t>発表担当として</a:t>
             </a:r>
-            <a:endParaRPr kumimoji="1" lang="en-US" altLang="ja-JP" sz="2000" dirty="0">
+            <a:endParaRPr kumimoji="1" lang="en-US" altLang="ja-JP" sz="2000" b="0" i="0" u="none" strike="noStrike" kern="1200" cap="none" spc="0" normalizeH="0" baseline="0" noProof="0" dirty="0">
+              <a:ln>
+                <a:noFill/>
+              </a:ln>
               <a:solidFill>
-                <a:schemeClr val="tx1"/>
+                <a:srgbClr val="231B23"/>
               </a:solidFill>
+              <a:effectLst/>
+              <a:uLnTx/>
+              <a:uFillTx/>
               <a:latin typeface="HGP教科書体" panose="02020600000000000000" pitchFamily="18" charset="-128"/>
               <a:ea typeface="HGP教科書体" panose="02020600000000000000" pitchFamily="18" charset="-128"/>
+              <a:cs typeface="+mn-cs"/>
             </a:endParaRPr>
           </a:p>
         </p:txBody>
@@ -15541,31 +15715,86 @@
           <a:bodyPr rtlCol="0" anchor="t" anchorCtr="0"/>
           <a:lstStyle/>
           <a:p>
-            <a:r>
-              <a:rPr kumimoji="1" lang="ja-JP" altLang="en-US" sz="2000" dirty="0">
-                <a:solidFill>
-                  <a:schemeClr val="tx1"/>
-                </a:solidFill>
+            <a:pPr marL="0" marR="0" lvl="0" indent="0" algn="l" defTabSz="914400" rtl="0" eaLnBrk="1" fontAlgn="auto" latinLnBrk="0" hangingPunct="1">
+              <a:lnSpc>
+                <a:spcPct val="100000"/>
+              </a:lnSpc>
+              <a:spcBef>
+                <a:spcPts val="0"/>
+              </a:spcBef>
+              <a:spcAft>
+                <a:spcPts val="0"/>
+              </a:spcAft>
+              <a:buClrTx/>
+              <a:buSzTx/>
+              <a:buFontTx/>
+              <a:buNone/>
+              <a:tabLst/>
+              <a:defRPr/>
+            </a:pPr>
+            <a:r>
+              <a:rPr kumimoji="1" lang="ja-JP" altLang="en-US" sz="2000" b="0" i="0" u="none" strike="noStrike" kern="1200" cap="none" spc="0" normalizeH="0" baseline="0" noProof="0" dirty="0">
+                <a:ln>
+                  <a:noFill/>
+                </a:ln>
+                <a:solidFill>
+                  <a:srgbClr val="231B23"/>
+                </a:solidFill>
+                <a:effectLst/>
+                <a:uLnTx/>
+                <a:uFillTx/>
                 <a:latin typeface="HGP教科書体" panose="02020600000000000000" pitchFamily="18" charset="-128"/>
                 <a:ea typeface="HGP教科書体" panose="02020600000000000000" pitchFamily="18" charset="-128"/>
+                <a:cs typeface="+mn-cs"/>
               </a:rPr>
               <a:t>自己採点</a:t>
             </a:r>
-            <a:endParaRPr kumimoji="1" lang="en-US" altLang="ja-JP" sz="2000" dirty="0">
+            <a:endParaRPr kumimoji="1" lang="en-US" altLang="ja-JP" sz="2000" b="0" i="0" u="none" strike="noStrike" kern="1200" cap="none" spc="0" normalizeH="0" baseline="0" noProof="0" dirty="0">
+              <a:ln>
+                <a:noFill/>
+              </a:ln>
               <a:solidFill>
-                <a:schemeClr val="tx1"/>
+                <a:srgbClr val="231B23"/>
               </a:solidFill>
+              <a:effectLst/>
+              <a:uLnTx/>
+              <a:uFillTx/>
               <a:latin typeface="HGP教科書体" panose="02020600000000000000" pitchFamily="18" charset="-128"/>
               <a:ea typeface="HGP教科書体" panose="02020600000000000000" pitchFamily="18" charset="-128"/>
+              <a:cs typeface="+mn-cs"/>
             </a:endParaRPr>
           </a:p>
           <a:p>
-            <a:endParaRPr kumimoji="1" lang="en-US" altLang="ja-JP" sz="2000" dirty="0">
+            <a:pPr marL="0" marR="0" lvl="0" indent="0" algn="l" defTabSz="914400" rtl="0" eaLnBrk="1" fontAlgn="auto" latinLnBrk="0" hangingPunct="1">
+              <a:lnSpc>
+                <a:spcPct val="100000"/>
+              </a:lnSpc>
+              <a:spcBef>
+                <a:spcPts val="0"/>
+              </a:spcBef>
+              <a:spcAft>
+                <a:spcPts val="0"/>
+              </a:spcAft>
+              <a:buClrTx/>
+              <a:buSzTx/>
+              <a:buFontTx/>
+              <a:buNone/>
+              <a:tabLst/>
+              <a:defRPr/>
+            </a:pPr>
+            <a:endParaRPr kumimoji="1" lang="en-US" altLang="ja-JP" sz="2000" b="0" i="0" u="none" strike="noStrike" kern="1200" cap="none" spc="0" normalizeH="0" baseline="0" noProof="0" dirty="0">
+              <a:ln>
+                <a:noFill/>
+              </a:ln>
               <a:solidFill>
-                <a:schemeClr val="tx1"/>
+                <a:srgbClr val="231B23"/>
               </a:solidFill>
+              <a:effectLst/>
+              <a:uLnTx/>
+              <a:uFillTx/>
               <a:latin typeface="HGP教科書体" panose="02020600000000000000" pitchFamily="18" charset="-128"/>
               <a:ea typeface="HGP教科書体" panose="02020600000000000000" pitchFamily="18" charset="-128"/>
+              <a:cs typeface="+mn-cs"/>
             </a:endParaRPr>
           </a:p>
         </p:txBody>
@@ -15677,28 +15906,72 @@
           </a:bodyPr>
           <a:lstStyle/>
           <a:p>
-            <a:r>
-              <a:rPr kumimoji="1" lang="en-US" altLang="ja-JP" sz="4400" dirty="0">
-                <a:solidFill>
-                  <a:schemeClr val="accent3">
+            <a:pPr marL="0" marR="0" lvl="0" indent="0" algn="l" defTabSz="914400" rtl="0" eaLnBrk="1" fontAlgn="auto" latinLnBrk="0" hangingPunct="1">
+              <a:lnSpc>
+                <a:spcPct val="100000"/>
+              </a:lnSpc>
+              <a:spcBef>
+                <a:spcPts val="0"/>
+              </a:spcBef>
+              <a:spcAft>
+                <a:spcPts val="0"/>
+              </a:spcAft>
+              <a:buClrTx/>
+              <a:buSzTx/>
+              <a:buFontTx/>
+              <a:buNone/>
+              <a:tabLst/>
+              <a:defRPr/>
+            </a:pPr>
+            <a:r>
+              <a:rPr kumimoji="1" lang="en-US" altLang="ja-JP" sz="4400" b="0" i="0" u="none" strike="noStrike" kern="1200" cap="none" spc="0" normalizeH="0" baseline="0" noProof="0" dirty="0">
+                <a:ln>
+                  <a:noFill/>
+                </a:ln>
+                <a:solidFill>
+                  <a:srgbClr val="D7E7BA">
                     <a:lumMod val="50000"/>
-                  </a:schemeClr>
-                </a:solidFill>
+                  </a:srgbClr>
+                </a:solidFill>
+                <a:effectLst/>
+                <a:uLnTx/>
+                <a:uFillTx/>
+                <a:latin typeface="Meiryo UI"/>
+                <a:ea typeface="+mn-ea"/>
+                <a:cs typeface="+mn-cs"/>
               </a:rPr>
               <a:t>65</a:t>
             </a:r>
             <a:r>
-              <a:rPr kumimoji="1" lang="en-US" altLang="ja-JP" sz="2000" dirty="0">
+              <a:rPr kumimoji="1" lang="en-US" altLang="ja-JP" sz="2000" b="0" i="0" u="none" strike="noStrike" kern="1200" cap="none" spc="0" normalizeH="0" baseline="0" noProof="0" dirty="0">
+                <a:ln>
+                  <a:noFill/>
+                </a:ln>
                 <a:solidFill>
                   <a:srgbClr val="929292"/>
                 </a:solidFill>
+                <a:effectLst/>
+                <a:uLnTx/>
+                <a:uFillTx/>
+                <a:latin typeface="Meiryo UI"/>
+                <a:ea typeface="+mn-ea"/>
+                <a:cs typeface="+mn-cs"/>
               </a:rPr>
               <a:t>/ 100</a:t>
             </a:r>
-            <a:endParaRPr kumimoji="1" lang="ja-JP" altLang="en-US" sz="2000" dirty="0">
+            <a:endParaRPr kumimoji="1" lang="ja-JP" altLang="en-US" sz="2000" b="0" i="0" u="none" strike="noStrike" kern="1200" cap="none" spc="0" normalizeH="0" baseline="0" noProof="0" dirty="0">
+              <a:ln>
+                <a:noFill/>
+              </a:ln>
               <a:solidFill>
                 <a:srgbClr val="929292"/>
               </a:solidFill>
+              <a:effectLst/>
+              <a:uLnTx/>
+              <a:uFillTx/>
+              <a:latin typeface="Meiryo UI"/>
+              <a:ea typeface="+mn-ea"/>
+              <a:cs typeface="+mn-cs"/>
             </a:endParaRPr>
           </a:p>
         </p:txBody>
@@ -15753,7 +16026,7 @@
         </p:nvSpPr>
         <p:spPr>
           <a:xfrm>
-            <a:off x="747705" y="1721413"/>
+            <a:off x="747705" y="1633382"/>
             <a:ext cx="10649638" cy="568874"/>
           </a:xfrm>
           <a:prstGeom prst="rect">
@@ -15767,16 +16040,54 @@
           </a:bodyPr>
           <a:lstStyle/>
           <a:p>
-            <a:pPr>
+            <a:pPr marL="0" marR="0" lvl="0" indent="0" algn="l" defTabSz="914400" rtl="0" eaLnBrk="1" fontAlgn="auto" latinLnBrk="0" hangingPunct="1">
               <a:lnSpc>
                 <a:spcPct val="150000"/>
               </a:lnSpc>
+              <a:spcBef>
+                <a:spcPts val="0"/>
+              </a:spcBef>
+              <a:spcAft>
+                <a:spcPts val="0"/>
+              </a:spcAft>
+              <a:buClrTx/>
+              <a:buSzTx/>
+              <a:buFontTx/>
+              <a:buNone/>
+              <a:tabLst/>
+              <a:defRPr/>
             </a:pPr>
             <a:r>
-              <a:rPr kumimoji="1" lang="ja-JP" altLang="en-US" sz="2400" dirty="0"/>
+              <a:rPr kumimoji="1" lang="ja-JP" altLang="en-US" sz="2400" b="0" i="0" u="none" strike="noStrike" kern="1200" cap="none" spc="0" normalizeH="0" baseline="0" noProof="0" dirty="0">
+                <a:ln>
+                  <a:noFill/>
+                </a:ln>
+                <a:solidFill>
+                  <a:srgbClr val="231B23"/>
+                </a:solidFill>
+                <a:effectLst/>
+                <a:uLnTx/>
+                <a:uFillTx/>
+                <a:latin typeface="Meiryo UI"/>
+                <a:ea typeface="+mn-ea"/>
+                <a:cs typeface="+mn-cs"/>
+              </a:rPr>
               <a:t>発表準備を滞りなく進めるための、先を見据えた準備を意識する</a:t>
             </a:r>
-            <a:endParaRPr kumimoji="1" lang="en-US" altLang="ja-JP" sz="2400" dirty="0"/>
+            <a:endParaRPr kumimoji="1" lang="en-US" altLang="ja-JP" sz="2400" b="0" i="0" u="none" strike="noStrike" kern="1200" cap="none" spc="0" normalizeH="0" baseline="0" noProof="0" dirty="0">
+              <a:ln>
+                <a:noFill/>
+              </a:ln>
+              <a:solidFill>
+                <a:srgbClr val="231B23"/>
+              </a:solidFill>
+              <a:effectLst/>
+              <a:uLnTx/>
+              <a:uFillTx/>
+              <a:latin typeface="Meiryo UI"/>
+              <a:ea typeface="+mn-ea"/>
+              <a:cs typeface="+mn-cs"/>
+            </a:endParaRPr>
           </a:p>
         </p:txBody>
       </p:sp>
@@ -15871,31 +16182,73 @@
           <a:bodyPr rtlCol="0" anchor="ctr"/>
           <a:lstStyle/>
           <a:p>
-            <a:pPr algn="ctr">
+            <a:pPr marL="0" marR="0" lvl="0" indent="0" algn="ctr" defTabSz="914400" rtl="0" eaLnBrk="1" fontAlgn="auto" latinLnBrk="0" hangingPunct="1">
               <a:lnSpc>
                 <a:spcPct val="150000"/>
               </a:lnSpc>
+              <a:spcBef>
+                <a:spcPts val="0"/>
+              </a:spcBef>
+              <a:spcAft>
+                <a:spcPts val="0"/>
+              </a:spcAft>
+              <a:buClrTx/>
+              <a:buSzTx/>
+              <a:buFontTx/>
+              <a:buNone/>
+              <a:tabLst/>
+              <a:defRPr/>
             </a:pPr>
             <a:r>
-              <a:rPr kumimoji="1" lang="ja-JP" altLang="en-US" dirty="0">
+              <a:rPr kumimoji="1" lang="ja-JP" altLang="en-US" sz="1800" b="0" i="0" u="none" strike="noStrike" kern="1200" cap="none" spc="0" normalizeH="0" baseline="0" noProof="0" dirty="0">
+                <a:ln>
+                  <a:noFill/>
+                </a:ln>
                 <a:solidFill>
                   <a:sysClr val="windowText" lastClr="000000"/>
                 </a:solidFill>
+                <a:effectLst/>
+                <a:uLnTx/>
+                <a:uFillTx/>
+                <a:latin typeface="Meiryo UI"/>
+                <a:ea typeface="+mn-ea"/>
+                <a:cs typeface="+mn-cs"/>
               </a:rPr>
               <a:t>グループの雰囲気づくり、発想、どれも素晴らしく、大変助かりました。</a:t>
             </a:r>
           </a:p>
           <a:p>
-            <a:pPr algn="ctr">
+            <a:pPr marL="0" marR="0" lvl="0" indent="0" algn="ctr" defTabSz="914400" rtl="0" eaLnBrk="1" fontAlgn="auto" latinLnBrk="0" hangingPunct="1">
               <a:lnSpc>
                 <a:spcPct val="150000"/>
               </a:lnSpc>
+              <a:spcBef>
+                <a:spcPts val="0"/>
+              </a:spcBef>
+              <a:spcAft>
+                <a:spcPts val="0"/>
+              </a:spcAft>
+              <a:buClrTx/>
+              <a:buSzTx/>
+              <a:buFontTx/>
+              <a:buNone/>
+              <a:tabLst/>
+              <a:defRPr/>
             </a:pPr>
             <a:r>
-              <a:rPr kumimoji="1" lang="ja-JP" altLang="en-US" dirty="0">
+              <a:rPr kumimoji="1" lang="ja-JP" altLang="en-US" sz="1800" b="0" i="0" u="none" strike="noStrike" kern="1200" cap="none" spc="0" normalizeH="0" baseline="0" noProof="0" dirty="0">
+                <a:ln>
+                  <a:noFill/>
+                </a:ln>
                 <a:solidFill>
                   <a:sysClr val="windowText" lastClr="000000"/>
                 </a:solidFill>
+                <a:effectLst/>
+                <a:uLnTx/>
+                <a:uFillTx/>
+                <a:latin typeface="Meiryo UI"/>
+                <a:ea typeface="+mn-ea"/>
+                <a:cs typeface="+mn-cs"/>
               </a:rPr>
               <a:t>発表資料も自分じゃ真似できないくらいきれいにまとめられていて、発表に関しては完全におんぶにだっこの状態でした。</a:t>
             </a:r>
@@ -15916,8 +16269,8 @@
         </p:nvSpPr>
         <p:spPr>
           <a:xfrm>
-            <a:off x="358601" y="2632948"/>
-            <a:ext cx="11409623" cy="2484410"/>
+            <a:off x="358601" y="2486034"/>
+            <a:ext cx="11409623" cy="2631324"/>
           </a:xfrm>
           <a:prstGeom prst="rect">
             <a:avLst/>
@@ -15951,22 +16304,53 @@
           <a:bodyPr rtlCol="0" anchor="t" anchorCtr="0"/>
           <a:lstStyle/>
           <a:p>
-            <a:r>
-              <a:rPr kumimoji="1" lang="ja-JP" altLang="en-US" sz="2000" dirty="0">
-                <a:solidFill>
-                  <a:schemeClr val="tx1"/>
-                </a:solidFill>
+            <a:pPr marL="0" marR="0" lvl="0" indent="0" algn="l" defTabSz="914400" rtl="0" eaLnBrk="1" fontAlgn="auto" latinLnBrk="0" hangingPunct="1">
+              <a:lnSpc>
+                <a:spcPct val="100000"/>
+              </a:lnSpc>
+              <a:spcBef>
+                <a:spcPts val="0"/>
+              </a:spcBef>
+              <a:spcAft>
+                <a:spcPts val="0"/>
+              </a:spcAft>
+              <a:buClrTx/>
+              <a:buSzTx/>
+              <a:buFontTx/>
+              <a:buNone/>
+              <a:tabLst/>
+              <a:defRPr/>
+            </a:pPr>
+            <a:r>
+              <a:rPr kumimoji="1" lang="ja-JP" altLang="en-US" sz="2000" b="0" i="0" u="none" strike="noStrike" kern="1200" cap="none" spc="0" normalizeH="0" baseline="0" noProof="0" dirty="0">
+                <a:ln>
+                  <a:noFill/>
+                </a:ln>
+                <a:solidFill>
+                  <a:srgbClr val="231B23"/>
+                </a:solidFill>
+                <a:effectLst/>
+                <a:uLnTx/>
+                <a:uFillTx/>
                 <a:latin typeface="HGP教科書体" panose="02020600000000000000" pitchFamily="18" charset="-128"/>
                 <a:ea typeface="HGP教科書体" panose="02020600000000000000" pitchFamily="18" charset="-128"/>
+                <a:cs typeface="+mn-cs"/>
               </a:rPr>
               <a:t>研修成果</a:t>
             </a:r>
-            <a:endParaRPr kumimoji="1" lang="en-US" altLang="ja-JP" sz="2000" dirty="0">
+            <a:endParaRPr kumimoji="1" lang="en-US" altLang="ja-JP" sz="2000" b="0" i="0" u="none" strike="noStrike" kern="1200" cap="none" spc="0" normalizeH="0" baseline="0" noProof="0" dirty="0">
+              <a:ln>
+                <a:noFill/>
+              </a:ln>
               <a:solidFill>
-                <a:schemeClr val="tx1"/>
+                <a:srgbClr val="231B23"/>
               </a:solidFill>
+              <a:effectLst/>
+              <a:uLnTx/>
+              <a:uFillTx/>
               <a:latin typeface="HGP教科書体" panose="02020600000000000000" pitchFamily="18" charset="-128"/>
               <a:ea typeface="HGP教科書体" panose="02020600000000000000" pitchFamily="18" charset="-128"/>
+              <a:cs typeface="+mn-cs"/>
             </a:endParaRPr>
           </a:p>
         </p:txBody>
@@ -15985,8 +16369,8 @@
         </p:nvSpPr>
         <p:spPr>
           <a:xfrm>
-            <a:off x="725833" y="3024618"/>
-            <a:ext cx="9467478" cy="1966820"/>
+            <a:off x="599052" y="2768143"/>
+            <a:ext cx="9467478" cy="2151486"/>
           </a:xfrm>
           <a:prstGeom prst="rect">
             <a:avLst/>
@@ -15999,96 +16383,391 @@
           </a:bodyPr>
           <a:lstStyle/>
           <a:p>
-            <a:pPr>
+            <a:pPr marL="0" marR="0" lvl="0" indent="0" algn="l" defTabSz="914400" rtl="0" eaLnBrk="1" fontAlgn="auto" latinLnBrk="0" hangingPunct="1">
               <a:lnSpc>
                 <a:spcPct val="150000"/>
               </a:lnSpc>
+              <a:spcBef>
+                <a:spcPts val="0"/>
+              </a:spcBef>
+              <a:spcAft>
+                <a:spcPts val="0"/>
+              </a:spcAft>
+              <a:buClrTx/>
+              <a:buSzTx/>
+              <a:buFontTx/>
+              <a:buNone/>
+              <a:tabLst/>
+              <a:defRPr/>
             </a:pPr>
             <a:r>
-              <a:rPr kumimoji="1" lang="ja-JP" altLang="en-US" sz="2000" dirty="0"/>
+              <a:rPr kumimoji="1" lang="ja-JP" altLang="en-US" sz="2400" b="0" i="0" u="none" strike="noStrike" kern="1200" cap="none" spc="0" normalizeH="0" baseline="0" noProof="0" dirty="0">
+                <a:ln>
+                  <a:noFill/>
+                </a:ln>
+                <a:solidFill>
+                  <a:srgbClr val="231B23"/>
+                </a:solidFill>
+                <a:effectLst/>
+                <a:uLnTx/>
+                <a:uFillTx/>
+                <a:latin typeface="Meiryo UI"/>
+                <a:ea typeface="+mn-ea"/>
+                <a:cs typeface="+mn-cs"/>
+              </a:rPr>
               <a:t>・ プログラミング面で、あまりチームの役に立てなかったことが</a:t>
             </a:r>
             <a:r>
-              <a:rPr kumimoji="1" lang="ja-JP" altLang="en-US" sz="2000" b="1" dirty="0"/>
+              <a:rPr kumimoji="1" lang="ja-JP" altLang="en-US" sz="2400" b="1" i="0" u="none" strike="noStrike" kern="1200" cap="none" spc="0" normalizeH="0" baseline="0" noProof="0" dirty="0">
+                <a:ln>
+                  <a:noFill/>
+                </a:ln>
+                <a:solidFill>
+                  <a:srgbClr val="231B23"/>
+                </a:solidFill>
+                <a:effectLst/>
+                <a:uLnTx/>
+                <a:uFillTx/>
+                <a:latin typeface="Meiryo UI"/>
+                <a:ea typeface="+mn-ea"/>
+                <a:cs typeface="+mn-cs"/>
+              </a:rPr>
               <a:t>非常に悔しい！</a:t>
             </a:r>
-            <a:endParaRPr kumimoji="1" lang="en-US" altLang="ja-JP" sz="2000" b="1" dirty="0"/>
-          </a:p>
-          <a:p>
-            <a:pPr>
+            <a:endParaRPr kumimoji="1" lang="en-US" altLang="ja-JP" sz="2400" b="1" i="0" u="none" strike="noStrike" kern="1200" cap="none" spc="0" normalizeH="0" baseline="0" noProof="0" dirty="0">
+              <a:ln>
+                <a:noFill/>
+              </a:ln>
+              <a:solidFill>
+                <a:srgbClr val="231B23"/>
+              </a:solidFill>
+              <a:effectLst/>
+              <a:uLnTx/>
+              <a:uFillTx/>
+              <a:latin typeface="Meiryo UI"/>
+              <a:ea typeface="+mn-ea"/>
+              <a:cs typeface="+mn-cs"/>
+            </a:endParaRPr>
+          </a:p>
+          <a:p>
+            <a:pPr marL="0" marR="0" lvl="0" indent="0" algn="l" defTabSz="914400" rtl="0" eaLnBrk="1" fontAlgn="auto" latinLnBrk="0" hangingPunct="1">
               <a:lnSpc>
                 <a:spcPct val="150000"/>
               </a:lnSpc>
+              <a:spcBef>
+                <a:spcPts val="0"/>
+              </a:spcBef>
+              <a:spcAft>
+                <a:spcPts val="0"/>
+              </a:spcAft>
+              <a:buClrTx/>
+              <a:buSzTx/>
+              <a:buFontTx/>
+              <a:buNone/>
+              <a:tabLst/>
+              <a:defRPr/>
             </a:pPr>
             <a:r>
-              <a:rPr kumimoji="1" lang="ja-JP" altLang="en-US" sz="2000" dirty="0"/>
+              <a:rPr kumimoji="1" lang="ja-JP" altLang="en-US" sz="2400" b="0" i="0" u="none" strike="noStrike" kern="1200" cap="none" spc="0" normalizeH="0" baseline="0" noProof="0" dirty="0">
+                <a:ln>
+                  <a:noFill/>
+                </a:ln>
+                <a:solidFill>
+                  <a:srgbClr val="231B23"/>
+                </a:solidFill>
+                <a:effectLst/>
+                <a:uLnTx/>
+                <a:uFillTx/>
+                <a:latin typeface="Meiryo UI"/>
+                <a:ea typeface="+mn-ea"/>
+                <a:cs typeface="+mn-cs"/>
+              </a:rPr>
               <a:t>　 提供するものはあくまでシステム。コミュニケーションだけできても意味がない。</a:t>
             </a:r>
-            <a:endParaRPr kumimoji="1" lang="en-US" altLang="ja-JP" sz="2000" dirty="0"/>
-          </a:p>
-          <a:p>
-            <a:pPr>
+            <a:endParaRPr kumimoji="1" lang="en-US" altLang="ja-JP" sz="2400" b="0" i="0" u="none" strike="noStrike" kern="1200" cap="none" spc="0" normalizeH="0" baseline="0" noProof="0" dirty="0">
+              <a:ln>
+                <a:noFill/>
+              </a:ln>
+              <a:solidFill>
+                <a:srgbClr val="231B23"/>
+              </a:solidFill>
+              <a:effectLst/>
+              <a:uLnTx/>
+              <a:uFillTx/>
+              <a:latin typeface="Meiryo UI"/>
+              <a:ea typeface="+mn-ea"/>
+              <a:cs typeface="+mn-cs"/>
+            </a:endParaRPr>
+          </a:p>
+          <a:p>
+            <a:pPr marL="0" marR="0" lvl="0" indent="0" algn="l" defTabSz="914400" rtl="0" eaLnBrk="1" fontAlgn="auto" latinLnBrk="0" hangingPunct="1">
               <a:lnSpc>
                 <a:spcPct val="150000"/>
               </a:lnSpc>
+              <a:spcBef>
+                <a:spcPts val="0"/>
+              </a:spcBef>
+              <a:spcAft>
+                <a:spcPts val="0"/>
+              </a:spcAft>
+              <a:buClrTx/>
+              <a:buSzTx/>
+              <a:buFontTx/>
+              <a:buNone/>
+              <a:tabLst/>
+              <a:defRPr/>
             </a:pPr>
             <a:r>
-              <a:rPr kumimoji="1" lang="en-US" altLang="ja-JP" sz="2000" dirty="0"/>
+              <a:rPr kumimoji="1" lang="en-US" altLang="ja-JP" sz="2000" b="0" i="0" u="none" strike="noStrike" kern="1200" cap="none" spc="0" normalizeH="0" baseline="0" noProof="0" dirty="0">
+                <a:ln>
+                  <a:noFill/>
+                </a:ln>
+                <a:solidFill>
+                  <a:srgbClr val="231B23"/>
+                </a:solidFill>
+                <a:effectLst/>
+                <a:uLnTx/>
+                <a:uFillTx/>
+                <a:latin typeface="Meiryo UI"/>
+                <a:ea typeface="+mn-ea"/>
+                <a:cs typeface="+mn-cs"/>
+              </a:rPr>
               <a:t>	</a:t>
             </a:r>
             <a:r>
-              <a:rPr kumimoji="1" lang="ja-JP" altLang="en-US" sz="2000" dirty="0"/>
+              <a:rPr kumimoji="1" lang="ja-JP" altLang="en-US" sz="2000" b="0" i="0" u="none" strike="noStrike" kern="1200" cap="none" spc="0" normalizeH="0" baseline="0" noProof="0" dirty="0">
+                <a:ln>
+                  <a:noFill/>
+                </a:ln>
+                <a:solidFill>
+                  <a:srgbClr val="231B23"/>
+                </a:solidFill>
+                <a:effectLst/>
+                <a:uLnTx/>
+                <a:uFillTx/>
+                <a:latin typeface="Meiryo UI"/>
+                <a:ea typeface="+mn-ea"/>
+                <a:cs typeface="+mn-cs"/>
+              </a:rPr>
               <a:t>→ この</a:t>
             </a:r>
             <a:r>
-              <a:rPr kumimoji="1" lang="en-US" altLang="ja-JP" sz="2000" dirty="0"/>
+              <a:rPr kumimoji="1" lang="en-US" altLang="ja-JP" sz="2000" b="0" i="0" u="none" strike="noStrike" kern="1200" cap="none" spc="0" normalizeH="0" baseline="0" noProof="0" dirty="0">
+                <a:ln>
+                  <a:noFill/>
+                </a:ln>
+                <a:solidFill>
+                  <a:srgbClr val="231B23"/>
+                </a:solidFill>
+                <a:effectLst/>
+                <a:uLnTx/>
+                <a:uFillTx/>
+                <a:latin typeface="Meiryo UI"/>
+                <a:ea typeface="+mn-ea"/>
+                <a:cs typeface="+mn-cs"/>
+              </a:rPr>
               <a:t>”</a:t>
             </a:r>
             <a:r>
-              <a:rPr kumimoji="1" lang="ja-JP" altLang="en-US" sz="2400" b="1" dirty="0"/>
+              <a:rPr kumimoji="1" lang="ja-JP" altLang="en-US" sz="2400" b="1" i="0" u="none" strike="noStrike" kern="1200" cap="none" spc="0" normalizeH="0" baseline="0" noProof="0" dirty="0">
+                <a:ln>
+                  <a:noFill/>
+                </a:ln>
+                <a:solidFill>
+                  <a:srgbClr val="231B23"/>
+                </a:solidFill>
+                <a:effectLst/>
+                <a:uLnTx/>
+                <a:uFillTx/>
+                <a:latin typeface="Meiryo UI"/>
+                <a:ea typeface="+mn-ea"/>
+                <a:cs typeface="+mn-cs"/>
+              </a:rPr>
               <a:t>悔しさ</a:t>
             </a:r>
             <a:r>
-              <a:rPr kumimoji="1" lang="en-US" altLang="ja-JP" sz="2000" dirty="0"/>
+              <a:rPr kumimoji="1" lang="en-US" altLang="ja-JP" sz="2000" b="0" i="0" u="none" strike="noStrike" kern="1200" cap="none" spc="0" normalizeH="0" baseline="0" noProof="0" dirty="0">
+                <a:ln>
+                  <a:noFill/>
+                </a:ln>
+                <a:solidFill>
+                  <a:srgbClr val="231B23"/>
+                </a:solidFill>
+                <a:effectLst/>
+                <a:uLnTx/>
+                <a:uFillTx/>
+                <a:latin typeface="Meiryo UI"/>
+                <a:ea typeface="+mn-ea"/>
+                <a:cs typeface="+mn-cs"/>
+              </a:rPr>
               <a:t>”</a:t>
             </a:r>
             <a:r>
-              <a:rPr kumimoji="1" lang="ja-JP" altLang="en-US" sz="2000" dirty="0"/>
+              <a:rPr kumimoji="1" lang="ja-JP" altLang="en-US" sz="2000" b="0" i="0" u="none" strike="noStrike" kern="1200" cap="none" spc="0" normalizeH="0" baseline="0" noProof="0" dirty="0">
+                <a:ln>
+                  <a:noFill/>
+                </a:ln>
+                <a:solidFill>
+                  <a:srgbClr val="231B23"/>
+                </a:solidFill>
+                <a:effectLst/>
+                <a:uLnTx/>
+                <a:uFillTx/>
+                <a:latin typeface="Meiryo UI"/>
+                <a:ea typeface="+mn-ea"/>
+                <a:cs typeface="+mn-cs"/>
+              </a:rPr>
               <a:t>が今回の一番大きな収穫。</a:t>
             </a:r>
-            <a:endParaRPr kumimoji="1" lang="en-US" altLang="ja-JP" sz="2000" dirty="0"/>
-          </a:p>
-          <a:p>
-            <a:pPr>
+            <a:endParaRPr kumimoji="1" lang="en-US" altLang="ja-JP" sz="2000" b="0" i="0" u="none" strike="noStrike" kern="1200" cap="none" spc="0" normalizeH="0" baseline="0" noProof="0" dirty="0">
+              <a:ln>
+                <a:noFill/>
+              </a:ln>
+              <a:solidFill>
+                <a:srgbClr val="231B23"/>
+              </a:solidFill>
+              <a:effectLst/>
+              <a:uLnTx/>
+              <a:uFillTx/>
+              <a:latin typeface="Meiryo UI"/>
+              <a:ea typeface="+mn-ea"/>
+              <a:cs typeface="+mn-cs"/>
+            </a:endParaRPr>
+          </a:p>
+          <a:p>
+            <a:pPr marL="0" marR="0" lvl="0" indent="0" algn="l" defTabSz="914400" rtl="0" eaLnBrk="1" fontAlgn="auto" latinLnBrk="0" hangingPunct="1">
               <a:lnSpc>
                 <a:spcPct val="150000"/>
               </a:lnSpc>
+              <a:spcBef>
+                <a:spcPts val="0"/>
+              </a:spcBef>
+              <a:spcAft>
+                <a:spcPts val="0"/>
+              </a:spcAft>
+              <a:buClrTx/>
+              <a:buSzTx/>
+              <a:buFontTx/>
+              <a:buNone/>
+              <a:tabLst/>
+              <a:defRPr/>
             </a:pPr>
             <a:r>
-              <a:rPr kumimoji="1" lang="en-US" altLang="ja-JP" sz="2000" dirty="0"/>
+              <a:rPr kumimoji="1" lang="en-US" altLang="ja-JP" sz="2000" b="0" i="0" u="none" strike="noStrike" kern="1200" cap="none" spc="0" normalizeH="0" baseline="0" noProof="0" dirty="0">
+                <a:ln>
+                  <a:noFill/>
+                </a:ln>
+                <a:solidFill>
+                  <a:srgbClr val="231B23"/>
+                </a:solidFill>
+                <a:effectLst/>
+                <a:uLnTx/>
+                <a:uFillTx/>
+                <a:latin typeface="Meiryo UI"/>
+                <a:ea typeface="+mn-ea"/>
+                <a:cs typeface="+mn-cs"/>
+              </a:rPr>
               <a:t>	</a:t>
             </a:r>
             <a:r>
-              <a:rPr kumimoji="1" lang="ja-JP" altLang="en-US" sz="2000" dirty="0"/>
+              <a:rPr kumimoji="1" lang="ja-JP" altLang="en-US" sz="2000" b="0" i="0" u="none" strike="noStrike" kern="1200" cap="none" spc="0" normalizeH="0" baseline="0" noProof="0" dirty="0">
+                <a:ln>
+                  <a:noFill/>
+                </a:ln>
+                <a:solidFill>
+                  <a:srgbClr val="231B23"/>
+                </a:solidFill>
+                <a:effectLst/>
+                <a:uLnTx/>
+                <a:uFillTx/>
+                <a:latin typeface="Meiryo UI"/>
+                <a:ea typeface="+mn-ea"/>
+                <a:cs typeface="+mn-cs"/>
+              </a:rPr>
               <a:t>　　今後はもっと技術・知識の吸収に集中し、</a:t>
             </a:r>
             <a:r>
-              <a:rPr kumimoji="1" lang="en-US" altLang="ja-JP" sz="2000" dirty="0"/>
+              <a:rPr kumimoji="1" lang="en-US" altLang="ja-JP" sz="2000" b="0" i="0" u="none" strike="noStrike" kern="1200" cap="none" spc="0" normalizeH="0" baseline="0" noProof="0" dirty="0">
+                <a:ln>
+                  <a:noFill/>
+                </a:ln>
+                <a:solidFill>
+                  <a:srgbClr val="231B23"/>
+                </a:solidFill>
+                <a:effectLst/>
+                <a:uLnTx/>
+                <a:uFillTx/>
+                <a:latin typeface="Meiryo UI"/>
+                <a:ea typeface="+mn-ea"/>
+                <a:cs typeface="+mn-cs"/>
+              </a:rPr>
               <a:t>”</a:t>
             </a:r>
             <a:r>
-              <a:rPr kumimoji="1" lang="ja-JP" altLang="en-US" sz="2000" dirty="0"/>
+              <a:rPr kumimoji="1" lang="ja-JP" altLang="en-US" sz="2000" b="0" i="0" u="none" strike="noStrike" kern="1200" cap="none" spc="0" normalizeH="0" baseline="0" noProof="0" dirty="0">
+                <a:ln>
+                  <a:noFill/>
+                </a:ln>
+                <a:solidFill>
+                  <a:srgbClr val="231B23"/>
+                </a:solidFill>
+                <a:effectLst/>
+                <a:uLnTx/>
+                <a:uFillTx/>
+                <a:latin typeface="Meiryo UI"/>
+                <a:ea typeface="+mn-ea"/>
+                <a:cs typeface="+mn-cs"/>
+              </a:rPr>
               <a:t>エンジニア</a:t>
             </a:r>
             <a:r>
-              <a:rPr kumimoji="1" lang="en-US" altLang="ja-JP" sz="2000" dirty="0"/>
+              <a:rPr kumimoji="1" lang="en-US" altLang="ja-JP" sz="2000" b="0" i="0" u="none" strike="noStrike" kern="1200" cap="none" spc="0" normalizeH="0" baseline="0" noProof="0" dirty="0">
+                <a:ln>
+                  <a:noFill/>
+                </a:ln>
+                <a:solidFill>
+                  <a:srgbClr val="231B23"/>
+                </a:solidFill>
+                <a:effectLst/>
+                <a:uLnTx/>
+                <a:uFillTx/>
+                <a:latin typeface="Meiryo UI"/>
+                <a:ea typeface="+mn-ea"/>
+                <a:cs typeface="+mn-cs"/>
+              </a:rPr>
               <a:t>”</a:t>
             </a:r>
             <a:r>
-              <a:rPr kumimoji="1" lang="ja-JP" altLang="en-US" sz="2000" dirty="0"/>
+              <a:rPr kumimoji="1" lang="ja-JP" altLang="en-US" sz="2000" b="0" i="0" u="none" strike="noStrike" kern="1200" cap="none" spc="0" normalizeH="0" baseline="0" noProof="0" dirty="0">
+                <a:ln>
+                  <a:noFill/>
+                </a:ln>
+                <a:solidFill>
+                  <a:srgbClr val="231B23"/>
+                </a:solidFill>
+                <a:effectLst/>
+                <a:uLnTx/>
+                <a:uFillTx/>
+                <a:latin typeface="Meiryo UI"/>
+                <a:ea typeface="+mn-ea"/>
+                <a:cs typeface="+mn-cs"/>
+              </a:rPr>
               <a:t>としての力を付ける。</a:t>
             </a:r>
-            <a:endParaRPr kumimoji="1" lang="en-US" altLang="ja-JP" sz="2000" dirty="0"/>
+            <a:endParaRPr kumimoji="1" lang="en-US" altLang="ja-JP" sz="2000" b="0" i="0" u="none" strike="noStrike" kern="1200" cap="none" spc="0" normalizeH="0" baseline="0" noProof="0" dirty="0">
+              <a:ln>
+                <a:noFill/>
+              </a:ln>
+              <a:solidFill>
+                <a:srgbClr val="231B23"/>
+              </a:solidFill>
+              <a:effectLst/>
+              <a:uLnTx/>
+              <a:uFillTx/>
+              <a:latin typeface="Meiryo UI"/>
+              <a:ea typeface="+mn-ea"/>
+              <a:cs typeface="+mn-cs"/>
+            </a:endParaRPr>
           </a:p>
         </p:txBody>
       </p:sp>
@@ -16113,12 +16792,75 @@
           <a:bodyPr/>
           <a:lstStyle/>
           <a:p>
+            <a:pPr marL="0" marR="0" lvl="0" indent="0" algn="r" defTabSz="914400" rtl="0" eaLnBrk="1" fontAlgn="auto" latinLnBrk="0" hangingPunct="1">
+              <a:lnSpc>
+                <a:spcPct val="100000"/>
+              </a:lnSpc>
+              <a:spcBef>
+                <a:spcPts val="0"/>
+              </a:spcBef>
+              <a:spcAft>
+                <a:spcPts val="0"/>
+              </a:spcAft>
+              <a:buClrTx/>
+              <a:buSzTx/>
+              <a:buFontTx/>
+              <a:buNone/>
+              <a:tabLst/>
+              <a:defRPr/>
+            </a:pPr>
             <a:fld id="{6F705D35-D126-3B47-A82C-2A13EA9E0A67}" type="slidenum">
-              <a:rPr lang="en-US" smtClean="0"/>
-              <a:pPr/>
+              <a:rPr kumimoji="0" lang="en-US" sz="700" b="0" i="0" u="none" strike="noStrike" kern="1200" cap="none" spc="0" normalizeH="0" baseline="0" noProof="0" smtClean="0">
+                <a:ln>
+                  <a:noFill/>
+                </a:ln>
+                <a:solidFill>
+                  <a:srgbClr val="231B23">
+                    <a:tint val="75000"/>
+                  </a:srgbClr>
+                </a:solidFill>
+                <a:effectLst/>
+                <a:uLnTx/>
+                <a:uFillTx/>
+                <a:latin typeface="Meiryo UI"/>
+                <a:ea typeface="+mn-ea"/>
+                <a:cs typeface="+mn-cs"/>
+              </a:rPr>
+              <a:pPr marL="0" marR="0" lvl="0" indent="0" algn="r" defTabSz="914400" rtl="0" eaLnBrk="1" fontAlgn="auto" latinLnBrk="0" hangingPunct="1">
+                <a:lnSpc>
+                  <a:spcPct val="100000"/>
+                </a:lnSpc>
+                <a:spcBef>
+                  <a:spcPts val="0"/>
+                </a:spcBef>
+                <a:spcAft>
+                  <a:spcPts val="0"/>
+                </a:spcAft>
+                <a:buClrTx/>
+                <a:buSzTx/>
+                <a:buFontTx/>
+                <a:buNone/>
+                <a:tabLst/>
+                <a:defRPr/>
+              </a:pPr>
               <a:t>19</a:t>
             </a:fld>
-            <a:endParaRPr lang="en-US" dirty="0"/>
+            <a:endParaRPr kumimoji="0" lang="en-US" sz="700" b="0" i="0" u="none" strike="noStrike" kern="1200" cap="none" spc="0" normalizeH="0" baseline="0" noProof="0" dirty="0">
+              <a:ln>
+                <a:noFill/>
+              </a:ln>
+              <a:solidFill>
+                <a:srgbClr val="231B23">
+                  <a:tint val="75000"/>
+                </a:srgbClr>
+              </a:solidFill>
+              <a:effectLst/>
+              <a:uLnTx/>
+              <a:uFillTx/>
+              <a:latin typeface="Meiryo UI"/>
+              <a:ea typeface="+mn-ea"/>
+              <a:cs typeface="+mn-cs"/>
+            </a:endParaRPr>
           </a:p>
         </p:txBody>
       </p:sp>
@@ -16157,25 +16899,57 @@
           </a:bodyPr>
           <a:lstStyle/>
           <a:p>
-            <a:pPr algn="ctr"/>
-            <a:r>
-              <a:rPr kumimoji="1" lang="ja-JP" altLang="en-US" sz="5400" dirty="0">
-                <a:solidFill>
-                  <a:schemeClr val="accent1">
+            <a:pPr marL="0" marR="0" lvl="0" indent="0" algn="ctr" defTabSz="914400" rtl="0" eaLnBrk="1" fontAlgn="auto" latinLnBrk="0" hangingPunct="1">
+              <a:lnSpc>
+                <a:spcPct val="100000"/>
+              </a:lnSpc>
+              <a:spcBef>
+                <a:spcPts val="0"/>
+              </a:spcBef>
+              <a:spcAft>
+                <a:spcPts val="0"/>
+              </a:spcAft>
+              <a:buClrTx/>
+              <a:buSzTx/>
+              <a:buFontTx/>
+              <a:buNone/>
+              <a:tabLst/>
+              <a:defRPr/>
+            </a:pPr>
+            <a:r>
+              <a:rPr kumimoji="1" lang="ja-JP" altLang="en-US" sz="5400" b="0" i="0" u="none" strike="noStrike" kern="1200" cap="none" spc="0" normalizeH="0" baseline="0" noProof="0" dirty="0">
+                <a:ln>
+                  <a:noFill/>
+                </a:ln>
+                <a:solidFill>
+                  <a:srgbClr val="FDA431">
                     <a:lumMod val="75000"/>
-                  </a:schemeClr>
-                </a:solidFill>
+                  </a:srgbClr>
+                </a:solidFill>
+                <a:effectLst/>
+                <a:uLnTx/>
+                <a:uFillTx/>
                 <a:latin typeface="HGS明朝B" panose="02020800000000000000" pitchFamily="18" charset="-128"/>
                 <a:ea typeface="HGS明朝B" panose="02020800000000000000" pitchFamily="18" charset="-128"/>
+                <a:cs typeface="+mn-cs"/>
               </a:rPr>
               <a:t>とにかく明るい蔭山</a:t>
             </a:r>
-            <a:endParaRPr kumimoji="1" lang="en-US" altLang="ja-JP" sz="5400" dirty="0">
+            <a:endParaRPr kumimoji="1" lang="en-US" altLang="ja-JP" sz="5400" b="0" i="0" u="none" strike="noStrike" kern="1200" cap="none" spc="0" normalizeH="0" baseline="0" noProof="0" dirty="0">
+              <a:ln>
+                <a:noFill/>
+              </a:ln>
               <a:solidFill>
-                <a:schemeClr val="accent1">
+                <a:srgbClr val="FDA431">
                   <a:lumMod val="75000"/>
-                </a:schemeClr>
+                </a:srgbClr>
               </a:solidFill>
+              <a:effectLst/>
+              <a:uLnTx/>
+              <a:uFillTx/>
+              <a:latin typeface="Meiryo UI"/>
+              <a:ea typeface="+mn-ea"/>
+              <a:cs typeface="+mn-cs"/>
             </a:endParaRPr>
           </a:p>
         </p:txBody>
@@ -16227,18 +17001,53 @@
             </a:lvl1pPr>
           </a:lstStyle>
           <a:p>
-            <a:r>
-              <a:rPr lang="en-US" altLang="ja-JP" sz="2000" b="0" dirty="0">
+            <a:pPr marL="0" marR="0" lvl="0" indent="0" algn="l" defTabSz="914400" rtl="0" eaLnBrk="1" fontAlgn="auto" latinLnBrk="0" hangingPunct="1">
+              <a:lnSpc>
+                <a:spcPct val="90000"/>
+              </a:lnSpc>
+              <a:spcBef>
+                <a:spcPct val="0"/>
+              </a:spcBef>
+              <a:spcAft>
+                <a:spcPts val="0"/>
+              </a:spcAft>
+              <a:buClrTx/>
+              <a:buSzTx/>
+              <a:buFontTx/>
+              <a:buNone/>
+              <a:tabLst/>
+              <a:defRPr/>
+            </a:pPr>
+            <a:r>
+              <a:rPr kumimoji="1" lang="en-US" altLang="ja-JP" sz="2000" b="0" i="0" u="none" strike="noStrike" kern="1200" cap="none" spc="150" normalizeH="0" baseline="0" noProof="0" dirty="0">
+                <a:ln>
+                  <a:noFill/>
+                </a:ln>
                 <a:solidFill>
                   <a:srgbClr val="FFFFFF"/>
                 </a:solidFill>
+                <a:effectLst/>
+                <a:uLnTx/>
+                <a:uFillTx/>
+                <a:latin typeface="Meiryo UI"/>
+                <a:ea typeface="Meiryo UI" panose="020B0604030504040204" pitchFamily="34" charset="-128"/>
+                <a:cs typeface="+mj-cs"/>
               </a:rPr>
               <a:t>M</a:t>
             </a:r>
-            <a:endParaRPr lang="ja" sz="2000" b="0" dirty="0">
+            <a:endParaRPr kumimoji="1" lang="ja" altLang="en-US" sz="2000" b="0" i="0" u="none" strike="noStrike" kern="1200" cap="none" spc="150" normalizeH="0" baseline="0" noProof="0" dirty="0">
+              <a:ln>
+                <a:noFill/>
+              </a:ln>
               <a:solidFill>
                 <a:srgbClr val="FFFFFF"/>
               </a:solidFill>
+              <a:effectLst/>
+              <a:uLnTx/>
+              <a:uFillTx/>
+              <a:latin typeface="Meiryo UI"/>
+              <a:ea typeface="Meiryo UI" panose="020B0604030504040204" pitchFamily="34" charset="-128"/>
+              <a:cs typeface="+mj-cs"/>
             </a:endParaRPr>
           </a:p>
         </p:txBody>
@@ -16246,7 +17055,7 @@
     </p:spTree>
     <p:extLst>
       <p:ext uri="{BB962C8B-B14F-4D97-AF65-F5344CB8AC3E}">
-        <p14:creationId xmlns:p14="http://schemas.microsoft.com/office/powerpoint/2010/main" val="973871994"/>
+        <p14:creationId xmlns:p14="http://schemas.microsoft.com/office/powerpoint/2010/main" val="718163367"/>
       </p:ext>
     </p:extLst>
   </p:cSld>

--- a/documents/worldMap発表資料改良.pptx
+++ b/documents/worldMap発表資料改良.pptx
@@ -30,11 +30,11 @@
     <p:sldId id="331" r:id="rId18"/>
     <p:sldId id="325" r:id="rId19"/>
     <p:sldId id="357" r:id="rId20"/>
-    <p:sldId id="343" r:id="rId21"/>
-    <p:sldId id="348" r:id="rId22"/>
-    <p:sldId id="351" r:id="rId23"/>
-    <p:sldId id="350" r:id="rId24"/>
-    <p:sldId id="349" r:id="rId25"/>
+    <p:sldId id="348" r:id="rId21"/>
+    <p:sldId id="351" r:id="rId22"/>
+    <p:sldId id="350" r:id="rId23"/>
+    <p:sldId id="349" r:id="rId24"/>
+    <p:sldId id="343" r:id="rId25"/>
     <p:sldId id="342" r:id="rId26"/>
     <p:sldId id="353" r:id="rId27"/>
     <p:sldId id="304" r:id="rId28"/>
@@ -250,7 +250,7 @@
           </a:lstStyle>
           <a:p>
             <a:pPr rtl="0"/>
-            <a:fld id="{5A90AC4F-B4F5-4E6E-A2D9-5687902E1BCC}" type="datetime1">
+            <a:fld id="{E61A0FA3-48BB-42FD-9CBF-D094E47F4A27}" type="datetime1">
               <a:rPr lang="ja-JP" altLang="en-US" smtClean="0">
                 <a:latin typeface="Meiryo UI" panose="020B0604030504040204" pitchFamily="50" charset="-128"/>
                 <a:ea typeface="Meiryo UI" panose="020B0604030504040204" pitchFamily="50" charset="-128"/>
@@ -451,7 +451,7 @@
             </a:lvl1pPr>
           </a:lstStyle>
           <a:p>
-            <a:fld id="{A7641951-58F2-44FC-BBAF-10D86FB4EB72}" type="datetime1">
+            <a:fld id="{F366B36D-762E-43FF-B1A4-034B2778F6D4}" type="datetime1">
               <a:rPr lang="ja-JP" altLang="en-US" smtClean="0"/>
               <a:t>2021/6/29</a:t>
             </a:fld>
@@ -824,7 +824,7 @@
           <a:lstStyle/>
           <a:p>
             <a:pPr rtl="0"/>
-            <a:fld id="{062F3D76-4417-460B-BC28-F69ECA2AC9F5}" type="datetime1">
+            <a:fld id="{72B9AF3F-786E-43B6-BECA-6D3EF8117755}" type="datetime1">
               <a:rPr lang="ja-JP" altLang="en-US" noProof="0" smtClean="0"/>
               <a:t>2021/6/29</a:t>
             </a:fld>
@@ -908,7 +908,7 @@
           <a:bodyPr/>
           <a:lstStyle/>
           <a:p>
-            <a:fld id="{220455E2-DE6C-4977-BCFA-7D9AF3B70D3F}" type="datetime1">
+            <a:fld id="{26589919-81EF-4A3C-8668-C95F402B75FB}" type="datetime1">
               <a:rPr lang="ja-JP" altLang="en-US" smtClean="0"/>
               <a:t>2021/6/29</a:t>
             </a:fld>
@@ -1016,7 +1016,7 @@
           <a:bodyPr/>
           <a:lstStyle/>
           <a:p>
-            <a:fld id="{220455E2-DE6C-4977-BCFA-7D9AF3B70D3F}" type="datetime1">
+            <a:fld id="{FA7C03F1-439A-4432-A036-39559F497635}" type="datetime1">
               <a:rPr lang="ja-JP" altLang="en-US" smtClean="0"/>
               <a:t>2021/6/29</a:t>
             </a:fld>
@@ -1156,7 +1156,7 @@
           <a:lstStyle/>
           <a:p>
             <a:pPr rtl="0"/>
-            <a:fld id="{8703A6E2-E052-462A-8736-4777B1517D18}" type="datetime1">
+            <a:fld id="{D387200B-0EF0-4FD0-B1D7-4D2CC6C977CD}" type="datetime1">
               <a:rPr lang="ja-JP" altLang="en-US" noProof="0" smtClean="0"/>
               <a:t>2021/6/29</a:t>
             </a:fld>
@@ -1272,7 +1272,7 @@
           <a:lstStyle/>
           <a:p>
             <a:pPr rtl="0"/>
-            <a:fld id="{62A00A98-BEEB-41DF-85DB-F81F4DF9B709}" type="datetime1">
+            <a:fld id="{19069AE0-DA9E-46CE-8E6B-186953F4E727}" type="datetime1">
               <a:rPr lang="ja-JP" altLang="en-US" noProof="0" smtClean="0"/>
               <a:t>2021/6/29</a:t>
             </a:fld>
@@ -1388,7 +1388,7 @@
           <a:lstStyle/>
           <a:p>
             <a:pPr rtl="0"/>
-            <a:fld id="{2E864F8F-5043-43ED-AF57-60D60F7F2A41}" type="datetime1">
+            <a:fld id="{676F8730-26C0-479A-9A77-9D1ED6D9100E}" type="datetime1">
               <a:rPr lang="ja-JP" altLang="en-US" noProof="0" smtClean="0"/>
               <a:t>2021/6/29</a:t>
             </a:fld>
@@ -1504,7 +1504,7 @@
           <a:lstStyle/>
           <a:p>
             <a:pPr rtl="0"/>
-            <a:fld id="{DF175A64-DB18-49A6-BAA5-C6CE016A16F5}" type="datetime1">
+            <a:fld id="{869C461A-539F-4FB5-90A5-62ED3E354470}" type="datetime1">
               <a:rPr lang="ja-JP" altLang="en-US" noProof="0" smtClean="0"/>
               <a:t>2021/6/29</a:t>
             </a:fld>
@@ -1620,7 +1620,7 @@
           <a:lstStyle/>
           <a:p>
             <a:pPr rtl="0"/>
-            <a:fld id="{6D048ACD-7903-4146-9952-7847D3698479}" type="datetime1">
+            <a:fld id="{F3228ED6-3E89-4C6A-948D-19295AB404F6}" type="datetime1">
               <a:rPr lang="ja-JP" altLang="en-US" noProof="0" smtClean="0"/>
               <a:t>2021/6/29</a:t>
             </a:fld>
@@ -1721,7 +1721,7 @@
               <a:tabLst/>
               <a:defRPr/>
             </a:pPr>
-            <a:fld id="{753522AE-1792-4F16-AD61-355CDB1120DB}" type="datetime1">
+            <a:fld id="{21E53106-595D-42D9-9857-5EB7303FEB54}" type="datetime1">
               <a:rPr kumimoji="0" lang="ja-JP" altLang="en-US" sz="1200" b="0" i="0" u="none" strike="noStrike" kern="1200" cap="none" spc="0" normalizeH="0" baseline="0" noProof="0" smtClean="0">
                 <a:ln>
                   <a:noFill/>
@@ -1736,23 +1736,6 @@
                 <a:ea typeface="Meiryo UI" panose="020B0604030504040204" pitchFamily="50" charset="-128"/>
                 <a:cs typeface="+mn-cs"/>
               </a:rPr>
-              <a:pPr marL="0" marR="0" lvl="0" indent="0" algn="r" defTabSz="914400" rtl="0" eaLnBrk="1" fontAlgn="auto" latinLnBrk="0" hangingPunct="1">
-                <a:lnSpc>
-                  <a:spcPct val="100000"/>
-                </a:lnSpc>
-                <a:spcBef>
-                  <a:spcPts val="0"/>
-                </a:spcBef>
-                <a:spcAft>
-                  <a:spcPts val="0"/>
-                </a:spcAft>
-                <a:buClrTx/>
-                <a:buSzTx/>
-                <a:buFontTx/>
-                <a:buNone/>
-                <a:tabLst/>
-                <a:defRPr/>
-              </a:pPr>
               <a:t>2021/6/29</a:t>
             </a:fld>
             <a:endParaRPr kumimoji="0" lang="en-US" sz="1200" b="0" i="0" u="none" strike="noStrike" kern="1200" cap="none" spc="0" normalizeH="0" baseline="0" noProof="0" dirty="0">
@@ -1948,7 +1931,7 @@
               <a:tabLst/>
               <a:defRPr/>
             </a:pPr>
-            <a:fld id="{8E1A19CE-EE20-4DDD-90A2-6A494AAB5382}" type="datetime1">
+            <a:fld id="{1A727D65-300C-4835-AF6C-72CD32094A28}" type="datetime1">
               <a:rPr kumimoji="0" lang="ja-JP" altLang="en-US" sz="1200" b="0" i="0" u="none" strike="noStrike" kern="1200" cap="none" spc="0" normalizeH="0" baseline="0" noProof="0" smtClean="0">
                 <a:ln>
                   <a:noFill/>
@@ -2068,7 +2051,7 @@
     </p:spTree>
     <p:extLst>
       <p:ext uri="{BB962C8B-B14F-4D97-AF65-F5344CB8AC3E}">
-        <p14:creationId xmlns:p14="http://schemas.microsoft.com/office/powerpoint/2010/main" val="2766790121"/>
+        <p14:creationId xmlns:p14="http://schemas.microsoft.com/office/powerpoint/2010/main" val="307823710"/>
       </p:ext>
     </p:extLst>
   </p:cSld>
@@ -2158,7 +2141,7 @@
               <a:tabLst/>
               <a:defRPr/>
             </a:pPr>
-            <a:fld id="{7CBDBD0D-E37D-4B4C-9A7B-2C1688582109}" type="datetime1">
+            <a:fld id="{28934031-5DE6-4A41-A7B3-1D80DA372BC2}" type="datetime1">
               <a:rPr kumimoji="0" lang="ja-JP" altLang="en-US" sz="1200" b="0" i="0" u="none" strike="noStrike" kern="1200" cap="none" spc="0" normalizeH="0" baseline="0" noProof="0" smtClean="0">
                 <a:ln>
                   <a:noFill/>
@@ -2383,7 +2366,7 @@
           <a:lstStyle/>
           <a:p>
             <a:pPr rtl="0"/>
-            <a:fld id="{20A385A5-9B47-4C76-A394-5F41E6EF582C}" type="datetime1">
+            <a:fld id="{681193E3-14F6-41ED-9E7A-DE6FFBE96696}" type="datetime1">
               <a:rPr lang="ja-JP" altLang="en-US" noProof="0" smtClean="0"/>
               <a:t>2021/6/29</a:t>
             </a:fld>
@@ -2484,7 +2467,7 @@
               <a:tabLst/>
               <a:defRPr/>
             </a:pPr>
-            <a:fld id="{8E85ECD7-D518-44E8-87C9-C5F8664E9335}" type="datetime1">
+            <a:fld id="{94955080-CAEB-4D9D-B0B9-DC04A15E455E}" type="datetime1">
               <a:rPr kumimoji="0" lang="ja-JP" altLang="en-US" sz="1200" b="0" i="0" u="none" strike="noStrike" kern="1200" cap="none" spc="0" normalizeH="0" baseline="0" noProof="0" smtClean="0">
                 <a:ln>
                   <a:noFill/>
@@ -2604,7 +2587,7 @@
     </p:spTree>
     <p:extLst>
       <p:ext uri="{BB962C8B-B14F-4D97-AF65-F5344CB8AC3E}">
-        <p14:creationId xmlns:p14="http://schemas.microsoft.com/office/powerpoint/2010/main" val="307823710"/>
+        <p14:creationId xmlns:p14="http://schemas.microsoft.com/office/powerpoint/2010/main" val="2766790121"/>
       </p:ext>
     </p:extLst>
   </p:cSld>
@@ -2694,7 +2677,7 @@
               <a:tabLst/>
               <a:defRPr/>
             </a:pPr>
-            <a:fld id="{039AB888-B9A2-4119-ADB5-D4DC2D83B085}" type="datetime1">
+            <a:fld id="{97723A17-0B60-4681-B26E-3D42B6057FCD}" type="datetime1">
               <a:rPr kumimoji="0" lang="ja-JP" altLang="en-US" sz="1200" b="0" i="0" u="none" strike="noStrike" kern="1200" cap="none" spc="0" normalizeH="0" baseline="0" noProof="0" smtClean="0">
                 <a:ln>
                   <a:noFill/>
@@ -2814,7 +2797,7 @@
     </p:spTree>
     <p:extLst>
       <p:ext uri="{BB962C8B-B14F-4D97-AF65-F5344CB8AC3E}">
-        <p14:creationId xmlns:p14="http://schemas.microsoft.com/office/powerpoint/2010/main" val="2766790121"/>
+        <p14:creationId xmlns:p14="http://schemas.microsoft.com/office/powerpoint/2010/main" val="307823710"/>
       </p:ext>
     </p:extLst>
   </p:cSld>
@@ -2904,7 +2887,7 @@
               <a:tabLst/>
               <a:defRPr/>
             </a:pPr>
-            <a:fld id="{2B9F6525-2CC3-4074-AE31-8FD0BADF7B77}" type="datetime1">
+            <a:fld id="{6AAFF9A6-D1F7-4E4F-8D4E-AD583F2317F9}" type="datetime1">
               <a:rPr kumimoji="0" lang="ja-JP" altLang="en-US" sz="1200" b="0" i="0" u="none" strike="noStrike" kern="1200" cap="none" spc="0" normalizeH="0" baseline="0" noProof="0" smtClean="0">
                 <a:ln>
                   <a:noFill/>
@@ -3024,7 +3007,7 @@
     </p:spTree>
     <p:extLst>
       <p:ext uri="{BB962C8B-B14F-4D97-AF65-F5344CB8AC3E}">
-        <p14:creationId xmlns:p14="http://schemas.microsoft.com/office/powerpoint/2010/main" val="307823710"/>
+        <p14:creationId xmlns:p14="http://schemas.microsoft.com/office/powerpoint/2010/main" val="2766790121"/>
       </p:ext>
     </p:extLst>
   </p:cSld>
@@ -3129,7 +3112,7 @@
           <a:lstStyle/>
           <a:p>
             <a:pPr rtl="0"/>
-            <a:fld id="{16CC28D4-2B5F-4A2A-AFE6-5EF7703AADFA}" type="datetime1">
+            <a:fld id="{F4E50F37-29C2-4694-9107-7B412FFFDC27}" type="datetime1">
               <a:rPr lang="ja-JP" altLang="en-US" noProof="0" smtClean="0"/>
               <a:t>2021/6/29</a:t>
             </a:fld>
@@ -3245,7 +3228,7 @@
           <a:lstStyle/>
           <a:p>
             <a:pPr rtl="0"/>
-            <a:fld id="{801FD943-2140-4C60-BF05-8AAD3347764A}" type="datetime1">
+            <a:fld id="{AED43786-D495-400B-BE1D-F2389A90A855}" type="datetime1">
               <a:rPr lang="ja-JP" altLang="en-US" noProof="0" smtClean="0"/>
               <a:t>2021/6/29</a:t>
             </a:fld>
@@ -3361,7 +3344,7 @@
           <a:lstStyle/>
           <a:p>
             <a:pPr rtl="0"/>
-            <a:fld id="{801FD943-2140-4C60-BF05-8AAD3347764A}" type="datetime1">
+            <a:fld id="{98FD8B72-586C-41DB-9B77-B261136AED23}" type="datetime1">
               <a:rPr lang="ja-JP" altLang="en-US" noProof="0" smtClean="0"/>
               <a:t>2021/6/29</a:t>
             </a:fld>
@@ -3445,7 +3428,7 @@
           <a:bodyPr/>
           <a:lstStyle/>
           <a:p>
-            <a:fld id="{0593987C-B1A6-4DED-ACEA-045A17FFB34F}" type="datetime1">
+            <a:fld id="{34851CE4-A3A4-4502-BA4D-F29B7C4A8DC0}" type="datetime1">
               <a:rPr lang="ja-JP" altLang="en-US" smtClean="0"/>
               <a:t>2021/6/29</a:t>
             </a:fld>
@@ -3585,7 +3568,7 @@
           <a:lstStyle/>
           <a:p>
             <a:pPr rtl="0"/>
-            <a:fld id="{5C7A81DD-0EA3-45E2-A5B8-12C0FA3803A9}" type="datetime1">
+            <a:fld id="{907C9A94-3066-4CDA-B7F1-678ED4E86A49}" type="datetime1">
               <a:rPr lang="ja-JP" altLang="en-US" noProof="0" smtClean="0"/>
               <a:t>2021/6/29</a:t>
             </a:fld>
@@ -3701,7 +3684,7 @@
           <a:lstStyle/>
           <a:p>
             <a:pPr rtl="0"/>
-            <a:fld id="{75433B3A-4591-4758-BA01-772493DBFD85}" type="datetime1">
+            <a:fld id="{6F293FCA-641C-442B-9A0A-B4144672B152}" type="datetime1">
               <a:rPr lang="ja-JP" altLang="en-US" noProof="0" smtClean="0"/>
               <a:t>2021/6/29</a:t>
             </a:fld>
@@ -3817,7 +3800,7 @@
           <a:lstStyle/>
           <a:p>
             <a:pPr rtl="0"/>
-            <a:fld id="{E3D7BA25-12A8-4443-A677-FA576EAB8EF7}" type="datetime1">
+            <a:fld id="{03666088-1900-4710-86DA-454185C8AB9B}" type="datetime1">
               <a:rPr lang="ja-JP" altLang="en-US" noProof="0" smtClean="0"/>
               <a:t>2021/6/29</a:t>
             </a:fld>
@@ -3933,7 +3916,7 @@
           <a:lstStyle/>
           <a:p>
             <a:pPr rtl="0"/>
-            <a:fld id="{E5365C8F-0372-4A23-B9C9-EC86A7030D0E}" type="datetime1">
+            <a:fld id="{57BB8697-6FDB-4828-9713-A034648017A3}" type="datetime1">
               <a:rPr lang="ja-JP" altLang="en-US" noProof="0" smtClean="0"/>
               <a:t>2021/6/29</a:t>
             </a:fld>
@@ -4017,7 +4000,7 @@
           <a:bodyPr/>
           <a:lstStyle/>
           <a:p>
-            <a:fld id="{8255408F-EFF3-4D79-A3FC-A139D127CC07}" type="datetime1">
+            <a:fld id="{47A2F586-3D02-48AE-BF8A-BE6638665D57}" type="datetime1">
               <a:rPr lang="ja-JP" altLang="en-US" smtClean="0"/>
               <a:t>2021/6/29</a:t>
             </a:fld>
@@ -4125,7 +4108,7 @@
           <a:bodyPr/>
           <a:lstStyle/>
           <a:p>
-            <a:fld id="{64EBA935-28DA-4043-9F24-A8631307D86D}" type="datetime1">
+            <a:fld id="{4E7C77EB-854A-4F78-B0B1-EA84E14DC8FB}" type="datetime1">
               <a:rPr lang="ja-JP" altLang="en-US" smtClean="0"/>
               <a:t>2021/6/29</a:t>
             </a:fld>
@@ -4233,7 +4216,7 @@
           <a:bodyPr/>
           <a:lstStyle/>
           <a:p>
-            <a:fld id="{0593987C-B1A6-4DED-ACEA-045A17FFB34F}" type="datetime1">
+            <a:fld id="{CCEF2761-0371-482D-8A4B-3958727DA1C8}" type="datetime1">
               <a:rPr lang="ja-JP" altLang="en-US" smtClean="0"/>
               <a:t>2021/6/29</a:t>
             </a:fld>
@@ -4816,7 +4799,7 @@
             </a:lvl1pPr>
           </a:lstStyle>
           <a:p>
-            <a:fld id="{296A2B84-E62C-4ACE-B5E2-B61A2C6FD09E}" type="datetime1">
+            <a:fld id="{5D70D2FD-5843-46BD-BD5E-12F4F0200FE5}" type="datetime1">
               <a:rPr lang="ja-JP" altLang="en-US" smtClean="0"/>
               <a:t>2021/6/29</a:t>
             </a:fld>
@@ -4845,48 +4828,16 @@
           <a:bodyPr rtlCol="0"/>
           <a:lstStyle>
             <a:lvl1pPr>
-              <a:defRPr>
+              <a:defRPr sz="900">
                 <a:latin typeface="+mj-lt"/>
               </a:defRPr>
             </a:lvl1pPr>
           </a:lstStyle>
           <a:p>
-            <a:endParaRPr lang="en-US" dirty="0"/>
-          </a:p>
-        </p:txBody>
-      </p:sp>
-      <p:sp>
-        <p:nvSpPr>
-          <p:cNvPr id="4" name="スライド番号プレースホルダー 3">
-            <a:extLst>
-              <a:ext uri="{FF2B5EF4-FFF2-40B4-BE49-F238E27FC236}">
-                <a16:creationId xmlns:a16="http://schemas.microsoft.com/office/drawing/2014/main" id="{71FD5A6F-AE17-4E4C-9567-DB3B02853306}"/>
-              </a:ext>
-            </a:extLst>
-          </p:cNvPr>
-          <p:cNvSpPr>
-            <a:spLocks noGrp="1"/>
-          </p:cNvSpPr>
-          <p:nvPr>
-            <p:ph type="sldNum" sz="quarter" idx="12"/>
-          </p:nvPr>
-        </p:nvSpPr>
-        <p:spPr/>
-        <p:txBody>
-          <a:bodyPr rtlCol="0"/>
-          <a:lstStyle>
-            <a:lvl1pPr>
-              <a:defRPr>
-                <a:latin typeface="+mj-lt"/>
-              </a:defRPr>
-            </a:lvl1pPr>
-          </a:lstStyle>
-          <a:p>
-            <a:fld id="{6F705D35-D126-3B47-A82C-2A13EA9E0A67}" type="slidenum">
-              <a:rPr lang="en-US" smtClean="0"/>
-              <a:pPr/>
-              <a:t>‹#›</a:t>
-            </a:fld>
+            <a:r>
+              <a:rPr lang="en-US"/>
+              <a:t>worldMap</a:t>
+            </a:r>
             <a:endParaRPr lang="en-US" dirty="0"/>
           </a:p>
         </p:txBody>
@@ -5181,6 +5132,50 @@
           </a:p>
         </p:txBody>
       </p:sp>
+      <p:sp>
+        <p:nvSpPr>
+          <p:cNvPr id="4" name="スライド番号プレースホルダー 3">
+            <a:extLst>
+              <a:ext uri="{FF2B5EF4-FFF2-40B4-BE49-F238E27FC236}">
+                <a16:creationId xmlns:a16="http://schemas.microsoft.com/office/drawing/2014/main" id="{71FD5A6F-AE17-4E4C-9567-DB3B02853306}"/>
+              </a:ext>
+            </a:extLst>
+          </p:cNvPr>
+          <p:cNvSpPr>
+            <a:spLocks noGrp="1"/>
+          </p:cNvSpPr>
+          <p:nvPr>
+            <p:ph type="sldNum" sz="quarter" idx="12"/>
+          </p:nvPr>
+        </p:nvSpPr>
+        <p:spPr>
+          <a:xfrm>
+            <a:off x="8604708" y="665888"/>
+            <a:ext cx="2743200" cy="228600"/>
+          </a:xfrm>
+        </p:spPr>
+        <p:txBody>
+          <a:bodyPr rtlCol="0"/>
+          <a:lstStyle>
+            <a:lvl1pPr>
+              <a:defRPr sz="1800">
+                <a:solidFill>
+                  <a:schemeClr val="bg1"/>
+                </a:solidFill>
+                <a:latin typeface="+mj-lt"/>
+              </a:defRPr>
+            </a:lvl1pPr>
+          </a:lstStyle>
+          <a:p>
+            <a:fld id="{6F705D35-D126-3B47-A82C-2A13EA9E0A67}" type="slidenum">
+              <a:rPr lang="en-US" smtClean="0"/>
+              <a:pPr/>
+              <a:t>‹#›</a:t>
+            </a:fld>
+            <a:endParaRPr lang="en-US" dirty="0"/>
+          </a:p>
+        </p:txBody>
+      </p:sp>
     </p:spTree>
     <p:extLst>
       <p:ext uri="{BB962C8B-B14F-4D97-AF65-F5344CB8AC3E}">
@@ -5366,7 +5361,7 @@
             </a:lvl1pPr>
           </a:lstStyle>
           <a:p>
-            <a:fld id="{86102BB2-867E-423B-8453-C294E4A19865}" type="datetime1">
+            <a:fld id="{7279A190-3BD1-45C3-AB4B-96583D41DC10}" type="datetime1">
               <a:rPr lang="ja-JP" altLang="en-US" smtClean="0"/>
               <a:t>2021/6/29</a:t>
             </a:fld>
@@ -5401,6 +5396,10 @@
             </a:lvl1pPr>
           </a:lstStyle>
           <a:p>
+            <a:r>
+              <a:rPr lang="en-US"/>
+              <a:t>worldMap</a:t>
+            </a:r>
             <a:endParaRPr lang="en-US" dirty="0"/>
           </a:p>
         </p:txBody>
@@ -5758,7 +5757,7 @@
             </a:lvl1pPr>
           </a:lstStyle>
           <a:p>
-            <a:fld id="{EDCE281A-83A0-4519-A8C7-C5F84883B843}" type="datetime1">
+            <a:fld id="{51968C64-3579-42A0-B40A-CB6057F506B3}" type="datetime1">
               <a:rPr lang="ja-JP" altLang="en-US" smtClean="0"/>
               <a:t>2021/6/29</a:t>
             </a:fld>
@@ -5793,6 +5792,10 @@
             </a:lvl1pPr>
           </a:lstStyle>
           <a:p>
+            <a:r>
+              <a:rPr lang="en-US"/>
+              <a:t>worldMap</a:t>
+            </a:r>
             <a:endParaRPr lang="en-US" dirty="0"/>
           </a:p>
         </p:txBody>
@@ -6586,7 +6589,7 @@
             </a:lvl1pPr>
           </a:lstStyle>
           <a:p>
-            <a:fld id="{2A18B341-FFCE-46FD-A2E1-D667125DA365}" type="datetime1">
+            <a:fld id="{C1807203-D178-4B35-AC42-5B6FE73988B8}" type="datetime1">
               <a:rPr lang="ja-JP" altLang="en-US" smtClean="0"/>
               <a:t>2021/6/29</a:t>
             </a:fld>
@@ -6621,6 +6624,10 @@
             </a:lvl1pPr>
           </a:lstStyle>
           <a:p>
+            <a:r>
+              <a:rPr lang="en-US"/>
+              <a:t>worldMap</a:t>
+            </a:r>
             <a:endParaRPr lang="en-US" dirty="0"/>
           </a:p>
         </p:txBody>
@@ -6876,7 +6883,7 @@
             </a:lvl1pPr>
           </a:lstStyle>
           <a:p>
-            <a:fld id="{3463C42C-9937-4C63-AD3B-B1377E940180}" type="datetime1">
+            <a:fld id="{DF6497A9-D731-4EDA-8148-6D5C5F818B55}" type="datetime1">
               <a:rPr lang="ja-JP" altLang="en-US" smtClean="0"/>
               <a:t>2021/6/29</a:t>
             </a:fld>
@@ -6911,6 +6918,10 @@
             </a:lvl1pPr>
           </a:lstStyle>
           <a:p>
+            <a:r>
+              <a:rPr lang="en-US"/>
+              <a:t>worldMap</a:t>
+            </a:r>
             <a:endParaRPr lang="en-US" dirty="0"/>
           </a:p>
         </p:txBody>
@@ -7132,7 +7143,7 @@
             </a:lvl1pPr>
           </a:lstStyle>
           <a:p>
-            <a:fld id="{E4EE49A4-E481-45C1-8254-FE828DEFF045}" type="datetime1">
+            <a:fld id="{EF061969-4348-496B-9A02-8E41F65FD07B}" type="datetime1">
               <a:rPr lang="ja-JP" altLang="en-US" smtClean="0"/>
               <a:t>2021/6/29</a:t>
             </a:fld>
@@ -7180,6 +7191,10 @@
             </a:lvl1pPr>
           </a:lstStyle>
           <a:p>
+            <a:r>
+              <a:rPr lang="en-US"/>
+              <a:t>worldMap</a:t>
+            </a:r>
             <a:endParaRPr lang="en-US" dirty="0"/>
           </a:p>
         </p:txBody>
@@ -16810,15 +16825,10 @@
               <a:defRPr/>
             </a:pPr>
             <a:fld id="{6F705D35-D126-3B47-A82C-2A13EA9E0A67}" type="slidenum">
-              <a:rPr kumimoji="0" lang="en-US" sz="700" b="0" i="0" u="none" strike="noStrike" kern="1200" cap="none" spc="0" normalizeH="0" baseline="0" noProof="0" smtClean="0">
+              <a:rPr kumimoji="0" lang="en-US" b="0" i="0" u="none" strike="noStrike" kern="1200" cap="none" spc="0" normalizeH="0" baseline="0" noProof="0" smtClean="0">
                 <a:ln>
                   <a:noFill/>
                 </a:ln>
-                <a:solidFill>
-                  <a:srgbClr val="231B23">
-                    <a:tint val="75000"/>
-                  </a:srgbClr>
-                </a:solidFill>
                 <a:effectLst/>
                 <a:uLnTx/>
                 <a:uFillTx/>
@@ -16845,15 +16855,10 @@
               </a:pPr>
               <a:t>19</a:t>
             </a:fld>
-            <a:endParaRPr kumimoji="0" lang="en-US" sz="700" b="0" i="0" u="none" strike="noStrike" kern="1200" cap="none" spc="0" normalizeH="0" baseline="0" noProof="0" dirty="0">
+            <a:endParaRPr kumimoji="0" lang="en-US" b="0" i="0" u="none" strike="noStrike" kern="1200" cap="none" spc="0" normalizeH="0" baseline="0" noProof="0" dirty="0">
               <a:ln>
                 <a:noFill/>
               </a:ln>
-              <a:solidFill>
-                <a:srgbClr val="231B23">
-                  <a:tint val="75000"/>
-                </a:srgbClr>
-              </a:solidFill>
               <a:effectLst/>
               <a:uLnTx/>
               <a:uFillTx/>
@@ -17799,7 +17804,7 @@
         <p:spPr>
           <a:xfrm>
             <a:off x="358601" y="1349603"/>
-            <a:ext cx="11415528" cy="997103"/>
+            <a:ext cx="11409623" cy="1150363"/>
           </a:xfrm>
           <a:prstGeom prst="rect">
             <a:avLst/>
@@ -17851,48 +17856,22 @@
               <a:defRPr/>
             </a:pPr>
             <a:r>
-              <a:rPr kumimoji="1" lang="ja-JP" altLang="en-US" sz="2000" dirty="0">
+              <a:rPr kumimoji="1" lang="ja-JP" altLang="en-US" sz="2000" b="0" i="0" u="none" strike="noStrike" kern="1200" cap="none" spc="0" normalizeH="0" baseline="0" noProof="0" dirty="0">
+                <a:ln>
+                  <a:noFill/>
+                </a:ln>
                 <a:solidFill>
                   <a:srgbClr val="231B23"/>
                 </a:solidFill>
+                <a:effectLst/>
+                <a:uLnTx/>
+                <a:uFillTx/>
                 <a:latin typeface="HGP教科書体" panose="02020600000000000000" pitchFamily="18" charset="-128"/>
                 <a:ea typeface="HGP教科書体" panose="02020600000000000000" pitchFamily="18" charset="-128"/>
-              </a:rPr>
-              <a:t>チームリーダーとして</a:t>
-            </a:r>
-            <a:endParaRPr kumimoji="1" lang="ja-JP" altLang="en-US" sz="2000" b="0" i="0" u="none" strike="noStrike" kern="1200" cap="none" spc="0" normalizeH="0" baseline="0" noProof="0" dirty="0">
-              <a:ln>
-                <a:noFill/>
-              </a:ln>
-              <a:solidFill>
-                <a:srgbClr val="231B23"/>
-              </a:solidFill>
-              <a:effectLst/>
-              <a:uLnTx/>
-              <a:uFillTx/>
-              <a:latin typeface="HGP教科書体" panose="02020600000000000000" pitchFamily="18" charset="-128"/>
-              <a:ea typeface="HGP教科書体" panose="02020600000000000000" pitchFamily="18" charset="-128"/>
-              <a:cs typeface="+mn-cs"/>
-            </a:endParaRPr>
-          </a:p>
-          <a:p>
-            <a:pPr marL="0" marR="0" lvl="0" indent="0" algn="l" defTabSz="914400" rtl="0" eaLnBrk="1" fontAlgn="auto" latinLnBrk="0" hangingPunct="1">
-              <a:lnSpc>
-                <a:spcPct val="100000"/>
-              </a:lnSpc>
-              <a:spcBef>
-                <a:spcPts val="0"/>
-              </a:spcBef>
-              <a:spcAft>
-                <a:spcPts val="0"/>
-              </a:spcAft>
-              <a:buClrTx/>
-              <a:buSzTx/>
-              <a:buFontTx/>
-              <a:buNone/>
-              <a:tabLst/>
-              <a:defRPr/>
-            </a:pPr>
+                <a:cs typeface="+mn-cs"/>
+              </a:rPr>
+              <a:t>構成管理担当として</a:t>
+            </a:r>
             <a:endParaRPr kumimoji="1" lang="en-US" altLang="ja-JP" sz="2000" b="0" i="0" u="none" strike="noStrike" kern="1200" cap="none" spc="0" normalizeH="0" baseline="0" noProof="0" dirty="0">
               <a:ln>
                 <a:noFill/>
@@ -18043,6 +18022,42 @@
           </a:p>
         </p:txBody>
       </p:sp>
+      <p:pic>
+        <p:nvPicPr>
+          <p:cNvPr id="10" name="グラフィックス 9" descr="ニヤリとした顔 (塗りつぶしなし) 単色塗りつぶし">
+            <a:extLst>
+              <a:ext uri="{FF2B5EF4-FFF2-40B4-BE49-F238E27FC236}">
+                <a16:creationId xmlns:a16="http://schemas.microsoft.com/office/drawing/2014/main" id="{D68573FE-0FF6-4CE1-95BE-C63109EF9B20}"/>
+              </a:ext>
+            </a:extLst>
+          </p:cNvPr>
+          <p:cNvPicPr>
+            <a:picLocks noChangeAspect="1"/>
+          </p:cNvPicPr>
+          <p:nvPr/>
+        </p:nvPicPr>
+        <p:blipFill>
+          <a:blip r:embed="rId3">
+            <a:extLst>
+              <a:ext uri="{96DAC541-7B7A-43D3-8B79-37D633B846F1}">
+                <asvg:svgBlip xmlns:asvg="http://schemas.microsoft.com/office/drawing/2016/SVG/main" r:embed="rId4"/>
+              </a:ext>
+            </a:extLst>
+          </a:blip>
+          <a:stretch>
+            <a:fillRect/>
+          </a:stretch>
+        </p:blipFill>
+        <p:spPr>
+          <a:xfrm>
+            <a:off x="10901856" y="5553518"/>
+            <a:ext cx="735351" cy="735351"/>
+          </a:xfrm>
+          <a:prstGeom prst="rect">
+            <a:avLst/>
+          </a:prstGeom>
+        </p:spPr>
+      </p:pic>
       <p:sp>
         <p:nvSpPr>
           <p:cNvPr id="21" name="タイトル 1">
@@ -18072,7 +18087,7 @@
             <a:pPr rtl="0"/>
             <a:r>
               <a:rPr lang="ja-JP" altLang="en-US" sz="3200" b="0" dirty="0"/>
-              <a:t>小林 葵 </a:t>
+              <a:t>上甲 健太郎 </a:t>
             </a:r>
             <a:r>
               <a:rPr lang="en-US" altLang="ja-JP" b="0" dirty="0"/>
@@ -18080,7 +18095,7 @@
             </a:r>
             <a:r>
               <a:rPr lang="ja-JP" altLang="en-US" b="0" dirty="0"/>
-              <a:t>チームリーダー</a:t>
+              <a:t>構成管理担当</a:t>
             </a:r>
             <a:endParaRPr lang="ja" sz="3200" b="0" dirty="0"/>
           </a:p>
@@ -18101,10 +18116,10 @@
           <p:nvPr/>
         </p:nvPicPr>
         <p:blipFill>
-          <a:blip r:embed="rId3">
+          <a:blip r:embed="rId5">
             <a:extLst>
               <a:ext uri="{96DAC541-7B7A-43D3-8B79-37D633B846F1}">
-                <asvg:svgBlip xmlns:asvg="http://schemas.microsoft.com/office/drawing/2016/SVG/main" r:embed="rId4"/>
+                <asvg:svgBlip xmlns:asvg="http://schemas.microsoft.com/office/drawing/2016/SVG/main" r:embed="rId6"/>
               </a:ext>
             </a:extLst>
           </a:blip>
@@ -18137,7 +18152,7 @@
         <p:spPr>
           <a:xfrm>
             <a:off x="9174888" y="5666506"/>
-            <a:ext cx="1644513" cy="769441"/>
+            <a:ext cx="2033043" cy="769441"/>
           </a:xfrm>
           <a:prstGeom prst="rect">
             <a:avLst/>
@@ -18184,7 +18199,7 @@
                 <a:ea typeface="+mn-ea"/>
                 <a:cs typeface="+mn-cs"/>
               </a:rPr>
-              <a:t>85</a:t>
+              <a:t>70</a:t>
             </a:r>
             <a:r>
               <a:rPr kumimoji="1" lang="en-US" altLang="ja-JP" sz="2000" b="0" i="0" u="none" strike="noStrike" kern="1200" cap="none" spc="0" normalizeH="0" baseline="0" noProof="0" dirty="0">
@@ -18239,6 +18254,153 @@
           </a:p>
         </p:txBody>
       </p:sp>
+      <p:sp>
+        <p:nvSpPr>
+          <p:cNvPr id="41" name="テキスト ボックス 40">
+            <a:extLst>
+              <a:ext uri="{FF2B5EF4-FFF2-40B4-BE49-F238E27FC236}">
+                <a16:creationId xmlns:a16="http://schemas.microsoft.com/office/drawing/2014/main" id="{F5B6F027-05F2-4C6D-AE1E-9A8D41C0E830}"/>
+              </a:ext>
+            </a:extLst>
+          </p:cNvPr>
+          <p:cNvSpPr txBox="1"/>
+          <p:nvPr/>
+        </p:nvSpPr>
+        <p:spPr>
+          <a:xfrm>
+            <a:off x="599052" y="1721413"/>
+            <a:ext cx="6269106" cy="648319"/>
+          </a:xfrm>
+          <a:prstGeom prst="rect">
+            <a:avLst/>
+          </a:prstGeom>
+          <a:noFill/>
+        </p:spPr>
+        <p:txBody>
+          <a:bodyPr wrap="square" rtlCol="0">
+            <a:spAutoFit/>
+          </a:bodyPr>
+          <a:lstStyle/>
+          <a:p>
+            <a:pPr marL="0" marR="0" lvl="0" indent="0" algn="l" defTabSz="914400" rtl="0" eaLnBrk="1" fontAlgn="auto" latinLnBrk="0" hangingPunct="1">
+              <a:lnSpc>
+                <a:spcPct val="150000"/>
+              </a:lnSpc>
+              <a:spcBef>
+                <a:spcPts val="0"/>
+              </a:spcBef>
+              <a:spcAft>
+                <a:spcPts val="0"/>
+              </a:spcAft>
+              <a:buClrTx/>
+              <a:buSzTx/>
+              <a:buFontTx/>
+              <a:buNone/>
+              <a:tabLst/>
+              <a:defRPr/>
+            </a:pPr>
+            <a:r>
+              <a:rPr kumimoji="1" lang="ja-JP" altLang="en-US" sz="2800" b="0" i="0" u="none" strike="noStrike" kern="1200" cap="none" spc="0" normalizeH="0" baseline="0" noProof="0" dirty="0">
+                <a:ln>
+                  <a:noFill/>
+                </a:ln>
+                <a:solidFill>
+                  <a:srgbClr val="231B23"/>
+                </a:solidFill>
+                <a:effectLst/>
+                <a:uLnTx/>
+                <a:uFillTx/>
+                <a:latin typeface="Meiryo UI"/>
+                <a:ea typeface="+mn-ea"/>
+                <a:cs typeface="+mn-cs"/>
+              </a:rPr>
+              <a:t>サブ講師</a:t>
+            </a:r>
+            <a:r>
+              <a:rPr kumimoji="1" lang="en-US" altLang="ja-JP" sz="2000" b="0" i="0" u="none" strike="noStrike" kern="1200" cap="none" spc="0" normalizeH="0" baseline="0" noProof="0" dirty="0">
+                <a:ln>
+                  <a:noFill/>
+                </a:ln>
+                <a:solidFill>
+                  <a:srgbClr val="231B23"/>
+                </a:solidFill>
+                <a:effectLst/>
+                <a:uLnTx/>
+                <a:uFillTx/>
+                <a:latin typeface="Meiryo UI"/>
+                <a:ea typeface="+mn-ea"/>
+                <a:cs typeface="+mn-cs"/>
+              </a:rPr>
+              <a:t>(</a:t>
+            </a:r>
+            <a:r>
+              <a:rPr kumimoji="1" lang="ja-JP" altLang="en-US" sz="2000" b="0" i="0" u="none" strike="noStrike" kern="1200" cap="none" spc="0" normalizeH="0" baseline="0" noProof="0" dirty="0">
+                <a:ln>
+                  <a:noFill/>
+                </a:ln>
+                <a:solidFill>
+                  <a:srgbClr val="231B23"/>
+                </a:solidFill>
+                <a:effectLst/>
+                <a:uLnTx/>
+                <a:uFillTx/>
+                <a:latin typeface="Meiryo UI"/>
+                <a:ea typeface="+mn-ea"/>
+                <a:cs typeface="+mn-cs"/>
+              </a:rPr>
+              <a:t>的な存在</a:t>
+            </a:r>
+            <a:r>
+              <a:rPr kumimoji="1" lang="en-US" altLang="ja-JP" sz="2000" b="0" i="0" u="none" strike="noStrike" kern="1200" cap="none" spc="0" normalizeH="0" baseline="0" noProof="0" dirty="0">
+                <a:ln>
+                  <a:noFill/>
+                </a:ln>
+                <a:solidFill>
+                  <a:srgbClr val="231B23"/>
+                </a:solidFill>
+                <a:effectLst/>
+                <a:uLnTx/>
+                <a:uFillTx/>
+                <a:latin typeface="Meiryo UI"/>
+                <a:ea typeface="+mn-ea"/>
+                <a:cs typeface="+mn-cs"/>
+              </a:rPr>
+              <a:t>)</a:t>
+            </a:r>
+            <a:r>
+              <a:rPr kumimoji="1" lang="ja-JP" altLang="en-US" sz="2800" b="0" i="0" u="none" strike="noStrike" kern="1200" cap="none" spc="0" normalizeH="0" baseline="0" noProof="0" dirty="0">
+                <a:ln>
+                  <a:noFill/>
+                </a:ln>
+                <a:solidFill>
+                  <a:srgbClr val="231B23"/>
+                </a:solidFill>
+                <a:effectLst/>
+                <a:uLnTx/>
+                <a:uFillTx/>
+                <a:latin typeface="Meiryo UI"/>
+                <a:ea typeface="+mn-ea"/>
+                <a:cs typeface="+mn-cs"/>
+              </a:rPr>
+              <a:t>になる！</a:t>
+            </a:r>
+            <a:endParaRPr kumimoji="1" lang="en-US" altLang="ja-JP" sz="2800" b="0" i="0" u="none" strike="noStrike" kern="1200" cap="none" spc="0" normalizeH="0" baseline="0" noProof="0" dirty="0">
+              <a:ln>
+                <a:noFill/>
+              </a:ln>
+              <a:solidFill>
+                <a:srgbClr val="231B23"/>
+              </a:solidFill>
+              <a:effectLst/>
+              <a:uLnTx/>
+              <a:uFillTx/>
+              <a:latin typeface="Meiryo UI"/>
+              <a:ea typeface="+mn-ea"/>
+              <a:cs typeface="+mn-cs"/>
+            </a:endParaRPr>
+          </a:p>
+        </p:txBody>
+      </p:sp>
       <p:pic>
         <p:nvPicPr>
           <p:cNvPr id="42" name="グラフィックス 41" descr="ユーザー 単色塗りつぶし">
@@ -18254,10 +18416,10 @@
           <p:nvPr/>
         </p:nvPicPr>
         <p:blipFill>
-          <a:blip r:embed="rId5">
+          <a:blip r:embed="rId7">
             <a:extLst>
               <a:ext uri="{96DAC541-7B7A-43D3-8B79-37D633B846F1}">
-                <asvg:svgBlip xmlns:asvg="http://schemas.microsoft.com/office/drawing/2016/SVG/main" r:embed="rId6"/>
+                <asvg:svgBlip xmlns:asvg="http://schemas.microsoft.com/office/drawing/2016/SVG/main" r:embed="rId8"/>
               </a:ext>
             </a:extLst>
           </a:blip>
@@ -18277,10 +18439,10 @@
       </p:pic>
       <p:sp>
         <p:nvSpPr>
-          <p:cNvPr id="44" name="吹き出し: 角を丸めた四角形 43">
+          <p:cNvPr id="19" name="吹き出し: 角を丸めた四角形 18">
             <a:extLst>
               <a:ext uri="{FF2B5EF4-FFF2-40B4-BE49-F238E27FC236}">
-                <a16:creationId xmlns:a16="http://schemas.microsoft.com/office/drawing/2014/main" id="{DDF871A6-0182-4065-B082-728552ACEB4C}"/>
+                <a16:creationId xmlns:a16="http://schemas.microsoft.com/office/drawing/2014/main" id="{78AB200B-FD60-4B6C-B7B2-6CEB9186F07F}"/>
               </a:ext>
             </a:extLst>
           </p:cNvPr>
@@ -18289,8 +18451,8 @@
         </p:nvSpPr>
         <p:spPr>
           <a:xfrm>
-            <a:off x="2430054" y="5389134"/>
-            <a:ext cx="5875083" cy="1108534"/>
+            <a:off x="2430054" y="5241891"/>
+            <a:ext cx="5875083" cy="1380309"/>
           </a:xfrm>
           <a:prstGeom prst="wedgeRoundRectCallout">
             <a:avLst>
@@ -18330,53 +18492,39 @@
           <a:bodyPr rtlCol="0" anchor="ctr"/>
           <a:lstStyle/>
           <a:p>
-            <a:pPr marL="0" marR="0" lvl="0" indent="0" algn="ctr" defTabSz="914400" rtl="0" eaLnBrk="1" fontAlgn="auto" latinLnBrk="0" hangingPunct="1">
+            <a:pPr algn="ctr">
               <a:lnSpc>
                 <a:spcPct val="150000"/>
               </a:lnSpc>
-              <a:spcBef>
-                <a:spcPts val="0"/>
-              </a:spcBef>
-              <a:spcAft>
-                <a:spcPts val="0"/>
-              </a:spcAft>
-              <a:buClrTx/>
-              <a:buSzTx/>
-              <a:buFontTx/>
-              <a:buNone/>
-              <a:tabLst/>
-              <a:defRPr/>
             </a:pPr>
             <a:r>
-              <a:rPr kumimoji="1" lang="ja-JP" altLang="en-US" sz="1800" b="0" i="0" u="none" strike="noStrike" kern="1200" cap="none" spc="0" normalizeH="0" baseline="0" noProof="0" dirty="0">
-                <a:ln>
-                  <a:noFill/>
-                </a:ln>
+              <a:rPr kumimoji="1" lang="ja-JP" altLang="en-US" dirty="0">
                 <a:solidFill>
                   <a:sysClr val="windowText" lastClr="000000"/>
                 </a:solidFill>
-                <a:effectLst/>
-                <a:uLnTx/>
-                <a:uFillTx/>
-                <a:latin typeface="Meiryo UI"/>
-                <a:ea typeface="+mn-ea"/>
-                <a:cs typeface="+mn-cs"/>
-              </a:rPr>
-              <a:t>わわ</a:t>
-            </a:r>
-            <a:endParaRPr kumimoji="1" lang="en-US" altLang="ja-JP" sz="1800" b="0" i="0" u="none" strike="noStrike" kern="1200" cap="none" spc="0" normalizeH="0" baseline="0" noProof="0" dirty="0">
-              <a:ln>
-                <a:noFill/>
-              </a:ln>
+              </a:rPr>
+              <a:t>内部設計の時に初めてなのに経験者？と思うほど知識があり驚きました。またプログラミングに入ってからは</a:t>
+            </a:r>
+            <a:r>
+              <a:rPr kumimoji="1" lang="en-US" altLang="ja-JP" dirty="0">
+                <a:solidFill>
+                  <a:sysClr val="windowText" lastClr="000000"/>
+                </a:solidFill>
+              </a:rPr>
+              <a:t>A4</a:t>
+            </a:r>
+            <a:r>
+              <a:rPr kumimoji="1" lang="ja-JP" altLang="en-US" dirty="0">
+                <a:solidFill>
+                  <a:sysClr val="windowText" lastClr="000000"/>
+                </a:solidFill>
+              </a:rPr>
+              <a:t>担当のサブ講師なのでは？と思うほど助けられました。</a:t>
+            </a:r>
+            <a:endParaRPr kumimoji="1" lang="en-US" altLang="ja-JP" dirty="0">
               <a:solidFill>
                 <a:sysClr val="windowText" lastClr="000000"/>
               </a:solidFill>
-              <a:effectLst/>
-              <a:uLnTx/>
-              <a:uFillTx/>
-              <a:latin typeface="Meiryo UI"/>
-              <a:ea typeface="+mn-ea"/>
-              <a:cs typeface="+mn-cs"/>
             </a:endParaRPr>
           </a:p>
         </p:txBody>
@@ -18395,8 +18543,8 @@
         </p:nvSpPr>
         <p:spPr>
           <a:xfrm>
-            <a:off x="358601" y="2489372"/>
-            <a:ext cx="11415528" cy="2627986"/>
+            <a:off x="358601" y="2632948"/>
+            <a:ext cx="11409623" cy="2484410"/>
           </a:xfrm>
           <a:prstGeom prst="rect">
             <a:avLst/>
@@ -18476,10 +18624,10 @@
       </p:sp>
       <p:sp>
         <p:nvSpPr>
-          <p:cNvPr id="19" name="テキスト ボックス 18">
+          <p:cNvPr id="48" name="テキスト ボックス 47">
             <a:extLst>
               <a:ext uri="{FF2B5EF4-FFF2-40B4-BE49-F238E27FC236}">
-                <a16:creationId xmlns:a16="http://schemas.microsoft.com/office/drawing/2014/main" id="{6234C2C2-1210-4AC3-BEF2-42585446F70A}"/>
+                <a16:creationId xmlns:a16="http://schemas.microsoft.com/office/drawing/2014/main" id="{39AEC537-9EDF-4360-B24B-926D7DD5DFAF}"/>
               </a:ext>
             </a:extLst>
           </p:cNvPr>
@@ -18488,8 +18636,8 @@
         </p:nvSpPr>
         <p:spPr>
           <a:xfrm>
-            <a:off x="726922" y="2865422"/>
-            <a:ext cx="10678885" cy="2059153"/>
+            <a:off x="725833" y="2933743"/>
+            <a:ext cx="10482098" cy="2059153"/>
           </a:xfrm>
           <a:prstGeom prst="rect">
             <a:avLst/>
@@ -18534,7 +18682,7 @@
                 <a:ea typeface="+mn-ea"/>
                 <a:cs typeface="+mn-cs"/>
               </a:rPr>
-              <a:t>・ 指示出しと決定事項は明確に！</a:t>
+              <a:t>・ 人に教えることは難しく、最も勉強になる</a:t>
             </a:r>
             <a:endParaRPr kumimoji="1" lang="en-US" altLang="ja-JP" sz="2400" b="0" i="0" u="none" strike="noStrike" kern="1200" cap="none" spc="0" normalizeH="0" baseline="0" noProof="0" dirty="0">
               <a:ln>
@@ -18587,15 +18735,6 @@
               <a:t>	</a:t>
             </a:r>
             <a:r>
-              <a:rPr kumimoji="1" lang="ja-JP" altLang="en-US" sz="2000" dirty="0">
-                <a:solidFill>
-                  <a:srgbClr val="231B23"/>
-                </a:solidFill>
-                <a:latin typeface="Meiryo UI"/>
-              </a:rPr>
-              <a:t>→ </a:t>
-            </a:r>
-            <a:r>
               <a:rPr kumimoji="1" lang="ja-JP" altLang="en-US" sz="2000" b="0" i="0" u="none" strike="noStrike" kern="1200" cap="none" spc="0" normalizeH="0" baseline="0" noProof="0" dirty="0">
                 <a:ln>
                   <a:noFill/>
@@ -18610,7 +18749,7 @@
                 <a:ea typeface="+mn-ea"/>
                 <a:cs typeface="+mn-cs"/>
               </a:rPr>
-              <a:t>決定したことははっきり言葉にする　文字に残す</a:t>
+              <a:t>→ いつ聞かれても良い体勢を</a:t>
             </a:r>
             <a:endParaRPr kumimoji="1" lang="en-US" altLang="ja-JP" sz="2000" b="0" i="0" u="none" strike="noStrike" kern="1200" cap="none" spc="0" normalizeH="0" baseline="0" noProof="0" dirty="0">
               <a:ln>
@@ -18660,7 +18799,7 @@
                 <a:ea typeface="+mn-ea"/>
                 <a:cs typeface="+mn-cs"/>
               </a:rPr>
-              <a:t>・ 誰も無茶しないスケジュール管理</a:t>
+              <a:t>・ メンバーのプログラム関連の成長を肌で感じた</a:t>
             </a:r>
             <a:endParaRPr kumimoji="1" lang="en-US" altLang="ja-JP" sz="2400" b="0" i="0" u="none" strike="noStrike" kern="1200" cap="none" spc="0" normalizeH="0" baseline="0" noProof="0" dirty="0">
               <a:ln>
@@ -18696,7 +18835,16 @@
               <a:defRPr/>
             </a:pPr>
             <a:r>
-              <a:rPr kumimoji="1" lang="en-US" altLang="ja-JP" sz="2000" b="0" i="0" u="none" strike="noStrike" kern="1200" cap="none" spc="0" normalizeH="0" baseline="0" noProof="0" dirty="0">
+              <a:rPr kumimoji="1" lang="en-US" altLang="ja-JP" sz="2000" dirty="0">
+                <a:solidFill>
+                  <a:srgbClr val="231B23"/>
+                </a:solidFill>
+                <a:latin typeface="Meiryo UI"/>
+              </a:rPr>
+              <a:t>	</a:t>
+            </a:r>
+            <a:r>
+              <a:rPr kumimoji="1" lang="ja-JP" altLang="en-US" sz="2000" b="0" i="0" u="none" strike="noStrike" kern="1200" cap="none" spc="0" normalizeH="0" baseline="0" noProof="0" dirty="0">
                 <a:ln>
                   <a:noFill/>
                 </a:ln>
@@ -18710,24 +18858,7 @@
                 <a:ea typeface="+mn-ea"/>
                 <a:cs typeface="+mn-cs"/>
               </a:rPr>
-              <a:t>	</a:t>
-            </a:r>
-            <a:r>
-              <a:rPr kumimoji="1" lang="ja-JP" altLang="en-US" sz="2000" b="0" i="0" u="none" strike="noStrike" kern="1200" cap="none" spc="0" normalizeH="0" baseline="0" noProof="0" dirty="0">
-                <a:ln>
-                  <a:noFill/>
-                </a:ln>
-                <a:solidFill>
-                  <a:srgbClr val="231B23"/>
-                </a:solidFill>
-                <a:effectLst/>
-                <a:uLnTx/>
-                <a:uFillTx/>
-                <a:latin typeface="Meiryo UI"/>
-                <a:ea typeface="+mn-ea"/>
-                <a:cs typeface="+mn-cs"/>
-              </a:rPr>
-              <a:t>→ 間に合わないと思ったらすぐに手を打つ</a:t>
+              <a:t>→ プログラミング技術だけでは市場価値は高まらないのでは</a:t>
             </a:r>
             <a:endParaRPr kumimoji="1" lang="en-US" altLang="ja-JP" sz="2000" b="0" i="0" u="none" strike="noStrike" kern="1200" cap="none" spc="0" normalizeH="0" baseline="0" noProof="0" dirty="0">
               <a:ln>
@@ -18748,221 +18879,10 @@
       </p:sp>
       <p:sp>
         <p:nvSpPr>
-          <p:cNvPr id="25" name="テキスト ボックス 24">
+          <p:cNvPr id="2" name="スライド番号プレースホルダー 1">
             <a:extLst>
               <a:ext uri="{FF2B5EF4-FFF2-40B4-BE49-F238E27FC236}">
-                <a16:creationId xmlns:a16="http://schemas.microsoft.com/office/drawing/2014/main" id="{623DC4EA-F5E8-4F37-8B14-9994DF5C626A}"/>
-              </a:ext>
-            </a:extLst>
-          </p:cNvPr>
-          <p:cNvSpPr txBox="1"/>
-          <p:nvPr/>
-        </p:nvSpPr>
-        <p:spPr>
-          <a:xfrm>
-            <a:off x="1126573" y="1650119"/>
-            <a:ext cx="6269106" cy="648319"/>
-          </a:xfrm>
-          <a:prstGeom prst="rect">
-            <a:avLst/>
-          </a:prstGeom>
-          <a:noFill/>
-        </p:spPr>
-        <p:txBody>
-          <a:bodyPr wrap="square" rtlCol="0">
-            <a:spAutoFit/>
-          </a:bodyPr>
-          <a:lstStyle/>
-          <a:p>
-            <a:pPr marL="0" marR="0" lvl="0" indent="0" algn="l" defTabSz="914400" rtl="0" eaLnBrk="1" fontAlgn="auto" latinLnBrk="0" hangingPunct="1">
-              <a:lnSpc>
-                <a:spcPct val="150000"/>
-              </a:lnSpc>
-              <a:spcBef>
-                <a:spcPts val="0"/>
-              </a:spcBef>
-              <a:spcAft>
-                <a:spcPts val="0"/>
-              </a:spcAft>
-              <a:buClrTx/>
-              <a:buSzTx/>
-              <a:buFontTx/>
-              <a:buNone/>
-              <a:tabLst/>
-              <a:defRPr/>
-            </a:pPr>
-            <a:r>
-              <a:rPr kumimoji="1" lang="ja-JP" altLang="en-US" sz="2800" b="0" i="0" u="none" strike="noStrike" kern="1200" cap="none" spc="0" normalizeH="0" baseline="0" noProof="0" dirty="0">
-                <a:ln>
-                  <a:noFill/>
-                </a:ln>
-                <a:solidFill>
-                  <a:srgbClr val="231B23"/>
-                </a:solidFill>
-                <a:effectLst/>
-                <a:uLnTx/>
-                <a:uFillTx/>
-                <a:latin typeface="Meiryo UI"/>
-                <a:ea typeface="+mn-ea"/>
-                <a:cs typeface="+mn-cs"/>
-              </a:rPr>
-              <a:t>リーダーとしての責任を果たす</a:t>
-            </a:r>
-            <a:endParaRPr kumimoji="1" lang="en-US" altLang="ja-JP" sz="2800" b="0" i="0" u="none" strike="noStrike" kern="1200" cap="none" spc="0" normalizeH="0" baseline="0" noProof="0" dirty="0">
-              <a:ln>
-                <a:noFill/>
-              </a:ln>
-              <a:solidFill>
-                <a:srgbClr val="231B23"/>
-              </a:solidFill>
-              <a:effectLst/>
-              <a:uLnTx/>
-              <a:uFillTx/>
-              <a:latin typeface="Meiryo UI"/>
-              <a:ea typeface="+mn-ea"/>
-              <a:cs typeface="+mn-cs"/>
-            </a:endParaRPr>
-          </a:p>
-        </p:txBody>
-      </p:sp>
-      <p:pic>
-        <p:nvPicPr>
-          <p:cNvPr id="22" name="グラフィックス 21" descr="ハート付きの笑顔 (塗りつぶしなし) 単色塗りつぶし">
-            <a:extLst>
-              <a:ext uri="{FF2B5EF4-FFF2-40B4-BE49-F238E27FC236}">
-                <a16:creationId xmlns:a16="http://schemas.microsoft.com/office/drawing/2014/main" id="{7DE3574C-15E9-4D20-A929-C7E2D6DE0836}"/>
-              </a:ext>
-            </a:extLst>
-          </p:cNvPr>
-          <p:cNvPicPr>
-            <a:picLocks noChangeAspect="1"/>
-          </p:cNvPicPr>
-          <p:nvPr/>
-        </p:nvPicPr>
-        <p:blipFill>
-          <a:blip r:embed="rId7">
-            <a:extLst>
-              <a:ext uri="{96DAC541-7B7A-43D3-8B79-37D633B846F1}">
-                <asvg:svgBlip xmlns:asvg="http://schemas.microsoft.com/office/drawing/2016/SVG/main" r:embed="rId8"/>
-              </a:ext>
-            </a:extLst>
-          </a:blip>
-          <a:stretch>
-            <a:fillRect/>
-          </a:stretch>
-        </p:blipFill>
-        <p:spPr>
-          <a:xfrm>
-            <a:off x="10894813" y="5575725"/>
-            <a:ext cx="735351" cy="735351"/>
-          </a:xfrm>
-          <a:prstGeom prst="rect">
-            <a:avLst/>
-          </a:prstGeom>
-        </p:spPr>
-      </p:pic>
-      <p:sp>
-        <p:nvSpPr>
-          <p:cNvPr id="18" name="吹き出し: 角を丸めた四角形 17">
-            <a:extLst>
-              <a:ext uri="{FF2B5EF4-FFF2-40B4-BE49-F238E27FC236}">
-                <a16:creationId xmlns:a16="http://schemas.microsoft.com/office/drawing/2014/main" id="{653C08E5-D098-4B15-851D-D40554FCB981}"/>
-              </a:ext>
-            </a:extLst>
-          </p:cNvPr>
-          <p:cNvSpPr/>
-          <p:nvPr/>
-        </p:nvSpPr>
-        <p:spPr>
-          <a:xfrm>
-            <a:off x="2430054" y="5389134"/>
-            <a:ext cx="5875083" cy="1108534"/>
-          </a:xfrm>
-          <a:prstGeom prst="wedgeRoundRectCallout">
-            <a:avLst>
-              <a:gd name="adj1" fmla="val -60539"/>
-              <a:gd name="adj2" fmla="val 22806"/>
-              <a:gd name="adj3" fmla="val 16667"/>
-            </a:avLst>
-          </a:prstGeom>
-          <a:solidFill>
-            <a:srgbClr val="FEFBF5"/>
-          </a:solidFill>
-          <a:ln w="28575">
-            <a:solidFill>
-              <a:schemeClr val="bg2">
-                <a:lumMod val="75000"/>
-              </a:schemeClr>
-            </a:solidFill>
-          </a:ln>
-        </p:spPr>
-        <p:style>
-          <a:lnRef idx="2">
-            <a:schemeClr val="accent1">
-              <a:shade val="50000"/>
-            </a:schemeClr>
-          </a:lnRef>
-          <a:fillRef idx="1">
-            <a:schemeClr val="accent1"/>
-          </a:fillRef>
-          <a:effectRef idx="0">
-            <a:schemeClr val="accent1"/>
-          </a:effectRef>
-          <a:fontRef idx="minor">
-            <a:schemeClr val="lt1"/>
-          </a:fontRef>
-        </p:style>
-        <p:txBody>
-          <a:bodyPr rtlCol="0" anchor="ctr"/>
-          <a:lstStyle/>
-          <a:p>
-            <a:pPr algn="ctr">
-              <a:lnSpc>
-                <a:spcPct val="150000"/>
-              </a:lnSpc>
-            </a:pPr>
-            <a:r>
-              <a:rPr kumimoji="1" lang="ja-JP" altLang="en-US" dirty="0">
-                <a:solidFill>
-                  <a:sysClr val="windowText" lastClr="000000"/>
-                </a:solidFill>
-              </a:rPr>
-              <a:t>話し合いの進行、意見のまとめ、進捗管理すべて完璧。</a:t>
-            </a:r>
-            <a:endParaRPr kumimoji="1" lang="en-US" altLang="ja-JP" dirty="0">
-              <a:solidFill>
-                <a:sysClr val="windowText" lastClr="000000"/>
-              </a:solidFill>
-            </a:endParaRPr>
-          </a:p>
-          <a:p>
-            <a:pPr algn="ctr">
-              <a:lnSpc>
-                <a:spcPct val="150000"/>
-              </a:lnSpc>
-            </a:pPr>
-            <a:r>
-              <a:rPr kumimoji="1" lang="ja-JP" altLang="en-US" dirty="0">
-                <a:solidFill>
-                  <a:sysClr val="windowText" lastClr="000000"/>
-                </a:solidFill>
-              </a:rPr>
-              <a:t>チームがスムーズだったのは間違いなく小林さんのおかげ。</a:t>
-            </a:r>
-            <a:endParaRPr kumimoji="1" lang="en-US" altLang="ja-JP" dirty="0">
-              <a:solidFill>
-                <a:sysClr val="windowText" lastClr="000000"/>
-              </a:solidFill>
-            </a:endParaRPr>
-          </a:p>
-        </p:txBody>
-      </p:sp>
-      <p:sp>
-        <p:nvSpPr>
-          <p:cNvPr id="2" name="スライド番号プレースホルダー 1">
-            <a:extLst>
-              <a:ext uri="{FF2B5EF4-FFF2-40B4-BE49-F238E27FC236}">
-                <a16:creationId xmlns:a16="http://schemas.microsoft.com/office/drawing/2014/main" id="{AAD1F9A9-4E0B-492B-BC89-568432445156}"/>
+                <a16:creationId xmlns:a16="http://schemas.microsoft.com/office/drawing/2014/main" id="{05C90913-A06C-492E-AC4D-F71C2E726681}"/>
               </a:ext>
             </a:extLst>
           </p:cNvPr>
@@ -18992,7 +18912,7 @@
           <p:cNvPr id="16" name="テキスト ボックス 15">
             <a:extLst>
               <a:ext uri="{FF2B5EF4-FFF2-40B4-BE49-F238E27FC236}">
-                <a16:creationId xmlns:a16="http://schemas.microsoft.com/office/drawing/2014/main" id="{631ADE81-D1EA-43F2-9190-5437FC5AC143}"/>
+                <a16:creationId xmlns:a16="http://schemas.microsoft.com/office/drawing/2014/main" id="{D88C3345-2407-4503-9E71-54659630196D}"/>
               </a:ext>
             </a:extLst>
           </p:cNvPr>
@@ -19001,8 +18921,8 @@
         </p:nvSpPr>
         <p:spPr>
           <a:xfrm rot="835554">
-            <a:off x="5570667" y="1362249"/>
-            <a:ext cx="6370132" cy="923330"/>
+            <a:off x="6189582" y="1576454"/>
+            <a:ext cx="5779299" cy="1754326"/>
           </a:xfrm>
           <a:prstGeom prst="rect">
             <a:avLst/>
@@ -19033,7 +18953,31 @@
                 <a:latin typeface="HGS明朝B" panose="02020800000000000000" pitchFamily="18" charset="-128"/>
                 <a:ea typeface="HGS明朝B" panose="02020800000000000000" pitchFamily="18" charset="-128"/>
               </a:rPr>
-              <a:t>一生ついていきます</a:t>
+              <a:t>圧倒的包容力</a:t>
+            </a:r>
+            <a:endParaRPr kumimoji="1" lang="en-US" altLang="ja-JP" sz="5400" dirty="0">
+              <a:solidFill>
+                <a:schemeClr val="accent1">
+                  <a:lumMod val="75000"/>
+                </a:schemeClr>
+              </a:solidFill>
+              <a:latin typeface="HGS明朝B" panose="02020800000000000000" pitchFamily="18" charset="-128"/>
+              <a:ea typeface="HGS明朝B" panose="02020800000000000000" pitchFamily="18" charset="-128"/>
+            </a:endParaRPr>
+          </a:p>
+          <a:p>
+            <a:pPr algn="ctr"/>
+            <a:r>
+              <a:rPr kumimoji="1" lang="ja-JP" altLang="en-US" sz="5400" dirty="0">
+                <a:solidFill>
+                  <a:schemeClr val="accent1">
+                    <a:lumMod val="75000"/>
+                  </a:schemeClr>
+                </a:solidFill>
+                <a:latin typeface="HGS明朝B" panose="02020800000000000000" pitchFamily="18" charset="-128"/>
+                <a:ea typeface="HGS明朝B" panose="02020800000000000000" pitchFamily="18" charset="-128"/>
+              </a:rPr>
+              <a:t>ほとんど仏</a:t>
             </a:r>
           </a:p>
         </p:txBody>
@@ -19043,7 +18987,7 @@
           <p:cNvPr id="17" name="タイトル 1">
             <a:extLst>
               <a:ext uri="{FF2B5EF4-FFF2-40B4-BE49-F238E27FC236}">
-                <a16:creationId xmlns:a16="http://schemas.microsoft.com/office/drawing/2014/main" id="{381AB51C-2D6E-4524-B5DA-E3B46469DB7B}"/>
+                <a16:creationId xmlns:a16="http://schemas.microsoft.com/office/drawing/2014/main" id="{093AAE71-8D26-43F8-9242-6B836C2C7314}"/>
               </a:ext>
             </a:extLst>
           </p:cNvPr>
@@ -19054,8 +18998,8 @@
         </p:nvSpPr>
         <p:spPr>
           <a:xfrm>
-            <a:off x="962025" y="6025307"/>
-            <a:ext cx="446454" cy="583800"/>
+            <a:off x="958850" y="6025307"/>
+            <a:ext cx="449629" cy="583800"/>
           </a:xfrm>
           <a:prstGeom prst="rect">
             <a:avLst/>
@@ -19091,7 +19035,7 @@
                   <a:srgbClr val="FFFFFF"/>
                 </a:solidFill>
               </a:rPr>
-              <a:t>F</a:t>
+              <a:t>S</a:t>
             </a:r>
             <a:endParaRPr lang="ja" sz="2000" b="0" dirty="0">
               <a:solidFill>
@@ -19104,7 +19048,7 @@
     </p:spTree>
     <p:extLst>
       <p:ext uri="{BB962C8B-B14F-4D97-AF65-F5344CB8AC3E}">
-        <p14:creationId xmlns:p14="http://schemas.microsoft.com/office/powerpoint/2010/main" val="1191541083"/>
+        <p14:creationId xmlns:p14="http://schemas.microsoft.com/office/powerpoint/2010/main" val="3789924097"/>
       </p:ext>
     </p:extLst>
   </p:cSld>
@@ -19576,7 +19520,7 @@
         <p:spPr>
           <a:xfrm>
             <a:off x="358601" y="1349603"/>
-            <a:ext cx="11409623" cy="1150363"/>
+            <a:ext cx="11409623" cy="1363441"/>
           </a:xfrm>
           <a:prstGeom prst="rect">
             <a:avLst/>
@@ -19628,7 +19572,7 @@
               <a:defRPr/>
             </a:pPr>
             <a:r>
-              <a:rPr kumimoji="1" lang="ja-JP" altLang="en-US" sz="2000" b="0" i="0" u="none" strike="noStrike" kern="1200" cap="none" spc="0" normalizeH="0" baseline="0" noProof="0" dirty="0">
+              <a:rPr kumimoji="1" lang="en-US" altLang="ja-JP" sz="2000" b="0" i="0" u="none" strike="noStrike" kern="1200" cap="none" spc="0" normalizeH="0" baseline="0" noProof="0" dirty="0">
                 <a:ln>
                   <a:noFill/>
                 </a:ln>
@@ -19642,7 +19586,24 @@
                 <a:ea typeface="HGP教科書体" panose="02020600000000000000" pitchFamily="18" charset="-128"/>
                 <a:cs typeface="+mn-cs"/>
               </a:rPr>
-              <a:t>構成管理担当として</a:t>
+              <a:t>DBA,</a:t>
+            </a:r>
+            <a:r>
+              <a:rPr kumimoji="1" lang="ja-JP" altLang="en-US" sz="2000" b="0" i="0" u="none" strike="noStrike" kern="1200" cap="none" spc="0" normalizeH="0" baseline="0" noProof="0" dirty="0">
+                <a:ln>
+                  <a:noFill/>
+                </a:ln>
+                <a:solidFill>
+                  <a:srgbClr val="231B23"/>
+                </a:solidFill>
+                <a:effectLst/>
+                <a:uLnTx/>
+                <a:uFillTx/>
+                <a:latin typeface="HGP教科書体" panose="02020600000000000000" pitchFamily="18" charset="-128"/>
+                <a:ea typeface="HGP教科書体" panose="02020600000000000000" pitchFamily="18" charset="-128"/>
+                <a:cs typeface="+mn-cs"/>
+              </a:rPr>
+              <a:t>コミュニケーション担当として</a:t>
             </a:r>
             <a:endParaRPr kumimoji="1" lang="en-US" altLang="ja-JP" sz="2000" b="0" i="0" u="none" strike="noStrike" kern="1200" cap="none" spc="0" normalizeH="0" baseline="0" noProof="0" dirty="0">
               <a:ln>
@@ -19859,15 +19820,15 @@
             <a:pPr rtl="0"/>
             <a:r>
               <a:rPr lang="ja-JP" altLang="en-US" sz="3200" b="0" dirty="0"/>
-              <a:t>上甲 健太郎 </a:t>
+              <a:t>水井 健人 </a:t>
             </a:r>
             <a:r>
               <a:rPr lang="en-US" altLang="ja-JP" b="0" dirty="0"/>
-              <a:t>/ </a:t>
+              <a:t>/ DB</a:t>
             </a:r>
             <a:r>
               <a:rPr lang="ja-JP" altLang="en-US" b="0" dirty="0"/>
-              <a:t>構成管理担当</a:t>
+              <a:t>、コミュニケーション担当</a:t>
             </a:r>
             <a:endParaRPr lang="ja" sz="3200" b="0" dirty="0"/>
           </a:p>
@@ -19924,7 +19885,7 @@
         <p:spPr>
           <a:xfrm>
             <a:off x="9174888" y="5666506"/>
-            <a:ext cx="2033043" cy="769441"/>
+            <a:ext cx="1644513" cy="769441"/>
           </a:xfrm>
           <a:prstGeom prst="rect">
             <a:avLst/>
@@ -20040,8 +20001,8 @@
         </p:nvSpPr>
         <p:spPr>
           <a:xfrm>
-            <a:off x="599052" y="1721413"/>
-            <a:ext cx="6269106" cy="648319"/>
+            <a:off x="725833" y="1590173"/>
+            <a:ext cx="6269106" cy="1122871"/>
           </a:xfrm>
           <a:prstGeom prst="rect">
             <a:avLst/>
@@ -20072,7 +20033,7 @@
               <a:defRPr/>
             </a:pPr>
             <a:r>
-              <a:rPr kumimoji="1" lang="ja-JP" altLang="en-US" sz="2800" b="0" i="0" u="none" strike="noStrike" kern="1200" cap="none" spc="0" normalizeH="0" baseline="0" noProof="0" dirty="0">
+              <a:rPr kumimoji="1" lang="ja-JP" altLang="en-US" sz="2400" b="0" i="0" u="none" strike="noStrike" kern="1200" cap="none" spc="0" normalizeH="0" baseline="0" noProof="0" dirty="0">
                 <a:ln>
                   <a:noFill/>
                 </a:ln>
@@ -20086,10 +20047,43 @@
                 <a:ea typeface="+mn-ea"/>
                 <a:cs typeface="+mn-cs"/>
               </a:rPr>
-              <a:t>サブ講師</a:t>
-            </a:r>
-            <a:r>
-              <a:rPr kumimoji="1" lang="en-US" altLang="ja-JP" sz="2000" b="0" i="0" u="none" strike="noStrike" kern="1200" cap="none" spc="0" normalizeH="0" baseline="0" noProof="0" dirty="0">
+              <a:t>・ 会話してない人がいないように気を付ける！</a:t>
+            </a:r>
+            <a:endParaRPr kumimoji="1" lang="en-US" altLang="ja-JP" sz="2400" b="0" i="0" u="none" strike="noStrike" kern="1200" cap="none" spc="0" normalizeH="0" baseline="0" noProof="0" dirty="0">
+              <a:ln>
+                <a:noFill/>
+              </a:ln>
+              <a:solidFill>
+                <a:srgbClr val="231B23"/>
+              </a:solidFill>
+              <a:effectLst/>
+              <a:uLnTx/>
+              <a:uFillTx/>
+              <a:latin typeface="Meiryo UI"/>
+              <a:ea typeface="+mn-ea"/>
+              <a:cs typeface="+mn-cs"/>
+            </a:endParaRPr>
+          </a:p>
+          <a:p>
+            <a:pPr marL="0" marR="0" lvl="0" indent="0" algn="l" defTabSz="914400" rtl="0" eaLnBrk="1" fontAlgn="auto" latinLnBrk="0" hangingPunct="1">
+              <a:lnSpc>
+                <a:spcPct val="150000"/>
+              </a:lnSpc>
+              <a:spcBef>
+                <a:spcPts val="0"/>
+              </a:spcBef>
+              <a:spcAft>
+                <a:spcPts val="0"/>
+              </a:spcAft>
+              <a:buClrTx/>
+              <a:buSzTx/>
+              <a:buFontTx/>
+              <a:buNone/>
+              <a:tabLst/>
+              <a:defRPr/>
+            </a:pPr>
+            <a:r>
+              <a:rPr kumimoji="1" lang="ja-JP" altLang="en-US" sz="2400" b="0" i="0" u="none" strike="noStrike" kern="1200" cap="none" spc="0" normalizeH="0" baseline="0" noProof="0" dirty="0">
                 <a:ln>
                   <a:noFill/>
                 </a:ln>
@@ -20103,10 +20097,10 @@
                 <a:ea typeface="+mn-ea"/>
                 <a:cs typeface="+mn-cs"/>
               </a:rPr>
-              <a:t>(</a:t>
-            </a:r>
-            <a:r>
-              <a:rPr kumimoji="1" lang="ja-JP" altLang="en-US" sz="2000" b="0" i="0" u="none" strike="noStrike" kern="1200" cap="none" spc="0" normalizeH="0" baseline="0" noProof="0" dirty="0">
+              <a:t>・ </a:t>
+            </a:r>
+            <a:r>
+              <a:rPr kumimoji="1" lang="en-US" altLang="ja-JP" sz="2400" b="0" i="0" u="none" strike="noStrike" kern="1200" cap="none" spc="0" normalizeH="0" baseline="0" noProof="0" dirty="0">
                 <a:ln>
                   <a:noFill/>
                 </a:ln>
@@ -20120,10 +20114,10 @@
                 <a:ea typeface="+mn-ea"/>
                 <a:cs typeface="+mn-cs"/>
               </a:rPr>
-              <a:t>的な存在</a:t>
-            </a:r>
-            <a:r>
-              <a:rPr kumimoji="1" lang="en-US" altLang="ja-JP" sz="2000" b="0" i="0" u="none" strike="noStrike" kern="1200" cap="none" spc="0" normalizeH="0" baseline="0" noProof="0" dirty="0">
+              <a:t>DBA</a:t>
+            </a:r>
+            <a:r>
+              <a:rPr kumimoji="1" lang="ja-JP" altLang="en-US" sz="2400" b="0" i="0" u="none" strike="noStrike" kern="1200" cap="none" spc="0" normalizeH="0" baseline="0" noProof="0" dirty="0">
                 <a:ln>
                   <a:noFill/>
                 </a:ln>
@@ -20137,26 +20131,9 @@
                 <a:ea typeface="+mn-ea"/>
                 <a:cs typeface="+mn-cs"/>
               </a:rPr>
-              <a:t>)</a:t>
-            </a:r>
-            <a:r>
-              <a:rPr kumimoji="1" lang="ja-JP" altLang="en-US" sz="2800" b="0" i="0" u="none" strike="noStrike" kern="1200" cap="none" spc="0" normalizeH="0" baseline="0" noProof="0" dirty="0">
-                <a:ln>
-                  <a:noFill/>
-                </a:ln>
-                <a:solidFill>
-                  <a:srgbClr val="231B23"/>
-                </a:solidFill>
-                <a:effectLst/>
-                <a:uLnTx/>
-                <a:uFillTx/>
-                <a:latin typeface="Meiryo UI"/>
-                <a:ea typeface="+mn-ea"/>
-                <a:cs typeface="+mn-cs"/>
-              </a:rPr>
-              <a:t>になる！</a:t>
-            </a:r>
-            <a:endParaRPr kumimoji="1" lang="en-US" altLang="ja-JP" sz="2800" b="0" i="0" u="none" strike="noStrike" kern="1200" cap="none" spc="0" normalizeH="0" baseline="0" noProof="0" dirty="0">
+              <a:t>のもっている知識を最大限引き出す。</a:t>
+            </a:r>
+            <a:endParaRPr kumimoji="1" lang="en-US" altLang="ja-JP" sz="2400" b="0" i="0" u="none" strike="noStrike" kern="1200" cap="none" spc="0" normalizeH="0" baseline="0" noProof="0" dirty="0">
               <a:ln>
                 <a:noFill/>
               </a:ln>
@@ -20211,10 +20188,10 @@
       </p:pic>
       <p:sp>
         <p:nvSpPr>
-          <p:cNvPr id="19" name="吹き出し: 角を丸めた四角形 18">
+          <p:cNvPr id="44" name="吹き出し: 角を丸めた四角形 43">
             <a:extLst>
               <a:ext uri="{FF2B5EF4-FFF2-40B4-BE49-F238E27FC236}">
-                <a16:creationId xmlns:a16="http://schemas.microsoft.com/office/drawing/2014/main" id="{78AB200B-FD60-4B6C-B7B2-6CEB9186F07F}"/>
+                <a16:creationId xmlns:a16="http://schemas.microsoft.com/office/drawing/2014/main" id="{DDF871A6-0182-4065-B082-728552ACEB4C}"/>
               </a:ext>
             </a:extLst>
           </p:cNvPr>
@@ -20223,8 +20200,8 @@
         </p:nvSpPr>
         <p:spPr>
           <a:xfrm>
-            <a:off x="2430054" y="5241891"/>
-            <a:ext cx="5875083" cy="1380309"/>
+            <a:off x="2430054" y="5253246"/>
+            <a:ext cx="6142446" cy="1380310"/>
           </a:xfrm>
           <a:prstGeom prst="wedgeRoundRectCallout">
             <a:avLst>
@@ -20264,39 +20241,87 @@
           <a:bodyPr rtlCol="0" anchor="ctr"/>
           <a:lstStyle/>
           <a:p>
-            <a:pPr algn="ctr">
+            <a:pPr marL="0" marR="0" lvl="0" indent="0" algn="ctr" defTabSz="914400" rtl="0" eaLnBrk="1" fontAlgn="auto" latinLnBrk="0" hangingPunct="1">
               <a:lnSpc>
                 <a:spcPct val="150000"/>
               </a:lnSpc>
+              <a:spcBef>
+                <a:spcPts val="0"/>
+              </a:spcBef>
+              <a:spcAft>
+                <a:spcPts val="0"/>
+              </a:spcAft>
+              <a:buClrTx/>
+              <a:buSzTx/>
+              <a:buFontTx/>
+              <a:buNone/>
+              <a:tabLst/>
+              <a:defRPr/>
             </a:pPr>
             <a:r>
               <a:rPr kumimoji="1" lang="ja-JP" altLang="en-US" dirty="0">
                 <a:solidFill>
                   <a:sysClr val="windowText" lastClr="000000"/>
                 </a:solidFill>
-              </a:rPr>
-              <a:t>内部設計の時に初めてなのに経験者？と思うほど知識があり驚きました。またプログラミングに入ってからは</a:t>
-            </a:r>
-            <a:r>
-              <a:rPr kumimoji="1" lang="en-US" altLang="ja-JP" dirty="0">
-                <a:solidFill>
-                  <a:sysClr val="windowText" lastClr="000000"/>
-                </a:solidFill>
-              </a:rPr>
-              <a:t>A4</a:t>
-            </a:r>
-            <a:r>
-              <a:rPr kumimoji="1" lang="ja-JP" altLang="en-US" dirty="0">
-                <a:solidFill>
-                  <a:sysClr val="windowText" lastClr="000000"/>
-                </a:solidFill>
-              </a:rPr>
-              <a:t>担当のサブ講師なのでは？と思うほど助けられました。</a:t>
+                <a:latin typeface="Meiryo UI"/>
+              </a:rPr>
+              <a:t>チームの影の立役者。プログラミングはもちろん、チーム内の話し合いにおいても、とにかく穴を埋める役を担ってくださっていました。</a:t>
             </a:r>
             <a:endParaRPr kumimoji="1" lang="en-US" altLang="ja-JP" dirty="0">
               <a:solidFill>
                 <a:sysClr val="windowText" lastClr="000000"/>
               </a:solidFill>
+              <a:latin typeface="Meiryo UI"/>
+            </a:endParaRPr>
+          </a:p>
+          <a:p>
+            <a:pPr marL="0" marR="0" lvl="0" indent="0" algn="ctr" defTabSz="914400" rtl="0" eaLnBrk="1" fontAlgn="auto" latinLnBrk="0" hangingPunct="1">
+              <a:lnSpc>
+                <a:spcPct val="150000"/>
+              </a:lnSpc>
+              <a:spcBef>
+                <a:spcPts val="0"/>
+              </a:spcBef>
+              <a:spcAft>
+                <a:spcPts val="0"/>
+              </a:spcAft>
+              <a:buClrTx/>
+              <a:buSzTx/>
+              <a:buFontTx/>
+              <a:buNone/>
+              <a:tabLst/>
+              <a:defRPr/>
+            </a:pPr>
+            <a:r>
+              <a:rPr kumimoji="1" lang="ja-JP" altLang="en-US" sz="1800" b="0" i="0" u="none" strike="noStrike" kern="1200" cap="none" spc="0" normalizeH="0" baseline="0" noProof="0" dirty="0">
+                <a:ln>
+                  <a:noFill/>
+                </a:ln>
+                <a:solidFill>
+                  <a:sysClr val="windowText" lastClr="000000"/>
+                </a:solidFill>
+                <a:effectLst/>
+                <a:uLnTx/>
+                <a:uFillTx/>
+                <a:latin typeface="Meiryo UI"/>
+                <a:ea typeface="+mn-ea"/>
+                <a:cs typeface="+mn-cs"/>
+              </a:rPr>
+              <a:t>検索機能の実現は彼あってこそ！本当にありがとうございました！</a:t>
+            </a:r>
+            <a:endParaRPr kumimoji="1" lang="en-US" altLang="ja-JP" sz="1800" b="0" i="0" u="none" strike="noStrike" kern="1200" cap="none" spc="0" normalizeH="0" baseline="0" noProof="0" dirty="0">
+              <a:ln>
+                <a:noFill/>
+              </a:ln>
+              <a:solidFill>
+                <a:sysClr val="windowText" lastClr="000000"/>
+              </a:solidFill>
+              <a:effectLst/>
+              <a:uLnTx/>
+              <a:uFillTx/>
+              <a:latin typeface="Meiryo UI"/>
+              <a:ea typeface="+mn-ea"/>
+              <a:cs typeface="+mn-cs"/>
             </a:endParaRPr>
           </a:p>
         </p:txBody>
@@ -20315,8 +20340,8 @@
         </p:nvSpPr>
         <p:spPr>
           <a:xfrm>
-            <a:off x="358601" y="2632948"/>
-            <a:ext cx="11409623" cy="2484410"/>
+            <a:off x="358601" y="2809852"/>
+            <a:ext cx="11409623" cy="2307505"/>
           </a:xfrm>
           <a:prstGeom prst="rect">
             <a:avLst/>
@@ -20396,265 +20421,10 @@
       </p:sp>
       <p:sp>
         <p:nvSpPr>
-          <p:cNvPr id="48" name="テキスト ボックス 47">
+          <p:cNvPr id="2" name="スライド番号プレースホルダー 1">
             <a:extLst>
               <a:ext uri="{FF2B5EF4-FFF2-40B4-BE49-F238E27FC236}">
-                <a16:creationId xmlns:a16="http://schemas.microsoft.com/office/drawing/2014/main" id="{39AEC537-9EDF-4360-B24B-926D7DD5DFAF}"/>
-              </a:ext>
-            </a:extLst>
-          </p:cNvPr>
-          <p:cNvSpPr txBox="1"/>
-          <p:nvPr/>
-        </p:nvSpPr>
-        <p:spPr>
-          <a:xfrm>
-            <a:off x="725833" y="2933743"/>
-            <a:ext cx="10482098" cy="2059153"/>
-          </a:xfrm>
-          <a:prstGeom prst="rect">
-            <a:avLst/>
-          </a:prstGeom>
-          <a:noFill/>
-        </p:spPr>
-        <p:txBody>
-          <a:bodyPr wrap="square" rtlCol="0">
-            <a:spAutoFit/>
-          </a:bodyPr>
-          <a:lstStyle/>
-          <a:p>
-            <a:pPr marL="0" marR="0" lvl="0" indent="0" algn="l" defTabSz="914400" rtl="0" eaLnBrk="1" fontAlgn="auto" latinLnBrk="0" hangingPunct="1">
-              <a:lnSpc>
-                <a:spcPct val="150000"/>
-              </a:lnSpc>
-              <a:spcBef>
-                <a:spcPts val="0"/>
-              </a:spcBef>
-              <a:spcAft>
-                <a:spcPts val="0"/>
-              </a:spcAft>
-              <a:buClrTx/>
-              <a:buSzTx/>
-              <a:buFontTx/>
-              <a:buNone/>
-              <a:tabLst/>
-              <a:defRPr/>
-            </a:pPr>
-            <a:r>
-              <a:rPr kumimoji="1" lang="ja-JP" altLang="en-US" sz="2400" b="0" i="0" u="none" strike="noStrike" kern="1200" cap="none" spc="0" normalizeH="0" baseline="0" noProof="0" dirty="0">
-                <a:ln>
-                  <a:noFill/>
-                </a:ln>
-                <a:solidFill>
-                  <a:srgbClr val="231B23"/>
-                </a:solidFill>
-                <a:effectLst/>
-                <a:uLnTx/>
-                <a:uFillTx/>
-                <a:latin typeface="Meiryo UI"/>
-                <a:ea typeface="+mn-ea"/>
-                <a:cs typeface="+mn-cs"/>
-              </a:rPr>
-              <a:t>・ 人に教えることは難しく、最も勉強になる</a:t>
-            </a:r>
-            <a:endParaRPr kumimoji="1" lang="en-US" altLang="ja-JP" sz="2400" b="0" i="0" u="none" strike="noStrike" kern="1200" cap="none" spc="0" normalizeH="0" baseline="0" noProof="0" dirty="0">
-              <a:ln>
-                <a:noFill/>
-              </a:ln>
-              <a:solidFill>
-                <a:srgbClr val="231B23"/>
-              </a:solidFill>
-              <a:effectLst/>
-              <a:uLnTx/>
-              <a:uFillTx/>
-              <a:latin typeface="Meiryo UI"/>
-              <a:ea typeface="+mn-ea"/>
-              <a:cs typeface="+mn-cs"/>
-            </a:endParaRPr>
-          </a:p>
-          <a:p>
-            <a:pPr marL="0" marR="0" lvl="0" indent="0" algn="l" defTabSz="914400" rtl="0" eaLnBrk="1" fontAlgn="auto" latinLnBrk="0" hangingPunct="1">
-              <a:lnSpc>
-                <a:spcPct val="150000"/>
-              </a:lnSpc>
-              <a:spcBef>
-                <a:spcPts val="0"/>
-              </a:spcBef>
-              <a:spcAft>
-                <a:spcPts val="0"/>
-              </a:spcAft>
-              <a:buClrTx/>
-              <a:buSzTx/>
-              <a:buFontTx/>
-              <a:buNone/>
-              <a:tabLst/>
-              <a:defRPr/>
-            </a:pPr>
-            <a:r>
-              <a:rPr kumimoji="1" lang="en-US" altLang="ja-JP" sz="2000" b="0" i="0" u="none" strike="noStrike" kern="1200" cap="none" spc="0" normalizeH="0" baseline="0" noProof="0" dirty="0">
-                <a:ln>
-                  <a:noFill/>
-                </a:ln>
-                <a:solidFill>
-                  <a:srgbClr val="231B23"/>
-                </a:solidFill>
-                <a:effectLst/>
-                <a:uLnTx/>
-                <a:uFillTx/>
-                <a:latin typeface="Meiryo UI"/>
-                <a:ea typeface="+mn-ea"/>
-                <a:cs typeface="+mn-cs"/>
-              </a:rPr>
-              <a:t>	</a:t>
-            </a:r>
-            <a:r>
-              <a:rPr kumimoji="1" lang="ja-JP" altLang="en-US" sz="2000" b="0" i="0" u="none" strike="noStrike" kern="1200" cap="none" spc="0" normalizeH="0" baseline="0" noProof="0" dirty="0">
-                <a:ln>
-                  <a:noFill/>
-                </a:ln>
-                <a:solidFill>
-                  <a:srgbClr val="231B23"/>
-                </a:solidFill>
-                <a:effectLst/>
-                <a:uLnTx/>
-                <a:uFillTx/>
-                <a:latin typeface="Meiryo UI"/>
-                <a:ea typeface="+mn-ea"/>
-                <a:cs typeface="+mn-cs"/>
-              </a:rPr>
-              <a:t>→ いつ聞かれても良い体勢を</a:t>
-            </a:r>
-            <a:endParaRPr kumimoji="1" lang="en-US" altLang="ja-JP" sz="2000" b="0" i="0" u="none" strike="noStrike" kern="1200" cap="none" spc="0" normalizeH="0" baseline="0" noProof="0" dirty="0">
-              <a:ln>
-                <a:noFill/>
-              </a:ln>
-              <a:solidFill>
-                <a:srgbClr val="231B23"/>
-              </a:solidFill>
-              <a:effectLst/>
-              <a:uLnTx/>
-              <a:uFillTx/>
-              <a:latin typeface="Meiryo UI"/>
-              <a:ea typeface="+mn-ea"/>
-              <a:cs typeface="+mn-cs"/>
-            </a:endParaRPr>
-          </a:p>
-          <a:p>
-            <a:pPr marL="0" marR="0" lvl="0" indent="0" algn="l" defTabSz="914400" rtl="0" eaLnBrk="1" fontAlgn="auto" latinLnBrk="0" hangingPunct="1">
-              <a:lnSpc>
-                <a:spcPct val="150000"/>
-              </a:lnSpc>
-              <a:spcBef>
-                <a:spcPts val="0"/>
-              </a:spcBef>
-              <a:spcAft>
-                <a:spcPts val="0"/>
-              </a:spcAft>
-              <a:buClrTx/>
-              <a:buSzTx/>
-              <a:buFontTx/>
-              <a:buNone/>
-              <a:tabLst/>
-              <a:defRPr/>
-            </a:pPr>
-            <a:r>
-              <a:rPr kumimoji="1" lang="ja-JP" altLang="en-US" sz="2400" b="0" i="0" u="none" strike="noStrike" kern="1200" cap="none" spc="0" normalizeH="0" baseline="0" noProof="0" dirty="0">
-                <a:ln>
-                  <a:noFill/>
-                </a:ln>
-                <a:solidFill>
-                  <a:srgbClr val="231B23"/>
-                </a:solidFill>
-                <a:effectLst/>
-                <a:uLnTx/>
-                <a:uFillTx/>
-                <a:latin typeface="Meiryo UI"/>
-                <a:ea typeface="+mn-ea"/>
-                <a:cs typeface="+mn-cs"/>
-              </a:rPr>
-              <a:t>・ メンバーのプログラム関連の成長を肌で感じた</a:t>
-            </a:r>
-            <a:endParaRPr kumimoji="1" lang="en-US" altLang="ja-JP" sz="2400" b="0" i="0" u="none" strike="noStrike" kern="1200" cap="none" spc="0" normalizeH="0" baseline="0" noProof="0" dirty="0">
-              <a:ln>
-                <a:noFill/>
-              </a:ln>
-              <a:solidFill>
-                <a:srgbClr val="231B23"/>
-              </a:solidFill>
-              <a:effectLst/>
-              <a:uLnTx/>
-              <a:uFillTx/>
-              <a:latin typeface="Meiryo UI"/>
-              <a:ea typeface="+mn-ea"/>
-              <a:cs typeface="+mn-cs"/>
-            </a:endParaRPr>
-          </a:p>
-          <a:p>
-            <a:pPr marL="0" marR="0" lvl="0" indent="0" algn="l" defTabSz="914400" rtl="0" eaLnBrk="1" fontAlgn="auto" latinLnBrk="0" hangingPunct="1">
-              <a:lnSpc>
-                <a:spcPct val="150000"/>
-              </a:lnSpc>
-              <a:spcBef>
-                <a:spcPts val="0"/>
-              </a:spcBef>
-              <a:spcAft>
-                <a:spcPts val="0"/>
-              </a:spcAft>
-              <a:buClrTx/>
-              <a:buSzTx/>
-              <a:buFontTx/>
-              <a:buNone/>
-              <a:tabLst/>
-              <a:defRPr/>
-            </a:pPr>
-            <a:r>
-              <a:rPr kumimoji="1" lang="en-US" altLang="ja-JP" sz="2000" dirty="0">
-                <a:solidFill>
-                  <a:srgbClr val="231B23"/>
-                </a:solidFill>
-                <a:latin typeface="Meiryo UI"/>
-              </a:rPr>
-              <a:t>	</a:t>
-            </a:r>
-            <a:r>
-              <a:rPr kumimoji="1" lang="ja-JP" altLang="en-US" sz="2000" b="0" i="0" u="none" strike="noStrike" kern="1200" cap="none" spc="0" normalizeH="0" baseline="0" noProof="0" dirty="0">
-                <a:ln>
-                  <a:noFill/>
-                </a:ln>
-                <a:solidFill>
-                  <a:srgbClr val="231B23"/>
-                </a:solidFill>
-                <a:effectLst/>
-                <a:uLnTx/>
-                <a:uFillTx/>
-                <a:latin typeface="Meiryo UI"/>
-                <a:ea typeface="+mn-ea"/>
-                <a:cs typeface="+mn-cs"/>
-              </a:rPr>
-              <a:t>→ プログラミング技術だけでは市場価値は高まらないのでは</a:t>
-            </a:r>
-            <a:endParaRPr kumimoji="1" lang="en-US" altLang="ja-JP" sz="2000" b="0" i="0" u="none" strike="noStrike" kern="1200" cap="none" spc="0" normalizeH="0" baseline="0" noProof="0" dirty="0">
-              <a:ln>
-                <a:noFill/>
-              </a:ln>
-              <a:solidFill>
-                <a:srgbClr val="231B23"/>
-              </a:solidFill>
-              <a:effectLst/>
-              <a:uLnTx/>
-              <a:uFillTx/>
-              <a:latin typeface="Meiryo UI"/>
-              <a:ea typeface="+mn-ea"/>
-              <a:cs typeface="+mn-cs"/>
-            </a:endParaRPr>
-          </a:p>
-        </p:txBody>
-      </p:sp>
-      <p:sp>
-        <p:nvSpPr>
-          <p:cNvPr id="2" name="スライド番号プレースホルダー 1">
-            <a:extLst>
-              <a:ext uri="{FF2B5EF4-FFF2-40B4-BE49-F238E27FC236}">
-                <a16:creationId xmlns:a16="http://schemas.microsoft.com/office/drawing/2014/main" id="{05C90913-A06C-492E-AC4D-F71C2E726681}"/>
+                <a16:creationId xmlns:a16="http://schemas.microsoft.com/office/drawing/2014/main" id="{1F45B1EB-1E7A-4127-8CDE-49B771CB4A7D}"/>
               </a:ext>
             </a:extLst>
           </p:cNvPr>
@@ -20684,7 +20454,7 @@
           <p:cNvPr id="16" name="テキスト ボックス 15">
             <a:extLst>
               <a:ext uri="{FF2B5EF4-FFF2-40B4-BE49-F238E27FC236}">
-                <a16:creationId xmlns:a16="http://schemas.microsoft.com/office/drawing/2014/main" id="{D88C3345-2407-4503-9E71-54659630196D}"/>
+                <a16:creationId xmlns:a16="http://schemas.microsoft.com/office/drawing/2014/main" id="{E3BC6703-A8F9-4613-982D-EF647E5BC4D3}"/>
               </a:ext>
             </a:extLst>
           </p:cNvPr>
@@ -20693,8 +20463,8 @@
         </p:nvSpPr>
         <p:spPr>
           <a:xfrm rot="835554">
-            <a:off x="6189582" y="1576454"/>
-            <a:ext cx="5779299" cy="1754326"/>
+            <a:off x="6881743" y="1777433"/>
+            <a:ext cx="4999676" cy="1754326"/>
           </a:xfrm>
           <a:prstGeom prst="rect">
             <a:avLst/>
@@ -20725,7 +20495,7 @@
                 <a:latin typeface="HGS明朝B" panose="02020800000000000000" pitchFamily="18" charset="-128"/>
                 <a:ea typeface="HGS明朝B" panose="02020800000000000000" pitchFamily="18" charset="-128"/>
               </a:rPr>
-              <a:t>圧倒的包容力</a:t>
+              <a:t>静かなる仕事人</a:t>
             </a:r>
             <a:endParaRPr kumimoji="1" lang="en-US" altLang="ja-JP" sz="5400" dirty="0">
               <a:solidFill>
@@ -20749,17 +20519,264 @@
                 <a:latin typeface="HGS明朝B" panose="02020800000000000000" pitchFamily="18" charset="-128"/>
                 <a:ea typeface="HGS明朝B" panose="02020800000000000000" pitchFamily="18" charset="-128"/>
               </a:rPr>
-              <a:t>ほとんど仏</a:t>
+              <a:t>影の立役者</a:t>
             </a:r>
           </a:p>
         </p:txBody>
       </p:sp>
       <p:sp>
         <p:nvSpPr>
-          <p:cNvPr id="17" name="タイトル 1">
+          <p:cNvPr id="17" name="テキスト ボックス 16">
             <a:extLst>
               <a:ext uri="{FF2B5EF4-FFF2-40B4-BE49-F238E27FC236}">
-                <a16:creationId xmlns:a16="http://schemas.microsoft.com/office/drawing/2014/main" id="{093AAE71-8D26-43F8-9242-6B836C2C7314}"/>
+                <a16:creationId xmlns:a16="http://schemas.microsoft.com/office/drawing/2014/main" id="{06C0AE5D-2966-4EA8-9771-440144BDC550}"/>
+              </a:ext>
+            </a:extLst>
+          </p:cNvPr>
+          <p:cNvSpPr txBox="1"/>
+          <p:nvPr/>
+        </p:nvSpPr>
+        <p:spPr>
+          <a:xfrm>
+            <a:off x="798215" y="2967356"/>
+            <a:ext cx="9178905" cy="2138534"/>
+          </a:xfrm>
+          <a:prstGeom prst="rect">
+            <a:avLst/>
+          </a:prstGeom>
+          <a:noFill/>
+        </p:spPr>
+        <p:txBody>
+          <a:bodyPr wrap="square" rtlCol="0">
+            <a:spAutoFit/>
+          </a:bodyPr>
+          <a:lstStyle/>
+          <a:p>
+            <a:pPr marL="0" marR="0" lvl="0" indent="0" algn="l" defTabSz="914400" rtl="0" eaLnBrk="1" fontAlgn="auto" latinLnBrk="0" hangingPunct="1">
+              <a:lnSpc>
+                <a:spcPct val="150000"/>
+              </a:lnSpc>
+              <a:spcBef>
+                <a:spcPts val="0"/>
+              </a:spcBef>
+              <a:spcAft>
+                <a:spcPts val="0"/>
+              </a:spcAft>
+              <a:buClrTx/>
+              <a:buSzTx/>
+              <a:buFontTx/>
+              <a:buNone/>
+              <a:tabLst/>
+              <a:defRPr/>
+            </a:pPr>
+            <a:r>
+              <a:rPr kumimoji="1" lang="ja-JP" altLang="en-US" sz="2400" b="0" i="0" u="none" strike="noStrike" kern="1200" cap="none" spc="0" normalizeH="0" baseline="0" noProof="0" dirty="0">
+                <a:ln>
+                  <a:noFill/>
+                </a:ln>
+                <a:solidFill>
+                  <a:srgbClr val="231B23"/>
+                </a:solidFill>
+                <a:effectLst/>
+                <a:uLnTx/>
+                <a:uFillTx/>
+                <a:latin typeface="Meiryo UI"/>
+                <a:ea typeface="+mn-ea"/>
+                <a:cs typeface="+mn-cs"/>
+              </a:rPr>
+              <a:t>・ リーダーが会話を振るのがうまかった。</a:t>
+            </a:r>
+            <a:endParaRPr kumimoji="1" lang="en-US" altLang="ja-JP" sz="2400" b="0" i="0" u="none" strike="noStrike" kern="1200" cap="none" spc="0" normalizeH="0" baseline="0" noProof="0" dirty="0">
+              <a:ln>
+                <a:noFill/>
+              </a:ln>
+              <a:solidFill>
+                <a:srgbClr val="231B23"/>
+              </a:solidFill>
+              <a:effectLst/>
+              <a:uLnTx/>
+              <a:uFillTx/>
+              <a:latin typeface="Meiryo UI"/>
+              <a:ea typeface="+mn-ea"/>
+              <a:cs typeface="+mn-cs"/>
+            </a:endParaRPr>
+          </a:p>
+          <a:p>
+            <a:pPr marL="0" marR="0" lvl="0" indent="0" algn="l" defTabSz="914400" rtl="0" eaLnBrk="1" fontAlgn="auto" latinLnBrk="0" hangingPunct="1">
+              <a:lnSpc>
+                <a:spcPct val="150000"/>
+              </a:lnSpc>
+              <a:spcBef>
+                <a:spcPts val="0"/>
+              </a:spcBef>
+              <a:spcAft>
+                <a:spcPts val="0"/>
+              </a:spcAft>
+              <a:buClrTx/>
+              <a:buSzTx/>
+              <a:buFontTx/>
+              <a:buNone/>
+              <a:tabLst/>
+              <a:defRPr/>
+            </a:pPr>
+            <a:r>
+              <a:rPr kumimoji="1" lang="en-US" altLang="ja-JP" sz="2000" dirty="0">
+                <a:solidFill>
+                  <a:srgbClr val="231B23"/>
+                </a:solidFill>
+                <a:latin typeface="Meiryo UI"/>
+              </a:rPr>
+              <a:t>	</a:t>
+            </a:r>
+            <a:r>
+              <a:rPr kumimoji="1" lang="ja-JP" altLang="en-US" sz="2000" b="0" i="0" u="none" strike="noStrike" kern="1200" cap="none" spc="0" normalizeH="0" baseline="0" noProof="0" dirty="0">
+                <a:ln>
+                  <a:noFill/>
+                </a:ln>
+                <a:solidFill>
+                  <a:srgbClr val="231B23"/>
+                </a:solidFill>
+                <a:effectLst/>
+                <a:uLnTx/>
+                <a:uFillTx/>
+                <a:latin typeface="Meiryo UI"/>
+                <a:ea typeface="+mn-ea"/>
+                <a:cs typeface="+mn-cs"/>
+              </a:rPr>
+              <a:t>→ その分話が止まった際などのフォローをいれる</a:t>
+            </a:r>
+            <a:endParaRPr kumimoji="1" lang="en-US" altLang="ja-JP" sz="2000" b="0" i="0" u="none" strike="noStrike" kern="1200" cap="none" spc="0" normalizeH="0" baseline="0" noProof="0" dirty="0">
+              <a:ln>
+                <a:noFill/>
+              </a:ln>
+              <a:solidFill>
+                <a:srgbClr val="231B23"/>
+              </a:solidFill>
+              <a:effectLst/>
+              <a:uLnTx/>
+              <a:uFillTx/>
+              <a:latin typeface="Meiryo UI"/>
+              <a:ea typeface="+mn-ea"/>
+              <a:cs typeface="+mn-cs"/>
+            </a:endParaRPr>
+          </a:p>
+          <a:p>
+            <a:pPr marL="0" marR="0" lvl="0" indent="0" algn="l" defTabSz="914400" rtl="0" eaLnBrk="1" fontAlgn="auto" latinLnBrk="0" hangingPunct="1">
+              <a:lnSpc>
+                <a:spcPct val="150000"/>
+              </a:lnSpc>
+              <a:spcBef>
+                <a:spcPts val="0"/>
+              </a:spcBef>
+              <a:spcAft>
+                <a:spcPts val="0"/>
+              </a:spcAft>
+              <a:buClrTx/>
+              <a:buSzTx/>
+              <a:buFontTx/>
+              <a:buNone/>
+              <a:tabLst/>
+              <a:defRPr/>
+            </a:pPr>
+            <a:r>
+              <a:rPr kumimoji="1" lang="ja-JP" altLang="en-US" sz="2400" b="0" i="0" u="none" strike="noStrike" kern="1200" cap="none" spc="0" normalizeH="0" baseline="0" noProof="0" dirty="0">
+                <a:ln>
+                  <a:noFill/>
+                </a:ln>
+                <a:solidFill>
+                  <a:srgbClr val="231B23"/>
+                </a:solidFill>
+                <a:effectLst/>
+                <a:uLnTx/>
+                <a:uFillTx/>
+                <a:latin typeface="Meiryo UI"/>
+                <a:ea typeface="+mn-ea"/>
+                <a:cs typeface="+mn-cs"/>
+              </a:rPr>
+              <a:t>・ 複数検索機能</a:t>
+            </a:r>
+            <a:endParaRPr kumimoji="1" lang="en-US" altLang="ja-JP" sz="2400" b="0" i="0" u="none" strike="noStrike" kern="1200" cap="none" spc="0" normalizeH="0" baseline="0" noProof="0" dirty="0">
+              <a:ln>
+                <a:noFill/>
+              </a:ln>
+              <a:solidFill>
+                <a:srgbClr val="231B23"/>
+              </a:solidFill>
+              <a:effectLst/>
+              <a:uLnTx/>
+              <a:uFillTx/>
+              <a:latin typeface="Meiryo UI"/>
+              <a:ea typeface="+mn-ea"/>
+              <a:cs typeface="+mn-cs"/>
+            </a:endParaRPr>
+          </a:p>
+          <a:p>
+            <a:pPr marL="0" marR="0" lvl="0" indent="0" algn="l" defTabSz="914400" rtl="0" eaLnBrk="1" fontAlgn="auto" latinLnBrk="0" hangingPunct="1">
+              <a:lnSpc>
+                <a:spcPct val="150000"/>
+              </a:lnSpc>
+              <a:spcBef>
+                <a:spcPts val="0"/>
+              </a:spcBef>
+              <a:spcAft>
+                <a:spcPts val="0"/>
+              </a:spcAft>
+              <a:buClrTx/>
+              <a:buSzTx/>
+              <a:buFontTx/>
+              <a:buNone/>
+              <a:tabLst/>
+              <a:defRPr/>
+            </a:pPr>
+            <a:r>
+              <a:rPr kumimoji="1" lang="en-US" altLang="ja-JP" sz="2000" dirty="0">
+                <a:solidFill>
+                  <a:srgbClr val="231B23"/>
+                </a:solidFill>
+                <a:latin typeface="Meiryo UI"/>
+              </a:rPr>
+              <a:t>	</a:t>
+            </a:r>
+            <a:r>
+              <a:rPr kumimoji="1" lang="ja-JP" altLang="en-US" sz="2000" b="0" i="0" u="none" strike="noStrike" kern="1200" cap="none" spc="0" normalizeH="0" baseline="0" noProof="0" dirty="0">
+                <a:ln>
+                  <a:noFill/>
+                </a:ln>
+                <a:solidFill>
+                  <a:srgbClr val="231B23"/>
+                </a:solidFill>
+                <a:effectLst/>
+                <a:uLnTx/>
+                <a:uFillTx/>
+                <a:latin typeface="Meiryo UI"/>
+                <a:ea typeface="+mn-ea"/>
+                <a:cs typeface="+mn-cs"/>
+              </a:rPr>
+              <a:t>→ 知らなかったことを調べて自分の力に</a:t>
+            </a:r>
+            <a:endParaRPr kumimoji="1" lang="en-US" altLang="ja-JP" sz="2000" b="0" i="0" u="none" strike="noStrike" kern="1200" cap="none" spc="0" normalizeH="0" baseline="0" noProof="0" dirty="0">
+              <a:ln>
+                <a:noFill/>
+              </a:ln>
+              <a:solidFill>
+                <a:srgbClr val="231B23"/>
+              </a:solidFill>
+              <a:effectLst/>
+              <a:uLnTx/>
+              <a:uFillTx/>
+              <a:latin typeface="Meiryo UI"/>
+              <a:ea typeface="+mn-ea"/>
+              <a:cs typeface="+mn-cs"/>
+            </a:endParaRPr>
+          </a:p>
+        </p:txBody>
+      </p:sp>
+      <p:sp>
+        <p:nvSpPr>
+          <p:cNvPr id="18" name="タイトル 1">
+            <a:extLst>
+              <a:ext uri="{FF2B5EF4-FFF2-40B4-BE49-F238E27FC236}">
+                <a16:creationId xmlns:a16="http://schemas.microsoft.com/office/drawing/2014/main" id="{67196C50-E59D-4F4F-9D38-0FFEF81AF693}"/>
               </a:ext>
             </a:extLst>
           </p:cNvPr>
@@ -20770,8 +20787,8 @@
         </p:nvSpPr>
         <p:spPr>
           <a:xfrm>
-            <a:off x="958850" y="6025307"/>
-            <a:ext cx="449629" cy="583800"/>
+            <a:off x="965200" y="6025307"/>
+            <a:ext cx="443279" cy="583800"/>
           </a:xfrm>
           <a:prstGeom prst="rect">
             <a:avLst/>
@@ -20807,7 +20824,7 @@
                   <a:srgbClr val="FFFFFF"/>
                 </a:solidFill>
               </a:rPr>
-              <a:t>S</a:t>
+              <a:t>K</a:t>
             </a:r>
             <a:endParaRPr lang="ja" sz="2000" b="0" dirty="0">
               <a:solidFill>
@@ -20820,7 +20837,7 @@
     </p:spTree>
     <p:extLst>
       <p:ext uri="{BB962C8B-B14F-4D97-AF65-F5344CB8AC3E}">
-        <p14:creationId xmlns:p14="http://schemas.microsoft.com/office/powerpoint/2010/main" val="3789924097"/>
+        <p14:creationId xmlns:p14="http://schemas.microsoft.com/office/powerpoint/2010/main" val="501005861"/>
       </p:ext>
     </p:extLst>
   </p:cSld>
@@ -21291,8 +21308,8 @@
         </p:nvSpPr>
         <p:spPr>
           <a:xfrm>
-            <a:off x="358601" y="1349603"/>
-            <a:ext cx="11409623" cy="1363441"/>
+            <a:off x="358600" y="1408471"/>
+            <a:ext cx="11445164" cy="1150363"/>
           </a:xfrm>
           <a:prstGeom prst="rect">
             <a:avLst/>
@@ -21344,7 +21361,7 @@
               <a:defRPr/>
             </a:pPr>
             <a:r>
-              <a:rPr kumimoji="1" lang="en-US" altLang="ja-JP" sz="2000" b="0" i="0" u="none" strike="noStrike" kern="1200" cap="none" spc="0" normalizeH="0" baseline="0" noProof="0" dirty="0">
+              <a:rPr kumimoji="1" lang="ja-JP" altLang="en-US" sz="2000" b="0" i="0" u="none" strike="noStrike" kern="1200" cap="none" spc="0" normalizeH="0" baseline="0" noProof="0" dirty="0">
                 <a:ln>
                   <a:noFill/>
                 </a:ln>
@@ -21358,24 +21375,7 @@
                 <a:ea typeface="HGP教科書体" panose="02020600000000000000" pitchFamily="18" charset="-128"/>
                 <a:cs typeface="+mn-cs"/>
               </a:rPr>
-              <a:t>DBA,</a:t>
-            </a:r>
-            <a:r>
-              <a:rPr kumimoji="1" lang="ja-JP" altLang="en-US" sz="2000" b="0" i="0" u="none" strike="noStrike" kern="1200" cap="none" spc="0" normalizeH="0" baseline="0" noProof="0" dirty="0">
-                <a:ln>
-                  <a:noFill/>
-                </a:ln>
-                <a:solidFill>
-                  <a:srgbClr val="231B23"/>
-                </a:solidFill>
-                <a:effectLst/>
-                <a:uLnTx/>
-                <a:uFillTx/>
-                <a:latin typeface="HGP教科書体" panose="02020600000000000000" pitchFamily="18" charset="-128"/>
-                <a:ea typeface="HGP教科書体" panose="02020600000000000000" pitchFamily="18" charset="-128"/>
-                <a:cs typeface="+mn-cs"/>
-              </a:rPr>
-              <a:t>コミュニケーション担当として</a:t>
+              <a:t>品質管理担当として</a:t>
             </a:r>
             <a:endParaRPr kumimoji="1" lang="en-US" altLang="ja-JP" sz="2000" b="0" i="0" u="none" strike="noStrike" kern="1200" cap="none" spc="0" normalizeH="0" baseline="0" noProof="0" dirty="0">
               <a:ln>
@@ -21592,15 +21592,15 @@
             <a:pPr rtl="0"/>
             <a:r>
               <a:rPr lang="ja-JP" altLang="en-US" sz="3200" b="0" dirty="0"/>
-              <a:t>水井 健人 </a:t>
+              <a:t>舟見 玲奈 </a:t>
             </a:r>
             <a:r>
               <a:rPr lang="en-US" altLang="ja-JP" b="0" dirty="0"/>
-              <a:t>/ DB</a:t>
+              <a:t>/ </a:t>
             </a:r>
             <a:r>
               <a:rPr lang="ja-JP" altLang="en-US" b="0" dirty="0"/>
-              <a:t>、コミュニケーション担当</a:t>
+              <a:t>品質管理担当</a:t>
             </a:r>
             <a:endParaRPr lang="ja" sz="3200" b="0" dirty="0"/>
           </a:p>
@@ -21773,8 +21773,8 @@
         </p:nvSpPr>
         <p:spPr>
           <a:xfrm>
-            <a:off x="725833" y="1590173"/>
-            <a:ext cx="6269106" cy="1122871"/>
+            <a:off x="864966" y="1814453"/>
+            <a:ext cx="8673399" cy="568874"/>
           </a:xfrm>
           <a:prstGeom prst="rect">
             <a:avLst/>
@@ -21819,91 +21819,7 @@
                 <a:ea typeface="+mn-ea"/>
                 <a:cs typeface="+mn-cs"/>
               </a:rPr>
-              <a:t>・ 会話してない人がいないように気を付ける！</a:t>
-            </a:r>
-            <a:endParaRPr kumimoji="1" lang="en-US" altLang="ja-JP" sz="2400" b="0" i="0" u="none" strike="noStrike" kern="1200" cap="none" spc="0" normalizeH="0" baseline="0" noProof="0" dirty="0">
-              <a:ln>
-                <a:noFill/>
-              </a:ln>
-              <a:solidFill>
-                <a:srgbClr val="231B23"/>
-              </a:solidFill>
-              <a:effectLst/>
-              <a:uLnTx/>
-              <a:uFillTx/>
-              <a:latin typeface="Meiryo UI"/>
-              <a:ea typeface="+mn-ea"/>
-              <a:cs typeface="+mn-cs"/>
-            </a:endParaRPr>
-          </a:p>
-          <a:p>
-            <a:pPr marL="0" marR="0" lvl="0" indent="0" algn="l" defTabSz="914400" rtl="0" eaLnBrk="1" fontAlgn="auto" latinLnBrk="0" hangingPunct="1">
-              <a:lnSpc>
-                <a:spcPct val="150000"/>
-              </a:lnSpc>
-              <a:spcBef>
-                <a:spcPts val="0"/>
-              </a:spcBef>
-              <a:spcAft>
-                <a:spcPts val="0"/>
-              </a:spcAft>
-              <a:buClrTx/>
-              <a:buSzTx/>
-              <a:buFontTx/>
-              <a:buNone/>
-              <a:tabLst/>
-              <a:defRPr/>
-            </a:pPr>
-            <a:r>
-              <a:rPr kumimoji="1" lang="ja-JP" altLang="en-US" sz="2400" b="0" i="0" u="none" strike="noStrike" kern="1200" cap="none" spc="0" normalizeH="0" baseline="0" noProof="0" dirty="0">
-                <a:ln>
-                  <a:noFill/>
-                </a:ln>
-                <a:solidFill>
-                  <a:srgbClr val="231B23"/>
-                </a:solidFill>
-                <a:effectLst/>
-                <a:uLnTx/>
-                <a:uFillTx/>
-                <a:latin typeface="Meiryo UI"/>
-                <a:ea typeface="+mn-ea"/>
-                <a:cs typeface="+mn-cs"/>
-              </a:rPr>
-              <a:t>・ </a:t>
-            </a:r>
-            <a:r>
-              <a:rPr kumimoji="1" lang="en-US" altLang="ja-JP" sz="2400" b="0" i="0" u="none" strike="noStrike" kern="1200" cap="none" spc="0" normalizeH="0" baseline="0" noProof="0" dirty="0">
-                <a:ln>
-                  <a:noFill/>
-                </a:ln>
-                <a:solidFill>
-                  <a:srgbClr val="231B23"/>
-                </a:solidFill>
-                <a:effectLst/>
-                <a:uLnTx/>
-                <a:uFillTx/>
-                <a:latin typeface="Meiryo UI"/>
-                <a:ea typeface="+mn-ea"/>
-                <a:cs typeface="+mn-cs"/>
-              </a:rPr>
-              <a:t>DBA</a:t>
-            </a:r>
-            <a:r>
-              <a:rPr kumimoji="1" lang="ja-JP" altLang="en-US" sz="2400" b="0" i="0" u="none" strike="noStrike" kern="1200" cap="none" spc="0" normalizeH="0" baseline="0" noProof="0" dirty="0">
-                <a:ln>
-                  <a:noFill/>
-                </a:ln>
-                <a:solidFill>
-                  <a:srgbClr val="231B23"/>
-                </a:solidFill>
-                <a:effectLst/>
-                <a:uLnTx/>
-                <a:uFillTx/>
-                <a:latin typeface="Meiryo UI"/>
-                <a:ea typeface="+mn-ea"/>
-                <a:cs typeface="+mn-cs"/>
-              </a:rPr>
-              <a:t>のもっている知識を最大限引き出す。</a:t>
+              <a:t>良きシステムが作れるよう、チームをサポートする。</a:t>
             </a:r>
             <a:endParaRPr kumimoji="1" lang="en-US" altLang="ja-JP" sz="2400" b="0" i="0" u="none" strike="noStrike" kern="1200" cap="none" spc="0" normalizeH="0" baseline="0" noProof="0" dirty="0">
               <a:ln>
@@ -21960,10 +21876,10 @@
       </p:pic>
       <p:sp>
         <p:nvSpPr>
-          <p:cNvPr id="44" name="吹き出し: 角を丸めた四角形 43">
+          <p:cNvPr id="26" name="吹き出し: 角を丸めた四角形 25">
             <a:extLst>
               <a:ext uri="{FF2B5EF4-FFF2-40B4-BE49-F238E27FC236}">
-                <a16:creationId xmlns:a16="http://schemas.microsoft.com/office/drawing/2014/main" id="{DDF871A6-0182-4065-B082-728552ACEB4C}"/>
+                <a16:creationId xmlns:a16="http://schemas.microsoft.com/office/drawing/2014/main" id="{5A90B5A4-DF3D-4F30-BFE4-6B073C8A6D4B}"/>
               </a:ext>
             </a:extLst>
           </p:cNvPr>
@@ -21972,8 +21888,8 @@
         </p:nvSpPr>
         <p:spPr>
           <a:xfrm>
-            <a:off x="2430054" y="5253246"/>
-            <a:ext cx="6142446" cy="1380310"/>
+            <a:off x="2430053" y="5253245"/>
+            <a:ext cx="5875083" cy="1380310"/>
           </a:xfrm>
           <a:prstGeom prst="wedgeRoundRectCallout">
             <a:avLst>
@@ -22031,40 +21947,6 @@
               <a:defRPr/>
             </a:pPr>
             <a:r>
-              <a:rPr kumimoji="1" lang="ja-JP" altLang="en-US" dirty="0">
-                <a:solidFill>
-                  <a:sysClr val="windowText" lastClr="000000"/>
-                </a:solidFill>
-                <a:latin typeface="Meiryo UI"/>
-              </a:rPr>
-              <a:t>チームの影の立役者。プログラミングはもちろん、チーム内の話し合いにおいても、とにかく穴を埋める役を担ってくださっていました。</a:t>
-            </a:r>
-            <a:endParaRPr kumimoji="1" lang="en-US" altLang="ja-JP" dirty="0">
-              <a:solidFill>
-                <a:sysClr val="windowText" lastClr="000000"/>
-              </a:solidFill>
-              <a:latin typeface="Meiryo UI"/>
-            </a:endParaRPr>
-          </a:p>
-          <a:p>
-            <a:pPr marL="0" marR="0" lvl="0" indent="0" algn="ctr" defTabSz="914400" rtl="0" eaLnBrk="1" fontAlgn="auto" latinLnBrk="0" hangingPunct="1">
-              <a:lnSpc>
-                <a:spcPct val="150000"/>
-              </a:lnSpc>
-              <a:spcBef>
-                <a:spcPts val="0"/>
-              </a:spcBef>
-              <a:spcAft>
-                <a:spcPts val="0"/>
-              </a:spcAft>
-              <a:buClrTx/>
-              <a:buSzTx/>
-              <a:buFontTx/>
-              <a:buNone/>
-              <a:tabLst/>
-              <a:defRPr/>
-            </a:pPr>
-            <a:r>
               <a:rPr kumimoji="1" lang="ja-JP" altLang="en-US" sz="1800" b="0" i="0" u="none" strike="noStrike" kern="1200" cap="none" spc="0" normalizeH="0" baseline="0" noProof="0" dirty="0">
                 <a:ln>
                   <a:noFill/>
@@ -22079,7 +21961,7 @@
                 <a:ea typeface="+mn-ea"/>
                 <a:cs typeface="+mn-cs"/>
               </a:rPr>
-              <a:t>検索機能の実現は彼あってこそ！本当にありがとうございました！</a:t>
+              <a:t>チーム立ち上げ当初から鋭い視点の意見で、私では気付かないポイントにたくさん気づかせてもらいました。デザインもセンス抜群で本当にすごいなぁといつも思っていました。</a:t>
             </a:r>
             <a:endParaRPr kumimoji="1" lang="en-US" altLang="ja-JP" sz="1800" b="0" i="0" u="none" strike="noStrike" kern="1200" cap="none" spc="0" normalizeH="0" baseline="0" noProof="0" dirty="0">
               <a:ln>
@@ -22112,8 +21994,8 @@
         </p:nvSpPr>
         <p:spPr>
           <a:xfrm>
-            <a:off x="358601" y="2809852"/>
-            <a:ext cx="11409623" cy="2307505"/>
+            <a:off x="358600" y="2642632"/>
+            <a:ext cx="11445164" cy="2474726"/>
           </a:xfrm>
           <a:prstGeom prst="rect">
             <a:avLst/>
@@ -22165,12 +22047,19 @@
               <a:defRPr/>
             </a:pPr>
             <a:r>
-              <a:rPr kumimoji="1" lang="ja-JP" altLang="en-US" sz="2000" dirty="0">
+              <a:rPr kumimoji="1" lang="ja-JP" altLang="en-US" sz="2000" b="0" i="0" u="none" strike="noStrike" kern="1200" cap="none" spc="0" normalizeH="0" baseline="0" noProof="0" dirty="0">
+                <a:ln>
+                  <a:noFill/>
+                </a:ln>
                 <a:solidFill>
                   <a:srgbClr val="231B23"/>
                 </a:solidFill>
+                <a:effectLst/>
+                <a:uLnTx/>
+                <a:uFillTx/>
                 <a:latin typeface="HGP教科書体" panose="02020600000000000000" pitchFamily="18" charset="-128"/>
                 <a:ea typeface="HGP教科書体" panose="02020600000000000000" pitchFamily="18" charset="-128"/>
+                <a:cs typeface="+mn-cs"/>
               </a:rPr>
               <a:t>研修成果</a:t>
             </a:r>
@@ -22193,10 +22082,102 @@
       </p:sp>
       <p:sp>
         <p:nvSpPr>
+          <p:cNvPr id="19" name="テキスト ボックス 18">
+            <a:extLst>
+              <a:ext uri="{FF2B5EF4-FFF2-40B4-BE49-F238E27FC236}">
+                <a16:creationId xmlns:a16="http://schemas.microsoft.com/office/drawing/2014/main" id="{6234C2C2-1210-4AC3-BEF2-42585446F70A}"/>
+              </a:ext>
+            </a:extLst>
+          </p:cNvPr>
+          <p:cNvSpPr txBox="1"/>
+          <p:nvPr/>
+        </p:nvSpPr>
+        <p:spPr>
+          <a:xfrm>
+            <a:off x="864966" y="3237027"/>
+            <a:ext cx="10678885" cy="1122871"/>
+          </a:xfrm>
+          <a:prstGeom prst="rect">
+            <a:avLst/>
+          </a:prstGeom>
+          <a:noFill/>
+        </p:spPr>
+        <p:txBody>
+          <a:bodyPr wrap="square" rtlCol="0">
+            <a:spAutoFit/>
+          </a:bodyPr>
+          <a:lstStyle/>
+          <a:p>
+            <a:pPr marL="0" marR="0" lvl="0" indent="0" algn="l" defTabSz="914400" rtl="0" eaLnBrk="1" fontAlgn="auto" latinLnBrk="0" hangingPunct="1">
+              <a:lnSpc>
+                <a:spcPct val="150000"/>
+              </a:lnSpc>
+              <a:spcBef>
+                <a:spcPts val="0"/>
+              </a:spcBef>
+              <a:spcAft>
+                <a:spcPts val="0"/>
+              </a:spcAft>
+              <a:buClrTx/>
+              <a:buSzTx/>
+              <a:buFontTx/>
+              <a:buNone/>
+              <a:tabLst/>
+              <a:defRPr/>
+            </a:pPr>
+            <a:r>
+              <a:rPr kumimoji="1" lang="ja-JP" altLang="en-US" sz="2400" b="0" i="0" u="none" strike="noStrike" kern="1200" cap="none" spc="0" normalizeH="0" baseline="0" noProof="0" dirty="0">
+                <a:ln>
+                  <a:noFill/>
+                </a:ln>
+                <a:solidFill>
+                  <a:srgbClr val="231B23"/>
+                </a:solidFill>
+                <a:effectLst/>
+                <a:uLnTx/>
+                <a:uFillTx/>
+                <a:latin typeface="Meiryo UI"/>
+                <a:ea typeface="+mn-ea"/>
+                <a:cs typeface="+mn-cs"/>
+              </a:rPr>
+              <a:t>不明点は明確にし、解消すること。</a:t>
+            </a:r>
+            <a:endParaRPr kumimoji="1" lang="en-US" altLang="ja-JP" sz="2400" b="0" i="0" u="none" strike="noStrike" kern="1200" cap="none" spc="0" normalizeH="0" baseline="0" noProof="0" dirty="0">
+              <a:ln>
+                <a:noFill/>
+              </a:ln>
+              <a:solidFill>
+                <a:srgbClr val="231B23"/>
+              </a:solidFill>
+              <a:effectLst/>
+              <a:uLnTx/>
+              <a:uFillTx/>
+              <a:latin typeface="Meiryo UI"/>
+              <a:ea typeface="+mn-ea"/>
+              <a:cs typeface="+mn-cs"/>
+            </a:endParaRPr>
+          </a:p>
+          <a:p>
+            <a:pPr>
+              <a:lnSpc>
+                <a:spcPct val="150000"/>
+              </a:lnSpc>
+              <a:defRPr/>
+            </a:pPr>
+            <a:r>
+              <a:rPr kumimoji="1" lang="ja-JP" altLang="en-US" sz="2400" dirty="0"/>
+              <a:t>そして、共有すること。</a:t>
+            </a:r>
+            <a:endParaRPr kumimoji="1" lang="en-US" altLang="ja-JP" sz="2400" dirty="0"/>
+          </a:p>
+        </p:txBody>
+      </p:sp>
+      <p:sp>
+        <p:nvSpPr>
           <p:cNvPr id="2" name="スライド番号プレースホルダー 1">
             <a:extLst>
               <a:ext uri="{FF2B5EF4-FFF2-40B4-BE49-F238E27FC236}">
-                <a16:creationId xmlns:a16="http://schemas.microsoft.com/office/drawing/2014/main" id="{1F45B1EB-1E7A-4127-8CDE-49B771CB4A7D}"/>
+                <a16:creationId xmlns:a16="http://schemas.microsoft.com/office/drawing/2014/main" id="{3ACF3814-3ED5-4BA0-84E6-83785F9981AF}"/>
               </a:ext>
             </a:extLst>
           </p:cNvPr>
@@ -22226,7 +22207,7 @@
           <p:cNvPr id="16" name="テキスト ボックス 15">
             <a:extLst>
               <a:ext uri="{FF2B5EF4-FFF2-40B4-BE49-F238E27FC236}">
-                <a16:creationId xmlns:a16="http://schemas.microsoft.com/office/drawing/2014/main" id="{E3BC6703-A8F9-4613-982D-EF647E5BC4D3}"/>
+                <a16:creationId xmlns:a16="http://schemas.microsoft.com/office/drawing/2014/main" id="{1DF4D8E7-1420-4B22-B8D9-AAF4246EF1CE}"/>
               </a:ext>
             </a:extLst>
           </p:cNvPr>
@@ -22235,8 +22216,8 @@
         </p:nvSpPr>
         <p:spPr>
           <a:xfrm rot="835554">
-            <a:off x="6881743" y="1777433"/>
-            <a:ext cx="4999676" cy="1754326"/>
+            <a:off x="6386527" y="806187"/>
+            <a:ext cx="5779299" cy="1754326"/>
           </a:xfrm>
           <a:prstGeom prst="rect">
             <a:avLst/>
@@ -22267,288 +22248,17 @@
                 <a:latin typeface="HGS明朝B" panose="02020800000000000000" pitchFamily="18" charset="-128"/>
                 <a:ea typeface="HGS明朝B" panose="02020800000000000000" pitchFamily="18" charset="-128"/>
               </a:rPr>
-              <a:t>静かなる仕事人</a:t>
-            </a:r>
-            <a:endParaRPr kumimoji="1" lang="en-US" altLang="ja-JP" sz="5400" dirty="0">
-              <a:solidFill>
-                <a:schemeClr val="accent1">
-                  <a:lumMod val="75000"/>
-                </a:schemeClr>
-              </a:solidFill>
-              <a:latin typeface="HGS明朝B" panose="02020800000000000000" pitchFamily="18" charset="-128"/>
-              <a:ea typeface="HGS明朝B" panose="02020800000000000000" pitchFamily="18" charset="-128"/>
-            </a:endParaRPr>
-          </a:p>
-          <a:p>
-            <a:pPr algn="ctr"/>
-            <a:r>
-              <a:rPr kumimoji="1" lang="ja-JP" altLang="en-US" sz="5400" dirty="0">
-                <a:solidFill>
-                  <a:schemeClr val="accent1">
-                    <a:lumMod val="75000"/>
-                  </a:schemeClr>
-                </a:solidFill>
-                <a:latin typeface="HGS明朝B" panose="02020800000000000000" pitchFamily="18" charset="-128"/>
-                <a:ea typeface="HGS明朝B" panose="02020800000000000000" pitchFamily="18" charset="-128"/>
-              </a:rPr>
-              <a:t>影の立役者</a:t>
+              <a:t>システムデザイン全権保持者</a:t>
             </a:r>
           </a:p>
         </p:txBody>
       </p:sp>
       <p:sp>
         <p:nvSpPr>
-          <p:cNvPr id="17" name="テキスト ボックス 16">
+          <p:cNvPr id="17" name="タイトル 1">
             <a:extLst>
               <a:ext uri="{FF2B5EF4-FFF2-40B4-BE49-F238E27FC236}">
-                <a16:creationId xmlns:a16="http://schemas.microsoft.com/office/drawing/2014/main" id="{06C0AE5D-2966-4EA8-9771-440144BDC550}"/>
-              </a:ext>
-            </a:extLst>
-          </p:cNvPr>
-          <p:cNvSpPr txBox="1"/>
-          <p:nvPr/>
-        </p:nvSpPr>
-        <p:spPr>
-          <a:xfrm>
-            <a:off x="798215" y="2967356"/>
-            <a:ext cx="9178905" cy="2138534"/>
-          </a:xfrm>
-          <a:prstGeom prst="rect">
-            <a:avLst/>
-          </a:prstGeom>
-          <a:noFill/>
-        </p:spPr>
-        <p:txBody>
-          <a:bodyPr wrap="square" rtlCol="0">
-            <a:spAutoFit/>
-          </a:bodyPr>
-          <a:lstStyle/>
-          <a:p>
-            <a:pPr marL="0" marR="0" lvl="0" indent="0" algn="l" defTabSz="914400" rtl="0" eaLnBrk="1" fontAlgn="auto" latinLnBrk="0" hangingPunct="1">
-              <a:lnSpc>
-                <a:spcPct val="150000"/>
-              </a:lnSpc>
-              <a:spcBef>
-                <a:spcPts val="0"/>
-              </a:spcBef>
-              <a:spcAft>
-                <a:spcPts val="0"/>
-              </a:spcAft>
-              <a:buClrTx/>
-              <a:buSzTx/>
-              <a:buFontTx/>
-              <a:buNone/>
-              <a:tabLst/>
-              <a:defRPr/>
-            </a:pPr>
-            <a:r>
-              <a:rPr kumimoji="1" lang="ja-JP" altLang="en-US" sz="2400" b="0" i="0" u="none" strike="noStrike" kern="1200" cap="none" spc="0" normalizeH="0" baseline="0" noProof="0" dirty="0">
-                <a:ln>
-                  <a:noFill/>
-                </a:ln>
-                <a:solidFill>
-                  <a:srgbClr val="231B23"/>
-                </a:solidFill>
-                <a:effectLst/>
-                <a:uLnTx/>
-                <a:uFillTx/>
-                <a:latin typeface="Meiryo UI"/>
-                <a:ea typeface="+mn-ea"/>
-                <a:cs typeface="+mn-cs"/>
-              </a:rPr>
-              <a:t>・ リーダーが会話を振るのがうまかった。</a:t>
-            </a:r>
-            <a:endParaRPr kumimoji="1" lang="en-US" altLang="ja-JP" sz="2400" b="0" i="0" u="none" strike="noStrike" kern="1200" cap="none" spc="0" normalizeH="0" baseline="0" noProof="0" dirty="0">
-              <a:ln>
-                <a:noFill/>
-              </a:ln>
-              <a:solidFill>
-                <a:srgbClr val="231B23"/>
-              </a:solidFill>
-              <a:effectLst/>
-              <a:uLnTx/>
-              <a:uFillTx/>
-              <a:latin typeface="Meiryo UI"/>
-              <a:ea typeface="+mn-ea"/>
-              <a:cs typeface="+mn-cs"/>
-            </a:endParaRPr>
-          </a:p>
-          <a:p>
-            <a:pPr marL="0" marR="0" lvl="0" indent="0" algn="l" defTabSz="914400" rtl="0" eaLnBrk="1" fontAlgn="auto" latinLnBrk="0" hangingPunct="1">
-              <a:lnSpc>
-                <a:spcPct val="150000"/>
-              </a:lnSpc>
-              <a:spcBef>
-                <a:spcPts val="0"/>
-              </a:spcBef>
-              <a:spcAft>
-                <a:spcPts val="0"/>
-              </a:spcAft>
-              <a:buClrTx/>
-              <a:buSzTx/>
-              <a:buFontTx/>
-              <a:buNone/>
-              <a:tabLst/>
-              <a:defRPr/>
-            </a:pPr>
-            <a:r>
-              <a:rPr kumimoji="1" lang="en-US" altLang="ja-JP" sz="2000" dirty="0">
-                <a:solidFill>
-                  <a:srgbClr val="231B23"/>
-                </a:solidFill>
-                <a:latin typeface="Meiryo UI"/>
-              </a:rPr>
-              <a:t>	</a:t>
-            </a:r>
-            <a:r>
-              <a:rPr kumimoji="1" lang="ja-JP" altLang="en-US" sz="2000" b="0" i="0" u="none" strike="noStrike" kern="1200" cap="none" spc="0" normalizeH="0" baseline="0" noProof="0" dirty="0">
-                <a:ln>
-                  <a:noFill/>
-                </a:ln>
-                <a:solidFill>
-                  <a:srgbClr val="231B23"/>
-                </a:solidFill>
-                <a:effectLst/>
-                <a:uLnTx/>
-                <a:uFillTx/>
-                <a:latin typeface="Meiryo UI"/>
-                <a:ea typeface="+mn-ea"/>
-                <a:cs typeface="+mn-cs"/>
-              </a:rPr>
-              <a:t>→ その分話が止まった際などのフォローをいれる</a:t>
-            </a:r>
-            <a:endParaRPr kumimoji="1" lang="en-US" altLang="ja-JP" sz="2000" b="0" i="0" u="none" strike="noStrike" kern="1200" cap="none" spc="0" normalizeH="0" baseline="0" noProof="0" dirty="0">
-              <a:ln>
-                <a:noFill/>
-              </a:ln>
-              <a:solidFill>
-                <a:srgbClr val="231B23"/>
-              </a:solidFill>
-              <a:effectLst/>
-              <a:uLnTx/>
-              <a:uFillTx/>
-              <a:latin typeface="Meiryo UI"/>
-              <a:ea typeface="+mn-ea"/>
-              <a:cs typeface="+mn-cs"/>
-            </a:endParaRPr>
-          </a:p>
-          <a:p>
-            <a:pPr marL="0" marR="0" lvl="0" indent="0" algn="l" defTabSz="914400" rtl="0" eaLnBrk="1" fontAlgn="auto" latinLnBrk="0" hangingPunct="1">
-              <a:lnSpc>
-                <a:spcPct val="150000"/>
-              </a:lnSpc>
-              <a:spcBef>
-                <a:spcPts val="0"/>
-              </a:spcBef>
-              <a:spcAft>
-                <a:spcPts val="0"/>
-              </a:spcAft>
-              <a:buClrTx/>
-              <a:buSzTx/>
-              <a:buFontTx/>
-              <a:buNone/>
-              <a:tabLst/>
-              <a:defRPr/>
-            </a:pPr>
-            <a:r>
-              <a:rPr kumimoji="1" lang="ja-JP" altLang="en-US" sz="2400" b="0" i="0" u="none" strike="noStrike" kern="1200" cap="none" spc="0" normalizeH="0" baseline="0" noProof="0" dirty="0">
-                <a:ln>
-                  <a:noFill/>
-                </a:ln>
-                <a:solidFill>
-                  <a:srgbClr val="231B23"/>
-                </a:solidFill>
-                <a:effectLst/>
-                <a:uLnTx/>
-                <a:uFillTx/>
-                <a:latin typeface="Meiryo UI"/>
-                <a:ea typeface="+mn-ea"/>
-                <a:cs typeface="+mn-cs"/>
-              </a:rPr>
-              <a:t>・ 複数検索機能</a:t>
-            </a:r>
-            <a:endParaRPr kumimoji="1" lang="en-US" altLang="ja-JP" sz="2400" b="0" i="0" u="none" strike="noStrike" kern="1200" cap="none" spc="0" normalizeH="0" baseline="0" noProof="0" dirty="0">
-              <a:ln>
-                <a:noFill/>
-              </a:ln>
-              <a:solidFill>
-                <a:srgbClr val="231B23"/>
-              </a:solidFill>
-              <a:effectLst/>
-              <a:uLnTx/>
-              <a:uFillTx/>
-              <a:latin typeface="Meiryo UI"/>
-              <a:ea typeface="+mn-ea"/>
-              <a:cs typeface="+mn-cs"/>
-            </a:endParaRPr>
-          </a:p>
-          <a:p>
-            <a:pPr marL="0" marR="0" lvl="0" indent="0" algn="l" defTabSz="914400" rtl="0" eaLnBrk="1" fontAlgn="auto" latinLnBrk="0" hangingPunct="1">
-              <a:lnSpc>
-                <a:spcPct val="150000"/>
-              </a:lnSpc>
-              <a:spcBef>
-                <a:spcPts val="0"/>
-              </a:spcBef>
-              <a:spcAft>
-                <a:spcPts val="0"/>
-              </a:spcAft>
-              <a:buClrTx/>
-              <a:buSzTx/>
-              <a:buFontTx/>
-              <a:buNone/>
-              <a:tabLst/>
-              <a:defRPr/>
-            </a:pPr>
-            <a:r>
-              <a:rPr kumimoji="1" lang="en-US" altLang="ja-JP" sz="2000" dirty="0">
-                <a:solidFill>
-                  <a:srgbClr val="231B23"/>
-                </a:solidFill>
-                <a:latin typeface="Meiryo UI"/>
-              </a:rPr>
-              <a:t>	</a:t>
-            </a:r>
-            <a:r>
-              <a:rPr kumimoji="1" lang="ja-JP" altLang="en-US" sz="2000" b="0" i="0" u="none" strike="noStrike" kern="1200" cap="none" spc="0" normalizeH="0" baseline="0" noProof="0" dirty="0">
-                <a:ln>
-                  <a:noFill/>
-                </a:ln>
-                <a:solidFill>
-                  <a:srgbClr val="231B23"/>
-                </a:solidFill>
-                <a:effectLst/>
-                <a:uLnTx/>
-                <a:uFillTx/>
-                <a:latin typeface="Meiryo UI"/>
-                <a:ea typeface="+mn-ea"/>
-                <a:cs typeface="+mn-cs"/>
-              </a:rPr>
-              <a:t>→ 知らなかったことを調べて自分の力に</a:t>
-            </a:r>
-            <a:endParaRPr kumimoji="1" lang="en-US" altLang="ja-JP" sz="2000" b="0" i="0" u="none" strike="noStrike" kern="1200" cap="none" spc="0" normalizeH="0" baseline="0" noProof="0" dirty="0">
-              <a:ln>
-                <a:noFill/>
-              </a:ln>
-              <a:solidFill>
-                <a:srgbClr val="231B23"/>
-              </a:solidFill>
-              <a:effectLst/>
-              <a:uLnTx/>
-              <a:uFillTx/>
-              <a:latin typeface="Meiryo UI"/>
-              <a:ea typeface="+mn-ea"/>
-              <a:cs typeface="+mn-cs"/>
-            </a:endParaRPr>
-          </a:p>
-        </p:txBody>
-      </p:sp>
-      <p:sp>
-        <p:nvSpPr>
-          <p:cNvPr id="18" name="タイトル 1">
-            <a:extLst>
-              <a:ext uri="{FF2B5EF4-FFF2-40B4-BE49-F238E27FC236}">
-                <a16:creationId xmlns:a16="http://schemas.microsoft.com/office/drawing/2014/main" id="{67196C50-E59D-4F4F-9D38-0FFEF81AF693}"/>
+                <a16:creationId xmlns:a16="http://schemas.microsoft.com/office/drawing/2014/main" id="{F7BA1754-BC86-4017-ACAB-C23906C237B4}"/>
               </a:ext>
             </a:extLst>
           </p:cNvPr>
@@ -22559,8 +22269,8 @@
         </p:nvSpPr>
         <p:spPr>
           <a:xfrm>
-            <a:off x="965200" y="6025307"/>
-            <a:ext cx="443279" cy="583800"/>
+            <a:off x="962025" y="6025307"/>
+            <a:ext cx="446454" cy="583800"/>
           </a:xfrm>
           <a:prstGeom prst="rect">
             <a:avLst/>
@@ -22609,7 +22319,7 @@
     </p:spTree>
     <p:extLst>
       <p:ext uri="{BB962C8B-B14F-4D97-AF65-F5344CB8AC3E}">
-        <p14:creationId xmlns:p14="http://schemas.microsoft.com/office/powerpoint/2010/main" val="501005861"/>
+        <p14:creationId xmlns:p14="http://schemas.microsoft.com/office/powerpoint/2010/main" val="1263311038"/>
       </p:ext>
     </p:extLst>
   </p:cSld>
@@ -22982,10 +22692,10 @@
       </p:grpSpPr>
       <p:sp>
         <p:nvSpPr>
-          <p:cNvPr id="27" name="正方形/長方形 26">
+          <p:cNvPr id="15" name="正方形/長方形 14">
             <a:extLst>
               <a:ext uri="{FF2B5EF4-FFF2-40B4-BE49-F238E27FC236}">
-                <a16:creationId xmlns:a16="http://schemas.microsoft.com/office/drawing/2014/main" id="{491FFD79-7801-41A6-8327-42B8A51BB0A0}"/>
+                <a16:creationId xmlns:a16="http://schemas.microsoft.com/office/drawing/2014/main" id="{AF2861BF-3022-4976-99F4-D0D1F70589FA}"/>
               </a:ext>
             </a:extLst>
           </p:cNvPr>
@@ -22994,8 +22704,8 @@
         </p:nvSpPr>
         <p:spPr>
           <a:xfrm>
-            <a:off x="358601" y="5253246"/>
-            <a:ext cx="8525619" cy="1380310"/>
+            <a:off x="358601" y="1349603"/>
+            <a:ext cx="11409623" cy="1501956"/>
           </a:xfrm>
           <a:prstGeom prst="rect">
             <a:avLst/>
@@ -23047,6 +22757,22 @@
               <a:defRPr/>
             </a:pPr>
             <a:r>
+              <a:rPr kumimoji="1" lang="en-US" altLang="ja-JP" sz="2000" b="0" i="0" u="none" strike="noStrike" kern="1200" cap="none" spc="0" normalizeH="0" baseline="0" noProof="0" dirty="0">
+                <a:ln>
+                  <a:noFill/>
+                </a:ln>
+                <a:solidFill>
+                  <a:srgbClr val="231B23"/>
+                </a:solidFill>
+                <a:effectLst/>
+                <a:uLnTx/>
+                <a:uFillTx/>
+                <a:ea typeface="HGP教科書体" panose="02020600000000000000" pitchFamily="18" charset="-128"/>
+                <a:cs typeface="+mn-cs"/>
+              </a:rPr>
+              <a:t>DBA</a:t>
+            </a:r>
+            <a:r>
               <a:rPr kumimoji="1" lang="ja-JP" altLang="en-US" sz="2000" b="0" i="0" u="none" strike="noStrike" kern="1200" cap="none" spc="0" normalizeH="0" baseline="0" noProof="0" dirty="0">
                 <a:ln>
                   <a:noFill/>
@@ -23057,97 +22783,10 @@
                 <a:effectLst/>
                 <a:uLnTx/>
                 <a:uFillTx/>
-                <a:latin typeface="HGP教科書体" panose="02020600000000000000" pitchFamily="18" charset="-128"/>
                 <a:ea typeface="HGP教科書体" panose="02020600000000000000" pitchFamily="18" charset="-128"/>
                 <a:cs typeface="+mn-cs"/>
               </a:rPr>
-              <a:t>メンバーより</a:t>
-            </a:r>
-          </a:p>
-        </p:txBody>
-      </p:sp>
-      <p:sp>
-        <p:nvSpPr>
-          <p:cNvPr id="15" name="正方形/長方形 14">
-            <a:extLst>
-              <a:ext uri="{FF2B5EF4-FFF2-40B4-BE49-F238E27FC236}">
-                <a16:creationId xmlns:a16="http://schemas.microsoft.com/office/drawing/2014/main" id="{AF2861BF-3022-4976-99F4-D0D1F70589FA}"/>
-              </a:ext>
-            </a:extLst>
-          </p:cNvPr>
-          <p:cNvSpPr/>
-          <p:nvPr/>
-        </p:nvSpPr>
-        <p:spPr>
-          <a:xfrm>
-            <a:off x="358600" y="1408471"/>
-            <a:ext cx="11445164" cy="1150363"/>
-          </a:xfrm>
-          <a:prstGeom prst="rect">
-            <a:avLst/>
-          </a:prstGeom>
-          <a:solidFill>
-            <a:srgbClr val="FFFFFF"/>
-          </a:solidFill>
-          <a:ln w="28575">
-            <a:solidFill>
-              <a:schemeClr val="bg1">
-                <a:lumMod val="90000"/>
-              </a:schemeClr>
-            </a:solidFill>
-          </a:ln>
-        </p:spPr>
-        <p:style>
-          <a:lnRef idx="1">
-            <a:schemeClr val="accent4"/>
-          </a:lnRef>
-          <a:fillRef idx="3">
-            <a:schemeClr val="accent4"/>
-          </a:fillRef>
-          <a:effectRef idx="2">
-            <a:schemeClr val="accent4"/>
-          </a:effectRef>
-          <a:fontRef idx="minor">
-            <a:schemeClr val="lt1"/>
-          </a:fontRef>
-        </p:style>
-        <p:txBody>
-          <a:bodyPr rtlCol="0" anchor="t" anchorCtr="0"/>
-          <a:lstStyle/>
-          <a:p>
-            <a:pPr marL="0" marR="0" lvl="0" indent="0" algn="l" defTabSz="914400" rtl="0" eaLnBrk="1" fontAlgn="auto" latinLnBrk="0" hangingPunct="1">
-              <a:lnSpc>
-                <a:spcPct val="100000"/>
-              </a:lnSpc>
-              <a:spcBef>
-                <a:spcPts val="0"/>
-              </a:spcBef>
-              <a:spcAft>
-                <a:spcPts val="0"/>
-              </a:spcAft>
-              <a:buClrTx/>
-              <a:buSzTx/>
-              <a:buFontTx/>
-              <a:buNone/>
-              <a:tabLst/>
-              <a:defRPr/>
-            </a:pPr>
-            <a:r>
-              <a:rPr kumimoji="1" lang="ja-JP" altLang="en-US" sz="2000" b="0" i="0" u="none" strike="noStrike" kern="1200" cap="none" spc="0" normalizeH="0" baseline="0" noProof="0" dirty="0">
-                <a:ln>
-                  <a:noFill/>
-                </a:ln>
-                <a:solidFill>
-                  <a:srgbClr val="231B23"/>
-                </a:solidFill>
-                <a:effectLst/>
-                <a:uLnTx/>
-                <a:uFillTx/>
-                <a:latin typeface="HGP教科書体" panose="02020600000000000000" pitchFamily="18" charset="-128"/>
-                <a:ea typeface="HGP教科書体" panose="02020600000000000000" pitchFamily="18" charset="-128"/>
-                <a:cs typeface="+mn-cs"/>
-              </a:rPr>
-              <a:t>品質管理担当として</a:t>
+              <a:t>、コミュニケーション担当として</a:t>
             </a:r>
             <a:endParaRPr kumimoji="1" lang="en-US" altLang="ja-JP" sz="2000" b="0" i="0" u="none" strike="noStrike" kern="1200" cap="none" spc="0" normalizeH="0" baseline="0" noProof="0" dirty="0">
               <a:ln>
@@ -23159,7 +22798,6 @@
               <a:effectLst/>
               <a:uLnTx/>
               <a:uFillTx/>
-              <a:latin typeface="HGP教科書体" panose="02020600000000000000" pitchFamily="18" charset="-128"/>
               <a:ea typeface="HGP教科書体" panose="02020600000000000000" pitchFamily="18" charset="-128"/>
               <a:cs typeface="+mn-cs"/>
             </a:endParaRPr>
@@ -23301,10 +22939,10 @@
       </p:sp>
       <p:pic>
         <p:nvPicPr>
-          <p:cNvPr id="10" name="グラフィックス 9" descr="ニヤリとした顔 (塗りつぶしなし) 単色塗りつぶし">
+          <p:cNvPr id="22" name="グラフィックス 21" descr="ハート付きの笑顔 (塗りつぶしなし) 単色塗りつぶし">
             <a:extLst>
               <a:ext uri="{FF2B5EF4-FFF2-40B4-BE49-F238E27FC236}">
-                <a16:creationId xmlns:a16="http://schemas.microsoft.com/office/drawing/2014/main" id="{D68573FE-0FF6-4CE1-95BE-C63109EF9B20}"/>
+                <a16:creationId xmlns:a16="http://schemas.microsoft.com/office/drawing/2014/main" id="{7DE3574C-15E9-4D20-A929-C7E2D6DE0836}"/>
               </a:ext>
             </a:extLst>
           </p:cNvPr>
@@ -23327,7 +22965,7 @@
         </p:blipFill>
         <p:spPr>
           <a:xfrm>
-            <a:off x="10901856" y="5553518"/>
+            <a:off x="10955673" y="5575725"/>
             <a:ext cx="735351" cy="735351"/>
           </a:xfrm>
           <a:prstGeom prst="rect">
@@ -23364,15 +23002,15 @@
             <a:pPr rtl="0"/>
             <a:r>
               <a:rPr lang="ja-JP" altLang="en-US" sz="3200" b="0" dirty="0"/>
-              <a:t>舟見 玲奈 </a:t>
+              <a:t>杉森 佑樹 </a:t>
             </a:r>
             <a:r>
               <a:rPr lang="en-US" altLang="ja-JP" b="0" dirty="0"/>
-              <a:t>/ </a:t>
+              <a:t>/ DB</a:t>
             </a:r>
             <a:r>
               <a:rPr lang="ja-JP" altLang="en-US" b="0" dirty="0"/>
-              <a:t>品質管理担当</a:t>
+              <a:t>、コミュニケーション担当</a:t>
             </a:r>
             <a:endParaRPr lang="ja" sz="3200" b="0" dirty="0"/>
           </a:p>
@@ -23476,7 +23114,7 @@
                 <a:ea typeface="+mn-ea"/>
                 <a:cs typeface="+mn-cs"/>
               </a:rPr>
-              <a:t>70</a:t>
+              <a:t>80</a:t>
             </a:r>
             <a:r>
               <a:rPr kumimoji="1" lang="en-US" altLang="ja-JP" sz="2000" b="0" i="0" u="none" strike="noStrike" kern="1200" cap="none" spc="0" normalizeH="0" baseline="0" noProof="0" dirty="0">
@@ -23533,35 +23171,56 @@
       </p:sp>
       <p:sp>
         <p:nvSpPr>
-          <p:cNvPr id="41" name="テキスト ボックス 40">
+          <p:cNvPr id="28" name="正方形/長方形 27">
             <a:extLst>
               <a:ext uri="{FF2B5EF4-FFF2-40B4-BE49-F238E27FC236}">
-                <a16:creationId xmlns:a16="http://schemas.microsoft.com/office/drawing/2014/main" id="{F5B6F027-05F2-4C6D-AE1E-9A8D41C0E830}"/>
+                <a16:creationId xmlns:a16="http://schemas.microsoft.com/office/drawing/2014/main" id="{94059250-8A1E-4C2C-BE1C-D7A4FE618E39}"/>
               </a:ext>
             </a:extLst>
           </p:cNvPr>
-          <p:cNvSpPr txBox="1"/>
+          <p:cNvSpPr/>
           <p:nvPr/>
         </p:nvSpPr>
         <p:spPr>
           <a:xfrm>
-            <a:off x="864966" y="1814453"/>
-            <a:ext cx="8673399" cy="568874"/>
+            <a:off x="358601" y="5253245"/>
+            <a:ext cx="8525619" cy="1380310"/>
           </a:xfrm>
           <a:prstGeom prst="rect">
             <a:avLst/>
           </a:prstGeom>
-          <a:noFill/>
+          <a:solidFill>
+            <a:srgbClr val="FFFFFF"/>
+          </a:solidFill>
+          <a:ln w="28575">
+            <a:solidFill>
+              <a:schemeClr val="bg1">
+                <a:lumMod val="90000"/>
+              </a:schemeClr>
+            </a:solidFill>
+          </a:ln>
         </p:spPr>
+        <p:style>
+          <a:lnRef idx="1">
+            <a:schemeClr val="accent4"/>
+          </a:lnRef>
+          <a:fillRef idx="3">
+            <a:schemeClr val="accent4"/>
+          </a:fillRef>
+          <a:effectRef idx="2">
+            <a:schemeClr val="accent4"/>
+          </a:effectRef>
+          <a:fontRef idx="minor">
+            <a:schemeClr val="lt1"/>
+          </a:fontRef>
+        </p:style>
         <p:txBody>
-          <a:bodyPr wrap="square" rtlCol="0">
-            <a:spAutoFit/>
-          </a:bodyPr>
+          <a:bodyPr rtlCol="0" anchor="t" anchorCtr="0"/>
           <a:lstStyle/>
           <a:p>
             <a:pPr marL="0" marR="0" lvl="0" indent="0" algn="l" defTabSz="914400" rtl="0" eaLnBrk="1" fontAlgn="auto" latinLnBrk="0" hangingPunct="1">
               <a:lnSpc>
-                <a:spcPct val="150000"/>
+                <a:spcPct val="100000"/>
               </a:lnSpc>
               <a:spcBef>
                 <a:spcPts val="0"/>
@@ -23577,7 +23236,7 @@
               <a:defRPr/>
             </a:pPr>
             <a:r>
-              <a:rPr kumimoji="1" lang="ja-JP" altLang="en-US" sz="2400" b="0" i="0" u="none" strike="noStrike" kern="1200" cap="none" spc="0" normalizeH="0" baseline="0" noProof="0" dirty="0">
+              <a:rPr kumimoji="1" lang="ja-JP" altLang="en-US" sz="2000" b="0" i="0" u="none" strike="noStrike" kern="1200" cap="none" spc="0" normalizeH="0" baseline="0" noProof="0" dirty="0">
                 <a:ln>
                   <a:noFill/>
                 </a:ln>
@@ -23587,71 +23246,21 @@
                 <a:effectLst/>
                 <a:uLnTx/>
                 <a:uFillTx/>
-                <a:latin typeface="Meiryo UI"/>
-                <a:ea typeface="+mn-ea"/>
+                <a:latin typeface="HGP教科書体" panose="02020600000000000000" pitchFamily="18" charset="-128"/>
+                <a:ea typeface="HGP教科書体" panose="02020600000000000000" pitchFamily="18" charset="-128"/>
                 <a:cs typeface="+mn-cs"/>
               </a:rPr>
-              <a:t>良きシステムが作れるよう、チームをサポートする。</a:t>
-            </a:r>
-            <a:endParaRPr kumimoji="1" lang="en-US" altLang="ja-JP" sz="2400" b="0" i="0" u="none" strike="noStrike" kern="1200" cap="none" spc="0" normalizeH="0" baseline="0" noProof="0" dirty="0">
-              <a:ln>
-                <a:noFill/>
-              </a:ln>
-              <a:solidFill>
-                <a:srgbClr val="231B23"/>
-              </a:solidFill>
-              <a:effectLst/>
-              <a:uLnTx/>
-              <a:uFillTx/>
-              <a:latin typeface="Meiryo UI"/>
-              <a:ea typeface="+mn-ea"/>
-              <a:cs typeface="+mn-cs"/>
-            </a:endParaRPr>
+              <a:t>メンバーより</a:t>
+            </a:r>
           </a:p>
         </p:txBody>
       </p:sp>
-      <p:pic>
-        <p:nvPicPr>
-          <p:cNvPr id="42" name="グラフィックス 41" descr="ユーザー 単色塗りつぶし">
-            <a:extLst>
-              <a:ext uri="{FF2B5EF4-FFF2-40B4-BE49-F238E27FC236}">
-                <a16:creationId xmlns:a16="http://schemas.microsoft.com/office/drawing/2014/main" id="{6CF699F4-CF46-4C02-B200-2B6D830D8BCA}"/>
-              </a:ext>
-            </a:extLst>
-          </p:cNvPr>
-          <p:cNvPicPr>
-            <a:picLocks noChangeAspect="1"/>
-          </p:cNvPicPr>
-          <p:nvPr/>
-        </p:nvPicPr>
-        <p:blipFill>
-          <a:blip r:embed="rId7">
-            <a:extLst>
-              <a:ext uri="{96DAC541-7B7A-43D3-8B79-37D633B846F1}">
-                <asvg:svgBlip xmlns:asvg="http://schemas.microsoft.com/office/drawing/2016/SVG/main" r:embed="rId8"/>
-              </a:ext>
-            </a:extLst>
-          </a:blip>
-          <a:stretch>
-            <a:fillRect/>
-          </a:stretch>
-        </p:blipFill>
-        <p:spPr>
-          <a:xfrm>
-            <a:off x="599052" y="5567159"/>
-            <a:ext cx="1055042" cy="1055042"/>
-          </a:xfrm>
-          <a:prstGeom prst="rect">
-            <a:avLst/>
-          </a:prstGeom>
-        </p:spPr>
-      </p:pic>
       <p:sp>
         <p:nvSpPr>
-          <p:cNvPr id="26" name="吹き出し: 角を丸めた四角形 25">
+          <p:cNvPr id="25" name="吹き出し: 角を丸めた四角形 24">
             <a:extLst>
               <a:ext uri="{FF2B5EF4-FFF2-40B4-BE49-F238E27FC236}">
-                <a16:creationId xmlns:a16="http://schemas.microsoft.com/office/drawing/2014/main" id="{5A90B5A4-DF3D-4F30-BFE4-6B073C8A6D4B}"/>
+                <a16:creationId xmlns:a16="http://schemas.microsoft.com/office/drawing/2014/main" id="{0A122515-D1DD-43AE-BF40-F2D7319E592A}"/>
               </a:ext>
             </a:extLst>
           </p:cNvPr>
@@ -23660,8 +23269,8 @@
         </p:nvSpPr>
         <p:spPr>
           <a:xfrm>
-            <a:off x="2430053" y="5253245"/>
-            <a:ext cx="5875083" cy="1380310"/>
+            <a:off x="2430054" y="5243632"/>
+            <a:ext cx="5875083" cy="1389924"/>
           </a:xfrm>
           <a:prstGeom prst="wedgeRoundRectCallout">
             <a:avLst>
@@ -23701,53 +23310,39 @@
           <a:bodyPr rtlCol="0" anchor="ctr"/>
           <a:lstStyle/>
           <a:p>
-            <a:pPr marL="0" marR="0" lvl="0" indent="0" algn="ctr" defTabSz="914400" rtl="0" eaLnBrk="1" fontAlgn="auto" latinLnBrk="0" hangingPunct="1">
+            <a:pPr algn="ctr">
               <a:lnSpc>
                 <a:spcPct val="150000"/>
               </a:lnSpc>
-              <a:spcBef>
-                <a:spcPts val="0"/>
-              </a:spcBef>
-              <a:spcAft>
-                <a:spcPts val="0"/>
-              </a:spcAft>
-              <a:buClrTx/>
-              <a:buSzTx/>
-              <a:buFontTx/>
-              <a:buNone/>
-              <a:tabLst/>
-              <a:defRPr/>
             </a:pPr>
             <a:r>
-              <a:rPr kumimoji="1" lang="ja-JP" altLang="en-US" sz="1800" b="0" i="0" u="none" strike="noStrike" kern="1200" cap="none" spc="0" normalizeH="0" baseline="0" noProof="0" dirty="0">
-                <a:ln>
-                  <a:noFill/>
-                </a:ln>
+              <a:rPr kumimoji="1" lang="ja-JP" altLang="en-US" dirty="0">
                 <a:solidFill>
                   <a:sysClr val="windowText" lastClr="000000"/>
                 </a:solidFill>
-                <a:effectLst/>
-                <a:uLnTx/>
-                <a:uFillTx/>
-                <a:latin typeface="Meiryo UI"/>
-                <a:ea typeface="+mn-ea"/>
-                <a:cs typeface="+mn-cs"/>
-              </a:rPr>
-              <a:t>チーム立ち上げ当初から鋭い視点の意見で、私では気付かないポイントにたくさん気づかせてもらいました。デザインもセンス抜群で本当にすごいなぁといつも思っていました。</a:t>
-            </a:r>
-            <a:endParaRPr kumimoji="1" lang="en-US" altLang="ja-JP" sz="1800" b="0" i="0" u="none" strike="noStrike" kern="1200" cap="none" spc="0" normalizeH="0" baseline="0" noProof="0" dirty="0">
-              <a:ln>
-                <a:noFill/>
-              </a:ln>
+              </a:rPr>
+              <a:t>個人的にチームで</a:t>
+            </a:r>
+            <a:r>
+              <a:rPr kumimoji="1" lang="en-US" altLang="ja-JP" dirty="0">
+                <a:solidFill>
+                  <a:sysClr val="windowText" lastClr="000000"/>
+                </a:solidFill>
+              </a:rPr>
+              <a:t>1</a:t>
+            </a:r>
+            <a:r>
+              <a:rPr kumimoji="1" lang="ja-JP" altLang="en-US" dirty="0">
+                <a:solidFill>
+                  <a:sysClr val="windowText" lastClr="000000"/>
+                </a:solidFill>
+              </a:rPr>
+              <a:t>番成長したんじゃないかと思ってます。恐ろしいです。技術面以外でも、何か意見を出したときや何か教えたときに全力でほめてくれるのがうれしすぎました。</a:t>
+            </a:r>
+            <a:endParaRPr kumimoji="1" lang="en-US" altLang="ja-JP" dirty="0">
               <a:solidFill>
                 <a:sysClr val="windowText" lastClr="000000"/>
               </a:solidFill>
-              <a:effectLst/>
-              <a:uLnTx/>
-              <a:uFillTx/>
-              <a:latin typeface="Meiryo UI"/>
-              <a:ea typeface="+mn-ea"/>
-              <a:cs typeface="+mn-cs"/>
             </a:endParaRPr>
           </a:p>
         </p:txBody>
@@ -23766,8 +23361,8 @@
         </p:nvSpPr>
         <p:spPr>
           <a:xfrm>
-            <a:off x="358600" y="2642632"/>
-            <a:ext cx="11445164" cy="2474726"/>
+            <a:off x="358601" y="2987446"/>
+            <a:ext cx="11409623" cy="2129911"/>
           </a:xfrm>
           <a:prstGeom prst="rect">
             <a:avLst/>
@@ -23854,10 +23449,10 @@
       </p:sp>
       <p:sp>
         <p:nvSpPr>
-          <p:cNvPr id="19" name="テキスト ボックス 18">
+          <p:cNvPr id="48" name="テキスト ボックス 47">
             <a:extLst>
               <a:ext uri="{FF2B5EF4-FFF2-40B4-BE49-F238E27FC236}">
-                <a16:creationId xmlns:a16="http://schemas.microsoft.com/office/drawing/2014/main" id="{6234C2C2-1210-4AC3-BEF2-42585446F70A}"/>
+                <a16:creationId xmlns:a16="http://schemas.microsoft.com/office/drawing/2014/main" id="{39AEC537-9EDF-4360-B24B-926D7DD5DFAF}"/>
               </a:ext>
             </a:extLst>
           </p:cNvPr>
@@ -23866,8 +23461,8 @@
         </p:nvSpPr>
         <p:spPr>
           <a:xfrm>
-            <a:off x="864966" y="3237027"/>
-            <a:ext cx="10678885" cy="1122871"/>
+            <a:off x="719741" y="3438728"/>
+            <a:ext cx="5805596" cy="1122871"/>
           </a:xfrm>
           <a:prstGeom prst="rect">
             <a:avLst/>
@@ -23912,7 +23507,7 @@
                 <a:ea typeface="+mn-ea"/>
                 <a:cs typeface="+mn-cs"/>
               </a:rPr>
-              <a:t>不明点は明確にし、解消すること。</a:t>
+              <a:t>・ お気に入り機能</a:t>
             </a:r>
             <a:endParaRPr kumimoji="1" lang="en-US" altLang="ja-JP" sz="2400" b="0" i="0" u="none" strike="noStrike" kern="1200" cap="none" spc="0" normalizeH="0" baseline="0" noProof="0" dirty="0">
               <a:ln>
@@ -23930,26 +23525,248 @@
             </a:endParaRPr>
           </a:p>
           <a:p>
-            <a:pPr>
+            <a:pPr marL="0" marR="0" lvl="0" indent="0" algn="l" defTabSz="914400" rtl="0" eaLnBrk="1" fontAlgn="auto" latinLnBrk="0" hangingPunct="1">
               <a:lnSpc>
                 <a:spcPct val="150000"/>
               </a:lnSpc>
+              <a:spcBef>
+                <a:spcPts val="0"/>
+              </a:spcBef>
+              <a:spcAft>
+                <a:spcPts val="0"/>
+              </a:spcAft>
+              <a:buClrTx/>
+              <a:buSzTx/>
+              <a:buFontTx/>
+              <a:buNone/>
+              <a:tabLst/>
               <a:defRPr/>
             </a:pPr>
             <a:r>
-              <a:rPr kumimoji="1" lang="ja-JP" altLang="en-US" sz="2400" dirty="0"/>
-              <a:t>そして、共有すること。</a:t>
-            </a:r>
-            <a:endParaRPr kumimoji="1" lang="en-US" altLang="ja-JP" sz="2400" dirty="0"/>
+              <a:rPr kumimoji="1" lang="ja-JP" altLang="en-US" sz="2400" b="0" i="0" u="none" strike="noStrike" kern="1200" cap="none" spc="0" normalizeH="0" baseline="0" noProof="0" dirty="0">
+                <a:ln>
+                  <a:noFill/>
+                </a:ln>
+                <a:solidFill>
+                  <a:srgbClr val="231B23"/>
+                </a:solidFill>
+                <a:effectLst/>
+                <a:uLnTx/>
+                <a:uFillTx/>
+                <a:latin typeface="Meiryo UI"/>
+                <a:ea typeface="+mn-ea"/>
+                <a:cs typeface="+mn-cs"/>
+              </a:rPr>
+              <a:t>・ グループの会話の盛り上げ</a:t>
+            </a:r>
+            <a:endParaRPr kumimoji="1" lang="en-US" altLang="ja-JP" sz="2400" b="0" i="0" u="none" strike="noStrike" kern="1200" cap="none" spc="0" normalizeH="0" baseline="0" noProof="0" dirty="0">
+              <a:ln>
+                <a:noFill/>
+              </a:ln>
+              <a:solidFill>
+                <a:srgbClr val="231B23"/>
+              </a:solidFill>
+              <a:effectLst/>
+              <a:uLnTx/>
+              <a:uFillTx/>
+              <a:latin typeface="Meiryo UI"/>
+              <a:ea typeface="+mn-ea"/>
+              <a:cs typeface="+mn-cs"/>
+            </a:endParaRPr>
           </a:p>
         </p:txBody>
       </p:sp>
       <p:sp>
         <p:nvSpPr>
+          <p:cNvPr id="19" name="テキスト ボックス 18">
+            <a:extLst>
+              <a:ext uri="{FF2B5EF4-FFF2-40B4-BE49-F238E27FC236}">
+                <a16:creationId xmlns:a16="http://schemas.microsoft.com/office/drawing/2014/main" id="{9E8CC1DF-4831-4CF4-939A-95C3F0F863CB}"/>
+              </a:ext>
+            </a:extLst>
+          </p:cNvPr>
+          <p:cNvSpPr txBox="1"/>
+          <p:nvPr/>
+        </p:nvSpPr>
+        <p:spPr>
+          <a:xfrm>
+            <a:off x="699093" y="1673412"/>
+            <a:ext cx="10728638" cy="1122871"/>
+          </a:xfrm>
+          <a:prstGeom prst="rect">
+            <a:avLst/>
+          </a:prstGeom>
+          <a:noFill/>
+        </p:spPr>
+        <p:txBody>
+          <a:bodyPr wrap="square" rtlCol="0">
+            <a:spAutoFit/>
+          </a:bodyPr>
+          <a:lstStyle/>
+          <a:p>
+            <a:pPr marL="0" marR="0" lvl="0" indent="0" algn="l" defTabSz="914400" rtl="0" eaLnBrk="1" fontAlgn="auto" latinLnBrk="0" hangingPunct="1">
+              <a:lnSpc>
+                <a:spcPct val="150000"/>
+              </a:lnSpc>
+              <a:spcBef>
+                <a:spcPts val="0"/>
+              </a:spcBef>
+              <a:spcAft>
+                <a:spcPts val="0"/>
+              </a:spcAft>
+              <a:buClrTx/>
+              <a:buSzTx/>
+              <a:buFontTx/>
+              <a:buNone/>
+              <a:tabLst/>
+              <a:defRPr/>
+            </a:pPr>
+            <a:r>
+              <a:rPr kumimoji="1" lang="ja-JP" altLang="en-US" sz="2400" b="0" i="0" u="none" strike="noStrike" kern="1200" cap="none" spc="0" normalizeH="0" baseline="0" noProof="0" dirty="0">
+                <a:ln>
+                  <a:noFill/>
+                </a:ln>
+                <a:solidFill>
+                  <a:srgbClr val="231B23"/>
+                </a:solidFill>
+                <a:effectLst/>
+                <a:uLnTx/>
+                <a:uFillTx/>
+                <a:latin typeface="Meiryo UI"/>
+                <a:ea typeface="+mn-ea"/>
+                <a:cs typeface="+mn-cs"/>
+              </a:rPr>
+              <a:t>・ 苦手だった</a:t>
+            </a:r>
+            <a:r>
+              <a:rPr kumimoji="1" lang="en-US" altLang="ja-JP" sz="2400" b="0" i="0" u="none" strike="noStrike" kern="1200" cap="none" spc="0" normalizeH="0" baseline="0" noProof="0" dirty="0">
+                <a:ln>
+                  <a:noFill/>
+                </a:ln>
+                <a:solidFill>
+                  <a:srgbClr val="231B23"/>
+                </a:solidFill>
+                <a:effectLst/>
+                <a:uLnTx/>
+                <a:uFillTx/>
+                <a:latin typeface="Meiryo UI"/>
+                <a:ea typeface="+mn-ea"/>
+                <a:cs typeface="+mn-cs"/>
+              </a:rPr>
+              <a:t>DAO</a:t>
+            </a:r>
+            <a:r>
+              <a:rPr kumimoji="1" lang="ja-JP" altLang="en-US" sz="2400" b="0" i="0" u="none" strike="noStrike" kern="1200" cap="none" spc="0" normalizeH="0" baseline="0" noProof="0" dirty="0">
+                <a:ln>
+                  <a:noFill/>
+                </a:ln>
+                <a:solidFill>
+                  <a:srgbClr val="231B23"/>
+                </a:solidFill>
+                <a:effectLst/>
+                <a:uLnTx/>
+                <a:uFillTx/>
+                <a:latin typeface="Meiryo UI"/>
+                <a:ea typeface="+mn-ea"/>
+                <a:cs typeface="+mn-cs"/>
+              </a:rPr>
+              <a:t>を克服する！</a:t>
+            </a:r>
+            <a:endParaRPr kumimoji="1" lang="en-US" altLang="ja-JP" sz="2400" b="0" i="0" u="none" strike="noStrike" kern="1200" cap="none" spc="0" normalizeH="0" baseline="0" noProof="0" dirty="0">
+              <a:ln>
+                <a:noFill/>
+              </a:ln>
+              <a:solidFill>
+                <a:srgbClr val="231B23"/>
+              </a:solidFill>
+              <a:effectLst/>
+              <a:uLnTx/>
+              <a:uFillTx/>
+              <a:latin typeface="Meiryo UI"/>
+              <a:ea typeface="+mn-ea"/>
+              <a:cs typeface="+mn-cs"/>
+            </a:endParaRPr>
+          </a:p>
+          <a:p>
+            <a:pPr marL="0" marR="0" lvl="0" indent="0" algn="l" defTabSz="914400" rtl="0" eaLnBrk="1" fontAlgn="auto" latinLnBrk="0" hangingPunct="1">
+              <a:lnSpc>
+                <a:spcPct val="150000"/>
+              </a:lnSpc>
+              <a:spcBef>
+                <a:spcPts val="0"/>
+              </a:spcBef>
+              <a:spcAft>
+                <a:spcPts val="0"/>
+              </a:spcAft>
+              <a:buClrTx/>
+              <a:buSzTx/>
+              <a:buFontTx/>
+              <a:buNone/>
+              <a:tabLst/>
+              <a:defRPr/>
+            </a:pPr>
+            <a:r>
+              <a:rPr kumimoji="1" lang="ja-JP" altLang="en-US" sz="2400" b="0" i="0" u="none" strike="noStrike" kern="1200" cap="none" spc="0" normalizeH="0" baseline="0" noProof="0" dirty="0">
+                <a:ln>
+                  <a:noFill/>
+                </a:ln>
+                <a:solidFill>
+                  <a:srgbClr val="231B23"/>
+                </a:solidFill>
+                <a:effectLst/>
+                <a:uLnTx/>
+                <a:uFillTx/>
+                <a:latin typeface="Meiryo UI"/>
+                <a:ea typeface="+mn-ea"/>
+                <a:cs typeface="+mn-cs"/>
+              </a:rPr>
+              <a:t>・ 積極的に話に参加する！</a:t>
+            </a:r>
+          </a:p>
+        </p:txBody>
+      </p:sp>
+      <p:pic>
+        <p:nvPicPr>
+          <p:cNvPr id="29" name="グラフィックス 28" descr="ユーザー 単色塗りつぶし">
+            <a:extLst>
+              <a:ext uri="{FF2B5EF4-FFF2-40B4-BE49-F238E27FC236}">
+                <a16:creationId xmlns:a16="http://schemas.microsoft.com/office/drawing/2014/main" id="{11478469-8849-49CD-A421-188D1361F1B6}"/>
+              </a:ext>
+            </a:extLst>
+          </p:cNvPr>
+          <p:cNvPicPr>
+            <a:picLocks noChangeAspect="1"/>
+          </p:cNvPicPr>
+          <p:nvPr/>
+        </p:nvPicPr>
+        <p:blipFill>
+          <a:blip r:embed="rId7">
+            <a:extLst>
+              <a:ext uri="{96DAC541-7B7A-43D3-8B79-37D633B846F1}">
+                <asvg:svgBlip xmlns:asvg="http://schemas.microsoft.com/office/drawing/2016/SVG/main" r:embed="rId8"/>
+              </a:ext>
+            </a:extLst>
+          </a:blip>
+          <a:stretch>
+            <a:fillRect/>
+          </a:stretch>
+        </p:blipFill>
+        <p:spPr>
+          <a:xfrm>
+            <a:off x="599052" y="5567159"/>
+            <a:ext cx="1055042" cy="1055042"/>
+          </a:xfrm>
+          <a:prstGeom prst="rect">
+            <a:avLst/>
+          </a:prstGeom>
+        </p:spPr>
+      </p:pic>
+      <p:sp>
+        <p:nvSpPr>
           <p:cNvPr id="2" name="スライド番号プレースホルダー 1">
             <a:extLst>
               <a:ext uri="{FF2B5EF4-FFF2-40B4-BE49-F238E27FC236}">
-                <a16:creationId xmlns:a16="http://schemas.microsoft.com/office/drawing/2014/main" id="{3ACF3814-3ED5-4BA0-84E6-83785F9981AF}"/>
+                <a16:creationId xmlns:a16="http://schemas.microsoft.com/office/drawing/2014/main" id="{EFD7DC4B-9DA5-499F-8A1D-CE8DA8F8F8E7}"/>
               </a:ext>
             </a:extLst>
           </p:cNvPr>
@@ -23979,7 +23796,7 @@
           <p:cNvPr id="16" name="テキスト ボックス 15">
             <a:extLst>
               <a:ext uri="{FF2B5EF4-FFF2-40B4-BE49-F238E27FC236}">
-                <a16:creationId xmlns:a16="http://schemas.microsoft.com/office/drawing/2014/main" id="{1DF4D8E7-1420-4B22-B8D9-AAF4246EF1CE}"/>
+                <a16:creationId xmlns:a16="http://schemas.microsoft.com/office/drawing/2014/main" id="{3750C574-D577-4D98-9C54-4A5AE6BF87BD}"/>
               </a:ext>
             </a:extLst>
           </p:cNvPr>
@@ -23988,7 +23805,7 @@
         </p:nvSpPr>
         <p:spPr>
           <a:xfrm rot="835554">
-            <a:off x="6386527" y="806187"/>
+            <a:off x="6131802" y="1694221"/>
             <a:ext cx="5779299" cy="1754326"/>
           </a:xfrm>
           <a:prstGeom prst="rect">
@@ -24017,10 +23834,37 @@
                     <a:lumMod val="75000"/>
                   </a:schemeClr>
                 </a:solidFill>
-                <a:latin typeface="HGS明朝B" panose="02020800000000000000" pitchFamily="18" charset="-128"/>
+                <a:latin typeface="JasmineUPC" panose="020B0502040204020203" pitchFamily="18" charset="-34"/>
                 <a:ea typeface="HGS明朝B" panose="02020800000000000000" pitchFamily="18" charset="-128"/>
-              </a:rPr>
-              <a:t>システムデザイン全権保持者</a:t>
+                <a:cs typeface="JasmineUPC" panose="020B0502040204020203" pitchFamily="18" charset="-34"/>
+              </a:rPr>
+              <a:t>恐怖！</a:t>
+            </a:r>
+            <a:endParaRPr kumimoji="1" lang="en-US" altLang="ja-JP" sz="5400" dirty="0">
+              <a:solidFill>
+                <a:schemeClr val="accent1">
+                  <a:lumMod val="75000"/>
+                </a:schemeClr>
+              </a:solidFill>
+              <a:latin typeface="JasmineUPC" panose="020B0502040204020203" pitchFamily="18" charset="-34"/>
+              <a:ea typeface="HGS明朝B" panose="02020800000000000000" pitchFamily="18" charset="-128"/>
+              <a:cs typeface="JasmineUPC" panose="020B0502040204020203" pitchFamily="18" charset="-34"/>
+            </a:endParaRPr>
+          </a:p>
+          <a:p>
+            <a:pPr algn="ctr"/>
+            <a:r>
+              <a:rPr kumimoji="1" lang="ja-JP" altLang="en-US" sz="5400" dirty="0">
+                <a:solidFill>
+                  <a:schemeClr val="accent1">
+                    <a:lumMod val="75000"/>
+                  </a:schemeClr>
+                </a:solidFill>
+                <a:latin typeface="JasmineUPC" panose="020B0502040204020203" pitchFamily="18" charset="-34"/>
+                <a:ea typeface="HGS明朝B" panose="02020800000000000000" pitchFamily="18" charset="-128"/>
+                <a:cs typeface="JasmineUPC" panose="020B0502040204020203" pitchFamily="18" charset="-34"/>
+              </a:rPr>
+              <a:t>成長モンスター！</a:t>
             </a:r>
           </a:p>
         </p:txBody>
@@ -24030,7 +23874,7 @@
           <p:cNvPr id="17" name="タイトル 1">
             <a:extLst>
               <a:ext uri="{FF2B5EF4-FFF2-40B4-BE49-F238E27FC236}">
-                <a16:creationId xmlns:a16="http://schemas.microsoft.com/office/drawing/2014/main" id="{F7BA1754-BC86-4017-ACAB-C23906C237B4}"/>
+                <a16:creationId xmlns:a16="http://schemas.microsoft.com/office/drawing/2014/main" id="{0E215DC5-320C-475C-B116-74748C5555BB}"/>
               </a:ext>
             </a:extLst>
           </p:cNvPr>
@@ -24041,8 +23885,8 @@
         </p:nvSpPr>
         <p:spPr>
           <a:xfrm>
-            <a:off x="962025" y="6025307"/>
-            <a:ext cx="446454" cy="583800"/>
+            <a:off x="977900" y="6025307"/>
+            <a:ext cx="430579" cy="583800"/>
           </a:xfrm>
           <a:prstGeom prst="rect">
             <a:avLst/>
@@ -24078,7 +23922,7 @@
                   <a:srgbClr val="FFFFFF"/>
                 </a:solidFill>
               </a:rPr>
-              <a:t>K</a:t>
+              <a:t>J</a:t>
             </a:r>
             <a:endParaRPr lang="ja" sz="2000" b="0" dirty="0">
               <a:solidFill>
@@ -24091,7 +23935,7 @@
     </p:spTree>
     <p:extLst>
       <p:ext uri="{BB962C8B-B14F-4D97-AF65-F5344CB8AC3E}">
-        <p14:creationId xmlns:p14="http://schemas.microsoft.com/office/powerpoint/2010/main" val="1263311038"/>
+        <p14:creationId xmlns:p14="http://schemas.microsoft.com/office/powerpoint/2010/main" val="231276604"/>
       </p:ext>
     </p:extLst>
   </p:cSld>
@@ -24464,10 +24308,10 @@
       </p:grpSpPr>
       <p:sp>
         <p:nvSpPr>
-          <p:cNvPr id="15" name="正方形/長方形 14">
+          <p:cNvPr id="27" name="正方形/長方形 26">
             <a:extLst>
               <a:ext uri="{FF2B5EF4-FFF2-40B4-BE49-F238E27FC236}">
-                <a16:creationId xmlns:a16="http://schemas.microsoft.com/office/drawing/2014/main" id="{AF2861BF-3022-4976-99F4-D0D1F70589FA}"/>
+                <a16:creationId xmlns:a16="http://schemas.microsoft.com/office/drawing/2014/main" id="{491FFD79-7801-41A6-8327-42B8A51BB0A0}"/>
               </a:ext>
             </a:extLst>
           </p:cNvPr>
@@ -24476,8 +24320,8 @@
         </p:nvSpPr>
         <p:spPr>
           <a:xfrm>
-            <a:off x="358601" y="1349603"/>
-            <a:ext cx="11409623" cy="1501956"/>
+            <a:off x="358601" y="5253246"/>
+            <a:ext cx="8525619" cy="1380310"/>
           </a:xfrm>
           <a:prstGeom prst="rect">
             <a:avLst/>
@@ -24529,22 +24373,6 @@
               <a:defRPr/>
             </a:pPr>
             <a:r>
-              <a:rPr kumimoji="1" lang="en-US" altLang="ja-JP" sz="2000" b="0" i="0" u="none" strike="noStrike" kern="1200" cap="none" spc="0" normalizeH="0" baseline="0" noProof="0" dirty="0">
-                <a:ln>
-                  <a:noFill/>
-                </a:ln>
-                <a:solidFill>
-                  <a:srgbClr val="231B23"/>
-                </a:solidFill>
-                <a:effectLst/>
-                <a:uLnTx/>
-                <a:uFillTx/>
-                <a:ea typeface="HGP教科書体" panose="02020600000000000000" pitchFamily="18" charset="-128"/>
-                <a:cs typeface="+mn-cs"/>
-              </a:rPr>
-              <a:t>DBA</a:t>
-            </a:r>
-            <a:r>
               <a:rPr kumimoji="1" lang="ja-JP" altLang="en-US" sz="2000" b="0" i="0" u="none" strike="noStrike" kern="1200" cap="none" spc="0" normalizeH="0" baseline="0" noProof="0" dirty="0">
                 <a:ln>
                   <a:noFill/>
@@ -24555,11 +24383,124 @@
                 <a:effectLst/>
                 <a:uLnTx/>
                 <a:uFillTx/>
+                <a:latin typeface="HGP教科書体" panose="02020600000000000000" pitchFamily="18" charset="-128"/>
                 <a:ea typeface="HGP教科書体" panose="02020600000000000000" pitchFamily="18" charset="-128"/>
                 <a:cs typeface="+mn-cs"/>
               </a:rPr>
-              <a:t>、コミュニケーション担当として</a:t>
-            </a:r>
+              <a:t>メンバーより</a:t>
+            </a:r>
+          </a:p>
+        </p:txBody>
+      </p:sp>
+      <p:sp>
+        <p:nvSpPr>
+          <p:cNvPr id="15" name="正方形/長方形 14">
+            <a:extLst>
+              <a:ext uri="{FF2B5EF4-FFF2-40B4-BE49-F238E27FC236}">
+                <a16:creationId xmlns:a16="http://schemas.microsoft.com/office/drawing/2014/main" id="{AF2861BF-3022-4976-99F4-D0D1F70589FA}"/>
+              </a:ext>
+            </a:extLst>
+          </p:cNvPr>
+          <p:cNvSpPr/>
+          <p:nvPr/>
+        </p:nvSpPr>
+        <p:spPr>
+          <a:xfrm>
+            <a:off x="358601" y="1349603"/>
+            <a:ext cx="11415528" cy="997103"/>
+          </a:xfrm>
+          <a:prstGeom prst="rect">
+            <a:avLst/>
+          </a:prstGeom>
+          <a:solidFill>
+            <a:srgbClr val="FFFFFF"/>
+          </a:solidFill>
+          <a:ln w="28575">
+            <a:solidFill>
+              <a:schemeClr val="bg1">
+                <a:lumMod val="90000"/>
+              </a:schemeClr>
+            </a:solidFill>
+          </a:ln>
+        </p:spPr>
+        <p:style>
+          <a:lnRef idx="1">
+            <a:schemeClr val="accent4"/>
+          </a:lnRef>
+          <a:fillRef idx="3">
+            <a:schemeClr val="accent4"/>
+          </a:fillRef>
+          <a:effectRef idx="2">
+            <a:schemeClr val="accent4"/>
+          </a:effectRef>
+          <a:fontRef idx="minor">
+            <a:schemeClr val="lt1"/>
+          </a:fontRef>
+        </p:style>
+        <p:txBody>
+          <a:bodyPr rtlCol="0" anchor="t" anchorCtr="0"/>
+          <a:lstStyle/>
+          <a:p>
+            <a:pPr marL="0" marR="0" lvl="0" indent="0" algn="l" defTabSz="914400" rtl="0" eaLnBrk="1" fontAlgn="auto" latinLnBrk="0" hangingPunct="1">
+              <a:lnSpc>
+                <a:spcPct val="100000"/>
+              </a:lnSpc>
+              <a:spcBef>
+                <a:spcPts val="0"/>
+              </a:spcBef>
+              <a:spcAft>
+                <a:spcPts val="0"/>
+              </a:spcAft>
+              <a:buClrTx/>
+              <a:buSzTx/>
+              <a:buFontTx/>
+              <a:buNone/>
+              <a:tabLst/>
+              <a:defRPr/>
+            </a:pPr>
+            <a:r>
+              <a:rPr kumimoji="1" lang="ja-JP" altLang="en-US" sz="2000" dirty="0">
+                <a:solidFill>
+                  <a:srgbClr val="231B23"/>
+                </a:solidFill>
+                <a:latin typeface="HGP教科書体" panose="02020600000000000000" pitchFamily="18" charset="-128"/>
+                <a:ea typeface="HGP教科書体" panose="02020600000000000000" pitchFamily="18" charset="-128"/>
+              </a:rPr>
+              <a:t>チームリーダーとして</a:t>
+            </a:r>
+            <a:endParaRPr kumimoji="1" lang="ja-JP" altLang="en-US" sz="2000" b="0" i="0" u="none" strike="noStrike" kern="1200" cap="none" spc="0" normalizeH="0" baseline="0" noProof="0" dirty="0">
+              <a:ln>
+                <a:noFill/>
+              </a:ln>
+              <a:solidFill>
+                <a:srgbClr val="231B23"/>
+              </a:solidFill>
+              <a:effectLst/>
+              <a:uLnTx/>
+              <a:uFillTx/>
+              <a:latin typeface="HGP教科書体" panose="02020600000000000000" pitchFamily="18" charset="-128"/>
+              <a:ea typeface="HGP教科書体" panose="02020600000000000000" pitchFamily="18" charset="-128"/>
+              <a:cs typeface="+mn-cs"/>
+            </a:endParaRPr>
+          </a:p>
+          <a:p>
+            <a:pPr marL="0" marR="0" lvl="0" indent="0" algn="l" defTabSz="914400" rtl="0" eaLnBrk="1" fontAlgn="auto" latinLnBrk="0" hangingPunct="1">
+              <a:lnSpc>
+                <a:spcPct val="100000"/>
+              </a:lnSpc>
+              <a:spcBef>
+                <a:spcPts val="0"/>
+              </a:spcBef>
+              <a:spcAft>
+                <a:spcPts val="0"/>
+              </a:spcAft>
+              <a:buClrTx/>
+              <a:buSzTx/>
+              <a:buFontTx/>
+              <a:buNone/>
+              <a:tabLst/>
+              <a:defRPr/>
+            </a:pPr>
             <a:endParaRPr kumimoji="1" lang="en-US" altLang="ja-JP" sz="2000" b="0" i="0" u="none" strike="noStrike" kern="1200" cap="none" spc="0" normalizeH="0" baseline="0" noProof="0" dirty="0">
               <a:ln>
                 <a:noFill/>
@@ -24570,6 +24511,7 @@
               <a:effectLst/>
               <a:uLnTx/>
               <a:uFillTx/>
+              <a:latin typeface="HGP教科書体" panose="02020600000000000000" pitchFamily="18" charset="-128"/>
               <a:ea typeface="HGP教科書体" panose="02020600000000000000" pitchFamily="18" charset="-128"/>
               <a:cs typeface="+mn-cs"/>
             </a:endParaRPr>
@@ -24709,42 +24651,6 @@
           </a:p>
         </p:txBody>
       </p:sp>
-      <p:pic>
-        <p:nvPicPr>
-          <p:cNvPr id="22" name="グラフィックス 21" descr="ハート付きの笑顔 (塗りつぶしなし) 単色塗りつぶし">
-            <a:extLst>
-              <a:ext uri="{FF2B5EF4-FFF2-40B4-BE49-F238E27FC236}">
-                <a16:creationId xmlns:a16="http://schemas.microsoft.com/office/drawing/2014/main" id="{7DE3574C-15E9-4D20-A929-C7E2D6DE0836}"/>
-              </a:ext>
-            </a:extLst>
-          </p:cNvPr>
-          <p:cNvPicPr>
-            <a:picLocks noChangeAspect="1"/>
-          </p:cNvPicPr>
-          <p:nvPr/>
-        </p:nvPicPr>
-        <p:blipFill>
-          <a:blip r:embed="rId3">
-            <a:extLst>
-              <a:ext uri="{96DAC541-7B7A-43D3-8B79-37D633B846F1}">
-                <asvg:svgBlip xmlns:asvg="http://schemas.microsoft.com/office/drawing/2016/SVG/main" r:embed="rId4"/>
-              </a:ext>
-            </a:extLst>
-          </a:blip>
-          <a:stretch>
-            <a:fillRect/>
-          </a:stretch>
-        </p:blipFill>
-        <p:spPr>
-          <a:xfrm>
-            <a:off x="10955673" y="5575725"/>
-            <a:ext cx="735351" cy="735351"/>
-          </a:xfrm>
-          <a:prstGeom prst="rect">
-            <a:avLst/>
-          </a:prstGeom>
-        </p:spPr>
-      </p:pic>
       <p:sp>
         <p:nvSpPr>
           <p:cNvPr id="21" name="タイトル 1">
@@ -24774,15 +24680,15 @@
             <a:pPr rtl="0"/>
             <a:r>
               <a:rPr lang="ja-JP" altLang="en-US" sz="3200" b="0" dirty="0"/>
-              <a:t>杉森 佑樹 </a:t>
+              <a:t>小林 葵 </a:t>
             </a:r>
             <a:r>
               <a:rPr lang="en-US" altLang="ja-JP" b="0" dirty="0"/>
-              <a:t>/ DB</a:t>
+              <a:t>/ </a:t>
             </a:r>
             <a:r>
               <a:rPr lang="ja-JP" altLang="en-US" b="0" dirty="0"/>
-              <a:t>、コミュニケーション担当</a:t>
+              <a:t>チームリーダー</a:t>
             </a:r>
             <a:endParaRPr lang="ja" sz="3200" b="0" dirty="0"/>
           </a:p>
@@ -24803,10 +24709,10 @@
           <p:nvPr/>
         </p:nvPicPr>
         <p:blipFill>
-          <a:blip r:embed="rId5">
+          <a:blip r:embed="rId3">
             <a:extLst>
               <a:ext uri="{96DAC541-7B7A-43D3-8B79-37D633B846F1}">
-                <asvg:svgBlip xmlns:asvg="http://schemas.microsoft.com/office/drawing/2016/SVG/main" r:embed="rId6"/>
+                <asvg:svgBlip xmlns:asvg="http://schemas.microsoft.com/office/drawing/2016/SVG/main" r:embed="rId4"/>
               </a:ext>
             </a:extLst>
           </a:blip>
@@ -24886,7 +24792,7 @@
                 <a:ea typeface="+mn-ea"/>
                 <a:cs typeface="+mn-cs"/>
               </a:rPr>
-              <a:t>80</a:t>
+              <a:t>85</a:t>
             </a:r>
             <a:r>
               <a:rPr kumimoji="1" lang="en-US" altLang="ja-JP" sz="2000" b="0" i="0" u="none" strike="noStrike" kern="1200" cap="none" spc="0" normalizeH="0" baseline="0" noProof="0" dirty="0">
@@ -24941,12 +24847,48 @@
           </a:p>
         </p:txBody>
       </p:sp>
+      <p:pic>
+        <p:nvPicPr>
+          <p:cNvPr id="42" name="グラフィックス 41" descr="ユーザー 単色塗りつぶし">
+            <a:extLst>
+              <a:ext uri="{FF2B5EF4-FFF2-40B4-BE49-F238E27FC236}">
+                <a16:creationId xmlns:a16="http://schemas.microsoft.com/office/drawing/2014/main" id="{6CF699F4-CF46-4C02-B200-2B6D830D8BCA}"/>
+              </a:ext>
+            </a:extLst>
+          </p:cNvPr>
+          <p:cNvPicPr>
+            <a:picLocks noChangeAspect="1"/>
+          </p:cNvPicPr>
+          <p:nvPr/>
+        </p:nvPicPr>
+        <p:blipFill>
+          <a:blip r:embed="rId5">
+            <a:extLst>
+              <a:ext uri="{96DAC541-7B7A-43D3-8B79-37D633B846F1}">
+                <asvg:svgBlip xmlns:asvg="http://schemas.microsoft.com/office/drawing/2016/SVG/main" r:embed="rId6"/>
+              </a:ext>
+            </a:extLst>
+          </a:blip>
+          <a:stretch>
+            <a:fillRect/>
+          </a:stretch>
+        </p:blipFill>
+        <p:spPr>
+          <a:xfrm>
+            <a:off x="599052" y="5567159"/>
+            <a:ext cx="1055042" cy="1055042"/>
+          </a:xfrm>
+          <a:prstGeom prst="rect">
+            <a:avLst/>
+          </a:prstGeom>
+        </p:spPr>
+      </p:pic>
       <p:sp>
         <p:nvSpPr>
-          <p:cNvPr id="28" name="正方形/長方形 27">
+          <p:cNvPr id="44" name="吹き出し: 角を丸めた四角形 43">
             <a:extLst>
               <a:ext uri="{FF2B5EF4-FFF2-40B4-BE49-F238E27FC236}">
-                <a16:creationId xmlns:a16="http://schemas.microsoft.com/office/drawing/2014/main" id="{94059250-8A1E-4C2C-BE1C-D7A4FE618E39}"/>
+                <a16:creationId xmlns:a16="http://schemas.microsoft.com/office/drawing/2014/main" id="{DDF871A6-0182-4065-B082-728552ACEB4C}"/>
               </a:ext>
             </a:extLst>
           </p:cNvPr>
@@ -24955,94 +24897,8 @@
         </p:nvSpPr>
         <p:spPr>
           <a:xfrm>
-            <a:off x="358601" y="5253245"/>
-            <a:ext cx="8525619" cy="1380310"/>
-          </a:xfrm>
-          <a:prstGeom prst="rect">
-            <a:avLst/>
-          </a:prstGeom>
-          <a:solidFill>
-            <a:srgbClr val="FFFFFF"/>
-          </a:solidFill>
-          <a:ln w="28575">
-            <a:solidFill>
-              <a:schemeClr val="bg1">
-                <a:lumMod val="90000"/>
-              </a:schemeClr>
-            </a:solidFill>
-          </a:ln>
-        </p:spPr>
-        <p:style>
-          <a:lnRef idx="1">
-            <a:schemeClr val="accent4"/>
-          </a:lnRef>
-          <a:fillRef idx="3">
-            <a:schemeClr val="accent4"/>
-          </a:fillRef>
-          <a:effectRef idx="2">
-            <a:schemeClr val="accent4"/>
-          </a:effectRef>
-          <a:fontRef idx="minor">
-            <a:schemeClr val="lt1"/>
-          </a:fontRef>
-        </p:style>
-        <p:txBody>
-          <a:bodyPr rtlCol="0" anchor="t" anchorCtr="0"/>
-          <a:lstStyle/>
-          <a:p>
-            <a:pPr marL="0" marR="0" lvl="0" indent="0" algn="l" defTabSz="914400" rtl="0" eaLnBrk="1" fontAlgn="auto" latinLnBrk="0" hangingPunct="1">
-              <a:lnSpc>
-                <a:spcPct val="100000"/>
-              </a:lnSpc>
-              <a:spcBef>
-                <a:spcPts val="0"/>
-              </a:spcBef>
-              <a:spcAft>
-                <a:spcPts val="0"/>
-              </a:spcAft>
-              <a:buClrTx/>
-              <a:buSzTx/>
-              <a:buFontTx/>
-              <a:buNone/>
-              <a:tabLst/>
-              <a:defRPr/>
-            </a:pPr>
-            <a:r>
-              <a:rPr kumimoji="1" lang="ja-JP" altLang="en-US" sz="2000" b="0" i="0" u="none" strike="noStrike" kern="1200" cap="none" spc="0" normalizeH="0" baseline="0" noProof="0" dirty="0">
-                <a:ln>
-                  <a:noFill/>
-                </a:ln>
-                <a:solidFill>
-                  <a:srgbClr val="231B23"/>
-                </a:solidFill>
-                <a:effectLst/>
-                <a:uLnTx/>
-                <a:uFillTx/>
-                <a:latin typeface="HGP教科書体" panose="02020600000000000000" pitchFamily="18" charset="-128"/>
-                <a:ea typeface="HGP教科書体" panose="02020600000000000000" pitchFamily="18" charset="-128"/>
-                <a:cs typeface="+mn-cs"/>
-              </a:rPr>
-              <a:t>メンバーより</a:t>
-            </a:r>
-          </a:p>
-        </p:txBody>
-      </p:sp>
-      <p:sp>
-        <p:nvSpPr>
-          <p:cNvPr id="25" name="吹き出し: 角を丸めた四角形 24">
-            <a:extLst>
-              <a:ext uri="{FF2B5EF4-FFF2-40B4-BE49-F238E27FC236}">
-                <a16:creationId xmlns:a16="http://schemas.microsoft.com/office/drawing/2014/main" id="{0A122515-D1DD-43AE-BF40-F2D7319E592A}"/>
-              </a:ext>
-            </a:extLst>
-          </p:cNvPr>
-          <p:cNvSpPr/>
-          <p:nvPr/>
-        </p:nvSpPr>
-        <p:spPr>
-          <a:xfrm>
-            <a:off x="2430054" y="5243632"/>
-            <a:ext cx="5875083" cy="1389924"/>
+            <a:off x="2430054" y="5389134"/>
+            <a:ext cx="5875083" cy="1108534"/>
           </a:xfrm>
           <a:prstGeom prst="wedgeRoundRectCallout">
             <a:avLst>
@@ -25082,39 +24938,53 @@
           <a:bodyPr rtlCol="0" anchor="ctr"/>
           <a:lstStyle/>
           <a:p>
-            <a:pPr algn="ctr">
+            <a:pPr marL="0" marR="0" lvl="0" indent="0" algn="ctr" defTabSz="914400" rtl="0" eaLnBrk="1" fontAlgn="auto" latinLnBrk="0" hangingPunct="1">
               <a:lnSpc>
                 <a:spcPct val="150000"/>
               </a:lnSpc>
+              <a:spcBef>
+                <a:spcPts val="0"/>
+              </a:spcBef>
+              <a:spcAft>
+                <a:spcPts val="0"/>
+              </a:spcAft>
+              <a:buClrTx/>
+              <a:buSzTx/>
+              <a:buFontTx/>
+              <a:buNone/>
+              <a:tabLst/>
+              <a:defRPr/>
             </a:pPr>
             <a:r>
-              <a:rPr kumimoji="1" lang="ja-JP" altLang="en-US" dirty="0">
+              <a:rPr kumimoji="1" lang="ja-JP" altLang="en-US" sz="1800" b="0" i="0" u="none" strike="noStrike" kern="1200" cap="none" spc="0" normalizeH="0" baseline="0" noProof="0" dirty="0">
+                <a:ln>
+                  <a:noFill/>
+                </a:ln>
                 <a:solidFill>
                   <a:sysClr val="windowText" lastClr="000000"/>
                 </a:solidFill>
-              </a:rPr>
-              <a:t>個人的にチームで</a:t>
-            </a:r>
-            <a:r>
-              <a:rPr kumimoji="1" lang="en-US" altLang="ja-JP" dirty="0">
-                <a:solidFill>
-                  <a:sysClr val="windowText" lastClr="000000"/>
-                </a:solidFill>
-              </a:rPr>
-              <a:t>1</a:t>
-            </a:r>
-            <a:r>
-              <a:rPr kumimoji="1" lang="ja-JP" altLang="en-US" dirty="0">
-                <a:solidFill>
-                  <a:sysClr val="windowText" lastClr="000000"/>
-                </a:solidFill>
-              </a:rPr>
-              <a:t>番成長したんじゃないかと思ってます。恐ろしいです。技術面以外でも、何か意見を出したときや何か教えたときに全力でほめてくれるのがうれしすぎました。</a:t>
-            </a:r>
-            <a:endParaRPr kumimoji="1" lang="en-US" altLang="ja-JP" dirty="0">
+                <a:effectLst/>
+                <a:uLnTx/>
+                <a:uFillTx/>
+                <a:latin typeface="Meiryo UI"/>
+                <a:ea typeface="+mn-ea"/>
+                <a:cs typeface="+mn-cs"/>
+              </a:rPr>
+              <a:t>わわ</a:t>
+            </a:r>
+            <a:endParaRPr kumimoji="1" lang="en-US" altLang="ja-JP" sz="1800" b="0" i="0" u="none" strike="noStrike" kern="1200" cap="none" spc="0" normalizeH="0" baseline="0" noProof="0" dirty="0">
+              <a:ln>
+                <a:noFill/>
+              </a:ln>
               <a:solidFill>
                 <a:sysClr val="windowText" lastClr="000000"/>
               </a:solidFill>
+              <a:effectLst/>
+              <a:uLnTx/>
+              <a:uFillTx/>
+              <a:latin typeface="Meiryo UI"/>
+              <a:ea typeface="+mn-ea"/>
+              <a:cs typeface="+mn-cs"/>
             </a:endParaRPr>
           </a:p>
         </p:txBody>
@@ -25133,8 +25003,8 @@
         </p:nvSpPr>
         <p:spPr>
           <a:xfrm>
-            <a:off x="358601" y="2987446"/>
-            <a:ext cx="11409623" cy="2129911"/>
+            <a:off x="358601" y="2489372"/>
+            <a:ext cx="11415528" cy="2627986"/>
           </a:xfrm>
           <a:prstGeom prst="rect">
             <a:avLst/>
@@ -25186,19 +25056,12 @@
               <a:defRPr/>
             </a:pPr>
             <a:r>
-              <a:rPr kumimoji="1" lang="ja-JP" altLang="en-US" sz="2000" b="0" i="0" u="none" strike="noStrike" kern="1200" cap="none" spc="0" normalizeH="0" baseline="0" noProof="0" dirty="0">
-                <a:ln>
-                  <a:noFill/>
-                </a:ln>
+              <a:rPr kumimoji="1" lang="ja-JP" altLang="en-US" sz="2000" dirty="0">
                 <a:solidFill>
                   <a:srgbClr val="231B23"/>
                 </a:solidFill>
-                <a:effectLst/>
-                <a:uLnTx/>
-                <a:uFillTx/>
                 <a:latin typeface="HGP教科書体" panose="02020600000000000000" pitchFamily="18" charset="-128"/>
                 <a:ea typeface="HGP教科書体" panose="02020600000000000000" pitchFamily="18" charset="-128"/>
-                <a:cs typeface="+mn-cs"/>
               </a:rPr>
               <a:t>研修成果</a:t>
             </a:r>
@@ -25221,10 +25084,10 @@
       </p:sp>
       <p:sp>
         <p:nvSpPr>
-          <p:cNvPr id="48" name="テキスト ボックス 47">
+          <p:cNvPr id="19" name="テキスト ボックス 18">
             <a:extLst>
               <a:ext uri="{FF2B5EF4-FFF2-40B4-BE49-F238E27FC236}">
-                <a16:creationId xmlns:a16="http://schemas.microsoft.com/office/drawing/2014/main" id="{39AEC537-9EDF-4360-B24B-926D7DD5DFAF}"/>
+                <a16:creationId xmlns:a16="http://schemas.microsoft.com/office/drawing/2014/main" id="{6234C2C2-1210-4AC3-BEF2-42585446F70A}"/>
               </a:ext>
             </a:extLst>
           </p:cNvPr>
@@ -25233,8 +25096,8 @@
         </p:nvSpPr>
         <p:spPr>
           <a:xfrm>
-            <a:off x="719741" y="3438728"/>
-            <a:ext cx="5805596" cy="1122871"/>
+            <a:off x="726922" y="2865422"/>
+            <a:ext cx="10678885" cy="2059153"/>
           </a:xfrm>
           <a:prstGeom prst="rect">
             <a:avLst/>
@@ -25279,7 +25142,7 @@
                 <a:ea typeface="+mn-ea"/>
                 <a:cs typeface="+mn-cs"/>
               </a:rPr>
-              <a:t>・ お気に入り機能</a:t>
+              <a:t>・ 指示出しと決定事項は明確に！</a:t>
             </a:r>
             <a:endParaRPr kumimoji="1" lang="en-US" altLang="ja-JP" sz="2400" b="0" i="0" u="none" strike="noStrike" kern="1200" cap="none" spc="0" normalizeH="0" baseline="0" noProof="0" dirty="0">
               <a:ln>
@@ -25315,7 +25178,7 @@
               <a:defRPr/>
             </a:pPr>
             <a:r>
-              <a:rPr kumimoji="1" lang="ja-JP" altLang="en-US" sz="2400" b="0" i="0" u="none" strike="noStrike" kern="1200" cap="none" spc="0" normalizeH="0" baseline="0" noProof="0" dirty="0">
+              <a:rPr kumimoji="1" lang="en-US" altLang="ja-JP" sz="2000" b="0" i="0" u="none" strike="noStrike" kern="1200" cap="none" spc="0" normalizeH="0" baseline="0" noProof="0" dirty="0">
                 <a:ln>
                   <a:noFill/>
                 </a:ln>
@@ -25329,9 +25192,35 @@
                 <a:ea typeface="+mn-ea"/>
                 <a:cs typeface="+mn-cs"/>
               </a:rPr>
-              <a:t>・ グループの会話の盛り上げ</a:t>
-            </a:r>
-            <a:endParaRPr kumimoji="1" lang="en-US" altLang="ja-JP" sz="2400" b="0" i="0" u="none" strike="noStrike" kern="1200" cap="none" spc="0" normalizeH="0" baseline="0" noProof="0" dirty="0">
+              <a:t>	</a:t>
+            </a:r>
+            <a:r>
+              <a:rPr kumimoji="1" lang="ja-JP" altLang="en-US" sz="2000" dirty="0">
+                <a:solidFill>
+                  <a:srgbClr val="231B23"/>
+                </a:solidFill>
+                <a:latin typeface="Meiryo UI"/>
+              </a:rPr>
+              <a:t>→ </a:t>
+            </a:r>
+            <a:r>
+              <a:rPr kumimoji="1" lang="ja-JP" altLang="en-US" sz="2000" b="0" i="0" u="none" strike="noStrike" kern="1200" cap="none" spc="0" normalizeH="0" baseline="0" noProof="0" dirty="0">
+                <a:ln>
+                  <a:noFill/>
+                </a:ln>
+                <a:solidFill>
+                  <a:srgbClr val="231B23"/>
+                </a:solidFill>
+                <a:effectLst/>
+                <a:uLnTx/>
+                <a:uFillTx/>
+                <a:latin typeface="Meiryo UI"/>
+                <a:ea typeface="+mn-ea"/>
+                <a:cs typeface="+mn-cs"/>
+              </a:rPr>
+              <a:t>決定したことははっきり言葉にする　文字に残す</a:t>
+            </a:r>
+            <a:endParaRPr kumimoji="1" lang="en-US" altLang="ja-JP" sz="2000" b="0" i="0" u="none" strike="noStrike" kern="1200" cap="none" spc="0" normalizeH="0" baseline="0" noProof="0" dirty="0">
               <a:ln>
                 <a:noFill/>
               </a:ln>
@@ -25346,35 +25235,6 @@
               <a:cs typeface="+mn-cs"/>
             </a:endParaRPr>
           </a:p>
-        </p:txBody>
-      </p:sp>
-      <p:sp>
-        <p:nvSpPr>
-          <p:cNvPr id="19" name="テキスト ボックス 18">
-            <a:extLst>
-              <a:ext uri="{FF2B5EF4-FFF2-40B4-BE49-F238E27FC236}">
-                <a16:creationId xmlns:a16="http://schemas.microsoft.com/office/drawing/2014/main" id="{9E8CC1DF-4831-4CF4-939A-95C3F0F863CB}"/>
-              </a:ext>
-            </a:extLst>
-          </p:cNvPr>
-          <p:cNvSpPr txBox="1"/>
-          <p:nvPr/>
-        </p:nvSpPr>
-        <p:spPr>
-          <a:xfrm>
-            <a:off x="699093" y="1673412"/>
-            <a:ext cx="10728638" cy="1122871"/>
-          </a:xfrm>
-          <a:prstGeom prst="rect">
-            <a:avLst/>
-          </a:prstGeom>
-          <a:noFill/>
-        </p:spPr>
-        <p:txBody>
-          <a:bodyPr wrap="square" rtlCol="0">
-            <a:spAutoFit/>
-          </a:bodyPr>
-          <a:lstStyle/>
           <a:p>
             <a:pPr marL="0" marR="0" lvl="0" indent="0" algn="l" defTabSz="914400" rtl="0" eaLnBrk="1" fontAlgn="auto" latinLnBrk="0" hangingPunct="1">
               <a:lnSpc>
@@ -25408,41 +25268,7 @@
                 <a:ea typeface="+mn-ea"/>
                 <a:cs typeface="+mn-cs"/>
               </a:rPr>
-              <a:t>・ 苦手だった</a:t>
-            </a:r>
-            <a:r>
-              <a:rPr kumimoji="1" lang="en-US" altLang="ja-JP" sz="2400" b="0" i="0" u="none" strike="noStrike" kern="1200" cap="none" spc="0" normalizeH="0" baseline="0" noProof="0" dirty="0">
-                <a:ln>
-                  <a:noFill/>
-                </a:ln>
-                <a:solidFill>
-                  <a:srgbClr val="231B23"/>
-                </a:solidFill>
-                <a:effectLst/>
-                <a:uLnTx/>
-                <a:uFillTx/>
-                <a:latin typeface="Meiryo UI"/>
-                <a:ea typeface="+mn-ea"/>
-                <a:cs typeface="+mn-cs"/>
-              </a:rPr>
-              <a:t>DAO</a:t>
-            </a:r>
-            <a:r>
-              <a:rPr kumimoji="1" lang="ja-JP" altLang="en-US" sz="2400" b="0" i="0" u="none" strike="noStrike" kern="1200" cap="none" spc="0" normalizeH="0" baseline="0" noProof="0" dirty="0">
-                <a:ln>
-                  <a:noFill/>
-                </a:ln>
-                <a:solidFill>
-                  <a:srgbClr val="231B23"/>
-                </a:solidFill>
-                <a:effectLst/>
-                <a:uLnTx/>
-                <a:uFillTx/>
-                <a:latin typeface="Meiryo UI"/>
-                <a:ea typeface="+mn-ea"/>
-                <a:cs typeface="+mn-cs"/>
-              </a:rPr>
-              <a:t>を克服する！</a:t>
+              <a:t>・ 誰も無茶しないスケジュール管理</a:t>
             </a:r>
             <a:endParaRPr kumimoji="1" lang="en-US" altLang="ja-JP" sz="2400" b="0" i="0" u="none" strike="noStrike" kern="1200" cap="none" spc="0" normalizeH="0" baseline="0" noProof="0" dirty="0">
               <a:ln>
@@ -25478,7 +25304,7 @@
               <a:defRPr/>
             </a:pPr>
             <a:r>
-              <a:rPr kumimoji="1" lang="ja-JP" altLang="en-US" sz="2400" b="0" i="0" u="none" strike="noStrike" kern="1200" cap="none" spc="0" normalizeH="0" baseline="0" noProof="0" dirty="0">
+              <a:rPr kumimoji="1" lang="en-US" altLang="ja-JP" sz="2000" b="0" i="0" u="none" strike="noStrike" kern="1200" cap="none" spc="0" normalizeH="0" baseline="0" noProof="0" dirty="0">
                 <a:ln>
                   <a:noFill/>
                 </a:ln>
@@ -25492,17 +25318,127 @@
                 <a:ea typeface="+mn-ea"/>
                 <a:cs typeface="+mn-cs"/>
               </a:rPr>
-              <a:t>・ 積極的に話に参加する！</a:t>
-            </a:r>
+              <a:t>	</a:t>
+            </a:r>
+            <a:r>
+              <a:rPr kumimoji="1" lang="ja-JP" altLang="en-US" sz="2000" b="0" i="0" u="none" strike="noStrike" kern="1200" cap="none" spc="0" normalizeH="0" baseline="0" noProof="0" dirty="0">
+                <a:ln>
+                  <a:noFill/>
+                </a:ln>
+                <a:solidFill>
+                  <a:srgbClr val="231B23"/>
+                </a:solidFill>
+                <a:effectLst/>
+                <a:uLnTx/>
+                <a:uFillTx/>
+                <a:latin typeface="Meiryo UI"/>
+                <a:ea typeface="+mn-ea"/>
+                <a:cs typeface="+mn-cs"/>
+              </a:rPr>
+              <a:t>→ 間に合わないと思ったらすぐに手を打つ</a:t>
+            </a:r>
+            <a:endParaRPr kumimoji="1" lang="en-US" altLang="ja-JP" sz="2000" b="0" i="0" u="none" strike="noStrike" kern="1200" cap="none" spc="0" normalizeH="0" baseline="0" noProof="0" dirty="0">
+              <a:ln>
+                <a:noFill/>
+              </a:ln>
+              <a:solidFill>
+                <a:srgbClr val="231B23"/>
+              </a:solidFill>
+              <a:effectLst/>
+              <a:uLnTx/>
+              <a:uFillTx/>
+              <a:latin typeface="Meiryo UI"/>
+              <a:ea typeface="+mn-ea"/>
+              <a:cs typeface="+mn-cs"/>
+            </a:endParaRPr>
+          </a:p>
+        </p:txBody>
+      </p:sp>
+      <p:sp>
+        <p:nvSpPr>
+          <p:cNvPr id="25" name="テキスト ボックス 24">
+            <a:extLst>
+              <a:ext uri="{FF2B5EF4-FFF2-40B4-BE49-F238E27FC236}">
+                <a16:creationId xmlns:a16="http://schemas.microsoft.com/office/drawing/2014/main" id="{623DC4EA-F5E8-4F37-8B14-9994DF5C626A}"/>
+              </a:ext>
+            </a:extLst>
+          </p:cNvPr>
+          <p:cNvSpPr txBox="1"/>
+          <p:nvPr/>
+        </p:nvSpPr>
+        <p:spPr>
+          <a:xfrm>
+            <a:off x="1126573" y="1650119"/>
+            <a:ext cx="6269106" cy="648319"/>
+          </a:xfrm>
+          <a:prstGeom prst="rect">
+            <a:avLst/>
+          </a:prstGeom>
+          <a:noFill/>
+        </p:spPr>
+        <p:txBody>
+          <a:bodyPr wrap="square" rtlCol="0">
+            <a:spAutoFit/>
+          </a:bodyPr>
+          <a:lstStyle/>
+          <a:p>
+            <a:pPr marL="0" marR="0" lvl="0" indent="0" algn="l" defTabSz="914400" rtl="0" eaLnBrk="1" fontAlgn="auto" latinLnBrk="0" hangingPunct="1">
+              <a:lnSpc>
+                <a:spcPct val="150000"/>
+              </a:lnSpc>
+              <a:spcBef>
+                <a:spcPts val="0"/>
+              </a:spcBef>
+              <a:spcAft>
+                <a:spcPts val="0"/>
+              </a:spcAft>
+              <a:buClrTx/>
+              <a:buSzTx/>
+              <a:buFontTx/>
+              <a:buNone/>
+              <a:tabLst/>
+              <a:defRPr/>
+            </a:pPr>
+            <a:r>
+              <a:rPr kumimoji="1" lang="ja-JP" altLang="en-US" sz="2800" b="0" i="0" u="none" strike="noStrike" kern="1200" cap="none" spc="0" normalizeH="0" baseline="0" noProof="0" dirty="0">
+                <a:ln>
+                  <a:noFill/>
+                </a:ln>
+                <a:solidFill>
+                  <a:srgbClr val="231B23"/>
+                </a:solidFill>
+                <a:effectLst/>
+                <a:uLnTx/>
+                <a:uFillTx/>
+                <a:latin typeface="Meiryo UI"/>
+                <a:ea typeface="+mn-ea"/>
+                <a:cs typeface="+mn-cs"/>
+              </a:rPr>
+              <a:t>リーダーとしての責任を果たす</a:t>
+            </a:r>
+            <a:endParaRPr kumimoji="1" lang="en-US" altLang="ja-JP" sz="2800" b="0" i="0" u="none" strike="noStrike" kern="1200" cap="none" spc="0" normalizeH="0" baseline="0" noProof="0" dirty="0">
+              <a:ln>
+                <a:noFill/>
+              </a:ln>
+              <a:solidFill>
+                <a:srgbClr val="231B23"/>
+              </a:solidFill>
+              <a:effectLst/>
+              <a:uLnTx/>
+              <a:uFillTx/>
+              <a:latin typeface="Meiryo UI"/>
+              <a:ea typeface="+mn-ea"/>
+              <a:cs typeface="+mn-cs"/>
+            </a:endParaRPr>
           </a:p>
         </p:txBody>
       </p:sp>
       <p:pic>
         <p:nvPicPr>
-          <p:cNvPr id="29" name="グラフィックス 28" descr="ユーザー 単色塗りつぶし">
+          <p:cNvPr id="22" name="グラフィックス 21" descr="ハート付きの笑顔 (塗りつぶしなし) 単色塗りつぶし">
             <a:extLst>
               <a:ext uri="{FF2B5EF4-FFF2-40B4-BE49-F238E27FC236}">
-                <a16:creationId xmlns:a16="http://schemas.microsoft.com/office/drawing/2014/main" id="{11478469-8849-49CD-A421-188D1361F1B6}"/>
+                <a16:creationId xmlns:a16="http://schemas.microsoft.com/office/drawing/2014/main" id="{7DE3574C-15E9-4D20-A929-C7E2D6DE0836}"/>
               </a:ext>
             </a:extLst>
           </p:cNvPr>
@@ -25525,8 +25461,8 @@
         </p:blipFill>
         <p:spPr>
           <a:xfrm>
-            <a:off x="599052" y="5567159"/>
-            <a:ext cx="1055042" cy="1055042"/>
+            <a:off x="10894813" y="5575725"/>
+            <a:ext cx="735351" cy="735351"/>
           </a:xfrm>
           <a:prstGeom prst="rect">
             <a:avLst/>
@@ -25535,10 +25471,106 @@
       </p:pic>
       <p:sp>
         <p:nvSpPr>
+          <p:cNvPr id="18" name="吹き出し: 角を丸めた四角形 17">
+            <a:extLst>
+              <a:ext uri="{FF2B5EF4-FFF2-40B4-BE49-F238E27FC236}">
+                <a16:creationId xmlns:a16="http://schemas.microsoft.com/office/drawing/2014/main" id="{653C08E5-D098-4B15-851D-D40554FCB981}"/>
+              </a:ext>
+            </a:extLst>
+          </p:cNvPr>
+          <p:cNvSpPr/>
+          <p:nvPr/>
+        </p:nvSpPr>
+        <p:spPr>
+          <a:xfrm>
+            <a:off x="2430054" y="5389134"/>
+            <a:ext cx="5875083" cy="1108534"/>
+          </a:xfrm>
+          <a:prstGeom prst="wedgeRoundRectCallout">
+            <a:avLst>
+              <a:gd name="adj1" fmla="val -60539"/>
+              <a:gd name="adj2" fmla="val 22806"/>
+              <a:gd name="adj3" fmla="val 16667"/>
+            </a:avLst>
+          </a:prstGeom>
+          <a:solidFill>
+            <a:srgbClr val="FEFBF5"/>
+          </a:solidFill>
+          <a:ln w="28575">
+            <a:solidFill>
+              <a:schemeClr val="bg2">
+                <a:lumMod val="75000"/>
+              </a:schemeClr>
+            </a:solidFill>
+          </a:ln>
+        </p:spPr>
+        <p:style>
+          <a:lnRef idx="2">
+            <a:schemeClr val="accent1">
+              <a:shade val="50000"/>
+            </a:schemeClr>
+          </a:lnRef>
+          <a:fillRef idx="1">
+            <a:schemeClr val="accent1"/>
+          </a:fillRef>
+          <a:effectRef idx="0">
+            <a:schemeClr val="accent1"/>
+          </a:effectRef>
+          <a:fontRef idx="minor">
+            <a:schemeClr val="lt1"/>
+          </a:fontRef>
+        </p:style>
+        <p:txBody>
+          <a:bodyPr rtlCol="0" anchor="ctr"/>
+          <a:lstStyle/>
+          <a:p>
+            <a:pPr algn="ctr">
+              <a:lnSpc>
+                <a:spcPct val="150000"/>
+              </a:lnSpc>
+            </a:pPr>
+            <a:r>
+              <a:rPr kumimoji="1" lang="ja-JP" altLang="en-US" dirty="0">
+                <a:solidFill>
+                  <a:sysClr val="windowText" lastClr="000000"/>
+                </a:solidFill>
+              </a:rPr>
+              <a:t>話し合いの進行、意見のまとめ、進捗管理すべて完璧。</a:t>
+            </a:r>
+            <a:endParaRPr kumimoji="1" lang="en-US" altLang="ja-JP" dirty="0">
+              <a:solidFill>
+                <a:sysClr val="windowText" lastClr="000000"/>
+              </a:solidFill>
+            </a:endParaRPr>
+          </a:p>
+          <a:p>
+            <a:pPr algn="ctr">
+              <a:lnSpc>
+                <a:spcPct val="150000"/>
+              </a:lnSpc>
+            </a:pPr>
+            <a:r>
+              <a:rPr kumimoji="1" lang="ja-JP" altLang="en-US" dirty="0">
+                <a:solidFill>
+                  <a:sysClr val="windowText" lastClr="000000"/>
+                </a:solidFill>
+              </a:rPr>
+              <a:t>チームがスムーズだったのは間違いなく小林さんのおかげ。</a:t>
+            </a:r>
+            <a:endParaRPr kumimoji="1" lang="en-US" altLang="ja-JP" dirty="0">
+              <a:solidFill>
+                <a:sysClr val="windowText" lastClr="000000"/>
+              </a:solidFill>
+            </a:endParaRPr>
+          </a:p>
+        </p:txBody>
+      </p:sp>
+      <p:sp>
+        <p:nvSpPr>
           <p:cNvPr id="2" name="スライド番号プレースホルダー 1">
             <a:extLst>
               <a:ext uri="{FF2B5EF4-FFF2-40B4-BE49-F238E27FC236}">
-                <a16:creationId xmlns:a16="http://schemas.microsoft.com/office/drawing/2014/main" id="{EFD7DC4B-9DA5-499F-8A1D-CE8DA8F8F8E7}"/>
+                <a16:creationId xmlns:a16="http://schemas.microsoft.com/office/drawing/2014/main" id="{AAD1F9A9-4E0B-492B-BC89-568432445156}"/>
               </a:ext>
             </a:extLst>
           </p:cNvPr>
@@ -25568,7 +25600,7 @@
           <p:cNvPr id="16" name="テキスト ボックス 15">
             <a:extLst>
               <a:ext uri="{FF2B5EF4-FFF2-40B4-BE49-F238E27FC236}">
-                <a16:creationId xmlns:a16="http://schemas.microsoft.com/office/drawing/2014/main" id="{3750C574-D577-4D98-9C54-4A5AE6BF87BD}"/>
+                <a16:creationId xmlns:a16="http://schemas.microsoft.com/office/drawing/2014/main" id="{631ADE81-D1EA-43F2-9190-5437FC5AC143}"/>
               </a:ext>
             </a:extLst>
           </p:cNvPr>
@@ -25577,8 +25609,8 @@
         </p:nvSpPr>
         <p:spPr>
           <a:xfrm rot="835554">
-            <a:off x="6131802" y="1694221"/>
-            <a:ext cx="5779299" cy="1754326"/>
+            <a:off x="5570667" y="1362249"/>
+            <a:ext cx="6370132" cy="923330"/>
           </a:xfrm>
           <a:prstGeom prst="rect">
             <a:avLst/>
@@ -25606,37 +25638,10 @@
                     <a:lumMod val="75000"/>
                   </a:schemeClr>
                 </a:solidFill>
-                <a:latin typeface="JasmineUPC" panose="020B0502040204020203" pitchFamily="18" charset="-34"/>
+                <a:latin typeface="HGS明朝B" panose="02020800000000000000" pitchFamily="18" charset="-128"/>
                 <a:ea typeface="HGS明朝B" panose="02020800000000000000" pitchFamily="18" charset="-128"/>
-                <a:cs typeface="JasmineUPC" panose="020B0502040204020203" pitchFamily="18" charset="-34"/>
-              </a:rPr>
-              <a:t>恐怖！</a:t>
-            </a:r>
-            <a:endParaRPr kumimoji="1" lang="en-US" altLang="ja-JP" sz="5400" dirty="0">
-              <a:solidFill>
-                <a:schemeClr val="accent1">
-                  <a:lumMod val="75000"/>
-                </a:schemeClr>
-              </a:solidFill>
-              <a:latin typeface="JasmineUPC" panose="020B0502040204020203" pitchFamily="18" charset="-34"/>
-              <a:ea typeface="HGS明朝B" panose="02020800000000000000" pitchFamily="18" charset="-128"/>
-              <a:cs typeface="JasmineUPC" panose="020B0502040204020203" pitchFamily="18" charset="-34"/>
-            </a:endParaRPr>
-          </a:p>
-          <a:p>
-            <a:pPr algn="ctr"/>
-            <a:r>
-              <a:rPr kumimoji="1" lang="ja-JP" altLang="en-US" sz="5400" dirty="0">
-                <a:solidFill>
-                  <a:schemeClr val="accent1">
-                    <a:lumMod val="75000"/>
-                  </a:schemeClr>
-                </a:solidFill>
-                <a:latin typeface="JasmineUPC" panose="020B0502040204020203" pitchFamily="18" charset="-34"/>
-                <a:ea typeface="HGS明朝B" panose="02020800000000000000" pitchFamily="18" charset="-128"/>
-                <a:cs typeface="JasmineUPC" panose="020B0502040204020203" pitchFamily="18" charset="-34"/>
-              </a:rPr>
-              <a:t>成長モンスター！</a:t>
+              </a:rPr>
+              <a:t>一生ついていきます</a:t>
             </a:r>
           </a:p>
         </p:txBody>
@@ -25646,7 +25651,7 @@
           <p:cNvPr id="17" name="タイトル 1">
             <a:extLst>
               <a:ext uri="{FF2B5EF4-FFF2-40B4-BE49-F238E27FC236}">
-                <a16:creationId xmlns:a16="http://schemas.microsoft.com/office/drawing/2014/main" id="{0E215DC5-320C-475C-B116-74748C5555BB}"/>
+                <a16:creationId xmlns:a16="http://schemas.microsoft.com/office/drawing/2014/main" id="{381AB51C-2D6E-4524-B5DA-E3B46469DB7B}"/>
               </a:ext>
             </a:extLst>
           </p:cNvPr>
@@ -25657,8 +25662,8 @@
         </p:nvSpPr>
         <p:spPr>
           <a:xfrm>
-            <a:off x="977900" y="6025307"/>
-            <a:ext cx="430579" cy="583800"/>
+            <a:off x="962025" y="6025307"/>
+            <a:ext cx="446454" cy="583800"/>
           </a:xfrm>
           <a:prstGeom prst="rect">
             <a:avLst/>
@@ -25694,7 +25699,7 @@
                   <a:srgbClr val="FFFFFF"/>
                 </a:solidFill>
               </a:rPr>
-              <a:t>J</a:t>
+              <a:t>F</a:t>
             </a:r>
             <a:endParaRPr lang="ja" sz="2000" b="0" dirty="0">
               <a:solidFill>
@@ -25707,7 +25712,7 @@
     </p:spTree>
     <p:extLst>
       <p:ext uri="{BB962C8B-B14F-4D97-AF65-F5344CB8AC3E}">
-        <p14:creationId xmlns:p14="http://schemas.microsoft.com/office/powerpoint/2010/main" val="231276604"/>
+        <p14:creationId xmlns:p14="http://schemas.microsoft.com/office/powerpoint/2010/main" val="1191541083"/>
       </p:ext>
     </p:extLst>
   </p:cSld>
@@ -26164,9 +26169,9 @@
         <p:grpSpPr>
           <a:xfrm>
             <a:off x="1473581" y="2869659"/>
-            <a:ext cx="9244838" cy="1931723"/>
+            <a:ext cx="9244838" cy="1908395"/>
             <a:chOff x="1473581" y="2869659"/>
-            <a:chExt cx="9244838" cy="1931723"/>
+            <a:chExt cx="9244838" cy="1908395"/>
           </a:xfrm>
         </p:grpSpPr>
         <p:sp>
@@ -26290,8 +26295,8 @@
           </p:nvSpPr>
           <p:spPr>
             <a:xfrm>
-              <a:off x="2023424" y="4401272"/>
-              <a:ext cx="1938976" cy="400110"/>
+              <a:off x="1878280" y="4316389"/>
+              <a:ext cx="2432463" cy="461665"/>
             </a:xfrm>
             <a:prstGeom prst="rect">
               <a:avLst/>
@@ -26305,7 +26310,7 @@
             <a:lstStyle/>
             <a:p>
               <a:r>
-                <a:rPr kumimoji="1" lang="ja-JP" altLang="en-US" sz="2000" dirty="0">
+                <a:rPr kumimoji="1" lang="ja-JP" altLang="en-US" sz="2400" dirty="0">
                   <a:solidFill>
                     <a:schemeClr val="bg1">
                       <a:lumMod val="50000"/>
@@ -26315,7 +26320,7 @@
                 <a:t>（</a:t>
               </a:r>
               <a:r>
-                <a:rPr kumimoji="1" lang="en-US" altLang="ja-JP" sz="2000" dirty="0">
+                <a:rPr kumimoji="1" lang="en-US" altLang="ja-JP" sz="2400" dirty="0">
                   <a:solidFill>
                     <a:schemeClr val="bg1">
                       <a:lumMod val="50000"/>
@@ -26325,7 +26330,7 @@
                 <a:t>worldMap</a:t>
               </a:r>
               <a:r>
-                <a:rPr kumimoji="1" lang="ja-JP" altLang="en-US" sz="2000" dirty="0">
+                <a:rPr kumimoji="1" lang="ja-JP" altLang="en-US" sz="2400" dirty="0">
                   <a:solidFill>
                     <a:schemeClr val="bg1">
                       <a:lumMod val="50000"/>
@@ -26334,7 +26339,7 @@
                 </a:rPr>
                 <a:t>）</a:t>
               </a:r>
-              <a:endParaRPr kumimoji="1" lang="en-US" altLang="ja-JP" sz="2000" dirty="0">
+              <a:endParaRPr kumimoji="1" lang="en-US" altLang="ja-JP" sz="2400" dirty="0">
                 <a:solidFill>
                   <a:schemeClr val="bg1">
                     <a:lumMod val="50000"/>
@@ -26529,7 +26534,7 @@
             <a:pPr rtl="0"/>
             <a:r>
               <a:rPr lang="ja-JP" altLang="en-US" sz="3200" b="0" dirty="0"/>
-              <a:t>さいごに</a:t>
+              <a:t>本当に言われた怖い言葉</a:t>
             </a:r>
             <a:endParaRPr lang="ja" sz="3200" b="0" dirty="0"/>
           </a:p>
@@ -26585,8 +26590,8 @@
         </p:nvSpPr>
         <p:spPr>
           <a:xfrm>
-            <a:off x="1870323" y="3585382"/>
-            <a:ext cx="8451353" cy="523220"/>
+            <a:off x="478273" y="3616508"/>
+            <a:ext cx="11235453" cy="523220"/>
           </a:xfrm>
           <a:prstGeom prst="rect">
             <a:avLst/>
@@ -26594,7 +26599,7 @@
           <a:noFill/>
         </p:spPr>
         <p:txBody>
-          <a:bodyPr wrap="none" rtlCol="0">
+          <a:bodyPr wrap="square" rtlCol="0">
             <a:spAutoFit/>
           </a:bodyPr>
           <a:lstStyle/>
@@ -26604,7 +26609,7 @@
                 <a:latin typeface="HGS明朝B" panose="02020800000000000000" pitchFamily="18" charset="-128"/>
                 <a:ea typeface="HGS明朝B" panose="02020800000000000000" pitchFamily="18" charset="-128"/>
               </a:rPr>
-              <a:t>「画像切り替え？　</a:t>
+              <a:t>画像切り替え？　</a:t>
             </a:r>
             <a:r>
               <a:rPr kumimoji="1" lang="en-US" altLang="ja-JP" sz="2800" dirty="0">
@@ -26618,7 +26623,7 @@
                 <a:latin typeface="HGS明朝B" panose="02020800000000000000" pitchFamily="18" charset="-128"/>
                 <a:ea typeface="HGS明朝B" panose="02020800000000000000" pitchFamily="18" charset="-128"/>
               </a:rPr>
-              <a:t>使わないなら楽勝じゃん」</a:t>
+              <a:t>使わないなら楽勝じゃん　すぐ終わっちゃうよ</a:t>
             </a:r>
           </a:p>
         </p:txBody>
@@ -33920,36 +33925,6 @@
           </a:prstGeom>
         </p:spPr>
       </p:pic>
-      <p:sp>
-        <p:nvSpPr>
-          <p:cNvPr id="4" name="スライド番号プレースホルダー 3">
-            <a:extLst>
-              <a:ext uri="{FF2B5EF4-FFF2-40B4-BE49-F238E27FC236}">
-                <a16:creationId xmlns:a16="http://schemas.microsoft.com/office/drawing/2014/main" id="{9AFB6426-8DC2-4421-B554-A1665BC3F8DA}"/>
-              </a:ext>
-            </a:extLst>
-          </p:cNvPr>
-          <p:cNvSpPr>
-            <a:spLocks noGrp="1"/>
-          </p:cNvSpPr>
-          <p:nvPr>
-            <p:ph type="sldNum" sz="quarter" idx="12"/>
-          </p:nvPr>
-        </p:nvSpPr>
-        <p:spPr/>
-        <p:txBody>
-          <a:bodyPr/>
-          <a:lstStyle/>
-          <a:p>
-            <a:fld id="{6F705D35-D126-3B47-A82C-2A13EA9E0A67}" type="slidenum">
-              <a:rPr lang="en-US" smtClean="0"/>
-              <a:pPr/>
-              <a:t>5</a:t>
-            </a:fld>
-            <a:endParaRPr lang="en-US" dirty="0"/>
-          </a:p>
-        </p:txBody>
-      </p:sp>
     </p:spTree>
     <p:extLst>
       <p:ext uri="{BB962C8B-B14F-4D97-AF65-F5344CB8AC3E}">

--- a/documents/worldMap発表資料改良.pptx
+++ b/documents/worldMap発表資料改良.pptx
@@ -5,10 +5,10 @@
     <p:sldMasterId id="2147483723" r:id="rId1"/>
   </p:sldMasterIdLst>
   <p:notesMasterIdLst>
-    <p:notesMasterId r:id="rId35"/>
+    <p:notesMasterId r:id="rId34"/>
   </p:notesMasterIdLst>
   <p:handoutMasterIdLst>
-    <p:handoutMasterId r:id="rId36"/>
+    <p:handoutMasterId r:id="rId35"/>
   </p:handoutMasterIdLst>
   <p:sldIdLst>
     <p:sldId id="296" r:id="rId2"/>
@@ -42,8 +42,7 @@
     <p:sldId id="309" r:id="rId30"/>
     <p:sldId id="315" r:id="rId31"/>
     <p:sldId id="335" r:id="rId32"/>
-    <p:sldId id="345" r:id="rId33"/>
-    <p:sldId id="354" r:id="rId34"/>
+    <p:sldId id="354" r:id="rId33"/>
   </p:sldIdLst>
   <p:sldSz cx="12192000" cy="6858000"/>
   <p:notesSz cx="6858000" cy="9144000"/>
@@ -3454,7 +3453,7 @@
             <a:fld id="{DB303FA8-A3F3-7640-B13D-36C73B3E5587}" type="slidenum">
               <a:rPr lang="en-US" smtClean="0"/>
               <a:pPr/>
-              <a:t>33</a:t>
+              <a:t>32</a:t>
             </a:fld>
             <a:endParaRPr lang="en-US" dirty="0"/>
           </a:p>
@@ -30134,363 +30133,6 @@
       </p:grpSpPr>
       <p:sp>
         <p:nvSpPr>
-          <p:cNvPr id="3" name="タイトル 2">
-            <a:extLst>
-              <a:ext uri="{FF2B5EF4-FFF2-40B4-BE49-F238E27FC236}">
-                <a16:creationId xmlns:a16="http://schemas.microsoft.com/office/drawing/2014/main" id="{F31681CE-1577-499A-A6FF-63FB6C4A5151}"/>
-              </a:ext>
-            </a:extLst>
-          </p:cNvPr>
-          <p:cNvSpPr>
-            <a:spLocks noGrp="1"/>
-          </p:cNvSpPr>
-          <p:nvPr>
-            <p:ph type="title"/>
-          </p:nvPr>
-        </p:nvSpPr>
-        <p:spPr/>
-        <p:txBody>
-          <a:bodyPr/>
-          <a:lstStyle/>
-          <a:p>
-            <a:endParaRPr kumimoji="1" lang="ja-JP" altLang="en-US"/>
-          </a:p>
-        </p:txBody>
-      </p:sp>
-      <p:sp>
-        <p:nvSpPr>
-          <p:cNvPr id="4" name="コンテンツ プレースホルダー 3">
-            <a:extLst>
-              <a:ext uri="{FF2B5EF4-FFF2-40B4-BE49-F238E27FC236}">
-                <a16:creationId xmlns:a16="http://schemas.microsoft.com/office/drawing/2014/main" id="{D82C6B04-394C-4AFD-9579-A639D735AB46}"/>
-              </a:ext>
-            </a:extLst>
-          </p:cNvPr>
-          <p:cNvSpPr>
-            <a:spLocks noGrp="1"/>
-          </p:cNvSpPr>
-          <p:nvPr>
-            <p:ph sz="quarter" idx="13"/>
-          </p:nvPr>
-        </p:nvSpPr>
-        <p:spPr/>
-        <p:txBody>
-          <a:bodyPr/>
-          <a:lstStyle/>
-          <a:p>
-            <a:pPr marL="0" indent="0">
-              <a:lnSpc>
-                <a:spcPct val="100000"/>
-              </a:lnSpc>
-              <a:buNone/>
-            </a:pPr>
-            <a:r>
-              <a:rPr lang="en-US" altLang="ja-JP" b="0" i="0" dirty="0">
-                <a:solidFill>
-                  <a:srgbClr val="1D1C1D"/>
-                </a:solidFill>
-                <a:effectLst/>
-                <a:latin typeface="NotoSansJP"/>
-              </a:rPr>
-              <a:t>a4</a:t>
-            </a:r>
-            <a:br>
-              <a:rPr lang="ja-JP" altLang="en-US" dirty="0"/>
-            </a:br>
-            <a:r>
-              <a:rPr lang="ja-JP" altLang="en-US" b="0" i="0" dirty="0">
-                <a:solidFill>
-                  <a:srgbClr val="1D1C1D"/>
-                </a:solidFill>
-                <a:effectLst/>
-                <a:latin typeface="NotoSansJP"/>
-              </a:rPr>
-              <a:t>システムについて</a:t>
-            </a:r>
-            <a:br>
-              <a:rPr lang="ja-JP" altLang="en-US" dirty="0"/>
-            </a:br>
-            <a:r>
-              <a:rPr lang="ja-JP" altLang="en-US" b="0" i="0" dirty="0">
-                <a:solidFill>
-                  <a:srgbClr val="1D1C1D"/>
-                </a:solidFill>
-                <a:effectLst/>
-                <a:latin typeface="NotoSansJP"/>
-              </a:rPr>
-              <a:t>コンセプト保留デモンストレーション</a:t>
-            </a:r>
-            <a:br>
-              <a:rPr lang="ja-JP" altLang="en-US" dirty="0"/>
-            </a:br>
-            <a:r>
-              <a:rPr lang="ja-JP" altLang="en-US" b="0" i="0" dirty="0">
-                <a:solidFill>
-                  <a:srgbClr val="1D1C1D"/>
-                </a:solidFill>
-                <a:effectLst/>
-                <a:latin typeface="NotoSansJP"/>
-              </a:rPr>
-              <a:t>もちろん、ユーザーの登録や、パスワード忘れの機能も常備してます。</a:t>
-            </a:r>
-            <a:br>
-              <a:rPr lang="ja-JP" altLang="en-US" dirty="0"/>
-            </a:br>
-            <a:r>
-              <a:rPr lang="ja-JP" altLang="en-US" b="0" i="0" dirty="0">
-                <a:solidFill>
-                  <a:srgbClr val="1D1C1D"/>
-                </a:solidFill>
-                <a:effectLst/>
-                <a:latin typeface="NotoSansJP"/>
-              </a:rPr>
-              <a:t>画像の反映に時間がかかるのであれば、そこは話で少しつなごう</a:t>
-            </a:r>
-            <a:br>
-              <a:rPr lang="ja-JP" altLang="en-US" dirty="0"/>
-            </a:br>
-            <a:r>
-              <a:rPr lang="ja-JP" altLang="en-US" b="0" i="0" dirty="0">
-                <a:solidFill>
-                  <a:srgbClr val="1D1C1D"/>
-                </a:solidFill>
-                <a:effectLst/>
-                <a:latin typeface="NotoSansJP"/>
-              </a:rPr>
-              <a:t>高いものがいいものとは限らないので、視野を広げてみてもらうため</a:t>
-            </a:r>
-            <a:br>
-              <a:rPr lang="ja-JP" altLang="en-US" dirty="0"/>
-            </a:br>
-            <a:r>
-              <a:rPr lang="ja-JP" altLang="en-US" b="0" i="0" dirty="0">
-                <a:solidFill>
-                  <a:srgbClr val="1D1C1D"/>
-                </a:solidFill>
-                <a:effectLst/>
-                <a:latin typeface="NotoSansJP"/>
-              </a:rPr>
-              <a:t>難しい機能なのに、難しさがあまり伝わらない</a:t>
-            </a:r>
-            <a:br>
-              <a:rPr lang="ja-JP" altLang="en-US" dirty="0"/>
-            </a:br>
-            <a:r>
-              <a:rPr lang="en-US" altLang="ja-JP" b="0" i="0" dirty="0">
-                <a:solidFill>
-                  <a:srgbClr val="1D1C1D"/>
-                </a:solidFill>
-                <a:effectLst/>
-                <a:latin typeface="NotoSansJP"/>
-              </a:rPr>
-              <a:t>ajax</a:t>
-            </a:r>
-            <a:r>
-              <a:rPr lang="ja-JP" altLang="en-US" b="0" i="0" dirty="0">
-                <a:solidFill>
-                  <a:srgbClr val="1D1C1D"/>
-                </a:solidFill>
-                <a:effectLst/>
-                <a:latin typeface="NotoSansJP"/>
-              </a:rPr>
-              <a:t>筆頭に習っていない知識があるという部分を強調システムについて</a:t>
-            </a:r>
-            <a:br>
-              <a:rPr lang="ja-JP" altLang="en-US" dirty="0"/>
-            </a:br>
-            <a:r>
-              <a:rPr lang="ja-JP" altLang="en-US" b="0" i="0" dirty="0">
-                <a:solidFill>
-                  <a:srgbClr val="1D1C1D"/>
-                </a:solidFill>
-                <a:effectLst/>
-                <a:latin typeface="NotoSansJP"/>
-              </a:rPr>
-              <a:t>一般の人は、ノートを共有する意味を知らない。</a:t>
-            </a:r>
-            <a:br>
-              <a:rPr lang="ja-JP" altLang="en-US" dirty="0"/>
-            </a:br>
-            <a:r>
-              <a:rPr lang="ja-JP" altLang="en-US" b="0" i="0" dirty="0">
-                <a:solidFill>
-                  <a:srgbClr val="1D1C1D"/>
-                </a:solidFill>
-                <a:effectLst/>
-                <a:latin typeface="NotoSansJP"/>
-              </a:rPr>
-              <a:t>そういう学びがあったのか</a:t>
-            </a:r>
-            <a:br>
-              <a:rPr lang="ja-JP" altLang="en-US" dirty="0"/>
-            </a:br>
-            <a:r>
-              <a:rPr lang="ja-JP" altLang="en-US" b="0" i="0" dirty="0">
-                <a:solidFill>
-                  <a:srgbClr val="1D1C1D"/>
-                </a:solidFill>
-                <a:effectLst/>
-                <a:latin typeface="NotoSansJP"/>
-              </a:rPr>
-              <a:t>ノートは自分が見れればいいの精神が強い</a:t>
-            </a:r>
-            <a:br>
-              <a:rPr lang="ja-JP" altLang="en-US" dirty="0"/>
-            </a:br>
-            <a:r>
-              <a:rPr lang="ja-JP" altLang="en-US" b="0" i="0" dirty="0">
-                <a:solidFill>
-                  <a:srgbClr val="1D1C1D"/>
-                </a:solidFill>
-                <a:effectLst/>
-                <a:latin typeface="NotoSansJP"/>
-              </a:rPr>
-              <a:t>（頭のいい人ほどそう考える）チームの振り返り</a:t>
-            </a:r>
-            <a:br>
-              <a:rPr lang="ja-JP" altLang="en-US" dirty="0"/>
-            </a:br>
-            <a:r>
-              <a:rPr lang="ja-JP" altLang="en-US" b="0" i="0" dirty="0">
-                <a:solidFill>
-                  <a:srgbClr val="1D1C1D"/>
-                </a:solidFill>
-                <a:effectLst/>
-                <a:latin typeface="NotoSansJP"/>
-              </a:rPr>
-              <a:t>何故スムーズな意見交換ができたのか</a:t>
-            </a:r>
-            <a:br>
-              <a:rPr lang="ja-JP" altLang="en-US" dirty="0"/>
-            </a:br>
-            <a:r>
-              <a:rPr lang="ja-JP" altLang="en-US" b="0" i="0" dirty="0">
-                <a:solidFill>
-                  <a:srgbClr val="1D1C1D"/>
-                </a:solidFill>
-                <a:effectLst/>
-                <a:latin typeface="NotoSansJP"/>
-              </a:rPr>
-              <a:t>誰が何に気をつけていたのか的確な分業はどのようにして生まれたのか？</a:t>
-            </a:r>
-            <a:br>
-              <a:rPr lang="ja-JP" altLang="en-US" dirty="0"/>
-            </a:br>
-            <a:r>
-              <a:rPr lang="ja-JP" altLang="en-US" b="0" i="0" dirty="0">
-                <a:solidFill>
-                  <a:srgbClr val="1D1C1D"/>
-                </a:solidFill>
-                <a:effectLst/>
-                <a:latin typeface="NotoSansJP"/>
-              </a:rPr>
-              <a:t>失敗から学びがあり、そうしたのか個人</a:t>
-            </a:r>
-            <a:br>
-              <a:rPr lang="ja-JP" altLang="en-US" dirty="0"/>
-            </a:br>
-            <a:r>
-              <a:rPr lang="ja-JP" altLang="en-US" b="0" i="0" dirty="0">
-                <a:solidFill>
-                  <a:srgbClr val="1D1C1D"/>
-                </a:solidFill>
-                <a:effectLst/>
-                <a:latin typeface="NotoSansJP"/>
-              </a:rPr>
-              <a:t>蔭山さん</a:t>
-            </a:r>
-            <a:br>
-              <a:rPr lang="ja-JP" altLang="en-US" dirty="0"/>
-            </a:br>
-            <a:r>
-              <a:rPr lang="ja-JP" altLang="en-US" b="0" i="0" dirty="0">
-                <a:solidFill>
-                  <a:srgbClr val="1D1C1D"/>
-                </a:solidFill>
-                <a:effectLst/>
-                <a:latin typeface="NotoSansJP"/>
-              </a:rPr>
-              <a:t>プログラミングにチャレンジできなかったことで何を学び、</a:t>
-            </a:r>
-            <a:br>
-              <a:rPr lang="ja-JP" altLang="en-US" dirty="0"/>
-            </a:br>
-            <a:r>
-              <a:rPr lang="ja-JP" altLang="en-US" b="0" i="0" dirty="0">
-                <a:solidFill>
-                  <a:srgbClr val="1D1C1D"/>
-                </a:solidFill>
-                <a:effectLst/>
-                <a:latin typeface="NotoSansJP"/>
-              </a:rPr>
-              <a:t>何を今後しなくてはならないか。最終的にプラス思考にもっていく。</a:t>
-            </a:r>
-            <a:endParaRPr lang="en-US" altLang="ja-JP" dirty="0"/>
-          </a:p>
-        </p:txBody>
-      </p:sp>
-      <p:sp>
-        <p:nvSpPr>
-          <p:cNvPr id="5" name="スライド番号プレースホルダー 4">
-            <a:extLst>
-              <a:ext uri="{FF2B5EF4-FFF2-40B4-BE49-F238E27FC236}">
-                <a16:creationId xmlns:a16="http://schemas.microsoft.com/office/drawing/2014/main" id="{BC99C95B-0ED8-489C-8223-DECD6238CE05}"/>
-              </a:ext>
-            </a:extLst>
-          </p:cNvPr>
-          <p:cNvSpPr>
-            <a:spLocks noGrp="1"/>
-          </p:cNvSpPr>
-          <p:nvPr>
-            <p:ph type="sldNum" sz="quarter" idx="12"/>
-          </p:nvPr>
-        </p:nvSpPr>
-        <p:spPr/>
-        <p:txBody>
-          <a:bodyPr/>
-          <a:lstStyle/>
-          <a:p>
-            <a:fld id="{6F705D35-D126-3B47-A82C-2A13EA9E0A67}" type="slidenum">
-              <a:rPr lang="en-US" smtClean="0"/>
-              <a:pPr/>
-              <a:t>32</a:t>
-            </a:fld>
-            <a:endParaRPr lang="en-US" dirty="0"/>
-          </a:p>
-        </p:txBody>
-      </p:sp>
-    </p:spTree>
-    <p:extLst>
-      <p:ext uri="{BB962C8B-B14F-4D97-AF65-F5344CB8AC3E}">
-        <p14:creationId xmlns:p14="http://schemas.microsoft.com/office/powerpoint/2010/main" val="1739246407"/>
-      </p:ext>
-    </p:extLst>
-  </p:cSld>
-  <p:clrMapOvr>
-    <a:masterClrMapping/>
-  </p:clrMapOvr>
-</p:sld>
-</file>
-
-<file path=ppt/slides/slide33.xml><?xml version="1.0" encoding="utf-8"?>
-<p:sld xmlns:a="http://schemas.openxmlformats.org/drawingml/2006/main" xmlns:r="http://schemas.openxmlformats.org/officeDocument/2006/relationships" xmlns:p="http://schemas.openxmlformats.org/presentationml/2006/main" show="0">
-  <p:cSld>
-    <p:spTree>
-      <p:nvGrpSpPr>
-        <p:cNvPr id="1" name=""/>
-        <p:cNvGrpSpPr/>
-        <p:nvPr/>
-      </p:nvGrpSpPr>
-      <p:grpSpPr>
-        <a:xfrm>
-          <a:off x="0" y="0"/>
-          <a:ext cx="0" cy="0"/>
-          <a:chOff x="0" y="0"/>
-          <a:chExt cx="0" cy="0"/>
-        </a:xfrm>
-      </p:grpSpPr>
-      <p:sp>
-        <p:nvSpPr>
           <p:cNvPr id="23" name="正方形/長方形 22">
             <a:extLst>
               <a:ext uri="{FF2B5EF4-FFF2-40B4-BE49-F238E27FC236}">
@@ -31285,7 +30927,7 @@
             <a:fld id="{6F705D35-D126-3B47-A82C-2A13EA9E0A67}" type="slidenum">
               <a:rPr lang="en-US" smtClean="0"/>
               <a:pPr/>
-              <a:t>33</a:t>
+              <a:t>32</a:t>
             </a:fld>
             <a:endParaRPr lang="en-US" dirty="0"/>
           </a:p>

--- a/documents/worldMap発表資料改良.pptx
+++ b/documents/worldMap発表資料改良.pptx
@@ -7668,7 +7668,7 @@
         </p:blipFill>
         <p:spPr>
           <a:xfrm>
-            <a:off x="5923125" y="11"/>
+            <a:off x="5928000" y="5343"/>
             <a:ext cx="6264000" cy="6852657"/>
           </a:xfrm>
           <a:custGeom>
@@ -10661,7 +10661,7 @@
         <p:spPr>
           <a:xfrm>
             <a:off x="599051" y="1833487"/>
-            <a:ext cx="10944799" cy="4541072"/>
+            <a:ext cx="10969346" cy="4541072"/>
           </a:xfrm>
           <a:prstGeom prst="rect">
             <a:avLst/>
@@ -10766,11 +10766,6 @@
               </a:rPr>
               <a:t>気軽なインプットとアウトプットを実現！</a:t>
             </a:r>
-            <a:endParaRPr kumimoji="1" lang="en-US" altLang="ja-JP" sz="2400" dirty="0">
-              <a:solidFill>
-                <a:schemeClr val="tx1"/>
-              </a:solidFill>
-            </a:endParaRPr>
           </a:p>
           <a:p>
             <a:pPr algn="ctr">
@@ -10786,11 +10781,6 @@
               </a:rPr>
               <a:t>誰かに「見せる」ノート作りによって、より質の高い学びへ！</a:t>
             </a:r>
-            <a:endParaRPr kumimoji="1" lang="en-US" altLang="ja-JP" sz="2400" dirty="0">
-              <a:solidFill>
-                <a:schemeClr val="tx1"/>
-              </a:solidFill>
-            </a:endParaRPr>
           </a:p>
           <a:p>
             <a:pPr algn="ctr">
@@ -10936,9 +10926,6 @@
                     <p:cTn id="3" fill="hold">
                       <p:stCondLst>
                         <p:cond delay="indefinite"/>
-                        <p:cond evt="onBegin" delay="0">
-                          <p:tn val="2"/>
-                        </p:cond>
                       </p:stCondLst>
                       <p:childTnLst>
                         <p:par>
@@ -10948,7 +10935,7 @@
                             </p:stCondLst>
                             <p:childTnLst>
                               <p:par>
-                                <p:cTn id="5" presetID="31" presetClass="entr" presetSubtype="0" fill="hold" nodeType="withEffect">
+                                <p:cTn id="5" presetID="16" presetClass="entr" presetSubtype="21" fill="hold" nodeType="clickEffect">
                                   <p:stCondLst>
                                     <p:cond delay="0"/>
                                   </p:stCondLst>
@@ -10975,466 +10962,13 @@
                                         <p:strVal val="visible"/>
                                       </p:to>
                                     </p:set>
-                                    <p:anim calcmode="lin" valueType="num">
+                                    <p:animEffect transition="in" filter="barn(inVertical)">
                                       <p:cBhvr>
-                                        <p:cTn id="7" dur="750" fill="hold"/>
+                                        <p:cTn id="7" dur="500"/>
                                         <p:tgtEl>
                                           <p:spTgt spid="18">
                                             <p:txEl>
                                               <p:pRg st="1" end="1"/>
-                                            </p:txEl>
-                                          </p:spTgt>
-                                        </p:tgtEl>
-                                        <p:attrNameLst>
-                                          <p:attrName>ppt_w</p:attrName>
-                                        </p:attrNameLst>
-                                      </p:cBhvr>
-                                      <p:tavLst>
-                                        <p:tav tm="0">
-                                          <p:val>
-                                            <p:fltVal val="0"/>
-                                          </p:val>
-                                        </p:tav>
-                                        <p:tav tm="100000">
-                                          <p:val>
-                                            <p:strVal val="#ppt_w"/>
-                                          </p:val>
-                                        </p:tav>
-                                      </p:tavLst>
-                                    </p:anim>
-                                    <p:anim calcmode="lin" valueType="num">
-                                      <p:cBhvr>
-                                        <p:cTn id="8" dur="750" fill="hold"/>
-                                        <p:tgtEl>
-                                          <p:spTgt spid="18">
-                                            <p:txEl>
-                                              <p:pRg st="1" end="1"/>
-                                            </p:txEl>
-                                          </p:spTgt>
-                                        </p:tgtEl>
-                                        <p:attrNameLst>
-                                          <p:attrName>ppt_h</p:attrName>
-                                        </p:attrNameLst>
-                                      </p:cBhvr>
-                                      <p:tavLst>
-                                        <p:tav tm="0">
-                                          <p:val>
-                                            <p:fltVal val="0"/>
-                                          </p:val>
-                                        </p:tav>
-                                        <p:tav tm="100000">
-                                          <p:val>
-                                            <p:strVal val="#ppt_h"/>
-                                          </p:val>
-                                        </p:tav>
-                                      </p:tavLst>
-                                    </p:anim>
-                                    <p:anim calcmode="lin" valueType="num">
-                                      <p:cBhvr>
-                                        <p:cTn id="9" dur="750" fill="hold"/>
-                                        <p:tgtEl>
-                                          <p:spTgt spid="18">
-                                            <p:txEl>
-                                              <p:pRg st="1" end="1"/>
-                                            </p:txEl>
-                                          </p:spTgt>
-                                        </p:tgtEl>
-                                        <p:attrNameLst>
-                                          <p:attrName>style.rotation</p:attrName>
-                                        </p:attrNameLst>
-                                      </p:cBhvr>
-                                      <p:tavLst>
-                                        <p:tav tm="0">
-                                          <p:val>
-                                            <p:fltVal val="90"/>
-                                          </p:val>
-                                        </p:tav>
-                                        <p:tav tm="100000">
-                                          <p:val>
-                                            <p:fltVal val="0"/>
-                                          </p:val>
-                                        </p:tav>
-                                      </p:tavLst>
-                                    </p:anim>
-                                    <p:animEffect transition="in" filter="fade">
-                                      <p:cBhvr>
-                                        <p:cTn id="10" dur="750"/>
-                                        <p:tgtEl>
-                                          <p:spTgt spid="18">
-                                            <p:txEl>
-                                              <p:pRg st="1" end="1"/>
-                                            </p:txEl>
-                                          </p:spTgt>
-                                        </p:tgtEl>
-                                      </p:cBhvr>
-                                    </p:animEffect>
-                                  </p:childTnLst>
-                                </p:cTn>
-                              </p:par>
-                              <p:par>
-                                <p:cTn id="11" presetID="31" presetClass="entr" presetSubtype="0" fill="hold" nodeType="withEffect">
-                                  <p:stCondLst>
-                                    <p:cond delay="0"/>
-                                  </p:stCondLst>
-                                  <p:childTnLst>
-                                    <p:set>
-                                      <p:cBhvr>
-                                        <p:cTn id="12" dur="1" fill="hold">
-                                          <p:stCondLst>
-                                            <p:cond delay="0"/>
-                                          </p:stCondLst>
-                                        </p:cTn>
-                                        <p:tgtEl>
-                                          <p:spTgt spid="18">
-                                            <p:txEl>
-                                              <p:pRg st="2" end="2"/>
-                                            </p:txEl>
-                                          </p:spTgt>
-                                        </p:tgtEl>
-                                        <p:attrNameLst>
-                                          <p:attrName>style.visibility</p:attrName>
-                                        </p:attrNameLst>
-                                      </p:cBhvr>
-                                      <p:to>
-                                        <p:strVal val="visible"/>
-                                      </p:to>
-                                    </p:set>
-                                    <p:anim calcmode="lin" valueType="num">
-                                      <p:cBhvr>
-                                        <p:cTn id="13" dur="750" fill="hold"/>
-                                        <p:tgtEl>
-                                          <p:spTgt spid="18">
-                                            <p:txEl>
-                                              <p:pRg st="2" end="2"/>
-                                            </p:txEl>
-                                          </p:spTgt>
-                                        </p:tgtEl>
-                                        <p:attrNameLst>
-                                          <p:attrName>ppt_w</p:attrName>
-                                        </p:attrNameLst>
-                                      </p:cBhvr>
-                                      <p:tavLst>
-                                        <p:tav tm="0">
-                                          <p:val>
-                                            <p:fltVal val="0"/>
-                                          </p:val>
-                                        </p:tav>
-                                        <p:tav tm="100000">
-                                          <p:val>
-                                            <p:strVal val="#ppt_w"/>
-                                          </p:val>
-                                        </p:tav>
-                                      </p:tavLst>
-                                    </p:anim>
-                                    <p:anim calcmode="lin" valueType="num">
-                                      <p:cBhvr>
-                                        <p:cTn id="14" dur="750" fill="hold"/>
-                                        <p:tgtEl>
-                                          <p:spTgt spid="18">
-                                            <p:txEl>
-                                              <p:pRg st="2" end="2"/>
-                                            </p:txEl>
-                                          </p:spTgt>
-                                        </p:tgtEl>
-                                        <p:attrNameLst>
-                                          <p:attrName>ppt_h</p:attrName>
-                                        </p:attrNameLst>
-                                      </p:cBhvr>
-                                      <p:tavLst>
-                                        <p:tav tm="0">
-                                          <p:val>
-                                            <p:fltVal val="0"/>
-                                          </p:val>
-                                        </p:tav>
-                                        <p:tav tm="100000">
-                                          <p:val>
-                                            <p:strVal val="#ppt_h"/>
-                                          </p:val>
-                                        </p:tav>
-                                      </p:tavLst>
-                                    </p:anim>
-                                    <p:anim calcmode="lin" valueType="num">
-                                      <p:cBhvr>
-                                        <p:cTn id="15" dur="750" fill="hold"/>
-                                        <p:tgtEl>
-                                          <p:spTgt spid="18">
-                                            <p:txEl>
-                                              <p:pRg st="2" end="2"/>
-                                            </p:txEl>
-                                          </p:spTgt>
-                                        </p:tgtEl>
-                                        <p:attrNameLst>
-                                          <p:attrName>style.rotation</p:attrName>
-                                        </p:attrNameLst>
-                                      </p:cBhvr>
-                                      <p:tavLst>
-                                        <p:tav tm="0">
-                                          <p:val>
-                                            <p:fltVal val="90"/>
-                                          </p:val>
-                                        </p:tav>
-                                        <p:tav tm="100000">
-                                          <p:val>
-                                            <p:fltVal val="0"/>
-                                          </p:val>
-                                        </p:tav>
-                                      </p:tavLst>
-                                    </p:anim>
-                                    <p:animEffect transition="in" filter="fade">
-                                      <p:cBhvr>
-                                        <p:cTn id="16" dur="750"/>
-                                        <p:tgtEl>
-                                          <p:spTgt spid="18">
-                                            <p:txEl>
-                                              <p:pRg st="2" end="2"/>
-                                            </p:txEl>
-                                          </p:spTgt>
-                                        </p:tgtEl>
-                                      </p:cBhvr>
-                                    </p:animEffect>
-                                  </p:childTnLst>
-                                </p:cTn>
-                              </p:par>
-                              <p:par>
-                                <p:cTn id="17" presetID="31" presetClass="entr" presetSubtype="0" fill="hold" nodeType="withEffect">
-                                  <p:stCondLst>
-                                    <p:cond delay="0"/>
-                                  </p:stCondLst>
-                                  <p:childTnLst>
-                                    <p:set>
-                                      <p:cBhvr>
-                                        <p:cTn id="18" dur="1" fill="hold">
-                                          <p:stCondLst>
-                                            <p:cond delay="0"/>
-                                          </p:stCondLst>
-                                        </p:cTn>
-                                        <p:tgtEl>
-                                          <p:spTgt spid="18">
-                                            <p:txEl>
-                                              <p:pRg st="3" end="3"/>
-                                            </p:txEl>
-                                          </p:spTgt>
-                                        </p:tgtEl>
-                                        <p:attrNameLst>
-                                          <p:attrName>style.visibility</p:attrName>
-                                        </p:attrNameLst>
-                                      </p:cBhvr>
-                                      <p:to>
-                                        <p:strVal val="visible"/>
-                                      </p:to>
-                                    </p:set>
-                                    <p:anim calcmode="lin" valueType="num">
-                                      <p:cBhvr>
-                                        <p:cTn id="19" dur="750" fill="hold"/>
-                                        <p:tgtEl>
-                                          <p:spTgt spid="18">
-                                            <p:txEl>
-                                              <p:pRg st="3" end="3"/>
-                                            </p:txEl>
-                                          </p:spTgt>
-                                        </p:tgtEl>
-                                        <p:attrNameLst>
-                                          <p:attrName>ppt_w</p:attrName>
-                                        </p:attrNameLst>
-                                      </p:cBhvr>
-                                      <p:tavLst>
-                                        <p:tav tm="0">
-                                          <p:val>
-                                            <p:fltVal val="0"/>
-                                          </p:val>
-                                        </p:tav>
-                                        <p:tav tm="100000">
-                                          <p:val>
-                                            <p:strVal val="#ppt_w"/>
-                                          </p:val>
-                                        </p:tav>
-                                      </p:tavLst>
-                                    </p:anim>
-                                    <p:anim calcmode="lin" valueType="num">
-                                      <p:cBhvr>
-                                        <p:cTn id="20" dur="750" fill="hold"/>
-                                        <p:tgtEl>
-                                          <p:spTgt spid="18">
-                                            <p:txEl>
-                                              <p:pRg st="3" end="3"/>
-                                            </p:txEl>
-                                          </p:spTgt>
-                                        </p:tgtEl>
-                                        <p:attrNameLst>
-                                          <p:attrName>ppt_h</p:attrName>
-                                        </p:attrNameLst>
-                                      </p:cBhvr>
-                                      <p:tavLst>
-                                        <p:tav tm="0">
-                                          <p:val>
-                                            <p:fltVal val="0"/>
-                                          </p:val>
-                                        </p:tav>
-                                        <p:tav tm="100000">
-                                          <p:val>
-                                            <p:strVal val="#ppt_h"/>
-                                          </p:val>
-                                        </p:tav>
-                                      </p:tavLst>
-                                    </p:anim>
-                                    <p:anim calcmode="lin" valueType="num">
-                                      <p:cBhvr>
-                                        <p:cTn id="21" dur="750" fill="hold"/>
-                                        <p:tgtEl>
-                                          <p:spTgt spid="18">
-                                            <p:txEl>
-                                              <p:pRg st="3" end="3"/>
-                                            </p:txEl>
-                                          </p:spTgt>
-                                        </p:tgtEl>
-                                        <p:attrNameLst>
-                                          <p:attrName>style.rotation</p:attrName>
-                                        </p:attrNameLst>
-                                      </p:cBhvr>
-                                      <p:tavLst>
-                                        <p:tav tm="0">
-                                          <p:val>
-                                            <p:fltVal val="90"/>
-                                          </p:val>
-                                        </p:tav>
-                                        <p:tav tm="100000">
-                                          <p:val>
-                                            <p:fltVal val="0"/>
-                                          </p:val>
-                                        </p:tav>
-                                      </p:tavLst>
-                                    </p:anim>
-                                    <p:animEffect transition="in" filter="fade">
-                                      <p:cBhvr>
-                                        <p:cTn id="22" dur="750"/>
-                                        <p:tgtEl>
-                                          <p:spTgt spid="18">
-                                            <p:txEl>
-                                              <p:pRg st="3" end="3"/>
-                                            </p:txEl>
-                                          </p:spTgt>
-                                        </p:tgtEl>
-                                      </p:cBhvr>
-                                    </p:animEffect>
-                                  </p:childTnLst>
-                                </p:cTn>
-                              </p:par>
-                              <p:par>
-                                <p:cTn id="23" presetID="31" presetClass="entr" presetSubtype="0" fill="hold" nodeType="withEffect">
-                                  <p:stCondLst>
-                                    <p:cond delay="0"/>
-                                  </p:stCondLst>
-                                  <p:childTnLst>
-                                    <p:set>
-                                      <p:cBhvr>
-                                        <p:cTn id="24" dur="1" fill="hold">
-                                          <p:stCondLst>
-                                            <p:cond delay="0"/>
-                                          </p:stCondLst>
-                                        </p:cTn>
-                                        <p:tgtEl>
-                                          <p:spTgt spid="18">
-                                            <p:txEl>
-                                              <p:pRg st="4" end="4"/>
-                                            </p:txEl>
-                                          </p:spTgt>
-                                        </p:tgtEl>
-                                        <p:attrNameLst>
-                                          <p:attrName>style.visibility</p:attrName>
-                                        </p:attrNameLst>
-                                      </p:cBhvr>
-                                      <p:to>
-                                        <p:strVal val="visible"/>
-                                      </p:to>
-                                    </p:set>
-                                    <p:anim calcmode="lin" valueType="num">
-                                      <p:cBhvr>
-                                        <p:cTn id="25" dur="750" fill="hold"/>
-                                        <p:tgtEl>
-                                          <p:spTgt spid="18">
-                                            <p:txEl>
-                                              <p:pRg st="4" end="4"/>
-                                            </p:txEl>
-                                          </p:spTgt>
-                                        </p:tgtEl>
-                                        <p:attrNameLst>
-                                          <p:attrName>ppt_w</p:attrName>
-                                        </p:attrNameLst>
-                                      </p:cBhvr>
-                                      <p:tavLst>
-                                        <p:tav tm="0">
-                                          <p:val>
-                                            <p:fltVal val="0"/>
-                                          </p:val>
-                                        </p:tav>
-                                        <p:tav tm="100000">
-                                          <p:val>
-                                            <p:strVal val="#ppt_w"/>
-                                          </p:val>
-                                        </p:tav>
-                                      </p:tavLst>
-                                    </p:anim>
-                                    <p:anim calcmode="lin" valueType="num">
-                                      <p:cBhvr>
-                                        <p:cTn id="26" dur="750" fill="hold"/>
-                                        <p:tgtEl>
-                                          <p:spTgt spid="18">
-                                            <p:txEl>
-                                              <p:pRg st="4" end="4"/>
-                                            </p:txEl>
-                                          </p:spTgt>
-                                        </p:tgtEl>
-                                        <p:attrNameLst>
-                                          <p:attrName>ppt_h</p:attrName>
-                                        </p:attrNameLst>
-                                      </p:cBhvr>
-                                      <p:tavLst>
-                                        <p:tav tm="0">
-                                          <p:val>
-                                            <p:fltVal val="0"/>
-                                          </p:val>
-                                        </p:tav>
-                                        <p:tav tm="100000">
-                                          <p:val>
-                                            <p:strVal val="#ppt_h"/>
-                                          </p:val>
-                                        </p:tav>
-                                      </p:tavLst>
-                                    </p:anim>
-                                    <p:anim calcmode="lin" valueType="num">
-                                      <p:cBhvr>
-                                        <p:cTn id="27" dur="750" fill="hold"/>
-                                        <p:tgtEl>
-                                          <p:spTgt spid="18">
-                                            <p:txEl>
-                                              <p:pRg st="4" end="4"/>
-                                            </p:txEl>
-                                          </p:spTgt>
-                                        </p:tgtEl>
-                                        <p:attrNameLst>
-                                          <p:attrName>style.rotation</p:attrName>
-                                        </p:attrNameLst>
-                                      </p:cBhvr>
-                                      <p:tavLst>
-                                        <p:tav tm="0">
-                                          <p:val>
-                                            <p:fltVal val="90"/>
-                                          </p:val>
-                                        </p:tav>
-                                        <p:tav tm="100000">
-                                          <p:val>
-                                            <p:fltVal val="0"/>
-                                          </p:val>
-                                        </p:tav>
-                                      </p:tavLst>
-                                    </p:anim>
-                                    <p:animEffect transition="in" filter="fade">
-                                      <p:cBhvr>
-                                        <p:cTn id="28" dur="750"/>
-                                        <p:tgtEl>
-                                          <p:spTgt spid="18">
-                                            <p:txEl>
-                                              <p:pRg st="4" end="4"/>
                                             </p:txEl>
                                           </p:spTgt>
                                         </p:tgtEl>
@@ -16882,8 +16416,8 @@
         </p:nvSpPr>
         <p:spPr>
           <a:xfrm rot="835554">
-            <a:off x="5552941" y="797731"/>
-            <a:ext cx="6662557" cy="923330"/>
+            <a:off x="6183203" y="823702"/>
+            <a:ext cx="5676497" cy="769441"/>
           </a:xfrm>
           <a:prstGeom prst="rect">
             <a:avLst/>
@@ -16921,7 +16455,7 @@
               <a:defRPr/>
             </a:pPr>
             <a:r>
-              <a:rPr kumimoji="1" lang="ja-JP" altLang="en-US" sz="5400" b="0" i="0" u="none" strike="noStrike" kern="1200" cap="none" spc="0" normalizeH="0" baseline="0" noProof="0" dirty="0">
+              <a:rPr kumimoji="1" lang="ja-JP" altLang="en-US" sz="4400" b="0" i="0" u="none" strike="noStrike" kern="1200" cap="none" spc="0" normalizeH="0" baseline="0" noProof="0" dirty="0">
                 <a:ln>
                   <a:noFill/>
                 </a:ln>
@@ -16939,7 +16473,7 @@
               </a:rPr>
               <a:t>とにかく明るい蔭山</a:t>
             </a:r>
-            <a:endParaRPr kumimoji="1" lang="en-US" altLang="ja-JP" sz="5400" b="0" i="0" u="none" strike="noStrike" kern="1200" cap="none" spc="0" normalizeH="0" baseline="0" noProof="0" dirty="0">
+            <a:endParaRPr kumimoji="1" lang="en-US" altLang="ja-JP" sz="4400" b="0" i="0" u="none" strike="noStrike" kern="1200" cap="none" spc="0" normalizeH="0" baseline="0" noProof="0" dirty="0">
               <a:ln>
                 <a:noFill/>
               </a:ln>
@@ -16952,7 +16486,6 @@
               <a:uLnTx/>
               <a:uFillTx/>
               <a:latin typeface="Meiryo UI"/>
-              <a:ea typeface="+mn-ea"/>
               <a:cs typeface="+mn-cs"/>
             </a:endParaRPr>
           </a:p>
@@ -17102,7 +16635,7 @@
                             </p:stCondLst>
                             <p:childTnLst>
                               <p:par>
-                                <p:cTn id="5" presetID="26" presetClass="entr" presetSubtype="0" fill="hold" grpId="0" nodeType="withEffect">
+                                <p:cTn id="5" presetID="53" presetClass="entr" presetSubtype="16" fill="hold" grpId="0" nodeType="withEffect">
                                   <p:stCondLst>
                                     <p:cond delay="0"/>
                                   </p:stCondLst>
@@ -17125,257 +16658,60 @@
                                         <p:strVal val="visible"/>
                                       </p:to>
                                     </p:set>
-                                    <p:animEffect transition="in" filter="wipe(down)">
-                                      <p:cBhvr>
-                                        <p:cTn id="7" dur="580">
-                                          <p:stCondLst>
-                                            <p:cond delay="0"/>
-                                          </p:stCondLst>
-                                        </p:cTn>
-                                        <p:tgtEl>
-                                          <p:spTgt spid="16"/>
-                                        </p:tgtEl>
-                                      </p:cBhvr>
-                                    </p:animEffect>
                                     <p:anim calcmode="lin" valueType="num">
                                       <p:cBhvr>
-                                        <p:cTn id="8" dur="1822" tmFilter="0,0; 0.14,0.36; 0.43,0.73; 0.71,0.91; 1.0,1.0">
-                                          <p:stCondLst>
-                                            <p:cond delay="0"/>
-                                          </p:stCondLst>
-                                        </p:cTn>
+                                        <p:cTn id="7" dur="500" fill="hold"/>
                                         <p:tgtEl>
                                           <p:spTgt spid="16"/>
                                         </p:tgtEl>
                                         <p:attrNameLst>
-                                          <p:attrName>ppt_x</p:attrName>
+                                          <p:attrName>ppt_w</p:attrName>
                                         </p:attrNameLst>
                                       </p:cBhvr>
                                       <p:tavLst>
                                         <p:tav tm="0">
                                           <p:val>
-                                            <p:strVal val="#ppt_x-0.25"/>
+                                            <p:fltVal val="0"/>
                                           </p:val>
                                         </p:tav>
                                         <p:tav tm="100000">
                                           <p:val>
-                                            <p:strVal val="#ppt_x"/>
+                                            <p:strVal val="#ppt_w"/>
                                           </p:val>
                                         </p:tav>
                                       </p:tavLst>
                                     </p:anim>
                                     <p:anim calcmode="lin" valueType="num">
                                       <p:cBhvr>
-                                        <p:cTn id="9" dur="664" tmFilter="0.0,0.0; 0.25,0.07; 0.50,0.2; 0.75,0.467; 1.0,1.0">
-                                          <p:stCondLst>
-                                            <p:cond delay="0"/>
-                                          </p:stCondLst>
-                                        </p:cTn>
+                                        <p:cTn id="8" dur="500" fill="hold"/>
                                         <p:tgtEl>
                                           <p:spTgt spid="16"/>
                                         </p:tgtEl>
                                         <p:attrNameLst>
-                                          <p:attrName>ppt_y</p:attrName>
+                                          <p:attrName>ppt_h</p:attrName>
                                         </p:attrNameLst>
                                       </p:cBhvr>
                                       <p:tavLst>
-                                        <p:tav tm="0" fmla="#ppt_y-sin(pi*$)/3">
-                                          <p:val>
-                                            <p:fltVal val="0.5"/>
-                                          </p:val>
-                                        </p:tav>
-                                        <p:tav tm="100000">
-                                          <p:val>
-                                            <p:fltVal val="1"/>
-                                          </p:val>
-                                        </p:tav>
-                                      </p:tavLst>
-                                    </p:anim>
-                                    <p:anim calcmode="lin" valueType="num">
-                                      <p:cBhvr>
-                                        <p:cTn id="10" dur="664" tmFilter="0, 0; 0.125,0.2665; 0.25,0.4; 0.375,0.465; 0.5,0.5;  0.625,0.535; 0.75,0.6; 0.875,0.7335; 1,1">
-                                          <p:stCondLst>
-                                            <p:cond delay="664"/>
-                                          </p:stCondLst>
-                                        </p:cTn>
-                                        <p:tgtEl>
-                                          <p:spTgt spid="16"/>
-                                        </p:tgtEl>
-                                        <p:attrNameLst>
-                                          <p:attrName>ppt_y</p:attrName>
-                                        </p:attrNameLst>
-                                      </p:cBhvr>
-                                      <p:tavLst>
-                                        <p:tav tm="0" fmla="#ppt_y-sin(pi*$)/9">
+                                        <p:tav tm="0">
                                           <p:val>
                                             <p:fltVal val="0"/>
                                           </p:val>
                                         </p:tav>
                                         <p:tav tm="100000">
                                           <p:val>
-                                            <p:fltVal val="1"/>
+                                            <p:strVal val="#ppt_h"/>
                                           </p:val>
                                         </p:tav>
                                       </p:tavLst>
                                     </p:anim>
-                                    <p:anim calcmode="lin" valueType="num">
+                                    <p:animEffect transition="in" filter="fade">
                                       <p:cBhvr>
-                                        <p:cTn id="11" dur="332" tmFilter="0, 0; 0.125,0.2665; 0.25,0.4; 0.375,0.465; 0.5,0.5;  0.625,0.535; 0.75,0.6; 0.875,0.7335; 1,1">
-                                          <p:stCondLst>
-                                            <p:cond delay="1324"/>
-                                          </p:stCondLst>
-                                        </p:cTn>
-                                        <p:tgtEl>
-                                          <p:spTgt spid="16"/>
-                                        </p:tgtEl>
-                                        <p:attrNameLst>
-                                          <p:attrName>ppt_y</p:attrName>
-                                        </p:attrNameLst>
-                                      </p:cBhvr>
-                                      <p:tavLst>
-                                        <p:tav tm="0" fmla="#ppt_y-sin(pi*$)/27">
-                                          <p:val>
-                                            <p:fltVal val="0"/>
-                                          </p:val>
-                                        </p:tav>
-                                        <p:tav tm="100000">
-                                          <p:val>
-                                            <p:fltVal val="1"/>
-                                          </p:val>
-                                        </p:tav>
-                                      </p:tavLst>
-                                    </p:anim>
-                                    <p:anim calcmode="lin" valueType="num">
-                                      <p:cBhvr>
-                                        <p:cTn id="12" dur="164" tmFilter="0, 0; 0.125,0.2665; 0.25,0.4; 0.375,0.465; 0.5,0.5;  0.625,0.535; 0.75,0.6; 0.875,0.7335; 1,1">
-                                          <p:stCondLst>
-                                            <p:cond delay="1656"/>
-                                          </p:stCondLst>
-                                        </p:cTn>
-                                        <p:tgtEl>
-                                          <p:spTgt spid="16"/>
-                                        </p:tgtEl>
-                                        <p:attrNameLst>
-                                          <p:attrName>ppt_y</p:attrName>
-                                        </p:attrNameLst>
-                                      </p:cBhvr>
-                                      <p:tavLst>
-                                        <p:tav tm="0" fmla="#ppt_y-sin(pi*$)/81">
-                                          <p:val>
-                                            <p:fltVal val="0"/>
-                                          </p:val>
-                                        </p:tav>
-                                        <p:tav tm="100000">
-                                          <p:val>
-                                            <p:fltVal val="1"/>
-                                          </p:val>
-                                        </p:tav>
-                                      </p:tavLst>
-                                    </p:anim>
-                                    <p:animScale>
-                                      <p:cBhvr>
-                                        <p:cTn id="13" dur="26">
-                                          <p:stCondLst>
-                                            <p:cond delay="650"/>
-                                          </p:stCondLst>
-                                        </p:cTn>
+                                        <p:cTn id="9" dur="500"/>
                                         <p:tgtEl>
                                           <p:spTgt spid="16"/>
                                         </p:tgtEl>
                                       </p:cBhvr>
-                                      <p:to x="100000" y="60000"/>
-                                    </p:animScale>
-                                    <p:animScale>
-                                      <p:cBhvr>
-                                        <p:cTn id="14" dur="166" decel="50000">
-                                          <p:stCondLst>
-                                            <p:cond delay="676"/>
-                                          </p:stCondLst>
-                                        </p:cTn>
-                                        <p:tgtEl>
-                                          <p:spTgt spid="16"/>
-                                        </p:tgtEl>
-                                      </p:cBhvr>
-                                      <p:to x="100000" y="100000"/>
-                                    </p:animScale>
-                                    <p:animScale>
-                                      <p:cBhvr>
-                                        <p:cTn id="15" dur="26">
-                                          <p:stCondLst>
-                                            <p:cond delay="1312"/>
-                                          </p:stCondLst>
-                                        </p:cTn>
-                                        <p:tgtEl>
-                                          <p:spTgt spid="16"/>
-                                        </p:tgtEl>
-                                      </p:cBhvr>
-                                      <p:to x="100000" y="80000"/>
-                                    </p:animScale>
-                                    <p:animScale>
-                                      <p:cBhvr>
-                                        <p:cTn id="16" dur="166" decel="50000">
-                                          <p:stCondLst>
-                                            <p:cond delay="1338"/>
-                                          </p:stCondLst>
-                                        </p:cTn>
-                                        <p:tgtEl>
-                                          <p:spTgt spid="16"/>
-                                        </p:tgtEl>
-                                      </p:cBhvr>
-                                      <p:to x="100000" y="100000"/>
-                                    </p:animScale>
-                                    <p:animScale>
-                                      <p:cBhvr>
-                                        <p:cTn id="17" dur="26">
-                                          <p:stCondLst>
-                                            <p:cond delay="1642"/>
-                                          </p:stCondLst>
-                                        </p:cTn>
-                                        <p:tgtEl>
-                                          <p:spTgt spid="16"/>
-                                        </p:tgtEl>
-                                      </p:cBhvr>
-                                      <p:to x="100000" y="90000"/>
-                                    </p:animScale>
-                                    <p:animScale>
-                                      <p:cBhvr>
-                                        <p:cTn id="18" dur="166" decel="50000">
-                                          <p:stCondLst>
-                                            <p:cond delay="1668"/>
-                                          </p:stCondLst>
-                                        </p:cTn>
-                                        <p:tgtEl>
-                                          <p:spTgt spid="16"/>
-                                        </p:tgtEl>
-                                      </p:cBhvr>
-                                      <p:to x="100000" y="100000"/>
-                                    </p:animScale>
-                                    <p:animScale>
-                                      <p:cBhvr>
-                                        <p:cTn id="19" dur="26">
-                                          <p:stCondLst>
-                                            <p:cond delay="1808"/>
-                                          </p:stCondLst>
-                                        </p:cTn>
-                                        <p:tgtEl>
-                                          <p:spTgt spid="16"/>
-                                        </p:tgtEl>
-                                      </p:cBhvr>
-                                      <p:to x="100000" y="95000"/>
-                                    </p:animScale>
-                                    <p:animScale>
-                                      <p:cBhvr>
-                                        <p:cTn id="20" dur="166" decel="50000">
-                                          <p:stCondLst>
-                                            <p:cond delay="1834"/>
-                                          </p:stCondLst>
-                                        </p:cTn>
-                                        <p:tgtEl>
-                                          <p:spTgt spid="16"/>
-                                        </p:tgtEl>
-                                      </p:cBhvr>
-                                      <p:to x="100000" y="100000"/>
-                                    </p:animScale>
+                                    </p:animEffect>
                                   </p:childTnLst>
                                 </p:cTn>
                               </p:par>
@@ -18920,8 +18256,8 @@
         </p:nvSpPr>
         <p:spPr>
           <a:xfrm rot="835554">
-            <a:off x="6189582" y="1576454"/>
-            <a:ext cx="5779299" cy="1754326"/>
+            <a:off x="7045330" y="886700"/>
+            <a:ext cx="4697431" cy="1446550"/>
           </a:xfrm>
           <a:prstGeom prst="rect">
             <a:avLst/>
@@ -18943,7 +18279,7 @@
           <a:p>
             <a:pPr algn="ctr"/>
             <a:r>
-              <a:rPr kumimoji="1" lang="ja-JP" altLang="en-US" sz="5400" dirty="0">
+              <a:rPr kumimoji="1" lang="ja-JP" altLang="en-US" sz="4400" dirty="0">
                 <a:solidFill>
                   <a:schemeClr val="accent1">
                     <a:lumMod val="75000"/>
@@ -18954,7 +18290,7 @@
               </a:rPr>
               <a:t>圧倒的包容力</a:t>
             </a:r>
-            <a:endParaRPr kumimoji="1" lang="en-US" altLang="ja-JP" sz="5400" dirty="0">
+            <a:endParaRPr kumimoji="1" lang="en-US" altLang="ja-JP" sz="4400" dirty="0">
               <a:solidFill>
                 <a:schemeClr val="accent1">
                   <a:lumMod val="75000"/>
@@ -18967,7 +18303,7 @@
           <a:p>
             <a:pPr algn="ctr"/>
             <a:r>
-              <a:rPr kumimoji="1" lang="ja-JP" altLang="en-US" sz="5400" dirty="0">
+              <a:rPr kumimoji="1" lang="ja-JP" altLang="en-US" sz="4400" dirty="0">
                 <a:solidFill>
                   <a:schemeClr val="accent1">
                     <a:lumMod val="75000"/>
@@ -19090,7 +18426,7 @@
                             </p:stCondLst>
                             <p:childTnLst>
                               <p:par>
-                                <p:cTn id="5" presetID="26" presetClass="entr" presetSubtype="0" fill="hold" grpId="0" nodeType="withEffect">
+                                <p:cTn id="5" presetID="53" presetClass="entr" presetSubtype="16" fill="hold" grpId="0" nodeType="withEffect">
                                   <p:stCondLst>
                                     <p:cond delay="0"/>
                                   </p:stCondLst>
@@ -19113,257 +18449,60 @@
                                         <p:strVal val="visible"/>
                                       </p:to>
                                     </p:set>
-                                    <p:animEffect transition="in" filter="wipe(down)">
-                                      <p:cBhvr>
-                                        <p:cTn id="7" dur="580">
-                                          <p:stCondLst>
-                                            <p:cond delay="0"/>
-                                          </p:stCondLst>
-                                        </p:cTn>
-                                        <p:tgtEl>
-                                          <p:spTgt spid="16"/>
-                                        </p:tgtEl>
-                                      </p:cBhvr>
-                                    </p:animEffect>
                                     <p:anim calcmode="lin" valueType="num">
                                       <p:cBhvr>
-                                        <p:cTn id="8" dur="1822" tmFilter="0,0; 0.14,0.36; 0.43,0.73; 0.71,0.91; 1.0,1.0">
-                                          <p:stCondLst>
-                                            <p:cond delay="0"/>
-                                          </p:stCondLst>
-                                        </p:cTn>
+                                        <p:cTn id="7" dur="500" fill="hold"/>
                                         <p:tgtEl>
                                           <p:spTgt spid="16"/>
                                         </p:tgtEl>
                                         <p:attrNameLst>
-                                          <p:attrName>ppt_x</p:attrName>
+                                          <p:attrName>ppt_w</p:attrName>
                                         </p:attrNameLst>
                                       </p:cBhvr>
                                       <p:tavLst>
                                         <p:tav tm="0">
                                           <p:val>
-                                            <p:strVal val="#ppt_x-0.25"/>
+                                            <p:fltVal val="0"/>
                                           </p:val>
                                         </p:tav>
                                         <p:tav tm="100000">
                                           <p:val>
-                                            <p:strVal val="#ppt_x"/>
+                                            <p:strVal val="#ppt_w"/>
                                           </p:val>
                                         </p:tav>
                                       </p:tavLst>
                                     </p:anim>
                                     <p:anim calcmode="lin" valueType="num">
                                       <p:cBhvr>
-                                        <p:cTn id="9" dur="664" tmFilter="0.0,0.0; 0.25,0.07; 0.50,0.2; 0.75,0.467; 1.0,1.0">
-                                          <p:stCondLst>
-                                            <p:cond delay="0"/>
-                                          </p:stCondLst>
-                                        </p:cTn>
+                                        <p:cTn id="8" dur="500" fill="hold"/>
                                         <p:tgtEl>
                                           <p:spTgt spid="16"/>
                                         </p:tgtEl>
                                         <p:attrNameLst>
-                                          <p:attrName>ppt_y</p:attrName>
+                                          <p:attrName>ppt_h</p:attrName>
                                         </p:attrNameLst>
                                       </p:cBhvr>
                                       <p:tavLst>
-                                        <p:tav tm="0" fmla="#ppt_y-sin(pi*$)/3">
-                                          <p:val>
-                                            <p:fltVal val="0.5"/>
-                                          </p:val>
-                                        </p:tav>
-                                        <p:tav tm="100000">
-                                          <p:val>
-                                            <p:fltVal val="1"/>
-                                          </p:val>
-                                        </p:tav>
-                                      </p:tavLst>
-                                    </p:anim>
-                                    <p:anim calcmode="lin" valueType="num">
-                                      <p:cBhvr>
-                                        <p:cTn id="10" dur="664" tmFilter="0, 0; 0.125,0.2665; 0.25,0.4; 0.375,0.465; 0.5,0.5;  0.625,0.535; 0.75,0.6; 0.875,0.7335; 1,1">
-                                          <p:stCondLst>
-                                            <p:cond delay="664"/>
-                                          </p:stCondLst>
-                                        </p:cTn>
-                                        <p:tgtEl>
-                                          <p:spTgt spid="16"/>
-                                        </p:tgtEl>
-                                        <p:attrNameLst>
-                                          <p:attrName>ppt_y</p:attrName>
-                                        </p:attrNameLst>
-                                      </p:cBhvr>
-                                      <p:tavLst>
-                                        <p:tav tm="0" fmla="#ppt_y-sin(pi*$)/9">
+                                        <p:tav tm="0">
                                           <p:val>
                                             <p:fltVal val="0"/>
                                           </p:val>
                                         </p:tav>
                                         <p:tav tm="100000">
                                           <p:val>
-                                            <p:fltVal val="1"/>
+                                            <p:strVal val="#ppt_h"/>
                                           </p:val>
                                         </p:tav>
                                       </p:tavLst>
                                     </p:anim>
-                                    <p:anim calcmode="lin" valueType="num">
+                                    <p:animEffect transition="in" filter="fade">
                                       <p:cBhvr>
-                                        <p:cTn id="11" dur="332" tmFilter="0, 0; 0.125,0.2665; 0.25,0.4; 0.375,0.465; 0.5,0.5;  0.625,0.535; 0.75,0.6; 0.875,0.7335; 1,1">
-                                          <p:stCondLst>
-                                            <p:cond delay="1324"/>
-                                          </p:stCondLst>
-                                        </p:cTn>
-                                        <p:tgtEl>
-                                          <p:spTgt spid="16"/>
-                                        </p:tgtEl>
-                                        <p:attrNameLst>
-                                          <p:attrName>ppt_y</p:attrName>
-                                        </p:attrNameLst>
-                                      </p:cBhvr>
-                                      <p:tavLst>
-                                        <p:tav tm="0" fmla="#ppt_y-sin(pi*$)/27">
-                                          <p:val>
-                                            <p:fltVal val="0"/>
-                                          </p:val>
-                                        </p:tav>
-                                        <p:tav tm="100000">
-                                          <p:val>
-                                            <p:fltVal val="1"/>
-                                          </p:val>
-                                        </p:tav>
-                                      </p:tavLst>
-                                    </p:anim>
-                                    <p:anim calcmode="lin" valueType="num">
-                                      <p:cBhvr>
-                                        <p:cTn id="12" dur="164" tmFilter="0, 0; 0.125,0.2665; 0.25,0.4; 0.375,0.465; 0.5,0.5;  0.625,0.535; 0.75,0.6; 0.875,0.7335; 1,1">
-                                          <p:stCondLst>
-                                            <p:cond delay="1656"/>
-                                          </p:stCondLst>
-                                        </p:cTn>
-                                        <p:tgtEl>
-                                          <p:spTgt spid="16"/>
-                                        </p:tgtEl>
-                                        <p:attrNameLst>
-                                          <p:attrName>ppt_y</p:attrName>
-                                        </p:attrNameLst>
-                                      </p:cBhvr>
-                                      <p:tavLst>
-                                        <p:tav tm="0" fmla="#ppt_y-sin(pi*$)/81">
-                                          <p:val>
-                                            <p:fltVal val="0"/>
-                                          </p:val>
-                                        </p:tav>
-                                        <p:tav tm="100000">
-                                          <p:val>
-                                            <p:fltVal val="1"/>
-                                          </p:val>
-                                        </p:tav>
-                                      </p:tavLst>
-                                    </p:anim>
-                                    <p:animScale>
-                                      <p:cBhvr>
-                                        <p:cTn id="13" dur="26">
-                                          <p:stCondLst>
-                                            <p:cond delay="650"/>
-                                          </p:stCondLst>
-                                        </p:cTn>
+                                        <p:cTn id="9" dur="500"/>
                                         <p:tgtEl>
                                           <p:spTgt spid="16"/>
                                         </p:tgtEl>
                                       </p:cBhvr>
-                                      <p:to x="100000" y="60000"/>
-                                    </p:animScale>
-                                    <p:animScale>
-                                      <p:cBhvr>
-                                        <p:cTn id="14" dur="166" decel="50000">
-                                          <p:stCondLst>
-                                            <p:cond delay="676"/>
-                                          </p:stCondLst>
-                                        </p:cTn>
-                                        <p:tgtEl>
-                                          <p:spTgt spid="16"/>
-                                        </p:tgtEl>
-                                      </p:cBhvr>
-                                      <p:to x="100000" y="100000"/>
-                                    </p:animScale>
-                                    <p:animScale>
-                                      <p:cBhvr>
-                                        <p:cTn id="15" dur="26">
-                                          <p:stCondLst>
-                                            <p:cond delay="1312"/>
-                                          </p:stCondLst>
-                                        </p:cTn>
-                                        <p:tgtEl>
-                                          <p:spTgt spid="16"/>
-                                        </p:tgtEl>
-                                      </p:cBhvr>
-                                      <p:to x="100000" y="80000"/>
-                                    </p:animScale>
-                                    <p:animScale>
-                                      <p:cBhvr>
-                                        <p:cTn id="16" dur="166" decel="50000">
-                                          <p:stCondLst>
-                                            <p:cond delay="1338"/>
-                                          </p:stCondLst>
-                                        </p:cTn>
-                                        <p:tgtEl>
-                                          <p:spTgt spid="16"/>
-                                        </p:tgtEl>
-                                      </p:cBhvr>
-                                      <p:to x="100000" y="100000"/>
-                                    </p:animScale>
-                                    <p:animScale>
-                                      <p:cBhvr>
-                                        <p:cTn id="17" dur="26">
-                                          <p:stCondLst>
-                                            <p:cond delay="1642"/>
-                                          </p:stCondLst>
-                                        </p:cTn>
-                                        <p:tgtEl>
-                                          <p:spTgt spid="16"/>
-                                        </p:tgtEl>
-                                      </p:cBhvr>
-                                      <p:to x="100000" y="90000"/>
-                                    </p:animScale>
-                                    <p:animScale>
-                                      <p:cBhvr>
-                                        <p:cTn id="18" dur="166" decel="50000">
-                                          <p:stCondLst>
-                                            <p:cond delay="1668"/>
-                                          </p:stCondLst>
-                                        </p:cTn>
-                                        <p:tgtEl>
-                                          <p:spTgt spid="16"/>
-                                        </p:tgtEl>
-                                      </p:cBhvr>
-                                      <p:to x="100000" y="100000"/>
-                                    </p:animScale>
-                                    <p:animScale>
-                                      <p:cBhvr>
-                                        <p:cTn id="19" dur="26">
-                                          <p:stCondLst>
-                                            <p:cond delay="1808"/>
-                                          </p:stCondLst>
-                                        </p:cTn>
-                                        <p:tgtEl>
-                                          <p:spTgt spid="16"/>
-                                        </p:tgtEl>
-                                      </p:cBhvr>
-                                      <p:to x="100000" y="95000"/>
-                                    </p:animScale>
-                                    <p:animScale>
-                                      <p:cBhvr>
-                                        <p:cTn id="20" dur="166" decel="50000">
-                                          <p:stCondLst>
-                                            <p:cond delay="1834"/>
-                                          </p:stCondLst>
-                                        </p:cTn>
-                                        <p:tgtEl>
-                                          <p:spTgt spid="16"/>
-                                        </p:tgtEl>
-                                      </p:cBhvr>
-                                      <p:to x="100000" y="100000"/>
-                                    </p:animScale>
+                                    </p:animEffect>
                                   </p:childTnLst>
                                 </p:cTn>
                               </p:par>
@@ -20462,8 +19601,8 @@
         </p:nvSpPr>
         <p:spPr>
           <a:xfrm rot="835554">
-            <a:off x="6881743" y="1777433"/>
-            <a:ext cx="4999676" cy="1754326"/>
+            <a:off x="7122508" y="1580905"/>
+            <a:ext cx="4831590" cy="1446550"/>
           </a:xfrm>
           <a:prstGeom prst="rect">
             <a:avLst/>
@@ -20485,7 +19624,7 @@
           <a:p>
             <a:pPr algn="ctr"/>
             <a:r>
-              <a:rPr kumimoji="1" lang="ja-JP" altLang="en-US" sz="5400" dirty="0">
+              <a:rPr kumimoji="1" lang="ja-JP" altLang="en-US" sz="4400" dirty="0">
                 <a:solidFill>
                   <a:schemeClr val="accent1">
                     <a:lumMod val="75000"/>
@@ -20496,7 +19635,7 @@
               </a:rPr>
               <a:t>静かなる仕事人</a:t>
             </a:r>
-            <a:endParaRPr kumimoji="1" lang="en-US" altLang="ja-JP" sz="5400" dirty="0">
+            <a:endParaRPr kumimoji="1" lang="en-US" altLang="ja-JP" sz="4400" dirty="0">
               <a:solidFill>
                 <a:schemeClr val="accent1">
                   <a:lumMod val="75000"/>
@@ -20509,7 +19648,7 @@
           <a:p>
             <a:pPr algn="ctr"/>
             <a:r>
-              <a:rPr kumimoji="1" lang="ja-JP" altLang="en-US" sz="5400" dirty="0">
+              <a:rPr kumimoji="1" lang="ja-JP" altLang="en-US" sz="4400" dirty="0">
                 <a:solidFill>
                   <a:schemeClr val="accent1">
                     <a:lumMod val="75000"/>
@@ -20879,7 +20018,7 @@
                             </p:stCondLst>
                             <p:childTnLst>
                               <p:par>
-                                <p:cTn id="5" presetID="26" presetClass="entr" presetSubtype="0" fill="hold" grpId="0" nodeType="withEffect">
+                                <p:cTn id="5" presetID="53" presetClass="entr" presetSubtype="16" fill="hold" grpId="0" nodeType="withEffect">
                                   <p:stCondLst>
                                     <p:cond delay="0"/>
                                   </p:stCondLst>
@@ -20902,257 +20041,60 @@
                                         <p:strVal val="visible"/>
                                       </p:to>
                                     </p:set>
-                                    <p:animEffect transition="in" filter="wipe(down)">
-                                      <p:cBhvr>
-                                        <p:cTn id="7" dur="580">
-                                          <p:stCondLst>
-                                            <p:cond delay="0"/>
-                                          </p:stCondLst>
-                                        </p:cTn>
-                                        <p:tgtEl>
-                                          <p:spTgt spid="16"/>
-                                        </p:tgtEl>
-                                      </p:cBhvr>
-                                    </p:animEffect>
                                     <p:anim calcmode="lin" valueType="num">
                                       <p:cBhvr>
-                                        <p:cTn id="8" dur="1822" tmFilter="0,0; 0.14,0.36; 0.43,0.73; 0.71,0.91; 1.0,1.0">
-                                          <p:stCondLst>
-                                            <p:cond delay="0"/>
-                                          </p:stCondLst>
-                                        </p:cTn>
+                                        <p:cTn id="7" dur="500" fill="hold"/>
                                         <p:tgtEl>
                                           <p:spTgt spid="16"/>
                                         </p:tgtEl>
                                         <p:attrNameLst>
-                                          <p:attrName>ppt_x</p:attrName>
+                                          <p:attrName>ppt_w</p:attrName>
                                         </p:attrNameLst>
                                       </p:cBhvr>
                                       <p:tavLst>
                                         <p:tav tm="0">
                                           <p:val>
-                                            <p:strVal val="#ppt_x-0.25"/>
+                                            <p:fltVal val="0"/>
                                           </p:val>
                                         </p:tav>
                                         <p:tav tm="100000">
                                           <p:val>
-                                            <p:strVal val="#ppt_x"/>
+                                            <p:strVal val="#ppt_w"/>
                                           </p:val>
                                         </p:tav>
                                       </p:tavLst>
                                     </p:anim>
                                     <p:anim calcmode="lin" valueType="num">
                                       <p:cBhvr>
-                                        <p:cTn id="9" dur="664" tmFilter="0.0,0.0; 0.25,0.07; 0.50,0.2; 0.75,0.467; 1.0,1.0">
-                                          <p:stCondLst>
-                                            <p:cond delay="0"/>
-                                          </p:stCondLst>
-                                        </p:cTn>
+                                        <p:cTn id="8" dur="500" fill="hold"/>
                                         <p:tgtEl>
                                           <p:spTgt spid="16"/>
                                         </p:tgtEl>
                                         <p:attrNameLst>
-                                          <p:attrName>ppt_y</p:attrName>
+                                          <p:attrName>ppt_h</p:attrName>
                                         </p:attrNameLst>
                                       </p:cBhvr>
                                       <p:tavLst>
-                                        <p:tav tm="0" fmla="#ppt_y-sin(pi*$)/3">
-                                          <p:val>
-                                            <p:fltVal val="0.5"/>
-                                          </p:val>
-                                        </p:tav>
-                                        <p:tav tm="100000">
-                                          <p:val>
-                                            <p:fltVal val="1"/>
-                                          </p:val>
-                                        </p:tav>
-                                      </p:tavLst>
-                                    </p:anim>
-                                    <p:anim calcmode="lin" valueType="num">
-                                      <p:cBhvr>
-                                        <p:cTn id="10" dur="664" tmFilter="0, 0; 0.125,0.2665; 0.25,0.4; 0.375,0.465; 0.5,0.5;  0.625,0.535; 0.75,0.6; 0.875,0.7335; 1,1">
-                                          <p:stCondLst>
-                                            <p:cond delay="664"/>
-                                          </p:stCondLst>
-                                        </p:cTn>
-                                        <p:tgtEl>
-                                          <p:spTgt spid="16"/>
-                                        </p:tgtEl>
-                                        <p:attrNameLst>
-                                          <p:attrName>ppt_y</p:attrName>
-                                        </p:attrNameLst>
-                                      </p:cBhvr>
-                                      <p:tavLst>
-                                        <p:tav tm="0" fmla="#ppt_y-sin(pi*$)/9">
+                                        <p:tav tm="0">
                                           <p:val>
                                             <p:fltVal val="0"/>
                                           </p:val>
                                         </p:tav>
                                         <p:tav tm="100000">
                                           <p:val>
-                                            <p:fltVal val="1"/>
+                                            <p:strVal val="#ppt_h"/>
                                           </p:val>
                                         </p:tav>
                                       </p:tavLst>
                                     </p:anim>
-                                    <p:anim calcmode="lin" valueType="num">
+                                    <p:animEffect transition="in" filter="fade">
                                       <p:cBhvr>
-                                        <p:cTn id="11" dur="332" tmFilter="0, 0; 0.125,0.2665; 0.25,0.4; 0.375,0.465; 0.5,0.5;  0.625,0.535; 0.75,0.6; 0.875,0.7335; 1,1">
-                                          <p:stCondLst>
-                                            <p:cond delay="1324"/>
-                                          </p:stCondLst>
-                                        </p:cTn>
-                                        <p:tgtEl>
-                                          <p:spTgt spid="16"/>
-                                        </p:tgtEl>
-                                        <p:attrNameLst>
-                                          <p:attrName>ppt_y</p:attrName>
-                                        </p:attrNameLst>
-                                      </p:cBhvr>
-                                      <p:tavLst>
-                                        <p:tav tm="0" fmla="#ppt_y-sin(pi*$)/27">
-                                          <p:val>
-                                            <p:fltVal val="0"/>
-                                          </p:val>
-                                        </p:tav>
-                                        <p:tav tm="100000">
-                                          <p:val>
-                                            <p:fltVal val="1"/>
-                                          </p:val>
-                                        </p:tav>
-                                      </p:tavLst>
-                                    </p:anim>
-                                    <p:anim calcmode="lin" valueType="num">
-                                      <p:cBhvr>
-                                        <p:cTn id="12" dur="164" tmFilter="0, 0; 0.125,0.2665; 0.25,0.4; 0.375,0.465; 0.5,0.5;  0.625,0.535; 0.75,0.6; 0.875,0.7335; 1,1">
-                                          <p:stCondLst>
-                                            <p:cond delay="1656"/>
-                                          </p:stCondLst>
-                                        </p:cTn>
-                                        <p:tgtEl>
-                                          <p:spTgt spid="16"/>
-                                        </p:tgtEl>
-                                        <p:attrNameLst>
-                                          <p:attrName>ppt_y</p:attrName>
-                                        </p:attrNameLst>
-                                      </p:cBhvr>
-                                      <p:tavLst>
-                                        <p:tav tm="0" fmla="#ppt_y-sin(pi*$)/81">
-                                          <p:val>
-                                            <p:fltVal val="0"/>
-                                          </p:val>
-                                        </p:tav>
-                                        <p:tav tm="100000">
-                                          <p:val>
-                                            <p:fltVal val="1"/>
-                                          </p:val>
-                                        </p:tav>
-                                      </p:tavLst>
-                                    </p:anim>
-                                    <p:animScale>
-                                      <p:cBhvr>
-                                        <p:cTn id="13" dur="26">
-                                          <p:stCondLst>
-                                            <p:cond delay="650"/>
-                                          </p:stCondLst>
-                                        </p:cTn>
+                                        <p:cTn id="9" dur="500"/>
                                         <p:tgtEl>
                                           <p:spTgt spid="16"/>
                                         </p:tgtEl>
                                       </p:cBhvr>
-                                      <p:to x="100000" y="60000"/>
-                                    </p:animScale>
-                                    <p:animScale>
-                                      <p:cBhvr>
-                                        <p:cTn id="14" dur="166" decel="50000">
-                                          <p:stCondLst>
-                                            <p:cond delay="676"/>
-                                          </p:stCondLst>
-                                        </p:cTn>
-                                        <p:tgtEl>
-                                          <p:spTgt spid="16"/>
-                                        </p:tgtEl>
-                                      </p:cBhvr>
-                                      <p:to x="100000" y="100000"/>
-                                    </p:animScale>
-                                    <p:animScale>
-                                      <p:cBhvr>
-                                        <p:cTn id="15" dur="26">
-                                          <p:stCondLst>
-                                            <p:cond delay="1312"/>
-                                          </p:stCondLst>
-                                        </p:cTn>
-                                        <p:tgtEl>
-                                          <p:spTgt spid="16"/>
-                                        </p:tgtEl>
-                                      </p:cBhvr>
-                                      <p:to x="100000" y="80000"/>
-                                    </p:animScale>
-                                    <p:animScale>
-                                      <p:cBhvr>
-                                        <p:cTn id="16" dur="166" decel="50000">
-                                          <p:stCondLst>
-                                            <p:cond delay="1338"/>
-                                          </p:stCondLst>
-                                        </p:cTn>
-                                        <p:tgtEl>
-                                          <p:spTgt spid="16"/>
-                                        </p:tgtEl>
-                                      </p:cBhvr>
-                                      <p:to x="100000" y="100000"/>
-                                    </p:animScale>
-                                    <p:animScale>
-                                      <p:cBhvr>
-                                        <p:cTn id="17" dur="26">
-                                          <p:stCondLst>
-                                            <p:cond delay="1642"/>
-                                          </p:stCondLst>
-                                        </p:cTn>
-                                        <p:tgtEl>
-                                          <p:spTgt spid="16"/>
-                                        </p:tgtEl>
-                                      </p:cBhvr>
-                                      <p:to x="100000" y="90000"/>
-                                    </p:animScale>
-                                    <p:animScale>
-                                      <p:cBhvr>
-                                        <p:cTn id="18" dur="166" decel="50000">
-                                          <p:stCondLst>
-                                            <p:cond delay="1668"/>
-                                          </p:stCondLst>
-                                        </p:cTn>
-                                        <p:tgtEl>
-                                          <p:spTgt spid="16"/>
-                                        </p:tgtEl>
-                                      </p:cBhvr>
-                                      <p:to x="100000" y="100000"/>
-                                    </p:animScale>
-                                    <p:animScale>
-                                      <p:cBhvr>
-                                        <p:cTn id="19" dur="26">
-                                          <p:stCondLst>
-                                            <p:cond delay="1808"/>
-                                          </p:stCondLst>
-                                        </p:cTn>
-                                        <p:tgtEl>
-                                          <p:spTgt spid="16"/>
-                                        </p:tgtEl>
-                                      </p:cBhvr>
-                                      <p:to x="100000" y="95000"/>
-                                    </p:animScale>
-                                    <p:animScale>
-                                      <p:cBhvr>
-                                        <p:cTn id="20" dur="166" decel="50000">
-                                          <p:stCondLst>
-                                            <p:cond delay="1834"/>
-                                          </p:stCondLst>
-                                        </p:cTn>
-                                        <p:tgtEl>
-                                          <p:spTgt spid="16"/>
-                                        </p:tgtEl>
-                                      </p:cBhvr>
-                                      <p:to x="100000" y="100000"/>
-                                    </p:animScale>
+                                    </p:animEffect>
                                   </p:childTnLst>
                                 </p:cTn>
                               </p:par>
@@ -22215,8 +21157,8 @@
         </p:nvSpPr>
         <p:spPr>
           <a:xfrm rot="835554">
-            <a:off x="6386527" y="806187"/>
-            <a:ext cx="5779299" cy="1754326"/>
+            <a:off x="6482149" y="866338"/>
+            <a:ext cx="5385477" cy="1446550"/>
           </a:xfrm>
           <a:prstGeom prst="rect">
             <a:avLst/>
@@ -22238,7 +21180,7 @@
           <a:p>
             <a:pPr algn="ctr"/>
             <a:r>
-              <a:rPr kumimoji="1" lang="ja-JP" altLang="en-US" sz="5400" dirty="0">
+              <a:rPr kumimoji="1" lang="ja-JP" altLang="en-US" sz="4400" dirty="0">
                 <a:solidFill>
                   <a:schemeClr val="accent1">
                     <a:lumMod val="75000"/>
@@ -22247,7 +21189,31 @@
                 <a:latin typeface="HGS明朝B" panose="02020800000000000000" pitchFamily="18" charset="-128"/>
                 <a:ea typeface="HGS明朝B" panose="02020800000000000000" pitchFamily="18" charset="-128"/>
               </a:rPr>
-              <a:t>システムデザイン全権保持者</a:t>
+              <a:t>システムデザイン</a:t>
+            </a:r>
+            <a:endParaRPr kumimoji="1" lang="en-US" altLang="ja-JP" sz="4400" dirty="0">
+              <a:solidFill>
+                <a:schemeClr val="accent1">
+                  <a:lumMod val="75000"/>
+                </a:schemeClr>
+              </a:solidFill>
+              <a:latin typeface="HGS明朝B" panose="02020800000000000000" pitchFamily="18" charset="-128"/>
+              <a:ea typeface="HGS明朝B" panose="02020800000000000000" pitchFamily="18" charset="-128"/>
+            </a:endParaRPr>
+          </a:p>
+          <a:p>
+            <a:pPr algn="ctr"/>
+            <a:r>
+              <a:rPr kumimoji="1" lang="ja-JP" altLang="en-US" sz="4400" dirty="0">
+                <a:solidFill>
+                  <a:schemeClr val="accent1">
+                    <a:lumMod val="75000"/>
+                  </a:schemeClr>
+                </a:solidFill>
+                <a:latin typeface="HGS明朝B" panose="02020800000000000000" pitchFamily="18" charset="-128"/>
+                <a:ea typeface="HGS明朝B" panose="02020800000000000000" pitchFamily="18" charset="-128"/>
+              </a:rPr>
+              <a:t>全権保持者</a:t>
             </a:r>
           </a:p>
         </p:txBody>
@@ -22361,7 +21327,7 @@
                             </p:stCondLst>
                             <p:childTnLst>
                               <p:par>
-                                <p:cTn id="5" presetID="26" presetClass="entr" presetSubtype="0" fill="hold" grpId="0" nodeType="withEffect">
+                                <p:cTn id="5" presetID="53" presetClass="entr" presetSubtype="16" fill="hold" grpId="0" nodeType="withEffect">
                                   <p:stCondLst>
                                     <p:cond delay="0"/>
                                   </p:stCondLst>
@@ -22384,257 +21350,60 @@
                                         <p:strVal val="visible"/>
                                       </p:to>
                                     </p:set>
-                                    <p:animEffect transition="in" filter="wipe(down)">
-                                      <p:cBhvr>
-                                        <p:cTn id="7" dur="580">
-                                          <p:stCondLst>
-                                            <p:cond delay="0"/>
-                                          </p:stCondLst>
-                                        </p:cTn>
-                                        <p:tgtEl>
-                                          <p:spTgt spid="16"/>
-                                        </p:tgtEl>
-                                      </p:cBhvr>
-                                    </p:animEffect>
                                     <p:anim calcmode="lin" valueType="num">
                                       <p:cBhvr>
-                                        <p:cTn id="8" dur="1822" tmFilter="0,0; 0.14,0.36; 0.43,0.73; 0.71,0.91; 1.0,1.0">
-                                          <p:stCondLst>
-                                            <p:cond delay="0"/>
-                                          </p:stCondLst>
-                                        </p:cTn>
+                                        <p:cTn id="7" dur="500" fill="hold"/>
                                         <p:tgtEl>
                                           <p:spTgt spid="16"/>
                                         </p:tgtEl>
                                         <p:attrNameLst>
-                                          <p:attrName>ppt_x</p:attrName>
+                                          <p:attrName>ppt_w</p:attrName>
                                         </p:attrNameLst>
                                       </p:cBhvr>
                                       <p:tavLst>
                                         <p:tav tm="0">
                                           <p:val>
-                                            <p:strVal val="#ppt_x-0.25"/>
+                                            <p:fltVal val="0"/>
                                           </p:val>
                                         </p:tav>
                                         <p:tav tm="100000">
                                           <p:val>
-                                            <p:strVal val="#ppt_x"/>
+                                            <p:strVal val="#ppt_w"/>
                                           </p:val>
                                         </p:tav>
                                       </p:tavLst>
                                     </p:anim>
                                     <p:anim calcmode="lin" valueType="num">
                                       <p:cBhvr>
-                                        <p:cTn id="9" dur="664" tmFilter="0.0,0.0; 0.25,0.07; 0.50,0.2; 0.75,0.467; 1.0,1.0">
-                                          <p:stCondLst>
-                                            <p:cond delay="0"/>
-                                          </p:stCondLst>
-                                        </p:cTn>
+                                        <p:cTn id="8" dur="500" fill="hold"/>
                                         <p:tgtEl>
                                           <p:spTgt spid="16"/>
                                         </p:tgtEl>
                                         <p:attrNameLst>
-                                          <p:attrName>ppt_y</p:attrName>
+                                          <p:attrName>ppt_h</p:attrName>
                                         </p:attrNameLst>
                                       </p:cBhvr>
                                       <p:tavLst>
-                                        <p:tav tm="0" fmla="#ppt_y-sin(pi*$)/3">
-                                          <p:val>
-                                            <p:fltVal val="0.5"/>
-                                          </p:val>
-                                        </p:tav>
-                                        <p:tav tm="100000">
-                                          <p:val>
-                                            <p:fltVal val="1"/>
-                                          </p:val>
-                                        </p:tav>
-                                      </p:tavLst>
-                                    </p:anim>
-                                    <p:anim calcmode="lin" valueType="num">
-                                      <p:cBhvr>
-                                        <p:cTn id="10" dur="664" tmFilter="0, 0; 0.125,0.2665; 0.25,0.4; 0.375,0.465; 0.5,0.5;  0.625,0.535; 0.75,0.6; 0.875,0.7335; 1,1">
-                                          <p:stCondLst>
-                                            <p:cond delay="664"/>
-                                          </p:stCondLst>
-                                        </p:cTn>
-                                        <p:tgtEl>
-                                          <p:spTgt spid="16"/>
-                                        </p:tgtEl>
-                                        <p:attrNameLst>
-                                          <p:attrName>ppt_y</p:attrName>
-                                        </p:attrNameLst>
-                                      </p:cBhvr>
-                                      <p:tavLst>
-                                        <p:tav tm="0" fmla="#ppt_y-sin(pi*$)/9">
+                                        <p:tav tm="0">
                                           <p:val>
                                             <p:fltVal val="0"/>
                                           </p:val>
                                         </p:tav>
                                         <p:tav tm="100000">
                                           <p:val>
-                                            <p:fltVal val="1"/>
+                                            <p:strVal val="#ppt_h"/>
                                           </p:val>
                                         </p:tav>
                                       </p:tavLst>
                                     </p:anim>
-                                    <p:anim calcmode="lin" valueType="num">
+                                    <p:animEffect transition="in" filter="fade">
                                       <p:cBhvr>
-                                        <p:cTn id="11" dur="332" tmFilter="0, 0; 0.125,0.2665; 0.25,0.4; 0.375,0.465; 0.5,0.5;  0.625,0.535; 0.75,0.6; 0.875,0.7335; 1,1">
-                                          <p:stCondLst>
-                                            <p:cond delay="1324"/>
-                                          </p:stCondLst>
-                                        </p:cTn>
-                                        <p:tgtEl>
-                                          <p:spTgt spid="16"/>
-                                        </p:tgtEl>
-                                        <p:attrNameLst>
-                                          <p:attrName>ppt_y</p:attrName>
-                                        </p:attrNameLst>
-                                      </p:cBhvr>
-                                      <p:tavLst>
-                                        <p:tav tm="0" fmla="#ppt_y-sin(pi*$)/27">
-                                          <p:val>
-                                            <p:fltVal val="0"/>
-                                          </p:val>
-                                        </p:tav>
-                                        <p:tav tm="100000">
-                                          <p:val>
-                                            <p:fltVal val="1"/>
-                                          </p:val>
-                                        </p:tav>
-                                      </p:tavLst>
-                                    </p:anim>
-                                    <p:anim calcmode="lin" valueType="num">
-                                      <p:cBhvr>
-                                        <p:cTn id="12" dur="164" tmFilter="0, 0; 0.125,0.2665; 0.25,0.4; 0.375,0.465; 0.5,0.5;  0.625,0.535; 0.75,0.6; 0.875,0.7335; 1,1">
-                                          <p:stCondLst>
-                                            <p:cond delay="1656"/>
-                                          </p:stCondLst>
-                                        </p:cTn>
-                                        <p:tgtEl>
-                                          <p:spTgt spid="16"/>
-                                        </p:tgtEl>
-                                        <p:attrNameLst>
-                                          <p:attrName>ppt_y</p:attrName>
-                                        </p:attrNameLst>
-                                      </p:cBhvr>
-                                      <p:tavLst>
-                                        <p:tav tm="0" fmla="#ppt_y-sin(pi*$)/81">
-                                          <p:val>
-                                            <p:fltVal val="0"/>
-                                          </p:val>
-                                        </p:tav>
-                                        <p:tav tm="100000">
-                                          <p:val>
-                                            <p:fltVal val="1"/>
-                                          </p:val>
-                                        </p:tav>
-                                      </p:tavLst>
-                                    </p:anim>
-                                    <p:animScale>
-                                      <p:cBhvr>
-                                        <p:cTn id="13" dur="26">
-                                          <p:stCondLst>
-                                            <p:cond delay="650"/>
-                                          </p:stCondLst>
-                                        </p:cTn>
+                                        <p:cTn id="9" dur="500"/>
                                         <p:tgtEl>
                                           <p:spTgt spid="16"/>
                                         </p:tgtEl>
                                       </p:cBhvr>
-                                      <p:to x="100000" y="60000"/>
-                                    </p:animScale>
-                                    <p:animScale>
-                                      <p:cBhvr>
-                                        <p:cTn id="14" dur="166" decel="50000">
-                                          <p:stCondLst>
-                                            <p:cond delay="676"/>
-                                          </p:stCondLst>
-                                        </p:cTn>
-                                        <p:tgtEl>
-                                          <p:spTgt spid="16"/>
-                                        </p:tgtEl>
-                                      </p:cBhvr>
-                                      <p:to x="100000" y="100000"/>
-                                    </p:animScale>
-                                    <p:animScale>
-                                      <p:cBhvr>
-                                        <p:cTn id="15" dur="26">
-                                          <p:stCondLst>
-                                            <p:cond delay="1312"/>
-                                          </p:stCondLst>
-                                        </p:cTn>
-                                        <p:tgtEl>
-                                          <p:spTgt spid="16"/>
-                                        </p:tgtEl>
-                                      </p:cBhvr>
-                                      <p:to x="100000" y="80000"/>
-                                    </p:animScale>
-                                    <p:animScale>
-                                      <p:cBhvr>
-                                        <p:cTn id="16" dur="166" decel="50000">
-                                          <p:stCondLst>
-                                            <p:cond delay="1338"/>
-                                          </p:stCondLst>
-                                        </p:cTn>
-                                        <p:tgtEl>
-                                          <p:spTgt spid="16"/>
-                                        </p:tgtEl>
-                                      </p:cBhvr>
-                                      <p:to x="100000" y="100000"/>
-                                    </p:animScale>
-                                    <p:animScale>
-                                      <p:cBhvr>
-                                        <p:cTn id="17" dur="26">
-                                          <p:stCondLst>
-                                            <p:cond delay="1642"/>
-                                          </p:stCondLst>
-                                        </p:cTn>
-                                        <p:tgtEl>
-                                          <p:spTgt spid="16"/>
-                                        </p:tgtEl>
-                                      </p:cBhvr>
-                                      <p:to x="100000" y="90000"/>
-                                    </p:animScale>
-                                    <p:animScale>
-                                      <p:cBhvr>
-                                        <p:cTn id="18" dur="166" decel="50000">
-                                          <p:stCondLst>
-                                            <p:cond delay="1668"/>
-                                          </p:stCondLst>
-                                        </p:cTn>
-                                        <p:tgtEl>
-                                          <p:spTgt spid="16"/>
-                                        </p:tgtEl>
-                                      </p:cBhvr>
-                                      <p:to x="100000" y="100000"/>
-                                    </p:animScale>
-                                    <p:animScale>
-                                      <p:cBhvr>
-                                        <p:cTn id="19" dur="26">
-                                          <p:stCondLst>
-                                            <p:cond delay="1808"/>
-                                          </p:stCondLst>
-                                        </p:cTn>
-                                        <p:tgtEl>
-                                          <p:spTgt spid="16"/>
-                                        </p:tgtEl>
-                                      </p:cBhvr>
-                                      <p:to x="100000" y="95000"/>
-                                    </p:animScale>
-                                    <p:animScale>
-                                      <p:cBhvr>
-                                        <p:cTn id="20" dur="166" decel="50000">
-                                          <p:stCondLst>
-                                            <p:cond delay="1834"/>
-                                          </p:stCondLst>
-                                        </p:cTn>
-                                        <p:tgtEl>
-                                          <p:spTgt spid="16"/>
-                                        </p:tgtEl>
-                                      </p:cBhvr>
-                                      <p:to x="100000" y="100000"/>
-                                    </p:animScale>
+                                    </p:animEffect>
                                   </p:childTnLst>
                                 </p:cTn>
                               </p:par>
@@ -23460,8 +22229,8 @@
         </p:nvSpPr>
         <p:spPr>
           <a:xfrm>
-            <a:off x="719741" y="3438728"/>
-            <a:ext cx="5805596" cy="1122871"/>
+            <a:off x="719740" y="3438728"/>
+            <a:ext cx="6301545" cy="1122871"/>
           </a:xfrm>
           <a:prstGeom prst="rect">
             <a:avLst/>
@@ -23506,7 +22275,62 @@
                 <a:ea typeface="+mn-ea"/>
                 <a:cs typeface="+mn-cs"/>
               </a:rPr>
-              <a:t>・ お気に入り機能</a:t>
+              <a:t>・ お気に入り機能（</a:t>
+            </a:r>
+            <a:r>
+              <a:rPr kumimoji="1" lang="en-US" altLang="ja-JP" sz="2400" b="0" i="0" u="sng" strike="noStrike" kern="1200" cap="none" spc="0" normalizeH="0" baseline="0" noProof="0" dirty="0">
+                <a:ln>
+                  <a:noFill/>
+                </a:ln>
+                <a:solidFill>
+                  <a:schemeClr val="accent1">
+                    <a:lumMod val="75000"/>
+                  </a:schemeClr>
+                </a:solidFill>
+                <a:effectLst/>
+                <a:uLnTx/>
+                <a:uFillTx/>
+                <a:latin typeface="Meiryo UI"/>
+                <a:ea typeface="+mn-ea"/>
+                <a:cs typeface="+mn-cs"/>
+              </a:rPr>
+              <a:t>※</a:t>
+            </a:r>
+            <a:r>
+              <a:rPr kumimoji="1" lang="ja-JP" altLang="en-US" sz="2400" b="0" i="0" u="sng" strike="noStrike" kern="1200" cap="none" spc="0" normalizeH="0" baseline="0" noProof="0" dirty="0">
+                <a:ln>
+                  <a:noFill/>
+                </a:ln>
+                <a:solidFill>
+                  <a:schemeClr val="accent1">
+                    <a:lumMod val="75000"/>
+                  </a:schemeClr>
+                </a:solidFill>
+                <a:effectLst/>
+                <a:uLnTx/>
+                <a:uFillTx/>
+                <a:latin typeface="Meiryo UI"/>
+                <a:ea typeface="+mn-ea"/>
+                <a:cs typeface="+mn-cs"/>
+              </a:rPr>
+              <a:t>この人初学者です</a:t>
+            </a:r>
+            <a:r>
+              <a:rPr kumimoji="1" lang="ja-JP" altLang="en-US" sz="2400" b="0" i="0" u="none" strike="noStrike" kern="1200" cap="none" spc="0" normalizeH="0" baseline="0" noProof="0" dirty="0">
+                <a:ln>
+                  <a:noFill/>
+                </a:ln>
+                <a:solidFill>
+                  <a:srgbClr val="231B23"/>
+                </a:solidFill>
+                <a:effectLst/>
+                <a:uLnTx/>
+                <a:uFillTx/>
+                <a:latin typeface="Meiryo UI"/>
+                <a:ea typeface="+mn-ea"/>
+                <a:cs typeface="+mn-cs"/>
+              </a:rPr>
+              <a:t>）</a:t>
             </a:r>
             <a:endParaRPr kumimoji="1" lang="en-US" altLang="ja-JP" sz="2400" b="0" i="0" u="none" strike="noStrike" kern="1200" cap="none" spc="0" normalizeH="0" baseline="0" noProof="0" dirty="0">
               <a:ln>
@@ -23804,8 +22628,8 @@
         </p:nvSpPr>
         <p:spPr>
           <a:xfrm rot="835554">
-            <a:off x="6131802" y="1694221"/>
-            <a:ext cx="5779299" cy="1754326"/>
+            <a:off x="6277115" y="1706453"/>
+            <a:ext cx="5488675" cy="1446550"/>
           </a:xfrm>
           <a:prstGeom prst="rect">
             <a:avLst/>
@@ -23827,7 +22651,7 @@
           <a:p>
             <a:pPr algn="ctr"/>
             <a:r>
-              <a:rPr kumimoji="1" lang="ja-JP" altLang="en-US" sz="5400" dirty="0">
+              <a:rPr kumimoji="1" lang="ja-JP" altLang="en-US" sz="4400" dirty="0">
                 <a:solidFill>
                   <a:schemeClr val="accent1">
                     <a:lumMod val="75000"/>
@@ -23839,7 +22663,7 @@
               </a:rPr>
               <a:t>恐怖！</a:t>
             </a:r>
-            <a:endParaRPr kumimoji="1" lang="en-US" altLang="ja-JP" sz="5400" dirty="0">
+            <a:endParaRPr kumimoji="1" lang="en-US" altLang="ja-JP" sz="4400" dirty="0">
               <a:solidFill>
                 <a:schemeClr val="accent1">
                   <a:lumMod val="75000"/>
@@ -23853,7 +22677,7 @@
           <a:p>
             <a:pPr algn="ctr"/>
             <a:r>
-              <a:rPr kumimoji="1" lang="ja-JP" altLang="en-US" sz="5400" dirty="0">
+              <a:rPr kumimoji="1" lang="ja-JP" altLang="en-US" sz="4400" dirty="0">
                 <a:solidFill>
                   <a:schemeClr val="accent1">
                     <a:lumMod val="75000"/>
@@ -23977,7 +22801,7 @@
                             </p:stCondLst>
                             <p:childTnLst>
                               <p:par>
-                                <p:cTn id="5" presetID="26" presetClass="entr" presetSubtype="0" fill="hold" grpId="0" nodeType="withEffect">
+                                <p:cTn id="5" presetID="53" presetClass="entr" presetSubtype="16" fill="hold" grpId="0" nodeType="withEffect">
                                   <p:stCondLst>
                                     <p:cond delay="0"/>
                                   </p:stCondLst>
@@ -24000,257 +22824,60 @@
                                         <p:strVal val="visible"/>
                                       </p:to>
                                     </p:set>
-                                    <p:animEffect transition="in" filter="wipe(down)">
-                                      <p:cBhvr>
-                                        <p:cTn id="7" dur="580">
-                                          <p:stCondLst>
-                                            <p:cond delay="0"/>
-                                          </p:stCondLst>
-                                        </p:cTn>
-                                        <p:tgtEl>
-                                          <p:spTgt spid="16"/>
-                                        </p:tgtEl>
-                                      </p:cBhvr>
-                                    </p:animEffect>
                                     <p:anim calcmode="lin" valueType="num">
                                       <p:cBhvr>
-                                        <p:cTn id="8" dur="1822" tmFilter="0,0; 0.14,0.36; 0.43,0.73; 0.71,0.91; 1.0,1.0">
-                                          <p:stCondLst>
-                                            <p:cond delay="0"/>
-                                          </p:stCondLst>
-                                        </p:cTn>
+                                        <p:cTn id="7" dur="500" fill="hold"/>
                                         <p:tgtEl>
                                           <p:spTgt spid="16"/>
                                         </p:tgtEl>
                                         <p:attrNameLst>
-                                          <p:attrName>ppt_x</p:attrName>
+                                          <p:attrName>ppt_w</p:attrName>
                                         </p:attrNameLst>
                                       </p:cBhvr>
                                       <p:tavLst>
                                         <p:tav tm="0">
                                           <p:val>
-                                            <p:strVal val="#ppt_x-0.25"/>
+                                            <p:fltVal val="0"/>
                                           </p:val>
                                         </p:tav>
                                         <p:tav tm="100000">
                                           <p:val>
-                                            <p:strVal val="#ppt_x"/>
+                                            <p:strVal val="#ppt_w"/>
                                           </p:val>
                                         </p:tav>
                                       </p:tavLst>
                                     </p:anim>
                                     <p:anim calcmode="lin" valueType="num">
                                       <p:cBhvr>
-                                        <p:cTn id="9" dur="664" tmFilter="0.0,0.0; 0.25,0.07; 0.50,0.2; 0.75,0.467; 1.0,1.0">
-                                          <p:stCondLst>
-                                            <p:cond delay="0"/>
-                                          </p:stCondLst>
-                                        </p:cTn>
+                                        <p:cTn id="8" dur="500" fill="hold"/>
                                         <p:tgtEl>
                                           <p:spTgt spid="16"/>
                                         </p:tgtEl>
                                         <p:attrNameLst>
-                                          <p:attrName>ppt_y</p:attrName>
+                                          <p:attrName>ppt_h</p:attrName>
                                         </p:attrNameLst>
                                       </p:cBhvr>
                                       <p:tavLst>
-                                        <p:tav tm="0" fmla="#ppt_y-sin(pi*$)/3">
-                                          <p:val>
-                                            <p:fltVal val="0.5"/>
-                                          </p:val>
-                                        </p:tav>
-                                        <p:tav tm="100000">
-                                          <p:val>
-                                            <p:fltVal val="1"/>
-                                          </p:val>
-                                        </p:tav>
-                                      </p:tavLst>
-                                    </p:anim>
-                                    <p:anim calcmode="lin" valueType="num">
-                                      <p:cBhvr>
-                                        <p:cTn id="10" dur="664" tmFilter="0, 0; 0.125,0.2665; 0.25,0.4; 0.375,0.465; 0.5,0.5;  0.625,0.535; 0.75,0.6; 0.875,0.7335; 1,1">
-                                          <p:stCondLst>
-                                            <p:cond delay="664"/>
-                                          </p:stCondLst>
-                                        </p:cTn>
-                                        <p:tgtEl>
-                                          <p:spTgt spid="16"/>
-                                        </p:tgtEl>
-                                        <p:attrNameLst>
-                                          <p:attrName>ppt_y</p:attrName>
-                                        </p:attrNameLst>
-                                      </p:cBhvr>
-                                      <p:tavLst>
-                                        <p:tav tm="0" fmla="#ppt_y-sin(pi*$)/9">
+                                        <p:tav tm="0">
                                           <p:val>
                                             <p:fltVal val="0"/>
                                           </p:val>
                                         </p:tav>
                                         <p:tav tm="100000">
                                           <p:val>
-                                            <p:fltVal val="1"/>
+                                            <p:strVal val="#ppt_h"/>
                                           </p:val>
                                         </p:tav>
                                       </p:tavLst>
                                     </p:anim>
-                                    <p:anim calcmode="lin" valueType="num">
+                                    <p:animEffect transition="in" filter="fade">
                                       <p:cBhvr>
-                                        <p:cTn id="11" dur="332" tmFilter="0, 0; 0.125,0.2665; 0.25,0.4; 0.375,0.465; 0.5,0.5;  0.625,0.535; 0.75,0.6; 0.875,0.7335; 1,1">
-                                          <p:stCondLst>
-                                            <p:cond delay="1324"/>
-                                          </p:stCondLst>
-                                        </p:cTn>
-                                        <p:tgtEl>
-                                          <p:spTgt spid="16"/>
-                                        </p:tgtEl>
-                                        <p:attrNameLst>
-                                          <p:attrName>ppt_y</p:attrName>
-                                        </p:attrNameLst>
-                                      </p:cBhvr>
-                                      <p:tavLst>
-                                        <p:tav tm="0" fmla="#ppt_y-sin(pi*$)/27">
-                                          <p:val>
-                                            <p:fltVal val="0"/>
-                                          </p:val>
-                                        </p:tav>
-                                        <p:tav tm="100000">
-                                          <p:val>
-                                            <p:fltVal val="1"/>
-                                          </p:val>
-                                        </p:tav>
-                                      </p:tavLst>
-                                    </p:anim>
-                                    <p:anim calcmode="lin" valueType="num">
-                                      <p:cBhvr>
-                                        <p:cTn id="12" dur="164" tmFilter="0, 0; 0.125,0.2665; 0.25,0.4; 0.375,0.465; 0.5,0.5;  0.625,0.535; 0.75,0.6; 0.875,0.7335; 1,1">
-                                          <p:stCondLst>
-                                            <p:cond delay="1656"/>
-                                          </p:stCondLst>
-                                        </p:cTn>
-                                        <p:tgtEl>
-                                          <p:spTgt spid="16"/>
-                                        </p:tgtEl>
-                                        <p:attrNameLst>
-                                          <p:attrName>ppt_y</p:attrName>
-                                        </p:attrNameLst>
-                                      </p:cBhvr>
-                                      <p:tavLst>
-                                        <p:tav tm="0" fmla="#ppt_y-sin(pi*$)/81">
-                                          <p:val>
-                                            <p:fltVal val="0"/>
-                                          </p:val>
-                                        </p:tav>
-                                        <p:tav tm="100000">
-                                          <p:val>
-                                            <p:fltVal val="1"/>
-                                          </p:val>
-                                        </p:tav>
-                                      </p:tavLst>
-                                    </p:anim>
-                                    <p:animScale>
-                                      <p:cBhvr>
-                                        <p:cTn id="13" dur="26">
-                                          <p:stCondLst>
-                                            <p:cond delay="650"/>
-                                          </p:stCondLst>
-                                        </p:cTn>
+                                        <p:cTn id="9" dur="500"/>
                                         <p:tgtEl>
                                           <p:spTgt spid="16"/>
                                         </p:tgtEl>
                                       </p:cBhvr>
-                                      <p:to x="100000" y="60000"/>
-                                    </p:animScale>
-                                    <p:animScale>
-                                      <p:cBhvr>
-                                        <p:cTn id="14" dur="166" decel="50000">
-                                          <p:stCondLst>
-                                            <p:cond delay="676"/>
-                                          </p:stCondLst>
-                                        </p:cTn>
-                                        <p:tgtEl>
-                                          <p:spTgt spid="16"/>
-                                        </p:tgtEl>
-                                      </p:cBhvr>
-                                      <p:to x="100000" y="100000"/>
-                                    </p:animScale>
-                                    <p:animScale>
-                                      <p:cBhvr>
-                                        <p:cTn id="15" dur="26">
-                                          <p:stCondLst>
-                                            <p:cond delay="1312"/>
-                                          </p:stCondLst>
-                                        </p:cTn>
-                                        <p:tgtEl>
-                                          <p:spTgt spid="16"/>
-                                        </p:tgtEl>
-                                      </p:cBhvr>
-                                      <p:to x="100000" y="80000"/>
-                                    </p:animScale>
-                                    <p:animScale>
-                                      <p:cBhvr>
-                                        <p:cTn id="16" dur="166" decel="50000">
-                                          <p:stCondLst>
-                                            <p:cond delay="1338"/>
-                                          </p:stCondLst>
-                                        </p:cTn>
-                                        <p:tgtEl>
-                                          <p:spTgt spid="16"/>
-                                        </p:tgtEl>
-                                      </p:cBhvr>
-                                      <p:to x="100000" y="100000"/>
-                                    </p:animScale>
-                                    <p:animScale>
-                                      <p:cBhvr>
-                                        <p:cTn id="17" dur="26">
-                                          <p:stCondLst>
-                                            <p:cond delay="1642"/>
-                                          </p:stCondLst>
-                                        </p:cTn>
-                                        <p:tgtEl>
-                                          <p:spTgt spid="16"/>
-                                        </p:tgtEl>
-                                      </p:cBhvr>
-                                      <p:to x="100000" y="90000"/>
-                                    </p:animScale>
-                                    <p:animScale>
-                                      <p:cBhvr>
-                                        <p:cTn id="18" dur="166" decel="50000">
-                                          <p:stCondLst>
-                                            <p:cond delay="1668"/>
-                                          </p:stCondLst>
-                                        </p:cTn>
-                                        <p:tgtEl>
-                                          <p:spTgt spid="16"/>
-                                        </p:tgtEl>
-                                      </p:cBhvr>
-                                      <p:to x="100000" y="100000"/>
-                                    </p:animScale>
-                                    <p:animScale>
-                                      <p:cBhvr>
-                                        <p:cTn id="19" dur="26">
-                                          <p:stCondLst>
-                                            <p:cond delay="1808"/>
-                                          </p:stCondLst>
-                                        </p:cTn>
-                                        <p:tgtEl>
-                                          <p:spTgt spid="16"/>
-                                        </p:tgtEl>
-                                      </p:cBhvr>
-                                      <p:to x="100000" y="95000"/>
-                                    </p:animScale>
-                                    <p:animScale>
-                                      <p:cBhvr>
-                                        <p:cTn id="20" dur="166" decel="50000">
-                                          <p:stCondLst>
-                                            <p:cond delay="1834"/>
-                                          </p:stCondLst>
-                                        </p:cTn>
-                                        <p:tgtEl>
-                                          <p:spTgt spid="16"/>
-                                        </p:tgtEl>
-                                      </p:cBhvr>
-                                      <p:to x="100000" y="100000"/>
-                                    </p:animScale>
+                                    </p:animEffect>
                                   </p:childTnLst>
                                 </p:cTn>
                               </p:par>
@@ -25608,8 +24235,8 @@
         </p:nvSpPr>
         <p:spPr>
           <a:xfrm rot="835554">
-            <a:off x="5570667" y="1362249"/>
-            <a:ext cx="6370132" cy="923330"/>
+            <a:off x="5879503" y="1015408"/>
+            <a:ext cx="5948730" cy="769441"/>
           </a:xfrm>
           <a:prstGeom prst="rect">
             <a:avLst/>
@@ -25631,7 +24258,7 @@
           <a:p>
             <a:pPr algn="ctr"/>
             <a:r>
-              <a:rPr kumimoji="1" lang="ja-JP" altLang="en-US" sz="5400" dirty="0">
+              <a:rPr kumimoji="1" lang="ja-JP" altLang="en-US" sz="4400" dirty="0">
                 <a:solidFill>
                   <a:schemeClr val="accent1">
                     <a:lumMod val="75000"/>
@@ -25754,7 +24381,7 @@
                             </p:stCondLst>
                             <p:childTnLst>
                               <p:par>
-                                <p:cTn id="5" presetID="26" presetClass="entr" presetSubtype="0" fill="hold" grpId="0" nodeType="withEffect">
+                                <p:cTn id="5" presetID="53" presetClass="entr" presetSubtype="16" fill="hold" grpId="0" nodeType="withEffect">
                                   <p:stCondLst>
                                     <p:cond delay="0"/>
                                   </p:stCondLst>
@@ -25777,257 +24404,60 @@
                                         <p:strVal val="visible"/>
                                       </p:to>
                                     </p:set>
-                                    <p:animEffect transition="in" filter="wipe(down)">
-                                      <p:cBhvr>
-                                        <p:cTn id="7" dur="580">
-                                          <p:stCondLst>
-                                            <p:cond delay="0"/>
-                                          </p:stCondLst>
-                                        </p:cTn>
-                                        <p:tgtEl>
-                                          <p:spTgt spid="16"/>
-                                        </p:tgtEl>
-                                      </p:cBhvr>
-                                    </p:animEffect>
                                     <p:anim calcmode="lin" valueType="num">
                                       <p:cBhvr>
-                                        <p:cTn id="8" dur="1822" tmFilter="0,0; 0.14,0.36; 0.43,0.73; 0.71,0.91; 1.0,1.0">
-                                          <p:stCondLst>
-                                            <p:cond delay="0"/>
-                                          </p:stCondLst>
-                                        </p:cTn>
+                                        <p:cTn id="7" dur="500" fill="hold"/>
                                         <p:tgtEl>
                                           <p:spTgt spid="16"/>
                                         </p:tgtEl>
                                         <p:attrNameLst>
-                                          <p:attrName>ppt_x</p:attrName>
+                                          <p:attrName>ppt_w</p:attrName>
                                         </p:attrNameLst>
                                       </p:cBhvr>
                                       <p:tavLst>
                                         <p:tav tm="0">
                                           <p:val>
-                                            <p:strVal val="#ppt_x-0.25"/>
+                                            <p:fltVal val="0"/>
                                           </p:val>
                                         </p:tav>
                                         <p:tav tm="100000">
                                           <p:val>
-                                            <p:strVal val="#ppt_x"/>
+                                            <p:strVal val="#ppt_w"/>
                                           </p:val>
                                         </p:tav>
                                       </p:tavLst>
                                     </p:anim>
                                     <p:anim calcmode="lin" valueType="num">
                                       <p:cBhvr>
-                                        <p:cTn id="9" dur="664" tmFilter="0.0,0.0; 0.25,0.07; 0.50,0.2; 0.75,0.467; 1.0,1.0">
-                                          <p:stCondLst>
-                                            <p:cond delay="0"/>
-                                          </p:stCondLst>
-                                        </p:cTn>
+                                        <p:cTn id="8" dur="500" fill="hold"/>
                                         <p:tgtEl>
                                           <p:spTgt spid="16"/>
                                         </p:tgtEl>
                                         <p:attrNameLst>
-                                          <p:attrName>ppt_y</p:attrName>
+                                          <p:attrName>ppt_h</p:attrName>
                                         </p:attrNameLst>
                                       </p:cBhvr>
                                       <p:tavLst>
-                                        <p:tav tm="0" fmla="#ppt_y-sin(pi*$)/3">
-                                          <p:val>
-                                            <p:fltVal val="0.5"/>
-                                          </p:val>
-                                        </p:tav>
-                                        <p:tav tm="100000">
-                                          <p:val>
-                                            <p:fltVal val="1"/>
-                                          </p:val>
-                                        </p:tav>
-                                      </p:tavLst>
-                                    </p:anim>
-                                    <p:anim calcmode="lin" valueType="num">
-                                      <p:cBhvr>
-                                        <p:cTn id="10" dur="664" tmFilter="0, 0; 0.125,0.2665; 0.25,0.4; 0.375,0.465; 0.5,0.5;  0.625,0.535; 0.75,0.6; 0.875,0.7335; 1,1">
-                                          <p:stCondLst>
-                                            <p:cond delay="664"/>
-                                          </p:stCondLst>
-                                        </p:cTn>
-                                        <p:tgtEl>
-                                          <p:spTgt spid="16"/>
-                                        </p:tgtEl>
-                                        <p:attrNameLst>
-                                          <p:attrName>ppt_y</p:attrName>
-                                        </p:attrNameLst>
-                                      </p:cBhvr>
-                                      <p:tavLst>
-                                        <p:tav tm="0" fmla="#ppt_y-sin(pi*$)/9">
+                                        <p:tav tm="0">
                                           <p:val>
                                             <p:fltVal val="0"/>
                                           </p:val>
                                         </p:tav>
                                         <p:tav tm="100000">
                                           <p:val>
-                                            <p:fltVal val="1"/>
+                                            <p:strVal val="#ppt_h"/>
                                           </p:val>
                                         </p:tav>
                                       </p:tavLst>
                                     </p:anim>
-                                    <p:anim calcmode="lin" valueType="num">
+                                    <p:animEffect transition="in" filter="fade">
                                       <p:cBhvr>
-                                        <p:cTn id="11" dur="332" tmFilter="0, 0; 0.125,0.2665; 0.25,0.4; 0.375,0.465; 0.5,0.5;  0.625,0.535; 0.75,0.6; 0.875,0.7335; 1,1">
-                                          <p:stCondLst>
-                                            <p:cond delay="1324"/>
-                                          </p:stCondLst>
-                                        </p:cTn>
-                                        <p:tgtEl>
-                                          <p:spTgt spid="16"/>
-                                        </p:tgtEl>
-                                        <p:attrNameLst>
-                                          <p:attrName>ppt_y</p:attrName>
-                                        </p:attrNameLst>
-                                      </p:cBhvr>
-                                      <p:tavLst>
-                                        <p:tav tm="0" fmla="#ppt_y-sin(pi*$)/27">
-                                          <p:val>
-                                            <p:fltVal val="0"/>
-                                          </p:val>
-                                        </p:tav>
-                                        <p:tav tm="100000">
-                                          <p:val>
-                                            <p:fltVal val="1"/>
-                                          </p:val>
-                                        </p:tav>
-                                      </p:tavLst>
-                                    </p:anim>
-                                    <p:anim calcmode="lin" valueType="num">
-                                      <p:cBhvr>
-                                        <p:cTn id="12" dur="164" tmFilter="0, 0; 0.125,0.2665; 0.25,0.4; 0.375,0.465; 0.5,0.5;  0.625,0.535; 0.75,0.6; 0.875,0.7335; 1,1">
-                                          <p:stCondLst>
-                                            <p:cond delay="1656"/>
-                                          </p:stCondLst>
-                                        </p:cTn>
-                                        <p:tgtEl>
-                                          <p:spTgt spid="16"/>
-                                        </p:tgtEl>
-                                        <p:attrNameLst>
-                                          <p:attrName>ppt_y</p:attrName>
-                                        </p:attrNameLst>
-                                      </p:cBhvr>
-                                      <p:tavLst>
-                                        <p:tav tm="0" fmla="#ppt_y-sin(pi*$)/81">
-                                          <p:val>
-                                            <p:fltVal val="0"/>
-                                          </p:val>
-                                        </p:tav>
-                                        <p:tav tm="100000">
-                                          <p:val>
-                                            <p:fltVal val="1"/>
-                                          </p:val>
-                                        </p:tav>
-                                      </p:tavLst>
-                                    </p:anim>
-                                    <p:animScale>
-                                      <p:cBhvr>
-                                        <p:cTn id="13" dur="26">
-                                          <p:stCondLst>
-                                            <p:cond delay="650"/>
-                                          </p:stCondLst>
-                                        </p:cTn>
+                                        <p:cTn id="9" dur="500"/>
                                         <p:tgtEl>
                                           <p:spTgt spid="16"/>
                                         </p:tgtEl>
                                       </p:cBhvr>
-                                      <p:to x="100000" y="60000"/>
-                                    </p:animScale>
-                                    <p:animScale>
-                                      <p:cBhvr>
-                                        <p:cTn id="14" dur="166" decel="50000">
-                                          <p:stCondLst>
-                                            <p:cond delay="676"/>
-                                          </p:stCondLst>
-                                        </p:cTn>
-                                        <p:tgtEl>
-                                          <p:spTgt spid="16"/>
-                                        </p:tgtEl>
-                                      </p:cBhvr>
-                                      <p:to x="100000" y="100000"/>
-                                    </p:animScale>
-                                    <p:animScale>
-                                      <p:cBhvr>
-                                        <p:cTn id="15" dur="26">
-                                          <p:stCondLst>
-                                            <p:cond delay="1312"/>
-                                          </p:stCondLst>
-                                        </p:cTn>
-                                        <p:tgtEl>
-                                          <p:spTgt spid="16"/>
-                                        </p:tgtEl>
-                                      </p:cBhvr>
-                                      <p:to x="100000" y="80000"/>
-                                    </p:animScale>
-                                    <p:animScale>
-                                      <p:cBhvr>
-                                        <p:cTn id="16" dur="166" decel="50000">
-                                          <p:stCondLst>
-                                            <p:cond delay="1338"/>
-                                          </p:stCondLst>
-                                        </p:cTn>
-                                        <p:tgtEl>
-                                          <p:spTgt spid="16"/>
-                                        </p:tgtEl>
-                                      </p:cBhvr>
-                                      <p:to x="100000" y="100000"/>
-                                    </p:animScale>
-                                    <p:animScale>
-                                      <p:cBhvr>
-                                        <p:cTn id="17" dur="26">
-                                          <p:stCondLst>
-                                            <p:cond delay="1642"/>
-                                          </p:stCondLst>
-                                        </p:cTn>
-                                        <p:tgtEl>
-                                          <p:spTgt spid="16"/>
-                                        </p:tgtEl>
-                                      </p:cBhvr>
-                                      <p:to x="100000" y="90000"/>
-                                    </p:animScale>
-                                    <p:animScale>
-                                      <p:cBhvr>
-                                        <p:cTn id="18" dur="166" decel="50000">
-                                          <p:stCondLst>
-                                            <p:cond delay="1668"/>
-                                          </p:stCondLst>
-                                        </p:cTn>
-                                        <p:tgtEl>
-                                          <p:spTgt spid="16"/>
-                                        </p:tgtEl>
-                                      </p:cBhvr>
-                                      <p:to x="100000" y="100000"/>
-                                    </p:animScale>
-                                    <p:animScale>
-                                      <p:cBhvr>
-                                        <p:cTn id="19" dur="26">
-                                          <p:stCondLst>
-                                            <p:cond delay="1808"/>
-                                          </p:stCondLst>
-                                        </p:cTn>
-                                        <p:tgtEl>
-                                          <p:spTgt spid="16"/>
-                                        </p:tgtEl>
-                                      </p:cBhvr>
-                                      <p:to x="100000" y="95000"/>
-                                    </p:animScale>
-                                    <p:animScale>
-                                      <p:cBhvr>
-                                        <p:cTn id="20" dur="166" decel="50000">
-                                          <p:stCondLst>
-                                            <p:cond delay="1834"/>
-                                          </p:stCondLst>
-                                        </p:cTn>
-                                        <p:tgtEl>
-                                          <p:spTgt spid="16"/>
-                                        </p:tgtEl>
-                                      </p:cBhvr>
-                                      <p:to x="100000" y="100000"/>
-                                    </p:animScale>
+                                    </p:animEffect>
                                   </p:childTnLst>
                                 </p:cTn>
                               </p:par>
@@ -26488,7 +24918,7 @@
 </file>
 
 <file path=ppt/slides/slide26.xml><?xml version="1.0" encoding="utf-8"?>
-<p:sld xmlns:a="http://schemas.openxmlformats.org/drawingml/2006/main" xmlns:r="http://schemas.openxmlformats.org/officeDocument/2006/relationships" xmlns:p="http://schemas.openxmlformats.org/presentationml/2006/main" show="0">
+<p:sld xmlns:a="http://schemas.openxmlformats.org/drawingml/2006/main" xmlns:r="http://schemas.openxmlformats.org/officeDocument/2006/relationships" xmlns:p="http://schemas.openxmlformats.org/presentationml/2006/main">
   <p:cSld>
     <p:spTree>
       <p:nvGrpSpPr>

--- a/documents/worldMap発表資料改良.pptx
+++ b/documents/worldMap発表資料改良.pptx
@@ -7861,7 +7861,7 @@
         <p:spPr>
           <a:xfrm>
             <a:off x="4527029" y="4642899"/>
-            <a:ext cx="4079598" cy="523220"/>
+            <a:ext cx="2396285" cy="523220"/>
           </a:xfrm>
           <a:prstGeom prst="rect">
             <a:avLst/>
